--- a/2024-08-15 ABP Community Talks 2024.4/ABP Studio - The Missing Tool for Dotnet Developers.pptx
+++ b/2024-08-15 ABP Community Talks 2024.4/ABP Studio - The Missing Tool for Dotnet Developers.pptx
@@ -8,20 +8,22 @@
     <p:sldId id="256" r:id="rId2"/>
     <p:sldId id="257" r:id="rId3"/>
     <p:sldId id="258" r:id="rId4"/>
-    <p:sldId id="259" r:id="rId5"/>
-    <p:sldId id="260" r:id="rId6"/>
-    <p:sldId id="261" r:id="rId7"/>
-    <p:sldId id="262" r:id="rId8"/>
-    <p:sldId id="263" r:id="rId9"/>
-    <p:sldId id="264" r:id="rId10"/>
-    <p:sldId id="265" r:id="rId11"/>
-    <p:sldId id="266" r:id="rId12"/>
-    <p:sldId id="267" r:id="rId13"/>
-    <p:sldId id="268" r:id="rId14"/>
-    <p:sldId id="269" r:id="rId15"/>
-    <p:sldId id="270" r:id="rId16"/>
-    <p:sldId id="271" r:id="rId17"/>
-    <p:sldId id="272" r:id="rId18"/>
+    <p:sldId id="273" r:id="rId5"/>
+    <p:sldId id="259" r:id="rId6"/>
+    <p:sldId id="274" r:id="rId7"/>
+    <p:sldId id="260" r:id="rId8"/>
+    <p:sldId id="261" r:id="rId9"/>
+    <p:sldId id="262" r:id="rId10"/>
+    <p:sldId id="263" r:id="rId11"/>
+    <p:sldId id="264" r:id="rId12"/>
+    <p:sldId id="265" r:id="rId13"/>
+    <p:sldId id="266" r:id="rId14"/>
+    <p:sldId id="267" r:id="rId15"/>
+    <p:sldId id="268" r:id="rId16"/>
+    <p:sldId id="269" r:id="rId17"/>
+    <p:sldId id="270" r:id="rId18"/>
+    <p:sldId id="271" r:id="rId19"/>
+    <p:sldId id="272" r:id="rId20"/>
   </p:sldIdLst>
   <p:sldSz cx="12192000" cy="6858000"/>
   <p:notesSz cx="6858000" cy="9144000"/>
@@ -3548,7 +3550,7 @@
     </p:spTree>
     <p:extLst>
       <p:ext uri="{BB962C8B-B14F-4D97-AF65-F5344CB8AC3E}">
-        <p14:creationId xmlns:p14="http://schemas.microsoft.com/office/powerpoint/2010/main" val="2237470617"/>
+        <p14:creationId xmlns:p14="http://schemas.microsoft.com/office/powerpoint/2010/main" val="3274601683"/>
       </p:ext>
     </p:extLst>
   </p:cSld>
@@ -3657,7 +3659,7 @@
     </p:spTree>
     <p:extLst>
       <p:ext uri="{BB962C8B-B14F-4D97-AF65-F5344CB8AC3E}">
-        <p14:creationId xmlns:p14="http://schemas.microsoft.com/office/powerpoint/2010/main" val="293445063"/>
+        <p14:creationId xmlns:p14="http://schemas.microsoft.com/office/powerpoint/2010/main" val="1519802074"/>
       </p:ext>
     </p:extLst>
   </p:cSld>
@@ -3766,7 +3768,7 @@
     </p:spTree>
     <p:extLst>
       <p:ext uri="{BB962C8B-B14F-4D97-AF65-F5344CB8AC3E}">
-        <p14:creationId xmlns:p14="http://schemas.microsoft.com/office/powerpoint/2010/main" val="228140593"/>
+        <p14:creationId xmlns:p14="http://schemas.microsoft.com/office/powerpoint/2010/main" val="2237470617"/>
       </p:ext>
     </p:extLst>
   </p:cSld>
@@ -3875,7 +3877,7 @@
     </p:spTree>
     <p:extLst>
       <p:ext uri="{BB962C8B-B14F-4D97-AF65-F5344CB8AC3E}">
-        <p14:creationId xmlns:p14="http://schemas.microsoft.com/office/powerpoint/2010/main" val="2428480657"/>
+        <p14:creationId xmlns:p14="http://schemas.microsoft.com/office/powerpoint/2010/main" val="293445063"/>
       </p:ext>
     </p:extLst>
   </p:cSld>
@@ -3984,7 +3986,7 @@
     </p:spTree>
     <p:extLst>
       <p:ext uri="{BB962C8B-B14F-4D97-AF65-F5344CB8AC3E}">
-        <p14:creationId xmlns:p14="http://schemas.microsoft.com/office/powerpoint/2010/main" val="3141616852"/>
+        <p14:creationId xmlns:p14="http://schemas.microsoft.com/office/powerpoint/2010/main" val="228140593"/>
       </p:ext>
     </p:extLst>
   </p:cSld>
@@ -4093,7 +4095,7 @@
     </p:spTree>
     <p:extLst>
       <p:ext uri="{BB962C8B-B14F-4D97-AF65-F5344CB8AC3E}">
-        <p14:creationId xmlns:p14="http://schemas.microsoft.com/office/powerpoint/2010/main" val="2206496468"/>
+        <p14:creationId xmlns:p14="http://schemas.microsoft.com/office/powerpoint/2010/main" val="2428480657"/>
       </p:ext>
     </p:extLst>
   </p:cSld>
@@ -4202,6 +4204,224 @@
     </p:spTree>
     <p:extLst>
       <p:ext uri="{BB962C8B-B14F-4D97-AF65-F5344CB8AC3E}">
+        <p14:creationId xmlns:p14="http://schemas.microsoft.com/office/powerpoint/2010/main" val="3141616852"/>
+      </p:ext>
+    </p:extLst>
+  </p:cSld>
+  <p:clrMapOvr>
+    <a:masterClrMapping/>
+  </p:clrMapOvr>
+</p:sld>
+</file>
+
+<file path=ppt/slides/slide17.xml><?xml version="1.0" encoding="utf-8"?>
+<p:sld xmlns:a="http://schemas.openxmlformats.org/drawingml/2006/main" xmlns:r="http://schemas.openxmlformats.org/officeDocument/2006/relationships" xmlns:p="http://schemas.openxmlformats.org/presentationml/2006/main">
+  <p:cSld>
+    <p:bg>
+      <p:bgPr>
+        <a:blipFill dpi="0" rotWithShape="1">
+          <a:blip r:embed="rId2">
+            <a:lum/>
+          </a:blip>
+          <a:srcRect/>
+          <a:stretch>
+            <a:fillRect/>
+          </a:stretch>
+        </a:blipFill>
+        <a:effectLst/>
+      </p:bgPr>
+    </p:bg>
+    <p:spTree>
+      <p:nvGrpSpPr>
+        <p:cNvPr id="1" name=""/>
+        <p:cNvGrpSpPr/>
+        <p:nvPr/>
+      </p:nvGrpSpPr>
+      <p:grpSpPr>
+        <a:xfrm>
+          <a:off x="0" y="0"/>
+          <a:ext cx="0" cy="0"/>
+          <a:chOff x="0" y="0"/>
+          <a:chExt cx="0" cy="0"/>
+        </a:xfrm>
+      </p:grpSpPr>
+      <p:sp>
+        <p:nvSpPr>
+          <p:cNvPr id="2" name="Title 1">
+            <a:extLst>
+              <a:ext uri="{FF2B5EF4-FFF2-40B4-BE49-F238E27FC236}">
+                <a16:creationId xmlns:a16="http://schemas.microsoft.com/office/drawing/2014/main" id="{55E11F08-6CA0-48F1-AD67-97430DDA07F0}"/>
+              </a:ext>
+            </a:extLst>
+          </p:cNvPr>
+          <p:cNvSpPr>
+            <a:spLocks noGrp="1"/>
+          </p:cNvSpPr>
+          <p:nvPr>
+            <p:ph type="title"/>
+          </p:nvPr>
+        </p:nvSpPr>
+        <p:spPr/>
+        <p:txBody>
+          <a:bodyPr/>
+          <a:lstStyle/>
+          <a:p>
+            <a:r>
+              <a:rPr lang="en-US" b="1" dirty="0">
+                <a:solidFill>
+                  <a:srgbClr val="292D33"/>
+                </a:solidFill>
+                <a:latin typeface="Euclid Circular B" panose="020B0504000000000000" pitchFamily="34" charset="0"/>
+                <a:ea typeface="Euclid Circular B" panose="020B0504000000000000" pitchFamily="34" charset="0"/>
+              </a:rPr>
+              <a:t>Topic title</a:t>
+            </a:r>
+          </a:p>
+        </p:txBody>
+      </p:sp>
+      <p:sp>
+        <p:nvSpPr>
+          <p:cNvPr id="3" name="Content Placeholder 2">
+            <a:extLst>
+              <a:ext uri="{FF2B5EF4-FFF2-40B4-BE49-F238E27FC236}">
+                <a16:creationId xmlns:a16="http://schemas.microsoft.com/office/drawing/2014/main" id="{891C7693-D3DF-4635-96F4-97F3B4136FDF}"/>
+              </a:ext>
+            </a:extLst>
+          </p:cNvPr>
+          <p:cNvSpPr>
+            <a:spLocks noGrp="1"/>
+          </p:cNvSpPr>
+          <p:nvPr>
+            <p:ph idx="1"/>
+          </p:nvPr>
+        </p:nvSpPr>
+        <p:spPr/>
+        <p:txBody>
+          <a:bodyPr/>
+          <a:lstStyle/>
+          <a:p>
+            <a:r>
+              <a:rPr lang="en-US" dirty="0">
+                <a:latin typeface="Euclid Circular B" panose="020B0504000000000000" pitchFamily="34" charset="0"/>
+                <a:ea typeface="Euclid Circular B" panose="020B0504000000000000" pitchFamily="34" charset="0"/>
+              </a:rPr>
+              <a:t>Content</a:t>
+            </a:r>
+          </a:p>
+        </p:txBody>
+      </p:sp>
+    </p:spTree>
+    <p:extLst>
+      <p:ext uri="{BB962C8B-B14F-4D97-AF65-F5344CB8AC3E}">
+        <p14:creationId xmlns:p14="http://schemas.microsoft.com/office/powerpoint/2010/main" val="2206496468"/>
+      </p:ext>
+    </p:extLst>
+  </p:cSld>
+  <p:clrMapOvr>
+    <a:masterClrMapping/>
+  </p:clrMapOvr>
+</p:sld>
+</file>
+
+<file path=ppt/slides/slide18.xml><?xml version="1.0" encoding="utf-8"?>
+<p:sld xmlns:a="http://schemas.openxmlformats.org/drawingml/2006/main" xmlns:r="http://schemas.openxmlformats.org/officeDocument/2006/relationships" xmlns:p="http://schemas.openxmlformats.org/presentationml/2006/main">
+  <p:cSld>
+    <p:bg>
+      <p:bgPr>
+        <a:blipFill dpi="0" rotWithShape="1">
+          <a:blip r:embed="rId2">
+            <a:lum/>
+          </a:blip>
+          <a:srcRect/>
+          <a:stretch>
+            <a:fillRect/>
+          </a:stretch>
+        </a:blipFill>
+        <a:effectLst/>
+      </p:bgPr>
+    </p:bg>
+    <p:spTree>
+      <p:nvGrpSpPr>
+        <p:cNvPr id="1" name=""/>
+        <p:cNvGrpSpPr/>
+        <p:nvPr/>
+      </p:nvGrpSpPr>
+      <p:grpSpPr>
+        <a:xfrm>
+          <a:off x="0" y="0"/>
+          <a:ext cx="0" cy="0"/>
+          <a:chOff x="0" y="0"/>
+          <a:chExt cx="0" cy="0"/>
+        </a:xfrm>
+      </p:grpSpPr>
+      <p:sp>
+        <p:nvSpPr>
+          <p:cNvPr id="2" name="Title 1">
+            <a:extLst>
+              <a:ext uri="{FF2B5EF4-FFF2-40B4-BE49-F238E27FC236}">
+                <a16:creationId xmlns:a16="http://schemas.microsoft.com/office/drawing/2014/main" id="{55E11F08-6CA0-48F1-AD67-97430DDA07F0}"/>
+              </a:ext>
+            </a:extLst>
+          </p:cNvPr>
+          <p:cNvSpPr>
+            <a:spLocks noGrp="1"/>
+          </p:cNvSpPr>
+          <p:nvPr>
+            <p:ph type="title"/>
+          </p:nvPr>
+        </p:nvSpPr>
+        <p:spPr/>
+        <p:txBody>
+          <a:bodyPr/>
+          <a:lstStyle/>
+          <a:p>
+            <a:r>
+              <a:rPr lang="en-US" b="1" dirty="0">
+                <a:solidFill>
+                  <a:srgbClr val="292D33"/>
+                </a:solidFill>
+                <a:latin typeface="Euclid Circular B" panose="020B0504000000000000" pitchFamily="34" charset="0"/>
+                <a:ea typeface="Euclid Circular B" panose="020B0504000000000000" pitchFamily="34" charset="0"/>
+              </a:rPr>
+              <a:t>Topic title</a:t>
+            </a:r>
+          </a:p>
+        </p:txBody>
+      </p:sp>
+      <p:sp>
+        <p:nvSpPr>
+          <p:cNvPr id="3" name="Content Placeholder 2">
+            <a:extLst>
+              <a:ext uri="{FF2B5EF4-FFF2-40B4-BE49-F238E27FC236}">
+                <a16:creationId xmlns:a16="http://schemas.microsoft.com/office/drawing/2014/main" id="{891C7693-D3DF-4635-96F4-97F3B4136FDF}"/>
+              </a:ext>
+            </a:extLst>
+          </p:cNvPr>
+          <p:cNvSpPr>
+            <a:spLocks noGrp="1"/>
+          </p:cNvSpPr>
+          <p:nvPr>
+            <p:ph idx="1"/>
+          </p:nvPr>
+        </p:nvSpPr>
+        <p:spPr/>
+        <p:txBody>
+          <a:bodyPr/>
+          <a:lstStyle/>
+          <a:p>
+            <a:r>
+              <a:rPr lang="en-US" dirty="0">
+                <a:latin typeface="Euclid Circular B" panose="020B0504000000000000" pitchFamily="34" charset="0"/>
+                <a:ea typeface="Euclid Circular B" panose="020B0504000000000000" pitchFamily="34" charset="0"/>
+              </a:rPr>
+              <a:t>Content</a:t>
+            </a:r>
+          </a:p>
+        </p:txBody>
+      </p:sp>
+    </p:spTree>
+    <p:extLst>
+      <p:ext uri="{BB962C8B-B14F-4D97-AF65-F5344CB8AC3E}">
         <p14:creationId xmlns:p14="http://schemas.microsoft.com/office/powerpoint/2010/main" val="3183022146"/>
       </p:ext>
     </p:extLst>
@@ -4212,7 +4432,7 @@
 </p:sld>
 </file>
 
-<file path=ppt/slides/slide17.xml><?xml version="1.0" encoding="utf-8"?>
+<file path=ppt/slides/slide19.xml><?xml version="1.0" encoding="utf-8"?>
 <p:sld xmlns:a="http://schemas.openxmlformats.org/drawingml/2006/main" xmlns:r="http://schemas.openxmlformats.org/officeDocument/2006/relationships" xmlns:p="http://schemas.openxmlformats.org/presentationml/2006/main">
   <p:cSld>
     <p:bg>
@@ -4412,7 +4632,7 @@
         <p:spPr/>
         <p:txBody>
           <a:bodyPr>
-            <a:normAutofit fontScale="92500" lnSpcReduction="10000"/>
+            <a:normAutofit fontScale="92500" lnSpcReduction="20000"/>
           </a:bodyPr>
           <a:lstStyle/>
           <a:p>
@@ -4421,7 +4641,7 @@
                 <a:latin typeface="Euclid Circular B" panose="020B0504000000000000" pitchFamily="34" charset="0"/>
                 <a:ea typeface="Euclid Circular B" panose="020B0504000000000000" pitchFamily="34" charset="0"/>
               </a:rPr>
-              <a:t>What is ABP Studio? Why We’ve Built It?</a:t>
+              <a:t>What is ABP Studio? Why We’ve Built it?</a:t>
             </a:r>
           </a:p>
           <a:p>
@@ -4450,7 +4670,21 @@
                 <a:latin typeface="Euclid Circular B" panose="020B0504000000000000" pitchFamily="34" charset="0"/>
                 <a:ea typeface="Euclid Circular B" panose="020B0504000000000000" pitchFamily="34" charset="0"/>
               </a:rPr>
-              <a:t>Basics: Creating Solutions / Using ABP &amp; .NET CLI Commands</a:t>
+              <a:t>Basics: </a:t>
+            </a:r>
+            <a:r>
+              <a:rPr lang="tr-TR" b="1" dirty="0">
+                <a:latin typeface="Euclid Circular B" panose="020B0504000000000000" pitchFamily="34" charset="0"/>
+                <a:ea typeface="Euclid Circular B" panose="020B0504000000000000" pitchFamily="34" charset="0"/>
+              </a:rPr>
+              <a:t>Creating </a:t>
+            </a:r>
+            <a:r>
+              <a:rPr lang="tr-TR" dirty="0">
+                <a:latin typeface="Euclid Circular B" panose="020B0504000000000000" pitchFamily="34" charset="0"/>
+                <a:ea typeface="Euclid Circular B" panose="020B0504000000000000" pitchFamily="34" charset="0"/>
+              </a:rPr>
+              <a:t>solutions / Using ABP &amp; .NET CLI commands</a:t>
             </a:r>
           </a:p>
           <a:p>
@@ -4460,7 +4694,21 @@
                 <a:latin typeface="Euclid Circular B" panose="020B0504000000000000" pitchFamily="34" charset="0"/>
                 <a:ea typeface="Euclid Circular B" panose="020B0504000000000000" pitchFamily="34" charset="0"/>
               </a:rPr>
-              <a:t>Building Modular &amp; Complex Applications</a:t>
+              <a:t>Building </a:t>
+            </a:r>
+            <a:r>
+              <a:rPr lang="tr-TR" b="1" dirty="0">
+                <a:latin typeface="Euclid Circular B" panose="020B0504000000000000" pitchFamily="34" charset="0"/>
+                <a:ea typeface="Euclid Circular B" panose="020B0504000000000000" pitchFamily="34" charset="0"/>
+              </a:rPr>
+              <a:t>modular </a:t>
+            </a:r>
+            <a:r>
+              <a:rPr lang="tr-TR" dirty="0">
+                <a:latin typeface="Euclid Circular B" panose="020B0504000000000000" pitchFamily="34" charset="0"/>
+                <a:ea typeface="Euclid Circular B" panose="020B0504000000000000" pitchFamily="34" charset="0"/>
+              </a:rPr>
+              <a:t>&amp; complex applications</a:t>
             </a:r>
           </a:p>
           <a:p>
@@ -4470,7 +4718,14 @@
                 <a:latin typeface="Euclid Circular B" panose="020B0504000000000000" pitchFamily="34" charset="0"/>
                 <a:ea typeface="Euclid Circular B" panose="020B0504000000000000" pitchFamily="34" charset="0"/>
               </a:rPr>
-              <a:t>Developing Distributed Systems / Run, Monitor &amp; Work with Kubernetes</a:t>
+              <a:t>Developing, running and monitoring </a:t>
+            </a:r>
+            <a:r>
+              <a:rPr lang="tr-TR" b="1" dirty="0">
+                <a:latin typeface="Euclid Circular B" panose="020B0504000000000000" pitchFamily="34" charset="0"/>
+                <a:ea typeface="Euclid Circular B" panose="020B0504000000000000" pitchFamily="34" charset="0"/>
+              </a:rPr>
+              <a:t>distributed dystems</a:t>
             </a:r>
           </a:p>
           <a:p>
@@ -4480,23 +4735,31 @@
                 <a:latin typeface="Euclid Circular B" panose="020B0504000000000000" pitchFamily="34" charset="0"/>
                 <a:ea typeface="Euclid Circular B" panose="020B0504000000000000" pitchFamily="34" charset="0"/>
               </a:rPr>
-              <a:t>Working with ABP Suite</a:t>
-            </a:r>
-          </a:p>
-          <a:p>
-            <a:r>
-              <a:rPr lang="tr-TR">
-                <a:latin typeface="Euclid Circular B" panose="020B0504000000000000" pitchFamily="34" charset="0"/>
-                <a:ea typeface="Euclid Circular B" panose="020B0504000000000000" pitchFamily="34" charset="0"/>
-              </a:rPr>
-              <a:t>.</a:t>
-            </a:r>
+              <a:t>Working with </a:t>
+            </a:r>
+            <a:r>
+              <a:rPr lang="tr-TR" b="1" dirty="0">
+                <a:latin typeface="Euclid Circular B" panose="020B0504000000000000" pitchFamily="34" charset="0"/>
+                <a:ea typeface="Euclid Circular B" panose="020B0504000000000000" pitchFamily="34" charset="0"/>
+              </a:rPr>
+              <a:t>Kubernetes</a:t>
+            </a:r>
+          </a:p>
+          <a:p>
+            <a:pPr lvl="1"/>
             <a:r>
               <a:rPr lang="tr-TR" dirty="0">
                 <a:latin typeface="Euclid Circular B" panose="020B0504000000000000" pitchFamily="34" charset="0"/>
                 <a:ea typeface="Euclid Circular B" panose="020B0504000000000000" pitchFamily="34" charset="0"/>
               </a:rPr>
-              <a:t>NET Aspire?</a:t>
+              <a:t>Working with </a:t>
+            </a:r>
+            <a:r>
+              <a:rPr lang="tr-TR" b="1" dirty="0">
+                <a:latin typeface="Euclid Circular B" panose="020B0504000000000000" pitchFamily="34" charset="0"/>
+                <a:ea typeface="Euclid Circular B" panose="020B0504000000000000" pitchFamily="34" charset="0"/>
+              </a:rPr>
+              <a:t>ABP Suite</a:t>
             </a:r>
           </a:p>
           <a:p>
@@ -4505,6 +4768,15 @@
                 <a:latin typeface="Euclid Circular B" panose="020B0504000000000000" pitchFamily="34" charset="0"/>
                 <a:ea typeface="Euclid Circular B" panose="020B0504000000000000" pitchFamily="34" charset="0"/>
               </a:rPr>
+              <a:t>.NET Aspire?</a:t>
+            </a:r>
+          </a:p>
+          <a:p>
+            <a:r>
+              <a:rPr lang="tr-TR" dirty="0">
+                <a:latin typeface="Euclid Circular B" panose="020B0504000000000000" pitchFamily="34" charset="0"/>
+                <a:ea typeface="Euclid Circular B" panose="020B0504000000000000" pitchFamily="34" charset="0"/>
+              </a:rPr>
               <a:t>Road Map</a:t>
             </a:r>
           </a:p>
@@ -4523,7 +4795,7 @@
                 <a:latin typeface="Euclid Circular B" panose="020B0504000000000000" pitchFamily="34" charset="0"/>
                 <a:ea typeface="Euclid Circular B" panose="020B0504000000000000" pitchFamily="34" charset="0"/>
               </a:rPr>
-              <a:t>Next Events</a:t>
+              <a:t>Next ABP Studio Events</a:t>
             </a:r>
             <a:endParaRPr lang="en-US" dirty="0">
               <a:latin typeface="Euclid Circular B" panose="020B0504000000000000" pitchFamily="34" charset="0"/>
@@ -4598,15 +4870,22 @@
           <a:lstStyle/>
           <a:p>
             <a:r>
-              <a:rPr lang="en-US" b="1" dirty="0">
+              <a:rPr lang="tr-TR" b="1" dirty="0">
                 <a:solidFill>
                   <a:srgbClr val="292D33"/>
                 </a:solidFill>
                 <a:latin typeface="Euclid Circular B" panose="020B0504000000000000" pitchFamily="34" charset="0"/>
                 <a:ea typeface="Euclid Circular B" panose="020B0504000000000000" pitchFamily="34" charset="0"/>
               </a:rPr>
-              <a:t>Topic title</a:t>
-            </a:r>
+              <a:t>ABP Studio: What it is?</a:t>
+            </a:r>
+            <a:endParaRPr lang="en-US" b="1" dirty="0">
+              <a:solidFill>
+                <a:srgbClr val="292D33"/>
+              </a:solidFill>
+              <a:latin typeface="Euclid Circular B" panose="020B0504000000000000" pitchFamily="34" charset="0"/>
+              <a:ea typeface="Euclid Circular B" panose="020B0504000000000000" pitchFamily="34" charset="0"/>
+            </a:endParaRPr>
           </a:p>
         </p:txBody>
       </p:sp>
@@ -4626,21 +4905,144 @@
             <p:ph idx="1"/>
           </p:nvPr>
         </p:nvSpPr>
-        <p:spPr/>
-        <p:txBody>
-          <a:bodyPr/>
-          <a:lstStyle/>
-          <a:p>
-            <a:r>
-              <a:rPr lang="en-US" dirty="0">
-                <a:latin typeface="Euclid Circular B" panose="020B0504000000000000" pitchFamily="34" charset="0"/>
-                <a:ea typeface="Euclid Circular B" panose="020B0504000000000000" pitchFamily="34" charset="0"/>
-              </a:rPr>
-              <a:t>Content</a:t>
-            </a:r>
-          </a:p>
-        </p:txBody>
-      </p:sp>
+        <p:spPr>
+          <a:xfrm>
+            <a:off x="838201" y="2321781"/>
+            <a:ext cx="6540610" cy="3855182"/>
+          </a:xfrm>
+        </p:spPr>
+        <p:txBody>
+          <a:bodyPr/>
+          <a:lstStyle/>
+          <a:p>
+            <a:r>
+              <a:rPr lang="tr-TR" i="1" dirty="0">
+                <a:latin typeface="Euclid Circular B" panose="020B0504000000000000" pitchFamily="34" charset="0"/>
+                <a:ea typeface="Euclid Circular B" panose="020B0504000000000000" pitchFamily="34" charset="0"/>
+              </a:rPr>
+              <a:t>A</a:t>
+            </a:r>
+            <a:r>
+              <a:rPr lang="en-US" i="1" dirty="0">
+                <a:latin typeface="Euclid Circular B" panose="020B0504000000000000" pitchFamily="34" charset="0"/>
+                <a:ea typeface="Euclid Circular B" panose="020B0504000000000000" pitchFamily="34" charset="0"/>
+              </a:rPr>
+              <a:t> </a:t>
+            </a:r>
+            <a:r>
+              <a:rPr lang="en-US" b="1" i="1" dirty="0">
+                <a:latin typeface="Euclid Circular B" panose="020B0504000000000000" pitchFamily="34" charset="0"/>
+                <a:ea typeface="Euclid Circular B" panose="020B0504000000000000" pitchFamily="34" charset="0"/>
+              </a:rPr>
+              <a:t>cross-platform desktop application </a:t>
+            </a:r>
+            <a:r>
+              <a:rPr lang="en-US" i="1" dirty="0">
+                <a:latin typeface="Euclid Circular B" panose="020B0504000000000000" pitchFamily="34" charset="0"/>
+                <a:ea typeface="Euclid Circular B" panose="020B0504000000000000" pitchFamily="34" charset="0"/>
+              </a:rPr>
+              <a:t>for ABP developers</a:t>
+            </a:r>
+            <a:r>
+              <a:rPr lang="tr-TR" i="1" dirty="0">
+                <a:latin typeface="Euclid Circular B" panose="020B0504000000000000" pitchFamily="34" charset="0"/>
+                <a:ea typeface="Euclid Circular B" panose="020B0504000000000000" pitchFamily="34" charset="0"/>
+              </a:rPr>
+              <a:t>!</a:t>
+            </a:r>
+          </a:p>
+          <a:p>
+            <a:r>
+              <a:rPr lang="tr-TR" i="1" dirty="0">
+                <a:latin typeface="Euclid Circular B" panose="020B0504000000000000" pitchFamily="34" charset="0"/>
+                <a:ea typeface="Euclid Circular B" panose="020B0504000000000000" pitchFamily="34" charset="0"/>
+              </a:rPr>
+              <a:t>A tool you use daily to simplify or automate your </a:t>
+            </a:r>
+            <a:r>
+              <a:rPr lang="tr-TR" b="1" i="1" dirty="0">
+                <a:latin typeface="Euclid Circular B" panose="020B0504000000000000" pitchFamily="34" charset="0"/>
+                <a:ea typeface="Euclid Circular B" panose="020B0504000000000000" pitchFamily="34" charset="0"/>
+              </a:rPr>
+              <a:t>non-coding activities</a:t>
+            </a:r>
+          </a:p>
+          <a:p>
+            <a:r>
+              <a:rPr lang="tr-TR" i="1" dirty="0">
+                <a:latin typeface="Euclid Circular B" panose="020B0504000000000000" pitchFamily="34" charset="0"/>
+                <a:ea typeface="Euclid Circular B" panose="020B0504000000000000" pitchFamily="34" charset="0"/>
+              </a:rPr>
+              <a:t>It is </a:t>
+            </a:r>
+            <a:r>
+              <a:rPr lang="tr-TR" b="1" i="1" dirty="0">
+                <a:latin typeface="Euclid Circular B" panose="020B0504000000000000" pitchFamily="34" charset="0"/>
+                <a:ea typeface="Euclid Circular B" panose="020B0504000000000000" pitchFamily="34" charset="0"/>
+              </a:rPr>
+              <a:t>not </a:t>
+            </a:r>
+            <a:r>
+              <a:rPr lang="tr-TR" i="1" dirty="0">
+                <a:latin typeface="Euclid Circular B" panose="020B0504000000000000" pitchFamily="34" charset="0"/>
+                <a:ea typeface="Euclid Circular B" panose="020B0504000000000000" pitchFamily="34" charset="0"/>
+              </a:rPr>
+              <a:t>a coding IDE (e.g. Visual Studio)</a:t>
+            </a:r>
+            <a:endParaRPr lang="en-US" i="1" dirty="0">
+              <a:latin typeface="Euclid Circular B" panose="020B0504000000000000" pitchFamily="34" charset="0"/>
+              <a:ea typeface="Euclid Circular B" panose="020B0504000000000000" pitchFamily="34" charset="0"/>
+            </a:endParaRPr>
+          </a:p>
+        </p:txBody>
+      </p:sp>
+      <p:pic>
+        <p:nvPicPr>
+          <p:cNvPr id="1026" name="Picture 2">
+            <a:extLst>
+              <a:ext uri="{FF2B5EF4-FFF2-40B4-BE49-F238E27FC236}">
+                <a16:creationId xmlns:a16="http://schemas.microsoft.com/office/drawing/2014/main" id="{84A98693-51AA-5614-0F0D-B39B67A7E88F}"/>
+              </a:ext>
+            </a:extLst>
+          </p:cNvPr>
+          <p:cNvPicPr>
+            <a:picLocks noChangeAspect="1" noChangeArrowheads="1"/>
+          </p:cNvPicPr>
+          <p:nvPr/>
+        </p:nvPicPr>
+        <p:blipFill>
+          <a:blip r:embed="rId3">
+            <a:extLst>
+              <a:ext uri="{28A0092B-C50C-407E-A947-70E740481C1C}">
+                <a14:useLocalDpi xmlns:a14="http://schemas.microsoft.com/office/drawing/2010/main" val="0"/>
+              </a:ext>
+            </a:extLst>
+          </a:blip>
+          <a:srcRect/>
+          <a:stretch>
+            <a:fillRect/>
+          </a:stretch>
+        </p:blipFill>
+        <p:spPr bwMode="auto">
+          <a:xfrm>
+            <a:off x="7762875" y="1638300"/>
+            <a:ext cx="4429125" cy="3581400"/>
+          </a:xfrm>
+          <a:prstGeom prst="rect">
+            <a:avLst/>
+          </a:prstGeom>
+          <a:noFill/>
+          <a:extLst>
+            <a:ext uri="{909E8E84-426E-40DD-AFC4-6F175D3DCCD1}">
+              <a14:hiddenFill xmlns:a14="http://schemas.microsoft.com/office/drawing/2010/main">
+                <a:solidFill>
+                  <a:srgbClr val="FFFFFF"/>
+                </a:solidFill>
+              </a14:hiddenFill>
+            </a:ext>
+          </a:extLst>
+        </p:spPr>
+      </p:pic>
     </p:spTree>
     <p:extLst>
       <p:ext uri="{BB962C8B-B14F-4D97-AF65-F5344CB8AC3E}">
@@ -4707,15 +5109,22 @@
           <a:lstStyle/>
           <a:p>
             <a:r>
-              <a:rPr lang="en-US" b="1" dirty="0">
+              <a:rPr lang="tr-TR" b="1" dirty="0">
                 <a:solidFill>
                   <a:srgbClr val="292D33"/>
                 </a:solidFill>
                 <a:latin typeface="Euclid Circular B" panose="020B0504000000000000" pitchFamily="34" charset="0"/>
                 <a:ea typeface="Euclid Circular B" panose="020B0504000000000000" pitchFamily="34" charset="0"/>
               </a:rPr>
-              <a:t>Topic title</a:t>
-            </a:r>
+              <a:t>ABP Studio: Why?</a:t>
+            </a:r>
+            <a:endParaRPr lang="en-US" b="1" dirty="0">
+              <a:solidFill>
+                <a:srgbClr val="292D33"/>
+              </a:solidFill>
+              <a:latin typeface="Euclid Circular B" panose="020B0504000000000000" pitchFamily="34" charset="0"/>
+              <a:ea typeface="Euclid Circular B" panose="020B0504000000000000" pitchFamily="34" charset="0"/>
+            </a:endParaRPr>
           </a:p>
         </p:txBody>
       </p:sp>
@@ -4735,25 +5144,129 @@
             <p:ph idx="1"/>
           </p:nvPr>
         </p:nvSpPr>
-        <p:spPr/>
-        <p:txBody>
-          <a:bodyPr/>
-          <a:lstStyle/>
-          <a:p>
-            <a:r>
-              <a:rPr lang="en-US" dirty="0">
-                <a:latin typeface="Euclid Circular B" panose="020B0504000000000000" pitchFamily="34" charset="0"/>
-                <a:ea typeface="Euclid Circular B" panose="020B0504000000000000" pitchFamily="34" charset="0"/>
-              </a:rPr>
-              <a:t>Content</a:t>
-            </a:r>
-          </a:p>
-        </p:txBody>
-      </p:sp>
+        <p:spPr>
+          <a:xfrm>
+            <a:off x="838200" y="1825625"/>
+            <a:ext cx="6659880" cy="4351338"/>
+          </a:xfrm>
+        </p:spPr>
+        <p:txBody>
+          <a:bodyPr>
+            <a:normAutofit/>
+          </a:bodyPr>
+          <a:lstStyle/>
+          <a:p>
+            <a:r>
+              <a:rPr lang="tr-TR" dirty="0">
+                <a:latin typeface="Euclid Circular B" panose="020B0504000000000000" pitchFamily="34" charset="0"/>
+                <a:ea typeface="Euclid Circular B" panose="020B0504000000000000" pitchFamily="34" charset="0"/>
+              </a:rPr>
+              <a:t>A single wiew of a system consists of multiple .NET solutions</a:t>
+            </a:r>
+          </a:p>
+          <a:p>
+            <a:pPr lvl="1"/>
+            <a:r>
+              <a:rPr lang="tr-TR" dirty="0">
+                <a:latin typeface="Euclid Circular B" panose="020B0504000000000000" pitchFamily="34" charset="0"/>
+                <a:ea typeface="Euclid Circular B" panose="020B0504000000000000" pitchFamily="34" charset="0"/>
+              </a:rPr>
+              <a:t>Architecting complex software solutions</a:t>
+            </a:r>
+          </a:p>
+          <a:p>
+            <a:pPr lvl="2"/>
+            <a:r>
+              <a:rPr lang="tr-TR" dirty="0">
+                <a:latin typeface="Euclid Circular B" panose="020B0504000000000000" pitchFamily="34" charset="0"/>
+                <a:ea typeface="Euclid Circular B" panose="020B0504000000000000" pitchFamily="34" charset="0"/>
+              </a:rPr>
+              <a:t>Modular monoliths</a:t>
+            </a:r>
+          </a:p>
+          <a:p>
+            <a:pPr lvl="2"/>
+            <a:r>
+              <a:rPr lang="tr-TR" dirty="0">
+                <a:latin typeface="Euclid Circular B" panose="020B0504000000000000" pitchFamily="34" charset="0"/>
+                <a:ea typeface="Euclid Circular B" panose="020B0504000000000000" pitchFamily="34" charset="0"/>
+              </a:rPr>
+              <a:t>Microservice / distributed systems</a:t>
+            </a:r>
+          </a:p>
+          <a:p>
+            <a:pPr lvl="1"/>
+            <a:r>
+              <a:rPr lang="tr-TR" dirty="0">
+                <a:latin typeface="Euclid Circular B" panose="020B0504000000000000" pitchFamily="34" charset="0"/>
+                <a:ea typeface="Euclid Circular B" panose="020B0504000000000000" pitchFamily="34" charset="0"/>
+              </a:rPr>
+              <a:t>Building &amp; managing multi-package or layered modules</a:t>
+            </a:r>
+          </a:p>
+          <a:p>
+            <a:pPr lvl="1"/>
+            <a:r>
+              <a:rPr lang="tr-TR" dirty="0">
+                <a:latin typeface="Euclid Circular B" panose="020B0504000000000000" pitchFamily="34" charset="0"/>
+                <a:ea typeface="Euclid Circular B" panose="020B0504000000000000" pitchFamily="34" charset="0"/>
+              </a:rPr>
+              <a:t>Install, uninstall and explore external modules</a:t>
+            </a:r>
+          </a:p>
+        </p:txBody>
+      </p:sp>
+      <p:pic>
+        <p:nvPicPr>
+          <p:cNvPr id="2052" name="Picture 4" descr="Architect Your Solutions">
+            <a:extLst>
+              <a:ext uri="{FF2B5EF4-FFF2-40B4-BE49-F238E27FC236}">
+                <a16:creationId xmlns:a16="http://schemas.microsoft.com/office/drawing/2014/main" id="{FDCB98E2-3C88-42D7-A6AC-25FA3E5734DC}"/>
+              </a:ext>
+            </a:extLst>
+          </p:cNvPr>
+          <p:cNvPicPr>
+            <a:picLocks noChangeAspect="1" noChangeArrowheads="1"/>
+          </p:cNvPicPr>
+          <p:nvPr/>
+        </p:nvPicPr>
+        <p:blipFill>
+          <a:blip r:embed="rId3">
+            <a:extLst>
+              <a:ext uri="{28A0092B-C50C-407E-A947-70E740481C1C}">
+                <a14:useLocalDpi xmlns:a14="http://schemas.microsoft.com/office/drawing/2010/main" val="0"/>
+              </a:ext>
+            </a:extLst>
+          </a:blip>
+          <a:srcRect/>
+          <a:stretch>
+            <a:fillRect/>
+          </a:stretch>
+        </p:blipFill>
+        <p:spPr bwMode="auto">
+          <a:xfrm>
+            <a:off x="8140424" y="1095292"/>
+            <a:ext cx="4051576" cy="4667416"/>
+          </a:xfrm>
+          <a:prstGeom prst="rect">
+            <a:avLst/>
+          </a:prstGeom>
+          <a:noFill/>
+          <a:extLst>
+            <a:ext uri="{909E8E84-426E-40DD-AFC4-6F175D3DCCD1}">
+              <a14:hiddenFill xmlns:a14="http://schemas.microsoft.com/office/drawing/2010/main">
+                <a:solidFill>
+                  <a:srgbClr val="FFFFFF"/>
+                </a:solidFill>
+              </a14:hiddenFill>
+            </a:ext>
+          </a:extLst>
+        </p:spPr>
+      </p:pic>
     </p:spTree>
     <p:extLst>
       <p:ext uri="{BB962C8B-B14F-4D97-AF65-F5344CB8AC3E}">
-        <p14:creationId xmlns:p14="http://schemas.microsoft.com/office/powerpoint/2010/main" val="3429267677"/>
+        <p14:creationId xmlns:p14="http://schemas.microsoft.com/office/powerpoint/2010/main" val="52993536"/>
       </p:ext>
     </p:extLst>
   </p:cSld>
@@ -4816,15 +5329,22 @@
           <a:lstStyle/>
           <a:p>
             <a:r>
-              <a:rPr lang="en-US" b="1" dirty="0">
+              <a:rPr lang="tr-TR" b="1" dirty="0">
                 <a:solidFill>
                   <a:srgbClr val="292D33"/>
                 </a:solidFill>
                 <a:latin typeface="Euclid Circular B" panose="020B0504000000000000" pitchFamily="34" charset="0"/>
                 <a:ea typeface="Euclid Circular B" panose="020B0504000000000000" pitchFamily="34" charset="0"/>
               </a:rPr>
-              <a:t>Topic title</a:t>
-            </a:r>
+              <a:t>ABP Studio: Why?</a:t>
+            </a:r>
+            <a:endParaRPr lang="en-US" b="1" dirty="0">
+              <a:solidFill>
+                <a:srgbClr val="292D33"/>
+              </a:solidFill>
+              <a:latin typeface="Euclid Circular B" panose="020B0504000000000000" pitchFamily="34" charset="0"/>
+              <a:ea typeface="Euclid Circular B" panose="020B0504000000000000" pitchFamily="34" charset="0"/>
+            </a:endParaRPr>
           </a:p>
         </p:txBody>
       </p:sp>
@@ -4844,25 +5364,99 @@
             <p:ph idx="1"/>
           </p:nvPr>
         </p:nvSpPr>
-        <p:spPr/>
-        <p:txBody>
-          <a:bodyPr/>
-          <a:lstStyle/>
-          <a:p>
-            <a:r>
-              <a:rPr lang="en-US" dirty="0">
-                <a:latin typeface="Euclid Circular B" panose="020B0504000000000000" pitchFamily="34" charset="0"/>
-                <a:ea typeface="Euclid Circular B" panose="020B0504000000000000" pitchFamily="34" charset="0"/>
-              </a:rPr>
-              <a:t>Content</a:t>
-            </a:r>
-          </a:p>
-        </p:txBody>
-      </p:sp>
+        <p:spPr>
+          <a:xfrm>
+            <a:off x="838200" y="1825625"/>
+            <a:ext cx="4361953" cy="4351338"/>
+          </a:xfrm>
+        </p:spPr>
+        <p:txBody>
+          <a:bodyPr>
+            <a:normAutofit/>
+          </a:bodyPr>
+          <a:lstStyle/>
+          <a:p>
+            <a:r>
+              <a:rPr lang="tr-TR" dirty="0">
+                <a:latin typeface="Euclid Circular B" panose="020B0504000000000000" pitchFamily="34" charset="0"/>
+                <a:ea typeface="Euclid Circular B" panose="020B0504000000000000" pitchFamily="34" charset="0"/>
+              </a:rPr>
+              <a:t>A single UI to control multi-application solutions</a:t>
+            </a:r>
+          </a:p>
+          <a:p>
+            <a:pPr lvl="1"/>
+            <a:r>
+              <a:rPr lang="tr-TR" dirty="0">
+                <a:latin typeface="Euclid Circular B" panose="020B0504000000000000" pitchFamily="34" charset="0"/>
+                <a:ea typeface="Euclid Circular B" panose="020B0504000000000000" pitchFamily="34" charset="0"/>
+              </a:rPr>
+              <a:t>Running multiple applications/services with a single click</a:t>
+            </a:r>
+          </a:p>
+          <a:p>
+            <a:pPr lvl="1"/>
+            <a:r>
+              <a:rPr lang="tr-TR" dirty="0">
+                <a:latin typeface="Euclid Circular B" panose="020B0504000000000000" pitchFamily="34" charset="0"/>
+                <a:ea typeface="Euclid Circular B" panose="020B0504000000000000" pitchFamily="34" charset="0"/>
+              </a:rPr>
+              <a:t>Browse, monitor, trace and debug problems across applications/services</a:t>
+            </a:r>
+          </a:p>
+        </p:txBody>
+      </p:sp>
+      <p:pic>
+        <p:nvPicPr>
+          <p:cNvPr id="3074" name="Picture 2" descr="Run Multi-Application or Microservice Solutions in a Breeze">
+            <a:extLst>
+              <a:ext uri="{FF2B5EF4-FFF2-40B4-BE49-F238E27FC236}">
+                <a16:creationId xmlns:a16="http://schemas.microsoft.com/office/drawing/2014/main" id="{00B2B66F-D8AB-063A-4026-055239842ABC}"/>
+              </a:ext>
+            </a:extLst>
+          </p:cNvPr>
+          <p:cNvPicPr>
+            <a:picLocks noChangeAspect="1" noChangeArrowheads="1"/>
+          </p:cNvPicPr>
+          <p:nvPr/>
+        </p:nvPicPr>
+        <p:blipFill>
+          <a:blip r:embed="rId3">
+            <a:extLst>
+              <a:ext uri="{28A0092B-C50C-407E-A947-70E740481C1C}">
+                <a14:useLocalDpi xmlns:a14="http://schemas.microsoft.com/office/drawing/2010/main" val="0"/>
+              </a:ext>
+            </a:extLst>
+          </a:blip>
+          <a:srcRect/>
+          <a:stretch>
+            <a:fillRect/>
+          </a:stretch>
+        </p:blipFill>
+        <p:spPr bwMode="auto">
+          <a:xfrm>
+            <a:off x="5929022" y="365125"/>
+            <a:ext cx="11692379" cy="5696990"/>
+          </a:xfrm>
+          <a:prstGeom prst="rect">
+            <a:avLst/>
+          </a:prstGeom>
+          <a:noFill/>
+          <a:extLst>
+            <a:ext uri="{909E8E84-426E-40DD-AFC4-6F175D3DCCD1}">
+              <a14:hiddenFill xmlns:a14="http://schemas.microsoft.com/office/drawing/2010/main">
+                <a:solidFill>
+                  <a:srgbClr val="FFFFFF"/>
+                </a:solidFill>
+              </a14:hiddenFill>
+            </a:ext>
+          </a:extLst>
+        </p:spPr>
+      </p:pic>
     </p:spTree>
     <p:extLst>
       <p:ext uri="{BB962C8B-B14F-4D97-AF65-F5344CB8AC3E}">
-        <p14:creationId xmlns:p14="http://schemas.microsoft.com/office/powerpoint/2010/main" val="4276238134"/>
+        <p14:creationId xmlns:p14="http://schemas.microsoft.com/office/powerpoint/2010/main" val="3429267677"/>
       </p:ext>
     </p:extLst>
   </p:cSld>
@@ -4925,15 +5519,22 @@
           <a:lstStyle/>
           <a:p>
             <a:r>
-              <a:rPr lang="en-US" b="1" dirty="0">
+              <a:rPr lang="tr-TR" b="1" dirty="0">
                 <a:solidFill>
                   <a:srgbClr val="292D33"/>
                 </a:solidFill>
                 <a:latin typeface="Euclid Circular B" panose="020B0504000000000000" pitchFamily="34" charset="0"/>
                 <a:ea typeface="Euclid Circular B" panose="020B0504000000000000" pitchFamily="34" charset="0"/>
               </a:rPr>
-              <a:t>Topic title</a:t>
-            </a:r>
+              <a:t>ABP Studio: Why?</a:t>
+            </a:r>
+            <a:endParaRPr lang="en-US" b="1" dirty="0">
+              <a:solidFill>
+                <a:srgbClr val="292D33"/>
+              </a:solidFill>
+              <a:latin typeface="Euclid Circular B" panose="020B0504000000000000" pitchFamily="34" charset="0"/>
+              <a:ea typeface="Euclid Circular B" panose="020B0504000000000000" pitchFamily="34" charset="0"/>
+            </a:endParaRPr>
           </a:p>
         </p:txBody>
       </p:sp>
@@ -4953,25 +5554,113 @@
             <p:ph idx="1"/>
           </p:nvPr>
         </p:nvSpPr>
-        <p:spPr/>
-        <p:txBody>
-          <a:bodyPr/>
-          <a:lstStyle/>
-          <a:p>
-            <a:r>
-              <a:rPr lang="en-US" dirty="0">
-                <a:latin typeface="Euclid Circular B" panose="020B0504000000000000" pitchFamily="34" charset="0"/>
-                <a:ea typeface="Euclid Circular B" panose="020B0504000000000000" pitchFamily="34" charset="0"/>
-              </a:rPr>
-              <a:t>Content</a:t>
-            </a:r>
-          </a:p>
-        </p:txBody>
-      </p:sp>
+        <p:spPr>
+          <a:xfrm>
+            <a:off x="838199" y="1825625"/>
+            <a:ext cx="6024513" cy="4351338"/>
+          </a:xfrm>
+        </p:spPr>
+        <p:txBody>
+          <a:bodyPr>
+            <a:normAutofit/>
+          </a:bodyPr>
+          <a:lstStyle/>
+          <a:p>
+            <a:r>
+              <a:rPr lang="tr-TR" dirty="0">
+                <a:latin typeface="Euclid Circular B" panose="020B0504000000000000" pitchFamily="34" charset="0"/>
+                <a:ea typeface="Euclid Circular B" panose="020B0504000000000000" pitchFamily="34" charset="0"/>
+              </a:rPr>
+              <a:t>A comfortable development environment for Kubernetes</a:t>
+            </a:r>
+          </a:p>
+          <a:p>
+            <a:pPr lvl="1"/>
+            <a:r>
+              <a:rPr lang="tr-TR" dirty="0">
+                <a:latin typeface="Euclid Circular B" panose="020B0504000000000000" pitchFamily="34" charset="0"/>
+                <a:ea typeface="Euclid Circular B" panose="020B0504000000000000" pitchFamily="34" charset="0"/>
+              </a:rPr>
+              <a:t>Seemlessly integrate your local environment to a Kubernetes cluster</a:t>
+            </a:r>
+          </a:p>
+          <a:p>
+            <a:pPr lvl="1"/>
+            <a:r>
+              <a:rPr lang="tr-TR" dirty="0">
+                <a:latin typeface="Euclid Circular B" panose="020B0504000000000000" pitchFamily="34" charset="0"/>
+                <a:ea typeface="Euclid Circular B" panose="020B0504000000000000" pitchFamily="34" charset="0"/>
+              </a:rPr>
+              <a:t>Access internal services</a:t>
+            </a:r>
+          </a:p>
+          <a:p>
+            <a:pPr lvl="1"/>
+            <a:r>
+              <a:rPr lang="tr-TR" dirty="0">
+                <a:latin typeface="Euclid Circular B" panose="020B0504000000000000" pitchFamily="34" charset="0"/>
+                <a:ea typeface="Euclid Circular B" panose="020B0504000000000000" pitchFamily="34" charset="0"/>
+              </a:rPr>
+              <a:t>Intercept traffic to run, debug and develop a service in your local environment</a:t>
+            </a:r>
+            <a:endParaRPr lang="en-US" dirty="0">
+              <a:latin typeface="Euclid Circular B" panose="020B0504000000000000" pitchFamily="34" charset="0"/>
+              <a:ea typeface="Euclid Circular B" panose="020B0504000000000000" pitchFamily="34" charset="0"/>
+            </a:endParaRPr>
+          </a:p>
+        </p:txBody>
+      </p:sp>
+      <p:pic>
+        <p:nvPicPr>
+          <p:cNvPr id="4098" name="Picture 2" descr="Integrate with your Kubernetes Cluster">
+            <a:extLst>
+              <a:ext uri="{FF2B5EF4-FFF2-40B4-BE49-F238E27FC236}">
+                <a16:creationId xmlns:a16="http://schemas.microsoft.com/office/drawing/2014/main" id="{51893D6F-78D0-6295-A235-FAA41A6F8378}"/>
+              </a:ext>
+            </a:extLst>
+          </p:cNvPr>
+          <p:cNvPicPr>
+            <a:picLocks noChangeAspect="1" noChangeArrowheads="1"/>
+          </p:cNvPicPr>
+          <p:nvPr/>
+        </p:nvPicPr>
+        <p:blipFill>
+          <a:blip r:embed="rId3">
+            <a:extLst>
+              <a:ext uri="{28A0092B-C50C-407E-A947-70E740481C1C}">
+                <a14:useLocalDpi xmlns:a14="http://schemas.microsoft.com/office/drawing/2010/main" val="0"/>
+              </a:ext>
+            </a:extLst>
+          </a:blip>
+          <a:srcRect/>
+          <a:stretch>
+            <a:fillRect/>
+          </a:stretch>
+        </p:blipFill>
+        <p:spPr bwMode="auto">
+          <a:xfrm>
+            <a:off x="7360920" y="678613"/>
+            <a:ext cx="4831080" cy="5373395"/>
+          </a:xfrm>
+          <a:prstGeom prst="rect">
+            <a:avLst/>
+          </a:prstGeom>
+          <a:noFill/>
+          <a:extLst>
+            <a:ext uri="{909E8E84-426E-40DD-AFC4-6F175D3DCCD1}">
+              <a14:hiddenFill xmlns:a14="http://schemas.microsoft.com/office/drawing/2010/main">
+                <a:solidFill>
+                  <a:srgbClr val="FFFFFF"/>
+                </a:solidFill>
+              </a14:hiddenFill>
+            </a:ext>
+          </a:extLst>
+        </p:spPr>
+      </p:pic>
     </p:spTree>
     <p:extLst>
       <p:ext uri="{BB962C8B-B14F-4D97-AF65-F5344CB8AC3E}">
-        <p14:creationId xmlns:p14="http://schemas.microsoft.com/office/powerpoint/2010/main" val="2259850710"/>
+        <p14:creationId xmlns:p14="http://schemas.microsoft.com/office/powerpoint/2010/main" val="3571708833"/>
       </p:ext>
     </p:extLst>
   </p:cSld>
@@ -5080,7 +5769,7 @@
     </p:spTree>
     <p:extLst>
       <p:ext uri="{BB962C8B-B14F-4D97-AF65-F5344CB8AC3E}">
-        <p14:creationId xmlns:p14="http://schemas.microsoft.com/office/powerpoint/2010/main" val="2722333912"/>
+        <p14:creationId xmlns:p14="http://schemas.microsoft.com/office/powerpoint/2010/main" val="4276238134"/>
       </p:ext>
     </p:extLst>
   </p:cSld>
@@ -5189,7 +5878,7 @@
     </p:spTree>
     <p:extLst>
       <p:ext uri="{BB962C8B-B14F-4D97-AF65-F5344CB8AC3E}">
-        <p14:creationId xmlns:p14="http://schemas.microsoft.com/office/powerpoint/2010/main" val="3274601683"/>
+        <p14:creationId xmlns:p14="http://schemas.microsoft.com/office/powerpoint/2010/main" val="2259850710"/>
       </p:ext>
     </p:extLst>
   </p:cSld>
@@ -5298,7 +5987,7 @@
     </p:spTree>
     <p:extLst>
       <p:ext uri="{BB962C8B-B14F-4D97-AF65-F5344CB8AC3E}">
-        <p14:creationId xmlns:p14="http://schemas.microsoft.com/office/powerpoint/2010/main" val="1519802074"/>
+        <p14:creationId xmlns:p14="http://schemas.microsoft.com/office/powerpoint/2010/main" val="2722333912"/>
       </p:ext>
     </p:extLst>
   </p:cSld>

--- a/2024-08-15 ABP Community Talks 2024.4/ABP Studio - The Missing Tool for Dotnet Developers.pptx
+++ b/2024-08-15 ABP Community Talks 2024.4/ABP Studio - The Missing Tool for Dotnet Developers.pptx
@@ -11,19 +11,13 @@
     <p:sldId id="273" r:id="rId5"/>
     <p:sldId id="259" r:id="rId6"/>
     <p:sldId id="274" r:id="rId7"/>
-    <p:sldId id="260" r:id="rId8"/>
-    <p:sldId id="261" r:id="rId9"/>
-    <p:sldId id="262" r:id="rId10"/>
-    <p:sldId id="263" r:id="rId11"/>
-    <p:sldId id="264" r:id="rId12"/>
-    <p:sldId id="265" r:id="rId13"/>
-    <p:sldId id="266" r:id="rId14"/>
-    <p:sldId id="267" r:id="rId15"/>
-    <p:sldId id="268" r:id="rId16"/>
-    <p:sldId id="269" r:id="rId17"/>
-    <p:sldId id="270" r:id="rId18"/>
-    <p:sldId id="271" r:id="rId19"/>
-    <p:sldId id="272" r:id="rId20"/>
+    <p:sldId id="264" r:id="rId8"/>
+    <p:sldId id="260" r:id="rId9"/>
+    <p:sldId id="261" r:id="rId10"/>
+    <p:sldId id="262" r:id="rId11"/>
+    <p:sldId id="263" r:id="rId12"/>
+    <p:sldId id="275" r:id="rId13"/>
+    <p:sldId id="272" r:id="rId14"/>
   </p:sldIdLst>
   <p:sldSz cx="12192000" cy="6858000"/>
   <p:notesSz cx="6858000" cy="9144000"/>
@@ -3504,53 +3498,59 @@
           <a:lstStyle/>
           <a:p>
             <a:r>
-              <a:rPr lang="en-US" b="1" dirty="0">
+              <a:rPr lang="tr-TR" b="1" dirty="0">
                 <a:solidFill>
                   <a:srgbClr val="292D33"/>
                 </a:solidFill>
                 <a:latin typeface="Euclid Circular B" panose="020B0504000000000000" pitchFamily="34" charset="0"/>
                 <a:ea typeface="Euclid Circular B" panose="020B0504000000000000" pitchFamily="34" charset="0"/>
               </a:rPr>
-              <a:t>Topic title</a:t>
-            </a:r>
+              <a:t>ABP Studio: Licensing</a:t>
+            </a:r>
+            <a:endParaRPr lang="en-US" b="1" dirty="0">
+              <a:solidFill>
+                <a:srgbClr val="292D33"/>
+              </a:solidFill>
+              <a:latin typeface="Euclid Circular B" panose="020B0504000000000000" pitchFamily="34" charset="0"/>
+              <a:ea typeface="Euclid Circular B" panose="020B0504000000000000" pitchFamily="34" charset="0"/>
+            </a:endParaRPr>
           </a:p>
         </p:txBody>
       </p:sp>
-      <p:sp>
-        <p:nvSpPr>
-          <p:cNvPr id="3" name="Content Placeholder 2">
-            <a:extLst>
-              <a:ext uri="{FF2B5EF4-FFF2-40B4-BE49-F238E27FC236}">
-                <a16:creationId xmlns:a16="http://schemas.microsoft.com/office/drawing/2014/main" id="{891C7693-D3DF-4635-96F4-97F3B4136FDF}"/>
-              </a:ext>
-            </a:extLst>
-          </p:cNvPr>
-          <p:cNvSpPr>
-            <a:spLocks noGrp="1"/>
-          </p:cNvSpPr>
-          <p:nvPr>
-            <p:ph idx="1"/>
-          </p:nvPr>
-        </p:nvSpPr>
-        <p:spPr/>
-        <p:txBody>
-          <a:bodyPr/>
-          <a:lstStyle/>
-          <a:p>
-            <a:r>
-              <a:rPr lang="en-US" dirty="0">
-                <a:latin typeface="Euclid Circular B" panose="020B0504000000000000" pitchFamily="34" charset="0"/>
-                <a:ea typeface="Euclid Circular B" panose="020B0504000000000000" pitchFamily="34" charset="0"/>
-              </a:rPr>
-              <a:t>Content</a:t>
-            </a:r>
-          </a:p>
-        </p:txBody>
-      </p:sp>
+      <p:pic>
+        <p:nvPicPr>
+          <p:cNvPr id="7" name="Picture 6">
+            <a:extLst>
+              <a:ext uri="{FF2B5EF4-FFF2-40B4-BE49-F238E27FC236}">
+                <a16:creationId xmlns:a16="http://schemas.microsoft.com/office/drawing/2014/main" id="{D3DCFFC9-C277-3142-9198-FACC77233BEA}"/>
+              </a:ext>
+            </a:extLst>
+          </p:cNvPr>
+          <p:cNvPicPr>
+            <a:picLocks noChangeAspect="1"/>
+          </p:cNvPicPr>
+          <p:nvPr/>
+        </p:nvPicPr>
+        <p:blipFill>
+          <a:blip r:embed="rId3"/>
+          <a:stretch>
+            <a:fillRect/>
+          </a:stretch>
+        </p:blipFill>
+        <p:spPr>
+          <a:xfrm>
+            <a:off x="838200" y="2116201"/>
+            <a:ext cx="10813330" cy="3023267"/>
+          </a:xfrm>
+          <a:prstGeom prst="rect">
+            <a:avLst/>
+          </a:prstGeom>
+        </p:spPr>
+      </p:pic>
     </p:spTree>
     <p:extLst>
       <p:ext uri="{BB962C8B-B14F-4D97-AF65-F5344CB8AC3E}">
-        <p14:creationId xmlns:p14="http://schemas.microsoft.com/office/powerpoint/2010/main" val="3274601683"/>
+        <p14:creationId xmlns:p14="http://schemas.microsoft.com/office/powerpoint/2010/main" val="2722333912"/>
       </p:ext>
     </p:extLst>
   </p:cSld>
@@ -3613,15 +3613,22 @@
           <a:lstStyle/>
           <a:p>
             <a:r>
-              <a:rPr lang="en-US" b="1" dirty="0">
+              <a:rPr lang="tr-TR" b="1" dirty="0">
                 <a:solidFill>
                   <a:srgbClr val="292D33"/>
                 </a:solidFill>
                 <a:latin typeface="Euclid Circular B" panose="020B0504000000000000" pitchFamily="34" charset="0"/>
                 <a:ea typeface="Euclid Circular B" panose="020B0504000000000000" pitchFamily="34" charset="0"/>
               </a:rPr>
-              <a:t>Topic title</a:t>
-            </a:r>
+              <a:t>ABP Studio: Next Planned Live Events</a:t>
+            </a:r>
+            <a:endParaRPr lang="en-US" b="1" dirty="0">
+              <a:solidFill>
+                <a:srgbClr val="292D33"/>
+              </a:solidFill>
+              <a:latin typeface="Euclid Circular B" panose="020B0504000000000000" pitchFamily="34" charset="0"/>
+              <a:ea typeface="Euclid Circular B" panose="020B0504000000000000" pitchFamily="34" charset="0"/>
+            </a:endParaRPr>
           </a:p>
         </p:txBody>
       </p:sp>
@@ -3647,19 +3654,32 @@
           <a:lstStyle/>
           <a:p>
             <a:r>
-              <a:rPr lang="en-US" dirty="0">
+              <a:rPr lang="tr-TR" dirty="0">
                 <a:latin typeface="Euclid Circular B" panose="020B0504000000000000" pitchFamily="34" charset="0"/>
                 <a:ea typeface="Euclid Circular B" panose="020B0504000000000000" pitchFamily="34" charset="0"/>
               </a:rPr>
-              <a:t>Content</a:t>
-            </a:r>
+              <a:t>Developing Modular Monolith Applications</a:t>
+            </a:r>
+          </a:p>
+          <a:p>
+            <a:r>
+              <a:rPr lang="tr-TR" dirty="0">
+                <a:latin typeface="Euclid Circular B" panose="020B0504000000000000" pitchFamily="34" charset="0"/>
+                <a:ea typeface="Euclid Circular B" panose="020B0504000000000000" pitchFamily="34" charset="0"/>
+              </a:rPr>
+              <a:t>Developing Microservice Applications &amp; The Microservice Startup Template</a:t>
+            </a:r>
+            <a:endParaRPr lang="en-US" dirty="0">
+              <a:latin typeface="Euclid Circular B" panose="020B0504000000000000" pitchFamily="34" charset="0"/>
+              <a:ea typeface="Euclid Circular B" panose="020B0504000000000000" pitchFamily="34" charset="0"/>
+            </a:endParaRPr>
           </a:p>
         </p:txBody>
       </p:sp>
     </p:spTree>
     <p:extLst>
       <p:ext uri="{BB962C8B-B14F-4D97-AF65-F5344CB8AC3E}">
-        <p14:creationId xmlns:p14="http://schemas.microsoft.com/office/powerpoint/2010/main" val="1519802074"/>
+        <p14:creationId xmlns:p14="http://schemas.microsoft.com/office/powerpoint/2010/main" val="3274601683"/>
       </p:ext>
     </p:extLst>
   </p:cSld>
@@ -3702,40 +3722,6 @@
       </p:grpSpPr>
       <p:sp>
         <p:nvSpPr>
-          <p:cNvPr id="2" name="Title 1">
-            <a:extLst>
-              <a:ext uri="{FF2B5EF4-FFF2-40B4-BE49-F238E27FC236}">
-                <a16:creationId xmlns:a16="http://schemas.microsoft.com/office/drawing/2014/main" id="{55E11F08-6CA0-48F1-AD67-97430DDA07F0}"/>
-              </a:ext>
-            </a:extLst>
-          </p:cNvPr>
-          <p:cNvSpPr>
-            <a:spLocks noGrp="1"/>
-          </p:cNvSpPr>
-          <p:nvPr>
-            <p:ph type="title"/>
-          </p:nvPr>
-        </p:nvSpPr>
-        <p:spPr/>
-        <p:txBody>
-          <a:bodyPr/>
-          <a:lstStyle/>
-          <a:p>
-            <a:r>
-              <a:rPr lang="en-US" b="1" dirty="0">
-                <a:solidFill>
-                  <a:srgbClr val="292D33"/>
-                </a:solidFill>
-                <a:latin typeface="Euclid Circular B" panose="020B0504000000000000" pitchFamily="34" charset="0"/>
-                <a:ea typeface="Euclid Circular B" panose="020B0504000000000000" pitchFamily="34" charset="0"/>
-              </a:rPr>
-              <a:t>Topic title</a:t>
-            </a:r>
-          </a:p>
-        </p:txBody>
-      </p:sp>
-      <p:sp>
-        <p:nvSpPr>
           <p:cNvPr id="3" name="Content Placeholder 2">
             <a:extLst>
               <a:ext uri="{FF2B5EF4-FFF2-40B4-BE49-F238E27FC236}">
@@ -3750,25 +3736,61 @@
             <p:ph idx="1"/>
           </p:nvPr>
         </p:nvSpPr>
-        <p:spPr/>
+        <p:spPr>
+          <a:xfrm>
+            <a:off x="838198" y="445273"/>
+            <a:ext cx="10515599" cy="5731690"/>
+          </a:xfrm>
+        </p:spPr>
         <p:txBody>
-          <a:bodyPr/>
+          <a:bodyPr>
+            <a:normAutofit/>
+          </a:bodyPr>
           <a:lstStyle/>
           <a:p>
-            <a:r>
-              <a:rPr lang="en-US" dirty="0">
+            <a:pPr marL="0" indent="0" algn="ctr">
+              <a:buNone/>
+            </a:pPr>
+            <a:r>
+              <a:rPr lang="tr-TR" sz="28700" b="1" dirty="0">
+                <a:solidFill>
+                  <a:schemeClr val="accent6"/>
+                </a:solidFill>
                 <a:latin typeface="Euclid Circular B" panose="020B0504000000000000" pitchFamily="34" charset="0"/>
                 <a:ea typeface="Euclid Circular B" panose="020B0504000000000000" pitchFamily="34" charset="0"/>
               </a:rPr>
-              <a:t>Content</a:t>
-            </a:r>
+              <a:t>?</a:t>
+            </a:r>
+            <a:br>
+              <a:rPr lang="tr-TR" sz="9600" b="1" dirty="0">
+                <a:solidFill>
+                  <a:schemeClr val="accent6"/>
+                </a:solidFill>
+                <a:latin typeface="Euclid Circular B" panose="020B0504000000000000" pitchFamily="34" charset="0"/>
+                <a:ea typeface="Euclid Circular B" panose="020B0504000000000000" pitchFamily="34" charset="0"/>
+              </a:rPr>
+            </a:br>
+            <a:r>
+              <a:rPr lang="tr-TR" sz="7200" b="1" i="1" dirty="0">
+                <a:solidFill>
+                  <a:srgbClr val="292D33"/>
+                </a:solidFill>
+                <a:latin typeface="Euclid Circular B" panose="020B0504000000000000" pitchFamily="34" charset="0"/>
+                <a:ea typeface="Euclid Circular B" panose="020B0504000000000000" pitchFamily="34" charset="0"/>
+              </a:rPr>
+              <a:t>questions</a:t>
+            </a:r>
+            <a:endParaRPr lang="en-US" sz="9600" i="1" dirty="0">
+              <a:latin typeface="Euclid Circular B" panose="020B0504000000000000" pitchFamily="34" charset="0"/>
+              <a:ea typeface="Euclid Circular B" panose="020B0504000000000000" pitchFamily="34" charset="0"/>
+            </a:endParaRPr>
           </a:p>
         </p:txBody>
       </p:sp>
     </p:spTree>
     <p:extLst>
       <p:ext uri="{BB962C8B-B14F-4D97-AF65-F5344CB8AC3E}">
-        <p14:creationId xmlns:p14="http://schemas.microsoft.com/office/powerpoint/2010/main" val="2237470617"/>
+        <p14:creationId xmlns:p14="http://schemas.microsoft.com/office/powerpoint/2010/main" val="2062712958"/>
       </p:ext>
     </p:extLst>
   </p:cSld>
@@ -3779,660 +3801,6 @@
 </file>
 
 <file path=ppt/slides/slide13.xml><?xml version="1.0" encoding="utf-8"?>
-<p:sld xmlns:a="http://schemas.openxmlformats.org/drawingml/2006/main" xmlns:r="http://schemas.openxmlformats.org/officeDocument/2006/relationships" xmlns:p="http://schemas.openxmlformats.org/presentationml/2006/main">
-  <p:cSld>
-    <p:bg>
-      <p:bgPr>
-        <a:blipFill dpi="0" rotWithShape="1">
-          <a:blip r:embed="rId2">
-            <a:lum/>
-          </a:blip>
-          <a:srcRect/>
-          <a:stretch>
-            <a:fillRect/>
-          </a:stretch>
-        </a:blipFill>
-        <a:effectLst/>
-      </p:bgPr>
-    </p:bg>
-    <p:spTree>
-      <p:nvGrpSpPr>
-        <p:cNvPr id="1" name=""/>
-        <p:cNvGrpSpPr/>
-        <p:nvPr/>
-      </p:nvGrpSpPr>
-      <p:grpSpPr>
-        <a:xfrm>
-          <a:off x="0" y="0"/>
-          <a:ext cx="0" cy="0"/>
-          <a:chOff x="0" y="0"/>
-          <a:chExt cx="0" cy="0"/>
-        </a:xfrm>
-      </p:grpSpPr>
-      <p:sp>
-        <p:nvSpPr>
-          <p:cNvPr id="2" name="Title 1">
-            <a:extLst>
-              <a:ext uri="{FF2B5EF4-FFF2-40B4-BE49-F238E27FC236}">
-                <a16:creationId xmlns:a16="http://schemas.microsoft.com/office/drawing/2014/main" id="{55E11F08-6CA0-48F1-AD67-97430DDA07F0}"/>
-              </a:ext>
-            </a:extLst>
-          </p:cNvPr>
-          <p:cNvSpPr>
-            <a:spLocks noGrp="1"/>
-          </p:cNvSpPr>
-          <p:nvPr>
-            <p:ph type="title"/>
-          </p:nvPr>
-        </p:nvSpPr>
-        <p:spPr/>
-        <p:txBody>
-          <a:bodyPr/>
-          <a:lstStyle/>
-          <a:p>
-            <a:r>
-              <a:rPr lang="en-US" b="1" dirty="0">
-                <a:solidFill>
-                  <a:srgbClr val="292D33"/>
-                </a:solidFill>
-                <a:latin typeface="Euclid Circular B" panose="020B0504000000000000" pitchFamily="34" charset="0"/>
-                <a:ea typeface="Euclid Circular B" panose="020B0504000000000000" pitchFamily="34" charset="0"/>
-              </a:rPr>
-              <a:t>Topic title</a:t>
-            </a:r>
-          </a:p>
-        </p:txBody>
-      </p:sp>
-      <p:sp>
-        <p:nvSpPr>
-          <p:cNvPr id="3" name="Content Placeholder 2">
-            <a:extLst>
-              <a:ext uri="{FF2B5EF4-FFF2-40B4-BE49-F238E27FC236}">
-                <a16:creationId xmlns:a16="http://schemas.microsoft.com/office/drawing/2014/main" id="{891C7693-D3DF-4635-96F4-97F3B4136FDF}"/>
-              </a:ext>
-            </a:extLst>
-          </p:cNvPr>
-          <p:cNvSpPr>
-            <a:spLocks noGrp="1"/>
-          </p:cNvSpPr>
-          <p:nvPr>
-            <p:ph idx="1"/>
-          </p:nvPr>
-        </p:nvSpPr>
-        <p:spPr/>
-        <p:txBody>
-          <a:bodyPr/>
-          <a:lstStyle/>
-          <a:p>
-            <a:r>
-              <a:rPr lang="en-US" dirty="0">
-                <a:latin typeface="Euclid Circular B" panose="020B0504000000000000" pitchFamily="34" charset="0"/>
-                <a:ea typeface="Euclid Circular B" panose="020B0504000000000000" pitchFamily="34" charset="0"/>
-              </a:rPr>
-              <a:t>Content</a:t>
-            </a:r>
-          </a:p>
-        </p:txBody>
-      </p:sp>
-    </p:spTree>
-    <p:extLst>
-      <p:ext uri="{BB962C8B-B14F-4D97-AF65-F5344CB8AC3E}">
-        <p14:creationId xmlns:p14="http://schemas.microsoft.com/office/powerpoint/2010/main" val="293445063"/>
-      </p:ext>
-    </p:extLst>
-  </p:cSld>
-  <p:clrMapOvr>
-    <a:masterClrMapping/>
-  </p:clrMapOvr>
-</p:sld>
-</file>
-
-<file path=ppt/slides/slide14.xml><?xml version="1.0" encoding="utf-8"?>
-<p:sld xmlns:a="http://schemas.openxmlformats.org/drawingml/2006/main" xmlns:r="http://schemas.openxmlformats.org/officeDocument/2006/relationships" xmlns:p="http://schemas.openxmlformats.org/presentationml/2006/main">
-  <p:cSld>
-    <p:bg>
-      <p:bgPr>
-        <a:blipFill dpi="0" rotWithShape="1">
-          <a:blip r:embed="rId2">
-            <a:lum/>
-          </a:blip>
-          <a:srcRect/>
-          <a:stretch>
-            <a:fillRect/>
-          </a:stretch>
-        </a:blipFill>
-        <a:effectLst/>
-      </p:bgPr>
-    </p:bg>
-    <p:spTree>
-      <p:nvGrpSpPr>
-        <p:cNvPr id="1" name=""/>
-        <p:cNvGrpSpPr/>
-        <p:nvPr/>
-      </p:nvGrpSpPr>
-      <p:grpSpPr>
-        <a:xfrm>
-          <a:off x="0" y="0"/>
-          <a:ext cx="0" cy="0"/>
-          <a:chOff x="0" y="0"/>
-          <a:chExt cx="0" cy="0"/>
-        </a:xfrm>
-      </p:grpSpPr>
-      <p:sp>
-        <p:nvSpPr>
-          <p:cNvPr id="2" name="Title 1">
-            <a:extLst>
-              <a:ext uri="{FF2B5EF4-FFF2-40B4-BE49-F238E27FC236}">
-                <a16:creationId xmlns:a16="http://schemas.microsoft.com/office/drawing/2014/main" id="{55E11F08-6CA0-48F1-AD67-97430DDA07F0}"/>
-              </a:ext>
-            </a:extLst>
-          </p:cNvPr>
-          <p:cNvSpPr>
-            <a:spLocks noGrp="1"/>
-          </p:cNvSpPr>
-          <p:nvPr>
-            <p:ph type="title"/>
-          </p:nvPr>
-        </p:nvSpPr>
-        <p:spPr/>
-        <p:txBody>
-          <a:bodyPr/>
-          <a:lstStyle/>
-          <a:p>
-            <a:r>
-              <a:rPr lang="en-US" b="1" dirty="0">
-                <a:solidFill>
-                  <a:srgbClr val="292D33"/>
-                </a:solidFill>
-                <a:latin typeface="Euclid Circular B" panose="020B0504000000000000" pitchFamily="34" charset="0"/>
-                <a:ea typeface="Euclid Circular B" panose="020B0504000000000000" pitchFamily="34" charset="0"/>
-              </a:rPr>
-              <a:t>Topic title</a:t>
-            </a:r>
-          </a:p>
-        </p:txBody>
-      </p:sp>
-      <p:sp>
-        <p:nvSpPr>
-          <p:cNvPr id="3" name="Content Placeholder 2">
-            <a:extLst>
-              <a:ext uri="{FF2B5EF4-FFF2-40B4-BE49-F238E27FC236}">
-                <a16:creationId xmlns:a16="http://schemas.microsoft.com/office/drawing/2014/main" id="{891C7693-D3DF-4635-96F4-97F3B4136FDF}"/>
-              </a:ext>
-            </a:extLst>
-          </p:cNvPr>
-          <p:cNvSpPr>
-            <a:spLocks noGrp="1"/>
-          </p:cNvSpPr>
-          <p:nvPr>
-            <p:ph idx="1"/>
-          </p:nvPr>
-        </p:nvSpPr>
-        <p:spPr/>
-        <p:txBody>
-          <a:bodyPr/>
-          <a:lstStyle/>
-          <a:p>
-            <a:r>
-              <a:rPr lang="en-US" dirty="0">
-                <a:latin typeface="Euclid Circular B" panose="020B0504000000000000" pitchFamily="34" charset="0"/>
-                <a:ea typeface="Euclid Circular B" panose="020B0504000000000000" pitchFamily="34" charset="0"/>
-              </a:rPr>
-              <a:t>Content</a:t>
-            </a:r>
-          </a:p>
-        </p:txBody>
-      </p:sp>
-    </p:spTree>
-    <p:extLst>
-      <p:ext uri="{BB962C8B-B14F-4D97-AF65-F5344CB8AC3E}">
-        <p14:creationId xmlns:p14="http://schemas.microsoft.com/office/powerpoint/2010/main" val="228140593"/>
-      </p:ext>
-    </p:extLst>
-  </p:cSld>
-  <p:clrMapOvr>
-    <a:masterClrMapping/>
-  </p:clrMapOvr>
-</p:sld>
-</file>
-
-<file path=ppt/slides/slide15.xml><?xml version="1.0" encoding="utf-8"?>
-<p:sld xmlns:a="http://schemas.openxmlformats.org/drawingml/2006/main" xmlns:r="http://schemas.openxmlformats.org/officeDocument/2006/relationships" xmlns:p="http://schemas.openxmlformats.org/presentationml/2006/main">
-  <p:cSld>
-    <p:bg>
-      <p:bgPr>
-        <a:blipFill dpi="0" rotWithShape="1">
-          <a:blip r:embed="rId2">
-            <a:lum/>
-          </a:blip>
-          <a:srcRect/>
-          <a:stretch>
-            <a:fillRect/>
-          </a:stretch>
-        </a:blipFill>
-        <a:effectLst/>
-      </p:bgPr>
-    </p:bg>
-    <p:spTree>
-      <p:nvGrpSpPr>
-        <p:cNvPr id="1" name=""/>
-        <p:cNvGrpSpPr/>
-        <p:nvPr/>
-      </p:nvGrpSpPr>
-      <p:grpSpPr>
-        <a:xfrm>
-          <a:off x="0" y="0"/>
-          <a:ext cx="0" cy="0"/>
-          <a:chOff x="0" y="0"/>
-          <a:chExt cx="0" cy="0"/>
-        </a:xfrm>
-      </p:grpSpPr>
-      <p:sp>
-        <p:nvSpPr>
-          <p:cNvPr id="2" name="Title 1">
-            <a:extLst>
-              <a:ext uri="{FF2B5EF4-FFF2-40B4-BE49-F238E27FC236}">
-                <a16:creationId xmlns:a16="http://schemas.microsoft.com/office/drawing/2014/main" id="{55E11F08-6CA0-48F1-AD67-97430DDA07F0}"/>
-              </a:ext>
-            </a:extLst>
-          </p:cNvPr>
-          <p:cNvSpPr>
-            <a:spLocks noGrp="1"/>
-          </p:cNvSpPr>
-          <p:nvPr>
-            <p:ph type="title"/>
-          </p:nvPr>
-        </p:nvSpPr>
-        <p:spPr/>
-        <p:txBody>
-          <a:bodyPr/>
-          <a:lstStyle/>
-          <a:p>
-            <a:r>
-              <a:rPr lang="en-US" b="1" dirty="0">
-                <a:solidFill>
-                  <a:srgbClr val="292D33"/>
-                </a:solidFill>
-                <a:latin typeface="Euclid Circular B" panose="020B0504000000000000" pitchFamily="34" charset="0"/>
-                <a:ea typeface="Euclid Circular B" panose="020B0504000000000000" pitchFamily="34" charset="0"/>
-              </a:rPr>
-              <a:t>Topic title</a:t>
-            </a:r>
-          </a:p>
-        </p:txBody>
-      </p:sp>
-      <p:sp>
-        <p:nvSpPr>
-          <p:cNvPr id="3" name="Content Placeholder 2">
-            <a:extLst>
-              <a:ext uri="{FF2B5EF4-FFF2-40B4-BE49-F238E27FC236}">
-                <a16:creationId xmlns:a16="http://schemas.microsoft.com/office/drawing/2014/main" id="{891C7693-D3DF-4635-96F4-97F3B4136FDF}"/>
-              </a:ext>
-            </a:extLst>
-          </p:cNvPr>
-          <p:cNvSpPr>
-            <a:spLocks noGrp="1"/>
-          </p:cNvSpPr>
-          <p:nvPr>
-            <p:ph idx="1"/>
-          </p:nvPr>
-        </p:nvSpPr>
-        <p:spPr/>
-        <p:txBody>
-          <a:bodyPr/>
-          <a:lstStyle/>
-          <a:p>
-            <a:r>
-              <a:rPr lang="en-US" dirty="0">
-                <a:latin typeface="Euclid Circular B" panose="020B0504000000000000" pitchFamily="34" charset="0"/>
-                <a:ea typeface="Euclid Circular B" panose="020B0504000000000000" pitchFamily="34" charset="0"/>
-              </a:rPr>
-              <a:t>Content</a:t>
-            </a:r>
-          </a:p>
-        </p:txBody>
-      </p:sp>
-    </p:spTree>
-    <p:extLst>
-      <p:ext uri="{BB962C8B-B14F-4D97-AF65-F5344CB8AC3E}">
-        <p14:creationId xmlns:p14="http://schemas.microsoft.com/office/powerpoint/2010/main" val="2428480657"/>
-      </p:ext>
-    </p:extLst>
-  </p:cSld>
-  <p:clrMapOvr>
-    <a:masterClrMapping/>
-  </p:clrMapOvr>
-</p:sld>
-</file>
-
-<file path=ppt/slides/slide16.xml><?xml version="1.0" encoding="utf-8"?>
-<p:sld xmlns:a="http://schemas.openxmlformats.org/drawingml/2006/main" xmlns:r="http://schemas.openxmlformats.org/officeDocument/2006/relationships" xmlns:p="http://schemas.openxmlformats.org/presentationml/2006/main">
-  <p:cSld>
-    <p:bg>
-      <p:bgPr>
-        <a:blipFill dpi="0" rotWithShape="1">
-          <a:blip r:embed="rId2">
-            <a:lum/>
-          </a:blip>
-          <a:srcRect/>
-          <a:stretch>
-            <a:fillRect/>
-          </a:stretch>
-        </a:blipFill>
-        <a:effectLst/>
-      </p:bgPr>
-    </p:bg>
-    <p:spTree>
-      <p:nvGrpSpPr>
-        <p:cNvPr id="1" name=""/>
-        <p:cNvGrpSpPr/>
-        <p:nvPr/>
-      </p:nvGrpSpPr>
-      <p:grpSpPr>
-        <a:xfrm>
-          <a:off x="0" y="0"/>
-          <a:ext cx="0" cy="0"/>
-          <a:chOff x="0" y="0"/>
-          <a:chExt cx="0" cy="0"/>
-        </a:xfrm>
-      </p:grpSpPr>
-      <p:sp>
-        <p:nvSpPr>
-          <p:cNvPr id="2" name="Title 1">
-            <a:extLst>
-              <a:ext uri="{FF2B5EF4-FFF2-40B4-BE49-F238E27FC236}">
-                <a16:creationId xmlns:a16="http://schemas.microsoft.com/office/drawing/2014/main" id="{55E11F08-6CA0-48F1-AD67-97430DDA07F0}"/>
-              </a:ext>
-            </a:extLst>
-          </p:cNvPr>
-          <p:cNvSpPr>
-            <a:spLocks noGrp="1"/>
-          </p:cNvSpPr>
-          <p:nvPr>
-            <p:ph type="title"/>
-          </p:nvPr>
-        </p:nvSpPr>
-        <p:spPr/>
-        <p:txBody>
-          <a:bodyPr/>
-          <a:lstStyle/>
-          <a:p>
-            <a:r>
-              <a:rPr lang="en-US" b="1" dirty="0">
-                <a:solidFill>
-                  <a:srgbClr val="292D33"/>
-                </a:solidFill>
-                <a:latin typeface="Euclid Circular B" panose="020B0504000000000000" pitchFamily="34" charset="0"/>
-                <a:ea typeface="Euclid Circular B" panose="020B0504000000000000" pitchFamily="34" charset="0"/>
-              </a:rPr>
-              <a:t>Topic title</a:t>
-            </a:r>
-          </a:p>
-        </p:txBody>
-      </p:sp>
-      <p:sp>
-        <p:nvSpPr>
-          <p:cNvPr id="3" name="Content Placeholder 2">
-            <a:extLst>
-              <a:ext uri="{FF2B5EF4-FFF2-40B4-BE49-F238E27FC236}">
-                <a16:creationId xmlns:a16="http://schemas.microsoft.com/office/drawing/2014/main" id="{891C7693-D3DF-4635-96F4-97F3B4136FDF}"/>
-              </a:ext>
-            </a:extLst>
-          </p:cNvPr>
-          <p:cNvSpPr>
-            <a:spLocks noGrp="1"/>
-          </p:cNvSpPr>
-          <p:nvPr>
-            <p:ph idx="1"/>
-          </p:nvPr>
-        </p:nvSpPr>
-        <p:spPr/>
-        <p:txBody>
-          <a:bodyPr/>
-          <a:lstStyle/>
-          <a:p>
-            <a:r>
-              <a:rPr lang="en-US" dirty="0">
-                <a:latin typeface="Euclid Circular B" panose="020B0504000000000000" pitchFamily="34" charset="0"/>
-                <a:ea typeface="Euclid Circular B" panose="020B0504000000000000" pitchFamily="34" charset="0"/>
-              </a:rPr>
-              <a:t>Content</a:t>
-            </a:r>
-          </a:p>
-        </p:txBody>
-      </p:sp>
-    </p:spTree>
-    <p:extLst>
-      <p:ext uri="{BB962C8B-B14F-4D97-AF65-F5344CB8AC3E}">
-        <p14:creationId xmlns:p14="http://schemas.microsoft.com/office/powerpoint/2010/main" val="3141616852"/>
-      </p:ext>
-    </p:extLst>
-  </p:cSld>
-  <p:clrMapOvr>
-    <a:masterClrMapping/>
-  </p:clrMapOvr>
-</p:sld>
-</file>
-
-<file path=ppt/slides/slide17.xml><?xml version="1.0" encoding="utf-8"?>
-<p:sld xmlns:a="http://schemas.openxmlformats.org/drawingml/2006/main" xmlns:r="http://schemas.openxmlformats.org/officeDocument/2006/relationships" xmlns:p="http://schemas.openxmlformats.org/presentationml/2006/main">
-  <p:cSld>
-    <p:bg>
-      <p:bgPr>
-        <a:blipFill dpi="0" rotWithShape="1">
-          <a:blip r:embed="rId2">
-            <a:lum/>
-          </a:blip>
-          <a:srcRect/>
-          <a:stretch>
-            <a:fillRect/>
-          </a:stretch>
-        </a:blipFill>
-        <a:effectLst/>
-      </p:bgPr>
-    </p:bg>
-    <p:spTree>
-      <p:nvGrpSpPr>
-        <p:cNvPr id="1" name=""/>
-        <p:cNvGrpSpPr/>
-        <p:nvPr/>
-      </p:nvGrpSpPr>
-      <p:grpSpPr>
-        <a:xfrm>
-          <a:off x="0" y="0"/>
-          <a:ext cx="0" cy="0"/>
-          <a:chOff x="0" y="0"/>
-          <a:chExt cx="0" cy="0"/>
-        </a:xfrm>
-      </p:grpSpPr>
-      <p:sp>
-        <p:nvSpPr>
-          <p:cNvPr id="2" name="Title 1">
-            <a:extLst>
-              <a:ext uri="{FF2B5EF4-FFF2-40B4-BE49-F238E27FC236}">
-                <a16:creationId xmlns:a16="http://schemas.microsoft.com/office/drawing/2014/main" id="{55E11F08-6CA0-48F1-AD67-97430DDA07F0}"/>
-              </a:ext>
-            </a:extLst>
-          </p:cNvPr>
-          <p:cNvSpPr>
-            <a:spLocks noGrp="1"/>
-          </p:cNvSpPr>
-          <p:nvPr>
-            <p:ph type="title"/>
-          </p:nvPr>
-        </p:nvSpPr>
-        <p:spPr/>
-        <p:txBody>
-          <a:bodyPr/>
-          <a:lstStyle/>
-          <a:p>
-            <a:r>
-              <a:rPr lang="en-US" b="1" dirty="0">
-                <a:solidFill>
-                  <a:srgbClr val="292D33"/>
-                </a:solidFill>
-                <a:latin typeface="Euclid Circular B" panose="020B0504000000000000" pitchFamily="34" charset="0"/>
-                <a:ea typeface="Euclid Circular B" panose="020B0504000000000000" pitchFamily="34" charset="0"/>
-              </a:rPr>
-              <a:t>Topic title</a:t>
-            </a:r>
-          </a:p>
-        </p:txBody>
-      </p:sp>
-      <p:sp>
-        <p:nvSpPr>
-          <p:cNvPr id="3" name="Content Placeholder 2">
-            <a:extLst>
-              <a:ext uri="{FF2B5EF4-FFF2-40B4-BE49-F238E27FC236}">
-                <a16:creationId xmlns:a16="http://schemas.microsoft.com/office/drawing/2014/main" id="{891C7693-D3DF-4635-96F4-97F3B4136FDF}"/>
-              </a:ext>
-            </a:extLst>
-          </p:cNvPr>
-          <p:cNvSpPr>
-            <a:spLocks noGrp="1"/>
-          </p:cNvSpPr>
-          <p:nvPr>
-            <p:ph idx="1"/>
-          </p:nvPr>
-        </p:nvSpPr>
-        <p:spPr/>
-        <p:txBody>
-          <a:bodyPr/>
-          <a:lstStyle/>
-          <a:p>
-            <a:r>
-              <a:rPr lang="en-US" dirty="0">
-                <a:latin typeface="Euclid Circular B" panose="020B0504000000000000" pitchFamily="34" charset="0"/>
-                <a:ea typeface="Euclid Circular B" panose="020B0504000000000000" pitchFamily="34" charset="0"/>
-              </a:rPr>
-              <a:t>Content</a:t>
-            </a:r>
-          </a:p>
-        </p:txBody>
-      </p:sp>
-    </p:spTree>
-    <p:extLst>
-      <p:ext uri="{BB962C8B-B14F-4D97-AF65-F5344CB8AC3E}">
-        <p14:creationId xmlns:p14="http://schemas.microsoft.com/office/powerpoint/2010/main" val="2206496468"/>
-      </p:ext>
-    </p:extLst>
-  </p:cSld>
-  <p:clrMapOvr>
-    <a:masterClrMapping/>
-  </p:clrMapOvr>
-</p:sld>
-</file>
-
-<file path=ppt/slides/slide18.xml><?xml version="1.0" encoding="utf-8"?>
-<p:sld xmlns:a="http://schemas.openxmlformats.org/drawingml/2006/main" xmlns:r="http://schemas.openxmlformats.org/officeDocument/2006/relationships" xmlns:p="http://schemas.openxmlformats.org/presentationml/2006/main">
-  <p:cSld>
-    <p:bg>
-      <p:bgPr>
-        <a:blipFill dpi="0" rotWithShape="1">
-          <a:blip r:embed="rId2">
-            <a:lum/>
-          </a:blip>
-          <a:srcRect/>
-          <a:stretch>
-            <a:fillRect/>
-          </a:stretch>
-        </a:blipFill>
-        <a:effectLst/>
-      </p:bgPr>
-    </p:bg>
-    <p:spTree>
-      <p:nvGrpSpPr>
-        <p:cNvPr id="1" name=""/>
-        <p:cNvGrpSpPr/>
-        <p:nvPr/>
-      </p:nvGrpSpPr>
-      <p:grpSpPr>
-        <a:xfrm>
-          <a:off x="0" y="0"/>
-          <a:ext cx="0" cy="0"/>
-          <a:chOff x="0" y="0"/>
-          <a:chExt cx="0" cy="0"/>
-        </a:xfrm>
-      </p:grpSpPr>
-      <p:sp>
-        <p:nvSpPr>
-          <p:cNvPr id="2" name="Title 1">
-            <a:extLst>
-              <a:ext uri="{FF2B5EF4-FFF2-40B4-BE49-F238E27FC236}">
-                <a16:creationId xmlns:a16="http://schemas.microsoft.com/office/drawing/2014/main" id="{55E11F08-6CA0-48F1-AD67-97430DDA07F0}"/>
-              </a:ext>
-            </a:extLst>
-          </p:cNvPr>
-          <p:cNvSpPr>
-            <a:spLocks noGrp="1"/>
-          </p:cNvSpPr>
-          <p:nvPr>
-            <p:ph type="title"/>
-          </p:nvPr>
-        </p:nvSpPr>
-        <p:spPr/>
-        <p:txBody>
-          <a:bodyPr/>
-          <a:lstStyle/>
-          <a:p>
-            <a:r>
-              <a:rPr lang="en-US" b="1" dirty="0">
-                <a:solidFill>
-                  <a:srgbClr val="292D33"/>
-                </a:solidFill>
-                <a:latin typeface="Euclid Circular B" panose="020B0504000000000000" pitchFamily="34" charset="0"/>
-                <a:ea typeface="Euclid Circular B" panose="020B0504000000000000" pitchFamily="34" charset="0"/>
-              </a:rPr>
-              <a:t>Topic title</a:t>
-            </a:r>
-          </a:p>
-        </p:txBody>
-      </p:sp>
-      <p:sp>
-        <p:nvSpPr>
-          <p:cNvPr id="3" name="Content Placeholder 2">
-            <a:extLst>
-              <a:ext uri="{FF2B5EF4-FFF2-40B4-BE49-F238E27FC236}">
-                <a16:creationId xmlns:a16="http://schemas.microsoft.com/office/drawing/2014/main" id="{891C7693-D3DF-4635-96F4-97F3B4136FDF}"/>
-              </a:ext>
-            </a:extLst>
-          </p:cNvPr>
-          <p:cNvSpPr>
-            <a:spLocks noGrp="1"/>
-          </p:cNvSpPr>
-          <p:nvPr>
-            <p:ph idx="1"/>
-          </p:nvPr>
-        </p:nvSpPr>
-        <p:spPr/>
-        <p:txBody>
-          <a:bodyPr/>
-          <a:lstStyle/>
-          <a:p>
-            <a:r>
-              <a:rPr lang="en-US" dirty="0">
-                <a:latin typeface="Euclid Circular B" panose="020B0504000000000000" pitchFamily="34" charset="0"/>
-                <a:ea typeface="Euclid Circular B" panose="020B0504000000000000" pitchFamily="34" charset="0"/>
-              </a:rPr>
-              <a:t>Content</a:t>
-            </a:r>
-          </a:p>
-        </p:txBody>
-      </p:sp>
-    </p:spTree>
-    <p:extLst>
-      <p:ext uri="{BB962C8B-B14F-4D97-AF65-F5344CB8AC3E}">
-        <p14:creationId xmlns:p14="http://schemas.microsoft.com/office/powerpoint/2010/main" val="3183022146"/>
-      </p:ext>
-    </p:extLst>
-  </p:cSld>
-  <p:clrMapOvr>
-    <a:masterClrMapping/>
-  </p:clrMapOvr>
-</p:sld>
-</file>
-
-<file path=ppt/slides/slide19.xml><?xml version="1.0" encoding="utf-8"?>
 <p:sld xmlns:a="http://schemas.openxmlformats.org/drawingml/2006/main" xmlns:r="http://schemas.openxmlformats.org/officeDocument/2006/relationships" xmlns:p="http://schemas.openxmlformats.org/presentationml/2006/main">
   <p:cSld>
     <p:bg>
@@ -4814,6 +4182,768 @@
   <p:clrMapOvr>
     <a:masterClrMapping/>
   </p:clrMapOvr>
+  <p:timing>
+    <p:tnLst>
+      <p:par>
+        <p:cTn id="1" dur="indefinite" restart="never" nodeType="tmRoot">
+          <p:childTnLst>
+            <p:seq concurrent="1" nextAc="seek">
+              <p:cTn id="2" dur="indefinite" nodeType="mainSeq">
+                <p:childTnLst>
+                  <p:par>
+                    <p:cTn id="3" fill="hold">
+                      <p:stCondLst>
+                        <p:cond delay="indefinite"/>
+                      </p:stCondLst>
+                      <p:childTnLst>
+                        <p:par>
+                          <p:cTn id="4" fill="hold">
+                            <p:stCondLst>
+                              <p:cond delay="0"/>
+                            </p:stCondLst>
+                            <p:childTnLst>
+                              <p:par>
+                                <p:cTn id="5" presetID="10" presetClass="entr" presetSubtype="0" fill="hold" nodeType="clickEffect">
+                                  <p:stCondLst>
+                                    <p:cond delay="0"/>
+                                  </p:stCondLst>
+                                  <p:childTnLst>
+                                    <p:set>
+                                      <p:cBhvr>
+                                        <p:cTn id="6" dur="1" fill="hold">
+                                          <p:stCondLst>
+                                            <p:cond delay="0"/>
+                                          </p:stCondLst>
+                                        </p:cTn>
+                                        <p:tgtEl>
+                                          <p:spTgt spid="3">
+                                            <p:txEl>
+                                              <p:pRg st="0" end="0"/>
+                                            </p:txEl>
+                                          </p:spTgt>
+                                        </p:tgtEl>
+                                        <p:attrNameLst>
+                                          <p:attrName>style.visibility</p:attrName>
+                                        </p:attrNameLst>
+                                      </p:cBhvr>
+                                      <p:to>
+                                        <p:strVal val="visible"/>
+                                      </p:to>
+                                    </p:set>
+                                    <p:animEffect transition="in" filter="fade">
+                                      <p:cBhvr>
+                                        <p:cTn id="7" dur="500"/>
+                                        <p:tgtEl>
+                                          <p:spTgt spid="3">
+                                            <p:txEl>
+                                              <p:pRg st="0" end="0"/>
+                                            </p:txEl>
+                                          </p:spTgt>
+                                        </p:tgtEl>
+                                      </p:cBhvr>
+                                    </p:animEffect>
+                                  </p:childTnLst>
+                                </p:cTn>
+                              </p:par>
+                            </p:childTnLst>
+                          </p:cTn>
+                        </p:par>
+                      </p:childTnLst>
+                    </p:cTn>
+                  </p:par>
+                  <p:par>
+                    <p:cTn id="8" fill="hold">
+                      <p:stCondLst>
+                        <p:cond delay="indefinite"/>
+                      </p:stCondLst>
+                      <p:childTnLst>
+                        <p:par>
+                          <p:cTn id="9" fill="hold">
+                            <p:stCondLst>
+                              <p:cond delay="0"/>
+                            </p:stCondLst>
+                            <p:childTnLst>
+                              <p:par>
+                                <p:cTn id="10" presetID="10" presetClass="entr" presetSubtype="0" fill="hold" nodeType="clickEffect">
+                                  <p:stCondLst>
+                                    <p:cond delay="0"/>
+                                  </p:stCondLst>
+                                  <p:childTnLst>
+                                    <p:set>
+                                      <p:cBhvr>
+                                        <p:cTn id="11" dur="1" fill="hold">
+                                          <p:stCondLst>
+                                            <p:cond delay="0"/>
+                                          </p:stCondLst>
+                                        </p:cTn>
+                                        <p:tgtEl>
+                                          <p:spTgt spid="3">
+                                            <p:txEl>
+                                              <p:pRg st="1" end="1"/>
+                                            </p:txEl>
+                                          </p:spTgt>
+                                        </p:tgtEl>
+                                        <p:attrNameLst>
+                                          <p:attrName>style.visibility</p:attrName>
+                                        </p:attrNameLst>
+                                      </p:cBhvr>
+                                      <p:to>
+                                        <p:strVal val="visible"/>
+                                      </p:to>
+                                    </p:set>
+                                    <p:animEffect transition="in" filter="fade">
+                                      <p:cBhvr>
+                                        <p:cTn id="12" dur="500"/>
+                                        <p:tgtEl>
+                                          <p:spTgt spid="3">
+                                            <p:txEl>
+                                              <p:pRg st="1" end="1"/>
+                                            </p:txEl>
+                                          </p:spTgt>
+                                        </p:tgtEl>
+                                      </p:cBhvr>
+                                    </p:animEffect>
+                                  </p:childTnLst>
+                                </p:cTn>
+                              </p:par>
+                            </p:childTnLst>
+                          </p:cTn>
+                        </p:par>
+                      </p:childTnLst>
+                    </p:cTn>
+                  </p:par>
+                  <p:par>
+                    <p:cTn id="13" fill="hold">
+                      <p:stCondLst>
+                        <p:cond delay="indefinite"/>
+                      </p:stCondLst>
+                      <p:childTnLst>
+                        <p:par>
+                          <p:cTn id="14" fill="hold">
+                            <p:stCondLst>
+                              <p:cond delay="0"/>
+                            </p:stCondLst>
+                            <p:childTnLst>
+                              <p:par>
+                                <p:cTn id="15" presetID="10" presetClass="entr" presetSubtype="0" fill="hold" nodeType="clickEffect">
+                                  <p:stCondLst>
+                                    <p:cond delay="0"/>
+                                  </p:stCondLst>
+                                  <p:childTnLst>
+                                    <p:set>
+                                      <p:cBhvr>
+                                        <p:cTn id="16" dur="1" fill="hold">
+                                          <p:stCondLst>
+                                            <p:cond delay="0"/>
+                                          </p:stCondLst>
+                                        </p:cTn>
+                                        <p:tgtEl>
+                                          <p:spTgt spid="3">
+                                            <p:txEl>
+                                              <p:pRg st="2" end="2"/>
+                                            </p:txEl>
+                                          </p:spTgt>
+                                        </p:tgtEl>
+                                        <p:attrNameLst>
+                                          <p:attrName>style.visibility</p:attrName>
+                                        </p:attrNameLst>
+                                      </p:cBhvr>
+                                      <p:to>
+                                        <p:strVal val="visible"/>
+                                      </p:to>
+                                    </p:set>
+                                    <p:animEffect transition="in" filter="fade">
+                                      <p:cBhvr>
+                                        <p:cTn id="17" dur="500"/>
+                                        <p:tgtEl>
+                                          <p:spTgt spid="3">
+                                            <p:txEl>
+                                              <p:pRg st="2" end="2"/>
+                                            </p:txEl>
+                                          </p:spTgt>
+                                        </p:tgtEl>
+                                      </p:cBhvr>
+                                    </p:animEffect>
+                                  </p:childTnLst>
+                                </p:cTn>
+                              </p:par>
+                            </p:childTnLst>
+                          </p:cTn>
+                        </p:par>
+                      </p:childTnLst>
+                    </p:cTn>
+                  </p:par>
+                  <p:par>
+                    <p:cTn id="18" fill="hold">
+                      <p:stCondLst>
+                        <p:cond delay="indefinite"/>
+                      </p:stCondLst>
+                      <p:childTnLst>
+                        <p:par>
+                          <p:cTn id="19" fill="hold">
+                            <p:stCondLst>
+                              <p:cond delay="0"/>
+                            </p:stCondLst>
+                            <p:childTnLst>
+                              <p:par>
+                                <p:cTn id="20" presetID="10" presetClass="entr" presetSubtype="0" fill="hold" nodeType="clickEffect">
+                                  <p:stCondLst>
+                                    <p:cond delay="0"/>
+                                  </p:stCondLst>
+                                  <p:childTnLst>
+                                    <p:set>
+                                      <p:cBhvr>
+                                        <p:cTn id="21" dur="1" fill="hold">
+                                          <p:stCondLst>
+                                            <p:cond delay="0"/>
+                                          </p:stCondLst>
+                                        </p:cTn>
+                                        <p:tgtEl>
+                                          <p:spTgt spid="3">
+                                            <p:txEl>
+                                              <p:pRg st="3" end="3"/>
+                                            </p:txEl>
+                                          </p:spTgt>
+                                        </p:tgtEl>
+                                        <p:attrNameLst>
+                                          <p:attrName>style.visibility</p:attrName>
+                                        </p:attrNameLst>
+                                      </p:cBhvr>
+                                      <p:to>
+                                        <p:strVal val="visible"/>
+                                      </p:to>
+                                    </p:set>
+                                    <p:animEffect transition="in" filter="fade">
+                                      <p:cBhvr>
+                                        <p:cTn id="22" dur="500"/>
+                                        <p:tgtEl>
+                                          <p:spTgt spid="3">
+                                            <p:txEl>
+                                              <p:pRg st="3" end="3"/>
+                                            </p:txEl>
+                                          </p:spTgt>
+                                        </p:tgtEl>
+                                      </p:cBhvr>
+                                    </p:animEffect>
+                                  </p:childTnLst>
+                                </p:cTn>
+                              </p:par>
+                            </p:childTnLst>
+                          </p:cTn>
+                        </p:par>
+                      </p:childTnLst>
+                    </p:cTn>
+                  </p:par>
+                  <p:par>
+                    <p:cTn id="23" fill="hold">
+                      <p:stCondLst>
+                        <p:cond delay="indefinite"/>
+                      </p:stCondLst>
+                      <p:childTnLst>
+                        <p:par>
+                          <p:cTn id="24" fill="hold">
+                            <p:stCondLst>
+                              <p:cond delay="0"/>
+                            </p:stCondLst>
+                            <p:childTnLst>
+                              <p:par>
+                                <p:cTn id="25" presetID="10" presetClass="entr" presetSubtype="0" fill="hold" nodeType="clickEffect">
+                                  <p:stCondLst>
+                                    <p:cond delay="0"/>
+                                  </p:stCondLst>
+                                  <p:childTnLst>
+                                    <p:set>
+                                      <p:cBhvr>
+                                        <p:cTn id="26" dur="1" fill="hold">
+                                          <p:stCondLst>
+                                            <p:cond delay="0"/>
+                                          </p:stCondLst>
+                                        </p:cTn>
+                                        <p:tgtEl>
+                                          <p:spTgt spid="3">
+                                            <p:txEl>
+                                              <p:pRg st="4" end="4"/>
+                                            </p:txEl>
+                                          </p:spTgt>
+                                        </p:tgtEl>
+                                        <p:attrNameLst>
+                                          <p:attrName>style.visibility</p:attrName>
+                                        </p:attrNameLst>
+                                      </p:cBhvr>
+                                      <p:to>
+                                        <p:strVal val="visible"/>
+                                      </p:to>
+                                    </p:set>
+                                    <p:animEffect transition="in" filter="fade">
+                                      <p:cBhvr>
+                                        <p:cTn id="27" dur="500"/>
+                                        <p:tgtEl>
+                                          <p:spTgt spid="3">
+                                            <p:txEl>
+                                              <p:pRg st="4" end="4"/>
+                                            </p:txEl>
+                                          </p:spTgt>
+                                        </p:tgtEl>
+                                      </p:cBhvr>
+                                    </p:animEffect>
+                                  </p:childTnLst>
+                                </p:cTn>
+                              </p:par>
+                            </p:childTnLst>
+                          </p:cTn>
+                        </p:par>
+                      </p:childTnLst>
+                    </p:cTn>
+                  </p:par>
+                  <p:par>
+                    <p:cTn id="28" fill="hold">
+                      <p:stCondLst>
+                        <p:cond delay="indefinite"/>
+                      </p:stCondLst>
+                      <p:childTnLst>
+                        <p:par>
+                          <p:cTn id="29" fill="hold">
+                            <p:stCondLst>
+                              <p:cond delay="0"/>
+                            </p:stCondLst>
+                            <p:childTnLst>
+                              <p:par>
+                                <p:cTn id="30" presetID="10" presetClass="entr" presetSubtype="0" fill="hold" nodeType="clickEffect">
+                                  <p:stCondLst>
+                                    <p:cond delay="0"/>
+                                  </p:stCondLst>
+                                  <p:childTnLst>
+                                    <p:set>
+                                      <p:cBhvr>
+                                        <p:cTn id="31" dur="1" fill="hold">
+                                          <p:stCondLst>
+                                            <p:cond delay="0"/>
+                                          </p:stCondLst>
+                                        </p:cTn>
+                                        <p:tgtEl>
+                                          <p:spTgt spid="3">
+                                            <p:txEl>
+                                              <p:pRg st="5" end="5"/>
+                                            </p:txEl>
+                                          </p:spTgt>
+                                        </p:tgtEl>
+                                        <p:attrNameLst>
+                                          <p:attrName>style.visibility</p:attrName>
+                                        </p:attrNameLst>
+                                      </p:cBhvr>
+                                      <p:to>
+                                        <p:strVal val="visible"/>
+                                      </p:to>
+                                    </p:set>
+                                    <p:animEffect transition="in" filter="fade">
+                                      <p:cBhvr>
+                                        <p:cTn id="32" dur="500"/>
+                                        <p:tgtEl>
+                                          <p:spTgt spid="3">
+                                            <p:txEl>
+                                              <p:pRg st="5" end="5"/>
+                                            </p:txEl>
+                                          </p:spTgt>
+                                        </p:tgtEl>
+                                      </p:cBhvr>
+                                    </p:animEffect>
+                                  </p:childTnLst>
+                                </p:cTn>
+                              </p:par>
+                            </p:childTnLst>
+                          </p:cTn>
+                        </p:par>
+                      </p:childTnLst>
+                    </p:cTn>
+                  </p:par>
+                  <p:par>
+                    <p:cTn id="33" fill="hold">
+                      <p:stCondLst>
+                        <p:cond delay="indefinite"/>
+                      </p:stCondLst>
+                      <p:childTnLst>
+                        <p:par>
+                          <p:cTn id="34" fill="hold">
+                            <p:stCondLst>
+                              <p:cond delay="0"/>
+                            </p:stCondLst>
+                            <p:childTnLst>
+                              <p:par>
+                                <p:cTn id="35" presetID="10" presetClass="entr" presetSubtype="0" fill="hold" nodeType="clickEffect">
+                                  <p:stCondLst>
+                                    <p:cond delay="0"/>
+                                  </p:stCondLst>
+                                  <p:childTnLst>
+                                    <p:set>
+                                      <p:cBhvr>
+                                        <p:cTn id="36" dur="1" fill="hold">
+                                          <p:stCondLst>
+                                            <p:cond delay="0"/>
+                                          </p:stCondLst>
+                                        </p:cTn>
+                                        <p:tgtEl>
+                                          <p:spTgt spid="3">
+                                            <p:txEl>
+                                              <p:pRg st="6" end="6"/>
+                                            </p:txEl>
+                                          </p:spTgt>
+                                        </p:tgtEl>
+                                        <p:attrNameLst>
+                                          <p:attrName>style.visibility</p:attrName>
+                                        </p:attrNameLst>
+                                      </p:cBhvr>
+                                      <p:to>
+                                        <p:strVal val="visible"/>
+                                      </p:to>
+                                    </p:set>
+                                    <p:animEffect transition="in" filter="fade">
+                                      <p:cBhvr>
+                                        <p:cTn id="37" dur="500"/>
+                                        <p:tgtEl>
+                                          <p:spTgt spid="3">
+                                            <p:txEl>
+                                              <p:pRg st="6" end="6"/>
+                                            </p:txEl>
+                                          </p:spTgt>
+                                        </p:tgtEl>
+                                      </p:cBhvr>
+                                    </p:animEffect>
+                                  </p:childTnLst>
+                                </p:cTn>
+                              </p:par>
+                            </p:childTnLst>
+                          </p:cTn>
+                        </p:par>
+                      </p:childTnLst>
+                    </p:cTn>
+                  </p:par>
+                  <p:par>
+                    <p:cTn id="38" fill="hold">
+                      <p:stCondLst>
+                        <p:cond delay="indefinite"/>
+                      </p:stCondLst>
+                      <p:childTnLst>
+                        <p:par>
+                          <p:cTn id="39" fill="hold">
+                            <p:stCondLst>
+                              <p:cond delay="0"/>
+                            </p:stCondLst>
+                            <p:childTnLst>
+                              <p:par>
+                                <p:cTn id="40" presetID="10" presetClass="entr" presetSubtype="0" fill="hold" nodeType="clickEffect">
+                                  <p:stCondLst>
+                                    <p:cond delay="0"/>
+                                  </p:stCondLst>
+                                  <p:childTnLst>
+                                    <p:set>
+                                      <p:cBhvr>
+                                        <p:cTn id="41" dur="1" fill="hold">
+                                          <p:stCondLst>
+                                            <p:cond delay="0"/>
+                                          </p:stCondLst>
+                                        </p:cTn>
+                                        <p:tgtEl>
+                                          <p:spTgt spid="3">
+                                            <p:txEl>
+                                              <p:pRg st="7" end="7"/>
+                                            </p:txEl>
+                                          </p:spTgt>
+                                        </p:tgtEl>
+                                        <p:attrNameLst>
+                                          <p:attrName>style.visibility</p:attrName>
+                                        </p:attrNameLst>
+                                      </p:cBhvr>
+                                      <p:to>
+                                        <p:strVal val="visible"/>
+                                      </p:to>
+                                    </p:set>
+                                    <p:animEffect transition="in" filter="fade">
+                                      <p:cBhvr>
+                                        <p:cTn id="42" dur="500"/>
+                                        <p:tgtEl>
+                                          <p:spTgt spid="3">
+                                            <p:txEl>
+                                              <p:pRg st="7" end="7"/>
+                                            </p:txEl>
+                                          </p:spTgt>
+                                        </p:tgtEl>
+                                      </p:cBhvr>
+                                    </p:animEffect>
+                                  </p:childTnLst>
+                                </p:cTn>
+                              </p:par>
+                            </p:childTnLst>
+                          </p:cTn>
+                        </p:par>
+                      </p:childTnLst>
+                    </p:cTn>
+                  </p:par>
+                  <p:par>
+                    <p:cTn id="43" fill="hold">
+                      <p:stCondLst>
+                        <p:cond delay="indefinite"/>
+                      </p:stCondLst>
+                      <p:childTnLst>
+                        <p:par>
+                          <p:cTn id="44" fill="hold">
+                            <p:stCondLst>
+                              <p:cond delay="0"/>
+                            </p:stCondLst>
+                            <p:childTnLst>
+                              <p:par>
+                                <p:cTn id="45" presetID="10" presetClass="entr" presetSubtype="0" fill="hold" nodeType="clickEffect">
+                                  <p:stCondLst>
+                                    <p:cond delay="0"/>
+                                  </p:stCondLst>
+                                  <p:childTnLst>
+                                    <p:set>
+                                      <p:cBhvr>
+                                        <p:cTn id="46" dur="1" fill="hold">
+                                          <p:stCondLst>
+                                            <p:cond delay="0"/>
+                                          </p:stCondLst>
+                                        </p:cTn>
+                                        <p:tgtEl>
+                                          <p:spTgt spid="3">
+                                            <p:txEl>
+                                              <p:pRg st="8" end="8"/>
+                                            </p:txEl>
+                                          </p:spTgt>
+                                        </p:tgtEl>
+                                        <p:attrNameLst>
+                                          <p:attrName>style.visibility</p:attrName>
+                                        </p:attrNameLst>
+                                      </p:cBhvr>
+                                      <p:to>
+                                        <p:strVal val="visible"/>
+                                      </p:to>
+                                    </p:set>
+                                    <p:animEffect transition="in" filter="fade">
+                                      <p:cBhvr>
+                                        <p:cTn id="47" dur="500"/>
+                                        <p:tgtEl>
+                                          <p:spTgt spid="3">
+                                            <p:txEl>
+                                              <p:pRg st="8" end="8"/>
+                                            </p:txEl>
+                                          </p:spTgt>
+                                        </p:tgtEl>
+                                      </p:cBhvr>
+                                    </p:animEffect>
+                                  </p:childTnLst>
+                                </p:cTn>
+                              </p:par>
+                            </p:childTnLst>
+                          </p:cTn>
+                        </p:par>
+                      </p:childTnLst>
+                    </p:cTn>
+                  </p:par>
+                  <p:par>
+                    <p:cTn id="48" fill="hold">
+                      <p:stCondLst>
+                        <p:cond delay="indefinite"/>
+                      </p:stCondLst>
+                      <p:childTnLst>
+                        <p:par>
+                          <p:cTn id="49" fill="hold">
+                            <p:stCondLst>
+                              <p:cond delay="0"/>
+                            </p:stCondLst>
+                            <p:childTnLst>
+                              <p:par>
+                                <p:cTn id="50" presetID="10" presetClass="entr" presetSubtype="0" fill="hold" nodeType="clickEffect">
+                                  <p:stCondLst>
+                                    <p:cond delay="0"/>
+                                  </p:stCondLst>
+                                  <p:childTnLst>
+                                    <p:set>
+                                      <p:cBhvr>
+                                        <p:cTn id="51" dur="1" fill="hold">
+                                          <p:stCondLst>
+                                            <p:cond delay="0"/>
+                                          </p:stCondLst>
+                                        </p:cTn>
+                                        <p:tgtEl>
+                                          <p:spTgt spid="3">
+                                            <p:txEl>
+                                              <p:pRg st="9" end="9"/>
+                                            </p:txEl>
+                                          </p:spTgt>
+                                        </p:tgtEl>
+                                        <p:attrNameLst>
+                                          <p:attrName>style.visibility</p:attrName>
+                                        </p:attrNameLst>
+                                      </p:cBhvr>
+                                      <p:to>
+                                        <p:strVal val="visible"/>
+                                      </p:to>
+                                    </p:set>
+                                    <p:animEffect transition="in" filter="fade">
+                                      <p:cBhvr>
+                                        <p:cTn id="52" dur="500"/>
+                                        <p:tgtEl>
+                                          <p:spTgt spid="3">
+                                            <p:txEl>
+                                              <p:pRg st="9" end="9"/>
+                                            </p:txEl>
+                                          </p:spTgt>
+                                        </p:tgtEl>
+                                      </p:cBhvr>
+                                    </p:animEffect>
+                                  </p:childTnLst>
+                                </p:cTn>
+                              </p:par>
+                            </p:childTnLst>
+                          </p:cTn>
+                        </p:par>
+                      </p:childTnLst>
+                    </p:cTn>
+                  </p:par>
+                  <p:par>
+                    <p:cTn id="53" fill="hold">
+                      <p:stCondLst>
+                        <p:cond delay="indefinite"/>
+                      </p:stCondLst>
+                      <p:childTnLst>
+                        <p:par>
+                          <p:cTn id="54" fill="hold">
+                            <p:stCondLst>
+                              <p:cond delay="0"/>
+                            </p:stCondLst>
+                            <p:childTnLst>
+                              <p:par>
+                                <p:cTn id="55" presetID="10" presetClass="entr" presetSubtype="0" fill="hold" nodeType="clickEffect">
+                                  <p:stCondLst>
+                                    <p:cond delay="0"/>
+                                  </p:stCondLst>
+                                  <p:childTnLst>
+                                    <p:set>
+                                      <p:cBhvr>
+                                        <p:cTn id="56" dur="1" fill="hold">
+                                          <p:stCondLst>
+                                            <p:cond delay="0"/>
+                                          </p:stCondLst>
+                                        </p:cTn>
+                                        <p:tgtEl>
+                                          <p:spTgt spid="3">
+                                            <p:txEl>
+                                              <p:pRg st="10" end="10"/>
+                                            </p:txEl>
+                                          </p:spTgt>
+                                        </p:tgtEl>
+                                        <p:attrNameLst>
+                                          <p:attrName>style.visibility</p:attrName>
+                                        </p:attrNameLst>
+                                      </p:cBhvr>
+                                      <p:to>
+                                        <p:strVal val="visible"/>
+                                      </p:to>
+                                    </p:set>
+                                    <p:animEffect transition="in" filter="fade">
+                                      <p:cBhvr>
+                                        <p:cTn id="57" dur="500"/>
+                                        <p:tgtEl>
+                                          <p:spTgt spid="3">
+                                            <p:txEl>
+                                              <p:pRg st="10" end="10"/>
+                                            </p:txEl>
+                                          </p:spTgt>
+                                        </p:tgtEl>
+                                      </p:cBhvr>
+                                    </p:animEffect>
+                                  </p:childTnLst>
+                                </p:cTn>
+                              </p:par>
+                            </p:childTnLst>
+                          </p:cTn>
+                        </p:par>
+                      </p:childTnLst>
+                    </p:cTn>
+                  </p:par>
+                  <p:par>
+                    <p:cTn id="58" fill="hold">
+                      <p:stCondLst>
+                        <p:cond delay="indefinite"/>
+                      </p:stCondLst>
+                      <p:childTnLst>
+                        <p:par>
+                          <p:cTn id="59" fill="hold">
+                            <p:stCondLst>
+                              <p:cond delay="0"/>
+                            </p:stCondLst>
+                            <p:childTnLst>
+                              <p:par>
+                                <p:cTn id="60" presetID="10" presetClass="entr" presetSubtype="0" fill="hold" nodeType="clickEffect">
+                                  <p:stCondLst>
+                                    <p:cond delay="0"/>
+                                  </p:stCondLst>
+                                  <p:childTnLst>
+                                    <p:set>
+                                      <p:cBhvr>
+                                        <p:cTn id="61" dur="1" fill="hold">
+                                          <p:stCondLst>
+                                            <p:cond delay="0"/>
+                                          </p:stCondLst>
+                                        </p:cTn>
+                                        <p:tgtEl>
+                                          <p:spTgt spid="3">
+                                            <p:txEl>
+                                              <p:pRg st="11" end="11"/>
+                                            </p:txEl>
+                                          </p:spTgt>
+                                        </p:tgtEl>
+                                        <p:attrNameLst>
+                                          <p:attrName>style.visibility</p:attrName>
+                                        </p:attrNameLst>
+                                      </p:cBhvr>
+                                      <p:to>
+                                        <p:strVal val="visible"/>
+                                      </p:to>
+                                    </p:set>
+                                    <p:animEffect transition="in" filter="fade">
+                                      <p:cBhvr>
+                                        <p:cTn id="62" dur="500"/>
+                                        <p:tgtEl>
+                                          <p:spTgt spid="3">
+                                            <p:txEl>
+                                              <p:pRg st="11" end="11"/>
+                                            </p:txEl>
+                                          </p:spTgt>
+                                        </p:tgtEl>
+                                      </p:cBhvr>
+                                    </p:animEffect>
+                                  </p:childTnLst>
+                                </p:cTn>
+                              </p:par>
+                            </p:childTnLst>
+                          </p:cTn>
+                        </p:par>
+                      </p:childTnLst>
+                    </p:cTn>
+                  </p:par>
+                </p:childTnLst>
+              </p:cTn>
+              <p:prevCondLst>
+                <p:cond evt="onPrev" delay="0">
+                  <p:tgtEl>
+                    <p:sldTgt/>
+                  </p:tgtEl>
+                </p:cond>
+              </p:prevCondLst>
+              <p:nextCondLst>
+                <p:cond evt="onNext" delay="0">
+                  <p:tgtEl>
+                    <p:sldTgt/>
+                  </p:tgtEl>
+                </p:cond>
+              </p:nextCondLst>
+            </p:seq>
+          </p:childTnLst>
+        </p:cTn>
+      </p:par>
+    </p:tnLst>
+  </p:timing>
 </p:sld>
 </file>
 
@@ -4943,13 +5073,10 @@
               </a:rPr>
               <a:t>for ABP developers</a:t>
             </a:r>
-            <a:r>
-              <a:rPr lang="tr-TR" i="1" dirty="0">
-                <a:latin typeface="Euclid Circular B" panose="020B0504000000000000" pitchFamily="34" charset="0"/>
-                <a:ea typeface="Euclid Circular B" panose="020B0504000000000000" pitchFamily="34" charset="0"/>
-              </a:rPr>
-              <a:t>!</a:t>
-            </a:r>
+            <a:endParaRPr lang="tr-TR" i="1" dirty="0">
+              <a:latin typeface="Euclid Circular B" panose="020B0504000000000000" pitchFamily="34" charset="0"/>
+              <a:ea typeface="Euclid Circular B" panose="020B0504000000000000" pitchFamily="34" charset="0"/>
+            </a:endParaRPr>
           </a:p>
           <a:p>
             <a:r>
@@ -5053,6 +5180,219 @@
   <p:clrMapOvr>
     <a:masterClrMapping/>
   </p:clrMapOvr>
+  <p:timing>
+    <p:tnLst>
+      <p:par>
+        <p:cTn id="1" dur="indefinite" restart="never" nodeType="tmRoot">
+          <p:childTnLst>
+            <p:seq concurrent="1" nextAc="seek">
+              <p:cTn id="2" dur="indefinite" nodeType="mainSeq">
+                <p:childTnLst>
+                  <p:par>
+                    <p:cTn id="3" fill="hold">
+                      <p:stCondLst>
+                        <p:cond delay="indefinite"/>
+                      </p:stCondLst>
+                      <p:childTnLst>
+                        <p:par>
+                          <p:cTn id="4" fill="hold">
+                            <p:stCondLst>
+                              <p:cond delay="0"/>
+                            </p:stCondLst>
+                            <p:childTnLst>
+                              <p:par>
+                                <p:cTn id="5" presetID="10" presetClass="entr" presetSubtype="0" fill="hold" nodeType="clickEffect">
+                                  <p:stCondLst>
+                                    <p:cond delay="0"/>
+                                  </p:stCondLst>
+                                  <p:childTnLst>
+                                    <p:set>
+                                      <p:cBhvr>
+                                        <p:cTn id="6" dur="1" fill="hold">
+                                          <p:stCondLst>
+                                            <p:cond delay="0"/>
+                                          </p:stCondLst>
+                                        </p:cTn>
+                                        <p:tgtEl>
+                                          <p:spTgt spid="3">
+                                            <p:txEl>
+                                              <p:pRg st="0" end="0"/>
+                                            </p:txEl>
+                                          </p:spTgt>
+                                        </p:tgtEl>
+                                        <p:attrNameLst>
+                                          <p:attrName>style.visibility</p:attrName>
+                                        </p:attrNameLst>
+                                      </p:cBhvr>
+                                      <p:to>
+                                        <p:strVal val="visible"/>
+                                      </p:to>
+                                    </p:set>
+                                    <p:animEffect transition="in" filter="fade">
+                                      <p:cBhvr>
+                                        <p:cTn id="7" dur="500"/>
+                                        <p:tgtEl>
+                                          <p:spTgt spid="3">
+                                            <p:txEl>
+                                              <p:pRg st="0" end="0"/>
+                                            </p:txEl>
+                                          </p:spTgt>
+                                        </p:tgtEl>
+                                      </p:cBhvr>
+                                    </p:animEffect>
+                                  </p:childTnLst>
+                                </p:cTn>
+                              </p:par>
+                            </p:childTnLst>
+                          </p:cTn>
+                        </p:par>
+                      </p:childTnLst>
+                    </p:cTn>
+                  </p:par>
+                  <p:par>
+                    <p:cTn id="8" fill="hold">
+                      <p:stCondLst>
+                        <p:cond delay="indefinite"/>
+                      </p:stCondLst>
+                      <p:childTnLst>
+                        <p:par>
+                          <p:cTn id="9" fill="hold">
+                            <p:stCondLst>
+                              <p:cond delay="0"/>
+                            </p:stCondLst>
+                            <p:childTnLst>
+                              <p:par>
+                                <p:cTn id="10" presetID="10" presetClass="entr" presetSubtype="0" fill="hold" nodeType="clickEffect">
+                                  <p:stCondLst>
+                                    <p:cond delay="0"/>
+                                  </p:stCondLst>
+                                  <p:childTnLst>
+                                    <p:set>
+                                      <p:cBhvr>
+                                        <p:cTn id="11" dur="1" fill="hold">
+                                          <p:stCondLst>
+                                            <p:cond delay="0"/>
+                                          </p:stCondLst>
+                                        </p:cTn>
+                                        <p:tgtEl>
+                                          <p:spTgt spid="3">
+                                            <p:txEl>
+                                              <p:pRg st="1" end="1"/>
+                                            </p:txEl>
+                                          </p:spTgt>
+                                        </p:tgtEl>
+                                        <p:attrNameLst>
+                                          <p:attrName>style.visibility</p:attrName>
+                                        </p:attrNameLst>
+                                      </p:cBhvr>
+                                      <p:to>
+                                        <p:strVal val="visible"/>
+                                      </p:to>
+                                    </p:set>
+                                    <p:animEffect transition="in" filter="fade">
+                                      <p:cBhvr>
+                                        <p:cTn id="12" dur="500"/>
+                                        <p:tgtEl>
+                                          <p:spTgt spid="3">
+                                            <p:txEl>
+                                              <p:pRg st="1" end="1"/>
+                                            </p:txEl>
+                                          </p:spTgt>
+                                        </p:tgtEl>
+                                      </p:cBhvr>
+                                    </p:animEffect>
+                                  </p:childTnLst>
+                                </p:cTn>
+                              </p:par>
+                            </p:childTnLst>
+                          </p:cTn>
+                        </p:par>
+                      </p:childTnLst>
+                    </p:cTn>
+                  </p:par>
+                  <p:par>
+                    <p:cTn id="13" fill="hold">
+                      <p:stCondLst>
+                        <p:cond delay="indefinite"/>
+                      </p:stCondLst>
+                      <p:childTnLst>
+                        <p:par>
+                          <p:cTn id="14" fill="hold">
+                            <p:stCondLst>
+                              <p:cond delay="0"/>
+                            </p:stCondLst>
+                            <p:childTnLst>
+                              <p:par>
+                                <p:cTn id="15" presetID="10" presetClass="entr" presetSubtype="0" fill="hold" nodeType="clickEffect">
+                                  <p:stCondLst>
+                                    <p:cond delay="0"/>
+                                  </p:stCondLst>
+                                  <p:childTnLst>
+                                    <p:set>
+                                      <p:cBhvr>
+                                        <p:cTn id="16" dur="1" fill="hold">
+                                          <p:stCondLst>
+                                            <p:cond delay="0"/>
+                                          </p:stCondLst>
+                                        </p:cTn>
+                                        <p:tgtEl>
+                                          <p:spTgt spid="3">
+                                            <p:txEl>
+                                              <p:pRg st="2" end="2"/>
+                                            </p:txEl>
+                                          </p:spTgt>
+                                        </p:tgtEl>
+                                        <p:attrNameLst>
+                                          <p:attrName>style.visibility</p:attrName>
+                                        </p:attrNameLst>
+                                      </p:cBhvr>
+                                      <p:to>
+                                        <p:strVal val="visible"/>
+                                      </p:to>
+                                    </p:set>
+                                    <p:animEffect transition="in" filter="fade">
+                                      <p:cBhvr>
+                                        <p:cTn id="17" dur="500"/>
+                                        <p:tgtEl>
+                                          <p:spTgt spid="3">
+                                            <p:txEl>
+                                              <p:pRg st="2" end="2"/>
+                                            </p:txEl>
+                                          </p:spTgt>
+                                        </p:tgtEl>
+                                      </p:cBhvr>
+                                    </p:animEffect>
+                                  </p:childTnLst>
+                                </p:cTn>
+                              </p:par>
+                            </p:childTnLst>
+                          </p:cTn>
+                        </p:par>
+                      </p:childTnLst>
+                    </p:cTn>
+                  </p:par>
+                </p:childTnLst>
+              </p:cTn>
+              <p:prevCondLst>
+                <p:cond evt="onPrev" delay="0">
+                  <p:tgtEl>
+                    <p:sldTgt/>
+                  </p:tgtEl>
+                </p:cond>
+              </p:prevCondLst>
+              <p:nextCondLst>
+                <p:cond evt="onNext" delay="0">
+                  <p:tgtEl>
+                    <p:sldTgt/>
+                  </p:tgtEl>
+                </p:cond>
+              </p:nextCondLst>
+            </p:seq>
+          </p:childTnLst>
+        </p:cTn>
+      </p:par>
+    </p:tnLst>
+  </p:timing>
 </p:sld>
 </file>
 
@@ -5273,6 +5613,366 @@
   <p:clrMapOvr>
     <a:masterClrMapping/>
   </p:clrMapOvr>
+  <p:timing>
+    <p:tnLst>
+      <p:par>
+        <p:cTn id="1" dur="indefinite" restart="never" nodeType="tmRoot">
+          <p:childTnLst>
+            <p:seq concurrent="1" nextAc="seek">
+              <p:cTn id="2" dur="indefinite" nodeType="mainSeq">
+                <p:childTnLst>
+                  <p:par>
+                    <p:cTn id="3" fill="hold">
+                      <p:stCondLst>
+                        <p:cond delay="indefinite"/>
+                      </p:stCondLst>
+                      <p:childTnLst>
+                        <p:par>
+                          <p:cTn id="4" fill="hold">
+                            <p:stCondLst>
+                              <p:cond delay="0"/>
+                            </p:stCondLst>
+                            <p:childTnLst>
+                              <p:par>
+                                <p:cTn id="5" presetID="10" presetClass="entr" presetSubtype="0" fill="hold" nodeType="clickEffect">
+                                  <p:stCondLst>
+                                    <p:cond delay="0"/>
+                                  </p:stCondLst>
+                                  <p:childTnLst>
+                                    <p:set>
+                                      <p:cBhvr>
+                                        <p:cTn id="6" dur="1" fill="hold">
+                                          <p:stCondLst>
+                                            <p:cond delay="0"/>
+                                          </p:stCondLst>
+                                        </p:cTn>
+                                        <p:tgtEl>
+                                          <p:spTgt spid="3">
+                                            <p:txEl>
+                                              <p:pRg st="0" end="0"/>
+                                            </p:txEl>
+                                          </p:spTgt>
+                                        </p:tgtEl>
+                                        <p:attrNameLst>
+                                          <p:attrName>style.visibility</p:attrName>
+                                        </p:attrNameLst>
+                                      </p:cBhvr>
+                                      <p:to>
+                                        <p:strVal val="visible"/>
+                                      </p:to>
+                                    </p:set>
+                                    <p:animEffect transition="in" filter="fade">
+                                      <p:cBhvr>
+                                        <p:cTn id="7" dur="500"/>
+                                        <p:tgtEl>
+                                          <p:spTgt spid="3">
+                                            <p:txEl>
+                                              <p:pRg st="0" end="0"/>
+                                            </p:txEl>
+                                          </p:spTgt>
+                                        </p:tgtEl>
+                                      </p:cBhvr>
+                                    </p:animEffect>
+                                  </p:childTnLst>
+                                </p:cTn>
+                              </p:par>
+                            </p:childTnLst>
+                          </p:cTn>
+                        </p:par>
+                      </p:childTnLst>
+                    </p:cTn>
+                  </p:par>
+                  <p:par>
+                    <p:cTn id="8" fill="hold">
+                      <p:stCondLst>
+                        <p:cond delay="indefinite"/>
+                      </p:stCondLst>
+                      <p:childTnLst>
+                        <p:par>
+                          <p:cTn id="9" fill="hold">
+                            <p:stCondLst>
+                              <p:cond delay="0"/>
+                            </p:stCondLst>
+                            <p:childTnLst>
+                              <p:par>
+                                <p:cTn id="10" presetID="10" presetClass="entr" presetSubtype="0" fill="hold" nodeType="clickEffect">
+                                  <p:stCondLst>
+                                    <p:cond delay="0"/>
+                                  </p:stCondLst>
+                                  <p:childTnLst>
+                                    <p:set>
+                                      <p:cBhvr>
+                                        <p:cTn id="11" dur="1" fill="hold">
+                                          <p:stCondLst>
+                                            <p:cond delay="0"/>
+                                          </p:stCondLst>
+                                        </p:cTn>
+                                        <p:tgtEl>
+                                          <p:spTgt spid="3">
+                                            <p:txEl>
+                                              <p:pRg st="1" end="1"/>
+                                            </p:txEl>
+                                          </p:spTgt>
+                                        </p:tgtEl>
+                                        <p:attrNameLst>
+                                          <p:attrName>style.visibility</p:attrName>
+                                        </p:attrNameLst>
+                                      </p:cBhvr>
+                                      <p:to>
+                                        <p:strVal val="visible"/>
+                                      </p:to>
+                                    </p:set>
+                                    <p:animEffect transition="in" filter="fade">
+                                      <p:cBhvr>
+                                        <p:cTn id="12" dur="500"/>
+                                        <p:tgtEl>
+                                          <p:spTgt spid="3">
+                                            <p:txEl>
+                                              <p:pRg st="1" end="1"/>
+                                            </p:txEl>
+                                          </p:spTgt>
+                                        </p:tgtEl>
+                                      </p:cBhvr>
+                                    </p:animEffect>
+                                  </p:childTnLst>
+                                </p:cTn>
+                              </p:par>
+                              <p:par>
+                                <p:cTn id="13" presetID="10" presetClass="entr" presetSubtype="0" fill="hold" nodeType="withEffect">
+                                  <p:stCondLst>
+                                    <p:cond delay="0"/>
+                                  </p:stCondLst>
+                                  <p:childTnLst>
+                                    <p:set>
+                                      <p:cBhvr>
+                                        <p:cTn id="14" dur="1" fill="hold">
+                                          <p:stCondLst>
+                                            <p:cond delay="0"/>
+                                          </p:stCondLst>
+                                        </p:cTn>
+                                        <p:tgtEl>
+                                          <p:spTgt spid="3">
+                                            <p:txEl>
+                                              <p:pRg st="2" end="2"/>
+                                            </p:txEl>
+                                          </p:spTgt>
+                                        </p:tgtEl>
+                                        <p:attrNameLst>
+                                          <p:attrName>style.visibility</p:attrName>
+                                        </p:attrNameLst>
+                                      </p:cBhvr>
+                                      <p:to>
+                                        <p:strVal val="visible"/>
+                                      </p:to>
+                                    </p:set>
+                                    <p:animEffect transition="in" filter="fade">
+                                      <p:cBhvr>
+                                        <p:cTn id="15" dur="500"/>
+                                        <p:tgtEl>
+                                          <p:spTgt spid="3">
+                                            <p:txEl>
+                                              <p:pRg st="2" end="2"/>
+                                            </p:txEl>
+                                          </p:spTgt>
+                                        </p:tgtEl>
+                                      </p:cBhvr>
+                                    </p:animEffect>
+                                  </p:childTnLst>
+                                </p:cTn>
+                              </p:par>
+                              <p:par>
+                                <p:cTn id="16" presetID="10" presetClass="entr" presetSubtype="0" fill="hold" nodeType="withEffect">
+                                  <p:stCondLst>
+                                    <p:cond delay="0"/>
+                                  </p:stCondLst>
+                                  <p:childTnLst>
+                                    <p:set>
+                                      <p:cBhvr>
+                                        <p:cTn id="17" dur="1" fill="hold">
+                                          <p:stCondLst>
+                                            <p:cond delay="0"/>
+                                          </p:stCondLst>
+                                        </p:cTn>
+                                        <p:tgtEl>
+                                          <p:spTgt spid="3">
+                                            <p:txEl>
+                                              <p:pRg st="3" end="3"/>
+                                            </p:txEl>
+                                          </p:spTgt>
+                                        </p:tgtEl>
+                                        <p:attrNameLst>
+                                          <p:attrName>style.visibility</p:attrName>
+                                        </p:attrNameLst>
+                                      </p:cBhvr>
+                                      <p:to>
+                                        <p:strVal val="visible"/>
+                                      </p:to>
+                                    </p:set>
+                                    <p:animEffect transition="in" filter="fade">
+                                      <p:cBhvr>
+                                        <p:cTn id="18" dur="500"/>
+                                        <p:tgtEl>
+                                          <p:spTgt spid="3">
+                                            <p:txEl>
+                                              <p:pRg st="3" end="3"/>
+                                            </p:txEl>
+                                          </p:spTgt>
+                                        </p:tgtEl>
+                                      </p:cBhvr>
+                                    </p:animEffect>
+                                  </p:childTnLst>
+                                </p:cTn>
+                              </p:par>
+                            </p:childTnLst>
+                          </p:cTn>
+                        </p:par>
+                      </p:childTnLst>
+                    </p:cTn>
+                  </p:par>
+                  <p:par>
+                    <p:cTn id="19" fill="hold">
+                      <p:stCondLst>
+                        <p:cond delay="indefinite"/>
+                      </p:stCondLst>
+                      <p:childTnLst>
+                        <p:par>
+                          <p:cTn id="20" fill="hold">
+                            <p:stCondLst>
+                              <p:cond delay="0"/>
+                            </p:stCondLst>
+                            <p:childTnLst>
+                              <p:par>
+                                <p:cTn id="21" presetID="10" presetClass="entr" presetSubtype="0" fill="hold" nodeType="clickEffect">
+                                  <p:stCondLst>
+                                    <p:cond delay="0"/>
+                                  </p:stCondLst>
+                                  <p:childTnLst>
+                                    <p:set>
+                                      <p:cBhvr>
+                                        <p:cTn id="22" dur="1" fill="hold">
+                                          <p:stCondLst>
+                                            <p:cond delay="0"/>
+                                          </p:stCondLst>
+                                        </p:cTn>
+                                        <p:tgtEl>
+                                          <p:spTgt spid="3">
+                                            <p:txEl>
+                                              <p:pRg st="4" end="4"/>
+                                            </p:txEl>
+                                          </p:spTgt>
+                                        </p:tgtEl>
+                                        <p:attrNameLst>
+                                          <p:attrName>style.visibility</p:attrName>
+                                        </p:attrNameLst>
+                                      </p:cBhvr>
+                                      <p:to>
+                                        <p:strVal val="visible"/>
+                                      </p:to>
+                                    </p:set>
+                                    <p:animEffect transition="in" filter="fade">
+                                      <p:cBhvr>
+                                        <p:cTn id="23" dur="500"/>
+                                        <p:tgtEl>
+                                          <p:spTgt spid="3">
+                                            <p:txEl>
+                                              <p:pRg st="4" end="4"/>
+                                            </p:txEl>
+                                          </p:spTgt>
+                                        </p:tgtEl>
+                                      </p:cBhvr>
+                                    </p:animEffect>
+                                  </p:childTnLst>
+                                </p:cTn>
+                              </p:par>
+                            </p:childTnLst>
+                          </p:cTn>
+                        </p:par>
+                      </p:childTnLst>
+                    </p:cTn>
+                  </p:par>
+                  <p:par>
+                    <p:cTn id="24" fill="hold">
+                      <p:stCondLst>
+                        <p:cond delay="indefinite"/>
+                      </p:stCondLst>
+                      <p:childTnLst>
+                        <p:par>
+                          <p:cTn id="25" fill="hold">
+                            <p:stCondLst>
+                              <p:cond delay="0"/>
+                            </p:stCondLst>
+                            <p:childTnLst>
+                              <p:par>
+                                <p:cTn id="26" presetID="10" presetClass="entr" presetSubtype="0" fill="hold" nodeType="clickEffect">
+                                  <p:stCondLst>
+                                    <p:cond delay="0"/>
+                                  </p:stCondLst>
+                                  <p:childTnLst>
+                                    <p:set>
+                                      <p:cBhvr>
+                                        <p:cTn id="27" dur="1" fill="hold">
+                                          <p:stCondLst>
+                                            <p:cond delay="0"/>
+                                          </p:stCondLst>
+                                        </p:cTn>
+                                        <p:tgtEl>
+                                          <p:spTgt spid="3">
+                                            <p:txEl>
+                                              <p:pRg st="5" end="5"/>
+                                            </p:txEl>
+                                          </p:spTgt>
+                                        </p:tgtEl>
+                                        <p:attrNameLst>
+                                          <p:attrName>style.visibility</p:attrName>
+                                        </p:attrNameLst>
+                                      </p:cBhvr>
+                                      <p:to>
+                                        <p:strVal val="visible"/>
+                                      </p:to>
+                                    </p:set>
+                                    <p:animEffect transition="in" filter="fade">
+                                      <p:cBhvr>
+                                        <p:cTn id="28" dur="500"/>
+                                        <p:tgtEl>
+                                          <p:spTgt spid="3">
+                                            <p:txEl>
+                                              <p:pRg st="5" end="5"/>
+                                            </p:txEl>
+                                          </p:spTgt>
+                                        </p:tgtEl>
+                                      </p:cBhvr>
+                                    </p:animEffect>
+                                  </p:childTnLst>
+                                </p:cTn>
+                              </p:par>
+                            </p:childTnLst>
+                          </p:cTn>
+                        </p:par>
+                      </p:childTnLst>
+                    </p:cTn>
+                  </p:par>
+                </p:childTnLst>
+              </p:cTn>
+              <p:prevCondLst>
+                <p:cond evt="onPrev" delay="0">
+                  <p:tgtEl>
+                    <p:sldTgt/>
+                  </p:tgtEl>
+                </p:cond>
+              </p:prevCondLst>
+              <p:nextCondLst>
+                <p:cond evt="onNext" delay="0">
+                  <p:tgtEl>
+                    <p:sldTgt/>
+                  </p:tgtEl>
+                </p:cond>
+              </p:nextCondLst>
+            </p:seq>
+          </p:childTnLst>
+        </p:cTn>
+      </p:par>
+    </p:tnLst>
+  </p:timing>
 </p:sld>
 </file>
 
@@ -5463,6 +6163,219 @@
   <p:clrMapOvr>
     <a:masterClrMapping/>
   </p:clrMapOvr>
+  <p:timing>
+    <p:tnLst>
+      <p:par>
+        <p:cTn id="1" dur="indefinite" restart="never" nodeType="tmRoot">
+          <p:childTnLst>
+            <p:seq concurrent="1" nextAc="seek">
+              <p:cTn id="2" dur="indefinite" nodeType="mainSeq">
+                <p:childTnLst>
+                  <p:par>
+                    <p:cTn id="3" fill="hold">
+                      <p:stCondLst>
+                        <p:cond delay="indefinite"/>
+                      </p:stCondLst>
+                      <p:childTnLst>
+                        <p:par>
+                          <p:cTn id="4" fill="hold">
+                            <p:stCondLst>
+                              <p:cond delay="0"/>
+                            </p:stCondLst>
+                            <p:childTnLst>
+                              <p:par>
+                                <p:cTn id="5" presetID="10" presetClass="entr" presetSubtype="0" fill="hold" nodeType="clickEffect">
+                                  <p:stCondLst>
+                                    <p:cond delay="0"/>
+                                  </p:stCondLst>
+                                  <p:childTnLst>
+                                    <p:set>
+                                      <p:cBhvr>
+                                        <p:cTn id="6" dur="1" fill="hold">
+                                          <p:stCondLst>
+                                            <p:cond delay="0"/>
+                                          </p:stCondLst>
+                                        </p:cTn>
+                                        <p:tgtEl>
+                                          <p:spTgt spid="3">
+                                            <p:txEl>
+                                              <p:pRg st="0" end="0"/>
+                                            </p:txEl>
+                                          </p:spTgt>
+                                        </p:tgtEl>
+                                        <p:attrNameLst>
+                                          <p:attrName>style.visibility</p:attrName>
+                                        </p:attrNameLst>
+                                      </p:cBhvr>
+                                      <p:to>
+                                        <p:strVal val="visible"/>
+                                      </p:to>
+                                    </p:set>
+                                    <p:animEffect transition="in" filter="fade">
+                                      <p:cBhvr>
+                                        <p:cTn id="7" dur="500"/>
+                                        <p:tgtEl>
+                                          <p:spTgt spid="3">
+                                            <p:txEl>
+                                              <p:pRg st="0" end="0"/>
+                                            </p:txEl>
+                                          </p:spTgt>
+                                        </p:tgtEl>
+                                      </p:cBhvr>
+                                    </p:animEffect>
+                                  </p:childTnLst>
+                                </p:cTn>
+                              </p:par>
+                            </p:childTnLst>
+                          </p:cTn>
+                        </p:par>
+                      </p:childTnLst>
+                    </p:cTn>
+                  </p:par>
+                  <p:par>
+                    <p:cTn id="8" fill="hold">
+                      <p:stCondLst>
+                        <p:cond delay="indefinite"/>
+                      </p:stCondLst>
+                      <p:childTnLst>
+                        <p:par>
+                          <p:cTn id="9" fill="hold">
+                            <p:stCondLst>
+                              <p:cond delay="0"/>
+                            </p:stCondLst>
+                            <p:childTnLst>
+                              <p:par>
+                                <p:cTn id="10" presetID="10" presetClass="entr" presetSubtype="0" fill="hold" nodeType="clickEffect">
+                                  <p:stCondLst>
+                                    <p:cond delay="0"/>
+                                  </p:stCondLst>
+                                  <p:childTnLst>
+                                    <p:set>
+                                      <p:cBhvr>
+                                        <p:cTn id="11" dur="1" fill="hold">
+                                          <p:stCondLst>
+                                            <p:cond delay="0"/>
+                                          </p:stCondLst>
+                                        </p:cTn>
+                                        <p:tgtEl>
+                                          <p:spTgt spid="3">
+                                            <p:txEl>
+                                              <p:pRg st="1" end="1"/>
+                                            </p:txEl>
+                                          </p:spTgt>
+                                        </p:tgtEl>
+                                        <p:attrNameLst>
+                                          <p:attrName>style.visibility</p:attrName>
+                                        </p:attrNameLst>
+                                      </p:cBhvr>
+                                      <p:to>
+                                        <p:strVal val="visible"/>
+                                      </p:to>
+                                    </p:set>
+                                    <p:animEffect transition="in" filter="fade">
+                                      <p:cBhvr>
+                                        <p:cTn id="12" dur="500"/>
+                                        <p:tgtEl>
+                                          <p:spTgt spid="3">
+                                            <p:txEl>
+                                              <p:pRg st="1" end="1"/>
+                                            </p:txEl>
+                                          </p:spTgt>
+                                        </p:tgtEl>
+                                      </p:cBhvr>
+                                    </p:animEffect>
+                                  </p:childTnLst>
+                                </p:cTn>
+                              </p:par>
+                            </p:childTnLst>
+                          </p:cTn>
+                        </p:par>
+                      </p:childTnLst>
+                    </p:cTn>
+                  </p:par>
+                  <p:par>
+                    <p:cTn id="13" fill="hold">
+                      <p:stCondLst>
+                        <p:cond delay="indefinite"/>
+                      </p:stCondLst>
+                      <p:childTnLst>
+                        <p:par>
+                          <p:cTn id="14" fill="hold">
+                            <p:stCondLst>
+                              <p:cond delay="0"/>
+                            </p:stCondLst>
+                            <p:childTnLst>
+                              <p:par>
+                                <p:cTn id="15" presetID="10" presetClass="entr" presetSubtype="0" fill="hold" nodeType="clickEffect">
+                                  <p:stCondLst>
+                                    <p:cond delay="0"/>
+                                  </p:stCondLst>
+                                  <p:childTnLst>
+                                    <p:set>
+                                      <p:cBhvr>
+                                        <p:cTn id="16" dur="1" fill="hold">
+                                          <p:stCondLst>
+                                            <p:cond delay="0"/>
+                                          </p:stCondLst>
+                                        </p:cTn>
+                                        <p:tgtEl>
+                                          <p:spTgt spid="3">
+                                            <p:txEl>
+                                              <p:pRg st="2" end="2"/>
+                                            </p:txEl>
+                                          </p:spTgt>
+                                        </p:tgtEl>
+                                        <p:attrNameLst>
+                                          <p:attrName>style.visibility</p:attrName>
+                                        </p:attrNameLst>
+                                      </p:cBhvr>
+                                      <p:to>
+                                        <p:strVal val="visible"/>
+                                      </p:to>
+                                    </p:set>
+                                    <p:animEffect transition="in" filter="fade">
+                                      <p:cBhvr>
+                                        <p:cTn id="17" dur="500"/>
+                                        <p:tgtEl>
+                                          <p:spTgt spid="3">
+                                            <p:txEl>
+                                              <p:pRg st="2" end="2"/>
+                                            </p:txEl>
+                                          </p:spTgt>
+                                        </p:tgtEl>
+                                      </p:cBhvr>
+                                    </p:animEffect>
+                                  </p:childTnLst>
+                                </p:cTn>
+                              </p:par>
+                            </p:childTnLst>
+                          </p:cTn>
+                        </p:par>
+                      </p:childTnLst>
+                    </p:cTn>
+                  </p:par>
+                </p:childTnLst>
+              </p:cTn>
+              <p:prevCondLst>
+                <p:cond evt="onPrev" delay="0">
+                  <p:tgtEl>
+                    <p:sldTgt/>
+                  </p:tgtEl>
+                </p:cond>
+              </p:prevCondLst>
+              <p:nextCondLst>
+                <p:cond evt="onNext" delay="0">
+                  <p:tgtEl>
+                    <p:sldTgt/>
+                  </p:tgtEl>
+                </p:cond>
+              </p:nextCondLst>
+            </p:seq>
+          </p:childTnLst>
+        </p:cTn>
+      </p:par>
+    </p:tnLst>
+  </p:timing>
 </p:sld>
 </file>
 
@@ -5667,6 +6580,280 @@
   <p:clrMapOvr>
     <a:masterClrMapping/>
   </p:clrMapOvr>
+  <p:timing>
+    <p:tnLst>
+      <p:par>
+        <p:cTn id="1" dur="indefinite" restart="never" nodeType="tmRoot">
+          <p:childTnLst>
+            <p:seq concurrent="1" nextAc="seek">
+              <p:cTn id="2" dur="indefinite" nodeType="mainSeq">
+                <p:childTnLst>
+                  <p:par>
+                    <p:cTn id="3" fill="hold">
+                      <p:stCondLst>
+                        <p:cond delay="indefinite"/>
+                      </p:stCondLst>
+                      <p:childTnLst>
+                        <p:par>
+                          <p:cTn id="4" fill="hold">
+                            <p:stCondLst>
+                              <p:cond delay="0"/>
+                            </p:stCondLst>
+                            <p:childTnLst>
+                              <p:par>
+                                <p:cTn id="5" presetID="10" presetClass="entr" presetSubtype="0" fill="hold" nodeType="clickEffect">
+                                  <p:stCondLst>
+                                    <p:cond delay="0"/>
+                                  </p:stCondLst>
+                                  <p:childTnLst>
+                                    <p:set>
+                                      <p:cBhvr>
+                                        <p:cTn id="6" dur="1" fill="hold">
+                                          <p:stCondLst>
+                                            <p:cond delay="0"/>
+                                          </p:stCondLst>
+                                        </p:cTn>
+                                        <p:tgtEl>
+                                          <p:spTgt spid="3">
+                                            <p:txEl>
+                                              <p:pRg st="0" end="0"/>
+                                            </p:txEl>
+                                          </p:spTgt>
+                                        </p:tgtEl>
+                                        <p:attrNameLst>
+                                          <p:attrName>style.visibility</p:attrName>
+                                        </p:attrNameLst>
+                                      </p:cBhvr>
+                                      <p:to>
+                                        <p:strVal val="visible"/>
+                                      </p:to>
+                                    </p:set>
+                                    <p:animEffect transition="in" filter="fade">
+                                      <p:cBhvr>
+                                        <p:cTn id="7" dur="500"/>
+                                        <p:tgtEl>
+                                          <p:spTgt spid="3">
+                                            <p:txEl>
+                                              <p:pRg st="0" end="0"/>
+                                            </p:txEl>
+                                          </p:spTgt>
+                                        </p:tgtEl>
+                                      </p:cBhvr>
+                                    </p:animEffect>
+                                  </p:childTnLst>
+                                </p:cTn>
+                              </p:par>
+                            </p:childTnLst>
+                          </p:cTn>
+                        </p:par>
+                      </p:childTnLst>
+                    </p:cTn>
+                  </p:par>
+                  <p:par>
+                    <p:cTn id="8" fill="hold">
+                      <p:stCondLst>
+                        <p:cond delay="indefinite"/>
+                      </p:stCondLst>
+                      <p:childTnLst>
+                        <p:par>
+                          <p:cTn id="9" fill="hold">
+                            <p:stCondLst>
+                              <p:cond delay="0"/>
+                            </p:stCondLst>
+                            <p:childTnLst>
+                              <p:par>
+                                <p:cTn id="10" presetID="10" presetClass="entr" presetSubtype="0" fill="hold" nodeType="clickEffect">
+                                  <p:stCondLst>
+                                    <p:cond delay="0"/>
+                                  </p:stCondLst>
+                                  <p:childTnLst>
+                                    <p:set>
+                                      <p:cBhvr>
+                                        <p:cTn id="11" dur="1" fill="hold">
+                                          <p:stCondLst>
+                                            <p:cond delay="0"/>
+                                          </p:stCondLst>
+                                        </p:cTn>
+                                        <p:tgtEl>
+                                          <p:spTgt spid="3">
+                                            <p:txEl>
+                                              <p:pRg st="1" end="1"/>
+                                            </p:txEl>
+                                          </p:spTgt>
+                                        </p:tgtEl>
+                                        <p:attrNameLst>
+                                          <p:attrName>style.visibility</p:attrName>
+                                        </p:attrNameLst>
+                                      </p:cBhvr>
+                                      <p:to>
+                                        <p:strVal val="visible"/>
+                                      </p:to>
+                                    </p:set>
+                                    <p:animEffect transition="in" filter="fade">
+                                      <p:cBhvr>
+                                        <p:cTn id="12" dur="500"/>
+                                        <p:tgtEl>
+                                          <p:spTgt spid="3">
+                                            <p:txEl>
+                                              <p:pRg st="1" end="1"/>
+                                            </p:txEl>
+                                          </p:spTgt>
+                                        </p:tgtEl>
+                                      </p:cBhvr>
+                                    </p:animEffect>
+                                  </p:childTnLst>
+                                </p:cTn>
+                              </p:par>
+                            </p:childTnLst>
+                          </p:cTn>
+                        </p:par>
+                      </p:childTnLst>
+                    </p:cTn>
+                  </p:par>
+                  <p:par>
+                    <p:cTn id="13" fill="hold">
+                      <p:stCondLst>
+                        <p:cond delay="indefinite"/>
+                      </p:stCondLst>
+                      <p:childTnLst>
+                        <p:par>
+                          <p:cTn id="14" fill="hold">
+                            <p:stCondLst>
+                              <p:cond delay="0"/>
+                            </p:stCondLst>
+                            <p:childTnLst>
+                              <p:par>
+                                <p:cTn id="15" presetID="10" presetClass="entr" presetSubtype="0" fill="hold" nodeType="clickEffect">
+                                  <p:stCondLst>
+                                    <p:cond delay="0"/>
+                                  </p:stCondLst>
+                                  <p:childTnLst>
+                                    <p:set>
+                                      <p:cBhvr>
+                                        <p:cTn id="16" dur="1" fill="hold">
+                                          <p:stCondLst>
+                                            <p:cond delay="0"/>
+                                          </p:stCondLst>
+                                        </p:cTn>
+                                        <p:tgtEl>
+                                          <p:spTgt spid="3">
+                                            <p:txEl>
+                                              <p:pRg st="2" end="2"/>
+                                            </p:txEl>
+                                          </p:spTgt>
+                                        </p:tgtEl>
+                                        <p:attrNameLst>
+                                          <p:attrName>style.visibility</p:attrName>
+                                        </p:attrNameLst>
+                                      </p:cBhvr>
+                                      <p:to>
+                                        <p:strVal val="visible"/>
+                                      </p:to>
+                                    </p:set>
+                                    <p:animEffect transition="in" filter="fade">
+                                      <p:cBhvr>
+                                        <p:cTn id="17" dur="500"/>
+                                        <p:tgtEl>
+                                          <p:spTgt spid="3">
+                                            <p:txEl>
+                                              <p:pRg st="2" end="2"/>
+                                            </p:txEl>
+                                          </p:spTgt>
+                                        </p:tgtEl>
+                                      </p:cBhvr>
+                                    </p:animEffect>
+                                  </p:childTnLst>
+                                </p:cTn>
+                              </p:par>
+                            </p:childTnLst>
+                          </p:cTn>
+                        </p:par>
+                      </p:childTnLst>
+                    </p:cTn>
+                  </p:par>
+                  <p:par>
+                    <p:cTn id="18" fill="hold">
+                      <p:stCondLst>
+                        <p:cond delay="indefinite"/>
+                      </p:stCondLst>
+                      <p:childTnLst>
+                        <p:par>
+                          <p:cTn id="19" fill="hold">
+                            <p:stCondLst>
+                              <p:cond delay="0"/>
+                            </p:stCondLst>
+                            <p:childTnLst>
+                              <p:par>
+                                <p:cTn id="20" presetID="10" presetClass="entr" presetSubtype="0" fill="hold" nodeType="clickEffect">
+                                  <p:stCondLst>
+                                    <p:cond delay="0"/>
+                                  </p:stCondLst>
+                                  <p:childTnLst>
+                                    <p:set>
+                                      <p:cBhvr>
+                                        <p:cTn id="21" dur="1" fill="hold">
+                                          <p:stCondLst>
+                                            <p:cond delay="0"/>
+                                          </p:stCondLst>
+                                        </p:cTn>
+                                        <p:tgtEl>
+                                          <p:spTgt spid="3">
+                                            <p:txEl>
+                                              <p:pRg st="3" end="3"/>
+                                            </p:txEl>
+                                          </p:spTgt>
+                                        </p:tgtEl>
+                                        <p:attrNameLst>
+                                          <p:attrName>style.visibility</p:attrName>
+                                        </p:attrNameLst>
+                                      </p:cBhvr>
+                                      <p:to>
+                                        <p:strVal val="visible"/>
+                                      </p:to>
+                                    </p:set>
+                                    <p:animEffect transition="in" filter="fade">
+                                      <p:cBhvr>
+                                        <p:cTn id="22" dur="500"/>
+                                        <p:tgtEl>
+                                          <p:spTgt spid="3">
+                                            <p:txEl>
+                                              <p:pRg st="3" end="3"/>
+                                            </p:txEl>
+                                          </p:spTgt>
+                                        </p:tgtEl>
+                                      </p:cBhvr>
+                                    </p:animEffect>
+                                  </p:childTnLst>
+                                </p:cTn>
+                              </p:par>
+                            </p:childTnLst>
+                          </p:cTn>
+                        </p:par>
+                      </p:childTnLst>
+                    </p:cTn>
+                  </p:par>
+                </p:childTnLst>
+              </p:cTn>
+              <p:prevCondLst>
+                <p:cond evt="onPrev" delay="0">
+                  <p:tgtEl>
+                    <p:sldTgt/>
+                  </p:tgtEl>
+                </p:cond>
+              </p:prevCondLst>
+              <p:nextCondLst>
+                <p:cond evt="onNext" delay="0">
+                  <p:tgtEl>
+                    <p:sldTgt/>
+                  </p:tgtEl>
+                </p:cond>
+              </p:nextCondLst>
+            </p:seq>
+          </p:childTnLst>
+        </p:cTn>
+      </p:par>
+    </p:tnLst>
+  </p:timing>
 </p:sld>
 </file>
 
@@ -5703,40 +6890,6 @@
       </p:grpSpPr>
       <p:sp>
         <p:nvSpPr>
-          <p:cNvPr id="2" name="Title 1">
-            <a:extLst>
-              <a:ext uri="{FF2B5EF4-FFF2-40B4-BE49-F238E27FC236}">
-                <a16:creationId xmlns:a16="http://schemas.microsoft.com/office/drawing/2014/main" id="{55E11F08-6CA0-48F1-AD67-97430DDA07F0}"/>
-              </a:ext>
-            </a:extLst>
-          </p:cNvPr>
-          <p:cNvSpPr>
-            <a:spLocks noGrp="1"/>
-          </p:cNvSpPr>
-          <p:nvPr>
-            <p:ph type="title"/>
-          </p:nvPr>
-        </p:nvSpPr>
-        <p:spPr/>
-        <p:txBody>
-          <a:bodyPr/>
-          <a:lstStyle/>
-          <a:p>
-            <a:r>
-              <a:rPr lang="en-US" b="1" dirty="0">
-                <a:solidFill>
-                  <a:srgbClr val="292D33"/>
-                </a:solidFill>
-                <a:latin typeface="Euclid Circular B" panose="020B0504000000000000" pitchFamily="34" charset="0"/>
-                <a:ea typeface="Euclid Circular B" panose="020B0504000000000000" pitchFamily="34" charset="0"/>
-              </a:rPr>
-              <a:t>Topic title</a:t>
-            </a:r>
-          </a:p>
-        </p:txBody>
-      </p:sp>
-      <p:sp>
-        <p:nvSpPr>
           <p:cNvPr id="3" name="Content Placeholder 2">
             <a:extLst>
               <a:ext uri="{FF2B5EF4-FFF2-40B4-BE49-F238E27FC236}">
@@ -5751,25 +6904,39 @@
             <p:ph idx="1"/>
           </p:nvPr>
         </p:nvSpPr>
-        <p:spPr/>
+        <p:spPr>
+          <a:xfrm>
+            <a:off x="838198" y="445273"/>
+            <a:ext cx="10515599" cy="5731690"/>
+          </a:xfrm>
+        </p:spPr>
         <p:txBody>
-          <a:bodyPr/>
+          <a:bodyPr anchor="ctr">
+            <a:normAutofit/>
+          </a:bodyPr>
           <a:lstStyle/>
           <a:p>
-            <a:r>
-              <a:rPr lang="en-US" dirty="0">
+            <a:pPr marL="0" indent="0" algn="ctr">
+              <a:buNone/>
+            </a:pPr>
+            <a:r>
+              <a:rPr lang="tr-TR" sz="16600" b="1" dirty="0">
                 <a:latin typeface="Euclid Circular B" panose="020B0504000000000000" pitchFamily="34" charset="0"/>
                 <a:ea typeface="Euclid Circular B" panose="020B0504000000000000" pitchFamily="34" charset="0"/>
               </a:rPr>
-              <a:t>Content</a:t>
-            </a:r>
+              <a:t>DEMO</a:t>
+            </a:r>
+            <a:endParaRPr lang="en-US" sz="7200" i="1" dirty="0">
+              <a:latin typeface="Euclid Circular B" panose="020B0504000000000000" pitchFamily="34" charset="0"/>
+              <a:ea typeface="Euclid Circular B" panose="020B0504000000000000" pitchFamily="34" charset="0"/>
+            </a:endParaRPr>
           </a:p>
         </p:txBody>
       </p:sp>
     </p:spTree>
     <p:extLst>
       <p:ext uri="{BB962C8B-B14F-4D97-AF65-F5344CB8AC3E}">
-        <p14:creationId xmlns:p14="http://schemas.microsoft.com/office/powerpoint/2010/main" val="4276238134"/>
+        <p14:creationId xmlns:p14="http://schemas.microsoft.com/office/powerpoint/2010/main" val="1519802074"/>
       </p:ext>
     </p:extLst>
   </p:cSld>
@@ -5832,53 +6999,504 @@
           <a:lstStyle/>
           <a:p>
             <a:r>
-              <a:rPr lang="en-US" b="1" dirty="0">
+              <a:rPr lang="tr-TR" b="1" dirty="0">
                 <a:solidFill>
                   <a:srgbClr val="292D33"/>
                 </a:solidFill>
                 <a:latin typeface="Euclid Circular B" panose="020B0504000000000000" pitchFamily="34" charset="0"/>
                 <a:ea typeface="Euclid Circular B" panose="020B0504000000000000" pitchFamily="34" charset="0"/>
               </a:rPr>
-              <a:t>Topic title</a:t>
-            </a:r>
+              <a:t>ABP Studio vs .NET Aspire</a:t>
+            </a:r>
+            <a:endParaRPr lang="en-US" b="1" dirty="0">
+              <a:solidFill>
+                <a:srgbClr val="292D33"/>
+              </a:solidFill>
+              <a:latin typeface="Euclid Circular B" panose="020B0504000000000000" pitchFamily="34" charset="0"/>
+              <a:ea typeface="Euclid Circular B" panose="020B0504000000000000" pitchFamily="34" charset="0"/>
+            </a:endParaRPr>
           </a:p>
         </p:txBody>
       </p:sp>
-      <p:sp>
-        <p:nvSpPr>
-          <p:cNvPr id="3" name="Content Placeholder 2">
-            <a:extLst>
-              <a:ext uri="{FF2B5EF4-FFF2-40B4-BE49-F238E27FC236}">
-                <a16:creationId xmlns:a16="http://schemas.microsoft.com/office/drawing/2014/main" id="{891C7693-D3DF-4635-96F4-97F3B4136FDF}"/>
-              </a:ext>
-            </a:extLst>
-          </p:cNvPr>
-          <p:cNvSpPr>
-            <a:spLocks noGrp="1"/>
-          </p:cNvSpPr>
+      <p:graphicFrame>
+        <p:nvGraphicFramePr>
+          <p:cNvPr id="4" name="Content Placeholder 3">
+            <a:extLst>
+              <a:ext uri="{FF2B5EF4-FFF2-40B4-BE49-F238E27FC236}">
+                <a16:creationId xmlns:a16="http://schemas.microsoft.com/office/drawing/2014/main" id="{70BDDB75-87E3-2D9A-AD58-3C6BB815FC0A}"/>
+              </a:ext>
+            </a:extLst>
+          </p:cNvPr>
+          <p:cNvGraphicFramePr>
+            <a:graphicFrameLocks noGrp="1"/>
+          </p:cNvGraphicFramePr>
           <p:nvPr>
             <p:ph idx="1"/>
+            <p:extLst>
+              <p:ext uri="{D42A27DB-BD31-4B8C-83A1-F6EECF244321}">
+                <p14:modId xmlns:p14="http://schemas.microsoft.com/office/powerpoint/2010/main" val="1180341193"/>
+              </p:ext>
+            </p:extLst>
           </p:nvPr>
-        </p:nvSpPr>
-        <p:spPr/>
-        <p:txBody>
-          <a:bodyPr/>
-          <a:lstStyle/>
-          <a:p>
-            <a:r>
-              <a:rPr lang="en-US" dirty="0">
-                <a:latin typeface="Euclid Circular B" panose="020B0504000000000000" pitchFamily="34" charset="0"/>
-                <a:ea typeface="Euclid Circular B" panose="020B0504000000000000" pitchFamily="34" charset="0"/>
-              </a:rPr>
-              <a:t>Content</a:t>
-            </a:r>
-          </a:p>
-        </p:txBody>
-      </p:sp>
+        </p:nvGraphicFramePr>
+        <p:xfrm>
+          <a:off x="838200" y="1825625"/>
+          <a:ext cx="10515597" cy="3774440"/>
+        </p:xfrm>
+        <a:graphic>
+          <a:graphicData uri="http://schemas.openxmlformats.org/drawingml/2006/table">
+            <a:tbl>
+              <a:tblPr firstRow="1" bandRow="1">
+                <a:tableStyleId>{7DF18680-E054-41AD-8BC1-D1AEF772440D}</a:tableStyleId>
+              </a:tblPr>
+              <a:tblGrid>
+                <a:gridCol w="3505199">
+                  <a:extLst>
+                    <a:ext uri="{9D8B030D-6E8A-4147-A177-3AD203B41FA5}">
+                      <a16:colId xmlns:a16="http://schemas.microsoft.com/office/drawing/2014/main" val="853053831"/>
+                    </a:ext>
+                  </a:extLst>
+                </a:gridCol>
+                <a:gridCol w="3505199">
+                  <a:extLst>
+                    <a:ext uri="{9D8B030D-6E8A-4147-A177-3AD203B41FA5}">
+                      <a16:colId xmlns:a16="http://schemas.microsoft.com/office/drawing/2014/main" val="2243622495"/>
+                    </a:ext>
+                  </a:extLst>
+                </a:gridCol>
+                <a:gridCol w="3505199">
+                  <a:extLst>
+                    <a:ext uri="{9D8B030D-6E8A-4147-A177-3AD203B41FA5}">
+                      <a16:colId xmlns:a16="http://schemas.microsoft.com/office/drawing/2014/main" val="94362121"/>
+                    </a:ext>
+                  </a:extLst>
+                </a:gridCol>
+              </a:tblGrid>
+              <a:tr h="370840">
+                <a:tc>
+                  <a:txBody>
+                    <a:bodyPr/>
+                    <a:lstStyle/>
+                    <a:p>
+                      <a:r>
+                        <a:rPr lang="tr-TR" dirty="0"/>
+                        <a:t>Feature</a:t>
+                      </a:r>
+                      <a:endParaRPr lang="en-US" dirty="0"/>
+                    </a:p>
+                  </a:txBody>
+                  <a:tcPr/>
+                </a:tc>
+                <a:tc>
+                  <a:txBody>
+                    <a:bodyPr/>
+                    <a:lstStyle/>
+                    <a:p>
+                      <a:r>
+                        <a:rPr lang="tr-TR" dirty="0"/>
+                        <a:t>ABP Studio</a:t>
+                      </a:r>
+                      <a:endParaRPr lang="en-US" dirty="0"/>
+                    </a:p>
+                  </a:txBody>
+                  <a:tcPr/>
+                </a:tc>
+                <a:tc>
+                  <a:txBody>
+                    <a:bodyPr/>
+                    <a:lstStyle/>
+                    <a:p>
+                      <a:r>
+                        <a:rPr lang="tr-TR" dirty="0"/>
+                        <a:t>.NET Aspire</a:t>
+                      </a:r>
+                      <a:endParaRPr lang="en-US" dirty="0"/>
+                    </a:p>
+                  </a:txBody>
+                  <a:tcPr/>
+                </a:tc>
+                <a:extLst>
+                  <a:ext uri="{0D108BD9-81ED-4DB2-BD59-A6C34878D82A}">
+                    <a16:rowId xmlns:a16="http://schemas.microsoft.com/office/drawing/2014/main" val="3134665491"/>
+                  </a:ext>
+                </a:extLst>
+              </a:tr>
+              <a:tr h="370840">
+                <a:tc>
+                  <a:txBody>
+                    <a:bodyPr/>
+                    <a:lstStyle/>
+                    <a:p>
+                      <a:r>
+                        <a:rPr lang="tr-TR" dirty="0"/>
+                        <a:t>Integration Packages (</a:t>
+                      </a:r>
+                      <a:r>
+                        <a:rPr lang="tr-TR" sz="1400" b="0" dirty="0"/>
+                        <a:t>Dapr, Redis, RabbitMQ, MongoDB, etc</a:t>
+                      </a:r>
+                      <a:r>
+                        <a:rPr lang="tr-TR" dirty="0"/>
+                        <a:t>)</a:t>
+                      </a:r>
+                      <a:endParaRPr lang="en-US" dirty="0"/>
+                    </a:p>
+                  </a:txBody>
+                  <a:tcPr/>
+                </a:tc>
+                <a:tc>
+                  <a:txBody>
+                    <a:bodyPr/>
+                    <a:lstStyle/>
+                    <a:p>
+                      <a:r>
+                        <a:rPr lang="tr-TR" dirty="0"/>
+                        <a:t>YES (rich and well-integrated abstractions) / ABP Framework</a:t>
+                      </a:r>
+                      <a:endParaRPr lang="en-US" dirty="0"/>
+                    </a:p>
+                  </a:txBody>
+                  <a:tcPr/>
+                </a:tc>
+                <a:tc>
+                  <a:txBody>
+                    <a:bodyPr/>
+                    <a:lstStyle/>
+                    <a:p>
+                      <a:r>
+                        <a:rPr lang="tr-TR" dirty="0"/>
+                        <a:t>YES (simple abstraction and integrations)</a:t>
+                      </a:r>
+                      <a:endParaRPr lang="en-US" dirty="0"/>
+                    </a:p>
+                  </a:txBody>
+                  <a:tcPr/>
+                </a:tc>
+                <a:extLst>
+                  <a:ext uri="{0D108BD9-81ED-4DB2-BD59-A6C34878D82A}">
+                    <a16:rowId xmlns:a16="http://schemas.microsoft.com/office/drawing/2014/main" val="2586661571"/>
+                  </a:ext>
+                </a:extLst>
+              </a:tr>
+              <a:tr h="370840">
+                <a:tc>
+                  <a:txBody>
+                    <a:bodyPr/>
+                    <a:lstStyle/>
+                    <a:p>
+                      <a:r>
+                        <a:rPr lang="tr-TR" dirty="0"/>
+                        <a:t>Starter Templates</a:t>
+                      </a:r>
+                      <a:endParaRPr lang="en-US" dirty="0"/>
+                    </a:p>
+                  </a:txBody>
+                  <a:tcPr/>
+                </a:tc>
+                <a:tc>
+                  <a:txBody>
+                    <a:bodyPr/>
+                    <a:lstStyle/>
+                    <a:p>
+                      <a:r>
+                        <a:rPr lang="tr-TR" dirty="0"/>
+                        <a:t>YES (avdanced architecture &amp; options)</a:t>
+                      </a:r>
+                      <a:endParaRPr lang="en-US" dirty="0"/>
+                    </a:p>
+                  </a:txBody>
+                  <a:tcPr/>
+                </a:tc>
+                <a:tc>
+                  <a:txBody>
+                    <a:bodyPr/>
+                    <a:lstStyle/>
+                    <a:p>
+                      <a:r>
+                        <a:rPr lang="tr-TR" dirty="0"/>
+                        <a:t>YES (simple)</a:t>
+                      </a:r>
+                      <a:endParaRPr lang="en-US" dirty="0"/>
+                    </a:p>
+                  </a:txBody>
+                  <a:tcPr/>
+                </a:tc>
+                <a:extLst>
+                  <a:ext uri="{0D108BD9-81ED-4DB2-BD59-A6C34878D82A}">
+                    <a16:rowId xmlns:a16="http://schemas.microsoft.com/office/drawing/2014/main" val="115745390"/>
+                  </a:ext>
+                </a:extLst>
+              </a:tr>
+              <a:tr h="370840">
+                <a:tc>
+                  <a:txBody>
+                    <a:bodyPr/>
+                    <a:lstStyle/>
+                    <a:p>
+                      <a:pPr marL="0" marR="0" lvl="0" indent="0" algn="l" defTabSz="914400" rtl="0" eaLnBrk="1" fontAlgn="auto" latinLnBrk="0" hangingPunct="1">
+                        <a:lnSpc>
+                          <a:spcPct val="100000"/>
+                        </a:lnSpc>
+                        <a:spcBef>
+                          <a:spcPts val="0"/>
+                        </a:spcBef>
+                        <a:spcAft>
+                          <a:spcPts val="0"/>
+                        </a:spcAft>
+                        <a:buClrTx/>
+                        <a:buSzTx/>
+                        <a:buFontTx/>
+                        <a:buNone/>
+                        <a:tabLst/>
+                        <a:defRPr/>
+                      </a:pPr>
+                      <a:r>
+                        <a:rPr lang="tr-TR" dirty="0"/>
+                        <a:t>Monitoring</a:t>
+                      </a:r>
+                      <a:endParaRPr lang="en-US" dirty="0"/>
+                    </a:p>
+                  </a:txBody>
+                  <a:tcPr/>
+                </a:tc>
+                <a:tc>
+                  <a:txBody>
+                    <a:bodyPr/>
+                    <a:lstStyle/>
+                    <a:p>
+                      <a:r>
+                        <a:rPr lang="tr-TR" dirty="0"/>
+                        <a:t>HTTP Requests, Events, Exceptions,  Logs</a:t>
+                      </a:r>
+                      <a:endParaRPr lang="en-US" dirty="0"/>
+                    </a:p>
+                  </a:txBody>
+                  <a:tcPr/>
+                </a:tc>
+                <a:tc>
+                  <a:txBody>
+                    <a:bodyPr/>
+                    <a:lstStyle/>
+                    <a:p>
+                      <a:r>
+                        <a:rPr lang="tr-TR" dirty="0"/>
+                        <a:t>Metrics, Traces, Logs</a:t>
+                      </a:r>
+                      <a:endParaRPr lang="en-US" dirty="0"/>
+                    </a:p>
+                  </a:txBody>
+                  <a:tcPr/>
+                </a:tc>
+                <a:extLst>
+                  <a:ext uri="{0D108BD9-81ED-4DB2-BD59-A6C34878D82A}">
+                    <a16:rowId xmlns:a16="http://schemas.microsoft.com/office/drawing/2014/main" val="3135007592"/>
+                  </a:ext>
+                </a:extLst>
+              </a:tr>
+              <a:tr h="370840">
+                <a:tc>
+                  <a:txBody>
+                    <a:bodyPr/>
+                    <a:lstStyle/>
+                    <a:p>
+                      <a:r>
+                        <a:rPr lang="tr-TR" dirty="0"/>
+                        <a:t>Architecting / Building Solutions</a:t>
+                      </a:r>
+                      <a:endParaRPr lang="en-US" dirty="0"/>
+                    </a:p>
+                  </a:txBody>
+                  <a:tcPr/>
+                </a:tc>
+                <a:tc>
+                  <a:txBody>
+                    <a:bodyPr/>
+                    <a:lstStyle/>
+                    <a:p>
+                      <a:r>
+                        <a:rPr lang="tr-TR" dirty="0"/>
+                        <a:t>YES</a:t>
+                      </a:r>
+                      <a:endParaRPr lang="en-US" dirty="0"/>
+                    </a:p>
+                  </a:txBody>
+                  <a:tcPr/>
+                </a:tc>
+                <a:tc>
+                  <a:txBody>
+                    <a:bodyPr/>
+                    <a:lstStyle/>
+                    <a:p>
+                      <a:r>
+                        <a:rPr lang="tr-TR" dirty="0"/>
+                        <a:t>-</a:t>
+                      </a:r>
+                      <a:endParaRPr lang="en-US" dirty="0"/>
+                    </a:p>
+                  </a:txBody>
+                  <a:tcPr/>
+                </a:tc>
+                <a:extLst>
+                  <a:ext uri="{0D108BD9-81ED-4DB2-BD59-A6C34878D82A}">
+                    <a16:rowId xmlns:a16="http://schemas.microsoft.com/office/drawing/2014/main" val="75300526"/>
+                  </a:ext>
+                </a:extLst>
+              </a:tr>
+              <a:tr h="370840">
+                <a:tc>
+                  <a:txBody>
+                    <a:bodyPr/>
+                    <a:lstStyle/>
+                    <a:p>
+                      <a:r>
+                        <a:rPr lang="tr-TR" dirty="0"/>
+                        <a:t>Application Runner</a:t>
+                      </a:r>
+                      <a:endParaRPr lang="en-US" dirty="0"/>
+                    </a:p>
+                  </a:txBody>
+                  <a:tcPr/>
+                </a:tc>
+                <a:tc>
+                  <a:txBody>
+                    <a:bodyPr/>
+                    <a:lstStyle/>
+                    <a:p>
+                      <a:r>
+                        <a:rPr lang="tr-TR" dirty="0"/>
+                        <a:t>YES</a:t>
+                      </a:r>
+                      <a:endParaRPr lang="en-US" dirty="0"/>
+                    </a:p>
+                  </a:txBody>
+                  <a:tcPr/>
+                </a:tc>
+                <a:tc>
+                  <a:txBody>
+                    <a:bodyPr/>
+                    <a:lstStyle/>
+                    <a:p>
+                      <a:r>
+                        <a:rPr lang="tr-TR" dirty="0"/>
+                        <a:t>-</a:t>
+                      </a:r>
+                      <a:endParaRPr lang="en-US" dirty="0"/>
+                    </a:p>
+                  </a:txBody>
+                  <a:tcPr/>
+                </a:tc>
+                <a:extLst>
+                  <a:ext uri="{0D108BD9-81ED-4DB2-BD59-A6C34878D82A}">
+                    <a16:rowId xmlns:a16="http://schemas.microsoft.com/office/drawing/2014/main" val="1297522705"/>
+                  </a:ext>
+                </a:extLst>
+              </a:tr>
+              <a:tr h="370840">
+                <a:tc>
+                  <a:txBody>
+                    <a:bodyPr/>
+                    <a:lstStyle/>
+                    <a:p>
+                      <a:r>
+                        <a:rPr lang="tr-TR" dirty="0"/>
+                        <a:t>Kubernetes Tunneling</a:t>
+                      </a:r>
+                      <a:endParaRPr lang="en-US" dirty="0"/>
+                    </a:p>
+                  </a:txBody>
+                  <a:tcPr/>
+                </a:tc>
+                <a:tc>
+                  <a:txBody>
+                    <a:bodyPr/>
+                    <a:lstStyle/>
+                    <a:p>
+                      <a:r>
+                        <a:rPr lang="tr-TR" dirty="0"/>
+                        <a:t>YES</a:t>
+                      </a:r>
+                      <a:endParaRPr lang="en-US" dirty="0"/>
+                    </a:p>
+                  </a:txBody>
+                  <a:tcPr/>
+                </a:tc>
+                <a:tc>
+                  <a:txBody>
+                    <a:bodyPr/>
+                    <a:lstStyle/>
+                    <a:p>
+                      <a:r>
+                        <a:rPr lang="tr-TR" dirty="0"/>
+                        <a:t>-</a:t>
+                      </a:r>
+                      <a:endParaRPr lang="en-US" dirty="0"/>
+                    </a:p>
+                  </a:txBody>
+                  <a:tcPr/>
+                </a:tc>
+                <a:extLst>
+                  <a:ext uri="{0D108BD9-81ED-4DB2-BD59-A6C34878D82A}">
+                    <a16:rowId xmlns:a16="http://schemas.microsoft.com/office/drawing/2014/main" val="4038285696"/>
+                  </a:ext>
+                </a:extLst>
+              </a:tr>
+              <a:tr h="370840">
+                <a:tc>
+                  <a:txBody>
+                    <a:bodyPr/>
+                    <a:lstStyle/>
+                    <a:p>
+                      <a:r>
+                        <a:rPr lang="tr-TR" dirty="0"/>
+                        <a:t>Building Modular Solutions</a:t>
+                      </a:r>
+                      <a:endParaRPr lang="en-US" dirty="0"/>
+                    </a:p>
+                  </a:txBody>
+                  <a:tcPr/>
+                </a:tc>
+                <a:tc>
+                  <a:txBody>
+                    <a:bodyPr/>
+                    <a:lstStyle/>
+                    <a:p>
+                      <a:r>
+                        <a:rPr lang="tr-TR" dirty="0"/>
+                        <a:t>YES</a:t>
+                      </a:r>
+                      <a:endParaRPr lang="en-US" dirty="0"/>
+                    </a:p>
+                  </a:txBody>
+                  <a:tcPr/>
+                </a:tc>
+                <a:tc>
+                  <a:txBody>
+                    <a:bodyPr/>
+                    <a:lstStyle/>
+                    <a:p>
+                      <a:r>
+                        <a:rPr lang="tr-TR" dirty="0"/>
+                        <a:t>-</a:t>
+                      </a:r>
+                      <a:endParaRPr lang="en-US" dirty="0"/>
+                    </a:p>
+                  </a:txBody>
+                  <a:tcPr/>
+                </a:tc>
+                <a:extLst>
+                  <a:ext uri="{0D108BD9-81ED-4DB2-BD59-A6C34878D82A}">
+                    <a16:rowId xmlns:a16="http://schemas.microsoft.com/office/drawing/2014/main" val="2864653043"/>
+                  </a:ext>
+                </a:extLst>
+              </a:tr>
+            </a:tbl>
+          </a:graphicData>
+        </a:graphic>
+      </p:graphicFrame>
     </p:spTree>
     <p:extLst>
       <p:ext uri="{BB962C8B-B14F-4D97-AF65-F5344CB8AC3E}">
-        <p14:creationId xmlns:p14="http://schemas.microsoft.com/office/powerpoint/2010/main" val="2259850710"/>
+        <p14:creationId xmlns:p14="http://schemas.microsoft.com/office/powerpoint/2010/main" val="4276238134"/>
       </p:ext>
     </p:extLst>
   </p:cSld>
@@ -5941,15 +7559,22 @@
           <a:lstStyle/>
           <a:p>
             <a:r>
-              <a:rPr lang="en-US" b="1" dirty="0">
+              <a:rPr lang="tr-TR" b="1" dirty="0">
                 <a:solidFill>
                   <a:srgbClr val="292D33"/>
                 </a:solidFill>
                 <a:latin typeface="Euclid Circular B" panose="020B0504000000000000" pitchFamily="34" charset="0"/>
                 <a:ea typeface="Euclid Circular B" panose="020B0504000000000000" pitchFamily="34" charset="0"/>
               </a:rPr>
-              <a:t>Topic title</a:t>
-            </a:r>
+              <a:t>ABP Studio: Road Map</a:t>
+            </a:r>
+            <a:endParaRPr lang="en-US" b="1" dirty="0">
+              <a:solidFill>
+                <a:srgbClr val="292D33"/>
+              </a:solidFill>
+              <a:latin typeface="Euclid Circular B" panose="020B0504000000000000" pitchFamily="34" charset="0"/>
+              <a:ea typeface="Euclid Circular B" panose="020B0504000000000000" pitchFamily="34" charset="0"/>
+            </a:endParaRPr>
           </a:p>
         </p:txBody>
       </p:sp>
@@ -5975,11 +7600,143 @@
           <a:lstStyle/>
           <a:p>
             <a:r>
-              <a:rPr lang="en-US" dirty="0">
+              <a:rPr lang="tr-TR" dirty="0">
                 <a:latin typeface="Euclid Circular B" panose="020B0504000000000000" pitchFamily="34" charset="0"/>
                 <a:ea typeface="Euclid Circular B" panose="020B0504000000000000" pitchFamily="34" charset="0"/>
               </a:rPr>
-              <a:t>Content</a:t>
+              <a:t>UI </a:t>
+            </a:r>
+            <a:r>
+              <a:rPr lang="tr-TR" b="1" dirty="0">
+                <a:latin typeface="Euclid Circular B" panose="020B0504000000000000" pitchFamily="34" charset="0"/>
+                <a:ea typeface="Euclid Circular B" panose="020B0504000000000000" pitchFamily="34" charset="0"/>
+              </a:rPr>
+              <a:t>Theme </a:t>
+            </a:r>
+            <a:r>
+              <a:rPr lang="tr-TR" dirty="0">
+                <a:latin typeface="Euclid Circular B" panose="020B0504000000000000" pitchFamily="34" charset="0"/>
+                <a:ea typeface="Euclid Circular B" panose="020B0504000000000000" pitchFamily="34" charset="0"/>
+              </a:rPr>
+              <a:t>Builder</a:t>
+            </a:r>
+          </a:p>
+          <a:p>
+            <a:r>
+              <a:rPr lang="tr-TR" b="1" dirty="0">
+                <a:latin typeface="Euclid Circular B" panose="020B0504000000000000" pitchFamily="34" charset="0"/>
+                <a:ea typeface="Euclid Circular B" panose="020B0504000000000000" pitchFamily="34" charset="0"/>
+              </a:rPr>
+              <a:t>Customizing </a:t>
+            </a:r>
+            <a:r>
+              <a:rPr lang="tr-TR" dirty="0">
+                <a:latin typeface="Euclid Circular B" panose="020B0504000000000000" pitchFamily="34" charset="0"/>
+                <a:ea typeface="Euclid Circular B" panose="020B0504000000000000" pitchFamily="34" charset="0"/>
+              </a:rPr>
+              <a:t>Re-used Application Modules</a:t>
+            </a:r>
+          </a:p>
+          <a:p>
+            <a:r>
+              <a:rPr lang="tr-TR" dirty="0">
+                <a:latin typeface="Euclid Circular B" panose="020B0504000000000000" pitchFamily="34" charset="0"/>
+                <a:ea typeface="Euclid Circular B" panose="020B0504000000000000" pitchFamily="34" charset="0"/>
+              </a:rPr>
+              <a:t>Internal &amp; Public </a:t>
+            </a:r>
+            <a:r>
+              <a:rPr lang="tr-TR" b="1" dirty="0">
+                <a:latin typeface="Euclid Circular B" panose="020B0504000000000000" pitchFamily="34" charset="0"/>
+                <a:ea typeface="Euclid Circular B" panose="020B0504000000000000" pitchFamily="34" charset="0"/>
+              </a:rPr>
+              <a:t>Module Stores</a:t>
+            </a:r>
+          </a:p>
+          <a:p>
+            <a:r>
+              <a:rPr lang="tr-TR" dirty="0">
+                <a:latin typeface="Euclid Circular B" panose="020B0504000000000000" pitchFamily="34" charset="0"/>
+                <a:ea typeface="Euclid Circular B" panose="020B0504000000000000" pitchFamily="34" charset="0"/>
+              </a:rPr>
+              <a:t>More </a:t>
+            </a:r>
+            <a:r>
+              <a:rPr lang="tr-TR" b="1" dirty="0">
+                <a:latin typeface="Euclid Circular B" panose="020B0504000000000000" pitchFamily="34" charset="0"/>
+                <a:ea typeface="Euclid Circular B" panose="020B0504000000000000" pitchFamily="34" charset="0"/>
+              </a:rPr>
+              <a:t>Deployment </a:t>
+            </a:r>
+            <a:r>
+              <a:rPr lang="tr-TR" dirty="0">
+                <a:latin typeface="Euclid Circular B" panose="020B0504000000000000" pitchFamily="34" charset="0"/>
+                <a:ea typeface="Euclid Circular B" panose="020B0504000000000000" pitchFamily="34" charset="0"/>
+              </a:rPr>
+              <a:t>Options</a:t>
+            </a:r>
+          </a:p>
+          <a:p>
+            <a:r>
+              <a:rPr lang="tr-TR" b="1" dirty="0">
+                <a:latin typeface="Euclid Circular B" panose="020B0504000000000000" pitchFamily="34" charset="0"/>
+                <a:ea typeface="Euclid Circular B" panose="020B0504000000000000" pitchFamily="34" charset="0"/>
+              </a:rPr>
+              <a:t>Analyzing </a:t>
+            </a:r>
+            <a:r>
+              <a:rPr lang="tr-TR" dirty="0">
+                <a:latin typeface="Euclid Circular B" panose="020B0504000000000000" pitchFamily="34" charset="0"/>
+                <a:ea typeface="Euclid Circular B" panose="020B0504000000000000" pitchFamily="34" charset="0"/>
+              </a:rPr>
+              <a:t>Your Solution &amp; Smart Best-Practice </a:t>
+            </a:r>
+            <a:r>
+              <a:rPr lang="tr-TR" b="1" dirty="0">
+                <a:latin typeface="Euclid Circular B" panose="020B0504000000000000" pitchFamily="34" charset="0"/>
+                <a:ea typeface="Euclid Circular B" panose="020B0504000000000000" pitchFamily="34" charset="0"/>
+              </a:rPr>
+              <a:t>Suggestions</a:t>
+            </a:r>
+          </a:p>
+          <a:p>
+            <a:r>
+              <a:rPr lang="tr-TR" b="1" dirty="0">
+                <a:latin typeface="Euclid Circular B" panose="020B0504000000000000" pitchFamily="34" charset="0"/>
+                <a:ea typeface="Euclid Circular B" panose="020B0504000000000000" pitchFamily="34" charset="0"/>
+              </a:rPr>
+              <a:t>Rapid Application Development </a:t>
+            </a:r>
+            <a:r>
+              <a:rPr lang="tr-TR" dirty="0">
+                <a:latin typeface="Euclid Circular B" panose="020B0504000000000000" pitchFamily="34" charset="0"/>
+                <a:ea typeface="Euclid Circular B" panose="020B0504000000000000" pitchFamily="34" charset="0"/>
+              </a:rPr>
+              <a:t>System</a:t>
+            </a:r>
+          </a:p>
+          <a:p>
+            <a:r>
+              <a:rPr lang="tr-TR" dirty="0">
+                <a:latin typeface="Euclid Circular B" panose="020B0504000000000000" pitchFamily="34" charset="0"/>
+                <a:ea typeface="Euclid Circular B" panose="020B0504000000000000" pitchFamily="34" charset="0"/>
+              </a:rPr>
+              <a:t>Any feature request: </a:t>
+            </a:r>
+            <a:r>
+              <a:rPr lang="tr-TR" dirty="0">
+                <a:latin typeface="Euclid Circular B" panose="020B0504000000000000" pitchFamily="34" charset="0"/>
+                <a:ea typeface="Euclid Circular B" panose="020B0504000000000000" pitchFamily="34" charset="0"/>
+                <a:hlinkClick r:id="rId3"/>
+              </a:rPr>
+              <a:t>info@abp.io</a:t>
+            </a:r>
+            <a:r>
+              <a:rPr lang="tr-TR" dirty="0">
+                <a:latin typeface="Euclid Circular B" panose="020B0504000000000000" pitchFamily="34" charset="0"/>
+                <a:ea typeface="Euclid Circular B" panose="020B0504000000000000" pitchFamily="34" charset="0"/>
+              </a:rPr>
+              <a:t> </a:t>
             </a:r>
           </a:p>
         </p:txBody>
@@ -5987,13 +7744,470 @@
     </p:spTree>
     <p:extLst>
       <p:ext uri="{BB962C8B-B14F-4D97-AF65-F5344CB8AC3E}">
-        <p14:creationId xmlns:p14="http://schemas.microsoft.com/office/powerpoint/2010/main" val="2722333912"/>
+        <p14:creationId xmlns:p14="http://schemas.microsoft.com/office/powerpoint/2010/main" val="2259850710"/>
       </p:ext>
     </p:extLst>
   </p:cSld>
   <p:clrMapOvr>
     <a:masterClrMapping/>
   </p:clrMapOvr>
+  <p:timing>
+    <p:tnLst>
+      <p:par>
+        <p:cTn id="1" dur="indefinite" restart="never" nodeType="tmRoot">
+          <p:childTnLst>
+            <p:seq concurrent="1" nextAc="seek">
+              <p:cTn id="2" dur="indefinite" nodeType="mainSeq">
+                <p:childTnLst>
+                  <p:par>
+                    <p:cTn id="3" fill="hold">
+                      <p:stCondLst>
+                        <p:cond delay="indefinite"/>
+                      </p:stCondLst>
+                      <p:childTnLst>
+                        <p:par>
+                          <p:cTn id="4" fill="hold">
+                            <p:stCondLst>
+                              <p:cond delay="0"/>
+                            </p:stCondLst>
+                            <p:childTnLst>
+                              <p:par>
+                                <p:cTn id="5" presetID="10" presetClass="entr" presetSubtype="0" fill="hold" nodeType="clickEffect">
+                                  <p:stCondLst>
+                                    <p:cond delay="0"/>
+                                  </p:stCondLst>
+                                  <p:childTnLst>
+                                    <p:set>
+                                      <p:cBhvr>
+                                        <p:cTn id="6" dur="1" fill="hold">
+                                          <p:stCondLst>
+                                            <p:cond delay="0"/>
+                                          </p:stCondLst>
+                                        </p:cTn>
+                                        <p:tgtEl>
+                                          <p:spTgt spid="3">
+                                            <p:txEl>
+                                              <p:pRg st="0" end="0"/>
+                                            </p:txEl>
+                                          </p:spTgt>
+                                        </p:tgtEl>
+                                        <p:attrNameLst>
+                                          <p:attrName>style.visibility</p:attrName>
+                                        </p:attrNameLst>
+                                      </p:cBhvr>
+                                      <p:to>
+                                        <p:strVal val="visible"/>
+                                      </p:to>
+                                    </p:set>
+                                    <p:animEffect transition="in" filter="fade">
+                                      <p:cBhvr>
+                                        <p:cTn id="7" dur="500"/>
+                                        <p:tgtEl>
+                                          <p:spTgt spid="3">
+                                            <p:txEl>
+                                              <p:pRg st="0" end="0"/>
+                                            </p:txEl>
+                                          </p:spTgt>
+                                        </p:tgtEl>
+                                      </p:cBhvr>
+                                    </p:animEffect>
+                                  </p:childTnLst>
+                                </p:cTn>
+                              </p:par>
+                            </p:childTnLst>
+                          </p:cTn>
+                        </p:par>
+                      </p:childTnLst>
+                    </p:cTn>
+                  </p:par>
+                  <p:par>
+                    <p:cTn id="8" fill="hold">
+                      <p:stCondLst>
+                        <p:cond delay="indefinite"/>
+                      </p:stCondLst>
+                      <p:childTnLst>
+                        <p:par>
+                          <p:cTn id="9" fill="hold">
+                            <p:stCondLst>
+                              <p:cond delay="0"/>
+                            </p:stCondLst>
+                            <p:childTnLst>
+                              <p:par>
+                                <p:cTn id="10" presetID="10" presetClass="entr" presetSubtype="0" fill="hold" nodeType="clickEffect">
+                                  <p:stCondLst>
+                                    <p:cond delay="0"/>
+                                  </p:stCondLst>
+                                  <p:childTnLst>
+                                    <p:set>
+                                      <p:cBhvr>
+                                        <p:cTn id="11" dur="1" fill="hold">
+                                          <p:stCondLst>
+                                            <p:cond delay="0"/>
+                                          </p:stCondLst>
+                                        </p:cTn>
+                                        <p:tgtEl>
+                                          <p:spTgt spid="3">
+                                            <p:txEl>
+                                              <p:pRg st="1" end="1"/>
+                                            </p:txEl>
+                                          </p:spTgt>
+                                        </p:tgtEl>
+                                        <p:attrNameLst>
+                                          <p:attrName>style.visibility</p:attrName>
+                                        </p:attrNameLst>
+                                      </p:cBhvr>
+                                      <p:to>
+                                        <p:strVal val="visible"/>
+                                      </p:to>
+                                    </p:set>
+                                    <p:animEffect transition="in" filter="fade">
+                                      <p:cBhvr>
+                                        <p:cTn id="12" dur="500"/>
+                                        <p:tgtEl>
+                                          <p:spTgt spid="3">
+                                            <p:txEl>
+                                              <p:pRg st="1" end="1"/>
+                                            </p:txEl>
+                                          </p:spTgt>
+                                        </p:tgtEl>
+                                      </p:cBhvr>
+                                    </p:animEffect>
+                                  </p:childTnLst>
+                                </p:cTn>
+                              </p:par>
+                            </p:childTnLst>
+                          </p:cTn>
+                        </p:par>
+                      </p:childTnLst>
+                    </p:cTn>
+                  </p:par>
+                  <p:par>
+                    <p:cTn id="13" fill="hold">
+                      <p:stCondLst>
+                        <p:cond delay="indefinite"/>
+                      </p:stCondLst>
+                      <p:childTnLst>
+                        <p:par>
+                          <p:cTn id="14" fill="hold">
+                            <p:stCondLst>
+                              <p:cond delay="0"/>
+                            </p:stCondLst>
+                            <p:childTnLst>
+                              <p:par>
+                                <p:cTn id="15" presetID="10" presetClass="entr" presetSubtype="0" fill="hold" nodeType="clickEffect">
+                                  <p:stCondLst>
+                                    <p:cond delay="0"/>
+                                  </p:stCondLst>
+                                  <p:childTnLst>
+                                    <p:set>
+                                      <p:cBhvr>
+                                        <p:cTn id="16" dur="1" fill="hold">
+                                          <p:stCondLst>
+                                            <p:cond delay="0"/>
+                                          </p:stCondLst>
+                                        </p:cTn>
+                                        <p:tgtEl>
+                                          <p:spTgt spid="3">
+                                            <p:txEl>
+                                              <p:pRg st="2" end="2"/>
+                                            </p:txEl>
+                                          </p:spTgt>
+                                        </p:tgtEl>
+                                        <p:attrNameLst>
+                                          <p:attrName>style.visibility</p:attrName>
+                                        </p:attrNameLst>
+                                      </p:cBhvr>
+                                      <p:to>
+                                        <p:strVal val="visible"/>
+                                      </p:to>
+                                    </p:set>
+                                    <p:animEffect transition="in" filter="fade">
+                                      <p:cBhvr>
+                                        <p:cTn id="17" dur="500"/>
+                                        <p:tgtEl>
+                                          <p:spTgt spid="3">
+                                            <p:txEl>
+                                              <p:pRg st="2" end="2"/>
+                                            </p:txEl>
+                                          </p:spTgt>
+                                        </p:tgtEl>
+                                      </p:cBhvr>
+                                    </p:animEffect>
+                                  </p:childTnLst>
+                                </p:cTn>
+                              </p:par>
+                            </p:childTnLst>
+                          </p:cTn>
+                        </p:par>
+                      </p:childTnLst>
+                    </p:cTn>
+                  </p:par>
+                  <p:par>
+                    <p:cTn id="18" fill="hold">
+                      <p:stCondLst>
+                        <p:cond delay="indefinite"/>
+                      </p:stCondLst>
+                      <p:childTnLst>
+                        <p:par>
+                          <p:cTn id="19" fill="hold">
+                            <p:stCondLst>
+                              <p:cond delay="0"/>
+                            </p:stCondLst>
+                            <p:childTnLst>
+                              <p:par>
+                                <p:cTn id="20" presetID="10" presetClass="entr" presetSubtype="0" fill="hold" nodeType="clickEffect">
+                                  <p:stCondLst>
+                                    <p:cond delay="0"/>
+                                  </p:stCondLst>
+                                  <p:childTnLst>
+                                    <p:set>
+                                      <p:cBhvr>
+                                        <p:cTn id="21" dur="1" fill="hold">
+                                          <p:stCondLst>
+                                            <p:cond delay="0"/>
+                                          </p:stCondLst>
+                                        </p:cTn>
+                                        <p:tgtEl>
+                                          <p:spTgt spid="3">
+                                            <p:txEl>
+                                              <p:pRg st="3" end="3"/>
+                                            </p:txEl>
+                                          </p:spTgt>
+                                        </p:tgtEl>
+                                        <p:attrNameLst>
+                                          <p:attrName>style.visibility</p:attrName>
+                                        </p:attrNameLst>
+                                      </p:cBhvr>
+                                      <p:to>
+                                        <p:strVal val="visible"/>
+                                      </p:to>
+                                    </p:set>
+                                    <p:animEffect transition="in" filter="fade">
+                                      <p:cBhvr>
+                                        <p:cTn id="22" dur="500"/>
+                                        <p:tgtEl>
+                                          <p:spTgt spid="3">
+                                            <p:txEl>
+                                              <p:pRg st="3" end="3"/>
+                                            </p:txEl>
+                                          </p:spTgt>
+                                        </p:tgtEl>
+                                      </p:cBhvr>
+                                    </p:animEffect>
+                                  </p:childTnLst>
+                                </p:cTn>
+                              </p:par>
+                            </p:childTnLst>
+                          </p:cTn>
+                        </p:par>
+                      </p:childTnLst>
+                    </p:cTn>
+                  </p:par>
+                  <p:par>
+                    <p:cTn id="23" fill="hold">
+                      <p:stCondLst>
+                        <p:cond delay="indefinite"/>
+                      </p:stCondLst>
+                      <p:childTnLst>
+                        <p:par>
+                          <p:cTn id="24" fill="hold">
+                            <p:stCondLst>
+                              <p:cond delay="0"/>
+                            </p:stCondLst>
+                            <p:childTnLst>
+                              <p:par>
+                                <p:cTn id="25" presetID="10" presetClass="entr" presetSubtype="0" fill="hold" nodeType="clickEffect">
+                                  <p:stCondLst>
+                                    <p:cond delay="0"/>
+                                  </p:stCondLst>
+                                  <p:childTnLst>
+                                    <p:set>
+                                      <p:cBhvr>
+                                        <p:cTn id="26" dur="1" fill="hold">
+                                          <p:stCondLst>
+                                            <p:cond delay="0"/>
+                                          </p:stCondLst>
+                                        </p:cTn>
+                                        <p:tgtEl>
+                                          <p:spTgt spid="3">
+                                            <p:txEl>
+                                              <p:pRg st="4" end="4"/>
+                                            </p:txEl>
+                                          </p:spTgt>
+                                        </p:tgtEl>
+                                        <p:attrNameLst>
+                                          <p:attrName>style.visibility</p:attrName>
+                                        </p:attrNameLst>
+                                      </p:cBhvr>
+                                      <p:to>
+                                        <p:strVal val="visible"/>
+                                      </p:to>
+                                    </p:set>
+                                    <p:animEffect transition="in" filter="fade">
+                                      <p:cBhvr>
+                                        <p:cTn id="27" dur="500"/>
+                                        <p:tgtEl>
+                                          <p:spTgt spid="3">
+                                            <p:txEl>
+                                              <p:pRg st="4" end="4"/>
+                                            </p:txEl>
+                                          </p:spTgt>
+                                        </p:tgtEl>
+                                      </p:cBhvr>
+                                    </p:animEffect>
+                                  </p:childTnLst>
+                                </p:cTn>
+                              </p:par>
+                            </p:childTnLst>
+                          </p:cTn>
+                        </p:par>
+                      </p:childTnLst>
+                    </p:cTn>
+                  </p:par>
+                  <p:par>
+                    <p:cTn id="28" fill="hold">
+                      <p:stCondLst>
+                        <p:cond delay="indefinite"/>
+                      </p:stCondLst>
+                      <p:childTnLst>
+                        <p:par>
+                          <p:cTn id="29" fill="hold">
+                            <p:stCondLst>
+                              <p:cond delay="0"/>
+                            </p:stCondLst>
+                            <p:childTnLst>
+                              <p:par>
+                                <p:cTn id="30" presetID="10" presetClass="entr" presetSubtype="0" fill="hold" nodeType="clickEffect">
+                                  <p:stCondLst>
+                                    <p:cond delay="0"/>
+                                  </p:stCondLst>
+                                  <p:childTnLst>
+                                    <p:set>
+                                      <p:cBhvr>
+                                        <p:cTn id="31" dur="1" fill="hold">
+                                          <p:stCondLst>
+                                            <p:cond delay="0"/>
+                                          </p:stCondLst>
+                                        </p:cTn>
+                                        <p:tgtEl>
+                                          <p:spTgt spid="3">
+                                            <p:txEl>
+                                              <p:pRg st="5" end="5"/>
+                                            </p:txEl>
+                                          </p:spTgt>
+                                        </p:tgtEl>
+                                        <p:attrNameLst>
+                                          <p:attrName>style.visibility</p:attrName>
+                                        </p:attrNameLst>
+                                      </p:cBhvr>
+                                      <p:to>
+                                        <p:strVal val="visible"/>
+                                      </p:to>
+                                    </p:set>
+                                    <p:animEffect transition="in" filter="fade">
+                                      <p:cBhvr>
+                                        <p:cTn id="32" dur="500"/>
+                                        <p:tgtEl>
+                                          <p:spTgt spid="3">
+                                            <p:txEl>
+                                              <p:pRg st="5" end="5"/>
+                                            </p:txEl>
+                                          </p:spTgt>
+                                        </p:tgtEl>
+                                      </p:cBhvr>
+                                    </p:animEffect>
+                                  </p:childTnLst>
+                                </p:cTn>
+                              </p:par>
+                            </p:childTnLst>
+                          </p:cTn>
+                        </p:par>
+                      </p:childTnLst>
+                    </p:cTn>
+                  </p:par>
+                  <p:par>
+                    <p:cTn id="33" fill="hold">
+                      <p:stCondLst>
+                        <p:cond delay="indefinite"/>
+                      </p:stCondLst>
+                      <p:childTnLst>
+                        <p:par>
+                          <p:cTn id="34" fill="hold">
+                            <p:stCondLst>
+                              <p:cond delay="0"/>
+                            </p:stCondLst>
+                            <p:childTnLst>
+                              <p:par>
+                                <p:cTn id="35" presetID="10" presetClass="entr" presetSubtype="0" fill="hold" nodeType="clickEffect">
+                                  <p:stCondLst>
+                                    <p:cond delay="0"/>
+                                  </p:stCondLst>
+                                  <p:childTnLst>
+                                    <p:set>
+                                      <p:cBhvr>
+                                        <p:cTn id="36" dur="1" fill="hold">
+                                          <p:stCondLst>
+                                            <p:cond delay="0"/>
+                                          </p:stCondLst>
+                                        </p:cTn>
+                                        <p:tgtEl>
+                                          <p:spTgt spid="3">
+                                            <p:txEl>
+                                              <p:pRg st="6" end="6"/>
+                                            </p:txEl>
+                                          </p:spTgt>
+                                        </p:tgtEl>
+                                        <p:attrNameLst>
+                                          <p:attrName>style.visibility</p:attrName>
+                                        </p:attrNameLst>
+                                      </p:cBhvr>
+                                      <p:to>
+                                        <p:strVal val="visible"/>
+                                      </p:to>
+                                    </p:set>
+                                    <p:animEffect transition="in" filter="fade">
+                                      <p:cBhvr>
+                                        <p:cTn id="37" dur="500"/>
+                                        <p:tgtEl>
+                                          <p:spTgt spid="3">
+                                            <p:txEl>
+                                              <p:pRg st="6" end="6"/>
+                                            </p:txEl>
+                                          </p:spTgt>
+                                        </p:tgtEl>
+                                      </p:cBhvr>
+                                    </p:animEffect>
+                                  </p:childTnLst>
+                                </p:cTn>
+                              </p:par>
+                            </p:childTnLst>
+                          </p:cTn>
+                        </p:par>
+                      </p:childTnLst>
+                    </p:cTn>
+                  </p:par>
+                </p:childTnLst>
+              </p:cTn>
+              <p:prevCondLst>
+                <p:cond evt="onPrev" delay="0">
+                  <p:tgtEl>
+                    <p:sldTgt/>
+                  </p:tgtEl>
+                </p:cond>
+              </p:prevCondLst>
+              <p:nextCondLst>
+                <p:cond evt="onNext" delay="0">
+                  <p:tgtEl>
+                    <p:sldTgt/>
+                  </p:tgtEl>
+                </p:cond>
+              </p:nextCondLst>
+            </p:seq>
+          </p:childTnLst>
+        </p:cTn>
+      </p:par>
+    </p:tnLst>
+  </p:timing>
 </p:sld>
 </file>
 

--- a/2024-08-15 ABP Community Talks 2024.4/ABP Studio - The Missing Tool for Dotnet Developers.pptx
+++ b/2024-08-15 ABP Community Talks 2024.4/ABP Studio - The Missing Tool for Dotnet Developers.pptx
@@ -12,12 +12,14 @@
     <p:sldId id="259" r:id="rId6"/>
     <p:sldId id="274" r:id="rId7"/>
     <p:sldId id="264" r:id="rId8"/>
-    <p:sldId id="260" r:id="rId9"/>
-    <p:sldId id="261" r:id="rId10"/>
-    <p:sldId id="262" r:id="rId11"/>
-    <p:sldId id="263" r:id="rId12"/>
-    <p:sldId id="275" r:id="rId13"/>
-    <p:sldId id="272" r:id="rId14"/>
+    <p:sldId id="272" r:id="rId9"/>
+    <p:sldId id="276" r:id="rId10"/>
+    <p:sldId id="260" r:id="rId11"/>
+    <p:sldId id="261" r:id="rId12"/>
+    <p:sldId id="262" r:id="rId13"/>
+    <p:sldId id="263" r:id="rId14"/>
+    <p:sldId id="275" r:id="rId15"/>
+    <p:sldId id="277" r:id="rId16"/>
   </p:sldIdLst>
   <p:sldSz cx="12192000" cy="6858000"/>
   <p:notesSz cx="6858000" cy="9144000"/>
@@ -271,7 +273,7 @@
           <a:p>
             <a:fld id="{2A14C9FE-EBC3-45D3-899C-58AAF4F8AF71}" type="datetimeFigureOut">
               <a:rPr lang="en-US" smtClean="0"/>
-              <a:t>8/10/2024</a:t>
+              <a:t>8/11/2024</a:t>
             </a:fld>
             <a:endParaRPr lang="en-US"/>
           </a:p>
@@ -469,7 +471,7 @@
           <a:p>
             <a:fld id="{2A14C9FE-EBC3-45D3-899C-58AAF4F8AF71}" type="datetimeFigureOut">
               <a:rPr lang="en-US" smtClean="0"/>
-              <a:t>8/10/2024</a:t>
+              <a:t>8/11/2024</a:t>
             </a:fld>
             <a:endParaRPr lang="en-US"/>
           </a:p>
@@ -677,7 +679,7 @@
           <a:p>
             <a:fld id="{2A14C9FE-EBC3-45D3-899C-58AAF4F8AF71}" type="datetimeFigureOut">
               <a:rPr lang="en-US" smtClean="0"/>
-              <a:t>8/10/2024</a:t>
+              <a:t>8/11/2024</a:t>
             </a:fld>
             <a:endParaRPr lang="en-US"/>
           </a:p>
@@ -875,7 +877,7 @@
           <a:p>
             <a:fld id="{2A14C9FE-EBC3-45D3-899C-58AAF4F8AF71}" type="datetimeFigureOut">
               <a:rPr lang="en-US" smtClean="0"/>
-              <a:t>8/10/2024</a:t>
+              <a:t>8/11/2024</a:t>
             </a:fld>
             <a:endParaRPr lang="en-US"/>
           </a:p>
@@ -1150,7 +1152,7 @@
           <a:p>
             <a:fld id="{2A14C9FE-EBC3-45D3-899C-58AAF4F8AF71}" type="datetimeFigureOut">
               <a:rPr lang="en-US" smtClean="0"/>
-              <a:t>8/10/2024</a:t>
+              <a:t>8/11/2024</a:t>
             </a:fld>
             <a:endParaRPr lang="en-US"/>
           </a:p>
@@ -1415,7 +1417,7 @@
           <a:p>
             <a:fld id="{2A14C9FE-EBC3-45D3-899C-58AAF4F8AF71}" type="datetimeFigureOut">
               <a:rPr lang="en-US" smtClean="0"/>
-              <a:t>8/10/2024</a:t>
+              <a:t>8/11/2024</a:t>
             </a:fld>
             <a:endParaRPr lang="en-US"/>
           </a:p>
@@ -1827,7 +1829,7 @@
           <a:p>
             <a:fld id="{2A14C9FE-EBC3-45D3-899C-58AAF4F8AF71}" type="datetimeFigureOut">
               <a:rPr lang="en-US" smtClean="0"/>
-              <a:t>8/10/2024</a:t>
+              <a:t>8/11/2024</a:t>
             </a:fld>
             <a:endParaRPr lang="en-US"/>
           </a:p>
@@ -1968,7 +1970,7 @@
           <a:p>
             <a:fld id="{2A14C9FE-EBC3-45D3-899C-58AAF4F8AF71}" type="datetimeFigureOut">
               <a:rPr lang="en-US" smtClean="0"/>
-              <a:t>8/10/2024</a:t>
+              <a:t>8/11/2024</a:t>
             </a:fld>
             <a:endParaRPr lang="en-US"/>
           </a:p>
@@ -2081,7 +2083,7 @@
           <a:p>
             <a:fld id="{2A14C9FE-EBC3-45D3-899C-58AAF4F8AF71}" type="datetimeFigureOut">
               <a:rPr lang="en-US" smtClean="0"/>
-              <a:t>8/10/2024</a:t>
+              <a:t>8/11/2024</a:t>
             </a:fld>
             <a:endParaRPr lang="en-US"/>
           </a:p>
@@ -2392,7 +2394,7 @@
           <a:p>
             <a:fld id="{2A14C9FE-EBC3-45D3-899C-58AAF4F8AF71}" type="datetimeFigureOut">
               <a:rPr lang="en-US" smtClean="0"/>
-              <a:t>8/10/2024</a:t>
+              <a:t>8/11/2024</a:t>
             </a:fld>
             <a:endParaRPr lang="en-US"/>
           </a:p>
@@ -2680,7 +2682,7 @@
           <a:p>
             <a:fld id="{2A14C9FE-EBC3-45D3-899C-58AAF4F8AF71}" type="datetimeFigureOut">
               <a:rPr lang="en-US" smtClean="0"/>
-              <a:t>8/10/2024</a:t>
+              <a:t>8/11/2024</a:t>
             </a:fld>
             <a:endParaRPr lang="en-US"/>
           </a:p>
@@ -2921,7 +2923,7 @@
           <a:p>
             <a:fld id="{2A14C9FE-EBC3-45D3-899C-58AAF4F8AF71}" type="datetimeFigureOut">
               <a:rPr lang="en-US" smtClean="0"/>
-              <a:t>8/10/2024</a:t>
+              <a:t>8/11/2024</a:t>
             </a:fld>
             <a:endParaRPr lang="en-US"/>
           </a:p>
@@ -3446,3507 +3448,6 @@
 </file>
 
 <file path=ppt/slides/slide10.xml><?xml version="1.0" encoding="utf-8"?>
-<p:sld xmlns:a="http://schemas.openxmlformats.org/drawingml/2006/main" xmlns:r="http://schemas.openxmlformats.org/officeDocument/2006/relationships" xmlns:p="http://schemas.openxmlformats.org/presentationml/2006/main">
-  <p:cSld>
-    <p:bg>
-      <p:bgPr>
-        <a:blipFill dpi="0" rotWithShape="1">
-          <a:blip r:embed="rId2">
-            <a:lum/>
-          </a:blip>
-          <a:srcRect/>
-          <a:stretch>
-            <a:fillRect/>
-          </a:stretch>
-        </a:blipFill>
-        <a:effectLst/>
-      </p:bgPr>
-    </p:bg>
-    <p:spTree>
-      <p:nvGrpSpPr>
-        <p:cNvPr id="1" name=""/>
-        <p:cNvGrpSpPr/>
-        <p:nvPr/>
-      </p:nvGrpSpPr>
-      <p:grpSpPr>
-        <a:xfrm>
-          <a:off x="0" y="0"/>
-          <a:ext cx="0" cy="0"/>
-          <a:chOff x="0" y="0"/>
-          <a:chExt cx="0" cy="0"/>
-        </a:xfrm>
-      </p:grpSpPr>
-      <p:sp>
-        <p:nvSpPr>
-          <p:cNvPr id="2" name="Title 1">
-            <a:extLst>
-              <a:ext uri="{FF2B5EF4-FFF2-40B4-BE49-F238E27FC236}">
-                <a16:creationId xmlns:a16="http://schemas.microsoft.com/office/drawing/2014/main" id="{55E11F08-6CA0-48F1-AD67-97430DDA07F0}"/>
-              </a:ext>
-            </a:extLst>
-          </p:cNvPr>
-          <p:cNvSpPr>
-            <a:spLocks noGrp="1"/>
-          </p:cNvSpPr>
-          <p:nvPr>
-            <p:ph type="title"/>
-          </p:nvPr>
-        </p:nvSpPr>
-        <p:spPr/>
-        <p:txBody>
-          <a:bodyPr/>
-          <a:lstStyle/>
-          <a:p>
-            <a:r>
-              <a:rPr lang="tr-TR" b="1" dirty="0">
-                <a:solidFill>
-                  <a:srgbClr val="292D33"/>
-                </a:solidFill>
-                <a:latin typeface="Euclid Circular B" panose="020B0504000000000000" pitchFamily="34" charset="0"/>
-                <a:ea typeface="Euclid Circular B" panose="020B0504000000000000" pitchFamily="34" charset="0"/>
-              </a:rPr>
-              <a:t>ABP Studio: Licensing</a:t>
-            </a:r>
-            <a:endParaRPr lang="en-US" b="1" dirty="0">
-              <a:solidFill>
-                <a:srgbClr val="292D33"/>
-              </a:solidFill>
-              <a:latin typeface="Euclid Circular B" panose="020B0504000000000000" pitchFamily="34" charset="0"/>
-              <a:ea typeface="Euclid Circular B" panose="020B0504000000000000" pitchFamily="34" charset="0"/>
-            </a:endParaRPr>
-          </a:p>
-        </p:txBody>
-      </p:sp>
-      <p:pic>
-        <p:nvPicPr>
-          <p:cNvPr id="7" name="Picture 6">
-            <a:extLst>
-              <a:ext uri="{FF2B5EF4-FFF2-40B4-BE49-F238E27FC236}">
-                <a16:creationId xmlns:a16="http://schemas.microsoft.com/office/drawing/2014/main" id="{D3DCFFC9-C277-3142-9198-FACC77233BEA}"/>
-              </a:ext>
-            </a:extLst>
-          </p:cNvPr>
-          <p:cNvPicPr>
-            <a:picLocks noChangeAspect="1"/>
-          </p:cNvPicPr>
-          <p:nvPr/>
-        </p:nvPicPr>
-        <p:blipFill>
-          <a:blip r:embed="rId3"/>
-          <a:stretch>
-            <a:fillRect/>
-          </a:stretch>
-        </p:blipFill>
-        <p:spPr>
-          <a:xfrm>
-            <a:off x="838200" y="2116201"/>
-            <a:ext cx="10813330" cy="3023267"/>
-          </a:xfrm>
-          <a:prstGeom prst="rect">
-            <a:avLst/>
-          </a:prstGeom>
-        </p:spPr>
-      </p:pic>
-    </p:spTree>
-    <p:extLst>
-      <p:ext uri="{BB962C8B-B14F-4D97-AF65-F5344CB8AC3E}">
-        <p14:creationId xmlns:p14="http://schemas.microsoft.com/office/powerpoint/2010/main" val="2722333912"/>
-      </p:ext>
-    </p:extLst>
-  </p:cSld>
-  <p:clrMapOvr>
-    <a:masterClrMapping/>
-  </p:clrMapOvr>
-</p:sld>
-</file>
-
-<file path=ppt/slides/slide11.xml><?xml version="1.0" encoding="utf-8"?>
-<p:sld xmlns:a="http://schemas.openxmlformats.org/drawingml/2006/main" xmlns:r="http://schemas.openxmlformats.org/officeDocument/2006/relationships" xmlns:p="http://schemas.openxmlformats.org/presentationml/2006/main">
-  <p:cSld>
-    <p:bg>
-      <p:bgPr>
-        <a:blipFill dpi="0" rotWithShape="1">
-          <a:blip r:embed="rId2">
-            <a:lum/>
-          </a:blip>
-          <a:srcRect/>
-          <a:stretch>
-            <a:fillRect/>
-          </a:stretch>
-        </a:blipFill>
-        <a:effectLst/>
-      </p:bgPr>
-    </p:bg>
-    <p:spTree>
-      <p:nvGrpSpPr>
-        <p:cNvPr id="1" name=""/>
-        <p:cNvGrpSpPr/>
-        <p:nvPr/>
-      </p:nvGrpSpPr>
-      <p:grpSpPr>
-        <a:xfrm>
-          <a:off x="0" y="0"/>
-          <a:ext cx="0" cy="0"/>
-          <a:chOff x="0" y="0"/>
-          <a:chExt cx="0" cy="0"/>
-        </a:xfrm>
-      </p:grpSpPr>
-      <p:sp>
-        <p:nvSpPr>
-          <p:cNvPr id="2" name="Title 1">
-            <a:extLst>
-              <a:ext uri="{FF2B5EF4-FFF2-40B4-BE49-F238E27FC236}">
-                <a16:creationId xmlns:a16="http://schemas.microsoft.com/office/drawing/2014/main" id="{55E11F08-6CA0-48F1-AD67-97430DDA07F0}"/>
-              </a:ext>
-            </a:extLst>
-          </p:cNvPr>
-          <p:cNvSpPr>
-            <a:spLocks noGrp="1"/>
-          </p:cNvSpPr>
-          <p:nvPr>
-            <p:ph type="title"/>
-          </p:nvPr>
-        </p:nvSpPr>
-        <p:spPr/>
-        <p:txBody>
-          <a:bodyPr/>
-          <a:lstStyle/>
-          <a:p>
-            <a:r>
-              <a:rPr lang="tr-TR" b="1" dirty="0">
-                <a:solidFill>
-                  <a:srgbClr val="292D33"/>
-                </a:solidFill>
-                <a:latin typeface="Euclid Circular B" panose="020B0504000000000000" pitchFamily="34" charset="0"/>
-                <a:ea typeface="Euclid Circular B" panose="020B0504000000000000" pitchFamily="34" charset="0"/>
-              </a:rPr>
-              <a:t>ABP Studio: Next Planned Live Events</a:t>
-            </a:r>
-            <a:endParaRPr lang="en-US" b="1" dirty="0">
-              <a:solidFill>
-                <a:srgbClr val="292D33"/>
-              </a:solidFill>
-              <a:latin typeface="Euclid Circular B" panose="020B0504000000000000" pitchFamily="34" charset="0"/>
-              <a:ea typeface="Euclid Circular B" panose="020B0504000000000000" pitchFamily="34" charset="0"/>
-            </a:endParaRPr>
-          </a:p>
-        </p:txBody>
-      </p:sp>
-      <p:sp>
-        <p:nvSpPr>
-          <p:cNvPr id="3" name="Content Placeholder 2">
-            <a:extLst>
-              <a:ext uri="{FF2B5EF4-FFF2-40B4-BE49-F238E27FC236}">
-                <a16:creationId xmlns:a16="http://schemas.microsoft.com/office/drawing/2014/main" id="{891C7693-D3DF-4635-96F4-97F3B4136FDF}"/>
-              </a:ext>
-            </a:extLst>
-          </p:cNvPr>
-          <p:cNvSpPr>
-            <a:spLocks noGrp="1"/>
-          </p:cNvSpPr>
-          <p:nvPr>
-            <p:ph idx="1"/>
-          </p:nvPr>
-        </p:nvSpPr>
-        <p:spPr/>
-        <p:txBody>
-          <a:bodyPr/>
-          <a:lstStyle/>
-          <a:p>
-            <a:r>
-              <a:rPr lang="tr-TR" dirty="0">
-                <a:latin typeface="Euclid Circular B" panose="020B0504000000000000" pitchFamily="34" charset="0"/>
-                <a:ea typeface="Euclid Circular B" panose="020B0504000000000000" pitchFamily="34" charset="0"/>
-              </a:rPr>
-              <a:t>Developing Modular Monolith Applications</a:t>
-            </a:r>
-          </a:p>
-          <a:p>
-            <a:r>
-              <a:rPr lang="tr-TR" dirty="0">
-                <a:latin typeface="Euclid Circular B" panose="020B0504000000000000" pitchFamily="34" charset="0"/>
-                <a:ea typeface="Euclid Circular B" panose="020B0504000000000000" pitchFamily="34" charset="0"/>
-              </a:rPr>
-              <a:t>Developing Microservice Applications &amp; The Microservice Startup Template</a:t>
-            </a:r>
-            <a:endParaRPr lang="en-US" dirty="0">
-              <a:latin typeface="Euclid Circular B" panose="020B0504000000000000" pitchFamily="34" charset="0"/>
-              <a:ea typeface="Euclid Circular B" panose="020B0504000000000000" pitchFamily="34" charset="0"/>
-            </a:endParaRPr>
-          </a:p>
-        </p:txBody>
-      </p:sp>
-    </p:spTree>
-    <p:extLst>
-      <p:ext uri="{BB962C8B-B14F-4D97-AF65-F5344CB8AC3E}">
-        <p14:creationId xmlns:p14="http://schemas.microsoft.com/office/powerpoint/2010/main" val="3274601683"/>
-      </p:ext>
-    </p:extLst>
-  </p:cSld>
-  <p:clrMapOvr>
-    <a:masterClrMapping/>
-  </p:clrMapOvr>
-</p:sld>
-</file>
-
-<file path=ppt/slides/slide12.xml><?xml version="1.0" encoding="utf-8"?>
-<p:sld xmlns:a="http://schemas.openxmlformats.org/drawingml/2006/main" xmlns:r="http://schemas.openxmlformats.org/officeDocument/2006/relationships" xmlns:p="http://schemas.openxmlformats.org/presentationml/2006/main">
-  <p:cSld>
-    <p:bg>
-      <p:bgPr>
-        <a:blipFill dpi="0" rotWithShape="1">
-          <a:blip r:embed="rId2">
-            <a:lum/>
-          </a:blip>
-          <a:srcRect/>
-          <a:stretch>
-            <a:fillRect/>
-          </a:stretch>
-        </a:blipFill>
-        <a:effectLst/>
-      </p:bgPr>
-    </p:bg>
-    <p:spTree>
-      <p:nvGrpSpPr>
-        <p:cNvPr id="1" name=""/>
-        <p:cNvGrpSpPr/>
-        <p:nvPr/>
-      </p:nvGrpSpPr>
-      <p:grpSpPr>
-        <a:xfrm>
-          <a:off x="0" y="0"/>
-          <a:ext cx="0" cy="0"/>
-          <a:chOff x="0" y="0"/>
-          <a:chExt cx="0" cy="0"/>
-        </a:xfrm>
-      </p:grpSpPr>
-      <p:sp>
-        <p:nvSpPr>
-          <p:cNvPr id="3" name="Content Placeholder 2">
-            <a:extLst>
-              <a:ext uri="{FF2B5EF4-FFF2-40B4-BE49-F238E27FC236}">
-                <a16:creationId xmlns:a16="http://schemas.microsoft.com/office/drawing/2014/main" id="{891C7693-D3DF-4635-96F4-97F3B4136FDF}"/>
-              </a:ext>
-            </a:extLst>
-          </p:cNvPr>
-          <p:cNvSpPr>
-            <a:spLocks noGrp="1"/>
-          </p:cNvSpPr>
-          <p:nvPr>
-            <p:ph idx="1"/>
-          </p:nvPr>
-        </p:nvSpPr>
-        <p:spPr>
-          <a:xfrm>
-            <a:off x="838198" y="445273"/>
-            <a:ext cx="10515599" cy="5731690"/>
-          </a:xfrm>
-        </p:spPr>
-        <p:txBody>
-          <a:bodyPr>
-            <a:normAutofit/>
-          </a:bodyPr>
-          <a:lstStyle/>
-          <a:p>
-            <a:pPr marL="0" indent="0" algn="ctr">
-              <a:buNone/>
-            </a:pPr>
-            <a:r>
-              <a:rPr lang="tr-TR" sz="28700" b="1" dirty="0">
-                <a:solidFill>
-                  <a:schemeClr val="accent6"/>
-                </a:solidFill>
-                <a:latin typeface="Euclid Circular B" panose="020B0504000000000000" pitchFamily="34" charset="0"/>
-                <a:ea typeface="Euclid Circular B" panose="020B0504000000000000" pitchFamily="34" charset="0"/>
-              </a:rPr>
-              <a:t>?</a:t>
-            </a:r>
-            <a:br>
-              <a:rPr lang="tr-TR" sz="9600" b="1" dirty="0">
-                <a:solidFill>
-                  <a:schemeClr val="accent6"/>
-                </a:solidFill>
-                <a:latin typeface="Euclid Circular B" panose="020B0504000000000000" pitchFamily="34" charset="0"/>
-                <a:ea typeface="Euclid Circular B" panose="020B0504000000000000" pitchFamily="34" charset="0"/>
-              </a:rPr>
-            </a:br>
-            <a:r>
-              <a:rPr lang="tr-TR" sz="7200" b="1" i="1" dirty="0">
-                <a:solidFill>
-                  <a:srgbClr val="292D33"/>
-                </a:solidFill>
-                <a:latin typeface="Euclid Circular B" panose="020B0504000000000000" pitchFamily="34" charset="0"/>
-                <a:ea typeface="Euclid Circular B" panose="020B0504000000000000" pitchFamily="34" charset="0"/>
-              </a:rPr>
-              <a:t>questions</a:t>
-            </a:r>
-            <a:endParaRPr lang="en-US" sz="9600" i="1" dirty="0">
-              <a:latin typeface="Euclid Circular B" panose="020B0504000000000000" pitchFamily="34" charset="0"/>
-              <a:ea typeface="Euclid Circular B" panose="020B0504000000000000" pitchFamily="34" charset="0"/>
-            </a:endParaRPr>
-          </a:p>
-        </p:txBody>
-      </p:sp>
-    </p:spTree>
-    <p:extLst>
-      <p:ext uri="{BB962C8B-B14F-4D97-AF65-F5344CB8AC3E}">
-        <p14:creationId xmlns:p14="http://schemas.microsoft.com/office/powerpoint/2010/main" val="2062712958"/>
-      </p:ext>
-    </p:extLst>
-  </p:cSld>
-  <p:clrMapOvr>
-    <a:masterClrMapping/>
-  </p:clrMapOvr>
-</p:sld>
-</file>
-
-<file path=ppt/slides/slide13.xml><?xml version="1.0" encoding="utf-8"?>
-<p:sld xmlns:a="http://schemas.openxmlformats.org/drawingml/2006/main" xmlns:r="http://schemas.openxmlformats.org/officeDocument/2006/relationships" xmlns:p="http://schemas.openxmlformats.org/presentationml/2006/main">
-  <p:cSld>
-    <p:bg>
-      <p:bgPr>
-        <a:blipFill dpi="0" rotWithShape="1">
-          <a:blip r:embed="rId2">
-            <a:lum/>
-          </a:blip>
-          <a:srcRect/>
-          <a:stretch>
-            <a:fillRect/>
-          </a:stretch>
-        </a:blipFill>
-        <a:effectLst/>
-      </p:bgPr>
-    </p:bg>
-    <p:spTree>
-      <p:nvGrpSpPr>
-        <p:cNvPr id="1" name=""/>
-        <p:cNvGrpSpPr/>
-        <p:nvPr/>
-      </p:nvGrpSpPr>
-      <p:grpSpPr>
-        <a:xfrm>
-          <a:off x="0" y="0"/>
-          <a:ext cx="0" cy="0"/>
-          <a:chOff x="0" y="0"/>
-          <a:chExt cx="0" cy="0"/>
-        </a:xfrm>
-      </p:grpSpPr>
-      <p:sp>
-        <p:nvSpPr>
-          <p:cNvPr id="2" name="Title 1">
-            <a:extLst>
-              <a:ext uri="{FF2B5EF4-FFF2-40B4-BE49-F238E27FC236}">
-                <a16:creationId xmlns:a16="http://schemas.microsoft.com/office/drawing/2014/main" id="{55E11F08-6CA0-48F1-AD67-97430DDA07F0}"/>
-              </a:ext>
-            </a:extLst>
-          </p:cNvPr>
-          <p:cNvSpPr>
-            <a:spLocks noGrp="1"/>
-          </p:cNvSpPr>
-          <p:nvPr>
-            <p:ph type="title"/>
-          </p:nvPr>
-        </p:nvSpPr>
-        <p:spPr/>
-        <p:txBody>
-          <a:bodyPr/>
-          <a:lstStyle/>
-          <a:p>
-            <a:r>
-              <a:rPr lang="en-US" b="1" dirty="0">
-                <a:solidFill>
-                  <a:srgbClr val="292D33"/>
-                </a:solidFill>
-                <a:latin typeface="Euclid Circular B" panose="020B0504000000000000" pitchFamily="34" charset="0"/>
-                <a:ea typeface="Euclid Circular B" panose="020B0504000000000000" pitchFamily="34" charset="0"/>
-              </a:rPr>
-              <a:t>Topic title</a:t>
-            </a:r>
-          </a:p>
-        </p:txBody>
-      </p:sp>
-      <p:sp>
-        <p:nvSpPr>
-          <p:cNvPr id="3" name="Content Placeholder 2">
-            <a:extLst>
-              <a:ext uri="{FF2B5EF4-FFF2-40B4-BE49-F238E27FC236}">
-                <a16:creationId xmlns:a16="http://schemas.microsoft.com/office/drawing/2014/main" id="{891C7693-D3DF-4635-96F4-97F3B4136FDF}"/>
-              </a:ext>
-            </a:extLst>
-          </p:cNvPr>
-          <p:cNvSpPr>
-            <a:spLocks noGrp="1"/>
-          </p:cNvSpPr>
-          <p:nvPr>
-            <p:ph idx="1"/>
-          </p:nvPr>
-        </p:nvSpPr>
-        <p:spPr/>
-        <p:txBody>
-          <a:bodyPr/>
-          <a:lstStyle/>
-          <a:p>
-            <a:r>
-              <a:rPr lang="en-US" dirty="0">
-                <a:latin typeface="Euclid Circular B" panose="020B0504000000000000" pitchFamily="34" charset="0"/>
-                <a:ea typeface="Euclid Circular B" panose="020B0504000000000000" pitchFamily="34" charset="0"/>
-              </a:rPr>
-              <a:t>Content</a:t>
-            </a:r>
-          </a:p>
-        </p:txBody>
-      </p:sp>
-    </p:spTree>
-    <p:extLst>
-      <p:ext uri="{BB962C8B-B14F-4D97-AF65-F5344CB8AC3E}">
-        <p14:creationId xmlns:p14="http://schemas.microsoft.com/office/powerpoint/2010/main" val="2354327406"/>
-      </p:ext>
-    </p:extLst>
-  </p:cSld>
-  <p:clrMapOvr>
-    <a:masterClrMapping/>
-  </p:clrMapOvr>
-</p:sld>
-</file>
-
-<file path=ppt/slides/slide2.xml><?xml version="1.0" encoding="utf-8"?>
-<p:sld xmlns:a="http://schemas.openxmlformats.org/drawingml/2006/main" xmlns:r="http://schemas.openxmlformats.org/officeDocument/2006/relationships" xmlns:p="http://schemas.openxmlformats.org/presentationml/2006/main">
-  <p:cSld>
-    <p:bg>
-      <p:bgPr>
-        <a:blipFill dpi="0" rotWithShape="1">
-          <a:blip r:embed="rId2">
-            <a:lum/>
-          </a:blip>
-          <a:srcRect/>
-          <a:stretch>
-            <a:fillRect/>
-          </a:stretch>
-        </a:blipFill>
-        <a:effectLst/>
-      </p:bgPr>
-    </p:bg>
-    <p:spTree>
-      <p:nvGrpSpPr>
-        <p:cNvPr id="1" name=""/>
-        <p:cNvGrpSpPr/>
-        <p:nvPr/>
-      </p:nvGrpSpPr>
-      <p:grpSpPr>
-        <a:xfrm>
-          <a:off x="0" y="0"/>
-          <a:ext cx="0" cy="0"/>
-          <a:chOff x="0" y="0"/>
-          <a:chExt cx="0" cy="0"/>
-        </a:xfrm>
-      </p:grpSpPr>
-      <p:sp>
-        <p:nvSpPr>
-          <p:cNvPr id="2" name="Title 1">
-            <a:extLst>
-              <a:ext uri="{FF2B5EF4-FFF2-40B4-BE49-F238E27FC236}">
-                <a16:creationId xmlns:a16="http://schemas.microsoft.com/office/drawing/2014/main" id="{55E11F08-6CA0-48F1-AD67-97430DDA07F0}"/>
-              </a:ext>
-            </a:extLst>
-          </p:cNvPr>
-          <p:cNvSpPr>
-            <a:spLocks noGrp="1"/>
-          </p:cNvSpPr>
-          <p:nvPr>
-            <p:ph type="title"/>
-          </p:nvPr>
-        </p:nvSpPr>
-        <p:spPr/>
-        <p:txBody>
-          <a:bodyPr/>
-          <a:lstStyle/>
-          <a:p>
-            <a:r>
-              <a:rPr lang="tr-TR" b="1" dirty="0">
-                <a:solidFill>
-                  <a:srgbClr val="292D33"/>
-                </a:solidFill>
-                <a:latin typeface="Euclid Circular B" panose="020B0504000000000000" pitchFamily="34" charset="0"/>
-                <a:ea typeface="Euclid Circular B" panose="020B0504000000000000" pitchFamily="34" charset="0"/>
-              </a:rPr>
-              <a:t>Agenda</a:t>
-            </a:r>
-            <a:endParaRPr lang="en-US" b="1" dirty="0">
-              <a:solidFill>
-                <a:srgbClr val="292D33"/>
-              </a:solidFill>
-              <a:latin typeface="Euclid Circular B" panose="020B0504000000000000" pitchFamily="34" charset="0"/>
-              <a:ea typeface="Euclid Circular B" panose="020B0504000000000000" pitchFamily="34" charset="0"/>
-            </a:endParaRPr>
-          </a:p>
-        </p:txBody>
-      </p:sp>
-      <p:sp>
-        <p:nvSpPr>
-          <p:cNvPr id="3" name="Content Placeholder 2">
-            <a:extLst>
-              <a:ext uri="{FF2B5EF4-FFF2-40B4-BE49-F238E27FC236}">
-                <a16:creationId xmlns:a16="http://schemas.microsoft.com/office/drawing/2014/main" id="{891C7693-D3DF-4635-96F4-97F3B4136FDF}"/>
-              </a:ext>
-            </a:extLst>
-          </p:cNvPr>
-          <p:cNvSpPr>
-            <a:spLocks noGrp="1"/>
-          </p:cNvSpPr>
-          <p:nvPr>
-            <p:ph idx="1"/>
-          </p:nvPr>
-        </p:nvSpPr>
-        <p:spPr/>
-        <p:txBody>
-          <a:bodyPr>
-            <a:normAutofit fontScale="92500" lnSpcReduction="20000"/>
-          </a:bodyPr>
-          <a:lstStyle/>
-          <a:p>
-            <a:r>
-              <a:rPr lang="tr-TR" dirty="0">
-                <a:latin typeface="Euclid Circular B" panose="020B0504000000000000" pitchFamily="34" charset="0"/>
-                <a:ea typeface="Euclid Circular B" panose="020B0504000000000000" pitchFamily="34" charset="0"/>
-              </a:rPr>
-              <a:t>What is ABP Studio? Why We’ve Built it?</a:t>
-            </a:r>
-          </a:p>
-          <a:p>
-            <a:r>
-              <a:rPr lang="tr-TR" dirty="0">
-                <a:latin typeface="Euclid Circular B" panose="020B0504000000000000" pitchFamily="34" charset="0"/>
-                <a:ea typeface="Euclid Circular B" panose="020B0504000000000000" pitchFamily="34" charset="0"/>
-              </a:rPr>
-              <a:t>Demo</a:t>
-            </a:r>
-          </a:p>
-          <a:p>
-            <a:pPr lvl="1"/>
-            <a:r>
-              <a:rPr lang="tr-TR" dirty="0">
-                <a:latin typeface="Euclid Circular B" panose="020B0504000000000000" pitchFamily="34" charset="0"/>
-                <a:ea typeface="Euclid Circular B" panose="020B0504000000000000" pitchFamily="34" charset="0"/>
-              </a:rPr>
-              <a:t>Installation &amp; Overview</a:t>
-            </a:r>
-          </a:p>
-          <a:p>
-            <a:pPr lvl="1"/>
-            <a:r>
-              <a:rPr lang="tr-TR" dirty="0">
-                <a:latin typeface="Euclid Circular B" panose="020B0504000000000000" pitchFamily="34" charset="0"/>
-                <a:ea typeface="Euclid Circular B" panose="020B0504000000000000" pitchFamily="34" charset="0"/>
-              </a:rPr>
-              <a:t>Basics: </a:t>
-            </a:r>
-            <a:r>
-              <a:rPr lang="tr-TR" b="1" dirty="0">
-                <a:latin typeface="Euclid Circular B" panose="020B0504000000000000" pitchFamily="34" charset="0"/>
-                <a:ea typeface="Euclid Circular B" panose="020B0504000000000000" pitchFamily="34" charset="0"/>
-              </a:rPr>
-              <a:t>Creating </a:t>
-            </a:r>
-            <a:r>
-              <a:rPr lang="tr-TR" dirty="0">
-                <a:latin typeface="Euclid Circular B" panose="020B0504000000000000" pitchFamily="34" charset="0"/>
-                <a:ea typeface="Euclid Circular B" panose="020B0504000000000000" pitchFamily="34" charset="0"/>
-              </a:rPr>
-              <a:t>solutions / Using ABP &amp; .NET CLI commands</a:t>
-            </a:r>
-          </a:p>
-          <a:p>
-            <a:pPr lvl="1"/>
-            <a:r>
-              <a:rPr lang="tr-TR" dirty="0">
-                <a:latin typeface="Euclid Circular B" panose="020B0504000000000000" pitchFamily="34" charset="0"/>
-                <a:ea typeface="Euclid Circular B" panose="020B0504000000000000" pitchFamily="34" charset="0"/>
-              </a:rPr>
-              <a:t>Building </a:t>
-            </a:r>
-            <a:r>
-              <a:rPr lang="tr-TR" b="1" dirty="0">
-                <a:latin typeface="Euclid Circular B" panose="020B0504000000000000" pitchFamily="34" charset="0"/>
-                <a:ea typeface="Euclid Circular B" panose="020B0504000000000000" pitchFamily="34" charset="0"/>
-              </a:rPr>
-              <a:t>modular </a:t>
-            </a:r>
-            <a:r>
-              <a:rPr lang="tr-TR" dirty="0">
-                <a:latin typeface="Euclid Circular B" panose="020B0504000000000000" pitchFamily="34" charset="0"/>
-                <a:ea typeface="Euclid Circular B" panose="020B0504000000000000" pitchFamily="34" charset="0"/>
-              </a:rPr>
-              <a:t>&amp; complex applications</a:t>
-            </a:r>
-          </a:p>
-          <a:p>
-            <a:pPr lvl="1"/>
-            <a:r>
-              <a:rPr lang="tr-TR" dirty="0">
-                <a:latin typeface="Euclid Circular B" panose="020B0504000000000000" pitchFamily="34" charset="0"/>
-                <a:ea typeface="Euclid Circular B" panose="020B0504000000000000" pitchFamily="34" charset="0"/>
-              </a:rPr>
-              <a:t>Developing, running and monitoring </a:t>
-            </a:r>
-            <a:r>
-              <a:rPr lang="tr-TR" b="1" dirty="0">
-                <a:latin typeface="Euclid Circular B" panose="020B0504000000000000" pitchFamily="34" charset="0"/>
-                <a:ea typeface="Euclid Circular B" panose="020B0504000000000000" pitchFamily="34" charset="0"/>
-              </a:rPr>
-              <a:t>distributed dystems</a:t>
-            </a:r>
-          </a:p>
-          <a:p>
-            <a:pPr lvl="1"/>
-            <a:r>
-              <a:rPr lang="tr-TR" dirty="0">
-                <a:latin typeface="Euclid Circular B" panose="020B0504000000000000" pitchFamily="34" charset="0"/>
-                <a:ea typeface="Euclid Circular B" panose="020B0504000000000000" pitchFamily="34" charset="0"/>
-              </a:rPr>
-              <a:t>Working with </a:t>
-            </a:r>
-            <a:r>
-              <a:rPr lang="tr-TR" b="1" dirty="0">
-                <a:latin typeface="Euclid Circular B" panose="020B0504000000000000" pitchFamily="34" charset="0"/>
-                <a:ea typeface="Euclid Circular B" panose="020B0504000000000000" pitchFamily="34" charset="0"/>
-              </a:rPr>
-              <a:t>Kubernetes</a:t>
-            </a:r>
-          </a:p>
-          <a:p>
-            <a:pPr lvl="1"/>
-            <a:r>
-              <a:rPr lang="tr-TR" dirty="0">
-                <a:latin typeface="Euclid Circular B" panose="020B0504000000000000" pitchFamily="34" charset="0"/>
-                <a:ea typeface="Euclid Circular B" panose="020B0504000000000000" pitchFamily="34" charset="0"/>
-              </a:rPr>
-              <a:t>Working with </a:t>
-            </a:r>
-            <a:r>
-              <a:rPr lang="tr-TR" b="1" dirty="0">
-                <a:latin typeface="Euclid Circular B" panose="020B0504000000000000" pitchFamily="34" charset="0"/>
-                <a:ea typeface="Euclid Circular B" panose="020B0504000000000000" pitchFamily="34" charset="0"/>
-              </a:rPr>
-              <a:t>ABP Suite</a:t>
-            </a:r>
-          </a:p>
-          <a:p>
-            <a:r>
-              <a:rPr lang="tr-TR" dirty="0">
-                <a:latin typeface="Euclid Circular B" panose="020B0504000000000000" pitchFamily="34" charset="0"/>
-                <a:ea typeface="Euclid Circular B" panose="020B0504000000000000" pitchFamily="34" charset="0"/>
-              </a:rPr>
-              <a:t>.NET Aspire?</a:t>
-            </a:r>
-          </a:p>
-          <a:p>
-            <a:r>
-              <a:rPr lang="tr-TR" dirty="0">
-                <a:latin typeface="Euclid Circular B" panose="020B0504000000000000" pitchFamily="34" charset="0"/>
-                <a:ea typeface="Euclid Circular B" panose="020B0504000000000000" pitchFamily="34" charset="0"/>
-              </a:rPr>
-              <a:t>Road Map</a:t>
-            </a:r>
-          </a:p>
-          <a:p>
-            <a:r>
-              <a:rPr lang="tr-TR" dirty="0">
-                <a:latin typeface="Euclid Circular B" panose="020B0504000000000000" pitchFamily="34" charset="0"/>
-                <a:ea typeface="Euclid Circular B" panose="020B0504000000000000" pitchFamily="34" charset="0"/>
-              </a:rPr>
-              <a:t>Licensing</a:t>
-            </a:r>
-          </a:p>
-          <a:p>
-            <a:r>
-              <a:rPr lang="tr-TR" dirty="0">
-                <a:latin typeface="Euclid Circular B" panose="020B0504000000000000" pitchFamily="34" charset="0"/>
-                <a:ea typeface="Euclid Circular B" panose="020B0504000000000000" pitchFamily="34" charset="0"/>
-              </a:rPr>
-              <a:t>Next ABP Studio Events</a:t>
-            </a:r>
-            <a:endParaRPr lang="en-US" dirty="0">
-              <a:latin typeface="Euclid Circular B" panose="020B0504000000000000" pitchFamily="34" charset="0"/>
-              <a:ea typeface="Euclid Circular B" panose="020B0504000000000000" pitchFamily="34" charset="0"/>
-            </a:endParaRPr>
-          </a:p>
-        </p:txBody>
-      </p:sp>
-    </p:spTree>
-    <p:extLst>
-      <p:ext uri="{BB962C8B-B14F-4D97-AF65-F5344CB8AC3E}">
-        <p14:creationId xmlns:p14="http://schemas.microsoft.com/office/powerpoint/2010/main" val="721846992"/>
-      </p:ext>
-    </p:extLst>
-  </p:cSld>
-  <p:clrMapOvr>
-    <a:masterClrMapping/>
-  </p:clrMapOvr>
-  <p:timing>
-    <p:tnLst>
-      <p:par>
-        <p:cTn id="1" dur="indefinite" restart="never" nodeType="tmRoot">
-          <p:childTnLst>
-            <p:seq concurrent="1" nextAc="seek">
-              <p:cTn id="2" dur="indefinite" nodeType="mainSeq">
-                <p:childTnLst>
-                  <p:par>
-                    <p:cTn id="3" fill="hold">
-                      <p:stCondLst>
-                        <p:cond delay="indefinite"/>
-                      </p:stCondLst>
-                      <p:childTnLst>
-                        <p:par>
-                          <p:cTn id="4" fill="hold">
-                            <p:stCondLst>
-                              <p:cond delay="0"/>
-                            </p:stCondLst>
-                            <p:childTnLst>
-                              <p:par>
-                                <p:cTn id="5" presetID="10" presetClass="entr" presetSubtype="0" fill="hold" nodeType="clickEffect">
-                                  <p:stCondLst>
-                                    <p:cond delay="0"/>
-                                  </p:stCondLst>
-                                  <p:childTnLst>
-                                    <p:set>
-                                      <p:cBhvr>
-                                        <p:cTn id="6" dur="1" fill="hold">
-                                          <p:stCondLst>
-                                            <p:cond delay="0"/>
-                                          </p:stCondLst>
-                                        </p:cTn>
-                                        <p:tgtEl>
-                                          <p:spTgt spid="3">
-                                            <p:txEl>
-                                              <p:pRg st="0" end="0"/>
-                                            </p:txEl>
-                                          </p:spTgt>
-                                        </p:tgtEl>
-                                        <p:attrNameLst>
-                                          <p:attrName>style.visibility</p:attrName>
-                                        </p:attrNameLst>
-                                      </p:cBhvr>
-                                      <p:to>
-                                        <p:strVal val="visible"/>
-                                      </p:to>
-                                    </p:set>
-                                    <p:animEffect transition="in" filter="fade">
-                                      <p:cBhvr>
-                                        <p:cTn id="7" dur="500"/>
-                                        <p:tgtEl>
-                                          <p:spTgt spid="3">
-                                            <p:txEl>
-                                              <p:pRg st="0" end="0"/>
-                                            </p:txEl>
-                                          </p:spTgt>
-                                        </p:tgtEl>
-                                      </p:cBhvr>
-                                    </p:animEffect>
-                                  </p:childTnLst>
-                                </p:cTn>
-                              </p:par>
-                            </p:childTnLst>
-                          </p:cTn>
-                        </p:par>
-                      </p:childTnLst>
-                    </p:cTn>
-                  </p:par>
-                  <p:par>
-                    <p:cTn id="8" fill="hold">
-                      <p:stCondLst>
-                        <p:cond delay="indefinite"/>
-                      </p:stCondLst>
-                      <p:childTnLst>
-                        <p:par>
-                          <p:cTn id="9" fill="hold">
-                            <p:stCondLst>
-                              <p:cond delay="0"/>
-                            </p:stCondLst>
-                            <p:childTnLst>
-                              <p:par>
-                                <p:cTn id="10" presetID="10" presetClass="entr" presetSubtype="0" fill="hold" nodeType="clickEffect">
-                                  <p:stCondLst>
-                                    <p:cond delay="0"/>
-                                  </p:stCondLst>
-                                  <p:childTnLst>
-                                    <p:set>
-                                      <p:cBhvr>
-                                        <p:cTn id="11" dur="1" fill="hold">
-                                          <p:stCondLst>
-                                            <p:cond delay="0"/>
-                                          </p:stCondLst>
-                                        </p:cTn>
-                                        <p:tgtEl>
-                                          <p:spTgt spid="3">
-                                            <p:txEl>
-                                              <p:pRg st="1" end="1"/>
-                                            </p:txEl>
-                                          </p:spTgt>
-                                        </p:tgtEl>
-                                        <p:attrNameLst>
-                                          <p:attrName>style.visibility</p:attrName>
-                                        </p:attrNameLst>
-                                      </p:cBhvr>
-                                      <p:to>
-                                        <p:strVal val="visible"/>
-                                      </p:to>
-                                    </p:set>
-                                    <p:animEffect transition="in" filter="fade">
-                                      <p:cBhvr>
-                                        <p:cTn id="12" dur="500"/>
-                                        <p:tgtEl>
-                                          <p:spTgt spid="3">
-                                            <p:txEl>
-                                              <p:pRg st="1" end="1"/>
-                                            </p:txEl>
-                                          </p:spTgt>
-                                        </p:tgtEl>
-                                      </p:cBhvr>
-                                    </p:animEffect>
-                                  </p:childTnLst>
-                                </p:cTn>
-                              </p:par>
-                            </p:childTnLst>
-                          </p:cTn>
-                        </p:par>
-                      </p:childTnLst>
-                    </p:cTn>
-                  </p:par>
-                  <p:par>
-                    <p:cTn id="13" fill="hold">
-                      <p:stCondLst>
-                        <p:cond delay="indefinite"/>
-                      </p:stCondLst>
-                      <p:childTnLst>
-                        <p:par>
-                          <p:cTn id="14" fill="hold">
-                            <p:stCondLst>
-                              <p:cond delay="0"/>
-                            </p:stCondLst>
-                            <p:childTnLst>
-                              <p:par>
-                                <p:cTn id="15" presetID="10" presetClass="entr" presetSubtype="0" fill="hold" nodeType="clickEffect">
-                                  <p:stCondLst>
-                                    <p:cond delay="0"/>
-                                  </p:stCondLst>
-                                  <p:childTnLst>
-                                    <p:set>
-                                      <p:cBhvr>
-                                        <p:cTn id="16" dur="1" fill="hold">
-                                          <p:stCondLst>
-                                            <p:cond delay="0"/>
-                                          </p:stCondLst>
-                                        </p:cTn>
-                                        <p:tgtEl>
-                                          <p:spTgt spid="3">
-                                            <p:txEl>
-                                              <p:pRg st="2" end="2"/>
-                                            </p:txEl>
-                                          </p:spTgt>
-                                        </p:tgtEl>
-                                        <p:attrNameLst>
-                                          <p:attrName>style.visibility</p:attrName>
-                                        </p:attrNameLst>
-                                      </p:cBhvr>
-                                      <p:to>
-                                        <p:strVal val="visible"/>
-                                      </p:to>
-                                    </p:set>
-                                    <p:animEffect transition="in" filter="fade">
-                                      <p:cBhvr>
-                                        <p:cTn id="17" dur="500"/>
-                                        <p:tgtEl>
-                                          <p:spTgt spid="3">
-                                            <p:txEl>
-                                              <p:pRg st="2" end="2"/>
-                                            </p:txEl>
-                                          </p:spTgt>
-                                        </p:tgtEl>
-                                      </p:cBhvr>
-                                    </p:animEffect>
-                                  </p:childTnLst>
-                                </p:cTn>
-                              </p:par>
-                            </p:childTnLst>
-                          </p:cTn>
-                        </p:par>
-                      </p:childTnLst>
-                    </p:cTn>
-                  </p:par>
-                  <p:par>
-                    <p:cTn id="18" fill="hold">
-                      <p:stCondLst>
-                        <p:cond delay="indefinite"/>
-                      </p:stCondLst>
-                      <p:childTnLst>
-                        <p:par>
-                          <p:cTn id="19" fill="hold">
-                            <p:stCondLst>
-                              <p:cond delay="0"/>
-                            </p:stCondLst>
-                            <p:childTnLst>
-                              <p:par>
-                                <p:cTn id="20" presetID="10" presetClass="entr" presetSubtype="0" fill="hold" nodeType="clickEffect">
-                                  <p:stCondLst>
-                                    <p:cond delay="0"/>
-                                  </p:stCondLst>
-                                  <p:childTnLst>
-                                    <p:set>
-                                      <p:cBhvr>
-                                        <p:cTn id="21" dur="1" fill="hold">
-                                          <p:stCondLst>
-                                            <p:cond delay="0"/>
-                                          </p:stCondLst>
-                                        </p:cTn>
-                                        <p:tgtEl>
-                                          <p:spTgt spid="3">
-                                            <p:txEl>
-                                              <p:pRg st="3" end="3"/>
-                                            </p:txEl>
-                                          </p:spTgt>
-                                        </p:tgtEl>
-                                        <p:attrNameLst>
-                                          <p:attrName>style.visibility</p:attrName>
-                                        </p:attrNameLst>
-                                      </p:cBhvr>
-                                      <p:to>
-                                        <p:strVal val="visible"/>
-                                      </p:to>
-                                    </p:set>
-                                    <p:animEffect transition="in" filter="fade">
-                                      <p:cBhvr>
-                                        <p:cTn id="22" dur="500"/>
-                                        <p:tgtEl>
-                                          <p:spTgt spid="3">
-                                            <p:txEl>
-                                              <p:pRg st="3" end="3"/>
-                                            </p:txEl>
-                                          </p:spTgt>
-                                        </p:tgtEl>
-                                      </p:cBhvr>
-                                    </p:animEffect>
-                                  </p:childTnLst>
-                                </p:cTn>
-                              </p:par>
-                            </p:childTnLst>
-                          </p:cTn>
-                        </p:par>
-                      </p:childTnLst>
-                    </p:cTn>
-                  </p:par>
-                  <p:par>
-                    <p:cTn id="23" fill="hold">
-                      <p:stCondLst>
-                        <p:cond delay="indefinite"/>
-                      </p:stCondLst>
-                      <p:childTnLst>
-                        <p:par>
-                          <p:cTn id="24" fill="hold">
-                            <p:stCondLst>
-                              <p:cond delay="0"/>
-                            </p:stCondLst>
-                            <p:childTnLst>
-                              <p:par>
-                                <p:cTn id="25" presetID="10" presetClass="entr" presetSubtype="0" fill="hold" nodeType="clickEffect">
-                                  <p:stCondLst>
-                                    <p:cond delay="0"/>
-                                  </p:stCondLst>
-                                  <p:childTnLst>
-                                    <p:set>
-                                      <p:cBhvr>
-                                        <p:cTn id="26" dur="1" fill="hold">
-                                          <p:stCondLst>
-                                            <p:cond delay="0"/>
-                                          </p:stCondLst>
-                                        </p:cTn>
-                                        <p:tgtEl>
-                                          <p:spTgt spid="3">
-                                            <p:txEl>
-                                              <p:pRg st="4" end="4"/>
-                                            </p:txEl>
-                                          </p:spTgt>
-                                        </p:tgtEl>
-                                        <p:attrNameLst>
-                                          <p:attrName>style.visibility</p:attrName>
-                                        </p:attrNameLst>
-                                      </p:cBhvr>
-                                      <p:to>
-                                        <p:strVal val="visible"/>
-                                      </p:to>
-                                    </p:set>
-                                    <p:animEffect transition="in" filter="fade">
-                                      <p:cBhvr>
-                                        <p:cTn id="27" dur="500"/>
-                                        <p:tgtEl>
-                                          <p:spTgt spid="3">
-                                            <p:txEl>
-                                              <p:pRg st="4" end="4"/>
-                                            </p:txEl>
-                                          </p:spTgt>
-                                        </p:tgtEl>
-                                      </p:cBhvr>
-                                    </p:animEffect>
-                                  </p:childTnLst>
-                                </p:cTn>
-                              </p:par>
-                            </p:childTnLst>
-                          </p:cTn>
-                        </p:par>
-                      </p:childTnLst>
-                    </p:cTn>
-                  </p:par>
-                  <p:par>
-                    <p:cTn id="28" fill="hold">
-                      <p:stCondLst>
-                        <p:cond delay="indefinite"/>
-                      </p:stCondLst>
-                      <p:childTnLst>
-                        <p:par>
-                          <p:cTn id="29" fill="hold">
-                            <p:stCondLst>
-                              <p:cond delay="0"/>
-                            </p:stCondLst>
-                            <p:childTnLst>
-                              <p:par>
-                                <p:cTn id="30" presetID="10" presetClass="entr" presetSubtype="0" fill="hold" nodeType="clickEffect">
-                                  <p:stCondLst>
-                                    <p:cond delay="0"/>
-                                  </p:stCondLst>
-                                  <p:childTnLst>
-                                    <p:set>
-                                      <p:cBhvr>
-                                        <p:cTn id="31" dur="1" fill="hold">
-                                          <p:stCondLst>
-                                            <p:cond delay="0"/>
-                                          </p:stCondLst>
-                                        </p:cTn>
-                                        <p:tgtEl>
-                                          <p:spTgt spid="3">
-                                            <p:txEl>
-                                              <p:pRg st="5" end="5"/>
-                                            </p:txEl>
-                                          </p:spTgt>
-                                        </p:tgtEl>
-                                        <p:attrNameLst>
-                                          <p:attrName>style.visibility</p:attrName>
-                                        </p:attrNameLst>
-                                      </p:cBhvr>
-                                      <p:to>
-                                        <p:strVal val="visible"/>
-                                      </p:to>
-                                    </p:set>
-                                    <p:animEffect transition="in" filter="fade">
-                                      <p:cBhvr>
-                                        <p:cTn id="32" dur="500"/>
-                                        <p:tgtEl>
-                                          <p:spTgt spid="3">
-                                            <p:txEl>
-                                              <p:pRg st="5" end="5"/>
-                                            </p:txEl>
-                                          </p:spTgt>
-                                        </p:tgtEl>
-                                      </p:cBhvr>
-                                    </p:animEffect>
-                                  </p:childTnLst>
-                                </p:cTn>
-                              </p:par>
-                            </p:childTnLst>
-                          </p:cTn>
-                        </p:par>
-                      </p:childTnLst>
-                    </p:cTn>
-                  </p:par>
-                  <p:par>
-                    <p:cTn id="33" fill="hold">
-                      <p:stCondLst>
-                        <p:cond delay="indefinite"/>
-                      </p:stCondLst>
-                      <p:childTnLst>
-                        <p:par>
-                          <p:cTn id="34" fill="hold">
-                            <p:stCondLst>
-                              <p:cond delay="0"/>
-                            </p:stCondLst>
-                            <p:childTnLst>
-                              <p:par>
-                                <p:cTn id="35" presetID="10" presetClass="entr" presetSubtype="0" fill="hold" nodeType="clickEffect">
-                                  <p:stCondLst>
-                                    <p:cond delay="0"/>
-                                  </p:stCondLst>
-                                  <p:childTnLst>
-                                    <p:set>
-                                      <p:cBhvr>
-                                        <p:cTn id="36" dur="1" fill="hold">
-                                          <p:stCondLst>
-                                            <p:cond delay="0"/>
-                                          </p:stCondLst>
-                                        </p:cTn>
-                                        <p:tgtEl>
-                                          <p:spTgt spid="3">
-                                            <p:txEl>
-                                              <p:pRg st="6" end="6"/>
-                                            </p:txEl>
-                                          </p:spTgt>
-                                        </p:tgtEl>
-                                        <p:attrNameLst>
-                                          <p:attrName>style.visibility</p:attrName>
-                                        </p:attrNameLst>
-                                      </p:cBhvr>
-                                      <p:to>
-                                        <p:strVal val="visible"/>
-                                      </p:to>
-                                    </p:set>
-                                    <p:animEffect transition="in" filter="fade">
-                                      <p:cBhvr>
-                                        <p:cTn id="37" dur="500"/>
-                                        <p:tgtEl>
-                                          <p:spTgt spid="3">
-                                            <p:txEl>
-                                              <p:pRg st="6" end="6"/>
-                                            </p:txEl>
-                                          </p:spTgt>
-                                        </p:tgtEl>
-                                      </p:cBhvr>
-                                    </p:animEffect>
-                                  </p:childTnLst>
-                                </p:cTn>
-                              </p:par>
-                            </p:childTnLst>
-                          </p:cTn>
-                        </p:par>
-                      </p:childTnLst>
-                    </p:cTn>
-                  </p:par>
-                  <p:par>
-                    <p:cTn id="38" fill="hold">
-                      <p:stCondLst>
-                        <p:cond delay="indefinite"/>
-                      </p:stCondLst>
-                      <p:childTnLst>
-                        <p:par>
-                          <p:cTn id="39" fill="hold">
-                            <p:stCondLst>
-                              <p:cond delay="0"/>
-                            </p:stCondLst>
-                            <p:childTnLst>
-                              <p:par>
-                                <p:cTn id="40" presetID="10" presetClass="entr" presetSubtype="0" fill="hold" nodeType="clickEffect">
-                                  <p:stCondLst>
-                                    <p:cond delay="0"/>
-                                  </p:stCondLst>
-                                  <p:childTnLst>
-                                    <p:set>
-                                      <p:cBhvr>
-                                        <p:cTn id="41" dur="1" fill="hold">
-                                          <p:stCondLst>
-                                            <p:cond delay="0"/>
-                                          </p:stCondLst>
-                                        </p:cTn>
-                                        <p:tgtEl>
-                                          <p:spTgt spid="3">
-                                            <p:txEl>
-                                              <p:pRg st="7" end="7"/>
-                                            </p:txEl>
-                                          </p:spTgt>
-                                        </p:tgtEl>
-                                        <p:attrNameLst>
-                                          <p:attrName>style.visibility</p:attrName>
-                                        </p:attrNameLst>
-                                      </p:cBhvr>
-                                      <p:to>
-                                        <p:strVal val="visible"/>
-                                      </p:to>
-                                    </p:set>
-                                    <p:animEffect transition="in" filter="fade">
-                                      <p:cBhvr>
-                                        <p:cTn id="42" dur="500"/>
-                                        <p:tgtEl>
-                                          <p:spTgt spid="3">
-                                            <p:txEl>
-                                              <p:pRg st="7" end="7"/>
-                                            </p:txEl>
-                                          </p:spTgt>
-                                        </p:tgtEl>
-                                      </p:cBhvr>
-                                    </p:animEffect>
-                                  </p:childTnLst>
-                                </p:cTn>
-                              </p:par>
-                            </p:childTnLst>
-                          </p:cTn>
-                        </p:par>
-                      </p:childTnLst>
-                    </p:cTn>
-                  </p:par>
-                  <p:par>
-                    <p:cTn id="43" fill="hold">
-                      <p:stCondLst>
-                        <p:cond delay="indefinite"/>
-                      </p:stCondLst>
-                      <p:childTnLst>
-                        <p:par>
-                          <p:cTn id="44" fill="hold">
-                            <p:stCondLst>
-                              <p:cond delay="0"/>
-                            </p:stCondLst>
-                            <p:childTnLst>
-                              <p:par>
-                                <p:cTn id="45" presetID="10" presetClass="entr" presetSubtype="0" fill="hold" nodeType="clickEffect">
-                                  <p:stCondLst>
-                                    <p:cond delay="0"/>
-                                  </p:stCondLst>
-                                  <p:childTnLst>
-                                    <p:set>
-                                      <p:cBhvr>
-                                        <p:cTn id="46" dur="1" fill="hold">
-                                          <p:stCondLst>
-                                            <p:cond delay="0"/>
-                                          </p:stCondLst>
-                                        </p:cTn>
-                                        <p:tgtEl>
-                                          <p:spTgt spid="3">
-                                            <p:txEl>
-                                              <p:pRg st="8" end="8"/>
-                                            </p:txEl>
-                                          </p:spTgt>
-                                        </p:tgtEl>
-                                        <p:attrNameLst>
-                                          <p:attrName>style.visibility</p:attrName>
-                                        </p:attrNameLst>
-                                      </p:cBhvr>
-                                      <p:to>
-                                        <p:strVal val="visible"/>
-                                      </p:to>
-                                    </p:set>
-                                    <p:animEffect transition="in" filter="fade">
-                                      <p:cBhvr>
-                                        <p:cTn id="47" dur="500"/>
-                                        <p:tgtEl>
-                                          <p:spTgt spid="3">
-                                            <p:txEl>
-                                              <p:pRg st="8" end="8"/>
-                                            </p:txEl>
-                                          </p:spTgt>
-                                        </p:tgtEl>
-                                      </p:cBhvr>
-                                    </p:animEffect>
-                                  </p:childTnLst>
-                                </p:cTn>
-                              </p:par>
-                            </p:childTnLst>
-                          </p:cTn>
-                        </p:par>
-                      </p:childTnLst>
-                    </p:cTn>
-                  </p:par>
-                  <p:par>
-                    <p:cTn id="48" fill="hold">
-                      <p:stCondLst>
-                        <p:cond delay="indefinite"/>
-                      </p:stCondLst>
-                      <p:childTnLst>
-                        <p:par>
-                          <p:cTn id="49" fill="hold">
-                            <p:stCondLst>
-                              <p:cond delay="0"/>
-                            </p:stCondLst>
-                            <p:childTnLst>
-                              <p:par>
-                                <p:cTn id="50" presetID="10" presetClass="entr" presetSubtype="0" fill="hold" nodeType="clickEffect">
-                                  <p:stCondLst>
-                                    <p:cond delay="0"/>
-                                  </p:stCondLst>
-                                  <p:childTnLst>
-                                    <p:set>
-                                      <p:cBhvr>
-                                        <p:cTn id="51" dur="1" fill="hold">
-                                          <p:stCondLst>
-                                            <p:cond delay="0"/>
-                                          </p:stCondLst>
-                                        </p:cTn>
-                                        <p:tgtEl>
-                                          <p:spTgt spid="3">
-                                            <p:txEl>
-                                              <p:pRg st="9" end="9"/>
-                                            </p:txEl>
-                                          </p:spTgt>
-                                        </p:tgtEl>
-                                        <p:attrNameLst>
-                                          <p:attrName>style.visibility</p:attrName>
-                                        </p:attrNameLst>
-                                      </p:cBhvr>
-                                      <p:to>
-                                        <p:strVal val="visible"/>
-                                      </p:to>
-                                    </p:set>
-                                    <p:animEffect transition="in" filter="fade">
-                                      <p:cBhvr>
-                                        <p:cTn id="52" dur="500"/>
-                                        <p:tgtEl>
-                                          <p:spTgt spid="3">
-                                            <p:txEl>
-                                              <p:pRg st="9" end="9"/>
-                                            </p:txEl>
-                                          </p:spTgt>
-                                        </p:tgtEl>
-                                      </p:cBhvr>
-                                    </p:animEffect>
-                                  </p:childTnLst>
-                                </p:cTn>
-                              </p:par>
-                            </p:childTnLst>
-                          </p:cTn>
-                        </p:par>
-                      </p:childTnLst>
-                    </p:cTn>
-                  </p:par>
-                  <p:par>
-                    <p:cTn id="53" fill="hold">
-                      <p:stCondLst>
-                        <p:cond delay="indefinite"/>
-                      </p:stCondLst>
-                      <p:childTnLst>
-                        <p:par>
-                          <p:cTn id="54" fill="hold">
-                            <p:stCondLst>
-                              <p:cond delay="0"/>
-                            </p:stCondLst>
-                            <p:childTnLst>
-                              <p:par>
-                                <p:cTn id="55" presetID="10" presetClass="entr" presetSubtype="0" fill="hold" nodeType="clickEffect">
-                                  <p:stCondLst>
-                                    <p:cond delay="0"/>
-                                  </p:stCondLst>
-                                  <p:childTnLst>
-                                    <p:set>
-                                      <p:cBhvr>
-                                        <p:cTn id="56" dur="1" fill="hold">
-                                          <p:stCondLst>
-                                            <p:cond delay="0"/>
-                                          </p:stCondLst>
-                                        </p:cTn>
-                                        <p:tgtEl>
-                                          <p:spTgt spid="3">
-                                            <p:txEl>
-                                              <p:pRg st="10" end="10"/>
-                                            </p:txEl>
-                                          </p:spTgt>
-                                        </p:tgtEl>
-                                        <p:attrNameLst>
-                                          <p:attrName>style.visibility</p:attrName>
-                                        </p:attrNameLst>
-                                      </p:cBhvr>
-                                      <p:to>
-                                        <p:strVal val="visible"/>
-                                      </p:to>
-                                    </p:set>
-                                    <p:animEffect transition="in" filter="fade">
-                                      <p:cBhvr>
-                                        <p:cTn id="57" dur="500"/>
-                                        <p:tgtEl>
-                                          <p:spTgt spid="3">
-                                            <p:txEl>
-                                              <p:pRg st="10" end="10"/>
-                                            </p:txEl>
-                                          </p:spTgt>
-                                        </p:tgtEl>
-                                      </p:cBhvr>
-                                    </p:animEffect>
-                                  </p:childTnLst>
-                                </p:cTn>
-                              </p:par>
-                            </p:childTnLst>
-                          </p:cTn>
-                        </p:par>
-                      </p:childTnLst>
-                    </p:cTn>
-                  </p:par>
-                  <p:par>
-                    <p:cTn id="58" fill="hold">
-                      <p:stCondLst>
-                        <p:cond delay="indefinite"/>
-                      </p:stCondLst>
-                      <p:childTnLst>
-                        <p:par>
-                          <p:cTn id="59" fill="hold">
-                            <p:stCondLst>
-                              <p:cond delay="0"/>
-                            </p:stCondLst>
-                            <p:childTnLst>
-                              <p:par>
-                                <p:cTn id="60" presetID="10" presetClass="entr" presetSubtype="0" fill="hold" nodeType="clickEffect">
-                                  <p:stCondLst>
-                                    <p:cond delay="0"/>
-                                  </p:stCondLst>
-                                  <p:childTnLst>
-                                    <p:set>
-                                      <p:cBhvr>
-                                        <p:cTn id="61" dur="1" fill="hold">
-                                          <p:stCondLst>
-                                            <p:cond delay="0"/>
-                                          </p:stCondLst>
-                                        </p:cTn>
-                                        <p:tgtEl>
-                                          <p:spTgt spid="3">
-                                            <p:txEl>
-                                              <p:pRg st="11" end="11"/>
-                                            </p:txEl>
-                                          </p:spTgt>
-                                        </p:tgtEl>
-                                        <p:attrNameLst>
-                                          <p:attrName>style.visibility</p:attrName>
-                                        </p:attrNameLst>
-                                      </p:cBhvr>
-                                      <p:to>
-                                        <p:strVal val="visible"/>
-                                      </p:to>
-                                    </p:set>
-                                    <p:animEffect transition="in" filter="fade">
-                                      <p:cBhvr>
-                                        <p:cTn id="62" dur="500"/>
-                                        <p:tgtEl>
-                                          <p:spTgt spid="3">
-                                            <p:txEl>
-                                              <p:pRg st="11" end="11"/>
-                                            </p:txEl>
-                                          </p:spTgt>
-                                        </p:tgtEl>
-                                      </p:cBhvr>
-                                    </p:animEffect>
-                                  </p:childTnLst>
-                                </p:cTn>
-                              </p:par>
-                            </p:childTnLst>
-                          </p:cTn>
-                        </p:par>
-                      </p:childTnLst>
-                    </p:cTn>
-                  </p:par>
-                </p:childTnLst>
-              </p:cTn>
-              <p:prevCondLst>
-                <p:cond evt="onPrev" delay="0">
-                  <p:tgtEl>
-                    <p:sldTgt/>
-                  </p:tgtEl>
-                </p:cond>
-              </p:prevCondLst>
-              <p:nextCondLst>
-                <p:cond evt="onNext" delay="0">
-                  <p:tgtEl>
-                    <p:sldTgt/>
-                  </p:tgtEl>
-                </p:cond>
-              </p:nextCondLst>
-            </p:seq>
-          </p:childTnLst>
-        </p:cTn>
-      </p:par>
-    </p:tnLst>
-  </p:timing>
-</p:sld>
-</file>
-
-<file path=ppt/slides/slide3.xml><?xml version="1.0" encoding="utf-8"?>
-<p:sld xmlns:a="http://schemas.openxmlformats.org/drawingml/2006/main" xmlns:r="http://schemas.openxmlformats.org/officeDocument/2006/relationships" xmlns:p="http://schemas.openxmlformats.org/presentationml/2006/main">
-  <p:cSld>
-    <p:bg>
-      <p:bgPr>
-        <a:blipFill dpi="0" rotWithShape="1">
-          <a:blip r:embed="rId2">
-            <a:lum/>
-          </a:blip>
-          <a:srcRect/>
-          <a:stretch>
-            <a:fillRect/>
-          </a:stretch>
-        </a:blipFill>
-        <a:effectLst/>
-      </p:bgPr>
-    </p:bg>
-    <p:spTree>
-      <p:nvGrpSpPr>
-        <p:cNvPr id="1" name=""/>
-        <p:cNvGrpSpPr/>
-        <p:nvPr/>
-      </p:nvGrpSpPr>
-      <p:grpSpPr>
-        <a:xfrm>
-          <a:off x="0" y="0"/>
-          <a:ext cx="0" cy="0"/>
-          <a:chOff x="0" y="0"/>
-          <a:chExt cx="0" cy="0"/>
-        </a:xfrm>
-      </p:grpSpPr>
-      <p:sp>
-        <p:nvSpPr>
-          <p:cNvPr id="2" name="Title 1">
-            <a:extLst>
-              <a:ext uri="{FF2B5EF4-FFF2-40B4-BE49-F238E27FC236}">
-                <a16:creationId xmlns:a16="http://schemas.microsoft.com/office/drawing/2014/main" id="{55E11F08-6CA0-48F1-AD67-97430DDA07F0}"/>
-              </a:ext>
-            </a:extLst>
-          </p:cNvPr>
-          <p:cNvSpPr>
-            <a:spLocks noGrp="1"/>
-          </p:cNvSpPr>
-          <p:nvPr>
-            <p:ph type="title"/>
-          </p:nvPr>
-        </p:nvSpPr>
-        <p:spPr/>
-        <p:txBody>
-          <a:bodyPr/>
-          <a:lstStyle/>
-          <a:p>
-            <a:r>
-              <a:rPr lang="tr-TR" b="1" dirty="0">
-                <a:solidFill>
-                  <a:srgbClr val="292D33"/>
-                </a:solidFill>
-                <a:latin typeface="Euclid Circular B" panose="020B0504000000000000" pitchFamily="34" charset="0"/>
-                <a:ea typeface="Euclid Circular B" panose="020B0504000000000000" pitchFamily="34" charset="0"/>
-              </a:rPr>
-              <a:t>ABP Studio: What it is?</a:t>
-            </a:r>
-            <a:endParaRPr lang="en-US" b="1" dirty="0">
-              <a:solidFill>
-                <a:srgbClr val="292D33"/>
-              </a:solidFill>
-              <a:latin typeface="Euclid Circular B" panose="020B0504000000000000" pitchFamily="34" charset="0"/>
-              <a:ea typeface="Euclid Circular B" panose="020B0504000000000000" pitchFamily="34" charset="0"/>
-            </a:endParaRPr>
-          </a:p>
-        </p:txBody>
-      </p:sp>
-      <p:sp>
-        <p:nvSpPr>
-          <p:cNvPr id="3" name="Content Placeholder 2">
-            <a:extLst>
-              <a:ext uri="{FF2B5EF4-FFF2-40B4-BE49-F238E27FC236}">
-                <a16:creationId xmlns:a16="http://schemas.microsoft.com/office/drawing/2014/main" id="{891C7693-D3DF-4635-96F4-97F3B4136FDF}"/>
-              </a:ext>
-            </a:extLst>
-          </p:cNvPr>
-          <p:cNvSpPr>
-            <a:spLocks noGrp="1"/>
-          </p:cNvSpPr>
-          <p:nvPr>
-            <p:ph idx="1"/>
-          </p:nvPr>
-        </p:nvSpPr>
-        <p:spPr>
-          <a:xfrm>
-            <a:off x="838201" y="2321781"/>
-            <a:ext cx="6540610" cy="3855182"/>
-          </a:xfrm>
-        </p:spPr>
-        <p:txBody>
-          <a:bodyPr/>
-          <a:lstStyle/>
-          <a:p>
-            <a:r>
-              <a:rPr lang="tr-TR" i="1" dirty="0">
-                <a:latin typeface="Euclid Circular B" panose="020B0504000000000000" pitchFamily="34" charset="0"/>
-                <a:ea typeface="Euclid Circular B" panose="020B0504000000000000" pitchFamily="34" charset="0"/>
-              </a:rPr>
-              <a:t>A</a:t>
-            </a:r>
-            <a:r>
-              <a:rPr lang="en-US" i="1" dirty="0">
-                <a:latin typeface="Euclid Circular B" panose="020B0504000000000000" pitchFamily="34" charset="0"/>
-                <a:ea typeface="Euclid Circular B" panose="020B0504000000000000" pitchFamily="34" charset="0"/>
-              </a:rPr>
-              <a:t> </a:t>
-            </a:r>
-            <a:r>
-              <a:rPr lang="en-US" b="1" i="1" dirty="0">
-                <a:latin typeface="Euclid Circular B" panose="020B0504000000000000" pitchFamily="34" charset="0"/>
-                <a:ea typeface="Euclid Circular B" panose="020B0504000000000000" pitchFamily="34" charset="0"/>
-              </a:rPr>
-              <a:t>cross-platform desktop application </a:t>
-            </a:r>
-            <a:r>
-              <a:rPr lang="en-US" i="1" dirty="0">
-                <a:latin typeface="Euclid Circular B" panose="020B0504000000000000" pitchFamily="34" charset="0"/>
-                <a:ea typeface="Euclid Circular B" panose="020B0504000000000000" pitchFamily="34" charset="0"/>
-              </a:rPr>
-              <a:t>for ABP developers</a:t>
-            </a:r>
-            <a:endParaRPr lang="tr-TR" i="1" dirty="0">
-              <a:latin typeface="Euclid Circular B" panose="020B0504000000000000" pitchFamily="34" charset="0"/>
-              <a:ea typeface="Euclid Circular B" panose="020B0504000000000000" pitchFamily="34" charset="0"/>
-            </a:endParaRPr>
-          </a:p>
-          <a:p>
-            <a:r>
-              <a:rPr lang="tr-TR" i="1" dirty="0">
-                <a:latin typeface="Euclid Circular B" panose="020B0504000000000000" pitchFamily="34" charset="0"/>
-                <a:ea typeface="Euclid Circular B" panose="020B0504000000000000" pitchFamily="34" charset="0"/>
-              </a:rPr>
-              <a:t>A tool you use daily to simplify or automate your </a:t>
-            </a:r>
-            <a:r>
-              <a:rPr lang="tr-TR" b="1" i="1" dirty="0">
-                <a:latin typeface="Euclid Circular B" panose="020B0504000000000000" pitchFamily="34" charset="0"/>
-                <a:ea typeface="Euclid Circular B" panose="020B0504000000000000" pitchFamily="34" charset="0"/>
-              </a:rPr>
-              <a:t>non-coding activities</a:t>
-            </a:r>
-          </a:p>
-          <a:p>
-            <a:r>
-              <a:rPr lang="tr-TR" i="1" dirty="0">
-                <a:latin typeface="Euclid Circular B" panose="020B0504000000000000" pitchFamily="34" charset="0"/>
-                <a:ea typeface="Euclid Circular B" panose="020B0504000000000000" pitchFamily="34" charset="0"/>
-              </a:rPr>
-              <a:t>It is </a:t>
-            </a:r>
-            <a:r>
-              <a:rPr lang="tr-TR" b="1" i="1" dirty="0">
-                <a:latin typeface="Euclid Circular B" panose="020B0504000000000000" pitchFamily="34" charset="0"/>
-                <a:ea typeface="Euclid Circular B" panose="020B0504000000000000" pitchFamily="34" charset="0"/>
-              </a:rPr>
-              <a:t>not </a:t>
-            </a:r>
-            <a:r>
-              <a:rPr lang="tr-TR" i="1" dirty="0">
-                <a:latin typeface="Euclid Circular B" panose="020B0504000000000000" pitchFamily="34" charset="0"/>
-                <a:ea typeface="Euclid Circular B" panose="020B0504000000000000" pitchFamily="34" charset="0"/>
-              </a:rPr>
-              <a:t>a coding IDE (e.g. Visual Studio)</a:t>
-            </a:r>
-            <a:endParaRPr lang="en-US" i="1" dirty="0">
-              <a:latin typeface="Euclid Circular B" panose="020B0504000000000000" pitchFamily="34" charset="0"/>
-              <a:ea typeface="Euclid Circular B" panose="020B0504000000000000" pitchFamily="34" charset="0"/>
-            </a:endParaRPr>
-          </a:p>
-        </p:txBody>
-      </p:sp>
-      <p:pic>
-        <p:nvPicPr>
-          <p:cNvPr id="1026" name="Picture 2">
-            <a:extLst>
-              <a:ext uri="{FF2B5EF4-FFF2-40B4-BE49-F238E27FC236}">
-                <a16:creationId xmlns:a16="http://schemas.microsoft.com/office/drawing/2014/main" id="{84A98693-51AA-5614-0F0D-B39B67A7E88F}"/>
-              </a:ext>
-            </a:extLst>
-          </p:cNvPr>
-          <p:cNvPicPr>
-            <a:picLocks noChangeAspect="1" noChangeArrowheads="1"/>
-          </p:cNvPicPr>
-          <p:nvPr/>
-        </p:nvPicPr>
-        <p:blipFill>
-          <a:blip r:embed="rId3">
-            <a:extLst>
-              <a:ext uri="{28A0092B-C50C-407E-A947-70E740481C1C}">
-                <a14:useLocalDpi xmlns:a14="http://schemas.microsoft.com/office/drawing/2010/main" val="0"/>
-              </a:ext>
-            </a:extLst>
-          </a:blip>
-          <a:srcRect/>
-          <a:stretch>
-            <a:fillRect/>
-          </a:stretch>
-        </p:blipFill>
-        <p:spPr bwMode="auto">
-          <a:xfrm>
-            <a:off x="7762875" y="1638300"/>
-            <a:ext cx="4429125" cy="3581400"/>
-          </a:xfrm>
-          <a:prstGeom prst="rect">
-            <a:avLst/>
-          </a:prstGeom>
-          <a:noFill/>
-          <a:extLst>
-            <a:ext uri="{909E8E84-426E-40DD-AFC4-6F175D3DCCD1}">
-              <a14:hiddenFill xmlns:a14="http://schemas.microsoft.com/office/drawing/2010/main">
-                <a:solidFill>
-                  <a:srgbClr val="FFFFFF"/>
-                </a:solidFill>
-              </a14:hiddenFill>
-            </a:ext>
-          </a:extLst>
-        </p:spPr>
-      </p:pic>
-    </p:spTree>
-    <p:extLst>
-      <p:ext uri="{BB962C8B-B14F-4D97-AF65-F5344CB8AC3E}">
-        <p14:creationId xmlns:p14="http://schemas.microsoft.com/office/powerpoint/2010/main" val="900287400"/>
-      </p:ext>
-    </p:extLst>
-  </p:cSld>
-  <p:clrMapOvr>
-    <a:masterClrMapping/>
-  </p:clrMapOvr>
-  <p:timing>
-    <p:tnLst>
-      <p:par>
-        <p:cTn id="1" dur="indefinite" restart="never" nodeType="tmRoot">
-          <p:childTnLst>
-            <p:seq concurrent="1" nextAc="seek">
-              <p:cTn id="2" dur="indefinite" nodeType="mainSeq">
-                <p:childTnLst>
-                  <p:par>
-                    <p:cTn id="3" fill="hold">
-                      <p:stCondLst>
-                        <p:cond delay="indefinite"/>
-                      </p:stCondLst>
-                      <p:childTnLst>
-                        <p:par>
-                          <p:cTn id="4" fill="hold">
-                            <p:stCondLst>
-                              <p:cond delay="0"/>
-                            </p:stCondLst>
-                            <p:childTnLst>
-                              <p:par>
-                                <p:cTn id="5" presetID="10" presetClass="entr" presetSubtype="0" fill="hold" nodeType="clickEffect">
-                                  <p:stCondLst>
-                                    <p:cond delay="0"/>
-                                  </p:stCondLst>
-                                  <p:childTnLst>
-                                    <p:set>
-                                      <p:cBhvr>
-                                        <p:cTn id="6" dur="1" fill="hold">
-                                          <p:stCondLst>
-                                            <p:cond delay="0"/>
-                                          </p:stCondLst>
-                                        </p:cTn>
-                                        <p:tgtEl>
-                                          <p:spTgt spid="3">
-                                            <p:txEl>
-                                              <p:pRg st="0" end="0"/>
-                                            </p:txEl>
-                                          </p:spTgt>
-                                        </p:tgtEl>
-                                        <p:attrNameLst>
-                                          <p:attrName>style.visibility</p:attrName>
-                                        </p:attrNameLst>
-                                      </p:cBhvr>
-                                      <p:to>
-                                        <p:strVal val="visible"/>
-                                      </p:to>
-                                    </p:set>
-                                    <p:animEffect transition="in" filter="fade">
-                                      <p:cBhvr>
-                                        <p:cTn id="7" dur="500"/>
-                                        <p:tgtEl>
-                                          <p:spTgt spid="3">
-                                            <p:txEl>
-                                              <p:pRg st="0" end="0"/>
-                                            </p:txEl>
-                                          </p:spTgt>
-                                        </p:tgtEl>
-                                      </p:cBhvr>
-                                    </p:animEffect>
-                                  </p:childTnLst>
-                                </p:cTn>
-                              </p:par>
-                            </p:childTnLst>
-                          </p:cTn>
-                        </p:par>
-                      </p:childTnLst>
-                    </p:cTn>
-                  </p:par>
-                  <p:par>
-                    <p:cTn id="8" fill="hold">
-                      <p:stCondLst>
-                        <p:cond delay="indefinite"/>
-                      </p:stCondLst>
-                      <p:childTnLst>
-                        <p:par>
-                          <p:cTn id="9" fill="hold">
-                            <p:stCondLst>
-                              <p:cond delay="0"/>
-                            </p:stCondLst>
-                            <p:childTnLst>
-                              <p:par>
-                                <p:cTn id="10" presetID="10" presetClass="entr" presetSubtype="0" fill="hold" nodeType="clickEffect">
-                                  <p:stCondLst>
-                                    <p:cond delay="0"/>
-                                  </p:stCondLst>
-                                  <p:childTnLst>
-                                    <p:set>
-                                      <p:cBhvr>
-                                        <p:cTn id="11" dur="1" fill="hold">
-                                          <p:stCondLst>
-                                            <p:cond delay="0"/>
-                                          </p:stCondLst>
-                                        </p:cTn>
-                                        <p:tgtEl>
-                                          <p:spTgt spid="3">
-                                            <p:txEl>
-                                              <p:pRg st="1" end="1"/>
-                                            </p:txEl>
-                                          </p:spTgt>
-                                        </p:tgtEl>
-                                        <p:attrNameLst>
-                                          <p:attrName>style.visibility</p:attrName>
-                                        </p:attrNameLst>
-                                      </p:cBhvr>
-                                      <p:to>
-                                        <p:strVal val="visible"/>
-                                      </p:to>
-                                    </p:set>
-                                    <p:animEffect transition="in" filter="fade">
-                                      <p:cBhvr>
-                                        <p:cTn id="12" dur="500"/>
-                                        <p:tgtEl>
-                                          <p:spTgt spid="3">
-                                            <p:txEl>
-                                              <p:pRg st="1" end="1"/>
-                                            </p:txEl>
-                                          </p:spTgt>
-                                        </p:tgtEl>
-                                      </p:cBhvr>
-                                    </p:animEffect>
-                                  </p:childTnLst>
-                                </p:cTn>
-                              </p:par>
-                            </p:childTnLst>
-                          </p:cTn>
-                        </p:par>
-                      </p:childTnLst>
-                    </p:cTn>
-                  </p:par>
-                  <p:par>
-                    <p:cTn id="13" fill="hold">
-                      <p:stCondLst>
-                        <p:cond delay="indefinite"/>
-                      </p:stCondLst>
-                      <p:childTnLst>
-                        <p:par>
-                          <p:cTn id="14" fill="hold">
-                            <p:stCondLst>
-                              <p:cond delay="0"/>
-                            </p:stCondLst>
-                            <p:childTnLst>
-                              <p:par>
-                                <p:cTn id="15" presetID="10" presetClass="entr" presetSubtype="0" fill="hold" nodeType="clickEffect">
-                                  <p:stCondLst>
-                                    <p:cond delay="0"/>
-                                  </p:stCondLst>
-                                  <p:childTnLst>
-                                    <p:set>
-                                      <p:cBhvr>
-                                        <p:cTn id="16" dur="1" fill="hold">
-                                          <p:stCondLst>
-                                            <p:cond delay="0"/>
-                                          </p:stCondLst>
-                                        </p:cTn>
-                                        <p:tgtEl>
-                                          <p:spTgt spid="3">
-                                            <p:txEl>
-                                              <p:pRg st="2" end="2"/>
-                                            </p:txEl>
-                                          </p:spTgt>
-                                        </p:tgtEl>
-                                        <p:attrNameLst>
-                                          <p:attrName>style.visibility</p:attrName>
-                                        </p:attrNameLst>
-                                      </p:cBhvr>
-                                      <p:to>
-                                        <p:strVal val="visible"/>
-                                      </p:to>
-                                    </p:set>
-                                    <p:animEffect transition="in" filter="fade">
-                                      <p:cBhvr>
-                                        <p:cTn id="17" dur="500"/>
-                                        <p:tgtEl>
-                                          <p:spTgt spid="3">
-                                            <p:txEl>
-                                              <p:pRg st="2" end="2"/>
-                                            </p:txEl>
-                                          </p:spTgt>
-                                        </p:tgtEl>
-                                      </p:cBhvr>
-                                    </p:animEffect>
-                                  </p:childTnLst>
-                                </p:cTn>
-                              </p:par>
-                            </p:childTnLst>
-                          </p:cTn>
-                        </p:par>
-                      </p:childTnLst>
-                    </p:cTn>
-                  </p:par>
-                </p:childTnLst>
-              </p:cTn>
-              <p:prevCondLst>
-                <p:cond evt="onPrev" delay="0">
-                  <p:tgtEl>
-                    <p:sldTgt/>
-                  </p:tgtEl>
-                </p:cond>
-              </p:prevCondLst>
-              <p:nextCondLst>
-                <p:cond evt="onNext" delay="0">
-                  <p:tgtEl>
-                    <p:sldTgt/>
-                  </p:tgtEl>
-                </p:cond>
-              </p:nextCondLst>
-            </p:seq>
-          </p:childTnLst>
-        </p:cTn>
-      </p:par>
-    </p:tnLst>
-  </p:timing>
-</p:sld>
-</file>
-
-<file path=ppt/slides/slide4.xml><?xml version="1.0" encoding="utf-8"?>
-<p:sld xmlns:a="http://schemas.openxmlformats.org/drawingml/2006/main" xmlns:r="http://schemas.openxmlformats.org/officeDocument/2006/relationships" xmlns:p="http://schemas.openxmlformats.org/presentationml/2006/main">
-  <p:cSld>
-    <p:bg>
-      <p:bgPr>
-        <a:blipFill dpi="0" rotWithShape="1">
-          <a:blip r:embed="rId2">
-            <a:lum/>
-          </a:blip>
-          <a:srcRect/>
-          <a:stretch>
-            <a:fillRect/>
-          </a:stretch>
-        </a:blipFill>
-        <a:effectLst/>
-      </p:bgPr>
-    </p:bg>
-    <p:spTree>
-      <p:nvGrpSpPr>
-        <p:cNvPr id="1" name=""/>
-        <p:cNvGrpSpPr/>
-        <p:nvPr/>
-      </p:nvGrpSpPr>
-      <p:grpSpPr>
-        <a:xfrm>
-          <a:off x="0" y="0"/>
-          <a:ext cx="0" cy="0"/>
-          <a:chOff x="0" y="0"/>
-          <a:chExt cx="0" cy="0"/>
-        </a:xfrm>
-      </p:grpSpPr>
-      <p:sp>
-        <p:nvSpPr>
-          <p:cNvPr id="2" name="Title 1">
-            <a:extLst>
-              <a:ext uri="{FF2B5EF4-FFF2-40B4-BE49-F238E27FC236}">
-                <a16:creationId xmlns:a16="http://schemas.microsoft.com/office/drawing/2014/main" id="{55E11F08-6CA0-48F1-AD67-97430DDA07F0}"/>
-              </a:ext>
-            </a:extLst>
-          </p:cNvPr>
-          <p:cNvSpPr>
-            <a:spLocks noGrp="1"/>
-          </p:cNvSpPr>
-          <p:nvPr>
-            <p:ph type="title"/>
-          </p:nvPr>
-        </p:nvSpPr>
-        <p:spPr/>
-        <p:txBody>
-          <a:bodyPr/>
-          <a:lstStyle/>
-          <a:p>
-            <a:r>
-              <a:rPr lang="tr-TR" b="1" dirty="0">
-                <a:solidFill>
-                  <a:srgbClr val="292D33"/>
-                </a:solidFill>
-                <a:latin typeface="Euclid Circular B" panose="020B0504000000000000" pitchFamily="34" charset="0"/>
-                <a:ea typeface="Euclid Circular B" panose="020B0504000000000000" pitchFamily="34" charset="0"/>
-              </a:rPr>
-              <a:t>ABP Studio: Why?</a:t>
-            </a:r>
-            <a:endParaRPr lang="en-US" b="1" dirty="0">
-              <a:solidFill>
-                <a:srgbClr val="292D33"/>
-              </a:solidFill>
-              <a:latin typeface="Euclid Circular B" panose="020B0504000000000000" pitchFamily="34" charset="0"/>
-              <a:ea typeface="Euclid Circular B" panose="020B0504000000000000" pitchFamily="34" charset="0"/>
-            </a:endParaRPr>
-          </a:p>
-        </p:txBody>
-      </p:sp>
-      <p:sp>
-        <p:nvSpPr>
-          <p:cNvPr id="3" name="Content Placeholder 2">
-            <a:extLst>
-              <a:ext uri="{FF2B5EF4-FFF2-40B4-BE49-F238E27FC236}">
-                <a16:creationId xmlns:a16="http://schemas.microsoft.com/office/drawing/2014/main" id="{891C7693-D3DF-4635-96F4-97F3B4136FDF}"/>
-              </a:ext>
-            </a:extLst>
-          </p:cNvPr>
-          <p:cNvSpPr>
-            <a:spLocks noGrp="1"/>
-          </p:cNvSpPr>
-          <p:nvPr>
-            <p:ph idx="1"/>
-          </p:nvPr>
-        </p:nvSpPr>
-        <p:spPr>
-          <a:xfrm>
-            <a:off x="838200" y="1825625"/>
-            <a:ext cx="6659880" cy="4351338"/>
-          </a:xfrm>
-        </p:spPr>
-        <p:txBody>
-          <a:bodyPr>
-            <a:normAutofit/>
-          </a:bodyPr>
-          <a:lstStyle/>
-          <a:p>
-            <a:r>
-              <a:rPr lang="tr-TR" dirty="0">
-                <a:latin typeface="Euclid Circular B" panose="020B0504000000000000" pitchFamily="34" charset="0"/>
-                <a:ea typeface="Euclid Circular B" panose="020B0504000000000000" pitchFamily="34" charset="0"/>
-              </a:rPr>
-              <a:t>A single wiew of a system consists of multiple .NET solutions</a:t>
-            </a:r>
-          </a:p>
-          <a:p>
-            <a:pPr lvl="1"/>
-            <a:r>
-              <a:rPr lang="tr-TR" dirty="0">
-                <a:latin typeface="Euclid Circular B" panose="020B0504000000000000" pitchFamily="34" charset="0"/>
-                <a:ea typeface="Euclid Circular B" panose="020B0504000000000000" pitchFamily="34" charset="0"/>
-              </a:rPr>
-              <a:t>Architecting complex software solutions</a:t>
-            </a:r>
-          </a:p>
-          <a:p>
-            <a:pPr lvl="2"/>
-            <a:r>
-              <a:rPr lang="tr-TR" dirty="0">
-                <a:latin typeface="Euclid Circular B" panose="020B0504000000000000" pitchFamily="34" charset="0"/>
-                <a:ea typeface="Euclid Circular B" panose="020B0504000000000000" pitchFamily="34" charset="0"/>
-              </a:rPr>
-              <a:t>Modular monoliths</a:t>
-            </a:r>
-          </a:p>
-          <a:p>
-            <a:pPr lvl="2"/>
-            <a:r>
-              <a:rPr lang="tr-TR" dirty="0">
-                <a:latin typeface="Euclid Circular B" panose="020B0504000000000000" pitchFamily="34" charset="0"/>
-                <a:ea typeface="Euclid Circular B" panose="020B0504000000000000" pitchFamily="34" charset="0"/>
-              </a:rPr>
-              <a:t>Microservice / distributed systems</a:t>
-            </a:r>
-          </a:p>
-          <a:p>
-            <a:pPr lvl="1"/>
-            <a:r>
-              <a:rPr lang="tr-TR" dirty="0">
-                <a:latin typeface="Euclid Circular B" panose="020B0504000000000000" pitchFamily="34" charset="0"/>
-                <a:ea typeface="Euclid Circular B" panose="020B0504000000000000" pitchFamily="34" charset="0"/>
-              </a:rPr>
-              <a:t>Building &amp; managing multi-package or layered modules</a:t>
-            </a:r>
-          </a:p>
-          <a:p>
-            <a:pPr lvl="1"/>
-            <a:r>
-              <a:rPr lang="tr-TR" dirty="0">
-                <a:latin typeface="Euclid Circular B" panose="020B0504000000000000" pitchFamily="34" charset="0"/>
-                <a:ea typeface="Euclid Circular B" panose="020B0504000000000000" pitchFamily="34" charset="0"/>
-              </a:rPr>
-              <a:t>Install, uninstall and explore external modules</a:t>
-            </a:r>
-          </a:p>
-        </p:txBody>
-      </p:sp>
-      <p:pic>
-        <p:nvPicPr>
-          <p:cNvPr id="2052" name="Picture 4" descr="Architect Your Solutions">
-            <a:extLst>
-              <a:ext uri="{FF2B5EF4-FFF2-40B4-BE49-F238E27FC236}">
-                <a16:creationId xmlns:a16="http://schemas.microsoft.com/office/drawing/2014/main" id="{FDCB98E2-3C88-42D7-A6AC-25FA3E5734DC}"/>
-              </a:ext>
-            </a:extLst>
-          </p:cNvPr>
-          <p:cNvPicPr>
-            <a:picLocks noChangeAspect="1" noChangeArrowheads="1"/>
-          </p:cNvPicPr>
-          <p:nvPr/>
-        </p:nvPicPr>
-        <p:blipFill>
-          <a:blip r:embed="rId3">
-            <a:extLst>
-              <a:ext uri="{28A0092B-C50C-407E-A947-70E740481C1C}">
-                <a14:useLocalDpi xmlns:a14="http://schemas.microsoft.com/office/drawing/2010/main" val="0"/>
-              </a:ext>
-            </a:extLst>
-          </a:blip>
-          <a:srcRect/>
-          <a:stretch>
-            <a:fillRect/>
-          </a:stretch>
-        </p:blipFill>
-        <p:spPr bwMode="auto">
-          <a:xfrm>
-            <a:off x="8140424" y="1095292"/>
-            <a:ext cx="4051576" cy="4667416"/>
-          </a:xfrm>
-          <a:prstGeom prst="rect">
-            <a:avLst/>
-          </a:prstGeom>
-          <a:noFill/>
-          <a:extLst>
-            <a:ext uri="{909E8E84-426E-40DD-AFC4-6F175D3DCCD1}">
-              <a14:hiddenFill xmlns:a14="http://schemas.microsoft.com/office/drawing/2010/main">
-                <a:solidFill>
-                  <a:srgbClr val="FFFFFF"/>
-                </a:solidFill>
-              </a14:hiddenFill>
-            </a:ext>
-          </a:extLst>
-        </p:spPr>
-      </p:pic>
-    </p:spTree>
-    <p:extLst>
-      <p:ext uri="{BB962C8B-B14F-4D97-AF65-F5344CB8AC3E}">
-        <p14:creationId xmlns:p14="http://schemas.microsoft.com/office/powerpoint/2010/main" val="52993536"/>
-      </p:ext>
-    </p:extLst>
-  </p:cSld>
-  <p:clrMapOvr>
-    <a:masterClrMapping/>
-  </p:clrMapOvr>
-  <p:timing>
-    <p:tnLst>
-      <p:par>
-        <p:cTn id="1" dur="indefinite" restart="never" nodeType="tmRoot">
-          <p:childTnLst>
-            <p:seq concurrent="1" nextAc="seek">
-              <p:cTn id="2" dur="indefinite" nodeType="mainSeq">
-                <p:childTnLst>
-                  <p:par>
-                    <p:cTn id="3" fill="hold">
-                      <p:stCondLst>
-                        <p:cond delay="indefinite"/>
-                      </p:stCondLst>
-                      <p:childTnLst>
-                        <p:par>
-                          <p:cTn id="4" fill="hold">
-                            <p:stCondLst>
-                              <p:cond delay="0"/>
-                            </p:stCondLst>
-                            <p:childTnLst>
-                              <p:par>
-                                <p:cTn id="5" presetID="10" presetClass="entr" presetSubtype="0" fill="hold" nodeType="clickEffect">
-                                  <p:stCondLst>
-                                    <p:cond delay="0"/>
-                                  </p:stCondLst>
-                                  <p:childTnLst>
-                                    <p:set>
-                                      <p:cBhvr>
-                                        <p:cTn id="6" dur="1" fill="hold">
-                                          <p:stCondLst>
-                                            <p:cond delay="0"/>
-                                          </p:stCondLst>
-                                        </p:cTn>
-                                        <p:tgtEl>
-                                          <p:spTgt spid="3">
-                                            <p:txEl>
-                                              <p:pRg st="0" end="0"/>
-                                            </p:txEl>
-                                          </p:spTgt>
-                                        </p:tgtEl>
-                                        <p:attrNameLst>
-                                          <p:attrName>style.visibility</p:attrName>
-                                        </p:attrNameLst>
-                                      </p:cBhvr>
-                                      <p:to>
-                                        <p:strVal val="visible"/>
-                                      </p:to>
-                                    </p:set>
-                                    <p:animEffect transition="in" filter="fade">
-                                      <p:cBhvr>
-                                        <p:cTn id="7" dur="500"/>
-                                        <p:tgtEl>
-                                          <p:spTgt spid="3">
-                                            <p:txEl>
-                                              <p:pRg st="0" end="0"/>
-                                            </p:txEl>
-                                          </p:spTgt>
-                                        </p:tgtEl>
-                                      </p:cBhvr>
-                                    </p:animEffect>
-                                  </p:childTnLst>
-                                </p:cTn>
-                              </p:par>
-                            </p:childTnLst>
-                          </p:cTn>
-                        </p:par>
-                      </p:childTnLst>
-                    </p:cTn>
-                  </p:par>
-                  <p:par>
-                    <p:cTn id="8" fill="hold">
-                      <p:stCondLst>
-                        <p:cond delay="indefinite"/>
-                      </p:stCondLst>
-                      <p:childTnLst>
-                        <p:par>
-                          <p:cTn id="9" fill="hold">
-                            <p:stCondLst>
-                              <p:cond delay="0"/>
-                            </p:stCondLst>
-                            <p:childTnLst>
-                              <p:par>
-                                <p:cTn id="10" presetID="10" presetClass="entr" presetSubtype="0" fill="hold" nodeType="clickEffect">
-                                  <p:stCondLst>
-                                    <p:cond delay="0"/>
-                                  </p:stCondLst>
-                                  <p:childTnLst>
-                                    <p:set>
-                                      <p:cBhvr>
-                                        <p:cTn id="11" dur="1" fill="hold">
-                                          <p:stCondLst>
-                                            <p:cond delay="0"/>
-                                          </p:stCondLst>
-                                        </p:cTn>
-                                        <p:tgtEl>
-                                          <p:spTgt spid="3">
-                                            <p:txEl>
-                                              <p:pRg st="1" end="1"/>
-                                            </p:txEl>
-                                          </p:spTgt>
-                                        </p:tgtEl>
-                                        <p:attrNameLst>
-                                          <p:attrName>style.visibility</p:attrName>
-                                        </p:attrNameLst>
-                                      </p:cBhvr>
-                                      <p:to>
-                                        <p:strVal val="visible"/>
-                                      </p:to>
-                                    </p:set>
-                                    <p:animEffect transition="in" filter="fade">
-                                      <p:cBhvr>
-                                        <p:cTn id="12" dur="500"/>
-                                        <p:tgtEl>
-                                          <p:spTgt spid="3">
-                                            <p:txEl>
-                                              <p:pRg st="1" end="1"/>
-                                            </p:txEl>
-                                          </p:spTgt>
-                                        </p:tgtEl>
-                                      </p:cBhvr>
-                                    </p:animEffect>
-                                  </p:childTnLst>
-                                </p:cTn>
-                              </p:par>
-                              <p:par>
-                                <p:cTn id="13" presetID="10" presetClass="entr" presetSubtype="0" fill="hold" nodeType="withEffect">
-                                  <p:stCondLst>
-                                    <p:cond delay="0"/>
-                                  </p:stCondLst>
-                                  <p:childTnLst>
-                                    <p:set>
-                                      <p:cBhvr>
-                                        <p:cTn id="14" dur="1" fill="hold">
-                                          <p:stCondLst>
-                                            <p:cond delay="0"/>
-                                          </p:stCondLst>
-                                        </p:cTn>
-                                        <p:tgtEl>
-                                          <p:spTgt spid="3">
-                                            <p:txEl>
-                                              <p:pRg st="2" end="2"/>
-                                            </p:txEl>
-                                          </p:spTgt>
-                                        </p:tgtEl>
-                                        <p:attrNameLst>
-                                          <p:attrName>style.visibility</p:attrName>
-                                        </p:attrNameLst>
-                                      </p:cBhvr>
-                                      <p:to>
-                                        <p:strVal val="visible"/>
-                                      </p:to>
-                                    </p:set>
-                                    <p:animEffect transition="in" filter="fade">
-                                      <p:cBhvr>
-                                        <p:cTn id="15" dur="500"/>
-                                        <p:tgtEl>
-                                          <p:spTgt spid="3">
-                                            <p:txEl>
-                                              <p:pRg st="2" end="2"/>
-                                            </p:txEl>
-                                          </p:spTgt>
-                                        </p:tgtEl>
-                                      </p:cBhvr>
-                                    </p:animEffect>
-                                  </p:childTnLst>
-                                </p:cTn>
-                              </p:par>
-                              <p:par>
-                                <p:cTn id="16" presetID="10" presetClass="entr" presetSubtype="0" fill="hold" nodeType="withEffect">
-                                  <p:stCondLst>
-                                    <p:cond delay="0"/>
-                                  </p:stCondLst>
-                                  <p:childTnLst>
-                                    <p:set>
-                                      <p:cBhvr>
-                                        <p:cTn id="17" dur="1" fill="hold">
-                                          <p:stCondLst>
-                                            <p:cond delay="0"/>
-                                          </p:stCondLst>
-                                        </p:cTn>
-                                        <p:tgtEl>
-                                          <p:spTgt spid="3">
-                                            <p:txEl>
-                                              <p:pRg st="3" end="3"/>
-                                            </p:txEl>
-                                          </p:spTgt>
-                                        </p:tgtEl>
-                                        <p:attrNameLst>
-                                          <p:attrName>style.visibility</p:attrName>
-                                        </p:attrNameLst>
-                                      </p:cBhvr>
-                                      <p:to>
-                                        <p:strVal val="visible"/>
-                                      </p:to>
-                                    </p:set>
-                                    <p:animEffect transition="in" filter="fade">
-                                      <p:cBhvr>
-                                        <p:cTn id="18" dur="500"/>
-                                        <p:tgtEl>
-                                          <p:spTgt spid="3">
-                                            <p:txEl>
-                                              <p:pRg st="3" end="3"/>
-                                            </p:txEl>
-                                          </p:spTgt>
-                                        </p:tgtEl>
-                                      </p:cBhvr>
-                                    </p:animEffect>
-                                  </p:childTnLst>
-                                </p:cTn>
-                              </p:par>
-                            </p:childTnLst>
-                          </p:cTn>
-                        </p:par>
-                      </p:childTnLst>
-                    </p:cTn>
-                  </p:par>
-                  <p:par>
-                    <p:cTn id="19" fill="hold">
-                      <p:stCondLst>
-                        <p:cond delay="indefinite"/>
-                      </p:stCondLst>
-                      <p:childTnLst>
-                        <p:par>
-                          <p:cTn id="20" fill="hold">
-                            <p:stCondLst>
-                              <p:cond delay="0"/>
-                            </p:stCondLst>
-                            <p:childTnLst>
-                              <p:par>
-                                <p:cTn id="21" presetID="10" presetClass="entr" presetSubtype="0" fill="hold" nodeType="clickEffect">
-                                  <p:stCondLst>
-                                    <p:cond delay="0"/>
-                                  </p:stCondLst>
-                                  <p:childTnLst>
-                                    <p:set>
-                                      <p:cBhvr>
-                                        <p:cTn id="22" dur="1" fill="hold">
-                                          <p:stCondLst>
-                                            <p:cond delay="0"/>
-                                          </p:stCondLst>
-                                        </p:cTn>
-                                        <p:tgtEl>
-                                          <p:spTgt spid="3">
-                                            <p:txEl>
-                                              <p:pRg st="4" end="4"/>
-                                            </p:txEl>
-                                          </p:spTgt>
-                                        </p:tgtEl>
-                                        <p:attrNameLst>
-                                          <p:attrName>style.visibility</p:attrName>
-                                        </p:attrNameLst>
-                                      </p:cBhvr>
-                                      <p:to>
-                                        <p:strVal val="visible"/>
-                                      </p:to>
-                                    </p:set>
-                                    <p:animEffect transition="in" filter="fade">
-                                      <p:cBhvr>
-                                        <p:cTn id="23" dur="500"/>
-                                        <p:tgtEl>
-                                          <p:spTgt spid="3">
-                                            <p:txEl>
-                                              <p:pRg st="4" end="4"/>
-                                            </p:txEl>
-                                          </p:spTgt>
-                                        </p:tgtEl>
-                                      </p:cBhvr>
-                                    </p:animEffect>
-                                  </p:childTnLst>
-                                </p:cTn>
-                              </p:par>
-                            </p:childTnLst>
-                          </p:cTn>
-                        </p:par>
-                      </p:childTnLst>
-                    </p:cTn>
-                  </p:par>
-                  <p:par>
-                    <p:cTn id="24" fill="hold">
-                      <p:stCondLst>
-                        <p:cond delay="indefinite"/>
-                      </p:stCondLst>
-                      <p:childTnLst>
-                        <p:par>
-                          <p:cTn id="25" fill="hold">
-                            <p:stCondLst>
-                              <p:cond delay="0"/>
-                            </p:stCondLst>
-                            <p:childTnLst>
-                              <p:par>
-                                <p:cTn id="26" presetID="10" presetClass="entr" presetSubtype="0" fill="hold" nodeType="clickEffect">
-                                  <p:stCondLst>
-                                    <p:cond delay="0"/>
-                                  </p:stCondLst>
-                                  <p:childTnLst>
-                                    <p:set>
-                                      <p:cBhvr>
-                                        <p:cTn id="27" dur="1" fill="hold">
-                                          <p:stCondLst>
-                                            <p:cond delay="0"/>
-                                          </p:stCondLst>
-                                        </p:cTn>
-                                        <p:tgtEl>
-                                          <p:spTgt spid="3">
-                                            <p:txEl>
-                                              <p:pRg st="5" end="5"/>
-                                            </p:txEl>
-                                          </p:spTgt>
-                                        </p:tgtEl>
-                                        <p:attrNameLst>
-                                          <p:attrName>style.visibility</p:attrName>
-                                        </p:attrNameLst>
-                                      </p:cBhvr>
-                                      <p:to>
-                                        <p:strVal val="visible"/>
-                                      </p:to>
-                                    </p:set>
-                                    <p:animEffect transition="in" filter="fade">
-                                      <p:cBhvr>
-                                        <p:cTn id="28" dur="500"/>
-                                        <p:tgtEl>
-                                          <p:spTgt spid="3">
-                                            <p:txEl>
-                                              <p:pRg st="5" end="5"/>
-                                            </p:txEl>
-                                          </p:spTgt>
-                                        </p:tgtEl>
-                                      </p:cBhvr>
-                                    </p:animEffect>
-                                  </p:childTnLst>
-                                </p:cTn>
-                              </p:par>
-                            </p:childTnLst>
-                          </p:cTn>
-                        </p:par>
-                      </p:childTnLst>
-                    </p:cTn>
-                  </p:par>
-                </p:childTnLst>
-              </p:cTn>
-              <p:prevCondLst>
-                <p:cond evt="onPrev" delay="0">
-                  <p:tgtEl>
-                    <p:sldTgt/>
-                  </p:tgtEl>
-                </p:cond>
-              </p:prevCondLst>
-              <p:nextCondLst>
-                <p:cond evt="onNext" delay="0">
-                  <p:tgtEl>
-                    <p:sldTgt/>
-                  </p:tgtEl>
-                </p:cond>
-              </p:nextCondLst>
-            </p:seq>
-          </p:childTnLst>
-        </p:cTn>
-      </p:par>
-    </p:tnLst>
-  </p:timing>
-</p:sld>
-</file>
-
-<file path=ppt/slides/slide5.xml><?xml version="1.0" encoding="utf-8"?>
-<p:sld xmlns:a="http://schemas.openxmlformats.org/drawingml/2006/main" xmlns:r="http://schemas.openxmlformats.org/officeDocument/2006/relationships" xmlns:p="http://schemas.openxmlformats.org/presentationml/2006/main">
-  <p:cSld>
-    <p:bg>
-      <p:bgPr>
-        <a:blipFill dpi="0" rotWithShape="1">
-          <a:blip r:embed="rId2">
-            <a:lum/>
-          </a:blip>
-          <a:srcRect/>
-          <a:stretch>
-            <a:fillRect/>
-          </a:stretch>
-        </a:blipFill>
-        <a:effectLst/>
-      </p:bgPr>
-    </p:bg>
-    <p:spTree>
-      <p:nvGrpSpPr>
-        <p:cNvPr id="1" name=""/>
-        <p:cNvGrpSpPr/>
-        <p:nvPr/>
-      </p:nvGrpSpPr>
-      <p:grpSpPr>
-        <a:xfrm>
-          <a:off x="0" y="0"/>
-          <a:ext cx="0" cy="0"/>
-          <a:chOff x="0" y="0"/>
-          <a:chExt cx="0" cy="0"/>
-        </a:xfrm>
-      </p:grpSpPr>
-      <p:sp>
-        <p:nvSpPr>
-          <p:cNvPr id="2" name="Title 1">
-            <a:extLst>
-              <a:ext uri="{FF2B5EF4-FFF2-40B4-BE49-F238E27FC236}">
-                <a16:creationId xmlns:a16="http://schemas.microsoft.com/office/drawing/2014/main" id="{55E11F08-6CA0-48F1-AD67-97430DDA07F0}"/>
-              </a:ext>
-            </a:extLst>
-          </p:cNvPr>
-          <p:cNvSpPr>
-            <a:spLocks noGrp="1"/>
-          </p:cNvSpPr>
-          <p:nvPr>
-            <p:ph type="title"/>
-          </p:nvPr>
-        </p:nvSpPr>
-        <p:spPr/>
-        <p:txBody>
-          <a:bodyPr/>
-          <a:lstStyle/>
-          <a:p>
-            <a:r>
-              <a:rPr lang="tr-TR" b="1" dirty="0">
-                <a:solidFill>
-                  <a:srgbClr val="292D33"/>
-                </a:solidFill>
-                <a:latin typeface="Euclid Circular B" panose="020B0504000000000000" pitchFamily="34" charset="0"/>
-                <a:ea typeface="Euclid Circular B" panose="020B0504000000000000" pitchFamily="34" charset="0"/>
-              </a:rPr>
-              <a:t>ABP Studio: Why?</a:t>
-            </a:r>
-            <a:endParaRPr lang="en-US" b="1" dirty="0">
-              <a:solidFill>
-                <a:srgbClr val="292D33"/>
-              </a:solidFill>
-              <a:latin typeface="Euclid Circular B" panose="020B0504000000000000" pitchFamily="34" charset="0"/>
-              <a:ea typeface="Euclid Circular B" panose="020B0504000000000000" pitchFamily="34" charset="0"/>
-            </a:endParaRPr>
-          </a:p>
-        </p:txBody>
-      </p:sp>
-      <p:sp>
-        <p:nvSpPr>
-          <p:cNvPr id="3" name="Content Placeholder 2">
-            <a:extLst>
-              <a:ext uri="{FF2B5EF4-FFF2-40B4-BE49-F238E27FC236}">
-                <a16:creationId xmlns:a16="http://schemas.microsoft.com/office/drawing/2014/main" id="{891C7693-D3DF-4635-96F4-97F3B4136FDF}"/>
-              </a:ext>
-            </a:extLst>
-          </p:cNvPr>
-          <p:cNvSpPr>
-            <a:spLocks noGrp="1"/>
-          </p:cNvSpPr>
-          <p:nvPr>
-            <p:ph idx="1"/>
-          </p:nvPr>
-        </p:nvSpPr>
-        <p:spPr>
-          <a:xfrm>
-            <a:off x="838200" y="1825625"/>
-            <a:ext cx="4361953" cy="4351338"/>
-          </a:xfrm>
-        </p:spPr>
-        <p:txBody>
-          <a:bodyPr>
-            <a:normAutofit/>
-          </a:bodyPr>
-          <a:lstStyle/>
-          <a:p>
-            <a:r>
-              <a:rPr lang="tr-TR" dirty="0">
-                <a:latin typeface="Euclid Circular B" panose="020B0504000000000000" pitchFamily="34" charset="0"/>
-                <a:ea typeface="Euclid Circular B" panose="020B0504000000000000" pitchFamily="34" charset="0"/>
-              </a:rPr>
-              <a:t>A single UI to control multi-application solutions</a:t>
-            </a:r>
-          </a:p>
-          <a:p>
-            <a:pPr lvl="1"/>
-            <a:r>
-              <a:rPr lang="tr-TR" dirty="0">
-                <a:latin typeface="Euclid Circular B" panose="020B0504000000000000" pitchFamily="34" charset="0"/>
-                <a:ea typeface="Euclid Circular B" panose="020B0504000000000000" pitchFamily="34" charset="0"/>
-              </a:rPr>
-              <a:t>Running multiple applications/services with a single click</a:t>
-            </a:r>
-          </a:p>
-          <a:p>
-            <a:pPr lvl="1"/>
-            <a:r>
-              <a:rPr lang="tr-TR" dirty="0">
-                <a:latin typeface="Euclid Circular B" panose="020B0504000000000000" pitchFamily="34" charset="0"/>
-                <a:ea typeface="Euclid Circular B" panose="020B0504000000000000" pitchFamily="34" charset="0"/>
-              </a:rPr>
-              <a:t>Browse, monitor, trace and debug problems across applications/services</a:t>
-            </a:r>
-          </a:p>
-        </p:txBody>
-      </p:sp>
-      <p:pic>
-        <p:nvPicPr>
-          <p:cNvPr id="3074" name="Picture 2" descr="Run Multi-Application or Microservice Solutions in a Breeze">
-            <a:extLst>
-              <a:ext uri="{FF2B5EF4-FFF2-40B4-BE49-F238E27FC236}">
-                <a16:creationId xmlns:a16="http://schemas.microsoft.com/office/drawing/2014/main" id="{00B2B66F-D8AB-063A-4026-055239842ABC}"/>
-              </a:ext>
-            </a:extLst>
-          </p:cNvPr>
-          <p:cNvPicPr>
-            <a:picLocks noChangeAspect="1" noChangeArrowheads="1"/>
-          </p:cNvPicPr>
-          <p:nvPr/>
-        </p:nvPicPr>
-        <p:blipFill>
-          <a:blip r:embed="rId3">
-            <a:extLst>
-              <a:ext uri="{28A0092B-C50C-407E-A947-70E740481C1C}">
-                <a14:useLocalDpi xmlns:a14="http://schemas.microsoft.com/office/drawing/2010/main" val="0"/>
-              </a:ext>
-            </a:extLst>
-          </a:blip>
-          <a:srcRect/>
-          <a:stretch>
-            <a:fillRect/>
-          </a:stretch>
-        </p:blipFill>
-        <p:spPr bwMode="auto">
-          <a:xfrm>
-            <a:off x="5929022" y="365125"/>
-            <a:ext cx="11692379" cy="5696990"/>
-          </a:xfrm>
-          <a:prstGeom prst="rect">
-            <a:avLst/>
-          </a:prstGeom>
-          <a:noFill/>
-          <a:extLst>
-            <a:ext uri="{909E8E84-426E-40DD-AFC4-6F175D3DCCD1}">
-              <a14:hiddenFill xmlns:a14="http://schemas.microsoft.com/office/drawing/2010/main">
-                <a:solidFill>
-                  <a:srgbClr val="FFFFFF"/>
-                </a:solidFill>
-              </a14:hiddenFill>
-            </a:ext>
-          </a:extLst>
-        </p:spPr>
-      </p:pic>
-    </p:spTree>
-    <p:extLst>
-      <p:ext uri="{BB962C8B-B14F-4D97-AF65-F5344CB8AC3E}">
-        <p14:creationId xmlns:p14="http://schemas.microsoft.com/office/powerpoint/2010/main" val="3429267677"/>
-      </p:ext>
-    </p:extLst>
-  </p:cSld>
-  <p:clrMapOvr>
-    <a:masterClrMapping/>
-  </p:clrMapOvr>
-  <p:timing>
-    <p:tnLst>
-      <p:par>
-        <p:cTn id="1" dur="indefinite" restart="never" nodeType="tmRoot">
-          <p:childTnLst>
-            <p:seq concurrent="1" nextAc="seek">
-              <p:cTn id="2" dur="indefinite" nodeType="mainSeq">
-                <p:childTnLst>
-                  <p:par>
-                    <p:cTn id="3" fill="hold">
-                      <p:stCondLst>
-                        <p:cond delay="indefinite"/>
-                      </p:stCondLst>
-                      <p:childTnLst>
-                        <p:par>
-                          <p:cTn id="4" fill="hold">
-                            <p:stCondLst>
-                              <p:cond delay="0"/>
-                            </p:stCondLst>
-                            <p:childTnLst>
-                              <p:par>
-                                <p:cTn id="5" presetID="10" presetClass="entr" presetSubtype="0" fill="hold" nodeType="clickEffect">
-                                  <p:stCondLst>
-                                    <p:cond delay="0"/>
-                                  </p:stCondLst>
-                                  <p:childTnLst>
-                                    <p:set>
-                                      <p:cBhvr>
-                                        <p:cTn id="6" dur="1" fill="hold">
-                                          <p:stCondLst>
-                                            <p:cond delay="0"/>
-                                          </p:stCondLst>
-                                        </p:cTn>
-                                        <p:tgtEl>
-                                          <p:spTgt spid="3">
-                                            <p:txEl>
-                                              <p:pRg st="0" end="0"/>
-                                            </p:txEl>
-                                          </p:spTgt>
-                                        </p:tgtEl>
-                                        <p:attrNameLst>
-                                          <p:attrName>style.visibility</p:attrName>
-                                        </p:attrNameLst>
-                                      </p:cBhvr>
-                                      <p:to>
-                                        <p:strVal val="visible"/>
-                                      </p:to>
-                                    </p:set>
-                                    <p:animEffect transition="in" filter="fade">
-                                      <p:cBhvr>
-                                        <p:cTn id="7" dur="500"/>
-                                        <p:tgtEl>
-                                          <p:spTgt spid="3">
-                                            <p:txEl>
-                                              <p:pRg st="0" end="0"/>
-                                            </p:txEl>
-                                          </p:spTgt>
-                                        </p:tgtEl>
-                                      </p:cBhvr>
-                                    </p:animEffect>
-                                  </p:childTnLst>
-                                </p:cTn>
-                              </p:par>
-                            </p:childTnLst>
-                          </p:cTn>
-                        </p:par>
-                      </p:childTnLst>
-                    </p:cTn>
-                  </p:par>
-                  <p:par>
-                    <p:cTn id="8" fill="hold">
-                      <p:stCondLst>
-                        <p:cond delay="indefinite"/>
-                      </p:stCondLst>
-                      <p:childTnLst>
-                        <p:par>
-                          <p:cTn id="9" fill="hold">
-                            <p:stCondLst>
-                              <p:cond delay="0"/>
-                            </p:stCondLst>
-                            <p:childTnLst>
-                              <p:par>
-                                <p:cTn id="10" presetID="10" presetClass="entr" presetSubtype="0" fill="hold" nodeType="clickEffect">
-                                  <p:stCondLst>
-                                    <p:cond delay="0"/>
-                                  </p:stCondLst>
-                                  <p:childTnLst>
-                                    <p:set>
-                                      <p:cBhvr>
-                                        <p:cTn id="11" dur="1" fill="hold">
-                                          <p:stCondLst>
-                                            <p:cond delay="0"/>
-                                          </p:stCondLst>
-                                        </p:cTn>
-                                        <p:tgtEl>
-                                          <p:spTgt spid="3">
-                                            <p:txEl>
-                                              <p:pRg st="1" end="1"/>
-                                            </p:txEl>
-                                          </p:spTgt>
-                                        </p:tgtEl>
-                                        <p:attrNameLst>
-                                          <p:attrName>style.visibility</p:attrName>
-                                        </p:attrNameLst>
-                                      </p:cBhvr>
-                                      <p:to>
-                                        <p:strVal val="visible"/>
-                                      </p:to>
-                                    </p:set>
-                                    <p:animEffect transition="in" filter="fade">
-                                      <p:cBhvr>
-                                        <p:cTn id="12" dur="500"/>
-                                        <p:tgtEl>
-                                          <p:spTgt spid="3">
-                                            <p:txEl>
-                                              <p:pRg st="1" end="1"/>
-                                            </p:txEl>
-                                          </p:spTgt>
-                                        </p:tgtEl>
-                                      </p:cBhvr>
-                                    </p:animEffect>
-                                  </p:childTnLst>
-                                </p:cTn>
-                              </p:par>
-                            </p:childTnLst>
-                          </p:cTn>
-                        </p:par>
-                      </p:childTnLst>
-                    </p:cTn>
-                  </p:par>
-                  <p:par>
-                    <p:cTn id="13" fill="hold">
-                      <p:stCondLst>
-                        <p:cond delay="indefinite"/>
-                      </p:stCondLst>
-                      <p:childTnLst>
-                        <p:par>
-                          <p:cTn id="14" fill="hold">
-                            <p:stCondLst>
-                              <p:cond delay="0"/>
-                            </p:stCondLst>
-                            <p:childTnLst>
-                              <p:par>
-                                <p:cTn id="15" presetID="10" presetClass="entr" presetSubtype="0" fill="hold" nodeType="clickEffect">
-                                  <p:stCondLst>
-                                    <p:cond delay="0"/>
-                                  </p:stCondLst>
-                                  <p:childTnLst>
-                                    <p:set>
-                                      <p:cBhvr>
-                                        <p:cTn id="16" dur="1" fill="hold">
-                                          <p:stCondLst>
-                                            <p:cond delay="0"/>
-                                          </p:stCondLst>
-                                        </p:cTn>
-                                        <p:tgtEl>
-                                          <p:spTgt spid="3">
-                                            <p:txEl>
-                                              <p:pRg st="2" end="2"/>
-                                            </p:txEl>
-                                          </p:spTgt>
-                                        </p:tgtEl>
-                                        <p:attrNameLst>
-                                          <p:attrName>style.visibility</p:attrName>
-                                        </p:attrNameLst>
-                                      </p:cBhvr>
-                                      <p:to>
-                                        <p:strVal val="visible"/>
-                                      </p:to>
-                                    </p:set>
-                                    <p:animEffect transition="in" filter="fade">
-                                      <p:cBhvr>
-                                        <p:cTn id="17" dur="500"/>
-                                        <p:tgtEl>
-                                          <p:spTgt spid="3">
-                                            <p:txEl>
-                                              <p:pRg st="2" end="2"/>
-                                            </p:txEl>
-                                          </p:spTgt>
-                                        </p:tgtEl>
-                                      </p:cBhvr>
-                                    </p:animEffect>
-                                  </p:childTnLst>
-                                </p:cTn>
-                              </p:par>
-                            </p:childTnLst>
-                          </p:cTn>
-                        </p:par>
-                      </p:childTnLst>
-                    </p:cTn>
-                  </p:par>
-                </p:childTnLst>
-              </p:cTn>
-              <p:prevCondLst>
-                <p:cond evt="onPrev" delay="0">
-                  <p:tgtEl>
-                    <p:sldTgt/>
-                  </p:tgtEl>
-                </p:cond>
-              </p:prevCondLst>
-              <p:nextCondLst>
-                <p:cond evt="onNext" delay="0">
-                  <p:tgtEl>
-                    <p:sldTgt/>
-                  </p:tgtEl>
-                </p:cond>
-              </p:nextCondLst>
-            </p:seq>
-          </p:childTnLst>
-        </p:cTn>
-      </p:par>
-    </p:tnLst>
-  </p:timing>
-</p:sld>
-</file>
-
-<file path=ppt/slides/slide6.xml><?xml version="1.0" encoding="utf-8"?>
-<p:sld xmlns:a="http://schemas.openxmlformats.org/drawingml/2006/main" xmlns:r="http://schemas.openxmlformats.org/officeDocument/2006/relationships" xmlns:p="http://schemas.openxmlformats.org/presentationml/2006/main">
-  <p:cSld>
-    <p:bg>
-      <p:bgPr>
-        <a:blipFill dpi="0" rotWithShape="1">
-          <a:blip r:embed="rId2">
-            <a:lum/>
-          </a:blip>
-          <a:srcRect/>
-          <a:stretch>
-            <a:fillRect/>
-          </a:stretch>
-        </a:blipFill>
-        <a:effectLst/>
-      </p:bgPr>
-    </p:bg>
-    <p:spTree>
-      <p:nvGrpSpPr>
-        <p:cNvPr id="1" name=""/>
-        <p:cNvGrpSpPr/>
-        <p:nvPr/>
-      </p:nvGrpSpPr>
-      <p:grpSpPr>
-        <a:xfrm>
-          <a:off x="0" y="0"/>
-          <a:ext cx="0" cy="0"/>
-          <a:chOff x="0" y="0"/>
-          <a:chExt cx="0" cy="0"/>
-        </a:xfrm>
-      </p:grpSpPr>
-      <p:sp>
-        <p:nvSpPr>
-          <p:cNvPr id="2" name="Title 1">
-            <a:extLst>
-              <a:ext uri="{FF2B5EF4-FFF2-40B4-BE49-F238E27FC236}">
-                <a16:creationId xmlns:a16="http://schemas.microsoft.com/office/drawing/2014/main" id="{55E11F08-6CA0-48F1-AD67-97430DDA07F0}"/>
-              </a:ext>
-            </a:extLst>
-          </p:cNvPr>
-          <p:cNvSpPr>
-            <a:spLocks noGrp="1"/>
-          </p:cNvSpPr>
-          <p:nvPr>
-            <p:ph type="title"/>
-          </p:nvPr>
-        </p:nvSpPr>
-        <p:spPr/>
-        <p:txBody>
-          <a:bodyPr/>
-          <a:lstStyle/>
-          <a:p>
-            <a:r>
-              <a:rPr lang="tr-TR" b="1" dirty="0">
-                <a:solidFill>
-                  <a:srgbClr val="292D33"/>
-                </a:solidFill>
-                <a:latin typeface="Euclid Circular B" panose="020B0504000000000000" pitchFamily="34" charset="0"/>
-                <a:ea typeface="Euclid Circular B" panose="020B0504000000000000" pitchFamily="34" charset="0"/>
-              </a:rPr>
-              <a:t>ABP Studio: Why?</a:t>
-            </a:r>
-            <a:endParaRPr lang="en-US" b="1" dirty="0">
-              <a:solidFill>
-                <a:srgbClr val="292D33"/>
-              </a:solidFill>
-              <a:latin typeface="Euclid Circular B" panose="020B0504000000000000" pitchFamily="34" charset="0"/>
-              <a:ea typeface="Euclid Circular B" panose="020B0504000000000000" pitchFamily="34" charset="0"/>
-            </a:endParaRPr>
-          </a:p>
-        </p:txBody>
-      </p:sp>
-      <p:sp>
-        <p:nvSpPr>
-          <p:cNvPr id="3" name="Content Placeholder 2">
-            <a:extLst>
-              <a:ext uri="{FF2B5EF4-FFF2-40B4-BE49-F238E27FC236}">
-                <a16:creationId xmlns:a16="http://schemas.microsoft.com/office/drawing/2014/main" id="{891C7693-D3DF-4635-96F4-97F3B4136FDF}"/>
-              </a:ext>
-            </a:extLst>
-          </p:cNvPr>
-          <p:cNvSpPr>
-            <a:spLocks noGrp="1"/>
-          </p:cNvSpPr>
-          <p:nvPr>
-            <p:ph idx="1"/>
-          </p:nvPr>
-        </p:nvSpPr>
-        <p:spPr>
-          <a:xfrm>
-            <a:off x="838199" y="1825625"/>
-            <a:ext cx="6024513" cy="4351338"/>
-          </a:xfrm>
-        </p:spPr>
-        <p:txBody>
-          <a:bodyPr>
-            <a:normAutofit/>
-          </a:bodyPr>
-          <a:lstStyle/>
-          <a:p>
-            <a:r>
-              <a:rPr lang="tr-TR" dirty="0">
-                <a:latin typeface="Euclid Circular B" panose="020B0504000000000000" pitchFamily="34" charset="0"/>
-                <a:ea typeface="Euclid Circular B" panose="020B0504000000000000" pitchFamily="34" charset="0"/>
-              </a:rPr>
-              <a:t>A comfortable development environment for Kubernetes</a:t>
-            </a:r>
-          </a:p>
-          <a:p>
-            <a:pPr lvl="1"/>
-            <a:r>
-              <a:rPr lang="tr-TR" dirty="0">
-                <a:latin typeface="Euclid Circular B" panose="020B0504000000000000" pitchFamily="34" charset="0"/>
-                <a:ea typeface="Euclid Circular B" panose="020B0504000000000000" pitchFamily="34" charset="0"/>
-              </a:rPr>
-              <a:t>Seemlessly integrate your local environment to a Kubernetes cluster</a:t>
-            </a:r>
-          </a:p>
-          <a:p>
-            <a:pPr lvl="1"/>
-            <a:r>
-              <a:rPr lang="tr-TR" dirty="0">
-                <a:latin typeface="Euclid Circular B" panose="020B0504000000000000" pitchFamily="34" charset="0"/>
-                <a:ea typeface="Euclid Circular B" panose="020B0504000000000000" pitchFamily="34" charset="0"/>
-              </a:rPr>
-              <a:t>Access internal services</a:t>
-            </a:r>
-          </a:p>
-          <a:p>
-            <a:pPr lvl="1"/>
-            <a:r>
-              <a:rPr lang="tr-TR" dirty="0">
-                <a:latin typeface="Euclid Circular B" panose="020B0504000000000000" pitchFamily="34" charset="0"/>
-                <a:ea typeface="Euclid Circular B" panose="020B0504000000000000" pitchFamily="34" charset="0"/>
-              </a:rPr>
-              <a:t>Intercept traffic to run, debug and develop a service in your local environment</a:t>
-            </a:r>
-            <a:endParaRPr lang="en-US" dirty="0">
-              <a:latin typeface="Euclid Circular B" panose="020B0504000000000000" pitchFamily="34" charset="0"/>
-              <a:ea typeface="Euclid Circular B" panose="020B0504000000000000" pitchFamily="34" charset="0"/>
-            </a:endParaRPr>
-          </a:p>
-        </p:txBody>
-      </p:sp>
-      <p:pic>
-        <p:nvPicPr>
-          <p:cNvPr id="4098" name="Picture 2" descr="Integrate with your Kubernetes Cluster">
-            <a:extLst>
-              <a:ext uri="{FF2B5EF4-FFF2-40B4-BE49-F238E27FC236}">
-                <a16:creationId xmlns:a16="http://schemas.microsoft.com/office/drawing/2014/main" id="{51893D6F-78D0-6295-A235-FAA41A6F8378}"/>
-              </a:ext>
-            </a:extLst>
-          </p:cNvPr>
-          <p:cNvPicPr>
-            <a:picLocks noChangeAspect="1" noChangeArrowheads="1"/>
-          </p:cNvPicPr>
-          <p:nvPr/>
-        </p:nvPicPr>
-        <p:blipFill>
-          <a:blip r:embed="rId3">
-            <a:extLst>
-              <a:ext uri="{28A0092B-C50C-407E-A947-70E740481C1C}">
-                <a14:useLocalDpi xmlns:a14="http://schemas.microsoft.com/office/drawing/2010/main" val="0"/>
-              </a:ext>
-            </a:extLst>
-          </a:blip>
-          <a:srcRect/>
-          <a:stretch>
-            <a:fillRect/>
-          </a:stretch>
-        </p:blipFill>
-        <p:spPr bwMode="auto">
-          <a:xfrm>
-            <a:off x="7360920" y="678613"/>
-            <a:ext cx="4831080" cy="5373395"/>
-          </a:xfrm>
-          <a:prstGeom prst="rect">
-            <a:avLst/>
-          </a:prstGeom>
-          <a:noFill/>
-          <a:extLst>
-            <a:ext uri="{909E8E84-426E-40DD-AFC4-6F175D3DCCD1}">
-              <a14:hiddenFill xmlns:a14="http://schemas.microsoft.com/office/drawing/2010/main">
-                <a:solidFill>
-                  <a:srgbClr val="FFFFFF"/>
-                </a:solidFill>
-              </a14:hiddenFill>
-            </a:ext>
-          </a:extLst>
-        </p:spPr>
-      </p:pic>
-    </p:spTree>
-    <p:extLst>
-      <p:ext uri="{BB962C8B-B14F-4D97-AF65-F5344CB8AC3E}">
-        <p14:creationId xmlns:p14="http://schemas.microsoft.com/office/powerpoint/2010/main" val="3571708833"/>
-      </p:ext>
-    </p:extLst>
-  </p:cSld>
-  <p:clrMapOvr>
-    <a:masterClrMapping/>
-  </p:clrMapOvr>
-  <p:timing>
-    <p:tnLst>
-      <p:par>
-        <p:cTn id="1" dur="indefinite" restart="never" nodeType="tmRoot">
-          <p:childTnLst>
-            <p:seq concurrent="1" nextAc="seek">
-              <p:cTn id="2" dur="indefinite" nodeType="mainSeq">
-                <p:childTnLst>
-                  <p:par>
-                    <p:cTn id="3" fill="hold">
-                      <p:stCondLst>
-                        <p:cond delay="indefinite"/>
-                      </p:stCondLst>
-                      <p:childTnLst>
-                        <p:par>
-                          <p:cTn id="4" fill="hold">
-                            <p:stCondLst>
-                              <p:cond delay="0"/>
-                            </p:stCondLst>
-                            <p:childTnLst>
-                              <p:par>
-                                <p:cTn id="5" presetID="10" presetClass="entr" presetSubtype="0" fill="hold" nodeType="clickEffect">
-                                  <p:stCondLst>
-                                    <p:cond delay="0"/>
-                                  </p:stCondLst>
-                                  <p:childTnLst>
-                                    <p:set>
-                                      <p:cBhvr>
-                                        <p:cTn id="6" dur="1" fill="hold">
-                                          <p:stCondLst>
-                                            <p:cond delay="0"/>
-                                          </p:stCondLst>
-                                        </p:cTn>
-                                        <p:tgtEl>
-                                          <p:spTgt spid="3">
-                                            <p:txEl>
-                                              <p:pRg st="0" end="0"/>
-                                            </p:txEl>
-                                          </p:spTgt>
-                                        </p:tgtEl>
-                                        <p:attrNameLst>
-                                          <p:attrName>style.visibility</p:attrName>
-                                        </p:attrNameLst>
-                                      </p:cBhvr>
-                                      <p:to>
-                                        <p:strVal val="visible"/>
-                                      </p:to>
-                                    </p:set>
-                                    <p:animEffect transition="in" filter="fade">
-                                      <p:cBhvr>
-                                        <p:cTn id="7" dur="500"/>
-                                        <p:tgtEl>
-                                          <p:spTgt spid="3">
-                                            <p:txEl>
-                                              <p:pRg st="0" end="0"/>
-                                            </p:txEl>
-                                          </p:spTgt>
-                                        </p:tgtEl>
-                                      </p:cBhvr>
-                                    </p:animEffect>
-                                  </p:childTnLst>
-                                </p:cTn>
-                              </p:par>
-                            </p:childTnLst>
-                          </p:cTn>
-                        </p:par>
-                      </p:childTnLst>
-                    </p:cTn>
-                  </p:par>
-                  <p:par>
-                    <p:cTn id="8" fill="hold">
-                      <p:stCondLst>
-                        <p:cond delay="indefinite"/>
-                      </p:stCondLst>
-                      <p:childTnLst>
-                        <p:par>
-                          <p:cTn id="9" fill="hold">
-                            <p:stCondLst>
-                              <p:cond delay="0"/>
-                            </p:stCondLst>
-                            <p:childTnLst>
-                              <p:par>
-                                <p:cTn id="10" presetID="10" presetClass="entr" presetSubtype="0" fill="hold" nodeType="clickEffect">
-                                  <p:stCondLst>
-                                    <p:cond delay="0"/>
-                                  </p:stCondLst>
-                                  <p:childTnLst>
-                                    <p:set>
-                                      <p:cBhvr>
-                                        <p:cTn id="11" dur="1" fill="hold">
-                                          <p:stCondLst>
-                                            <p:cond delay="0"/>
-                                          </p:stCondLst>
-                                        </p:cTn>
-                                        <p:tgtEl>
-                                          <p:spTgt spid="3">
-                                            <p:txEl>
-                                              <p:pRg st="1" end="1"/>
-                                            </p:txEl>
-                                          </p:spTgt>
-                                        </p:tgtEl>
-                                        <p:attrNameLst>
-                                          <p:attrName>style.visibility</p:attrName>
-                                        </p:attrNameLst>
-                                      </p:cBhvr>
-                                      <p:to>
-                                        <p:strVal val="visible"/>
-                                      </p:to>
-                                    </p:set>
-                                    <p:animEffect transition="in" filter="fade">
-                                      <p:cBhvr>
-                                        <p:cTn id="12" dur="500"/>
-                                        <p:tgtEl>
-                                          <p:spTgt spid="3">
-                                            <p:txEl>
-                                              <p:pRg st="1" end="1"/>
-                                            </p:txEl>
-                                          </p:spTgt>
-                                        </p:tgtEl>
-                                      </p:cBhvr>
-                                    </p:animEffect>
-                                  </p:childTnLst>
-                                </p:cTn>
-                              </p:par>
-                            </p:childTnLst>
-                          </p:cTn>
-                        </p:par>
-                      </p:childTnLst>
-                    </p:cTn>
-                  </p:par>
-                  <p:par>
-                    <p:cTn id="13" fill="hold">
-                      <p:stCondLst>
-                        <p:cond delay="indefinite"/>
-                      </p:stCondLst>
-                      <p:childTnLst>
-                        <p:par>
-                          <p:cTn id="14" fill="hold">
-                            <p:stCondLst>
-                              <p:cond delay="0"/>
-                            </p:stCondLst>
-                            <p:childTnLst>
-                              <p:par>
-                                <p:cTn id="15" presetID="10" presetClass="entr" presetSubtype="0" fill="hold" nodeType="clickEffect">
-                                  <p:stCondLst>
-                                    <p:cond delay="0"/>
-                                  </p:stCondLst>
-                                  <p:childTnLst>
-                                    <p:set>
-                                      <p:cBhvr>
-                                        <p:cTn id="16" dur="1" fill="hold">
-                                          <p:stCondLst>
-                                            <p:cond delay="0"/>
-                                          </p:stCondLst>
-                                        </p:cTn>
-                                        <p:tgtEl>
-                                          <p:spTgt spid="3">
-                                            <p:txEl>
-                                              <p:pRg st="2" end="2"/>
-                                            </p:txEl>
-                                          </p:spTgt>
-                                        </p:tgtEl>
-                                        <p:attrNameLst>
-                                          <p:attrName>style.visibility</p:attrName>
-                                        </p:attrNameLst>
-                                      </p:cBhvr>
-                                      <p:to>
-                                        <p:strVal val="visible"/>
-                                      </p:to>
-                                    </p:set>
-                                    <p:animEffect transition="in" filter="fade">
-                                      <p:cBhvr>
-                                        <p:cTn id="17" dur="500"/>
-                                        <p:tgtEl>
-                                          <p:spTgt spid="3">
-                                            <p:txEl>
-                                              <p:pRg st="2" end="2"/>
-                                            </p:txEl>
-                                          </p:spTgt>
-                                        </p:tgtEl>
-                                      </p:cBhvr>
-                                    </p:animEffect>
-                                  </p:childTnLst>
-                                </p:cTn>
-                              </p:par>
-                            </p:childTnLst>
-                          </p:cTn>
-                        </p:par>
-                      </p:childTnLst>
-                    </p:cTn>
-                  </p:par>
-                  <p:par>
-                    <p:cTn id="18" fill="hold">
-                      <p:stCondLst>
-                        <p:cond delay="indefinite"/>
-                      </p:stCondLst>
-                      <p:childTnLst>
-                        <p:par>
-                          <p:cTn id="19" fill="hold">
-                            <p:stCondLst>
-                              <p:cond delay="0"/>
-                            </p:stCondLst>
-                            <p:childTnLst>
-                              <p:par>
-                                <p:cTn id="20" presetID="10" presetClass="entr" presetSubtype="0" fill="hold" nodeType="clickEffect">
-                                  <p:stCondLst>
-                                    <p:cond delay="0"/>
-                                  </p:stCondLst>
-                                  <p:childTnLst>
-                                    <p:set>
-                                      <p:cBhvr>
-                                        <p:cTn id="21" dur="1" fill="hold">
-                                          <p:stCondLst>
-                                            <p:cond delay="0"/>
-                                          </p:stCondLst>
-                                        </p:cTn>
-                                        <p:tgtEl>
-                                          <p:spTgt spid="3">
-                                            <p:txEl>
-                                              <p:pRg st="3" end="3"/>
-                                            </p:txEl>
-                                          </p:spTgt>
-                                        </p:tgtEl>
-                                        <p:attrNameLst>
-                                          <p:attrName>style.visibility</p:attrName>
-                                        </p:attrNameLst>
-                                      </p:cBhvr>
-                                      <p:to>
-                                        <p:strVal val="visible"/>
-                                      </p:to>
-                                    </p:set>
-                                    <p:animEffect transition="in" filter="fade">
-                                      <p:cBhvr>
-                                        <p:cTn id="22" dur="500"/>
-                                        <p:tgtEl>
-                                          <p:spTgt spid="3">
-                                            <p:txEl>
-                                              <p:pRg st="3" end="3"/>
-                                            </p:txEl>
-                                          </p:spTgt>
-                                        </p:tgtEl>
-                                      </p:cBhvr>
-                                    </p:animEffect>
-                                  </p:childTnLst>
-                                </p:cTn>
-                              </p:par>
-                            </p:childTnLst>
-                          </p:cTn>
-                        </p:par>
-                      </p:childTnLst>
-                    </p:cTn>
-                  </p:par>
-                </p:childTnLst>
-              </p:cTn>
-              <p:prevCondLst>
-                <p:cond evt="onPrev" delay="0">
-                  <p:tgtEl>
-                    <p:sldTgt/>
-                  </p:tgtEl>
-                </p:cond>
-              </p:prevCondLst>
-              <p:nextCondLst>
-                <p:cond evt="onNext" delay="0">
-                  <p:tgtEl>
-                    <p:sldTgt/>
-                  </p:tgtEl>
-                </p:cond>
-              </p:nextCondLst>
-            </p:seq>
-          </p:childTnLst>
-        </p:cTn>
-      </p:par>
-    </p:tnLst>
-  </p:timing>
-</p:sld>
-</file>
-
-<file path=ppt/slides/slide7.xml><?xml version="1.0" encoding="utf-8"?>
-<p:sld xmlns:a="http://schemas.openxmlformats.org/drawingml/2006/main" xmlns:r="http://schemas.openxmlformats.org/officeDocument/2006/relationships" xmlns:p="http://schemas.openxmlformats.org/presentationml/2006/main">
-  <p:cSld>
-    <p:bg>
-      <p:bgPr>
-        <a:blipFill dpi="0" rotWithShape="1">
-          <a:blip r:embed="rId2">
-            <a:lum/>
-          </a:blip>
-          <a:srcRect/>
-          <a:stretch>
-            <a:fillRect/>
-          </a:stretch>
-        </a:blipFill>
-        <a:effectLst/>
-      </p:bgPr>
-    </p:bg>
-    <p:spTree>
-      <p:nvGrpSpPr>
-        <p:cNvPr id="1" name=""/>
-        <p:cNvGrpSpPr/>
-        <p:nvPr/>
-      </p:nvGrpSpPr>
-      <p:grpSpPr>
-        <a:xfrm>
-          <a:off x="0" y="0"/>
-          <a:ext cx="0" cy="0"/>
-          <a:chOff x="0" y="0"/>
-          <a:chExt cx="0" cy="0"/>
-        </a:xfrm>
-      </p:grpSpPr>
-      <p:sp>
-        <p:nvSpPr>
-          <p:cNvPr id="3" name="Content Placeholder 2">
-            <a:extLst>
-              <a:ext uri="{FF2B5EF4-FFF2-40B4-BE49-F238E27FC236}">
-                <a16:creationId xmlns:a16="http://schemas.microsoft.com/office/drawing/2014/main" id="{891C7693-D3DF-4635-96F4-97F3B4136FDF}"/>
-              </a:ext>
-            </a:extLst>
-          </p:cNvPr>
-          <p:cNvSpPr>
-            <a:spLocks noGrp="1"/>
-          </p:cNvSpPr>
-          <p:nvPr>
-            <p:ph idx="1"/>
-          </p:nvPr>
-        </p:nvSpPr>
-        <p:spPr>
-          <a:xfrm>
-            <a:off x="838198" y="445273"/>
-            <a:ext cx="10515599" cy="5731690"/>
-          </a:xfrm>
-        </p:spPr>
-        <p:txBody>
-          <a:bodyPr anchor="ctr">
-            <a:normAutofit/>
-          </a:bodyPr>
-          <a:lstStyle/>
-          <a:p>
-            <a:pPr marL="0" indent="0" algn="ctr">
-              <a:buNone/>
-            </a:pPr>
-            <a:r>
-              <a:rPr lang="tr-TR" sz="16600" b="1" dirty="0">
-                <a:latin typeface="Euclid Circular B" panose="020B0504000000000000" pitchFamily="34" charset="0"/>
-                <a:ea typeface="Euclid Circular B" panose="020B0504000000000000" pitchFamily="34" charset="0"/>
-              </a:rPr>
-              <a:t>DEMO</a:t>
-            </a:r>
-            <a:endParaRPr lang="en-US" sz="7200" i="1" dirty="0">
-              <a:latin typeface="Euclid Circular B" panose="020B0504000000000000" pitchFamily="34" charset="0"/>
-              <a:ea typeface="Euclid Circular B" panose="020B0504000000000000" pitchFamily="34" charset="0"/>
-            </a:endParaRPr>
-          </a:p>
-        </p:txBody>
-      </p:sp>
-    </p:spTree>
-    <p:extLst>
-      <p:ext uri="{BB962C8B-B14F-4D97-AF65-F5344CB8AC3E}">
-        <p14:creationId xmlns:p14="http://schemas.microsoft.com/office/powerpoint/2010/main" val="1519802074"/>
-      </p:ext>
-    </p:extLst>
-  </p:cSld>
-  <p:clrMapOvr>
-    <a:masterClrMapping/>
-  </p:clrMapOvr>
-</p:sld>
-</file>
-
-<file path=ppt/slides/slide8.xml><?xml version="1.0" encoding="utf-8"?>
 <p:sld xmlns:a="http://schemas.openxmlformats.org/drawingml/2006/main" xmlns:r="http://schemas.openxmlformats.org/officeDocument/2006/relationships" xmlns:p="http://schemas.openxmlformats.org/presentationml/2006/main">
   <p:cSld>
     <p:bg>
@@ -7506,7 +4007,7 @@
 </p:sld>
 </file>
 
-<file path=ppt/slides/slide9.xml><?xml version="1.0" encoding="utf-8"?>
+<file path=ppt/slides/slide11.xml><?xml version="1.0" encoding="utf-8"?>
 <p:sld xmlns:a="http://schemas.openxmlformats.org/drawingml/2006/main" xmlns:r="http://schemas.openxmlformats.org/officeDocument/2006/relationships" xmlns:p="http://schemas.openxmlformats.org/presentationml/2006/main">
   <p:cSld>
     <p:bg>
@@ -8208,6 +4709,6165 @@
       </p:par>
     </p:tnLst>
   </p:timing>
+</p:sld>
+</file>
+
+<file path=ppt/slides/slide12.xml><?xml version="1.0" encoding="utf-8"?>
+<p:sld xmlns:a="http://schemas.openxmlformats.org/drawingml/2006/main" xmlns:r="http://schemas.openxmlformats.org/officeDocument/2006/relationships" xmlns:p="http://schemas.openxmlformats.org/presentationml/2006/main">
+  <p:cSld>
+    <p:bg>
+      <p:bgPr>
+        <a:blipFill dpi="0" rotWithShape="1">
+          <a:blip r:embed="rId2">
+            <a:lum/>
+          </a:blip>
+          <a:srcRect/>
+          <a:stretch>
+            <a:fillRect/>
+          </a:stretch>
+        </a:blipFill>
+        <a:effectLst/>
+      </p:bgPr>
+    </p:bg>
+    <p:spTree>
+      <p:nvGrpSpPr>
+        <p:cNvPr id="1" name=""/>
+        <p:cNvGrpSpPr/>
+        <p:nvPr/>
+      </p:nvGrpSpPr>
+      <p:grpSpPr>
+        <a:xfrm>
+          <a:off x="0" y="0"/>
+          <a:ext cx="0" cy="0"/>
+          <a:chOff x="0" y="0"/>
+          <a:chExt cx="0" cy="0"/>
+        </a:xfrm>
+      </p:grpSpPr>
+      <p:sp>
+        <p:nvSpPr>
+          <p:cNvPr id="2" name="Title 1">
+            <a:extLst>
+              <a:ext uri="{FF2B5EF4-FFF2-40B4-BE49-F238E27FC236}">
+                <a16:creationId xmlns:a16="http://schemas.microsoft.com/office/drawing/2014/main" id="{55E11F08-6CA0-48F1-AD67-97430DDA07F0}"/>
+              </a:ext>
+            </a:extLst>
+          </p:cNvPr>
+          <p:cNvSpPr>
+            <a:spLocks noGrp="1"/>
+          </p:cNvSpPr>
+          <p:nvPr>
+            <p:ph type="title"/>
+          </p:nvPr>
+        </p:nvSpPr>
+        <p:spPr/>
+        <p:txBody>
+          <a:bodyPr/>
+          <a:lstStyle/>
+          <a:p>
+            <a:r>
+              <a:rPr lang="tr-TR" b="1" dirty="0">
+                <a:solidFill>
+                  <a:srgbClr val="292D33"/>
+                </a:solidFill>
+                <a:latin typeface="Euclid Circular B" panose="020B0504000000000000" pitchFamily="34" charset="0"/>
+                <a:ea typeface="Euclid Circular B" panose="020B0504000000000000" pitchFamily="34" charset="0"/>
+              </a:rPr>
+              <a:t>ABP Studio: Licensing</a:t>
+            </a:r>
+            <a:endParaRPr lang="en-US" b="1" dirty="0">
+              <a:solidFill>
+                <a:srgbClr val="292D33"/>
+              </a:solidFill>
+              <a:latin typeface="Euclid Circular B" panose="020B0504000000000000" pitchFamily="34" charset="0"/>
+              <a:ea typeface="Euclid Circular B" panose="020B0504000000000000" pitchFamily="34" charset="0"/>
+            </a:endParaRPr>
+          </a:p>
+        </p:txBody>
+      </p:sp>
+      <p:pic>
+        <p:nvPicPr>
+          <p:cNvPr id="7" name="Picture 6">
+            <a:extLst>
+              <a:ext uri="{FF2B5EF4-FFF2-40B4-BE49-F238E27FC236}">
+                <a16:creationId xmlns:a16="http://schemas.microsoft.com/office/drawing/2014/main" id="{D3DCFFC9-C277-3142-9198-FACC77233BEA}"/>
+              </a:ext>
+            </a:extLst>
+          </p:cNvPr>
+          <p:cNvPicPr>
+            <a:picLocks noChangeAspect="1"/>
+          </p:cNvPicPr>
+          <p:nvPr/>
+        </p:nvPicPr>
+        <p:blipFill>
+          <a:blip r:embed="rId3"/>
+          <a:stretch>
+            <a:fillRect/>
+          </a:stretch>
+        </p:blipFill>
+        <p:spPr>
+          <a:xfrm>
+            <a:off x="838200" y="2116201"/>
+            <a:ext cx="10813330" cy="3023267"/>
+          </a:xfrm>
+          <a:prstGeom prst="rect">
+            <a:avLst/>
+          </a:prstGeom>
+        </p:spPr>
+      </p:pic>
+    </p:spTree>
+    <p:extLst>
+      <p:ext uri="{BB962C8B-B14F-4D97-AF65-F5344CB8AC3E}">
+        <p14:creationId xmlns:p14="http://schemas.microsoft.com/office/powerpoint/2010/main" val="2722333912"/>
+      </p:ext>
+    </p:extLst>
+  </p:cSld>
+  <p:clrMapOvr>
+    <a:masterClrMapping/>
+  </p:clrMapOvr>
+</p:sld>
+</file>
+
+<file path=ppt/slides/slide13.xml><?xml version="1.0" encoding="utf-8"?>
+<p:sld xmlns:a="http://schemas.openxmlformats.org/drawingml/2006/main" xmlns:r="http://schemas.openxmlformats.org/officeDocument/2006/relationships" xmlns:p="http://schemas.openxmlformats.org/presentationml/2006/main">
+  <p:cSld>
+    <p:bg>
+      <p:bgPr>
+        <a:blipFill dpi="0" rotWithShape="1">
+          <a:blip r:embed="rId2">
+            <a:lum/>
+          </a:blip>
+          <a:srcRect/>
+          <a:stretch>
+            <a:fillRect/>
+          </a:stretch>
+        </a:blipFill>
+        <a:effectLst/>
+      </p:bgPr>
+    </p:bg>
+    <p:spTree>
+      <p:nvGrpSpPr>
+        <p:cNvPr id="1" name=""/>
+        <p:cNvGrpSpPr/>
+        <p:nvPr/>
+      </p:nvGrpSpPr>
+      <p:grpSpPr>
+        <a:xfrm>
+          <a:off x="0" y="0"/>
+          <a:ext cx="0" cy="0"/>
+          <a:chOff x="0" y="0"/>
+          <a:chExt cx="0" cy="0"/>
+        </a:xfrm>
+      </p:grpSpPr>
+      <p:sp>
+        <p:nvSpPr>
+          <p:cNvPr id="2" name="Title 1">
+            <a:extLst>
+              <a:ext uri="{FF2B5EF4-FFF2-40B4-BE49-F238E27FC236}">
+                <a16:creationId xmlns:a16="http://schemas.microsoft.com/office/drawing/2014/main" id="{55E11F08-6CA0-48F1-AD67-97430DDA07F0}"/>
+              </a:ext>
+            </a:extLst>
+          </p:cNvPr>
+          <p:cNvSpPr>
+            <a:spLocks noGrp="1"/>
+          </p:cNvSpPr>
+          <p:nvPr>
+            <p:ph type="title"/>
+          </p:nvPr>
+        </p:nvSpPr>
+        <p:spPr/>
+        <p:txBody>
+          <a:bodyPr/>
+          <a:lstStyle/>
+          <a:p>
+            <a:r>
+              <a:rPr lang="tr-TR" b="1" dirty="0">
+                <a:solidFill>
+                  <a:srgbClr val="292D33"/>
+                </a:solidFill>
+                <a:latin typeface="Euclid Circular B" panose="020B0504000000000000" pitchFamily="34" charset="0"/>
+                <a:ea typeface="Euclid Circular B" panose="020B0504000000000000" pitchFamily="34" charset="0"/>
+              </a:rPr>
+              <a:t>ABP Studio: Next Planned Live Events</a:t>
+            </a:r>
+            <a:endParaRPr lang="en-US" b="1" dirty="0">
+              <a:solidFill>
+                <a:srgbClr val="292D33"/>
+              </a:solidFill>
+              <a:latin typeface="Euclid Circular B" panose="020B0504000000000000" pitchFamily="34" charset="0"/>
+              <a:ea typeface="Euclid Circular B" panose="020B0504000000000000" pitchFamily="34" charset="0"/>
+            </a:endParaRPr>
+          </a:p>
+        </p:txBody>
+      </p:sp>
+      <p:sp>
+        <p:nvSpPr>
+          <p:cNvPr id="3" name="Content Placeholder 2">
+            <a:extLst>
+              <a:ext uri="{FF2B5EF4-FFF2-40B4-BE49-F238E27FC236}">
+                <a16:creationId xmlns:a16="http://schemas.microsoft.com/office/drawing/2014/main" id="{891C7693-D3DF-4635-96F4-97F3B4136FDF}"/>
+              </a:ext>
+            </a:extLst>
+          </p:cNvPr>
+          <p:cNvSpPr>
+            <a:spLocks noGrp="1"/>
+          </p:cNvSpPr>
+          <p:nvPr>
+            <p:ph idx="1"/>
+          </p:nvPr>
+        </p:nvSpPr>
+        <p:spPr/>
+        <p:txBody>
+          <a:bodyPr/>
+          <a:lstStyle/>
+          <a:p>
+            <a:r>
+              <a:rPr lang="tr-TR" dirty="0">
+                <a:latin typeface="Euclid Circular B" panose="020B0504000000000000" pitchFamily="34" charset="0"/>
+                <a:ea typeface="Euclid Circular B" panose="020B0504000000000000" pitchFamily="34" charset="0"/>
+              </a:rPr>
+              <a:t>Developing Modular Monolith Applications</a:t>
+            </a:r>
+          </a:p>
+          <a:p>
+            <a:r>
+              <a:rPr lang="tr-TR" dirty="0">
+                <a:latin typeface="Euclid Circular B" panose="020B0504000000000000" pitchFamily="34" charset="0"/>
+                <a:ea typeface="Euclid Circular B" panose="020B0504000000000000" pitchFamily="34" charset="0"/>
+              </a:rPr>
+              <a:t>Developing Microservice Applications &amp; The Microservice Startup Template</a:t>
+            </a:r>
+            <a:endParaRPr lang="en-US" dirty="0">
+              <a:latin typeface="Euclid Circular B" panose="020B0504000000000000" pitchFamily="34" charset="0"/>
+              <a:ea typeface="Euclid Circular B" panose="020B0504000000000000" pitchFamily="34" charset="0"/>
+            </a:endParaRPr>
+          </a:p>
+        </p:txBody>
+      </p:sp>
+    </p:spTree>
+    <p:extLst>
+      <p:ext uri="{BB962C8B-B14F-4D97-AF65-F5344CB8AC3E}">
+        <p14:creationId xmlns:p14="http://schemas.microsoft.com/office/powerpoint/2010/main" val="3274601683"/>
+      </p:ext>
+    </p:extLst>
+  </p:cSld>
+  <p:clrMapOvr>
+    <a:masterClrMapping/>
+  </p:clrMapOvr>
+</p:sld>
+</file>
+
+<file path=ppt/slides/slide14.xml><?xml version="1.0" encoding="utf-8"?>
+<p:sld xmlns:a="http://schemas.openxmlformats.org/drawingml/2006/main" xmlns:r="http://schemas.openxmlformats.org/officeDocument/2006/relationships" xmlns:p="http://schemas.openxmlformats.org/presentationml/2006/main">
+  <p:cSld>
+    <p:bg>
+      <p:bgPr>
+        <a:blipFill dpi="0" rotWithShape="1">
+          <a:blip r:embed="rId2">
+            <a:lum/>
+          </a:blip>
+          <a:srcRect/>
+          <a:stretch>
+            <a:fillRect/>
+          </a:stretch>
+        </a:blipFill>
+        <a:effectLst/>
+      </p:bgPr>
+    </p:bg>
+    <p:spTree>
+      <p:nvGrpSpPr>
+        <p:cNvPr id="1" name=""/>
+        <p:cNvGrpSpPr/>
+        <p:nvPr/>
+      </p:nvGrpSpPr>
+      <p:grpSpPr>
+        <a:xfrm>
+          <a:off x="0" y="0"/>
+          <a:ext cx="0" cy="0"/>
+          <a:chOff x="0" y="0"/>
+          <a:chExt cx="0" cy="0"/>
+        </a:xfrm>
+      </p:grpSpPr>
+      <p:sp>
+        <p:nvSpPr>
+          <p:cNvPr id="3" name="Content Placeholder 2">
+            <a:extLst>
+              <a:ext uri="{FF2B5EF4-FFF2-40B4-BE49-F238E27FC236}">
+                <a16:creationId xmlns:a16="http://schemas.microsoft.com/office/drawing/2014/main" id="{891C7693-D3DF-4635-96F4-97F3B4136FDF}"/>
+              </a:ext>
+            </a:extLst>
+          </p:cNvPr>
+          <p:cNvSpPr>
+            <a:spLocks noGrp="1"/>
+          </p:cNvSpPr>
+          <p:nvPr>
+            <p:ph idx="1"/>
+          </p:nvPr>
+        </p:nvSpPr>
+        <p:spPr>
+          <a:xfrm>
+            <a:off x="838198" y="445273"/>
+            <a:ext cx="10515599" cy="5731690"/>
+          </a:xfrm>
+        </p:spPr>
+        <p:txBody>
+          <a:bodyPr>
+            <a:normAutofit/>
+          </a:bodyPr>
+          <a:lstStyle/>
+          <a:p>
+            <a:pPr marL="0" indent="0" algn="ctr">
+              <a:buNone/>
+            </a:pPr>
+            <a:r>
+              <a:rPr lang="tr-TR" sz="28700" b="1" dirty="0">
+                <a:solidFill>
+                  <a:schemeClr val="accent6"/>
+                </a:solidFill>
+                <a:latin typeface="Euclid Circular B" panose="020B0504000000000000" pitchFamily="34" charset="0"/>
+                <a:ea typeface="Euclid Circular B" panose="020B0504000000000000" pitchFamily="34" charset="0"/>
+              </a:rPr>
+              <a:t>?</a:t>
+            </a:r>
+            <a:br>
+              <a:rPr lang="tr-TR" sz="9600" b="1" dirty="0">
+                <a:solidFill>
+                  <a:schemeClr val="accent6"/>
+                </a:solidFill>
+                <a:latin typeface="Euclid Circular B" panose="020B0504000000000000" pitchFamily="34" charset="0"/>
+                <a:ea typeface="Euclid Circular B" panose="020B0504000000000000" pitchFamily="34" charset="0"/>
+              </a:rPr>
+            </a:br>
+            <a:r>
+              <a:rPr lang="tr-TR" sz="7200" b="1" i="1" dirty="0">
+                <a:solidFill>
+                  <a:srgbClr val="292D33"/>
+                </a:solidFill>
+                <a:latin typeface="Euclid Circular B" panose="020B0504000000000000" pitchFamily="34" charset="0"/>
+                <a:ea typeface="Euclid Circular B" panose="020B0504000000000000" pitchFamily="34" charset="0"/>
+              </a:rPr>
+              <a:t>questions</a:t>
+            </a:r>
+            <a:endParaRPr lang="en-US" sz="9600" i="1" dirty="0">
+              <a:latin typeface="Euclid Circular B" panose="020B0504000000000000" pitchFamily="34" charset="0"/>
+              <a:ea typeface="Euclid Circular B" panose="020B0504000000000000" pitchFamily="34" charset="0"/>
+            </a:endParaRPr>
+          </a:p>
+        </p:txBody>
+      </p:sp>
+    </p:spTree>
+    <p:extLst>
+      <p:ext uri="{BB962C8B-B14F-4D97-AF65-F5344CB8AC3E}">
+        <p14:creationId xmlns:p14="http://schemas.microsoft.com/office/powerpoint/2010/main" val="2062712958"/>
+      </p:ext>
+    </p:extLst>
+  </p:cSld>
+  <p:clrMapOvr>
+    <a:masterClrMapping/>
+  </p:clrMapOvr>
+</p:sld>
+</file>
+
+<file path=ppt/slides/slide15.xml><?xml version="1.0" encoding="utf-8"?>
+<p:sld xmlns:a="http://schemas.openxmlformats.org/drawingml/2006/main" xmlns:r="http://schemas.openxmlformats.org/officeDocument/2006/relationships" xmlns:p="http://schemas.openxmlformats.org/presentationml/2006/main">
+  <p:cSld>
+    <p:bg>
+      <p:bgPr>
+        <a:blipFill dpi="0" rotWithShape="1">
+          <a:blip r:embed="rId2">
+            <a:lum/>
+          </a:blip>
+          <a:srcRect/>
+          <a:stretch>
+            <a:fillRect/>
+          </a:stretch>
+        </a:blipFill>
+        <a:effectLst/>
+      </p:bgPr>
+    </p:bg>
+    <p:spTree>
+      <p:nvGrpSpPr>
+        <p:cNvPr id="1" name=""/>
+        <p:cNvGrpSpPr/>
+        <p:nvPr/>
+      </p:nvGrpSpPr>
+      <p:grpSpPr>
+        <a:xfrm>
+          <a:off x="0" y="0"/>
+          <a:ext cx="0" cy="0"/>
+          <a:chOff x="0" y="0"/>
+          <a:chExt cx="0" cy="0"/>
+        </a:xfrm>
+      </p:grpSpPr>
+      <p:sp>
+        <p:nvSpPr>
+          <p:cNvPr id="2" name="Title 1">
+            <a:extLst>
+              <a:ext uri="{FF2B5EF4-FFF2-40B4-BE49-F238E27FC236}">
+                <a16:creationId xmlns:a16="http://schemas.microsoft.com/office/drawing/2014/main" id="{55E11F08-6CA0-48F1-AD67-97430DDA07F0}"/>
+              </a:ext>
+            </a:extLst>
+          </p:cNvPr>
+          <p:cNvSpPr>
+            <a:spLocks noGrp="1"/>
+          </p:cNvSpPr>
+          <p:nvPr>
+            <p:ph type="title"/>
+          </p:nvPr>
+        </p:nvSpPr>
+        <p:spPr/>
+        <p:txBody>
+          <a:bodyPr/>
+          <a:lstStyle/>
+          <a:p>
+            <a:r>
+              <a:rPr lang="en-US" b="1" dirty="0">
+                <a:solidFill>
+                  <a:srgbClr val="292D33"/>
+                </a:solidFill>
+                <a:latin typeface="Euclid Circular B" panose="020B0504000000000000" pitchFamily="34" charset="0"/>
+                <a:ea typeface="Euclid Circular B" panose="020B0504000000000000" pitchFamily="34" charset="0"/>
+              </a:rPr>
+              <a:t>Topic title</a:t>
+            </a:r>
+          </a:p>
+        </p:txBody>
+      </p:sp>
+      <p:sp>
+        <p:nvSpPr>
+          <p:cNvPr id="3" name="Content Placeholder 2">
+            <a:extLst>
+              <a:ext uri="{FF2B5EF4-FFF2-40B4-BE49-F238E27FC236}">
+                <a16:creationId xmlns:a16="http://schemas.microsoft.com/office/drawing/2014/main" id="{891C7693-D3DF-4635-96F4-97F3B4136FDF}"/>
+              </a:ext>
+            </a:extLst>
+          </p:cNvPr>
+          <p:cNvSpPr>
+            <a:spLocks noGrp="1"/>
+          </p:cNvSpPr>
+          <p:nvPr>
+            <p:ph idx="1"/>
+          </p:nvPr>
+        </p:nvSpPr>
+        <p:spPr/>
+        <p:txBody>
+          <a:bodyPr/>
+          <a:lstStyle/>
+          <a:p>
+            <a:r>
+              <a:rPr lang="en-US" dirty="0">
+                <a:latin typeface="Euclid Circular B" panose="020B0504000000000000" pitchFamily="34" charset="0"/>
+                <a:ea typeface="Euclid Circular B" panose="020B0504000000000000" pitchFamily="34" charset="0"/>
+              </a:rPr>
+              <a:t>Content</a:t>
+            </a:r>
+          </a:p>
+        </p:txBody>
+      </p:sp>
+    </p:spTree>
+    <p:extLst>
+      <p:ext uri="{BB962C8B-B14F-4D97-AF65-F5344CB8AC3E}">
+        <p14:creationId xmlns:p14="http://schemas.microsoft.com/office/powerpoint/2010/main" val="4292795698"/>
+      </p:ext>
+    </p:extLst>
+  </p:cSld>
+  <p:clrMapOvr>
+    <a:masterClrMapping/>
+  </p:clrMapOvr>
+</p:sld>
+</file>
+
+<file path=ppt/slides/slide2.xml><?xml version="1.0" encoding="utf-8"?>
+<p:sld xmlns:a="http://schemas.openxmlformats.org/drawingml/2006/main" xmlns:r="http://schemas.openxmlformats.org/officeDocument/2006/relationships" xmlns:p="http://schemas.openxmlformats.org/presentationml/2006/main">
+  <p:cSld>
+    <p:bg>
+      <p:bgPr>
+        <a:blipFill dpi="0" rotWithShape="1">
+          <a:blip r:embed="rId2">
+            <a:lum/>
+          </a:blip>
+          <a:srcRect/>
+          <a:stretch>
+            <a:fillRect/>
+          </a:stretch>
+        </a:blipFill>
+        <a:effectLst/>
+      </p:bgPr>
+    </p:bg>
+    <p:spTree>
+      <p:nvGrpSpPr>
+        <p:cNvPr id="1" name=""/>
+        <p:cNvGrpSpPr/>
+        <p:nvPr/>
+      </p:nvGrpSpPr>
+      <p:grpSpPr>
+        <a:xfrm>
+          <a:off x="0" y="0"/>
+          <a:ext cx="0" cy="0"/>
+          <a:chOff x="0" y="0"/>
+          <a:chExt cx="0" cy="0"/>
+        </a:xfrm>
+      </p:grpSpPr>
+      <p:sp>
+        <p:nvSpPr>
+          <p:cNvPr id="2" name="Title 1">
+            <a:extLst>
+              <a:ext uri="{FF2B5EF4-FFF2-40B4-BE49-F238E27FC236}">
+                <a16:creationId xmlns:a16="http://schemas.microsoft.com/office/drawing/2014/main" id="{55E11F08-6CA0-48F1-AD67-97430DDA07F0}"/>
+              </a:ext>
+            </a:extLst>
+          </p:cNvPr>
+          <p:cNvSpPr>
+            <a:spLocks noGrp="1"/>
+          </p:cNvSpPr>
+          <p:nvPr>
+            <p:ph type="title"/>
+          </p:nvPr>
+        </p:nvSpPr>
+        <p:spPr/>
+        <p:txBody>
+          <a:bodyPr/>
+          <a:lstStyle/>
+          <a:p>
+            <a:r>
+              <a:rPr lang="tr-TR" b="1" dirty="0">
+                <a:solidFill>
+                  <a:srgbClr val="292D33"/>
+                </a:solidFill>
+                <a:latin typeface="Euclid Circular B" panose="020B0504000000000000" pitchFamily="34" charset="0"/>
+                <a:ea typeface="Euclid Circular B" panose="020B0504000000000000" pitchFamily="34" charset="0"/>
+              </a:rPr>
+              <a:t>Agenda</a:t>
+            </a:r>
+            <a:endParaRPr lang="en-US" b="1" dirty="0">
+              <a:solidFill>
+                <a:srgbClr val="292D33"/>
+              </a:solidFill>
+              <a:latin typeface="Euclid Circular B" panose="020B0504000000000000" pitchFamily="34" charset="0"/>
+              <a:ea typeface="Euclid Circular B" panose="020B0504000000000000" pitchFamily="34" charset="0"/>
+            </a:endParaRPr>
+          </a:p>
+        </p:txBody>
+      </p:sp>
+      <p:sp>
+        <p:nvSpPr>
+          <p:cNvPr id="3" name="Content Placeholder 2">
+            <a:extLst>
+              <a:ext uri="{FF2B5EF4-FFF2-40B4-BE49-F238E27FC236}">
+                <a16:creationId xmlns:a16="http://schemas.microsoft.com/office/drawing/2014/main" id="{891C7693-D3DF-4635-96F4-97F3B4136FDF}"/>
+              </a:ext>
+            </a:extLst>
+          </p:cNvPr>
+          <p:cNvSpPr>
+            <a:spLocks noGrp="1"/>
+          </p:cNvSpPr>
+          <p:nvPr>
+            <p:ph idx="1"/>
+          </p:nvPr>
+        </p:nvSpPr>
+        <p:spPr/>
+        <p:txBody>
+          <a:bodyPr>
+            <a:normAutofit fontScale="92500" lnSpcReduction="20000"/>
+          </a:bodyPr>
+          <a:lstStyle/>
+          <a:p>
+            <a:r>
+              <a:rPr lang="tr-TR" dirty="0">
+                <a:latin typeface="Euclid Circular B" panose="020B0504000000000000" pitchFamily="34" charset="0"/>
+                <a:ea typeface="Euclid Circular B" panose="020B0504000000000000" pitchFamily="34" charset="0"/>
+              </a:rPr>
+              <a:t>What is ABP Studio? Why We’ve Built it?</a:t>
+            </a:r>
+          </a:p>
+          <a:p>
+            <a:r>
+              <a:rPr lang="tr-TR" dirty="0">
+                <a:latin typeface="Euclid Circular B" panose="020B0504000000000000" pitchFamily="34" charset="0"/>
+                <a:ea typeface="Euclid Circular B" panose="020B0504000000000000" pitchFamily="34" charset="0"/>
+              </a:rPr>
+              <a:t>Demo</a:t>
+            </a:r>
+          </a:p>
+          <a:p>
+            <a:pPr lvl="1"/>
+            <a:r>
+              <a:rPr lang="tr-TR" dirty="0">
+                <a:latin typeface="Euclid Circular B" panose="020B0504000000000000" pitchFamily="34" charset="0"/>
+                <a:ea typeface="Euclid Circular B" panose="020B0504000000000000" pitchFamily="34" charset="0"/>
+              </a:rPr>
+              <a:t>Installation &amp; Overview</a:t>
+            </a:r>
+          </a:p>
+          <a:p>
+            <a:pPr lvl="1"/>
+            <a:r>
+              <a:rPr lang="tr-TR" dirty="0">
+                <a:latin typeface="Euclid Circular B" panose="020B0504000000000000" pitchFamily="34" charset="0"/>
+                <a:ea typeface="Euclid Circular B" panose="020B0504000000000000" pitchFamily="34" charset="0"/>
+              </a:rPr>
+              <a:t>Basics: </a:t>
+            </a:r>
+            <a:r>
+              <a:rPr lang="tr-TR" b="1" dirty="0">
+                <a:latin typeface="Euclid Circular B" panose="020B0504000000000000" pitchFamily="34" charset="0"/>
+                <a:ea typeface="Euclid Circular B" panose="020B0504000000000000" pitchFamily="34" charset="0"/>
+              </a:rPr>
+              <a:t>Creating </a:t>
+            </a:r>
+            <a:r>
+              <a:rPr lang="tr-TR" dirty="0">
+                <a:latin typeface="Euclid Circular B" panose="020B0504000000000000" pitchFamily="34" charset="0"/>
+                <a:ea typeface="Euclid Circular B" panose="020B0504000000000000" pitchFamily="34" charset="0"/>
+              </a:rPr>
+              <a:t>solutions / Using ABP &amp; .NET CLI commands</a:t>
+            </a:r>
+          </a:p>
+          <a:p>
+            <a:pPr lvl="1"/>
+            <a:r>
+              <a:rPr lang="tr-TR" dirty="0">
+                <a:latin typeface="Euclid Circular B" panose="020B0504000000000000" pitchFamily="34" charset="0"/>
+                <a:ea typeface="Euclid Circular B" panose="020B0504000000000000" pitchFamily="34" charset="0"/>
+              </a:rPr>
+              <a:t>Building </a:t>
+            </a:r>
+            <a:r>
+              <a:rPr lang="tr-TR" b="1" dirty="0">
+                <a:latin typeface="Euclid Circular B" panose="020B0504000000000000" pitchFamily="34" charset="0"/>
+                <a:ea typeface="Euclid Circular B" panose="020B0504000000000000" pitchFamily="34" charset="0"/>
+              </a:rPr>
+              <a:t>modular </a:t>
+            </a:r>
+            <a:r>
+              <a:rPr lang="tr-TR" dirty="0">
+                <a:latin typeface="Euclid Circular B" panose="020B0504000000000000" pitchFamily="34" charset="0"/>
+                <a:ea typeface="Euclid Circular B" panose="020B0504000000000000" pitchFamily="34" charset="0"/>
+              </a:rPr>
+              <a:t>&amp; complex applications</a:t>
+            </a:r>
+          </a:p>
+          <a:p>
+            <a:pPr lvl="1"/>
+            <a:r>
+              <a:rPr lang="tr-TR" dirty="0">
+                <a:latin typeface="Euclid Circular B" panose="020B0504000000000000" pitchFamily="34" charset="0"/>
+                <a:ea typeface="Euclid Circular B" panose="020B0504000000000000" pitchFamily="34" charset="0"/>
+              </a:rPr>
+              <a:t>Developing, running and monitoring </a:t>
+            </a:r>
+            <a:r>
+              <a:rPr lang="tr-TR" b="1" dirty="0">
+                <a:latin typeface="Euclid Circular B" panose="020B0504000000000000" pitchFamily="34" charset="0"/>
+                <a:ea typeface="Euclid Circular B" panose="020B0504000000000000" pitchFamily="34" charset="0"/>
+              </a:rPr>
+              <a:t>distributed dystems</a:t>
+            </a:r>
+          </a:p>
+          <a:p>
+            <a:pPr lvl="1"/>
+            <a:r>
+              <a:rPr lang="tr-TR" dirty="0">
+                <a:latin typeface="Euclid Circular B" panose="020B0504000000000000" pitchFamily="34" charset="0"/>
+                <a:ea typeface="Euclid Circular B" panose="020B0504000000000000" pitchFamily="34" charset="0"/>
+              </a:rPr>
+              <a:t>Working with </a:t>
+            </a:r>
+            <a:r>
+              <a:rPr lang="tr-TR" b="1" dirty="0">
+                <a:latin typeface="Euclid Circular B" panose="020B0504000000000000" pitchFamily="34" charset="0"/>
+                <a:ea typeface="Euclid Circular B" panose="020B0504000000000000" pitchFamily="34" charset="0"/>
+              </a:rPr>
+              <a:t>Kubernetes</a:t>
+            </a:r>
+          </a:p>
+          <a:p>
+            <a:pPr lvl="1"/>
+            <a:r>
+              <a:rPr lang="tr-TR" dirty="0">
+                <a:latin typeface="Euclid Circular B" panose="020B0504000000000000" pitchFamily="34" charset="0"/>
+                <a:ea typeface="Euclid Circular B" panose="020B0504000000000000" pitchFamily="34" charset="0"/>
+              </a:rPr>
+              <a:t>Working with </a:t>
+            </a:r>
+            <a:r>
+              <a:rPr lang="tr-TR" b="1" dirty="0">
+                <a:latin typeface="Euclid Circular B" panose="020B0504000000000000" pitchFamily="34" charset="0"/>
+                <a:ea typeface="Euclid Circular B" panose="020B0504000000000000" pitchFamily="34" charset="0"/>
+              </a:rPr>
+              <a:t>ABP Suite</a:t>
+            </a:r>
+          </a:p>
+          <a:p>
+            <a:r>
+              <a:rPr lang="tr-TR" dirty="0">
+                <a:latin typeface="Euclid Circular B" panose="020B0504000000000000" pitchFamily="34" charset="0"/>
+                <a:ea typeface="Euclid Circular B" panose="020B0504000000000000" pitchFamily="34" charset="0"/>
+              </a:rPr>
+              <a:t>.NET Aspire?</a:t>
+            </a:r>
+          </a:p>
+          <a:p>
+            <a:r>
+              <a:rPr lang="tr-TR" dirty="0">
+                <a:latin typeface="Euclid Circular B" panose="020B0504000000000000" pitchFamily="34" charset="0"/>
+                <a:ea typeface="Euclid Circular B" panose="020B0504000000000000" pitchFamily="34" charset="0"/>
+              </a:rPr>
+              <a:t>Road Map</a:t>
+            </a:r>
+          </a:p>
+          <a:p>
+            <a:r>
+              <a:rPr lang="tr-TR" dirty="0">
+                <a:latin typeface="Euclid Circular B" panose="020B0504000000000000" pitchFamily="34" charset="0"/>
+                <a:ea typeface="Euclid Circular B" panose="020B0504000000000000" pitchFamily="34" charset="0"/>
+              </a:rPr>
+              <a:t>Licensing</a:t>
+            </a:r>
+          </a:p>
+          <a:p>
+            <a:r>
+              <a:rPr lang="tr-TR" dirty="0">
+                <a:latin typeface="Euclid Circular B" panose="020B0504000000000000" pitchFamily="34" charset="0"/>
+                <a:ea typeface="Euclid Circular B" panose="020B0504000000000000" pitchFamily="34" charset="0"/>
+              </a:rPr>
+              <a:t>Next ABP Studio Events</a:t>
+            </a:r>
+            <a:endParaRPr lang="en-US" dirty="0">
+              <a:latin typeface="Euclid Circular B" panose="020B0504000000000000" pitchFamily="34" charset="0"/>
+              <a:ea typeface="Euclid Circular B" panose="020B0504000000000000" pitchFamily="34" charset="0"/>
+            </a:endParaRPr>
+          </a:p>
+        </p:txBody>
+      </p:sp>
+    </p:spTree>
+    <p:extLst>
+      <p:ext uri="{BB962C8B-B14F-4D97-AF65-F5344CB8AC3E}">
+        <p14:creationId xmlns:p14="http://schemas.microsoft.com/office/powerpoint/2010/main" val="721846992"/>
+      </p:ext>
+    </p:extLst>
+  </p:cSld>
+  <p:clrMapOvr>
+    <a:masterClrMapping/>
+  </p:clrMapOvr>
+  <p:timing>
+    <p:tnLst>
+      <p:par>
+        <p:cTn id="1" dur="indefinite" restart="never" nodeType="tmRoot">
+          <p:childTnLst>
+            <p:seq concurrent="1" nextAc="seek">
+              <p:cTn id="2" dur="indefinite" nodeType="mainSeq">
+                <p:childTnLst>
+                  <p:par>
+                    <p:cTn id="3" fill="hold">
+                      <p:stCondLst>
+                        <p:cond delay="indefinite"/>
+                      </p:stCondLst>
+                      <p:childTnLst>
+                        <p:par>
+                          <p:cTn id="4" fill="hold">
+                            <p:stCondLst>
+                              <p:cond delay="0"/>
+                            </p:stCondLst>
+                            <p:childTnLst>
+                              <p:par>
+                                <p:cTn id="5" presetID="10" presetClass="entr" presetSubtype="0" fill="hold" nodeType="clickEffect">
+                                  <p:stCondLst>
+                                    <p:cond delay="0"/>
+                                  </p:stCondLst>
+                                  <p:childTnLst>
+                                    <p:set>
+                                      <p:cBhvr>
+                                        <p:cTn id="6" dur="1" fill="hold">
+                                          <p:stCondLst>
+                                            <p:cond delay="0"/>
+                                          </p:stCondLst>
+                                        </p:cTn>
+                                        <p:tgtEl>
+                                          <p:spTgt spid="3">
+                                            <p:txEl>
+                                              <p:pRg st="0" end="0"/>
+                                            </p:txEl>
+                                          </p:spTgt>
+                                        </p:tgtEl>
+                                        <p:attrNameLst>
+                                          <p:attrName>style.visibility</p:attrName>
+                                        </p:attrNameLst>
+                                      </p:cBhvr>
+                                      <p:to>
+                                        <p:strVal val="visible"/>
+                                      </p:to>
+                                    </p:set>
+                                    <p:animEffect transition="in" filter="fade">
+                                      <p:cBhvr>
+                                        <p:cTn id="7" dur="500"/>
+                                        <p:tgtEl>
+                                          <p:spTgt spid="3">
+                                            <p:txEl>
+                                              <p:pRg st="0" end="0"/>
+                                            </p:txEl>
+                                          </p:spTgt>
+                                        </p:tgtEl>
+                                      </p:cBhvr>
+                                    </p:animEffect>
+                                  </p:childTnLst>
+                                </p:cTn>
+                              </p:par>
+                            </p:childTnLst>
+                          </p:cTn>
+                        </p:par>
+                      </p:childTnLst>
+                    </p:cTn>
+                  </p:par>
+                  <p:par>
+                    <p:cTn id="8" fill="hold">
+                      <p:stCondLst>
+                        <p:cond delay="indefinite"/>
+                      </p:stCondLst>
+                      <p:childTnLst>
+                        <p:par>
+                          <p:cTn id="9" fill="hold">
+                            <p:stCondLst>
+                              <p:cond delay="0"/>
+                            </p:stCondLst>
+                            <p:childTnLst>
+                              <p:par>
+                                <p:cTn id="10" presetID="10" presetClass="entr" presetSubtype="0" fill="hold" nodeType="clickEffect">
+                                  <p:stCondLst>
+                                    <p:cond delay="0"/>
+                                  </p:stCondLst>
+                                  <p:childTnLst>
+                                    <p:set>
+                                      <p:cBhvr>
+                                        <p:cTn id="11" dur="1" fill="hold">
+                                          <p:stCondLst>
+                                            <p:cond delay="0"/>
+                                          </p:stCondLst>
+                                        </p:cTn>
+                                        <p:tgtEl>
+                                          <p:spTgt spid="3">
+                                            <p:txEl>
+                                              <p:pRg st="1" end="1"/>
+                                            </p:txEl>
+                                          </p:spTgt>
+                                        </p:tgtEl>
+                                        <p:attrNameLst>
+                                          <p:attrName>style.visibility</p:attrName>
+                                        </p:attrNameLst>
+                                      </p:cBhvr>
+                                      <p:to>
+                                        <p:strVal val="visible"/>
+                                      </p:to>
+                                    </p:set>
+                                    <p:animEffect transition="in" filter="fade">
+                                      <p:cBhvr>
+                                        <p:cTn id="12" dur="500"/>
+                                        <p:tgtEl>
+                                          <p:spTgt spid="3">
+                                            <p:txEl>
+                                              <p:pRg st="1" end="1"/>
+                                            </p:txEl>
+                                          </p:spTgt>
+                                        </p:tgtEl>
+                                      </p:cBhvr>
+                                    </p:animEffect>
+                                  </p:childTnLst>
+                                </p:cTn>
+                              </p:par>
+                            </p:childTnLst>
+                          </p:cTn>
+                        </p:par>
+                      </p:childTnLst>
+                    </p:cTn>
+                  </p:par>
+                  <p:par>
+                    <p:cTn id="13" fill="hold">
+                      <p:stCondLst>
+                        <p:cond delay="indefinite"/>
+                      </p:stCondLst>
+                      <p:childTnLst>
+                        <p:par>
+                          <p:cTn id="14" fill="hold">
+                            <p:stCondLst>
+                              <p:cond delay="0"/>
+                            </p:stCondLst>
+                            <p:childTnLst>
+                              <p:par>
+                                <p:cTn id="15" presetID="10" presetClass="entr" presetSubtype="0" fill="hold" nodeType="clickEffect">
+                                  <p:stCondLst>
+                                    <p:cond delay="0"/>
+                                  </p:stCondLst>
+                                  <p:childTnLst>
+                                    <p:set>
+                                      <p:cBhvr>
+                                        <p:cTn id="16" dur="1" fill="hold">
+                                          <p:stCondLst>
+                                            <p:cond delay="0"/>
+                                          </p:stCondLst>
+                                        </p:cTn>
+                                        <p:tgtEl>
+                                          <p:spTgt spid="3">
+                                            <p:txEl>
+                                              <p:pRg st="2" end="2"/>
+                                            </p:txEl>
+                                          </p:spTgt>
+                                        </p:tgtEl>
+                                        <p:attrNameLst>
+                                          <p:attrName>style.visibility</p:attrName>
+                                        </p:attrNameLst>
+                                      </p:cBhvr>
+                                      <p:to>
+                                        <p:strVal val="visible"/>
+                                      </p:to>
+                                    </p:set>
+                                    <p:animEffect transition="in" filter="fade">
+                                      <p:cBhvr>
+                                        <p:cTn id="17" dur="500"/>
+                                        <p:tgtEl>
+                                          <p:spTgt spid="3">
+                                            <p:txEl>
+                                              <p:pRg st="2" end="2"/>
+                                            </p:txEl>
+                                          </p:spTgt>
+                                        </p:tgtEl>
+                                      </p:cBhvr>
+                                    </p:animEffect>
+                                  </p:childTnLst>
+                                </p:cTn>
+                              </p:par>
+                            </p:childTnLst>
+                          </p:cTn>
+                        </p:par>
+                      </p:childTnLst>
+                    </p:cTn>
+                  </p:par>
+                  <p:par>
+                    <p:cTn id="18" fill="hold">
+                      <p:stCondLst>
+                        <p:cond delay="indefinite"/>
+                      </p:stCondLst>
+                      <p:childTnLst>
+                        <p:par>
+                          <p:cTn id="19" fill="hold">
+                            <p:stCondLst>
+                              <p:cond delay="0"/>
+                            </p:stCondLst>
+                            <p:childTnLst>
+                              <p:par>
+                                <p:cTn id="20" presetID="10" presetClass="entr" presetSubtype="0" fill="hold" nodeType="clickEffect">
+                                  <p:stCondLst>
+                                    <p:cond delay="0"/>
+                                  </p:stCondLst>
+                                  <p:childTnLst>
+                                    <p:set>
+                                      <p:cBhvr>
+                                        <p:cTn id="21" dur="1" fill="hold">
+                                          <p:stCondLst>
+                                            <p:cond delay="0"/>
+                                          </p:stCondLst>
+                                        </p:cTn>
+                                        <p:tgtEl>
+                                          <p:spTgt spid="3">
+                                            <p:txEl>
+                                              <p:pRg st="3" end="3"/>
+                                            </p:txEl>
+                                          </p:spTgt>
+                                        </p:tgtEl>
+                                        <p:attrNameLst>
+                                          <p:attrName>style.visibility</p:attrName>
+                                        </p:attrNameLst>
+                                      </p:cBhvr>
+                                      <p:to>
+                                        <p:strVal val="visible"/>
+                                      </p:to>
+                                    </p:set>
+                                    <p:animEffect transition="in" filter="fade">
+                                      <p:cBhvr>
+                                        <p:cTn id="22" dur="500"/>
+                                        <p:tgtEl>
+                                          <p:spTgt spid="3">
+                                            <p:txEl>
+                                              <p:pRg st="3" end="3"/>
+                                            </p:txEl>
+                                          </p:spTgt>
+                                        </p:tgtEl>
+                                      </p:cBhvr>
+                                    </p:animEffect>
+                                  </p:childTnLst>
+                                </p:cTn>
+                              </p:par>
+                            </p:childTnLst>
+                          </p:cTn>
+                        </p:par>
+                      </p:childTnLst>
+                    </p:cTn>
+                  </p:par>
+                  <p:par>
+                    <p:cTn id="23" fill="hold">
+                      <p:stCondLst>
+                        <p:cond delay="indefinite"/>
+                      </p:stCondLst>
+                      <p:childTnLst>
+                        <p:par>
+                          <p:cTn id="24" fill="hold">
+                            <p:stCondLst>
+                              <p:cond delay="0"/>
+                            </p:stCondLst>
+                            <p:childTnLst>
+                              <p:par>
+                                <p:cTn id="25" presetID="10" presetClass="entr" presetSubtype="0" fill="hold" nodeType="clickEffect">
+                                  <p:stCondLst>
+                                    <p:cond delay="0"/>
+                                  </p:stCondLst>
+                                  <p:childTnLst>
+                                    <p:set>
+                                      <p:cBhvr>
+                                        <p:cTn id="26" dur="1" fill="hold">
+                                          <p:stCondLst>
+                                            <p:cond delay="0"/>
+                                          </p:stCondLst>
+                                        </p:cTn>
+                                        <p:tgtEl>
+                                          <p:spTgt spid="3">
+                                            <p:txEl>
+                                              <p:pRg st="4" end="4"/>
+                                            </p:txEl>
+                                          </p:spTgt>
+                                        </p:tgtEl>
+                                        <p:attrNameLst>
+                                          <p:attrName>style.visibility</p:attrName>
+                                        </p:attrNameLst>
+                                      </p:cBhvr>
+                                      <p:to>
+                                        <p:strVal val="visible"/>
+                                      </p:to>
+                                    </p:set>
+                                    <p:animEffect transition="in" filter="fade">
+                                      <p:cBhvr>
+                                        <p:cTn id="27" dur="500"/>
+                                        <p:tgtEl>
+                                          <p:spTgt spid="3">
+                                            <p:txEl>
+                                              <p:pRg st="4" end="4"/>
+                                            </p:txEl>
+                                          </p:spTgt>
+                                        </p:tgtEl>
+                                      </p:cBhvr>
+                                    </p:animEffect>
+                                  </p:childTnLst>
+                                </p:cTn>
+                              </p:par>
+                            </p:childTnLst>
+                          </p:cTn>
+                        </p:par>
+                      </p:childTnLst>
+                    </p:cTn>
+                  </p:par>
+                  <p:par>
+                    <p:cTn id="28" fill="hold">
+                      <p:stCondLst>
+                        <p:cond delay="indefinite"/>
+                      </p:stCondLst>
+                      <p:childTnLst>
+                        <p:par>
+                          <p:cTn id="29" fill="hold">
+                            <p:stCondLst>
+                              <p:cond delay="0"/>
+                            </p:stCondLst>
+                            <p:childTnLst>
+                              <p:par>
+                                <p:cTn id="30" presetID="10" presetClass="entr" presetSubtype="0" fill="hold" nodeType="clickEffect">
+                                  <p:stCondLst>
+                                    <p:cond delay="0"/>
+                                  </p:stCondLst>
+                                  <p:childTnLst>
+                                    <p:set>
+                                      <p:cBhvr>
+                                        <p:cTn id="31" dur="1" fill="hold">
+                                          <p:stCondLst>
+                                            <p:cond delay="0"/>
+                                          </p:stCondLst>
+                                        </p:cTn>
+                                        <p:tgtEl>
+                                          <p:spTgt spid="3">
+                                            <p:txEl>
+                                              <p:pRg st="5" end="5"/>
+                                            </p:txEl>
+                                          </p:spTgt>
+                                        </p:tgtEl>
+                                        <p:attrNameLst>
+                                          <p:attrName>style.visibility</p:attrName>
+                                        </p:attrNameLst>
+                                      </p:cBhvr>
+                                      <p:to>
+                                        <p:strVal val="visible"/>
+                                      </p:to>
+                                    </p:set>
+                                    <p:animEffect transition="in" filter="fade">
+                                      <p:cBhvr>
+                                        <p:cTn id="32" dur="500"/>
+                                        <p:tgtEl>
+                                          <p:spTgt spid="3">
+                                            <p:txEl>
+                                              <p:pRg st="5" end="5"/>
+                                            </p:txEl>
+                                          </p:spTgt>
+                                        </p:tgtEl>
+                                      </p:cBhvr>
+                                    </p:animEffect>
+                                  </p:childTnLst>
+                                </p:cTn>
+                              </p:par>
+                            </p:childTnLst>
+                          </p:cTn>
+                        </p:par>
+                      </p:childTnLst>
+                    </p:cTn>
+                  </p:par>
+                  <p:par>
+                    <p:cTn id="33" fill="hold">
+                      <p:stCondLst>
+                        <p:cond delay="indefinite"/>
+                      </p:stCondLst>
+                      <p:childTnLst>
+                        <p:par>
+                          <p:cTn id="34" fill="hold">
+                            <p:stCondLst>
+                              <p:cond delay="0"/>
+                            </p:stCondLst>
+                            <p:childTnLst>
+                              <p:par>
+                                <p:cTn id="35" presetID="10" presetClass="entr" presetSubtype="0" fill="hold" nodeType="clickEffect">
+                                  <p:stCondLst>
+                                    <p:cond delay="0"/>
+                                  </p:stCondLst>
+                                  <p:childTnLst>
+                                    <p:set>
+                                      <p:cBhvr>
+                                        <p:cTn id="36" dur="1" fill="hold">
+                                          <p:stCondLst>
+                                            <p:cond delay="0"/>
+                                          </p:stCondLst>
+                                        </p:cTn>
+                                        <p:tgtEl>
+                                          <p:spTgt spid="3">
+                                            <p:txEl>
+                                              <p:pRg st="6" end="6"/>
+                                            </p:txEl>
+                                          </p:spTgt>
+                                        </p:tgtEl>
+                                        <p:attrNameLst>
+                                          <p:attrName>style.visibility</p:attrName>
+                                        </p:attrNameLst>
+                                      </p:cBhvr>
+                                      <p:to>
+                                        <p:strVal val="visible"/>
+                                      </p:to>
+                                    </p:set>
+                                    <p:animEffect transition="in" filter="fade">
+                                      <p:cBhvr>
+                                        <p:cTn id="37" dur="500"/>
+                                        <p:tgtEl>
+                                          <p:spTgt spid="3">
+                                            <p:txEl>
+                                              <p:pRg st="6" end="6"/>
+                                            </p:txEl>
+                                          </p:spTgt>
+                                        </p:tgtEl>
+                                      </p:cBhvr>
+                                    </p:animEffect>
+                                  </p:childTnLst>
+                                </p:cTn>
+                              </p:par>
+                            </p:childTnLst>
+                          </p:cTn>
+                        </p:par>
+                      </p:childTnLst>
+                    </p:cTn>
+                  </p:par>
+                  <p:par>
+                    <p:cTn id="38" fill="hold">
+                      <p:stCondLst>
+                        <p:cond delay="indefinite"/>
+                      </p:stCondLst>
+                      <p:childTnLst>
+                        <p:par>
+                          <p:cTn id="39" fill="hold">
+                            <p:stCondLst>
+                              <p:cond delay="0"/>
+                            </p:stCondLst>
+                            <p:childTnLst>
+                              <p:par>
+                                <p:cTn id="40" presetID="10" presetClass="entr" presetSubtype="0" fill="hold" nodeType="clickEffect">
+                                  <p:stCondLst>
+                                    <p:cond delay="0"/>
+                                  </p:stCondLst>
+                                  <p:childTnLst>
+                                    <p:set>
+                                      <p:cBhvr>
+                                        <p:cTn id="41" dur="1" fill="hold">
+                                          <p:stCondLst>
+                                            <p:cond delay="0"/>
+                                          </p:stCondLst>
+                                        </p:cTn>
+                                        <p:tgtEl>
+                                          <p:spTgt spid="3">
+                                            <p:txEl>
+                                              <p:pRg st="7" end="7"/>
+                                            </p:txEl>
+                                          </p:spTgt>
+                                        </p:tgtEl>
+                                        <p:attrNameLst>
+                                          <p:attrName>style.visibility</p:attrName>
+                                        </p:attrNameLst>
+                                      </p:cBhvr>
+                                      <p:to>
+                                        <p:strVal val="visible"/>
+                                      </p:to>
+                                    </p:set>
+                                    <p:animEffect transition="in" filter="fade">
+                                      <p:cBhvr>
+                                        <p:cTn id="42" dur="500"/>
+                                        <p:tgtEl>
+                                          <p:spTgt spid="3">
+                                            <p:txEl>
+                                              <p:pRg st="7" end="7"/>
+                                            </p:txEl>
+                                          </p:spTgt>
+                                        </p:tgtEl>
+                                      </p:cBhvr>
+                                    </p:animEffect>
+                                  </p:childTnLst>
+                                </p:cTn>
+                              </p:par>
+                            </p:childTnLst>
+                          </p:cTn>
+                        </p:par>
+                      </p:childTnLst>
+                    </p:cTn>
+                  </p:par>
+                  <p:par>
+                    <p:cTn id="43" fill="hold">
+                      <p:stCondLst>
+                        <p:cond delay="indefinite"/>
+                      </p:stCondLst>
+                      <p:childTnLst>
+                        <p:par>
+                          <p:cTn id="44" fill="hold">
+                            <p:stCondLst>
+                              <p:cond delay="0"/>
+                            </p:stCondLst>
+                            <p:childTnLst>
+                              <p:par>
+                                <p:cTn id="45" presetID="10" presetClass="entr" presetSubtype="0" fill="hold" nodeType="clickEffect">
+                                  <p:stCondLst>
+                                    <p:cond delay="0"/>
+                                  </p:stCondLst>
+                                  <p:childTnLst>
+                                    <p:set>
+                                      <p:cBhvr>
+                                        <p:cTn id="46" dur="1" fill="hold">
+                                          <p:stCondLst>
+                                            <p:cond delay="0"/>
+                                          </p:stCondLst>
+                                        </p:cTn>
+                                        <p:tgtEl>
+                                          <p:spTgt spid="3">
+                                            <p:txEl>
+                                              <p:pRg st="8" end="8"/>
+                                            </p:txEl>
+                                          </p:spTgt>
+                                        </p:tgtEl>
+                                        <p:attrNameLst>
+                                          <p:attrName>style.visibility</p:attrName>
+                                        </p:attrNameLst>
+                                      </p:cBhvr>
+                                      <p:to>
+                                        <p:strVal val="visible"/>
+                                      </p:to>
+                                    </p:set>
+                                    <p:animEffect transition="in" filter="fade">
+                                      <p:cBhvr>
+                                        <p:cTn id="47" dur="500"/>
+                                        <p:tgtEl>
+                                          <p:spTgt spid="3">
+                                            <p:txEl>
+                                              <p:pRg st="8" end="8"/>
+                                            </p:txEl>
+                                          </p:spTgt>
+                                        </p:tgtEl>
+                                      </p:cBhvr>
+                                    </p:animEffect>
+                                  </p:childTnLst>
+                                </p:cTn>
+                              </p:par>
+                            </p:childTnLst>
+                          </p:cTn>
+                        </p:par>
+                      </p:childTnLst>
+                    </p:cTn>
+                  </p:par>
+                  <p:par>
+                    <p:cTn id="48" fill="hold">
+                      <p:stCondLst>
+                        <p:cond delay="indefinite"/>
+                      </p:stCondLst>
+                      <p:childTnLst>
+                        <p:par>
+                          <p:cTn id="49" fill="hold">
+                            <p:stCondLst>
+                              <p:cond delay="0"/>
+                            </p:stCondLst>
+                            <p:childTnLst>
+                              <p:par>
+                                <p:cTn id="50" presetID="10" presetClass="entr" presetSubtype="0" fill="hold" nodeType="clickEffect">
+                                  <p:stCondLst>
+                                    <p:cond delay="0"/>
+                                  </p:stCondLst>
+                                  <p:childTnLst>
+                                    <p:set>
+                                      <p:cBhvr>
+                                        <p:cTn id="51" dur="1" fill="hold">
+                                          <p:stCondLst>
+                                            <p:cond delay="0"/>
+                                          </p:stCondLst>
+                                        </p:cTn>
+                                        <p:tgtEl>
+                                          <p:spTgt spid="3">
+                                            <p:txEl>
+                                              <p:pRg st="9" end="9"/>
+                                            </p:txEl>
+                                          </p:spTgt>
+                                        </p:tgtEl>
+                                        <p:attrNameLst>
+                                          <p:attrName>style.visibility</p:attrName>
+                                        </p:attrNameLst>
+                                      </p:cBhvr>
+                                      <p:to>
+                                        <p:strVal val="visible"/>
+                                      </p:to>
+                                    </p:set>
+                                    <p:animEffect transition="in" filter="fade">
+                                      <p:cBhvr>
+                                        <p:cTn id="52" dur="500"/>
+                                        <p:tgtEl>
+                                          <p:spTgt spid="3">
+                                            <p:txEl>
+                                              <p:pRg st="9" end="9"/>
+                                            </p:txEl>
+                                          </p:spTgt>
+                                        </p:tgtEl>
+                                      </p:cBhvr>
+                                    </p:animEffect>
+                                  </p:childTnLst>
+                                </p:cTn>
+                              </p:par>
+                            </p:childTnLst>
+                          </p:cTn>
+                        </p:par>
+                      </p:childTnLst>
+                    </p:cTn>
+                  </p:par>
+                  <p:par>
+                    <p:cTn id="53" fill="hold">
+                      <p:stCondLst>
+                        <p:cond delay="indefinite"/>
+                      </p:stCondLst>
+                      <p:childTnLst>
+                        <p:par>
+                          <p:cTn id="54" fill="hold">
+                            <p:stCondLst>
+                              <p:cond delay="0"/>
+                            </p:stCondLst>
+                            <p:childTnLst>
+                              <p:par>
+                                <p:cTn id="55" presetID="10" presetClass="entr" presetSubtype="0" fill="hold" nodeType="clickEffect">
+                                  <p:stCondLst>
+                                    <p:cond delay="0"/>
+                                  </p:stCondLst>
+                                  <p:childTnLst>
+                                    <p:set>
+                                      <p:cBhvr>
+                                        <p:cTn id="56" dur="1" fill="hold">
+                                          <p:stCondLst>
+                                            <p:cond delay="0"/>
+                                          </p:stCondLst>
+                                        </p:cTn>
+                                        <p:tgtEl>
+                                          <p:spTgt spid="3">
+                                            <p:txEl>
+                                              <p:pRg st="10" end="10"/>
+                                            </p:txEl>
+                                          </p:spTgt>
+                                        </p:tgtEl>
+                                        <p:attrNameLst>
+                                          <p:attrName>style.visibility</p:attrName>
+                                        </p:attrNameLst>
+                                      </p:cBhvr>
+                                      <p:to>
+                                        <p:strVal val="visible"/>
+                                      </p:to>
+                                    </p:set>
+                                    <p:animEffect transition="in" filter="fade">
+                                      <p:cBhvr>
+                                        <p:cTn id="57" dur="500"/>
+                                        <p:tgtEl>
+                                          <p:spTgt spid="3">
+                                            <p:txEl>
+                                              <p:pRg st="10" end="10"/>
+                                            </p:txEl>
+                                          </p:spTgt>
+                                        </p:tgtEl>
+                                      </p:cBhvr>
+                                    </p:animEffect>
+                                  </p:childTnLst>
+                                </p:cTn>
+                              </p:par>
+                            </p:childTnLst>
+                          </p:cTn>
+                        </p:par>
+                      </p:childTnLst>
+                    </p:cTn>
+                  </p:par>
+                  <p:par>
+                    <p:cTn id="58" fill="hold">
+                      <p:stCondLst>
+                        <p:cond delay="indefinite"/>
+                      </p:stCondLst>
+                      <p:childTnLst>
+                        <p:par>
+                          <p:cTn id="59" fill="hold">
+                            <p:stCondLst>
+                              <p:cond delay="0"/>
+                            </p:stCondLst>
+                            <p:childTnLst>
+                              <p:par>
+                                <p:cTn id="60" presetID="10" presetClass="entr" presetSubtype="0" fill="hold" nodeType="clickEffect">
+                                  <p:stCondLst>
+                                    <p:cond delay="0"/>
+                                  </p:stCondLst>
+                                  <p:childTnLst>
+                                    <p:set>
+                                      <p:cBhvr>
+                                        <p:cTn id="61" dur="1" fill="hold">
+                                          <p:stCondLst>
+                                            <p:cond delay="0"/>
+                                          </p:stCondLst>
+                                        </p:cTn>
+                                        <p:tgtEl>
+                                          <p:spTgt spid="3">
+                                            <p:txEl>
+                                              <p:pRg st="11" end="11"/>
+                                            </p:txEl>
+                                          </p:spTgt>
+                                        </p:tgtEl>
+                                        <p:attrNameLst>
+                                          <p:attrName>style.visibility</p:attrName>
+                                        </p:attrNameLst>
+                                      </p:cBhvr>
+                                      <p:to>
+                                        <p:strVal val="visible"/>
+                                      </p:to>
+                                    </p:set>
+                                    <p:animEffect transition="in" filter="fade">
+                                      <p:cBhvr>
+                                        <p:cTn id="62" dur="500"/>
+                                        <p:tgtEl>
+                                          <p:spTgt spid="3">
+                                            <p:txEl>
+                                              <p:pRg st="11" end="11"/>
+                                            </p:txEl>
+                                          </p:spTgt>
+                                        </p:tgtEl>
+                                      </p:cBhvr>
+                                    </p:animEffect>
+                                  </p:childTnLst>
+                                </p:cTn>
+                              </p:par>
+                            </p:childTnLst>
+                          </p:cTn>
+                        </p:par>
+                      </p:childTnLst>
+                    </p:cTn>
+                  </p:par>
+                </p:childTnLst>
+              </p:cTn>
+              <p:prevCondLst>
+                <p:cond evt="onPrev" delay="0">
+                  <p:tgtEl>
+                    <p:sldTgt/>
+                  </p:tgtEl>
+                </p:cond>
+              </p:prevCondLst>
+              <p:nextCondLst>
+                <p:cond evt="onNext" delay="0">
+                  <p:tgtEl>
+                    <p:sldTgt/>
+                  </p:tgtEl>
+                </p:cond>
+              </p:nextCondLst>
+            </p:seq>
+          </p:childTnLst>
+        </p:cTn>
+      </p:par>
+    </p:tnLst>
+  </p:timing>
+</p:sld>
+</file>
+
+<file path=ppt/slides/slide3.xml><?xml version="1.0" encoding="utf-8"?>
+<p:sld xmlns:a="http://schemas.openxmlformats.org/drawingml/2006/main" xmlns:r="http://schemas.openxmlformats.org/officeDocument/2006/relationships" xmlns:p="http://schemas.openxmlformats.org/presentationml/2006/main">
+  <p:cSld>
+    <p:bg>
+      <p:bgPr>
+        <a:blipFill dpi="0" rotWithShape="1">
+          <a:blip r:embed="rId2">
+            <a:lum/>
+          </a:blip>
+          <a:srcRect/>
+          <a:stretch>
+            <a:fillRect/>
+          </a:stretch>
+        </a:blipFill>
+        <a:effectLst/>
+      </p:bgPr>
+    </p:bg>
+    <p:spTree>
+      <p:nvGrpSpPr>
+        <p:cNvPr id="1" name=""/>
+        <p:cNvGrpSpPr/>
+        <p:nvPr/>
+      </p:nvGrpSpPr>
+      <p:grpSpPr>
+        <a:xfrm>
+          <a:off x="0" y="0"/>
+          <a:ext cx="0" cy="0"/>
+          <a:chOff x="0" y="0"/>
+          <a:chExt cx="0" cy="0"/>
+        </a:xfrm>
+      </p:grpSpPr>
+      <p:sp>
+        <p:nvSpPr>
+          <p:cNvPr id="2" name="Title 1">
+            <a:extLst>
+              <a:ext uri="{FF2B5EF4-FFF2-40B4-BE49-F238E27FC236}">
+                <a16:creationId xmlns:a16="http://schemas.microsoft.com/office/drawing/2014/main" id="{55E11F08-6CA0-48F1-AD67-97430DDA07F0}"/>
+              </a:ext>
+            </a:extLst>
+          </p:cNvPr>
+          <p:cNvSpPr>
+            <a:spLocks noGrp="1"/>
+          </p:cNvSpPr>
+          <p:nvPr>
+            <p:ph type="title"/>
+          </p:nvPr>
+        </p:nvSpPr>
+        <p:spPr/>
+        <p:txBody>
+          <a:bodyPr/>
+          <a:lstStyle/>
+          <a:p>
+            <a:r>
+              <a:rPr lang="tr-TR" b="1" dirty="0">
+                <a:solidFill>
+                  <a:srgbClr val="292D33"/>
+                </a:solidFill>
+                <a:latin typeface="Euclid Circular B" panose="020B0504000000000000" pitchFamily="34" charset="0"/>
+                <a:ea typeface="Euclid Circular B" panose="020B0504000000000000" pitchFamily="34" charset="0"/>
+              </a:rPr>
+              <a:t>ABP Studio: What it is?</a:t>
+            </a:r>
+            <a:endParaRPr lang="en-US" b="1" dirty="0">
+              <a:solidFill>
+                <a:srgbClr val="292D33"/>
+              </a:solidFill>
+              <a:latin typeface="Euclid Circular B" panose="020B0504000000000000" pitchFamily="34" charset="0"/>
+              <a:ea typeface="Euclid Circular B" panose="020B0504000000000000" pitchFamily="34" charset="0"/>
+            </a:endParaRPr>
+          </a:p>
+        </p:txBody>
+      </p:sp>
+      <p:sp>
+        <p:nvSpPr>
+          <p:cNvPr id="3" name="Content Placeholder 2">
+            <a:extLst>
+              <a:ext uri="{FF2B5EF4-FFF2-40B4-BE49-F238E27FC236}">
+                <a16:creationId xmlns:a16="http://schemas.microsoft.com/office/drawing/2014/main" id="{891C7693-D3DF-4635-96F4-97F3B4136FDF}"/>
+              </a:ext>
+            </a:extLst>
+          </p:cNvPr>
+          <p:cNvSpPr>
+            <a:spLocks noGrp="1"/>
+          </p:cNvSpPr>
+          <p:nvPr>
+            <p:ph idx="1"/>
+          </p:nvPr>
+        </p:nvSpPr>
+        <p:spPr>
+          <a:xfrm>
+            <a:off x="838201" y="2321781"/>
+            <a:ext cx="6540610" cy="3855182"/>
+          </a:xfrm>
+        </p:spPr>
+        <p:txBody>
+          <a:bodyPr/>
+          <a:lstStyle/>
+          <a:p>
+            <a:r>
+              <a:rPr lang="tr-TR" i="1" dirty="0">
+                <a:latin typeface="Euclid Circular B" panose="020B0504000000000000" pitchFamily="34" charset="0"/>
+                <a:ea typeface="Euclid Circular B" panose="020B0504000000000000" pitchFamily="34" charset="0"/>
+              </a:rPr>
+              <a:t>A</a:t>
+            </a:r>
+            <a:r>
+              <a:rPr lang="en-US" i="1" dirty="0">
+                <a:latin typeface="Euclid Circular B" panose="020B0504000000000000" pitchFamily="34" charset="0"/>
+                <a:ea typeface="Euclid Circular B" panose="020B0504000000000000" pitchFamily="34" charset="0"/>
+              </a:rPr>
+              <a:t> </a:t>
+            </a:r>
+            <a:r>
+              <a:rPr lang="en-US" b="1" i="1" dirty="0">
+                <a:latin typeface="Euclid Circular B" panose="020B0504000000000000" pitchFamily="34" charset="0"/>
+                <a:ea typeface="Euclid Circular B" panose="020B0504000000000000" pitchFamily="34" charset="0"/>
+              </a:rPr>
+              <a:t>cross-platform desktop application </a:t>
+            </a:r>
+            <a:r>
+              <a:rPr lang="en-US" i="1" dirty="0">
+                <a:latin typeface="Euclid Circular B" panose="020B0504000000000000" pitchFamily="34" charset="0"/>
+                <a:ea typeface="Euclid Circular B" panose="020B0504000000000000" pitchFamily="34" charset="0"/>
+              </a:rPr>
+              <a:t>for ABP developers</a:t>
+            </a:r>
+            <a:endParaRPr lang="tr-TR" i="1" dirty="0">
+              <a:latin typeface="Euclid Circular B" panose="020B0504000000000000" pitchFamily="34" charset="0"/>
+              <a:ea typeface="Euclid Circular B" panose="020B0504000000000000" pitchFamily="34" charset="0"/>
+            </a:endParaRPr>
+          </a:p>
+          <a:p>
+            <a:r>
+              <a:rPr lang="tr-TR" i="1" dirty="0">
+                <a:latin typeface="Euclid Circular B" panose="020B0504000000000000" pitchFamily="34" charset="0"/>
+                <a:ea typeface="Euclid Circular B" panose="020B0504000000000000" pitchFamily="34" charset="0"/>
+              </a:rPr>
+              <a:t>A tool you use daily to simplify or automate your </a:t>
+            </a:r>
+            <a:r>
+              <a:rPr lang="tr-TR" b="1" i="1" dirty="0">
+                <a:latin typeface="Euclid Circular B" panose="020B0504000000000000" pitchFamily="34" charset="0"/>
+                <a:ea typeface="Euclid Circular B" panose="020B0504000000000000" pitchFamily="34" charset="0"/>
+              </a:rPr>
+              <a:t>non-coding activities</a:t>
+            </a:r>
+          </a:p>
+          <a:p>
+            <a:r>
+              <a:rPr lang="tr-TR" i="1" dirty="0">
+                <a:latin typeface="Euclid Circular B" panose="020B0504000000000000" pitchFamily="34" charset="0"/>
+                <a:ea typeface="Euclid Circular B" panose="020B0504000000000000" pitchFamily="34" charset="0"/>
+              </a:rPr>
+              <a:t>It is </a:t>
+            </a:r>
+            <a:r>
+              <a:rPr lang="tr-TR" b="1" i="1" dirty="0">
+                <a:latin typeface="Euclid Circular B" panose="020B0504000000000000" pitchFamily="34" charset="0"/>
+                <a:ea typeface="Euclid Circular B" panose="020B0504000000000000" pitchFamily="34" charset="0"/>
+              </a:rPr>
+              <a:t>not </a:t>
+            </a:r>
+            <a:r>
+              <a:rPr lang="tr-TR" i="1" dirty="0">
+                <a:latin typeface="Euclid Circular B" panose="020B0504000000000000" pitchFamily="34" charset="0"/>
+                <a:ea typeface="Euclid Circular B" panose="020B0504000000000000" pitchFamily="34" charset="0"/>
+              </a:rPr>
+              <a:t>a coding IDE (e.g. Visual Studio)</a:t>
+            </a:r>
+            <a:endParaRPr lang="en-US" i="1" dirty="0">
+              <a:latin typeface="Euclid Circular B" panose="020B0504000000000000" pitchFamily="34" charset="0"/>
+              <a:ea typeface="Euclid Circular B" panose="020B0504000000000000" pitchFamily="34" charset="0"/>
+            </a:endParaRPr>
+          </a:p>
+        </p:txBody>
+      </p:sp>
+      <p:pic>
+        <p:nvPicPr>
+          <p:cNvPr id="1026" name="Picture 2">
+            <a:extLst>
+              <a:ext uri="{FF2B5EF4-FFF2-40B4-BE49-F238E27FC236}">
+                <a16:creationId xmlns:a16="http://schemas.microsoft.com/office/drawing/2014/main" id="{84A98693-51AA-5614-0F0D-B39B67A7E88F}"/>
+              </a:ext>
+            </a:extLst>
+          </p:cNvPr>
+          <p:cNvPicPr>
+            <a:picLocks noChangeAspect="1" noChangeArrowheads="1"/>
+          </p:cNvPicPr>
+          <p:nvPr/>
+        </p:nvPicPr>
+        <p:blipFill>
+          <a:blip r:embed="rId3">
+            <a:extLst>
+              <a:ext uri="{28A0092B-C50C-407E-A947-70E740481C1C}">
+                <a14:useLocalDpi xmlns:a14="http://schemas.microsoft.com/office/drawing/2010/main" val="0"/>
+              </a:ext>
+            </a:extLst>
+          </a:blip>
+          <a:srcRect/>
+          <a:stretch>
+            <a:fillRect/>
+          </a:stretch>
+        </p:blipFill>
+        <p:spPr bwMode="auto">
+          <a:xfrm>
+            <a:off x="7762875" y="1638300"/>
+            <a:ext cx="4429125" cy="3581400"/>
+          </a:xfrm>
+          <a:prstGeom prst="rect">
+            <a:avLst/>
+          </a:prstGeom>
+          <a:noFill/>
+          <a:extLst>
+            <a:ext uri="{909E8E84-426E-40DD-AFC4-6F175D3DCCD1}">
+              <a14:hiddenFill xmlns:a14="http://schemas.microsoft.com/office/drawing/2010/main">
+                <a:solidFill>
+                  <a:srgbClr val="FFFFFF"/>
+                </a:solidFill>
+              </a14:hiddenFill>
+            </a:ext>
+          </a:extLst>
+        </p:spPr>
+      </p:pic>
+    </p:spTree>
+    <p:extLst>
+      <p:ext uri="{BB962C8B-B14F-4D97-AF65-F5344CB8AC3E}">
+        <p14:creationId xmlns:p14="http://schemas.microsoft.com/office/powerpoint/2010/main" val="900287400"/>
+      </p:ext>
+    </p:extLst>
+  </p:cSld>
+  <p:clrMapOvr>
+    <a:masterClrMapping/>
+  </p:clrMapOvr>
+  <p:timing>
+    <p:tnLst>
+      <p:par>
+        <p:cTn id="1" dur="indefinite" restart="never" nodeType="tmRoot">
+          <p:childTnLst>
+            <p:seq concurrent="1" nextAc="seek">
+              <p:cTn id="2" dur="indefinite" nodeType="mainSeq">
+                <p:childTnLst>
+                  <p:par>
+                    <p:cTn id="3" fill="hold">
+                      <p:stCondLst>
+                        <p:cond delay="indefinite"/>
+                      </p:stCondLst>
+                      <p:childTnLst>
+                        <p:par>
+                          <p:cTn id="4" fill="hold">
+                            <p:stCondLst>
+                              <p:cond delay="0"/>
+                            </p:stCondLst>
+                            <p:childTnLst>
+                              <p:par>
+                                <p:cTn id="5" presetID="10" presetClass="entr" presetSubtype="0" fill="hold" nodeType="clickEffect">
+                                  <p:stCondLst>
+                                    <p:cond delay="0"/>
+                                  </p:stCondLst>
+                                  <p:childTnLst>
+                                    <p:set>
+                                      <p:cBhvr>
+                                        <p:cTn id="6" dur="1" fill="hold">
+                                          <p:stCondLst>
+                                            <p:cond delay="0"/>
+                                          </p:stCondLst>
+                                        </p:cTn>
+                                        <p:tgtEl>
+                                          <p:spTgt spid="3">
+                                            <p:txEl>
+                                              <p:pRg st="0" end="0"/>
+                                            </p:txEl>
+                                          </p:spTgt>
+                                        </p:tgtEl>
+                                        <p:attrNameLst>
+                                          <p:attrName>style.visibility</p:attrName>
+                                        </p:attrNameLst>
+                                      </p:cBhvr>
+                                      <p:to>
+                                        <p:strVal val="visible"/>
+                                      </p:to>
+                                    </p:set>
+                                    <p:animEffect transition="in" filter="fade">
+                                      <p:cBhvr>
+                                        <p:cTn id="7" dur="500"/>
+                                        <p:tgtEl>
+                                          <p:spTgt spid="3">
+                                            <p:txEl>
+                                              <p:pRg st="0" end="0"/>
+                                            </p:txEl>
+                                          </p:spTgt>
+                                        </p:tgtEl>
+                                      </p:cBhvr>
+                                    </p:animEffect>
+                                  </p:childTnLst>
+                                </p:cTn>
+                              </p:par>
+                            </p:childTnLst>
+                          </p:cTn>
+                        </p:par>
+                      </p:childTnLst>
+                    </p:cTn>
+                  </p:par>
+                  <p:par>
+                    <p:cTn id="8" fill="hold">
+                      <p:stCondLst>
+                        <p:cond delay="indefinite"/>
+                      </p:stCondLst>
+                      <p:childTnLst>
+                        <p:par>
+                          <p:cTn id="9" fill="hold">
+                            <p:stCondLst>
+                              <p:cond delay="0"/>
+                            </p:stCondLst>
+                            <p:childTnLst>
+                              <p:par>
+                                <p:cTn id="10" presetID="10" presetClass="entr" presetSubtype="0" fill="hold" nodeType="clickEffect">
+                                  <p:stCondLst>
+                                    <p:cond delay="0"/>
+                                  </p:stCondLst>
+                                  <p:childTnLst>
+                                    <p:set>
+                                      <p:cBhvr>
+                                        <p:cTn id="11" dur="1" fill="hold">
+                                          <p:stCondLst>
+                                            <p:cond delay="0"/>
+                                          </p:stCondLst>
+                                        </p:cTn>
+                                        <p:tgtEl>
+                                          <p:spTgt spid="3">
+                                            <p:txEl>
+                                              <p:pRg st="1" end="1"/>
+                                            </p:txEl>
+                                          </p:spTgt>
+                                        </p:tgtEl>
+                                        <p:attrNameLst>
+                                          <p:attrName>style.visibility</p:attrName>
+                                        </p:attrNameLst>
+                                      </p:cBhvr>
+                                      <p:to>
+                                        <p:strVal val="visible"/>
+                                      </p:to>
+                                    </p:set>
+                                    <p:animEffect transition="in" filter="fade">
+                                      <p:cBhvr>
+                                        <p:cTn id="12" dur="500"/>
+                                        <p:tgtEl>
+                                          <p:spTgt spid="3">
+                                            <p:txEl>
+                                              <p:pRg st="1" end="1"/>
+                                            </p:txEl>
+                                          </p:spTgt>
+                                        </p:tgtEl>
+                                      </p:cBhvr>
+                                    </p:animEffect>
+                                  </p:childTnLst>
+                                </p:cTn>
+                              </p:par>
+                            </p:childTnLst>
+                          </p:cTn>
+                        </p:par>
+                      </p:childTnLst>
+                    </p:cTn>
+                  </p:par>
+                  <p:par>
+                    <p:cTn id="13" fill="hold">
+                      <p:stCondLst>
+                        <p:cond delay="indefinite"/>
+                      </p:stCondLst>
+                      <p:childTnLst>
+                        <p:par>
+                          <p:cTn id="14" fill="hold">
+                            <p:stCondLst>
+                              <p:cond delay="0"/>
+                            </p:stCondLst>
+                            <p:childTnLst>
+                              <p:par>
+                                <p:cTn id="15" presetID="10" presetClass="entr" presetSubtype="0" fill="hold" nodeType="clickEffect">
+                                  <p:stCondLst>
+                                    <p:cond delay="0"/>
+                                  </p:stCondLst>
+                                  <p:childTnLst>
+                                    <p:set>
+                                      <p:cBhvr>
+                                        <p:cTn id="16" dur="1" fill="hold">
+                                          <p:stCondLst>
+                                            <p:cond delay="0"/>
+                                          </p:stCondLst>
+                                        </p:cTn>
+                                        <p:tgtEl>
+                                          <p:spTgt spid="3">
+                                            <p:txEl>
+                                              <p:pRg st="2" end="2"/>
+                                            </p:txEl>
+                                          </p:spTgt>
+                                        </p:tgtEl>
+                                        <p:attrNameLst>
+                                          <p:attrName>style.visibility</p:attrName>
+                                        </p:attrNameLst>
+                                      </p:cBhvr>
+                                      <p:to>
+                                        <p:strVal val="visible"/>
+                                      </p:to>
+                                    </p:set>
+                                    <p:animEffect transition="in" filter="fade">
+                                      <p:cBhvr>
+                                        <p:cTn id="17" dur="500"/>
+                                        <p:tgtEl>
+                                          <p:spTgt spid="3">
+                                            <p:txEl>
+                                              <p:pRg st="2" end="2"/>
+                                            </p:txEl>
+                                          </p:spTgt>
+                                        </p:tgtEl>
+                                      </p:cBhvr>
+                                    </p:animEffect>
+                                  </p:childTnLst>
+                                </p:cTn>
+                              </p:par>
+                            </p:childTnLst>
+                          </p:cTn>
+                        </p:par>
+                      </p:childTnLst>
+                    </p:cTn>
+                  </p:par>
+                </p:childTnLst>
+              </p:cTn>
+              <p:prevCondLst>
+                <p:cond evt="onPrev" delay="0">
+                  <p:tgtEl>
+                    <p:sldTgt/>
+                  </p:tgtEl>
+                </p:cond>
+              </p:prevCondLst>
+              <p:nextCondLst>
+                <p:cond evt="onNext" delay="0">
+                  <p:tgtEl>
+                    <p:sldTgt/>
+                  </p:tgtEl>
+                </p:cond>
+              </p:nextCondLst>
+            </p:seq>
+          </p:childTnLst>
+        </p:cTn>
+      </p:par>
+    </p:tnLst>
+  </p:timing>
+</p:sld>
+</file>
+
+<file path=ppt/slides/slide4.xml><?xml version="1.0" encoding="utf-8"?>
+<p:sld xmlns:a="http://schemas.openxmlformats.org/drawingml/2006/main" xmlns:r="http://schemas.openxmlformats.org/officeDocument/2006/relationships" xmlns:p="http://schemas.openxmlformats.org/presentationml/2006/main">
+  <p:cSld>
+    <p:bg>
+      <p:bgPr>
+        <a:blipFill dpi="0" rotWithShape="1">
+          <a:blip r:embed="rId2">
+            <a:lum/>
+          </a:blip>
+          <a:srcRect/>
+          <a:stretch>
+            <a:fillRect/>
+          </a:stretch>
+        </a:blipFill>
+        <a:effectLst/>
+      </p:bgPr>
+    </p:bg>
+    <p:spTree>
+      <p:nvGrpSpPr>
+        <p:cNvPr id="1" name=""/>
+        <p:cNvGrpSpPr/>
+        <p:nvPr/>
+      </p:nvGrpSpPr>
+      <p:grpSpPr>
+        <a:xfrm>
+          <a:off x="0" y="0"/>
+          <a:ext cx="0" cy="0"/>
+          <a:chOff x="0" y="0"/>
+          <a:chExt cx="0" cy="0"/>
+        </a:xfrm>
+      </p:grpSpPr>
+      <p:sp>
+        <p:nvSpPr>
+          <p:cNvPr id="2" name="Title 1">
+            <a:extLst>
+              <a:ext uri="{FF2B5EF4-FFF2-40B4-BE49-F238E27FC236}">
+                <a16:creationId xmlns:a16="http://schemas.microsoft.com/office/drawing/2014/main" id="{55E11F08-6CA0-48F1-AD67-97430DDA07F0}"/>
+              </a:ext>
+            </a:extLst>
+          </p:cNvPr>
+          <p:cNvSpPr>
+            <a:spLocks noGrp="1"/>
+          </p:cNvSpPr>
+          <p:nvPr>
+            <p:ph type="title"/>
+          </p:nvPr>
+        </p:nvSpPr>
+        <p:spPr/>
+        <p:txBody>
+          <a:bodyPr/>
+          <a:lstStyle/>
+          <a:p>
+            <a:r>
+              <a:rPr lang="tr-TR" b="1" dirty="0">
+                <a:solidFill>
+                  <a:srgbClr val="292D33"/>
+                </a:solidFill>
+                <a:latin typeface="Euclid Circular B" panose="020B0504000000000000" pitchFamily="34" charset="0"/>
+                <a:ea typeface="Euclid Circular B" panose="020B0504000000000000" pitchFamily="34" charset="0"/>
+              </a:rPr>
+              <a:t>ABP Studio: Why?</a:t>
+            </a:r>
+            <a:endParaRPr lang="en-US" b="1" dirty="0">
+              <a:solidFill>
+                <a:srgbClr val="292D33"/>
+              </a:solidFill>
+              <a:latin typeface="Euclid Circular B" panose="020B0504000000000000" pitchFamily="34" charset="0"/>
+              <a:ea typeface="Euclid Circular B" panose="020B0504000000000000" pitchFamily="34" charset="0"/>
+            </a:endParaRPr>
+          </a:p>
+        </p:txBody>
+      </p:sp>
+      <p:sp>
+        <p:nvSpPr>
+          <p:cNvPr id="3" name="Content Placeholder 2">
+            <a:extLst>
+              <a:ext uri="{FF2B5EF4-FFF2-40B4-BE49-F238E27FC236}">
+                <a16:creationId xmlns:a16="http://schemas.microsoft.com/office/drawing/2014/main" id="{891C7693-D3DF-4635-96F4-97F3B4136FDF}"/>
+              </a:ext>
+            </a:extLst>
+          </p:cNvPr>
+          <p:cNvSpPr>
+            <a:spLocks noGrp="1"/>
+          </p:cNvSpPr>
+          <p:nvPr>
+            <p:ph idx="1"/>
+          </p:nvPr>
+        </p:nvSpPr>
+        <p:spPr>
+          <a:xfrm>
+            <a:off x="838200" y="1825625"/>
+            <a:ext cx="6659880" cy="4351338"/>
+          </a:xfrm>
+        </p:spPr>
+        <p:txBody>
+          <a:bodyPr>
+            <a:normAutofit/>
+          </a:bodyPr>
+          <a:lstStyle/>
+          <a:p>
+            <a:r>
+              <a:rPr lang="tr-TR" dirty="0">
+                <a:latin typeface="Euclid Circular B" panose="020B0504000000000000" pitchFamily="34" charset="0"/>
+                <a:ea typeface="Euclid Circular B" panose="020B0504000000000000" pitchFamily="34" charset="0"/>
+              </a:rPr>
+              <a:t>A single wiew of a system consists of multiple .NET solutions</a:t>
+            </a:r>
+          </a:p>
+          <a:p>
+            <a:pPr lvl="1"/>
+            <a:r>
+              <a:rPr lang="tr-TR" dirty="0">
+                <a:latin typeface="Euclid Circular B" panose="020B0504000000000000" pitchFamily="34" charset="0"/>
+                <a:ea typeface="Euclid Circular B" panose="020B0504000000000000" pitchFamily="34" charset="0"/>
+              </a:rPr>
+              <a:t>Architecting complex software solutions</a:t>
+            </a:r>
+          </a:p>
+          <a:p>
+            <a:pPr lvl="2"/>
+            <a:r>
+              <a:rPr lang="tr-TR" dirty="0">
+                <a:latin typeface="Euclid Circular B" panose="020B0504000000000000" pitchFamily="34" charset="0"/>
+                <a:ea typeface="Euclid Circular B" panose="020B0504000000000000" pitchFamily="34" charset="0"/>
+              </a:rPr>
+              <a:t>Modular monoliths</a:t>
+            </a:r>
+          </a:p>
+          <a:p>
+            <a:pPr lvl="2"/>
+            <a:r>
+              <a:rPr lang="tr-TR" dirty="0">
+                <a:latin typeface="Euclid Circular B" panose="020B0504000000000000" pitchFamily="34" charset="0"/>
+                <a:ea typeface="Euclid Circular B" panose="020B0504000000000000" pitchFamily="34" charset="0"/>
+              </a:rPr>
+              <a:t>Microservice / distributed systems</a:t>
+            </a:r>
+          </a:p>
+          <a:p>
+            <a:pPr lvl="1"/>
+            <a:r>
+              <a:rPr lang="tr-TR" dirty="0">
+                <a:latin typeface="Euclid Circular B" panose="020B0504000000000000" pitchFamily="34" charset="0"/>
+                <a:ea typeface="Euclid Circular B" panose="020B0504000000000000" pitchFamily="34" charset="0"/>
+              </a:rPr>
+              <a:t>Building &amp; managing multi-package or layered modules</a:t>
+            </a:r>
+          </a:p>
+          <a:p>
+            <a:pPr lvl="1"/>
+            <a:r>
+              <a:rPr lang="tr-TR" dirty="0">
+                <a:latin typeface="Euclid Circular B" panose="020B0504000000000000" pitchFamily="34" charset="0"/>
+                <a:ea typeface="Euclid Circular B" panose="020B0504000000000000" pitchFamily="34" charset="0"/>
+              </a:rPr>
+              <a:t>Install, uninstall and explore external modules</a:t>
+            </a:r>
+          </a:p>
+        </p:txBody>
+      </p:sp>
+      <p:pic>
+        <p:nvPicPr>
+          <p:cNvPr id="2052" name="Picture 4" descr="Architect Your Solutions">
+            <a:extLst>
+              <a:ext uri="{FF2B5EF4-FFF2-40B4-BE49-F238E27FC236}">
+                <a16:creationId xmlns:a16="http://schemas.microsoft.com/office/drawing/2014/main" id="{FDCB98E2-3C88-42D7-A6AC-25FA3E5734DC}"/>
+              </a:ext>
+            </a:extLst>
+          </p:cNvPr>
+          <p:cNvPicPr>
+            <a:picLocks noChangeAspect="1" noChangeArrowheads="1"/>
+          </p:cNvPicPr>
+          <p:nvPr/>
+        </p:nvPicPr>
+        <p:blipFill>
+          <a:blip r:embed="rId3">
+            <a:extLst>
+              <a:ext uri="{28A0092B-C50C-407E-A947-70E740481C1C}">
+                <a14:useLocalDpi xmlns:a14="http://schemas.microsoft.com/office/drawing/2010/main" val="0"/>
+              </a:ext>
+            </a:extLst>
+          </a:blip>
+          <a:srcRect/>
+          <a:stretch>
+            <a:fillRect/>
+          </a:stretch>
+        </p:blipFill>
+        <p:spPr bwMode="auto">
+          <a:xfrm>
+            <a:off x="8140424" y="1095292"/>
+            <a:ext cx="4051576" cy="4667416"/>
+          </a:xfrm>
+          <a:prstGeom prst="rect">
+            <a:avLst/>
+          </a:prstGeom>
+          <a:noFill/>
+          <a:extLst>
+            <a:ext uri="{909E8E84-426E-40DD-AFC4-6F175D3DCCD1}">
+              <a14:hiddenFill xmlns:a14="http://schemas.microsoft.com/office/drawing/2010/main">
+                <a:solidFill>
+                  <a:srgbClr val="FFFFFF"/>
+                </a:solidFill>
+              </a14:hiddenFill>
+            </a:ext>
+          </a:extLst>
+        </p:spPr>
+      </p:pic>
+    </p:spTree>
+    <p:extLst>
+      <p:ext uri="{BB962C8B-B14F-4D97-AF65-F5344CB8AC3E}">
+        <p14:creationId xmlns:p14="http://schemas.microsoft.com/office/powerpoint/2010/main" val="52993536"/>
+      </p:ext>
+    </p:extLst>
+  </p:cSld>
+  <p:clrMapOvr>
+    <a:masterClrMapping/>
+  </p:clrMapOvr>
+  <p:timing>
+    <p:tnLst>
+      <p:par>
+        <p:cTn id="1" dur="indefinite" restart="never" nodeType="tmRoot">
+          <p:childTnLst>
+            <p:seq concurrent="1" nextAc="seek">
+              <p:cTn id="2" dur="indefinite" nodeType="mainSeq">
+                <p:childTnLst>
+                  <p:par>
+                    <p:cTn id="3" fill="hold">
+                      <p:stCondLst>
+                        <p:cond delay="indefinite"/>
+                      </p:stCondLst>
+                      <p:childTnLst>
+                        <p:par>
+                          <p:cTn id="4" fill="hold">
+                            <p:stCondLst>
+                              <p:cond delay="0"/>
+                            </p:stCondLst>
+                            <p:childTnLst>
+                              <p:par>
+                                <p:cTn id="5" presetID="10" presetClass="entr" presetSubtype="0" fill="hold" nodeType="clickEffect">
+                                  <p:stCondLst>
+                                    <p:cond delay="0"/>
+                                  </p:stCondLst>
+                                  <p:childTnLst>
+                                    <p:set>
+                                      <p:cBhvr>
+                                        <p:cTn id="6" dur="1" fill="hold">
+                                          <p:stCondLst>
+                                            <p:cond delay="0"/>
+                                          </p:stCondLst>
+                                        </p:cTn>
+                                        <p:tgtEl>
+                                          <p:spTgt spid="3">
+                                            <p:txEl>
+                                              <p:pRg st="0" end="0"/>
+                                            </p:txEl>
+                                          </p:spTgt>
+                                        </p:tgtEl>
+                                        <p:attrNameLst>
+                                          <p:attrName>style.visibility</p:attrName>
+                                        </p:attrNameLst>
+                                      </p:cBhvr>
+                                      <p:to>
+                                        <p:strVal val="visible"/>
+                                      </p:to>
+                                    </p:set>
+                                    <p:animEffect transition="in" filter="fade">
+                                      <p:cBhvr>
+                                        <p:cTn id="7" dur="500"/>
+                                        <p:tgtEl>
+                                          <p:spTgt spid="3">
+                                            <p:txEl>
+                                              <p:pRg st="0" end="0"/>
+                                            </p:txEl>
+                                          </p:spTgt>
+                                        </p:tgtEl>
+                                      </p:cBhvr>
+                                    </p:animEffect>
+                                  </p:childTnLst>
+                                </p:cTn>
+                              </p:par>
+                            </p:childTnLst>
+                          </p:cTn>
+                        </p:par>
+                      </p:childTnLst>
+                    </p:cTn>
+                  </p:par>
+                  <p:par>
+                    <p:cTn id="8" fill="hold">
+                      <p:stCondLst>
+                        <p:cond delay="indefinite"/>
+                      </p:stCondLst>
+                      <p:childTnLst>
+                        <p:par>
+                          <p:cTn id="9" fill="hold">
+                            <p:stCondLst>
+                              <p:cond delay="0"/>
+                            </p:stCondLst>
+                            <p:childTnLst>
+                              <p:par>
+                                <p:cTn id="10" presetID="10" presetClass="entr" presetSubtype="0" fill="hold" nodeType="clickEffect">
+                                  <p:stCondLst>
+                                    <p:cond delay="0"/>
+                                  </p:stCondLst>
+                                  <p:childTnLst>
+                                    <p:set>
+                                      <p:cBhvr>
+                                        <p:cTn id="11" dur="1" fill="hold">
+                                          <p:stCondLst>
+                                            <p:cond delay="0"/>
+                                          </p:stCondLst>
+                                        </p:cTn>
+                                        <p:tgtEl>
+                                          <p:spTgt spid="3">
+                                            <p:txEl>
+                                              <p:pRg st="1" end="1"/>
+                                            </p:txEl>
+                                          </p:spTgt>
+                                        </p:tgtEl>
+                                        <p:attrNameLst>
+                                          <p:attrName>style.visibility</p:attrName>
+                                        </p:attrNameLst>
+                                      </p:cBhvr>
+                                      <p:to>
+                                        <p:strVal val="visible"/>
+                                      </p:to>
+                                    </p:set>
+                                    <p:animEffect transition="in" filter="fade">
+                                      <p:cBhvr>
+                                        <p:cTn id="12" dur="500"/>
+                                        <p:tgtEl>
+                                          <p:spTgt spid="3">
+                                            <p:txEl>
+                                              <p:pRg st="1" end="1"/>
+                                            </p:txEl>
+                                          </p:spTgt>
+                                        </p:tgtEl>
+                                      </p:cBhvr>
+                                    </p:animEffect>
+                                  </p:childTnLst>
+                                </p:cTn>
+                              </p:par>
+                              <p:par>
+                                <p:cTn id="13" presetID="10" presetClass="entr" presetSubtype="0" fill="hold" nodeType="withEffect">
+                                  <p:stCondLst>
+                                    <p:cond delay="0"/>
+                                  </p:stCondLst>
+                                  <p:childTnLst>
+                                    <p:set>
+                                      <p:cBhvr>
+                                        <p:cTn id="14" dur="1" fill="hold">
+                                          <p:stCondLst>
+                                            <p:cond delay="0"/>
+                                          </p:stCondLst>
+                                        </p:cTn>
+                                        <p:tgtEl>
+                                          <p:spTgt spid="3">
+                                            <p:txEl>
+                                              <p:pRg st="2" end="2"/>
+                                            </p:txEl>
+                                          </p:spTgt>
+                                        </p:tgtEl>
+                                        <p:attrNameLst>
+                                          <p:attrName>style.visibility</p:attrName>
+                                        </p:attrNameLst>
+                                      </p:cBhvr>
+                                      <p:to>
+                                        <p:strVal val="visible"/>
+                                      </p:to>
+                                    </p:set>
+                                    <p:animEffect transition="in" filter="fade">
+                                      <p:cBhvr>
+                                        <p:cTn id="15" dur="500"/>
+                                        <p:tgtEl>
+                                          <p:spTgt spid="3">
+                                            <p:txEl>
+                                              <p:pRg st="2" end="2"/>
+                                            </p:txEl>
+                                          </p:spTgt>
+                                        </p:tgtEl>
+                                      </p:cBhvr>
+                                    </p:animEffect>
+                                  </p:childTnLst>
+                                </p:cTn>
+                              </p:par>
+                              <p:par>
+                                <p:cTn id="16" presetID="10" presetClass="entr" presetSubtype="0" fill="hold" nodeType="withEffect">
+                                  <p:stCondLst>
+                                    <p:cond delay="0"/>
+                                  </p:stCondLst>
+                                  <p:childTnLst>
+                                    <p:set>
+                                      <p:cBhvr>
+                                        <p:cTn id="17" dur="1" fill="hold">
+                                          <p:stCondLst>
+                                            <p:cond delay="0"/>
+                                          </p:stCondLst>
+                                        </p:cTn>
+                                        <p:tgtEl>
+                                          <p:spTgt spid="3">
+                                            <p:txEl>
+                                              <p:pRg st="3" end="3"/>
+                                            </p:txEl>
+                                          </p:spTgt>
+                                        </p:tgtEl>
+                                        <p:attrNameLst>
+                                          <p:attrName>style.visibility</p:attrName>
+                                        </p:attrNameLst>
+                                      </p:cBhvr>
+                                      <p:to>
+                                        <p:strVal val="visible"/>
+                                      </p:to>
+                                    </p:set>
+                                    <p:animEffect transition="in" filter="fade">
+                                      <p:cBhvr>
+                                        <p:cTn id="18" dur="500"/>
+                                        <p:tgtEl>
+                                          <p:spTgt spid="3">
+                                            <p:txEl>
+                                              <p:pRg st="3" end="3"/>
+                                            </p:txEl>
+                                          </p:spTgt>
+                                        </p:tgtEl>
+                                      </p:cBhvr>
+                                    </p:animEffect>
+                                  </p:childTnLst>
+                                </p:cTn>
+                              </p:par>
+                            </p:childTnLst>
+                          </p:cTn>
+                        </p:par>
+                      </p:childTnLst>
+                    </p:cTn>
+                  </p:par>
+                  <p:par>
+                    <p:cTn id="19" fill="hold">
+                      <p:stCondLst>
+                        <p:cond delay="indefinite"/>
+                      </p:stCondLst>
+                      <p:childTnLst>
+                        <p:par>
+                          <p:cTn id="20" fill="hold">
+                            <p:stCondLst>
+                              <p:cond delay="0"/>
+                            </p:stCondLst>
+                            <p:childTnLst>
+                              <p:par>
+                                <p:cTn id="21" presetID="10" presetClass="entr" presetSubtype="0" fill="hold" nodeType="clickEffect">
+                                  <p:stCondLst>
+                                    <p:cond delay="0"/>
+                                  </p:stCondLst>
+                                  <p:childTnLst>
+                                    <p:set>
+                                      <p:cBhvr>
+                                        <p:cTn id="22" dur="1" fill="hold">
+                                          <p:stCondLst>
+                                            <p:cond delay="0"/>
+                                          </p:stCondLst>
+                                        </p:cTn>
+                                        <p:tgtEl>
+                                          <p:spTgt spid="3">
+                                            <p:txEl>
+                                              <p:pRg st="4" end="4"/>
+                                            </p:txEl>
+                                          </p:spTgt>
+                                        </p:tgtEl>
+                                        <p:attrNameLst>
+                                          <p:attrName>style.visibility</p:attrName>
+                                        </p:attrNameLst>
+                                      </p:cBhvr>
+                                      <p:to>
+                                        <p:strVal val="visible"/>
+                                      </p:to>
+                                    </p:set>
+                                    <p:animEffect transition="in" filter="fade">
+                                      <p:cBhvr>
+                                        <p:cTn id="23" dur="500"/>
+                                        <p:tgtEl>
+                                          <p:spTgt spid="3">
+                                            <p:txEl>
+                                              <p:pRg st="4" end="4"/>
+                                            </p:txEl>
+                                          </p:spTgt>
+                                        </p:tgtEl>
+                                      </p:cBhvr>
+                                    </p:animEffect>
+                                  </p:childTnLst>
+                                </p:cTn>
+                              </p:par>
+                            </p:childTnLst>
+                          </p:cTn>
+                        </p:par>
+                      </p:childTnLst>
+                    </p:cTn>
+                  </p:par>
+                  <p:par>
+                    <p:cTn id="24" fill="hold">
+                      <p:stCondLst>
+                        <p:cond delay="indefinite"/>
+                      </p:stCondLst>
+                      <p:childTnLst>
+                        <p:par>
+                          <p:cTn id="25" fill="hold">
+                            <p:stCondLst>
+                              <p:cond delay="0"/>
+                            </p:stCondLst>
+                            <p:childTnLst>
+                              <p:par>
+                                <p:cTn id="26" presetID="10" presetClass="entr" presetSubtype="0" fill="hold" nodeType="clickEffect">
+                                  <p:stCondLst>
+                                    <p:cond delay="0"/>
+                                  </p:stCondLst>
+                                  <p:childTnLst>
+                                    <p:set>
+                                      <p:cBhvr>
+                                        <p:cTn id="27" dur="1" fill="hold">
+                                          <p:stCondLst>
+                                            <p:cond delay="0"/>
+                                          </p:stCondLst>
+                                        </p:cTn>
+                                        <p:tgtEl>
+                                          <p:spTgt spid="3">
+                                            <p:txEl>
+                                              <p:pRg st="5" end="5"/>
+                                            </p:txEl>
+                                          </p:spTgt>
+                                        </p:tgtEl>
+                                        <p:attrNameLst>
+                                          <p:attrName>style.visibility</p:attrName>
+                                        </p:attrNameLst>
+                                      </p:cBhvr>
+                                      <p:to>
+                                        <p:strVal val="visible"/>
+                                      </p:to>
+                                    </p:set>
+                                    <p:animEffect transition="in" filter="fade">
+                                      <p:cBhvr>
+                                        <p:cTn id="28" dur="500"/>
+                                        <p:tgtEl>
+                                          <p:spTgt spid="3">
+                                            <p:txEl>
+                                              <p:pRg st="5" end="5"/>
+                                            </p:txEl>
+                                          </p:spTgt>
+                                        </p:tgtEl>
+                                      </p:cBhvr>
+                                    </p:animEffect>
+                                  </p:childTnLst>
+                                </p:cTn>
+                              </p:par>
+                            </p:childTnLst>
+                          </p:cTn>
+                        </p:par>
+                      </p:childTnLst>
+                    </p:cTn>
+                  </p:par>
+                </p:childTnLst>
+              </p:cTn>
+              <p:prevCondLst>
+                <p:cond evt="onPrev" delay="0">
+                  <p:tgtEl>
+                    <p:sldTgt/>
+                  </p:tgtEl>
+                </p:cond>
+              </p:prevCondLst>
+              <p:nextCondLst>
+                <p:cond evt="onNext" delay="0">
+                  <p:tgtEl>
+                    <p:sldTgt/>
+                  </p:tgtEl>
+                </p:cond>
+              </p:nextCondLst>
+            </p:seq>
+          </p:childTnLst>
+        </p:cTn>
+      </p:par>
+    </p:tnLst>
+  </p:timing>
+</p:sld>
+</file>
+
+<file path=ppt/slides/slide5.xml><?xml version="1.0" encoding="utf-8"?>
+<p:sld xmlns:a="http://schemas.openxmlformats.org/drawingml/2006/main" xmlns:r="http://schemas.openxmlformats.org/officeDocument/2006/relationships" xmlns:p="http://schemas.openxmlformats.org/presentationml/2006/main">
+  <p:cSld>
+    <p:bg>
+      <p:bgPr>
+        <a:blipFill dpi="0" rotWithShape="1">
+          <a:blip r:embed="rId2">
+            <a:lum/>
+          </a:blip>
+          <a:srcRect/>
+          <a:stretch>
+            <a:fillRect/>
+          </a:stretch>
+        </a:blipFill>
+        <a:effectLst/>
+      </p:bgPr>
+    </p:bg>
+    <p:spTree>
+      <p:nvGrpSpPr>
+        <p:cNvPr id="1" name=""/>
+        <p:cNvGrpSpPr/>
+        <p:nvPr/>
+      </p:nvGrpSpPr>
+      <p:grpSpPr>
+        <a:xfrm>
+          <a:off x="0" y="0"/>
+          <a:ext cx="0" cy="0"/>
+          <a:chOff x="0" y="0"/>
+          <a:chExt cx="0" cy="0"/>
+        </a:xfrm>
+      </p:grpSpPr>
+      <p:sp>
+        <p:nvSpPr>
+          <p:cNvPr id="2" name="Title 1">
+            <a:extLst>
+              <a:ext uri="{FF2B5EF4-FFF2-40B4-BE49-F238E27FC236}">
+                <a16:creationId xmlns:a16="http://schemas.microsoft.com/office/drawing/2014/main" id="{55E11F08-6CA0-48F1-AD67-97430DDA07F0}"/>
+              </a:ext>
+            </a:extLst>
+          </p:cNvPr>
+          <p:cNvSpPr>
+            <a:spLocks noGrp="1"/>
+          </p:cNvSpPr>
+          <p:nvPr>
+            <p:ph type="title"/>
+          </p:nvPr>
+        </p:nvSpPr>
+        <p:spPr/>
+        <p:txBody>
+          <a:bodyPr/>
+          <a:lstStyle/>
+          <a:p>
+            <a:r>
+              <a:rPr lang="tr-TR" b="1" dirty="0">
+                <a:solidFill>
+                  <a:srgbClr val="292D33"/>
+                </a:solidFill>
+                <a:latin typeface="Euclid Circular B" panose="020B0504000000000000" pitchFamily="34" charset="0"/>
+                <a:ea typeface="Euclid Circular B" panose="020B0504000000000000" pitchFamily="34" charset="0"/>
+              </a:rPr>
+              <a:t>ABP Studio: Why?</a:t>
+            </a:r>
+            <a:endParaRPr lang="en-US" b="1" dirty="0">
+              <a:solidFill>
+                <a:srgbClr val="292D33"/>
+              </a:solidFill>
+              <a:latin typeface="Euclid Circular B" panose="020B0504000000000000" pitchFamily="34" charset="0"/>
+              <a:ea typeface="Euclid Circular B" panose="020B0504000000000000" pitchFamily="34" charset="0"/>
+            </a:endParaRPr>
+          </a:p>
+        </p:txBody>
+      </p:sp>
+      <p:sp>
+        <p:nvSpPr>
+          <p:cNvPr id="3" name="Content Placeholder 2">
+            <a:extLst>
+              <a:ext uri="{FF2B5EF4-FFF2-40B4-BE49-F238E27FC236}">
+                <a16:creationId xmlns:a16="http://schemas.microsoft.com/office/drawing/2014/main" id="{891C7693-D3DF-4635-96F4-97F3B4136FDF}"/>
+              </a:ext>
+            </a:extLst>
+          </p:cNvPr>
+          <p:cNvSpPr>
+            <a:spLocks noGrp="1"/>
+          </p:cNvSpPr>
+          <p:nvPr>
+            <p:ph idx="1"/>
+          </p:nvPr>
+        </p:nvSpPr>
+        <p:spPr>
+          <a:xfrm>
+            <a:off x="838200" y="1825625"/>
+            <a:ext cx="4361953" cy="4351338"/>
+          </a:xfrm>
+        </p:spPr>
+        <p:txBody>
+          <a:bodyPr>
+            <a:normAutofit/>
+          </a:bodyPr>
+          <a:lstStyle/>
+          <a:p>
+            <a:r>
+              <a:rPr lang="tr-TR" dirty="0">
+                <a:latin typeface="Euclid Circular B" panose="020B0504000000000000" pitchFamily="34" charset="0"/>
+                <a:ea typeface="Euclid Circular B" panose="020B0504000000000000" pitchFamily="34" charset="0"/>
+              </a:rPr>
+              <a:t>A single UI to control multi-application solutions</a:t>
+            </a:r>
+          </a:p>
+          <a:p>
+            <a:pPr lvl="1"/>
+            <a:r>
+              <a:rPr lang="tr-TR" dirty="0">
+                <a:latin typeface="Euclid Circular B" panose="020B0504000000000000" pitchFamily="34" charset="0"/>
+                <a:ea typeface="Euclid Circular B" panose="020B0504000000000000" pitchFamily="34" charset="0"/>
+              </a:rPr>
+              <a:t>Running multiple applications/services with a single click</a:t>
+            </a:r>
+          </a:p>
+          <a:p>
+            <a:pPr lvl="1"/>
+            <a:r>
+              <a:rPr lang="tr-TR" dirty="0">
+                <a:latin typeface="Euclid Circular B" panose="020B0504000000000000" pitchFamily="34" charset="0"/>
+                <a:ea typeface="Euclid Circular B" panose="020B0504000000000000" pitchFamily="34" charset="0"/>
+              </a:rPr>
+              <a:t>Browse, monitor, trace and debug problems across applications/services</a:t>
+            </a:r>
+          </a:p>
+        </p:txBody>
+      </p:sp>
+      <p:pic>
+        <p:nvPicPr>
+          <p:cNvPr id="3074" name="Picture 2" descr="Run Multi-Application or Microservice Solutions in a Breeze">
+            <a:extLst>
+              <a:ext uri="{FF2B5EF4-FFF2-40B4-BE49-F238E27FC236}">
+                <a16:creationId xmlns:a16="http://schemas.microsoft.com/office/drawing/2014/main" id="{00B2B66F-D8AB-063A-4026-055239842ABC}"/>
+              </a:ext>
+            </a:extLst>
+          </p:cNvPr>
+          <p:cNvPicPr>
+            <a:picLocks noChangeAspect="1" noChangeArrowheads="1"/>
+          </p:cNvPicPr>
+          <p:nvPr/>
+        </p:nvPicPr>
+        <p:blipFill>
+          <a:blip r:embed="rId3">
+            <a:extLst>
+              <a:ext uri="{28A0092B-C50C-407E-A947-70E740481C1C}">
+                <a14:useLocalDpi xmlns:a14="http://schemas.microsoft.com/office/drawing/2010/main" val="0"/>
+              </a:ext>
+            </a:extLst>
+          </a:blip>
+          <a:srcRect/>
+          <a:stretch>
+            <a:fillRect/>
+          </a:stretch>
+        </p:blipFill>
+        <p:spPr bwMode="auto">
+          <a:xfrm>
+            <a:off x="5929022" y="365125"/>
+            <a:ext cx="11692379" cy="5696990"/>
+          </a:xfrm>
+          <a:prstGeom prst="rect">
+            <a:avLst/>
+          </a:prstGeom>
+          <a:noFill/>
+          <a:extLst>
+            <a:ext uri="{909E8E84-426E-40DD-AFC4-6F175D3DCCD1}">
+              <a14:hiddenFill xmlns:a14="http://schemas.microsoft.com/office/drawing/2010/main">
+                <a:solidFill>
+                  <a:srgbClr val="FFFFFF"/>
+                </a:solidFill>
+              </a14:hiddenFill>
+            </a:ext>
+          </a:extLst>
+        </p:spPr>
+      </p:pic>
+    </p:spTree>
+    <p:extLst>
+      <p:ext uri="{BB962C8B-B14F-4D97-AF65-F5344CB8AC3E}">
+        <p14:creationId xmlns:p14="http://schemas.microsoft.com/office/powerpoint/2010/main" val="3429267677"/>
+      </p:ext>
+    </p:extLst>
+  </p:cSld>
+  <p:clrMapOvr>
+    <a:masterClrMapping/>
+  </p:clrMapOvr>
+  <p:timing>
+    <p:tnLst>
+      <p:par>
+        <p:cTn id="1" dur="indefinite" restart="never" nodeType="tmRoot">
+          <p:childTnLst>
+            <p:seq concurrent="1" nextAc="seek">
+              <p:cTn id="2" dur="indefinite" nodeType="mainSeq">
+                <p:childTnLst>
+                  <p:par>
+                    <p:cTn id="3" fill="hold">
+                      <p:stCondLst>
+                        <p:cond delay="indefinite"/>
+                      </p:stCondLst>
+                      <p:childTnLst>
+                        <p:par>
+                          <p:cTn id="4" fill="hold">
+                            <p:stCondLst>
+                              <p:cond delay="0"/>
+                            </p:stCondLst>
+                            <p:childTnLst>
+                              <p:par>
+                                <p:cTn id="5" presetID="10" presetClass="entr" presetSubtype="0" fill="hold" nodeType="clickEffect">
+                                  <p:stCondLst>
+                                    <p:cond delay="0"/>
+                                  </p:stCondLst>
+                                  <p:childTnLst>
+                                    <p:set>
+                                      <p:cBhvr>
+                                        <p:cTn id="6" dur="1" fill="hold">
+                                          <p:stCondLst>
+                                            <p:cond delay="0"/>
+                                          </p:stCondLst>
+                                        </p:cTn>
+                                        <p:tgtEl>
+                                          <p:spTgt spid="3">
+                                            <p:txEl>
+                                              <p:pRg st="0" end="0"/>
+                                            </p:txEl>
+                                          </p:spTgt>
+                                        </p:tgtEl>
+                                        <p:attrNameLst>
+                                          <p:attrName>style.visibility</p:attrName>
+                                        </p:attrNameLst>
+                                      </p:cBhvr>
+                                      <p:to>
+                                        <p:strVal val="visible"/>
+                                      </p:to>
+                                    </p:set>
+                                    <p:animEffect transition="in" filter="fade">
+                                      <p:cBhvr>
+                                        <p:cTn id="7" dur="500"/>
+                                        <p:tgtEl>
+                                          <p:spTgt spid="3">
+                                            <p:txEl>
+                                              <p:pRg st="0" end="0"/>
+                                            </p:txEl>
+                                          </p:spTgt>
+                                        </p:tgtEl>
+                                      </p:cBhvr>
+                                    </p:animEffect>
+                                  </p:childTnLst>
+                                </p:cTn>
+                              </p:par>
+                            </p:childTnLst>
+                          </p:cTn>
+                        </p:par>
+                      </p:childTnLst>
+                    </p:cTn>
+                  </p:par>
+                  <p:par>
+                    <p:cTn id="8" fill="hold">
+                      <p:stCondLst>
+                        <p:cond delay="indefinite"/>
+                      </p:stCondLst>
+                      <p:childTnLst>
+                        <p:par>
+                          <p:cTn id="9" fill="hold">
+                            <p:stCondLst>
+                              <p:cond delay="0"/>
+                            </p:stCondLst>
+                            <p:childTnLst>
+                              <p:par>
+                                <p:cTn id="10" presetID="10" presetClass="entr" presetSubtype="0" fill="hold" nodeType="clickEffect">
+                                  <p:stCondLst>
+                                    <p:cond delay="0"/>
+                                  </p:stCondLst>
+                                  <p:childTnLst>
+                                    <p:set>
+                                      <p:cBhvr>
+                                        <p:cTn id="11" dur="1" fill="hold">
+                                          <p:stCondLst>
+                                            <p:cond delay="0"/>
+                                          </p:stCondLst>
+                                        </p:cTn>
+                                        <p:tgtEl>
+                                          <p:spTgt spid="3">
+                                            <p:txEl>
+                                              <p:pRg st="1" end="1"/>
+                                            </p:txEl>
+                                          </p:spTgt>
+                                        </p:tgtEl>
+                                        <p:attrNameLst>
+                                          <p:attrName>style.visibility</p:attrName>
+                                        </p:attrNameLst>
+                                      </p:cBhvr>
+                                      <p:to>
+                                        <p:strVal val="visible"/>
+                                      </p:to>
+                                    </p:set>
+                                    <p:animEffect transition="in" filter="fade">
+                                      <p:cBhvr>
+                                        <p:cTn id="12" dur="500"/>
+                                        <p:tgtEl>
+                                          <p:spTgt spid="3">
+                                            <p:txEl>
+                                              <p:pRg st="1" end="1"/>
+                                            </p:txEl>
+                                          </p:spTgt>
+                                        </p:tgtEl>
+                                      </p:cBhvr>
+                                    </p:animEffect>
+                                  </p:childTnLst>
+                                </p:cTn>
+                              </p:par>
+                            </p:childTnLst>
+                          </p:cTn>
+                        </p:par>
+                      </p:childTnLst>
+                    </p:cTn>
+                  </p:par>
+                  <p:par>
+                    <p:cTn id="13" fill="hold">
+                      <p:stCondLst>
+                        <p:cond delay="indefinite"/>
+                      </p:stCondLst>
+                      <p:childTnLst>
+                        <p:par>
+                          <p:cTn id="14" fill="hold">
+                            <p:stCondLst>
+                              <p:cond delay="0"/>
+                            </p:stCondLst>
+                            <p:childTnLst>
+                              <p:par>
+                                <p:cTn id="15" presetID="10" presetClass="entr" presetSubtype="0" fill="hold" nodeType="clickEffect">
+                                  <p:stCondLst>
+                                    <p:cond delay="0"/>
+                                  </p:stCondLst>
+                                  <p:childTnLst>
+                                    <p:set>
+                                      <p:cBhvr>
+                                        <p:cTn id="16" dur="1" fill="hold">
+                                          <p:stCondLst>
+                                            <p:cond delay="0"/>
+                                          </p:stCondLst>
+                                        </p:cTn>
+                                        <p:tgtEl>
+                                          <p:spTgt spid="3">
+                                            <p:txEl>
+                                              <p:pRg st="2" end="2"/>
+                                            </p:txEl>
+                                          </p:spTgt>
+                                        </p:tgtEl>
+                                        <p:attrNameLst>
+                                          <p:attrName>style.visibility</p:attrName>
+                                        </p:attrNameLst>
+                                      </p:cBhvr>
+                                      <p:to>
+                                        <p:strVal val="visible"/>
+                                      </p:to>
+                                    </p:set>
+                                    <p:animEffect transition="in" filter="fade">
+                                      <p:cBhvr>
+                                        <p:cTn id="17" dur="500"/>
+                                        <p:tgtEl>
+                                          <p:spTgt spid="3">
+                                            <p:txEl>
+                                              <p:pRg st="2" end="2"/>
+                                            </p:txEl>
+                                          </p:spTgt>
+                                        </p:tgtEl>
+                                      </p:cBhvr>
+                                    </p:animEffect>
+                                  </p:childTnLst>
+                                </p:cTn>
+                              </p:par>
+                            </p:childTnLst>
+                          </p:cTn>
+                        </p:par>
+                      </p:childTnLst>
+                    </p:cTn>
+                  </p:par>
+                </p:childTnLst>
+              </p:cTn>
+              <p:prevCondLst>
+                <p:cond evt="onPrev" delay="0">
+                  <p:tgtEl>
+                    <p:sldTgt/>
+                  </p:tgtEl>
+                </p:cond>
+              </p:prevCondLst>
+              <p:nextCondLst>
+                <p:cond evt="onNext" delay="0">
+                  <p:tgtEl>
+                    <p:sldTgt/>
+                  </p:tgtEl>
+                </p:cond>
+              </p:nextCondLst>
+            </p:seq>
+          </p:childTnLst>
+        </p:cTn>
+      </p:par>
+    </p:tnLst>
+  </p:timing>
+</p:sld>
+</file>
+
+<file path=ppt/slides/slide6.xml><?xml version="1.0" encoding="utf-8"?>
+<p:sld xmlns:a="http://schemas.openxmlformats.org/drawingml/2006/main" xmlns:r="http://schemas.openxmlformats.org/officeDocument/2006/relationships" xmlns:p="http://schemas.openxmlformats.org/presentationml/2006/main">
+  <p:cSld>
+    <p:bg>
+      <p:bgPr>
+        <a:blipFill dpi="0" rotWithShape="1">
+          <a:blip r:embed="rId2">
+            <a:lum/>
+          </a:blip>
+          <a:srcRect/>
+          <a:stretch>
+            <a:fillRect/>
+          </a:stretch>
+        </a:blipFill>
+        <a:effectLst/>
+      </p:bgPr>
+    </p:bg>
+    <p:spTree>
+      <p:nvGrpSpPr>
+        <p:cNvPr id="1" name=""/>
+        <p:cNvGrpSpPr/>
+        <p:nvPr/>
+      </p:nvGrpSpPr>
+      <p:grpSpPr>
+        <a:xfrm>
+          <a:off x="0" y="0"/>
+          <a:ext cx="0" cy="0"/>
+          <a:chOff x="0" y="0"/>
+          <a:chExt cx="0" cy="0"/>
+        </a:xfrm>
+      </p:grpSpPr>
+      <p:sp>
+        <p:nvSpPr>
+          <p:cNvPr id="2" name="Title 1">
+            <a:extLst>
+              <a:ext uri="{FF2B5EF4-FFF2-40B4-BE49-F238E27FC236}">
+                <a16:creationId xmlns:a16="http://schemas.microsoft.com/office/drawing/2014/main" id="{55E11F08-6CA0-48F1-AD67-97430DDA07F0}"/>
+              </a:ext>
+            </a:extLst>
+          </p:cNvPr>
+          <p:cNvSpPr>
+            <a:spLocks noGrp="1"/>
+          </p:cNvSpPr>
+          <p:nvPr>
+            <p:ph type="title"/>
+          </p:nvPr>
+        </p:nvSpPr>
+        <p:spPr/>
+        <p:txBody>
+          <a:bodyPr/>
+          <a:lstStyle/>
+          <a:p>
+            <a:r>
+              <a:rPr lang="tr-TR" b="1" dirty="0">
+                <a:solidFill>
+                  <a:srgbClr val="292D33"/>
+                </a:solidFill>
+                <a:latin typeface="Euclid Circular B" panose="020B0504000000000000" pitchFamily="34" charset="0"/>
+                <a:ea typeface="Euclid Circular B" panose="020B0504000000000000" pitchFamily="34" charset="0"/>
+              </a:rPr>
+              <a:t>ABP Studio: Why?</a:t>
+            </a:r>
+            <a:endParaRPr lang="en-US" b="1" dirty="0">
+              <a:solidFill>
+                <a:srgbClr val="292D33"/>
+              </a:solidFill>
+              <a:latin typeface="Euclid Circular B" panose="020B0504000000000000" pitchFamily="34" charset="0"/>
+              <a:ea typeface="Euclid Circular B" panose="020B0504000000000000" pitchFamily="34" charset="0"/>
+            </a:endParaRPr>
+          </a:p>
+        </p:txBody>
+      </p:sp>
+      <p:sp>
+        <p:nvSpPr>
+          <p:cNvPr id="3" name="Content Placeholder 2">
+            <a:extLst>
+              <a:ext uri="{FF2B5EF4-FFF2-40B4-BE49-F238E27FC236}">
+                <a16:creationId xmlns:a16="http://schemas.microsoft.com/office/drawing/2014/main" id="{891C7693-D3DF-4635-96F4-97F3B4136FDF}"/>
+              </a:ext>
+            </a:extLst>
+          </p:cNvPr>
+          <p:cNvSpPr>
+            <a:spLocks noGrp="1"/>
+          </p:cNvSpPr>
+          <p:nvPr>
+            <p:ph idx="1"/>
+          </p:nvPr>
+        </p:nvSpPr>
+        <p:spPr>
+          <a:xfrm>
+            <a:off x="838199" y="1825625"/>
+            <a:ext cx="6024513" cy="4351338"/>
+          </a:xfrm>
+        </p:spPr>
+        <p:txBody>
+          <a:bodyPr>
+            <a:normAutofit/>
+          </a:bodyPr>
+          <a:lstStyle/>
+          <a:p>
+            <a:r>
+              <a:rPr lang="tr-TR" dirty="0">
+                <a:latin typeface="Euclid Circular B" panose="020B0504000000000000" pitchFamily="34" charset="0"/>
+                <a:ea typeface="Euclid Circular B" panose="020B0504000000000000" pitchFamily="34" charset="0"/>
+              </a:rPr>
+              <a:t>A comfortable development environment for Kubernetes</a:t>
+            </a:r>
+          </a:p>
+          <a:p>
+            <a:pPr lvl="1"/>
+            <a:r>
+              <a:rPr lang="tr-TR" dirty="0">
+                <a:latin typeface="Euclid Circular B" panose="020B0504000000000000" pitchFamily="34" charset="0"/>
+                <a:ea typeface="Euclid Circular B" panose="020B0504000000000000" pitchFamily="34" charset="0"/>
+              </a:rPr>
+              <a:t>Seemlessly integrate your local environment to a Kubernetes cluster</a:t>
+            </a:r>
+          </a:p>
+          <a:p>
+            <a:pPr lvl="1"/>
+            <a:r>
+              <a:rPr lang="tr-TR" dirty="0">
+                <a:latin typeface="Euclid Circular B" panose="020B0504000000000000" pitchFamily="34" charset="0"/>
+                <a:ea typeface="Euclid Circular B" panose="020B0504000000000000" pitchFamily="34" charset="0"/>
+              </a:rPr>
+              <a:t>Access internal services</a:t>
+            </a:r>
+          </a:p>
+          <a:p>
+            <a:pPr lvl="1"/>
+            <a:r>
+              <a:rPr lang="tr-TR" dirty="0">
+                <a:latin typeface="Euclid Circular B" panose="020B0504000000000000" pitchFamily="34" charset="0"/>
+                <a:ea typeface="Euclid Circular B" panose="020B0504000000000000" pitchFamily="34" charset="0"/>
+              </a:rPr>
+              <a:t>Intercept traffic to run, debug and develop a service in your local environment</a:t>
+            </a:r>
+            <a:endParaRPr lang="en-US" dirty="0">
+              <a:latin typeface="Euclid Circular B" panose="020B0504000000000000" pitchFamily="34" charset="0"/>
+              <a:ea typeface="Euclid Circular B" panose="020B0504000000000000" pitchFamily="34" charset="0"/>
+            </a:endParaRPr>
+          </a:p>
+        </p:txBody>
+      </p:sp>
+      <p:pic>
+        <p:nvPicPr>
+          <p:cNvPr id="4098" name="Picture 2" descr="Integrate with your Kubernetes Cluster">
+            <a:extLst>
+              <a:ext uri="{FF2B5EF4-FFF2-40B4-BE49-F238E27FC236}">
+                <a16:creationId xmlns:a16="http://schemas.microsoft.com/office/drawing/2014/main" id="{51893D6F-78D0-6295-A235-FAA41A6F8378}"/>
+              </a:ext>
+            </a:extLst>
+          </p:cNvPr>
+          <p:cNvPicPr>
+            <a:picLocks noChangeAspect="1" noChangeArrowheads="1"/>
+          </p:cNvPicPr>
+          <p:nvPr/>
+        </p:nvPicPr>
+        <p:blipFill>
+          <a:blip r:embed="rId3">
+            <a:extLst>
+              <a:ext uri="{28A0092B-C50C-407E-A947-70E740481C1C}">
+                <a14:useLocalDpi xmlns:a14="http://schemas.microsoft.com/office/drawing/2010/main" val="0"/>
+              </a:ext>
+            </a:extLst>
+          </a:blip>
+          <a:srcRect/>
+          <a:stretch>
+            <a:fillRect/>
+          </a:stretch>
+        </p:blipFill>
+        <p:spPr bwMode="auto">
+          <a:xfrm>
+            <a:off x="7360920" y="678613"/>
+            <a:ext cx="4831080" cy="5373395"/>
+          </a:xfrm>
+          <a:prstGeom prst="rect">
+            <a:avLst/>
+          </a:prstGeom>
+          <a:noFill/>
+          <a:extLst>
+            <a:ext uri="{909E8E84-426E-40DD-AFC4-6F175D3DCCD1}">
+              <a14:hiddenFill xmlns:a14="http://schemas.microsoft.com/office/drawing/2010/main">
+                <a:solidFill>
+                  <a:srgbClr val="FFFFFF"/>
+                </a:solidFill>
+              </a14:hiddenFill>
+            </a:ext>
+          </a:extLst>
+        </p:spPr>
+      </p:pic>
+    </p:spTree>
+    <p:extLst>
+      <p:ext uri="{BB962C8B-B14F-4D97-AF65-F5344CB8AC3E}">
+        <p14:creationId xmlns:p14="http://schemas.microsoft.com/office/powerpoint/2010/main" val="3571708833"/>
+      </p:ext>
+    </p:extLst>
+  </p:cSld>
+  <p:clrMapOvr>
+    <a:masterClrMapping/>
+  </p:clrMapOvr>
+  <p:timing>
+    <p:tnLst>
+      <p:par>
+        <p:cTn id="1" dur="indefinite" restart="never" nodeType="tmRoot">
+          <p:childTnLst>
+            <p:seq concurrent="1" nextAc="seek">
+              <p:cTn id="2" dur="indefinite" nodeType="mainSeq">
+                <p:childTnLst>
+                  <p:par>
+                    <p:cTn id="3" fill="hold">
+                      <p:stCondLst>
+                        <p:cond delay="indefinite"/>
+                      </p:stCondLst>
+                      <p:childTnLst>
+                        <p:par>
+                          <p:cTn id="4" fill="hold">
+                            <p:stCondLst>
+                              <p:cond delay="0"/>
+                            </p:stCondLst>
+                            <p:childTnLst>
+                              <p:par>
+                                <p:cTn id="5" presetID="10" presetClass="entr" presetSubtype="0" fill="hold" nodeType="clickEffect">
+                                  <p:stCondLst>
+                                    <p:cond delay="0"/>
+                                  </p:stCondLst>
+                                  <p:childTnLst>
+                                    <p:set>
+                                      <p:cBhvr>
+                                        <p:cTn id="6" dur="1" fill="hold">
+                                          <p:stCondLst>
+                                            <p:cond delay="0"/>
+                                          </p:stCondLst>
+                                        </p:cTn>
+                                        <p:tgtEl>
+                                          <p:spTgt spid="3">
+                                            <p:txEl>
+                                              <p:pRg st="0" end="0"/>
+                                            </p:txEl>
+                                          </p:spTgt>
+                                        </p:tgtEl>
+                                        <p:attrNameLst>
+                                          <p:attrName>style.visibility</p:attrName>
+                                        </p:attrNameLst>
+                                      </p:cBhvr>
+                                      <p:to>
+                                        <p:strVal val="visible"/>
+                                      </p:to>
+                                    </p:set>
+                                    <p:animEffect transition="in" filter="fade">
+                                      <p:cBhvr>
+                                        <p:cTn id="7" dur="500"/>
+                                        <p:tgtEl>
+                                          <p:spTgt spid="3">
+                                            <p:txEl>
+                                              <p:pRg st="0" end="0"/>
+                                            </p:txEl>
+                                          </p:spTgt>
+                                        </p:tgtEl>
+                                      </p:cBhvr>
+                                    </p:animEffect>
+                                  </p:childTnLst>
+                                </p:cTn>
+                              </p:par>
+                            </p:childTnLst>
+                          </p:cTn>
+                        </p:par>
+                      </p:childTnLst>
+                    </p:cTn>
+                  </p:par>
+                  <p:par>
+                    <p:cTn id="8" fill="hold">
+                      <p:stCondLst>
+                        <p:cond delay="indefinite"/>
+                      </p:stCondLst>
+                      <p:childTnLst>
+                        <p:par>
+                          <p:cTn id="9" fill="hold">
+                            <p:stCondLst>
+                              <p:cond delay="0"/>
+                            </p:stCondLst>
+                            <p:childTnLst>
+                              <p:par>
+                                <p:cTn id="10" presetID="10" presetClass="entr" presetSubtype="0" fill="hold" nodeType="clickEffect">
+                                  <p:stCondLst>
+                                    <p:cond delay="0"/>
+                                  </p:stCondLst>
+                                  <p:childTnLst>
+                                    <p:set>
+                                      <p:cBhvr>
+                                        <p:cTn id="11" dur="1" fill="hold">
+                                          <p:stCondLst>
+                                            <p:cond delay="0"/>
+                                          </p:stCondLst>
+                                        </p:cTn>
+                                        <p:tgtEl>
+                                          <p:spTgt spid="3">
+                                            <p:txEl>
+                                              <p:pRg st="1" end="1"/>
+                                            </p:txEl>
+                                          </p:spTgt>
+                                        </p:tgtEl>
+                                        <p:attrNameLst>
+                                          <p:attrName>style.visibility</p:attrName>
+                                        </p:attrNameLst>
+                                      </p:cBhvr>
+                                      <p:to>
+                                        <p:strVal val="visible"/>
+                                      </p:to>
+                                    </p:set>
+                                    <p:animEffect transition="in" filter="fade">
+                                      <p:cBhvr>
+                                        <p:cTn id="12" dur="500"/>
+                                        <p:tgtEl>
+                                          <p:spTgt spid="3">
+                                            <p:txEl>
+                                              <p:pRg st="1" end="1"/>
+                                            </p:txEl>
+                                          </p:spTgt>
+                                        </p:tgtEl>
+                                      </p:cBhvr>
+                                    </p:animEffect>
+                                  </p:childTnLst>
+                                </p:cTn>
+                              </p:par>
+                            </p:childTnLst>
+                          </p:cTn>
+                        </p:par>
+                      </p:childTnLst>
+                    </p:cTn>
+                  </p:par>
+                  <p:par>
+                    <p:cTn id="13" fill="hold">
+                      <p:stCondLst>
+                        <p:cond delay="indefinite"/>
+                      </p:stCondLst>
+                      <p:childTnLst>
+                        <p:par>
+                          <p:cTn id="14" fill="hold">
+                            <p:stCondLst>
+                              <p:cond delay="0"/>
+                            </p:stCondLst>
+                            <p:childTnLst>
+                              <p:par>
+                                <p:cTn id="15" presetID="10" presetClass="entr" presetSubtype="0" fill="hold" nodeType="clickEffect">
+                                  <p:stCondLst>
+                                    <p:cond delay="0"/>
+                                  </p:stCondLst>
+                                  <p:childTnLst>
+                                    <p:set>
+                                      <p:cBhvr>
+                                        <p:cTn id="16" dur="1" fill="hold">
+                                          <p:stCondLst>
+                                            <p:cond delay="0"/>
+                                          </p:stCondLst>
+                                        </p:cTn>
+                                        <p:tgtEl>
+                                          <p:spTgt spid="3">
+                                            <p:txEl>
+                                              <p:pRg st="2" end="2"/>
+                                            </p:txEl>
+                                          </p:spTgt>
+                                        </p:tgtEl>
+                                        <p:attrNameLst>
+                                          <p:attrName>style.visibility</p:attrName>
+                                        </p:attrNameLst>
+                                      </p:cBhvr>
+                                      <p:to>
+                                        <p:strVal val="visible"/>
+                                      </p:to>
+                                    </p:set>
+                                    <p:animEffect transition="in" filter="fade">
+                                      <p:cBhvr>
+                                        <p:cTn id="17" dur="500"/>
+                                        <p:tgtEl>
+                                          <p:spTgt spid="3">
+                                            <p:txEl>
+                                              <p:pRg st="2" end="2"/>
+                                            </p:txEl>
+                                          </p:spTgt>
+                                        </p:tgtEl>
+                                      </p:cBhvr>
+                                    </p:animEffect>
+                                  </p:childTnLst>
+                                </p:cTn>
+                              </p:par>
+                            </p:childTnLst>
+                          </p:cTn>
+                        </p:par>
+                      </p:childTnLst>
+                    </p:cTn>
+                  </p:par>
+                  <p:par>
+                    <p:cTn id="18" fill="hold">
+                      <p:stCondLst>
+                        <p:cond delay="indefinite"/>
+                      </p:stCondLst>
+                      <p:childTnLst>
+                        <p:par>
+                          <p:cTn id="19" fill="hold">
+                            <p:stCondLst>
+                              <p:cond delay="0"/>
+                            </p:stCondLst>
+                            <p:childTnLst>
+                              <p:par>
+                                <p:cTn id="20" presetID="10" presetClass="entr" presetSubtype="0" fill="hold" nodeType="clickEffect">
+                                  <p:stCondLst>
+                                    <p:cond delay="0"/>
+                                  </p:stCondLst>
+                                  <p:childTnLst>
+                                    <p:set>
+                                      <p:cBhvr>
+                                        <p:cTn id="21" dur="1" fill="hold">
+                                          <p:stCondLst>
+                                            <p:cond delay="0"/>
+                                          </p:stCondLst>
+                                        </p:cTn>
+                                        <p:tgtEl>
+                                          <p:spTgt spid="3">
+                                            <p:txEl>
+                                              <p:pRg st="3" end="3"/>
+                                            </p:txEl>
+                                          </p:spTgt>
+                                        </p:tgtEl>
+                                        <p:attrNameLst>
+                                          <p:attrName>style.visibility</p:attrName>
+                                        </p:attrNameLst>
+                                      </p:cBhvr>
+                                      <p:to>
+                                        <p:strVal val="visible"/>
+                                      </p:to>
+                                    </p:set>
+                                    <p:animEffect transition="in" filter="fade">
+                                      <p:cBhvr>
+                                        <p:cTn id="22" dur="500"/>
+                                        <p:tgtEl>
+                                          <p:spTgt spid="3">
+                                            <p:txEl>
+                                              <p:pRg st="3" end="3"/>
+                                            </p:txEl>
+                                          </p:spTgt>
+                                        </p:tgtEl>
+                                      </p:cBhvr>
+                                    </p:animEffect>
+                                  </p:childTnLst>
+                                </p:cTn>
+                              </p:par>
+                            </p:childTnLst>
+                          </p:cTn>
+                        </p:par>
+                      </p:childTnLst>
+                    </p:cTn>
+                  </p:par>
+                </p:childTnLst>
+              </p:cTn>
+              <p:prevCondLst>
+                <p:cond evt="onPrev" delay="0">
+                  <p:tgtEl>
+                    <p:sldTgt/>
+                  </p:tgtEl>
+                </p:cond>
+              </p:prevCondLst>
+              <p:nextCondLst>
+                <p:cond evt="onNext" delay="0">
+                  <p:tgtEl>
+                    <p:sldTgt/>
+                  </p:tgtEl>
+                </p:cond>
+              </p:nextCondLst>
+            </p:seq>
+          </p:childTnLst>
+        </p:cTn>
+      </p:par>
+    </p:tnLst>
+  </p:timing>
+</p:sld>
+</file>
+
+<file path=ppt/slides/slide7.xml><?xml version="1.0" encoding="utf-8"?>
+<p:sld xmlns:a="http://schemas.openxmlformats.org/drawingml/2006/main" xmlns:r="http://schemas.openxmlformats.org/officeDocument/2006/relationships" xmlns:p="http://schemas.openxmlformats.org/presentationml/2006/main">
+  <p:cSld>
+    <p:bg>
+      <p:bgPr>
+        <a:blipFill dpi="0" rotWithShape="1">
+          <a:blip r:embed="rId2">
+            <a:lum/>
+          </a:blip>
+          <a:srcRect/>
+          <a:stretch>
+            <a:fillRect/>
+          </a:stretch>
+        </a:blipFill>
+        <a:effectLst/>
+      </p:bgPr>
+    </p:bg>
+    <p:spTree>
+      <p:nvGrpSpPr>
+        <p:cNvPr id="1" name=""/>
+        <p:cNvGrpSpPr/>
+        <p:nvPr/>
+      </p:nvGrpSpPr>
+      <p:grpSpPr>
+        <a:xfrm>
+          <a:off x="0" y="0"/>
+          <a:ext cx="0" cy="0"/>
+          <a:chOff x="0" y="0"/>
+          <a:chExt cx="0" cy="0"/>
+        </a:xfrm>
+      </p:grpSpPr>
+      <p:sp>
+        <p:nvSpPr>
+          <p:cNvPr id="3" name="Content Placeholder 2">
+            <a:extLst>
+              <a:ext uri="{FF2B5EF4-FFF2-40B4-BE49-F238E27FC236}">
+                <a16:creationId xmlns:a16="http://schemas.microsoft.com/office/drawing/2014/main" id="{891C7693-D3DF-4635-96F4-97F3B4136FDF}"/>
+              </a:ext>
+            </a:extLst>
+          </p:cNvPr>
+          <p:cNvSpPr>
+            <a:spLocks noGrp="1"/>
+          </p:cNvSpPr>
+          <p:nvPr>
+            <p:ph idx="1"/>
+          </p:nvPr>
+        </p:nvSpPr>
+        <p:spPr>
+          <a:xfrm>
+            <a:off x="838198" y="445273"/>
+            <a:ext cx="10515599" cy="5731690"/>
+          </a:xfrm>
+        </p:spPr>
+        <p:txBody>
+          <a:bodyPr anchor="ctr">
+            <a:normAutofit/>
+          </a:bodyPr>
+          <a:lstStyle/>
+          <a:p>
+            <a:pPr marL="0" indent="0" algn="ctr">
+              <a:buNone/>
+            </a:pPr>
+            <a:r>
+              <a:rPr lang="tr-TR" sz="16600" b="1" dirty="0">
+                <a:latin typeface="Euclid Circular B" panose="020B0504000000000000" pitchFamily="34" charset="0"/>
+                <a:ea typeface="Euclid Circular B" panose="020B0504000000000000" pitchFamily="34" charset="0"/>
+              </a:rPr>
+              <a:t>DEMO</a:t>
+            </a:r>
+            <a:endParaRPr lang="en-US" sz="7200" i="1" dirty="0">
+              <a:latin typeface="Euclid Circular B" panose="020B0504000000000000" pitchFamily="34" charset="0"/>
+              <a:ea typeface="Euclid Circular B" panose="020B0504000000000000" pitchFamily="34" charset="0"/>
+            </a:endParaRPr>
+          </a:p>
+        </p:txBody>
+      </p:sp>
+    </p:spTree>
+    <p:extLst>
+      <p:ext uri="{BB962C8B-B14F-4D97-AF65-F5344CB8AC3E}">
+        <p14:creationId xmlns:p14="http://schemas.microsoft.com/office/powerpoint/2010/main" val="1519802074"/>
+      </p:ext>
+    </p:extLst>
+  </p:cSld>
+  <p:clrMapOvr>
+    <a:masterClrMapping/>
+  </p:clrMapOvr>
+</p:sld>
+</file>
+
+<file path=ppt/slides/slide8.xml><?xml version="1.0" encoding="utf-8"?>
+<p:sld xmlns:a="http://schemas.openxmlformats.org/drawingml/2006/main" xmlns:r="http://schemas.openxmlformats.org/officeDocument/2006/relationships" xmlns:p="http://schemas.openxmlformats.org/presentationml/2006/main">
+  <p:cSld>
+    <p:bg>
+      <p:bgPr>
+        <a:blipFill dpi="0" rotWithShape="1">
+          <a:blip r:embed="rId2">
+            <a:lum/>
+          </a:blip>
+          <a:srcRect/>
+          <a:stretch>
+            <a:fillRect/>
+          </a:stretch>
+        </a:blipFill>
+        <a:effectLst/>
+      </p:bgPr>
+    </p:bg>
+    <p:spTree>
+      <p:nvGrpSpPr>
+        <p:cNvPr id="1" name=""/>
+        <p:cNvGrpSpPr/>
+        <p:nvPr/>
+      </p:nvGrpSpPr>
+      <p:grpSpPr>
+        <a:xfrm>
+          <a:off x="0" y="0"/>
+          <a:ext cx="0" cy="0"/>
+          <a:chOff x="0" y="0"/>
+          <a:chExt cx="0" cy="0"/>
+        </a:xfrm>
+      </p:grpSpPr>
+      <p:sp>
+        <p:nvSpPr>
+          <p:cNvPr id="2" name="Title 1">
+            <a:extLst>
+              <a:ext uri="{FF2B5EF4-FFF2-40B4-BE49-F238E27FC236}">
+                <a16:creationId xmlns:a16="http://schemas.microsoft.com/office/drawing/2014/main" id="{55E11F08-6CA0-48F1-AD67-97430DDA07F0}"/>
+              </a:ext>
+            </a:extLst>
+          </p:cNvPr>
+          <p:cNvSpPr>
+            <a:spLocks noGrp="1"/>
+          </p:cNvSpPr>
+          <p:nvPr>
+            <p:ph type="title"/>
+          </p:nvPr>
+        </p:nvSpPr>
+        <p:spPr/>
+        <p:txBody>
+          <a:bodyPr/>
+          <a:lstStyle/>
+          <a:p>
+            <a:r>
+              <a:rPr lang="tr-TR" b="1" dirty="0">
+                <a:solidFill>
+                  <a:srgbClr val="292D33"/>
+                </a:solidFill>
+                <a:latin typeface="Euclid Circular B" panose="020B0504000000000000" pitchFamily="34" charset="0"/>
+                <a:ea typeface="Euclid Circular B" panose="020B0504000000000000" pitchFamily="34" charset="0"/>
+              </a:rPr>
+              <a:t>ABP Studio Main Solution Components</a:t>
+            </a:r>
+            <a:endParaRPr lang="en-US" b="1" dirty="0">
+              <a:solidFill>
+                <a:srgbClr val="292D33"/>
+              </a:solidFill>
+              <a:latin typeface="Euclid Circular B" panose="020B0504000000000000" pitchFamily="34" charset="0"/>
+              <a:ea typeface="Euclid Circular B" panose="020B0504000000000000" pitchFamily="34" charset="0"/>
+            </a:endParaRPr>
+          </a:p>
+        </p:txBody>
+      </p:sp>
+      <p:pic>
+        <p:nvPicPr>
+          <p:cNvPr id="1026" name="Picture 2" descr="Visual Studio logo and symbol, meaning, history, PNG">
+            <a:extLst>
+              <a:ext uri="{FF2B5EF4-FFF2-40B4-BE49-F238E27FC236}">
+                <a16:creationId xmlns:a16="http://schemas.microsoft.com/office/drawing/2014/main" id="{D90B3BE0-840F-2332-23D2-746243596830}"/>
+              </a:ext>
+            </a:extLst>
+          </p:cNvPr>
+          <p:cNvPicPr>
+            <a:picLocks noChangeAspect="1" noChangeArrowheads="1"/>
+          </p:cNvPicPr>
+          <p:nvPr/>
+        </p:nvPicPr>
+        <p:blipFill>
+          <a:blip r:embed="rId3">
+            <a:extLst>
+              <a:ext uri="{28A0092B-C50C-407E-A947-70E740481C1C}">
+                <a14:useLocalDpi xmlns:a14="http://schemas.microsoft.com/office/drawing/2010/main" val="0"/>
+              </a:ext>
+            </a:extLst>
+          </a:blip>
+          <a:srcRect/>
+          <a:stretch>
+            <a:fillRect/>
+          </a:stretch>
+        </p:blipFill>
+        <p:spPr bwMode="auto">
+          <a:xfrm>
+            <a:off x="508262" y="1844165"/>
+            <a:ext cx="1022285" cy="575035"/>
+          </a:xfrm>
+          <a:prstGeom prst="rect">
+            <a:avLst/>
+          </a:prstGeom>
+          <a:noFill/>
+          <a:extLst>
+            <a:ext uri="{909E8E84-426E-40DD-AFC4-6F175D3DCCD1}">
+              <a14:hiddenFill xmlns:a14="http://schemas.microsoft.com/office/drawing/2010/main">
+                <a:solidFill>
+                  <a:srgbClr val="FFFFFF"/>
+                </a:solidFill>
+              </a14:hiddenFill>
+            </a:ext>
+          </a:extLst>
+        </p:spPr>
+      </p:pic>
+      <p:sp>
+        <p:nvSpPr>
+          <p:cNvPr id="9" name="TextBox 8">
+            <a:extLst>
+              <a:ext uri="{FF2B5EF4-FFF2-40B4-BE49-F238E27FC236}">
+                <a16:creationId xmlns:a16="http://schemas.microsoft.com/office/drawing/2014/main" id="{1890FEA5-FD60-174D-96E3-9F9820F4BB09}"/>
+              </a:ext>
+            </a:extLst>
+          </p:cNvPr>
+          <p:cNvSpPr txBox="1"/>
+          <p:nvPr/>
+        </p:nvSpPr>
+        <p:spPr>
+          <a:xfrm>
+            <a:off x="1385739" y="1823905"/>
+            <a:ext cx="2686639" cy="615553"/>
+          </a:xfrm>
+          <a:prstGeom prst="rect">
+            <a:avLst/>
+          </a:prstGeom>
+          <a:noFill/>
+        </p:spPr>
+        <p:txBody>
+          <a:bodyPr wrap="square" rtlCol="0">
+            <a:spAutoFit/>
+          </a:bodyPr>
+          <a:lstStyle/>
+          <a:p>
+            <a:r>
+              <a:rPr lang="tr-TR" dirty="0"/>
+              <a:t>EasyCrm.OrderingService</a:t>
+            </a:r>
+            <a:br>
+              <a:rPr lang="tr-TR" dirty="0"/>
+            </a:br>
+            <a:r>
+              <a:rPr lang="tr-TR" sz="1600" b="1" dirty="0">
+                <a:solidFill>
+                  <a:srgbClr val="7030A0"/>
+                </a:solidFill>
+              </a:rPr>
+              <a:t>.NET Solution</a:t>
+            </a:r>
+            <a:endParaRPr lang="en-US" sz="1600" b="1" dirty="0">
+              <a:solidFill>
+                <a:srgbClr val="7030A0"/>
+              </a:solidFill>
+            </a:endParaRPr>
+          </a:p>
+        </p:txBody>
+      </p:sp>
+      <p:pic>
+        <p:nvPicPr>
+          <p:cNvPr id="10" name="Picture 2" descr="Visual Studio logo and symbol, meaning, history, PNG">
+            <a:extLst>
+              <a:ext uri="{FF2B5EF4-FFF2-40B4-BE49-F238E27FC236}">
+                <a16:creationId xmlns:a16="http://schemas.microsoft.com/office/drawing/2014/main" id="{519583ED-C181-1AB6-D158-7488BE3DC7F2}"/>
+              </a:ext>
+            </a:extLst>
+          </p:cNvPr>
+          <p:cNvPicPr>
+            <a:picLocks noChangeAspect="1" noChangeArrowheads="1"/>
+          </p:cNvPicPr>
+          <p:nvPr/>
+        </p:nvPicPr>
+        <p:blipFill>
+          <a:blip r:embed="rId3">
+            <a:extLst>
+              <a:ext uri="{28A0092B-C50C-407E-A947-70E740481C1C}">
+                <a14:useLocalDpi xmlns:a14="http://schemas.microsoft.com/office/drawing/2010/main" val="0"/>
+              </a:ext>
+            </a:extLst>
+          </a:blip>
+          <a:srcRect/>
+          <a:stretch>
+            <a:fillRect/>
+          </a:stretch>
+        </p:blipFill>
+        <p:spPr bwMode="auto">
+          <a:xfrm>
+            <a:off x="508262" y="2662411"/>
+            <a:ext cx="1022285" cy="575035"/>
+          </a:xfrm>
+          <a:prstGeom prst="rect">
+            <a:avLst/>
+          </a:prstGeom>
+          <a:noFill/>
+          <a:extLst>
+            <a:ext uri="{909E8E84-426E-40DD-AFC4-6F175D3DCCD1}">
+              <a14:hiddenFill xmlns:a14="http://schemas.microsoft.com/office/drawing/2010/main">
+                <a:solidFill>
+                  <a:srgbClr val="FFFFFF"/>
+                </a:solidFill>
+              </a14:hiddenFill>
+            </a:ext>
+          </a:extLst>
+        </p:spPr>
+      </p:pic>
+      <p:sp>
+        <p:nvSpPr>
+          <p:cNvPr id="11" name="TextBox 10">
+            <a:extLst>
+              <a:ext uri="{FF2B5EF4-FFF2-40B4-BE49-F238E27FC236}">
+                <a16:creationId xmlns:a16="http://schemas.microsoft.com/office/drawing/2014/main" id="{928A1AD5-12B0-F156-6D1F-EB2663F7BE49}"/>
+              </a:ext>
+            </a:extLst>
+          </p:cNvPr>
+          <p:cNvSpPr txBox="1"/>
+          <p:nvPr/>
+        </p:nvSpPr>
+        <p:spPr>
+          <a:xfrm>
+            <a:off x="1385739" y="2642151"/>
+            <a:ext cx="2686639" cy="615553"/>
+          </a:xfrm>
+          <a:prstGeom prst="rect">
+            <a:avLst/>
+          </a:prstGeom>
+          <a:noFill/>
+        </p:spPr>
+        <p:txBody>
+          <a:bodyPr wrap="square" rtlCol="0">
+            <a:spAutoFit/>
+          </a:bodyPr>
+          <a:lstStyle/>
+          <a:p>
+            <a:r>
+              <a:rPr lang="tr-TR" dirty="0"/>
+              <a:t>EasyCrm.BasketService</a:t>
+            </a:r>
+            <a:br>
+              <a:rPr lang="tr-TR" dirty="0"/>
+            </a:br>
+            <a:r>
+              <a:rPr lang="tr-TR" sz="1600" b="1" dirty="0">
+                <a:solidFill>
+                  <a:srgbClr val="7030A0"/>
+                </a:solidFill>
+              </a:rPr>
+              <a:t>.NET Solution</a:t>
+            </a:r>
+            <a:endParaRPr lang="en-US" sz="1600" b="1" dirty="0">
+              <a:solidFill>
+                <a:srgbClr val="7030A0"/>
+              </a:solidFill>
+            </a:endParaRPr>
+          </a:p>
+        </p:txBody>
+      </p:sp>
+      <p:pic>
+        <p:nvPicPr>
+          <p:cNvPr id="14" name="Picture 2" descr="Visual Studio logo and symbol, meaning, history, PNG">
+            <a:extLst>
+              <a:ext uri="{FF2B5EF4-FFF2-40B4-BE49-F238E27FC236}">
+                <a16:creationId xmlns:a16="http://schemas.microsoft.com/office/drawing/2014/main" id="{FA2E3F83-F143-1D8E-DAE6-1840958086B4}"/>
+              </a:ext>
+            </a:extLst>
+          </p:cNvPr>
+          <p:cNvPicPr>
+            <a:picLocks noChangeAspect="1" noChangeArrowheads="1"/>
+          </p:cNvPicPr>
+          <p:nvPr/>
+        </p:nvPicPr>
+        <p:blipFill>
+          <a:blip r:embed="rId3">
+            <a:extLst>
+              <a:ext uri="{28A0092B-C50C-407E-A947-70E740481C1C}">
+                <a14:useLocalDpi xmlns:a14="http://schemas.microsoft.com/office/drawing/2010/main" val="0"/>
+              </a:ext>
+            </a:extLst>
+          </a:blip>
+          <a:srcRect/>
+          <a:stretch>
+            <a:fillRect/>
+          </a:stretch>
+        </p:blipFill>
+        <p:spPr bwMode="auto">
+          <a:xfrm>
+            <a:off x="508262" y="3491358"/>
+            <a:ext cx="1022285" cy="575035"/>
+          </a:xfrm>
+          <a:prstGeom prst="rect">
+            <a:avLst/>
+          </a:prstGeom>
+          <a:noFill/>
+          <a:extLst>
+            <a:ext uri="{909E8E84-426E-40DD-AFC4-6F175D3DCCD1}">
+              <a14:hiddenFill xmlns:a14="http://schemas.microsoft.com/office/drawing/2010/main">
+                <a:solidFill>
+                  <a:srgbClr val="FFFFFF"/>
+                </a:solidFill>
+              </a14:hiddenFill>
+            </a:ext>
+          </a:extLst>
+        </p:spPr>
+      </p:pic>
+      <p:sp>
+        <p:nvSpPr>
+          <p:cNvPr id="15" name="TextBox 14">
+            <a:extLst>
+              <a:ext uri="{FF2B5EF4-FFF2-40B4-BE49-F238E27FC236}">
+                <a16:creationId xmlns:a16="http://schemas.microsoft.com/office/drawing/2014/main" id="{8AE20EE5-520E-5A94-0426-09F88CA59D16}"/>
+              </a:ext>
+            </a:extLst>
+          </p:cNvPr>
+          <p:cNvSpPr txBox="1"/>
+          <p:nvPr/>
+        </p:nvSpPr>
+        <p:spPr>
+          <a:xfrm>
+            <a:off x="1385739" y="3471098"/>
+            <a:ext cx="2686639" cy="615553"/>
+          </a:xfrm>
+          <a:prstGeom prst="rect">
+            <a:avLst/>
+          </a:prstGeom>
+          <a:noFill/>
+        </p:spPr>
+        <p:txBody>
+          <a:bodyPr wrap="square" rtlCol="0">
+            <a:spAutoFit/>
+          </a:bodyPr>
+          <a:lstStyle/>
+          <a:p>
+            <a:r>
+              <a:rPr lang="tr-TR" dirty="0"/>
+              <a:t>EasyCrm.CatalogService</a:t>
+            </a:r>
+            <a:br>
+              <a:rPr lang="tr-TR" dirty="0"/>
+            </a:br>
+            <a:r>
+              <a:rPr lang="tr-TR" sz="1600" b="1" dirty="0">
+                <a:solidFill>
+                  <a:srgbClr val="7030A0"/>
+                </a:solidFill>
+              </a:rPr>
+              <a:t>.NET Solution</a:t>
+            </a:r>
+            <a:endParaRPr lang="en-US" sz="1600" b="1" dirty="0">
+              <a:solidFill>
+                <a:srgbClr val="7030A0"/>
+              </a:solidFill>
+            </a:endParaRPr>
+          </a:p>
+        </p:txBody>
+      </p:sp>
+      <p:pic>
+        <p:nvPicPr>
+          <p:cNvPr id="16" name="Picture 2" descr="Visual Studio logo and symbol, meaning, history, PNG">
+            <a:extLst>
+              <a:ext uri="{FF2B5EF4-FFF2-40B4-BE49-F238E27FC236}">
+                <a16:creationId xmlns:a16="http://schemas.microsoft.com/office/drawing/2014/main" id="{A5A15884-D5FC-2F7B-0F5C-26249FC84A6E}"/>
+              </a:ext>
+            </a:extLst>
+          </p:cNvPr>
+          <p:cNvPicPr>
+            <a:picLocks noChangeAspect="1" noChangeArrowheads="1"/>
+          </p:cNvPicPr>
+          <p:nvPr/>
+        </p:nvPicPr>
+        <p:blipFill>
+          <a:blip r:embed="rId3">
+            <a:extLst>
+              <a:ext uri="{28A0092B-C50C-407E-A947-70E740481C1C}">
+                <a14:useLocalDpi xmlns:a14="http://schemas.microsoft.com/office/drawing/2010/main" val="0"/>
+              </a:ext>
+            </a:extLst>
+          </a:blip>
+          <a:srcRect/>
+          <a:stretch>
+            <a:fillRect/>
+          </a:stretch>
+        </p:blipFill>
+        <p:spPr bwMode="auto">
+          <a:xfrm>
+            <a:off x="508262" y="4309604"/>
+            <a:ext cx="1022285" cy="575035"/>
+          </a:xfrm>
+          <a:prstGeom prst="rect">
+            <a:avLst/>
+          </a:prstGeom>
+          <a:noFill/>
+          <a:extLst>
+            <a:ext uri="{909E8E84-426E-40DD-AFC4-6F175D3DCCD1}">
+              <a14:hiddenFill xmlns:a14="http://schemas.microsoft.com/office/drawing/2010/main">
+                <a:solidFill>
+                  <a:srgbClr val="FFFFFF"/>
+                </a:solidFill>
+              </a14:hiddenFill>
+            </a:ext>
+          </a:extLst>
+        </p:spPr>
+      </p:pic>
+      <p:sp>
+        <p:nvSpPr>
+          <p:cNvPr id="17" name="TextBox 16">
+            <a:extLst>
+              <a:ext uri="{FF2B5EF4-FFF2-40B4-BE49-F238E27FC236}">
+                <a16:creationId xmlns:a16="http://schemas.microsoft.com/office/drawing/2014/main" id="{AE930640-1050-1E42-7211-F0BE4B0B86A4}"/>
+              </a:ext>
+            </a:extLst>
+          </p:cNvPr>
+          <p:cNvSpPr txBox="1"/>
+          <p:nvPr/>
+        </p:nvSpPr>
+        <p:spPr>
+          <a:xfrm>
+            <a:off x="1385739" y="4289344"/>
+            <a:ext cx="2686639" cy="615553"/>
+          </a:xfrm>
+          <a:prstGeom prst="rect">
+            <a:avLst/>
+          </a:prstGeom>
+          <a:noFill/>
+        </p:spPr>
+        <p:txBody>
+          <a:bodyPr wrap="square" rtlCol="0">
+            <a:spAutoFit/>
+          </a:bodyPr>
+          <a:lstStyle/>
+          <a:p>
+            <a:r>
+              <a:rPr lang="tr-TR" dirty="0"/>
+              <a:t>EasyCrm.CustomerService</a:t>
+            </a:r>
+            <a:br>
+              <a:rPr lang="tr-TR" dirty="0"/>
+            </a:br>
+            <a:r>
+              <a:rPr lang="tr-TR" sz="1600" b="1" dirty="0">
+                <a:solidFill>
+                  <a:srgbClr val="7030A0"/>
+                </a:solidFill>
+              </a:rPr>
+              <a:t>.NET Solution</a:t>
+            </a:r>
+            <a:endParaRPr lang="en-US" sz="1600" b="1" dirty="0">
+              <a:solidFill>
+                <a:srgbClr val="7030A0"/>
+              </a:solidFill>
+            </a:endParaRPr>
+          </a:p>
+        </p:txBody>
+      </p:sp>
+      <p:pic>
+        <p:nvPicPr>
+          <p:cNvPr id="1028" name="Picture 4" descr="Jigsaw Puzzle Vector PNG Images, Jigsaw Puzzle Icon Web Assemble, Shape,  Concept, Swot PNG Image For Free Download">
+            <a:extLst>
+              <a:ext uri="{FF2B5EF4-FFF2-40B4-BE49-F238E27FC236}">
+                <a16:creationId xmlns:a16="http://schemas.microsoft.com/office/drawing/2014/main" id="{84E21541-B48C-FF65-D7B5-3ADAB07C45A1}"/>
+              </a:ext>
+            </a:extLst>
+          </p:cNvPr>
+          <p:cNvPicPr>
+            <a:picLocks noChangeAspect="1" noChangeArrowheads="1"/>
+          </p:cNvPicPr>
+          <p:nvPr/>
+        </p:nvPicPr>
+        <p:blipFill>
+          <a:blip r:embed="rId4">
+            <a:extLst>
+              <a:ext uri="{28A0092B-C50C-407E-A947-70E740481C1C}">
+                <a14:useLocalDpi xmlns:a14="http://schemas.microsoft.com/office/drawing/2010/main" val="0"/>
+              </a:ext>
+            </a:extLst>
+          </a:blip>
+          <a:srcRect/>
+          <a:stretch>
+            <a:fillRect/>
+          </a:stretch>
+        </p:blipFill>
+        <p:spPr bwMode="auto">
+          <a:xfrm>
+            <a:off x="4878293" y="1674545"/>
+            <a:ext cx="898370" cy="898370"/>
+          </a:xfrm>
+          <a:prstGeom prst="rect">
+            <a:avLst/>
+          </a:prstGeom>
+          <a:noFill/>
+          <a:extLst>
+            <a:ext uri="{909E8E84-426E-40DD-AFC4-6F175D3DCCD1}">
+              <a14:hiddenFill xmlns:a14="http://schemas.microsoft.com/office/drawing/2010/main">
+                <a:solidFill>
+                  <a:srgbClr val="FFFFFF"/>
+                </a:solidFill>
+              </a14:hiddenFill>
+            </a:ext>
+          </a:extLst>
+        </p:spPr>
+      </p:pic>
+      <p:sp>
+        <p:nvSpPr>
+          <p:cNvPr id="18" name="TextBox 17">
+            <a:extLst>
+              <a:ext uri="{FF2B5EF4-FFF2-40B4-BE49-F238E27FC236}">
+                <a16:creationId xmlns:a16="http://schemas.microsoft.com/office/drawing/2014/main" id="{F13371DA-084A-B484-0CCD-70884CCE3464}"/>
+              </a:ext>
+            </a:extLst>
+          </p:cNvPr>
+          <p:cNvSpPr txBox="1"/>
+          <p:nvPr/>
+        </p:nvSpPr>
+        <p:spPr>
+          <a:xfrm>
+            <a:off x="5583182" y="1803647"/>
+            <a:ext cx="2686639" cy="615553"/>
+          </a:xfrm>
+          <a:prstGeom prst="rect">
+            <a:avLst/>
+          </a:prstGeom>
+          <a:noFill/>
+        </p:spPr>
+        <p:txBody>
+          <a:bodyPr wrap="square" rtlCol="0">
+            <a:spAutoFit/>
+          </a:bodyPr>
+          <a:lstStyle/>
+          <a:p>
+            <a:r>
+              <a:rPr lang="tr-TR" dirty="0"/>
+              <a:t>EasyCrm.OrderingService</a:t>
+            </a:r>
+            <a:br>
+              <a:rPr lang="tr-TR" dirty="0"/>
+            </a:br>
+            <a:r>
+              <a:rPr lang="tr-TR" sz="1600" b="1" dirty="0">
+                <a:solidFill>
+                  <a:srgbClr val="00B050"/>
+                </a:solidFill>
+              </a:rPr>
+              <a:t>ABP Studio Module</a:t>
+            </a:r>
+            <a:endParaRPr lang="en-US" sz="1600" b="1" dirty="0">
+              <a:solidFill>
+                <a:srgbClr val="00B050"/>
+              </a:solidFill>
+            </a:endParaRPr>
+          </a:p>
+        </p:txBody>
+      </p:sp>
+      <p:cxnSp>
+        <p:nvCxnSpPr>
+          <p:cNvPr id="20" name="Straight Arrow Connector 19">
+            <a:extLst>
+              <a:ext uri="{FF2B5EF4-FFF2-40B4-BE49-F238E27FC236}">
+                <a16:creationId xmlns:a16="http://schemas.microsoft.com/office/drawing/2014/main" id="{16F8133B-9D6A-8F62-4241-0DBD39541B32}"/>
+              </a:ext>
+            </a:extLst>
+          </p:cNvPr>
+          <p:cNvCxnSpPr>
+            <a:stCxn id="9" idx="3"/>
+            <a:endCxn id="1028" idx="1"/>
+          </p:cNvCxnSpPr>
+          <p:nvPr/>
+        </p:nvCxnSpPr>
+        <p:spPr>
+          <a:xfrm flipV="1">
+            <a:off x="4072378" y="2123730"/>
+            <a:ext cx="805915" cy="7952"/>
+          </a:xfrm>
+          <a:prstGeom prst="straightConnector1">
+            <a:avLst/>
+          </a:prstGeom>
+          <a:ln w="63500" cap="flat" cmpd="sng" algn="ctr">
+            <a:solidFill>
+              <a:schemeClr val="accent2"/>
+            </a:solidFill>
+            <a:prstDash val="solid"/>
+            <a:round/>
+            <a:headEnd type="none" w="med" len="med"/>
+            <a:tailEnd type="arrow" w="med" len="med"/>
+          </a:ln>
+        </p:spPr>
+        <p:style>
+          <a:lnRef idx="0">
+            <a:scrgbClr r="0" g="0" b="0"/>
+          </a:lnRef>
+          <a:fillRef idx="0">
+            <a:scrgbClr r="0" g="0" b="0"/>
+          </a:fillRef>
+          <a:effectRef idx="0">
+            <a:scrgbClr r="0" g="0" b="0"/>
+          </a:effectRef>
+          <a:fontRef idx="minor">
+            <a:schemeClr val="tx1"/>
+          </a:fontRef>
+        </p:style>
+      </p:cxnSp>
+      <p:pic>
+        <p:nvPicPr>
+          <p:cNvPr id="21" name="Picture 4" descr="Jigsaw Puzzle Vector PNG Images, Jigsaw Puzzle Icon Web Assemble, Shape,  Concept, Swot PNG Image For Free Download">
+            <a:extLst>
+              <a:ext uri="{FF2B5EF4-FFF2-40B4-BE49-F238E27FC236}">
+                <a16:creationId xmlns:a16="http://schemas.microsoft.com/office/drawing/2014/main" id="{157E3AAA-DE7E-EDD3-C17D-5E075E0455CB}"/>
+              </a:ext>
+            </a:extLst>
+          </p:cNvPr>
+          <p:cNvPicPr>
+            <a:picLocks noChangeAspect="1" noChangeArrowheads="1"/>
+          </p:cNvPicPr>
+          <p:nvPr/>
+        </p:nvPicPr>
+        <p:blipFill>
+          <a:blip r:embed="rId4">
+            <a:extLst>
+              <a:ext uri="{28A0092B-C50C-407E-A947-70E740481C1C}">
+                <a14:useLocalDpi xmlns:a14="http://schemas.microsoft.com/office/drawing/2010/main" val="0"/>
+              </a:ext>
+            </a:extLst>
+          </a:blip>
+          <a:srcRect/>
+          <a:stretch>
+            <a:fillRect/>
+          </a:stretch>
+        </p:blipFill>
+        <p:spPr bwMode="auto">
+          <a:xfrm>
+            <a:off x="4878293" y="2492791"/>
+            <a:ext cx="898370" cy="898370"/>
+          </a:xfrm>
+          <a:prstGeom prst="rect">
+            <a:avLst/>
+          </a:prstGeom>
+          <a:noFill/>
+          <a:extLst>
+            <a:ext uri="{909E8E84-426E-40DD-AFC4-6F175D3DCCD1}">
+              <a14:hiddenFill xmlns:a14="http://schemas.microsoft.com/office/drawing/2010/main">
+                <a:solidFill>
+                  <a:srgbClr val="FFFFFF"/>
+                </a:solidFill>
+              </a14:hiddenFill>
+            </a:ext>
+          </a:extLst>
+        </p:spPr>
+      </p:pic>
+      <p:sp>
+        <p:nvSpPr>
+          <p:cNvPr id="22" name="TextBox 21">
+            <a:extLst>
+              <a:ext uri="{FF2B5EF4-FFF2-40B4-BE49-F238E27FC236}">
+                <a16:creationId xmlns:a16="http://schemas.microsoft.com/office/drawing/2014/main" id="{42496979-150D-D715-4B7A-6E18619E39D2}"/>
+              </a:ext>
+            </a:extLst>
+          </p:cNvPr>
+          <p:cNvSpPr txBox="1"/>
+          <p:nvPr/>
+        </p:nvSpPr>
+        <p:spPr>
+          <a:xfrm>
+            <a:off x="5583182" y="2621893"/>
+            <a:ext cx="2686639" cy="615553"/>
+          </a:xfrm>
+          <a:prstGeom prst="rect">
+            <a:avLst/>
+          </a:prstGeom>
+          <a:noFill/>
+        </p:spPr>
+        <p:txBody>
+          <a:bodyPr wrap="square" rtlCol="0">
+            <a:spAutoFit/>
+          </a:bodyPr>
+          <a:lstStyle/>
+          <a:p>
+            <a:r>
+              <a:rPr lang="tr-TR" dirty="0"/>
+              <a:t>EasyCrm.BasketService</a:t>
+            </a:r>
+            <a:br>
+              <a:rPr lang="tr-TR" dirty="0"/>
+            </a:br>
+            <a:r>
+              <a:rPr lang="tr-TR" sz="1600" b="1" dirty="0">
+                <a:solidFill>
+                  <a:srgbClr val="00B050"/>
+                </a:solidFill>
+              </a:rPr>
+              <a:t>ABP Studio Module</a:t>
+            </a:r>
+            <a:endParaRPr lang="en-US" sz="1600" b="1" dirty="0">
+              <a:solidFill>
+                <a:srgbClr val="00B050"/>
+              </a:solidFill>
+            </a:endParaRPr>
+          </a:p>
+        </p:txBody>
+      </p:sp>
+      <p:cxnSp>
+        <p:nvCxnSpPr>
+          <p:cNvPr id="23" name="Straight Arrow Connector 22">
+            <a:extLst>
+              <a:ext uri="{FF2B5EF4-FFF2-40B4-BE49-F238E27FC236}">
+                <a16:creationId xmlns:a16="http://schemas.microsoft.com/office/drawing/2014/main" id="{67C3CFD1-A712-1E85-663A-473FB7AB3417}"/>
+              </a:ext>
+            </a:extLst>
+          </p:cNvPr>
+          <p:cNvCxnSpPr>
+            <a:endCxn id="21" idx="1"/>
+          </p:cNvCxnSpPr>
+          <p:nvPr/>
+        </p:nvCxnSpPr>
+        <p:spPr>
+          <a:xfrm flipV="1">
+            <a:off x="4072378" y="2941976"/>
+            <a:ext cx="805915" cy="7952"/>
+          </a:xfrm>
+          <a:prstGeom prst="straightConnector1">
+            <a:avLst/>
+          </a:prstGeom>
+          <a:ln w="63500" cap="flat" cmpd="sng" algn="ctr">
+            <a:solidFill>
+              <a:schemeClr val="accent2"/>
+            </a:solidFill>
+            <a:prstDash val="solid"/>
+            <a:round/>
+            <a:headEnd type="none" w="med" len="med"/>
+            <a:tailEnd type="arrow" w="med" len="med"/>
+          </a:ln>
+        </p:spPr>
+        <p:style>
+          <a:lnRef idx="0">
+            <a:scrgbClr r="0" g="0" b="0"/>
+          </a:lnRef>
+          <a:fillRef idx="0">
+            <a:scrgbClr r="0" g="0" b="0"/>
+          </a:fillRef>
+          <a:effectRef idx="0">
+            <a:scrgbClr r="0" g="0" b="0"/>
+          </a:effectRef>
+          <a:fontRef idx="minor">
+            <a:schemeClr val="tx1"/>
+          </a:fontRef>
+        </p:style>
+      </p:cxnSp>
+      <p:pic>
+        <p:nvPicPr>
+          <p:cNvPr id="27" name="Picture 4" descr="Jigsaw Puzzle Vector PNG Images, Jigsaw Puzzle Icon Web Assemble, Shape,  Concept, Swot PNG Image For Free Download">
+            <a:extLst>
+              <a:ext uri="{FF2B5EF4-FFF2-40B4-BE49-F238E27FC236}">
+                <a16:creationId xmlns:a16="http://schemas.microsoft.com/office/drawing/2014/main" id="{3EBCB2B3-9D70-769D-149C-9A4E0CC76C37}"/>
+              </a:ext>
+            </a:extLst>
+          </p:cNvPr>
+          <p:cNvPicPr>
+            <a:picLocks noChangeAspect="1" noChangeArrowheads="1"/>
+          </p:cNvPicPr>
+          <p:nvPr/>
+        </p:nvPicPr>
+        <p:blipFill>
+          <a:blip r:embed="rId4">
+            <a:extLst>
+              <a:ext uri="{28A0092B-C50C-407E-A947-70E740481C1C}">
+                <a14:useLocalDpi xmlns:a14="http://schemas.microsoft.com/office/drawing/2010/main" val="0"/>
+              </a:ext>
+            </a:extLst>
+          </a:blip>
+          <a:srcRect/>
+          <a:stretch>
+            <a:fillRect/>
+          </a:stretch>
+        </p:blipFill>
+        <p:spPr bwMode="auto">
+          <a:xfrm>
+            <a:off x="4878293" y="3362256"/>
+            <a:ext cx="898370" cy="898370"/>
+          </a:xfrm>
+          <a:prstGeom prst="rect">
+            <a:avLst/>
+          </a:prstGeom>
+          <a:noFill/>
+          <a:extLst>
+            <a:ext uri="{909E8E84-426E-40DD-AFC4-6F175D3DCCD1}">
+              <a14:hiddenFill xmlns:a14="http://schemas.microsoft.com/office/drawing/2010/main">
+                <a:solidFill>
+                  <a:srgbClr val="FFFFFF"/>
+                </a:solidFill>
+              </a14:hiddenFill>
+            </a:ext>
+          </a:extLst>
+        </p:spPr>
+      </p:pic>
+      <p:sp>
+        <p:nvSpPr>
+          <p:cNvPr id="28" name="TextBox 27">
+            <a:extLst>
+              <a:ext uri="{FF2B5EF4-FFF2-40B4-BE49-F238E27FC236}">
+                <a16:creationId xmlns:a16="http://schemas.microsoft.com/office/drawing/2014/main" id="{2CCF2123-2BA0-9696-1D6B-340936C63372}"/>
+              </a:ext>
+            </a:extLst>
+          </p:cNvPr>
+          <p:cNvSpPr txBox="1"/>
+          <p:nvPr/>
+        </p:nvSpPr>
+        <p:spPr>
+          <a:xfrm>
+            <a:off x="5583182" y="3491358"/>
+            <a:ext cx="2686639" cy="615553"/>
+          </a:xfrm>
+          <a:prstGeom prst="rect">
+            <a:avLst/>
+          </a:prstGeom>
+          <a:noFill/>
+        </p:spPr>
+        <p:txBody>
+          <a:bodyPr wrap="square" rtlCol="0">
+            <a:spAutoFit/>
+          </a:bodyPr>
+          <a:lstStyle/>
+          <a:p>
+            <a:r>
+              <a:rPr lang="tr-TR" dirty="0"/>
+              <a:t>EasyCrm.CatalogService</a:t>
+            </a:r>
+            <a:br>
+              <a:rPr lang="tr-TR" dirty="0"/>
+            </a:br>
+            <a:r>
+              <a:rPr lang="tr-TR" sz="1600" b="1" dirty="0">
+                <a:solidFill>
+                  <a:srgbClr val="00B050"/>
+                </a:solidFill>
+              </a:rPr>
+              <a:t>ABP Studio Module</a:t>
+            </a:r>
+            <a:endParaRPr lang="en-US" sz="1600" b="1" dirty="0">
+              <a:solidFill>
+                <a:srgbClr val="00B050"/>
+              </a:solidFill>
+            </a:endParaRPr>
+          </a:p>
+        </p:txBody>
+      </p:sp>
+      <p:cxnSp>
+        <p:nvCxnSpPr>
+          <p:cNvPr id="29" name="Straight Arrow Connector 28">
+            <a:extLst>
+              <a:ext uri="{FF2B5EF4-FFF2-40B4-BE49-F238E27FC236}">
+                <a16:creationId xmlns:a16="http://schemas.microsoft.com/office/drawing/2014/main" id="{006F3A1F-E780-5F40-30AE-31C5BB58F7D0}"/>
+              </a:ext>
+            </a:extLst>
+          </p:cNvPr>
+          <p:cNvCxnSpPr>
+            <a:endCxn id="27" idx="1"/>
+          </p:cNvCxnSpPr>
+          <p:nvPr/>
+        </p:nvCxnSpPr>
+        <p:spPr>
+          <a:xfrm flipV="1">
+            <a:off x="4072378" y="3811441"/>
+            <a:ext cx="805915" cy="7952"/>
+          </a:xfrm>
+          <a:prstGeom prst="straightConnector1">
+            <a:avLst/>
+          </a:prstGeom>
+          <a:ln w="63500" cap="flat" cmpd="sng" algn="ctr">
+            <a:solidFill>
+              <a:schemeClr val="accent2"/>
+            </a:solidFill>
+            <a:prstDash val="solid"/>
+            <a:round/>
+            <a:headEnd type="none" w="med" len="med"/>
+            <a:tailEnd type="arrow" w="med" len="med"/>
+          </a:ln>
+        </p:spPr>
+        <p:style>
+          <a:lnRef idx="0">
+            <a:scrgbClr r="0" g="0" b="0"/>
+          </a:lnRef>
+          <a:fillRef idx="0">
+            <a:scrgbClr r="0" g="0" b="0"/>
+          </a:fillRef>
+          <a:effectRef idx="0">
+            <a:scrgbClr r="0" g="0" b="0"/>
+          </a:effectRef>
+          <a:fontRef idx="minor">
+            <a:schemeClr val="tx1"/>
+          </a:fontRef>
+        </p:style>
+      </p:cxnSp>
+      <p:pic>
+        <p:nvPicPr>
+          <p:cNvPr id="30" name="Picture 4" descr="Jigsaw Puzzle Vector PNG Images, Jigsaw Puzzle Icon Web Assemble, Shape,  Concept, Swot PNG Image For Free Download">
+            <a:extLst>
+              <a:ext uri="{FF2B5EF4-FFF2-40B4-BE49-F238E27FC236}">
+                <a16:creationId xmlns:a16="http://schemas.microsoft.com/office/drawing/2014/main" id="{39027854-1D9B-6777-4902-532A4B3DA328}"/>
+              </a:ext>
+            </a:extLst>
+          </p:cNvPr>
+          <p:cNvPicPr>
+            <a:picLocks noChangeAspect="1" noChangeArrowheads="1"/>
+          </p:cNvPicPr>
+          <p:nvPr/>
+        </p:nvPicPr>
+        <p:blipFill>
+          <a:blip r:embed="rId4">
+            <a:extLst>
+              <a:ext uri="{28A0092B-C50C-407E-A947-70E740481C1C}">
+                <a14:useLocalDpi xmlns:a14="http://schemas.microsoft.com/office/drawing/2010/main" val="0"/>
+              </a:ext>
+            </a:extLst>
+          </a:blip>
+          <a:srcRect/>
+          <a:stretch>
+            <a:fillRect/>
+          </a:stretch>
+        </p:blipFill>
+        <p:spPr bwMode="auto">
+          <a:xfrm>
+            <a:off x="4878293" y="4180502"/>
+            <a:ext cx="898370" cy="898370"/>
+          </a:xfrm>
+          <a:prstGeom prst="rect">
+            <a:avLst/>
+          </a:prstGeom>
+          <a:noFill/>
+          <a:extLst>
+            <a:ext uri="{909E8E84-426E-40DD-AFC4-6F175D3DCCD1}">
+              <a14:hiddenFill xmlns:a14="http://schemas.microsoft.com/office/drawing/2010/main">
+                <a:solidFill>
+                  <a:srgbClr val="FFFFFF"/>
+                </a:solidFill>
+              </a14:hiddenFill>
+            </a:ext>
+          </a:extLst>
+        </p:spPr>
+      </p:pic>
+      <p:sp>
+        <p:nvSpPr>
+          <p:cNvPr id="31" name="TextBox 30">
+            <a:extLst>
+              <a:ext uri="{FF2B5EF4-FFF2-40B4-BE49-F238E27FC236}">
+                <a16:creationId xmlns:a16="http://schemas.microsoft.com/office/drawing/2014/main" id="{8C983F54-89C2-319A-7BC1-AFA7B1DDC124}"/>
+              </a:ext>
+            </a:extLst>
+          </p:cNvPr>
+          <p:cNvSpPr txBox="1"/>
+          <p:nvPr/>
+        </p:nvSpPr>
+        <p:spPr>
+          <a:xfrm>
+            <a:off x="5583182" y="4309604"/>
+            <a:ext cx="2686639" cy="615553"/>
+          </a:xfrm>
+          <a:prstGeom prst="rect">
+            <a:avLst/>
+          </a:prstGeom>
+          <a:noFill/>
+        </p:spPr>
+        <p:txBody>
+          <a:bodyPr wrap="square" rtlCol="0">
+            <a:spAutoFit/>
+          </a:bodyPr>
+          <a:lstStyle/>
+          <a:p>
+            <a:r>
+              <a:rPr lang="tr-TR" dirty="0"/>
+              <a:t>EasyCrm.CustomersService</a:t>
+            </a:r>
+            <a:br>
+              <a:rPr lang="tr-TR" dirty="0"/>
+            </a:br>
+            <a:r>
+              <a:rPr lang="tr-TR" sz="1600" b="1" dirty="0">
+                <a:solidFill>
+                  <a:srgbClr val="00B050"/>
+                </a:solidFill>
+              </a:rPr>
+              <a:t>ABP Studio Module</a:t>
+            </a:r>
+            <a:endParaRPr lang="en-US" sz="1600" b="1" dirty="0">
+              <a:solidFill>
+                <a:srgbClr val="00B050"/>
+              </a:solidFill>
+            </a:endParaRPr>
+          </a:p>
+        </p:txBody>
+      </p:sp>
+      <p:cxnSp>
+        <p:nvCxnSpPr>
+          <p:cNvPr id="32" name="Straight Arrow Connector 31">
+            <a:extLst>
+              <a:ext uri="{FF2B5EF4-FFF2-40B4-BE49-F238E27FC236}">
+                <a16:creationId xmlns:a16="http://schemas.microsoft.com/office/drawing/2014/main" id="{427114CB-A2B1-72F6-7ED5-443A7278538A}"/>
+              </a:ext>
+            </a:extLst>
+          </p:cNvPr>
+          <p:cNvCxnSpPr>
+            <a:endCxn id="30" idx="1"/>
+          </p:cNvCxnSpPr>
+          <p:nvPr/>
+        </p:nvCxnSpPr>
+        <p:spPr>
+          <a:xfrm flipV="1">
+            <a:off x="4072378" y="4629687"/>
+            <a:ext cx="805915" cy="7952"/>
+          </a:xfrm>
+          <a:prstGeom prst="straightConnector1">
+            <a:avLst/>
+          </a:prstGeom>
+          <a:ln w="63500" cap="flat" cmpd="sng" algn="ctr">
+            <a:solidFill>
+              <a:schemeClr val="accent2"/>
+            </a:solidFill>
+            <a:prstDash val="solid"/>
+            <a:round/>
+            <a:headEnd type="none" w="med" len="med"/>
+            <a:tailEnd type="arrow" w="med" len="med"/>
+          </a:ln>
+        </p:spPr>
+        <p:style>
+          <a:lnRef idx="0">
+            <a:scrgbClr r="0" g="0" b="0"/>
+          </a:lnRef>
+          <a:fillRef idx="0">
+            <a:scrgbClr r="0" g="0" b="0"/>
+          </a:fillRef>
+          <a:effectRef idx="0">
+            <a:scrgbClr r="0" g="0" b="0"/>
+          </a:effectRef>
+          <a:fontRef idx="minor">
+            <a:schemeClr val="tx1"/>
+          </a:fontRef>
+        </p:style>
+      </p:cxnSp>
+      <p:pic>
+        <p:nvPicPr>
+          <p:cNvPr id="1032" name="Picture 8" descr="Puzzle - Free education icons">
+            <a:extLst>
+              <a:ext uri="{FF2B5EF4-FFF2-40B4-BE49-F238E27FC236}">
+                <a16:creationId xmlns:a16="http://schemas.microsoft.com/office/drawing/2014/main" id="{B9C15FB3-1805-6D53-E1BF-20D34E25EE4E}"/>
+              </a:ext>
+            </a:extLst>
+          </p:cNvPr>
+          <p:cNvPicPr>
+            <a:picLocks noChangeAspect="1" noChangeArrowheads="1"/>
+          </p:cNvPicPr>
+          <p:nvPr/>
+        </p:nvPicPr>
+        <p:blipFill>
+          <a:blip r:embed="rId5">
+            <a:extLst>
+              <a:ext uri="{28A0092B-C50C-407E-A947-70E740481C1C}">
+                <a14:useLocalDpi xmlns:a14="http://schemas.microsoft.com/office/drawing/2010/main" val="0"/>
+              </a:ext>
+            </a:extLst>
+          </a:blip>
+          <a:srcRect/>
+          <a:stretch>
+            <a:fillRect/>
+          </a:stretch>
+        </p:blipFill>
+        <p:spPr bwMode="auto">
+          <a:xfrm>
+            <a:off x="9466448" y="2567442"/>
+            <a:ext cx="749068" cy="749068"/>
+          </a:xfrm>
+          <a:prstGeom prst="rect">
+            <a:avLst/>
+          </a:prstGeom>
+          <a:noFill/>
+          <a:extLst>
+            <a:ext uri="{909E8E84-426E-40DD-AFC4-6F175D3DCCD1}">
+              <a14:hiddenFill xmlns:a14="http://schemas.microsoft.com/office/drawing/2010/main">
+                <a:solidFill>
+                  <a:srgbClr val="FFFFFF"/>
+                </a:solidFill>
+              </a14:hiddenFill>
+            </a:ext>
+          </a:extLst>
+        </p:spPr>
+      </p:pic>
+      <p:sp>
+        <p:nvSpPr>
+          <p:cNvPr id="33" name="TextBox 32">
+            <a:extLst>
+              <a:ext uri="{FF2B5EF4-FFF2-40B4-BE49-F238E27FC236}">
+                <a16:creationId xmlns:a16="http://schemas.microsoft.com/office/drawing/2014/main" id="{85FA8C14-3028-C7CF-E547-C2F591627D46}"/>
+              </a:ext>
+            </a:extLst>
+          </p:cNvPr>
+          <p:cNvSpPr txBox="1"/>
+          <p:nvPr/>
+        </p:nvSpPr>
+        <p:spPr>
+          <a:xfrm>
+            <a:off x="9385955" y="3339204"/>
+            <a:ext cx="2476107" cy="769441"/>
+          </a:xfrm>
+          <a:prstGeom prst="rect">
+            <a:avLst/>
+          </a:prstGeom>
+          <a:noFill/>
+        </p:spPr>
+        <p:txBody>
+          <a:bodyPr wrap="square" rtlCol="0">
+            <a:spAutoFit/>
+          </a:bodyPr>
+          <a:lstStyle/>
+          <a:p>
+            <a:r>
+              <a:rPr lang="tr-TR" sz="2400" dirty="0"/>
+              <a:t>EasyCrm</a:t>
+            </a:r>
+          </a:p>
+          <a:p>
+            <a:r>
+              <a:rPr lang="tr-TR" sz="2000" b="1" dirty="0">
+                <a:solidFill>
+                  <a:srgbClr val="C00000"/>
+                </a:solidFill>
+              </a:rPr>
+              <a:t>ABP Studio Solution</a:t>
+            </a:r>
+            <a:endParaRPr lang="en-US" sz="2000" b="1" dirty="0">
+              <a:solidFill>
+                <a:srgbClr val="C00000"/>
+              </a:solidFill>
+            </a:endParaRPr>
+          </a:p>
+        </p:txBody>
+      </p:sp>
+      <p:sp>
+        <p:nvSpPr>
+          <p:cNvPr id="34" name="Right Brace 33">
+            <a:extLst>
+              <a:ext uri="{FF2B5EF4-FFF2-40B4-BE49-F238E27FC236}">
+                <a16:creationId xmlns:a16="http://schemas.microsoft.com/office/drawing/2014/main" id="{BA47AD4E-CCF6-C5E1-D3E4-3EB374FC0010}"/>
+              </a:ext>
+            </a:extLst>
+          </p:cNvPr>
+          <p:cNvSpPr/>
+          <p:nvPr/>
+        </p:nvSpPr>
+        <p:spPr>
+          <a:xfrm>
+            <a:off x="8163613" y="1803647"/>
+            <a:ext cx="1055802" cy="3080992"/>
+          </a:xfrm>
+          <a:prstGeom prst="rightBrace">
+            <a:avLst/>
+          </a:prstGeom>
+          <a:ln w="63500">
+            <a:solidFill>
+              <a:schemeClr val="accent2"/>
+            </a:solidFill>
+          </a:ln>
+        </p:spPr>
+        <p:style>
+          <a:lnRef idx="1">
+            <a:schemeClr val="accent1"/>
+          </a:lnRef>
+          <a:fillRef idx="0">
+            <a:schemeClr val="accent1"/>
+          </a:fillRef>
+          <a:effectRef idx="0">
+            <a:schemeClr val="accent1"/>
+          </a:effectRef>
+          <a:fontRef idx="minor">
+            <a:schemeClr val="tx1"/>
+          </a:fontRef>
+        </p:style>
+        <p:txBody>
+          <a:bodyPr rtlCol="0" anchor="ctr"/>
+          <a:lstStyle/>
+          <a:p>
+            <a:pPr algn="ctr"/>
+            <a:endParaRPr lang="en-US"/>
+          </a:p>
+        </p:txBody>
+      </p:sp>
+      <p:sp>
+        <p:nvSpPr>
+          <p:cNvPr id="36" name="TextBox 35">
+            <a:extLst>
+              <a:ext uri="{FF2B5EF4-FFF2-40B4-BE49-F238E27FC236}">
+                <a16:creationId xmlns:a16="http://schemas.microsoft.com/office/drawing/2014/main" id="{B9EB26F7-AC00-B2B8-C527-08C31135BEBD}"/>
+              </a:ext>
+            </a:extLst>
+          </p:cNvPr>
+          <p:cNvSpPr txBox="1"/>
+          <p:nvPr/>
+        </p:nvSpPr>
+        <p:spPr>
+          <a:xfrm>
+            <a:off x="1712510" y="5673980"/>
+            <a:ext cx="3046796" cy="615553"/>
+          </a:xfrm>
+          <a:prstGeom prst="rect">
+            <a:avLst/>
+          </a:prstGeom>
+          <a:noFill/>
+        </p:spPr>
+        <p:txBody>
+          <a:bodyPr wrap="square" rtlCol="0">
+            <a:spAutoFit/>
+          </a:bodyPr>
+          <a:lstStyle/>
+          <a:p>
+            <a:r>
+              <a:rPr lang="tr-TR" dirty="0"/>
+              <a:t>EasyCrm.CustomerService.UI</a:t>
+            </a:r>
+            <a:br>
+              <a:rPr lang="tr-TR" dirty="0"/>
+            </a:br>
+            <a:r>
+              <a:rPr lang="tr-TR" sz="1600" b="1" dirty="0">
+                <a:solidFill>
+                  <a:srgbClr val="7030A0"/>
+                </a:solidFill>
+              </a:rPr>
+              <a:t>.NET Project (.csproj)</a:t>
+            </a:r>
+            <a:endParaRPr lang="en-US" sz="1600" b="1" dirty="0">
+              <a:solidFill>
+                <a:srgbClr val="7030A0"/>
+              </a:solidFill>
+            </a:endParaRPr>
+          </a:p>
+        </p:txBody>
+      </p:sp>
+      <p:pic>
+        <p:nvPicPr>
+          <p:cNvPr id="1034" name="Picture 10" descr="C Sharp (C#) &quot; Icon - Download for free – Iconduck">
+            <a:extLst>
+              <a:ext uri="{FF2B5EF4-FFF2-40B4-BE49-F238E27FC236}">
+                <a16:creationId xmlns:a16="http://schemas.microsoft.com/office/drawing/2014/main" id="{226BB4D5-B33B-D985-0ABF-7DAA371642DD}"/>
+              </a:ext>
+            </a:extLst>
+          </p:cNvPr>
+          <p:cNvPicPr>
+            <a:picLocks noChangeAspect="1" noChangeArrowheads="1"/>
+          </p:cNvPicPr>
+          <p:nvPr/>
+        </p:nvPicPr>
+        <p:blipFill>
+          <a:blip r:embed="rId6">
+            <a:extLst>
+              <a:ext uri="{28A0092B-C50C-407E-A947-70E740481C1C}">
+                <a14:useLocalDpi xmlns:a14="http://schemas.microsoft.com/office/drawing/2010/main" val="0"/>
+              </a:ext>
+            </a:extLst>
+          </a:blip>
+          <a:srcRect/>
+          <a:stretch>
+            <a:fillRect/>
+          </a:stretch>
+        </p:blipFill>
+        <p:spPr bwMode="auto">
+          <a:xfrm>
+            <a:off x="1250598" y="5722133"/>
+            <a:ext cx="461912" cy="519245"/>
+          </a:xfrm>
+          <a:prstGeom prst="rect">
+            <a:avLst/>
+          </a:prstGeom>
+          <a:noFill/>
+          <a:extLst>
+            <a:ext uri="{909E8E84-426E-40DD-AFC4-6F175D3DCCD1}">
+              <a14:hiddenFill xmlns:a14="http://schemas.microsoft.com/office/drawing/2010/main">
+                <a:solidFill>
+                  <a:srgbClr val="FFFFFF"/>
+                </a:solidFill>
+              </a14:hiddenFill>
+            </a:ext>
+          </a:extLst>
+        </p:spPr>
+      </p:pic>
+      <p:sp>
+        <p:nvSpPr>
+          <p:cNvPr id="37" name="TextBox 36">
+            <a:extLst>
+              <a:ext uri="{FF2B5EF4-FFF2-40B4-BE49-F238E27FC236}">
+                <a16:creationId xmlns:a16="http://schemas.microsoft.com/office/drawing/2014/main" id="{3CD393AA-53D9-966C-049C-569226106D85}"/>
+              </a:ext>
+            </a:extLst>
+          </p:cNvPr>
+          <p:cNvSpPr txBox="1"/>
+          <p:nvPr/>
+        </p:nvSpPr>
+        <p:spPr>
+          <a:xfrm>
+            <a:off x="6746423" y="5673980"/>
+            <a:ext cx="3046796" cy="615553"/>
+          </a:xfrm>
+          <a:prstGeom prst="rect">
+            <a:avLst/>
+          </a:prstGeom>
+          <a:noFill/>
+        </p:spPr>
+        <p:txBody>
+          <a:bodyPr wrap="square" rtlCol="0">
+            <a:spAutoFit/>
+          </a:bodyPr>
+          <a:lstStyle/>
+          <a:p>
+            <a:r>
+              <a:rPr lang="tr-TR" dirty="0"/>
+              <a:t>EasyCrm.CustomerService.UI</a:t>
+            </a:r>
+            <a:br>
+              <a:rPr lang="tr-TR" dirty="0"/>
+            </a:br>
+            <a:r>
+              <a:rPr lang="tr-TR" sz="1600" b="1" dirty="0">
+                <a:solidFill>
+                  <a:srgbClr val="7030A0"/>
+                </a:solidFill>
+              </a:rPr>
+              <a:t>ABP Studio Package</a:t>
+            </a:r>
+            <a:endParaRPr lang="en-US" sz="1600" b="1" dirty="0">
+              <a:solidFill>
+                <a:srgbClr val="7030A0"/>
+              </a:solidFill>
+            </a:endParaRPr>
+          </a:p>
+        </p:txBody>
+      </p:sp>
+      <p:cxnSp>
+        <p:nvCxnSpPr>
+          <p:cNvPr id="39" name="Straight Arrow Connector 38">
+            <a:extLst>
+              <a:ext uri="{FF2B5EF4-FFF2-40B4-BE49-F238E27FC236}">
+                <a16:creationId xmlns:a16="http://schemas.microsoft.com/office/drawing/2014/main" id="{E731054F-6689-6DC3-C3F6-AC699C9E0F1B}"/>
+              </a:ext>
+            </a:extLst>
+          </p:cNvPr>
+          <p:cNvCxnSpPr>
+            <a:cxnSpLocks/>
+          </p:cNvCxnSpPr>
+          <p:nvPr/>
+        </p:nvCxnSpPr>
+        <p:spPr>
+          <a:xfrm>
+            <a:off x="4759306" y="5989707"/>
+            <a:ext cx="1259999" cy="0"/>
+          </a:xfrm>
+          <a:prstGeom prst="straightConnector1">
+            <a:avLst/>
+          </a:prstGeom>
+          <a:ln w="63500" cap="flat" cmpd="sng" algn="ctr">
+            <a:solidFill>
+              <a:schemeClr val="accent2"/>
+            </a:solidFill>
+            <a:prstDash val="solid"/>
+            <a:round/>
+            <a:headEnd type="none" w="med" len="med"/>
+            <a:tailEnd type="arrow" w="med" len="med"/>
+          </a:ln>
+        </p:spPr>
+        <p:style>
+          <a:lnRef idx="0">
+            <a:scrgbClr r="0" g="0" b="0"/>
+          </a:lnRef>
+          <a:fillRef idx="0">
+            <a:scrgbClr r="0" g="0" b="0"/>
+          </a:fillRef>
+          <a:effectRef idx="0">
+            <a:scrgbClr r="0" g="0" b="0"/>
+          </a:effectRef>
+          <a:fontRef idx="minor">
+            <a:schemeClr val="tx1"/>
+          </a:fontRef>
+        </p:style>
+      </p:cxnSp>
+      <p:pic>
+        <p:nvPicPr>
+          <p:cNvPr id="1040" name="Picture 16" descr="Package - Free business icons">
+            <a:extLst>
+              <a:ext uri="{FF2B5EF4-FFF2-40B4-BE49-F238E27FC236}">
+                <a16:creationId xmlns:a16="http://schemas.microsoft.com/office/drawing/2014/main" id="{A0B42078-5E3C-50EC-DA28-4BA6FDC33302}"/>
+              </a:ext>
+            </a:extLst>
+          </p:cNvPr>
+          <p:cNvPicPr>
+            <a:picLocks noChangeAspect="1" noChangeArrowheads="1"/>
+          </p:cNvPicPr>
+          <p:nvPr/>
+        </p:nvPicPr>
+        <p:blipFill>
+          <a:blip r:embed="rId7">
+            <a:extLst>
+              <a:ext uri="{28A0092B-C50C-407E-A947-70E740481C1C}">
+                <a14:useLocalDpi xmlns:a14="http://schemas.microsoft.com/office/drawing/2010/main" val="0"/>
+              </a:ext>
+            </a:extLst>
+          </a:blip>
+          <a:srcRect/>
+          <a:stretch>
+            <a:fillRect/>
+          </a:stretch>
+        </p:blipFill>
+        <p:spPr bwMode="auto">
+          <a:xfrm>
+            <a:off x="6172696" y="5722133"/>
+            <a:ext cx="573727" cy="573727"/>
+          </a:xfrm>
+          <a:prstGeom prst="rect">
+            <a:avLst/>
+          </a:prstGeom>
+          <a:noFill/>
+          <a:extLst>
+            <a:ext uri="{909E8E84-426E-40DD-AFC4-6F175D3DCCD1}">
+              <a14:hiddenFill xmlns:a14="http://schemas.microsoft.com/office/drawing/2010/main">
+                <a:solidFill>
+                  <a:srgbClr val="FFFFFF"/>
+                </a:solidFill>
+              </a14:hiddenFill>
+            </a:ext>
+          </a:extLst>
+        </p:spPr>
+      </p:pic>
+    </p:spTree>
+    <p:extLst>
+      <p:ext uri="{BB962C8B-B14F-4D97-AF65-F5344CB8AC3E}">
+        <p14:creationId xmlns:p14="http://schemas.microsoft.com/office/powerpoint/2010/main" val="2354327406"/>
+      </p:ext>
+    </p:extLst>
+  </p:cSld>
+  <p:clrMapOvr>
+    <a:masterClrMapping/>
+  </p:clrMapOvr>
+  <p:timing>
+    <p:tnLst>
+      <p:par>
+        <p:cTn id="1" dur="indefinite" restart="never" nodeType="tmRoot">
+          <p:childTnLst>
+            <p:seq concurrent="1" nextAc="seek">
+              <p:cTn id="2" dur="indefinite" nodeType="mainSeq">
+                <p:childTnLst>
+                  <p:par>
+                    <p:cTn id="3" fill="hold">
+                      <p:stCondLst>
+                        <p:cond delay="indefinite"/>
+                      </p:stCondLst>
+                      <p:childTnLst>
+                        <p:par>
+                          <p:cTn id="4" fill="hold">
+                            <p:stCondLst>
+                              <p:cond delay="0"/>
+                            </p:stCondLst>
+                            <p:childTnLst>
+                              <p:par>
+                                <p:cTn id="5" presetID="10" presetClass="entr" presetSubtype="0" fill="hold" nodeType="clickEffect">
+                                  <p:stCondLst>
+                                    <p:cond delay="0"/>
+                                  </p:stCondLst>
+                                  <p:childTnLst>
+                                    <p:set>
+                                      <p:cBhvr>
+                                        <p:cTn id="6" dur="1" fill="hold">
+                                          <p:stCondLst>
+                                            <p:cond delay="0"/>
+                                          </p:stCondLst>
+                                        </p:cTn>
+                                        <p:tgtEl>
+                                          <p:spTgt spid="1026"/>
+                                        </p:tgtEl>
+                                        <p:attrNameLst>
+                                          <p:attrName>style.visibility</p:attrName>
+                                        </p:attrNameLst>
+                                      </p:cBhvr>
+                                      <p:to>
+                                        <p:strVal val="visible"/>
+                                      </p:to>
+                                    </p:set>
+                                    <p:animEffect transition="in" filter="fade">
+                                      <p:cBhvr>
+                                        <p:cTn id="7" dur="500"/>
+                                        <p:tgtEl>
+                                          <p:spTgt spid="1026"/>
+                                        </p:tgtEl>
+                                      </p:cBhvr>
+                                    </p:animEffect>
+                                  </p:childTnLst>
+                                </p:cTn>
+                              </p:par>
+                              <p:par>
+                                <p:cTn id="8" presetID="10" presetClass="entr" presetSubtype="0" fill="hold" grpId="0" nodeType="withEffect">
+                                  <p:stCondLst>
+                                    <p:cond delay="0"/>
+                                  </p:stCondLst>
+                                  <p:childTnLst>
+                                    <p:set>
+                                      <p:cBhvr>
+                                        <p:cTn id="9" dur="1" fill="hold">
+                                          <p:stCondLst>
+                                            <p:cond delay="0"/>
+                                          </p:stCondLst>
+                                        </p:cTn>
+                                        <p:tgtEl>
+                                          <p:spTgt spid="9"/>
+                                        </p:tgtEl>
+                                        <p:attrNameLst>
+                                          <p:attrName>style.visibility</p:attrName>
+                                        </p:attrNameLst>
+                                      </p:cBhvr>
+                                      <p:to>
+                                        <p:strVal val="visible"/>
+                                      </p:to>
+                                    </p:set>
+                                    <p:animEffect transition="in" filter="fade">
+                                      <p:cBhvr>
+                                        <p:cTn id="10" dur="500"/>
+                                        <p:tgtEl>
+                                          <p:spTgt spid="9"/>
+                                        </p:tgtEl>
+                                      </p:cBhvr>
+                                    </p:animEffect>
+                                  </p:childTnLst>
+                                </p:cTn>
+                              </p:par>
+                              <p:par>
+                                <p:cTn id="11" presetID="10" presetClass="entr" presetSubtype="0" fill="hold" nodeType="withEffect">
+                                  <p:stCondLst>
+                                    <p:cond delay="0"/>
+                                  </p:stCondLst>
+                                  <p:childTnLst>
+                                    <p:set>
+                                      <p:cBhvr>
+                                        <p:cTn id="12" dur="1" fill="hold">
+                                          <p:stCondLst>
+                                            <p:cond delay="0"/>
+                                          </p:stCondLst>
+                                        </p:cTn>
+                                        <p:tgtEl>
+                                          <p:spTgt spid="10"/>
+                                        </p:tgtEl>
+                                        <p:attrNameLst>
+                                          <p:attrName>style.visibility</p:attrName>
+                                        </p:attrNameLst>
+                                      </p:cBhvr>
+                                      <p:to>
+                                        <p:strVal val="visible"/>
+                                      </p:to>
+                                    </p:set>
+                                    <p:animEffect transition="in" filter="fade">
+                                      <p:cBhvr>
+                                        <p:cTn id="13" dur="500"/>
+                                        <p:tgtEl>
+                                          <p:spTgt spid="10"/>
+                                        </p:tgtEl>
+                                      </p:cBhvr>
+                                    </p:animEffect>
+                                  </p:childTnLst>
+                                </p:cTn>
+                              </p:par>
+                              <p:par>
+                                <p:cTn id="14" presetID="10" presetClass="entr" presetSubtype="0" fill="hold" grpId="0" nodeType="withEffect">
+                                  <p:stCondLst>
+                                    <p:cond delay="0"/>
+                                  </p:stCondLst>
+                                  <p:childTnLst>
+                                    <p:set>
+                                      <p:cBhvr>
+                                        <p:cTn id="15" dur="1" fill="hold">
+                                          <p:stCondLst>
+                                            <p:cond delay="0"/>
+                                          </p:stCondLst>
+                                        </p:cTn>
+                                        <p:tgtEl>
+                                          <p:spTgt spid="11"/>
+                                        </p:tgtEl>
+                                        <p:attrNameLst>
+                                          <p:attrName>style.visibility</p:attrName>
+                                        </p:attrNameLst>
+                                      </p:cBhvr>
+                                      <p:to>
+                                        <p:strVal val="visible"/>
+                                      </p:to>
+                                    </p:set>
+                                    <p:animEffect transition="in" filter="fade">
+                                      <p:cBhvr>
+                                        <p:cTn id="16" dur="500"/>
+                                        <p:tgtEl>
+                                          <p:spTgt spid="11"/>
+                                        </p:tgtEl>
+                                      </p:cBhvr>
+                                    </p:animEffect>
+                                  </p:childTnLst>
+                                </p:cTn>
+                              </p:par>
+                              <p:par>
+                                <p:cTn id="17" presetID="10" presetClass="entr" presetSubtype="0" fill="hold" nodeType="withEffect">
+                                  <p:stCondLst>
+                                    <p:cond delay="0"/>
+                                  </p:stCondLst>
+                                  <p:childTnLst>
+                                    <p:set>
+                                      <p:cBhvr>
+                                        <p:cTn id="18" dur="1" fill="hold">
+                                          <p:stCondLst>
+                                            <p:cond delay="0"/>
+                                          </p:stCondLst>
+                                        </p:cTn>
+                                        <p:tgtEl>
+                                          <p:spTgt spid="14"/>
+                                        </p:tgtEl>
+                                        <p:attrNameLst>
+                                          <p:attrName>style.visibility</p:attrName>
+                                        </p:attrNameLst>
+                                      </p:cBhvr>
+                                      <p:to>
+                                        <p:strVal val="visible"/>
+                                      </p:to>
+                                    </p:set>
+                                    <p:animEffect transition="in" filter="fade">
+                                      <p:cBhvr>
+                                        <p:cTn id="19" dur="500"/>
+                                        <p:tgtEl>
+                                          <p:spTgt spid="14"/>
+                                        </p:tgtEl>
+                                      </p:cBhvr>
+                                    </p:animEffect>
+                                  </p:childTnLst>
+                                </p:cTn>
+                              </p:par>
+                              <p:par>
+                                <p:cTn id="20" presetID="10" presetClass="entr" presetSubtype="0" fill="hold" grpId="0" nodeType="withEffect">
+                                  <p:stCondLst>
+                                    <p:cond delay="0"/>
+                                  </p:stCondLst>
+                                  <p:childTnLst>
+                                    <p:set>
+                                      <p:cBhvr>
+                                        <p:cTn id="21" dur="1" fill="hold">
+                                          <p:stCondLst>
+                                            <p:cond delay="0"/>
+                                          </p:stCondLst>
+                                        </p:cTn>
+                                        <p:tgtEl>
+                                          <p:spTgt spid="15"/>
+                                        </p:tgtEl>
+                                        <p:attrNameLst>
+                                          <p:attrName>style.visibility</p:attrName>
+                                        </p:attrNameLst>
+                                      </p:cBhvr>
+                                      <p:to>
+                                        <p:strVal val="visible"/>
+                                      </p:to>
+                                    </p:set>
+                                    <p:animEffect transition="in" filter="fade">
+                                      <p:cBhvr>
+                                        <p:cTn id="22" dur="500"/>
+                                        <p:tgtEl>
+                                          <p:spTgt spid="15"/>
+                                        </p:tgtEl>
+                                      </p:cBhvr>
+                                    </p:animEffect>
+                                  </p:childTnLst>
+                                </p:cTn>
+                              </p:par>
+                              <p:par>
+                                <p:cTn id="23" presetID="10" presetClass="entr" presetSubtype="0" fill="hold" nodeType="withEffect">
+                                  <p:stCondLst>
+                                    <p:cond delay="0"/>
+                                  </p:stCondLst>
+                                  <p:childTnLst>
+                                    <p:set>
+                                      <p:cBhvr>
+                                        <p:cTn id="24" dur="1" fill="hold">
+                                          <p:stCondLst>
+                                            <p:cond delay="0"/>
+                                          </p:stCondLst>
+                                        </p:cTn>
+                                        <p:tgtEl>
+                                          <p:spTgt spid="16"/>
+                                        </p:tgtEl>
+                                        <p:attrNameLst>
+                                          <p:attrName>style.visibility</p:attrName>
+                                        </p:attrNameLst>
+                                      </p:cBhvr>
+                                      <p:to>
+                                        <p:strVal val="visible"/>
+                                      </p:to>
+                                    </p:set>
+                                    <p:animEffect transition="in" filter="fade">
+                                      <p:cBhvr>
+                                        <p:cTn id="25" dur="500"/>
+                                        <p:tgtEl>
+                                          <p:spTgt spid="16"/>
+                                        </p:tgtEl>
+                                      </p:cBhvr>
+                                    </p:animEffect>
+                                  </p:childTnLst>
+                                </p:cTn>
+                              </p:par>
+                              <p:par>
+                                <p:cTn id="26" presetID="10" presetClass="entr" presetSubtype="0" fill="hold" grpId="0" nodeType="withEffect">
+                                  <p:stCondLst>
+                                    <p:cond delay="0"/>
+                                  </p:stCondLst>
+                                  <p:childTnLst>
+                                    <p:set>
+                                      <p:cBhvr>
+                                        <p:cTn id="27" dur="1" fill="hold">
+                                          <p:stCondLst>
+                                            <p:cond delay="0"/>
+                                          </p:stCondLst>
+                                        </p:cTn>
+                                        <p:tgtEl>
+                                          <p:spTgt spid="17"/>
+                                        </p:tgtEl>
+                                        <p:attrNameLst>
+                                          <p:attrName>style.visibility</p:attrName>
+                                        </p:attrNameLst>
+                                      </p:cBhvr>
+                                      <p:to>
+                                        <p:strVal val="visible"/>
+                                      </p:to>
+                                    </p:set>
+                                    <p:animEffect transition="in" filter="fade">
+                                      <p:cBhvr>
+                                        <p:cTn id="28" dur="500"/>
+                                        <p:tgtEl>
+                                          <p:spTgt spid="17"/>
+                                        </p:tgtEl>
+                                      </p:cBhvr>
+                                    </p:animEffect>
+                                  </p:childTnLst>
+                                </p:cTn>
+                              </p:par>
+                            </p:childTnLst>
+                          </p:cTn>
+                        </p:par>
+                      </p:childTnLst>
+                    </p:cTn>
+                  </p:par>
+                  <p:par>
+                    <p:cTn id="29" fill="hold">
+                      <p:stCondLst>
+                        <p:cond delay="indefinite"/>
+                      </p:stCondLst>
+                      <p:childTnLst>
+                        <p:par>
+                          <p:cTn id="30" fill="hold">
+                            <p:stCondLst>
+                              <p:cond delay="0"/>
+                            </p:stCondLst>
+                            <p:childTnLst>
+                              <p:par>
+                                <p:cTn id="31" presetID="10" presetClass="entr" presetSubtype="0" fill="hold" nodeType="clickEffect">
+                                  <p:stCondLst>
+                                    <p:cond delay="0"/>
+                                  </p:stCondLst>
+                                  <p:childTnLst>
+                                    <p:set>
+                                      <p:cBhvr>
+                                        <p:cTn id="32" dur="1" fill="hold">
+                                          <p:stCondLst>
+                                            <p:cond delay="0"/>
+                                          </p:stCondLst>
+                                        </p:cTn>
+                                        <p:tgtEl>
+                                          <p:spTgt spid="1028"/>
+                                        </p:tgtEl>
+                                        <p:attrNameLst>
+                                          <p:attrName>style.visibility</p:attrName>
+                                        </p:attrNameLst>
+                                      </p:cBhvr>
+                                      <p:to>
+                                        <p:strVal val="visible"/>
+                                      </p:to>
+                                    </p:set>
+                                    <p:animEffect transition="in" filter="fade">
+                                      <p:cBhvr>
+                                        <p:cTn id="33" dur="500"/>
+                                        <p:tgtEl>
+                                          <p:spTgt spid="1028"/>
+                                        </p:tgtEl>
+                                      </p:cBhvr>
+                                    </p:animEffect>
+                                  </p:childTnLst>
+                                </p:cTn>
+                              </p:par>
+                              <p:par>
+                                <p:cTn id="34" presetID="10" presetClass="entr" presetSubtype="0" fill="hold" grpId="0" nodeType="withEffect">
+                                  <p:stCondLst>
+                                    <p:cond delay="0"/>
+                                  </p:stCondLst>
+                                  <p:childTnLst>
+                                    <p:set>
+                                      <p:cBhvr>
+                                        <p:cTn id="35" dur="1" fill="hold">
+                                          <p:stCondLst>
+                                            <p:cond delay="0"/>
+                                          </p:stCondLst>
+                                        </p:cTn>
+                                        <p:tgtEl>
+                                          <p:spTgt spid="18"/>
+                                        </p:tgtEl>
+                                        <p:attrNameLst>
+                                          <p:attrName>style.visibility</p:attrName>
+                                        </p:attrNameLst>
+                                      </p:cBhvr>
+                                      <p:to>
+                                        <p:strVal val="visible"/>
+                                      </p:to>
+                                    </p:set>
+                                    <p:animEffect transition="in" filter="fade">
+                                      <p:cBhvr>
+                                        <p:cTn id="36" dur="500"/>
+                                        <p:tgtEl>
+                                          <p:spTgt spid="18"/>
+                                        </p:tgtEl>
+                                      </p:cBhvr>
+                                    </p:animEffect>
+                                  </p:childTnLst>
+                                </p:cTn>
+                              </p:par>
+                              <p:par>
+                                <p:cTn id="37" presetID="10" presetClass="entr" presetSubtype="0" fill="hold" nodeType="withEffect">
+                                  <p:stCondLst>
+                                    <p:cond delay="0"/>
+                                  </p:stCondLst>
+                                  <p:childTnLst>
+                                    <p:set>
+                                      <p:cBhvr>
+                                        <p:cTn id="38" dur="1" fill="hold">
+                                          <p:stCondLst>
+                                            <p:cond delay="0"/>
+                                          </p:stCondLst>
+                                        </p:cTn>
+                                        <p:tgtEl>
+                                          <p:spTgt spid="20"/>
+                                        </p:tgtEl>
+                                        <p:attrNameLst>
+                                          <p:attrName>style.visibility</p:attrName>
+                                        </p:attrNameLst>
+                                      </p:cBhvr>
+                                      <p:to>
+                                        <p:strVal val="visible"/>
+                                      </p:to>
+                                    </p:set>
+                                    <p:animEffect transition="in" filter="fade">
+                                      <p:cBhvr>
+                                        <p:cTn id="39" dur="500"/>
+                                        <p:tgtEl>
+                                          <p:spTgt spid="20"/>
+                                        </p:tgtEl>
+                                      </p:cBhvr>
+                                    </p:animEffect>
+                                  </p:childTnLst>
+                                </p:cTn>
+                              </p:par>
+                              <p:par>
+                                <p:cTn id="40" presetID="10" presetClass="entr" presetSubtype="0" fill="hold" nodeType="withEffect">
+                                  <p:stCondLst>
+                                    <p:cond delay="0"/>
+                                  </p:stCondLst>
+                                  <p:childTnLst>
+                                    <p:set>
+                                      <p:cBhvr>
+                                        <p:cTn id="41" dur="1" fill="hold">
+                                          <p:stCondLst>
+                                            <p:cond delay="0"/>
+                                          </p:stCondLst>
+                                        </p:cTn>
+                                        <p:tgtEl>
+                                          <p:spTgt spid="21"/>
+                                        </p:tgtEl>
+                                        <p:attrNameLst>
+                                          <p:attrName>style.visibility</p:attrName>
+                                        </p:attrNameLst>
+                                      </p:cBhvr>
+                                      <p:to>
+                                        <p:strVal val="visible"/>
+                                      </p:to>
+                                    </p:set>
+                                    <p:animEffect transition="in" filter="fade">
+                                      <p:cBhvr>
+                                        <p:cTn id="42" dur="500"/>
+                                        <p:tgtEl>
+                                          <p:spTgt spid="21"/>
+                                        </p:tgtEl>
+                                      </p:cBhvr>
+                                    </p:animEffect>
+                                  </p:childTnLst>
+                                </p:cTn>
+                              </p:par>
+                              <p:par>
+                                <p:cTn id="43" presetID="10" presetClass="entr" presetSubtype="0" fill="hold" grpId="0" nodeType="withEffect">
+                                  <p:stCondLst>
+                                    <p:cond delay="0"/>
+                                  </p:stCondLst>
+                                  <p:childTnLst>
+                                    <p:set>
+                                      <p:cBhvr>
+                                        <p:cTn id="44" dur="1" fill="hold">
+                                          <p:stCondLst>
+                                            <p:cond delay="0"/>
+                                          </p:stCondLst>
+                                        </p:cTn>
+                                        <p:tgtEl>
+                                          <p:spTgt spid="22"/>
+                                        </p:tgtEl>
+                                        <p:attrNameLst>
+                                          <p:attrName>style.visibility</p:attrName>
+                                        </p:attrNameLst>
+                                      </p:cBhvr>
+                                      <p:to>
+                                        <p:strVal val="visible"/>
+                                      </p:to>
+                                    </p:set>
+                                    <p:animEffect transition="in" filter="fade">
+                                      <p:cBhvr>
+                                        <p:cTn id="45" dur="500"/>
+                                        <p:tgtEl>
+                                          <p:spTgt spid="22"/>
+                                        </p:tgtEl>
+                                      </p:cBhvr>
+                                    </p:animEffect>
+                                  </p:childTnLst>
+                                </p:cTn>
+                              </p:par>
+                              <p:par>
+                                <p:cTn id="46" presetID="10" presetClass="entr" presetSubtype="0" fill="hold" nodeType="withEffect">
+                                  <p:stCondLst>
+                                    <p:cond delay="0"/>
+                                  </p:stCondLst>
+                                  <p:childTnLst>
+                                    <p:set>
+                                      <p:cBhvr>
+                                        <p:cTn id="47" dur="1" fill="hold">
+                                          <p:stCondLst>
+                                            <p:cond delay="0"/>
+                                          </p:stCondLst>
+                                        </p:cTn>
+                                        <p:tgtEl>
+                                          <p:spTgt spid="23"/>
+                                        </p:tgtEl>
+                                        <p:attrNameLst>
+                                          <p:attrName>style.visibility</p:attrName>
+                                        </p:attrNameLst>
+                                      </p:cBhvr>
+                                      <p:to>
+                                        <p:strVal val="visible"/>
+                                      </p:to>
+                                    </p:set>
+                                    <p:animEffect transition="in" filter="fade">
+                                      <p:cBhvr>
+                                        <p:cTn id="48" dur="500"/>
+                                        <p:tgtEl>
+                                          <p:spTgt spid="23"/>
+                                        </p:tgtEl>
+                                      </p:cBhvr>
+                                    </p:animEffect>
+                                  </p:childTnLst>
+                                </p:cTn>
+                              </p:par>
+                              <p:par>
+                                <p:cTn id="49" presetID="10" presetClass="entr" presetSubtype="0" fill="hold" nodeType="withEffect">
+                                  <p:stCondLst>
+                                    <p:cond delay="0"/>
+                                  </p:stCondLst>
+                                  <p:childTnLst>
+                                    <p:set>
+                                      <p:cBhvr>
+                                        <p:cTn id="50" dur="1" fill="hold">
+                                          <p:stCondLst>
+                                            <p:cond delay="0"/>
+                                          </p:stCondLst>
+                                        </p:cTn>
+                                        <p:tgtEl>
+                                          <p:spTgt spid="27"/>
+                                        </p:tgtEl>
+                                        <p:attrNameLst>
+                                          <p:attrName>style.visibility</p:attrName>
+                                        </p:attrNameLst>
+                                      </p:cBhvr>
+                                      <p:to>
+                                        <p:strVal val="visible"/>
+                                      </p:to>
+                                    </p:set>
+                                    <p:animEffect transition="in" filter="fade">
+                                      <p:cBhvr>
+                                        <p:cTn id="51" dur="500"/>
+                                        <p:tgtEl>
+                                          <p:spTgt spid="27"/>
+                                        </p:tgtEl>
+                                      </p:cBhvr>
+                                    </p:animEffect>
+                                  </p:childTnLst>
+                                </p:cTn>
+                              </p:par>
+                              <p:par>
+                                <p:cTn id="52" presetID="10" presetClass="entr" presetSubtype="0" fill="hold" grpId="0" nodeType="withEffect">
+                                  <p:stCondLst>
+                                    <p:cond delay="0"/>
+                                  </p:stCondLst>
+                                  <p:childTnLst>
+                                    <p:set>
+                                      <p:cBhvr>
+                                        <p:cTn id="53" dur="1" fill="hold">
+                                          <p:stCondLst>
+                                            <p:cond delay="0"/>
+                                          </p:stCondLst>
+                                        </p:cTn>
+                                        <p:tgtEl>
+                                          <p:spTgt spid="28"/>
+                                        </p:tgtEl>
+                                        <p:attrNameLst>
+                                          <p:attrName>style.visibility</p:attrName>
+                                        </p:attrNameLst>
+                                      </p:cBhvr>
+                                      <p:to>
+                                        <p:strVal val="visible"/>
+                                      </p:to>
+                                    </p:set>
+                                    <p:animEffect transition="in" filter="fade">
+                                      <p:cBhvr>
+                                        <p:cTn id="54" dur="500"/>
+                                        <p:tgtEl>
+                                          <p:spTgt spid="28"/>
+                                        </p:tgtEl>
+                                      </p:cBhvr>
+                                    </p:animEffect>
+                                  </p:childTnLst>
+                                </p:cTn>
+                              </p:par>
+                              <p:par>
+                                <p:cTn id="55" presetID="10" presetClass="entr" presetSubtype="0" fill="hold" nodeType="withEffect">
+                                  <p:stCondLst>
+                                    <p:cond delay="0"/>
+                                  </p:stCondLst>
+                                  <p:childTnLst>
+                                    <p:set>
+                                      <p:cBhvr>
+                                        <p:cTn id="56" dur="1" fill="hold">
+                                          <p:stCondLst>
+                                            <p:cond delay="0"/>
+                                          </p:stCondLst>
+                                        </p:cTn>
+                                        <p:tgtEl>
+                                          <p:spTgt spid="29"/>
+                                        </p:tgtEl>
+                                        <p:attrNameLst>
+                                          <p:attrName>style.visibility</p:attrName>
+                                        </p:attrNameLst>
+                                      </p:cBhvr>
+                                      <p:to>
+                                        <p:strVal val="visible"/>
+                                      </p:to>
+                                    </p:set>
+                                    <p:animEffect transition="in" filter="fade">
+                                      <p:cBhvr>
+                                        <p:cTn id="57" dur="500"/>
+                                        <p:tgtEl>
+                                          <p:spTgt spid="29"/>
+                                        </p:tgtEl>
+                                      </p:cBhvr>
+                                    </p:animEffect>
+                                  </p:childTnLst>
+                                </p:cTn>
+                              </p:par>
+                              <p:par>
+                                <p:cTn id="58" presetID="10" presetClass="entr" presetSubtype="0" fill="hold" nodeType="withEffect">
+                                  <p:stCondLst>
+                                    <p:cond delay="0"/>
+                                  </p:stCondLst>
+                                  <p:childTnLst>
+                                    <p:set>
+                                      <p:cBhvr>
+                                        <p:cTn id="59" dur="1" fill="hold">
+                                          <p:stCondLst>
+                                            <p:cond delay="0"/>
+                                          </p:stCondLst>
+                                        </p:cTn>
+                                        <p:tgtEl>
+                                          <p:spTgt spid="30"/>
+                                        </p:tgtEl>
+                                        <p:attrNameLst>
+                                          <p:attrName>style.visibility</p:attrName>
+                                        </p:attrNameLst>
+                                      </p:cBhvr>
+                                      <p:to>
+                                        <p:strVal val="visible"/>
+                                      </p:to>
+                                    </p:set>
+                                    <p:animEffect transition="in" filter="fade">
+                                      <p:cBhvr>
+                                        <p:cTn id="60" dur="500"/>
+                                        <p:tgtEl>
+                                          <p:spTgt spid="30"/>
+                                        </p:tgtEl>
+                                      </p:cBhvr>
+                                    </p:animEffect>
+                                  </p:childTnLst>
+                                </p:cTn>
+                              </p:par>
+                              <p:par>
+                                <p:cTn id="61" presetID="10" presetClass="entr" presetSubtype="0" fill="hold" grpId="0" nodeType="withEffect">
+                                  <p:stCondLst>
+                                    <p:cond delay="0"/>
+                                  </p:stCondLst>
+                                  <p:childTnLst>
+                                    <p:set>
+                                      <p:cBhvr>
+                                        <p:cTn id="62" dur="1" fill="hold">
+                                          <p:stCondLst>
+                                            <p:cond delay="0"/>
+                                          </p:stCondLst>
+                                        </p:cTn>
+                                        <p:tgtEl>
+                                          <p:spTgt spid="31"/>
+                                        </p:tgtEl>
+                                        <p:attrNameLst>
+                                          <p:attrName>style.visibility</p:attrName>
+                                        </p:attrNameLst>
+                                      </p:cBhvr>
+                                      <p:to>
+                                        <p:strVal val="visible"/>
+                                      </p:to>
+                                    </p:set>
+                                    <p:animEffect transition="in" filter="fade">
+                                      <p:cBhvr>
+                                        <p:cTn id="63" dur="500"/>
+                                        <p:tgtEl>
+                                          <p:spTgt spid="31"/>
+                                        </p:tgtEl>
+                                      </p:cBhvr>
+                                    </p:animEffect>
+                                  </p:childTnLst>
+                                </p:cTn>
+                              </p:par>
+                              <p:par>
+                                <p:cTn id="64" presetID="10" presetClass="entr" presetSubtype="0" fill="hold" nodeType="withEffect">
+                                  <p:stCondLst>
+                                    <p:cond delay="0"/>
+                                  </p:stCondLst>
+                                  <p:childTnLst>
+                                    <p:set>
+                                      <p:cBhvr>
+                                        <p:cTn id="65" dur="1" fill="hold">
+                                          <p:stCondLst>
+                                            <p:cond delay="0"/>
+                                          </p:stCondLst>
+                                        </p:cTn>
+                                        <p:tgtEl>
+                                          <p:spTgt spid="32"/>
+                                        </p:tgtEl>
+                                        <p:attrNameLst>
+                                          <p:attrName>style.visibility</p:attrName>
+                                        </p:attrNameLst>
+                                      </p:cBhvr>
+                                      <p:to>
+                                        <p:strVal val="visible"/>
+                                      </p:to>
+                                    </p:set>
+                                    <p:animEffect transition="in" filter="fade">
+                                      <p:cBhvr>
+                                        <p:cTn id="66" dur="500"/>
+                                        <p:tgtEl>
+                                          <p:spTgt spid="32"/>
+                                        </p:tgtEl>
+                                      </p:cBhvr>
+                                    </p:animEffect>
+                                  </p:childTnLst>
+                                </p:cTn>
+                              </p:par>
+                            </p:childTnLst>
+                          </p:cTn>
+                        </p:par>
+                      </p:childTnLst>
+                    </p:cTn>
+                  </p:par>
+                  <p:par>
+                    <p:cTn id="67" fill="hold">
+                      <p:stCondLst>
+                        <p:cond delay="indefinite"/>
+                      </p:stCondLst>
+                      <p:childTnLst>
+                        <p:par>
+                          <p:cTn id="68" fill="hold">
+                            <p:stCondLst>
+                              <p:cond delay="0"/>
+                            </p:stCondLst>
+                            <p:childTnLst>
+                              <p:par>
+                                <p:cTn id="69" presetID="10" presetClass="entr" presetSubtype="0" fill="hold" nodeType="clickEffect">
+                                  <p:stCondLst>
+                                    <p:cond delay="0"/>
+                                  </p:stCondLst>
+                                  <p:childTnLst>
+                                    <p:set>
+                                      <p:cBhvr>
+                                        <p:cTn id="70" dur="1" fill="hold">
+                                          <p:stCondLst>
+                                            <p:cond delay="0"/>
+                                          </p:stCondLst>
+                                        </p:cTn>
+                                        <p:tgtEl>
+                                          <p:spTgt spid="1032"/>
+                                        </p:tgtEl>
+                                        <p:attrNameLst>
+                                          <p:attrName>style.visibility</p:attrName>
+                                        </p:attrNameLst>
+                                      </p:cBhvr>
+                                      <p:to>
+                                        <p:strVal val="visible"/>
+                                      </p:to>
+                                    </p:set>
+                                    <p:animEffect transition="in" filter="fade">
+                                      <p:cBhvr>
+                                        <p:cTn id="71" dur="500"/>
+                                        <p:tgtEl>
+                                          <p:spTgt spid="1032"/>
+                                        </p:tgtEl>
+                                      </p:cBhvr>
+                                    </p:animEffect>
+                                  </p:childTnLst>
+                                </p:cTn>
+                              </p:par>
+                              <p:par>
+                                <p:cTn id="72" presetID="10" presetClass="entr" presetSubtype="0" fill="hold" grpId="0" nodeType="withEffect">
+                                  <p:stCondLst>
+                                    <p:cond delay="0"/>
+                                  </p:stCondLst>
+                                  <p:childTnLst>
+                                    <p:set>
+                                      <p:cBhvr>
+                                        <p:cTn id="73" dur="1" fill="hold">
+                                          <p:stCondLst>
+                                            <p:cond delay="0"/>
+                                          </p:stCondLst>
+                                        </p:cTn>
+                                        <p:tgtEl>
+                                          <p:spTgt spid="33"/>
+                                        </p:tgtEl>
+                                        <p:attrNameLst>
+                                          <p:attrName>style.visibility</p:attrName>
+                                        </p:attrNameLst>
+                                      </p:cBhvr>
+                                      <p:to>
+                                        <p:strVal val="visible"/>
+                                      </p:to>
+                                    </p:set>
+                                    <p:animEffect transition="in" filter="fade">
+                                      <p:cBhvr>
+                                        <p:cTn id="74" dur="500"/>
+                                        <p:tgtEl>
+                                          <p:spTgt spid="33"/>
+                                        </p:tgtEl>
+                                      </p:cBhvr>
+                                    </p:animEffect>
+                                  </p:childTnLst>
+                                </p:cTn>
+                              </p:par>
+                              <p:par>
+                                <p:cTn id="75" presetID="10" presetClass="entr" presetSubtype="0" fill="hold" grpId="0" nodeType="withEffect">
+                                  <p:stCondLst>
+                                    <p:cond delay="0"/>
+                                  </p:stCondLst>
+                                  <p:childTnLst>
+                                    <p:set>
+                                      <p:cBhvr>
+                                        <p:cTn id="76" dur="1" fill="hold">
+                                          <p:stCondLst>
+                                            <p:cond delay="0"/>
+                                          </p:stCondLst>
+                                        </p:cTn>
+                                        <p:tgtEl>
+                                          <p:spTgt spid="34"/>
+                                        </p:tgtEl>
+                                        <p:attrNameLst>
+                                          <p:attrName>style.visibility</p:attrName>
+                                        </p:attrNameLst>
+                                      </p:cBhvr>
+                                      <p:to>
+                                        <p:strVal val="visible"/>
+                                      </p:to>
+                                    </p:set>
+                                    <p:animEffect transition="in" filter="fade">
+                                      <p:cBhvr>
+                                        <p:cTn id="77" dur="500"/>
+                                        <p:tgtEl>
+                                          <p:spTgt spid="34"/>
+                                        </p:tgtEl>
+                                      </p:cBhvr>
+                                    </p:animEffect>
+                                  </p:childTnLst>
+                                </p:cTn>
+                              </p:par>
+                            </p:childTnLst>
+                          </p:cTn>
+                        </p:par>
+                      </p:childTnLst>
+                    </p:cTn>
+                  </p:par>
+                  <p:par>
+                    <p:cTn id="78" fill="hold">
+                      <p:stCondLst>
+                        <p:cond delay="indefinite"/>
+                      </p:stCondLst>
+                      <p:childTnLst>
+                        <p:par>
+                          <p:cTn id="79" fill="hold">
+                            <p:stCondLst>
+                              <p:cond delay="0"/>
+                            </p:stCondLst>
+                            <p:childTnLst>
+                              <p:par>
+                                <p:cTn id="80" presetID="10" presetClass="entr" presetSubtype="0" fill="hold" grpId="0" nodeType="clickEffect">
+                                  <p:stCondLst>
+                                    <p:cond delay="0"/>
+                                  </p:stCondLst>
+                                  <p:childTnLst>
+                                    <p:set>
+                                      <p:cBhvr>
+                                        <p:cTn id="81" dur="1" fill="hold">
+                                          <p:stCondLst>
+                                            <p:cond delay="0"/>
+                                          </p:stCondLst>
+                                        </p:cTn>
+                                        <p:tgtEl>
+                                          <p:spTgt spid="36"/>
+                                        </p:tgtEl>
+                                        <p:attrNameLst>
+                                          <p:attrName>style.visibility</p:attrName>
+                                        </p:attrNameLst>
+                                      </p:cBhvr>
+                                      <p:to>
+                                        <p:strVal val="visible"/>
+                                      </p:to>
+                                    </p:set>
+                                    <p:animEffect transition="in" filter="fade">
+                                      <p:cBhvr>
+                                        <p:cTn id="82" dur="500"/>
+                                        <p:tgtEl>
+                                          <p:spTgt spid="36"/>
+                                        </p:tgtEl>
+                                      </p:cBhvr>
+                                    </p:animEffect>
+                                  </p:childTnLst>
+                                </p:cTn>
+                              </p:par>
+                              <p:par>
+                                <p:cTn id="83" presetID="10" presetClass="entr" presetSubtype="0" fill="hold" nodeType="withEffect">
+                                  <p:stCondLst>
+                                    <p:cond delay="0"/>
+                                  </p:stCondLst>
+                                  <p:childTnLst>
+                                    <p:set>
+                                      <p:cBhvr>
+                                        <p:cTn id="84" dur="1" fill="hold">
+                                          <p:stCondLst>
+                                            <p:cond delay="0"/>
+                                          </p:stCondLst>
+                                        </p:cTn>
+                                        <p:tgtEl>
+                                          <p:spTgt spid="1034"/>
+                                        </p:tgtEl>
+                                        <p:attrNameLst>
+                                          <p:attrName>style.visibility</p:attrName>
+                                        </p:attrNameLst>
+                                      </p:cBhvr>
+                                      <p:to>
+                                        <p:strVal val="visible"/>
+                                      </p:to>
+                                    </p:set>
+                                    <p:animEffect transition="in" filter="fade">
+                                      <p:cBhvr>
+                                        <p:cTn id="85" dur="500"/>
+                                        <p:tgtEl>
+                                          <p:spTgt spid="1034"/>
+                                        </p:tgtEl>
+                                      </p:cBhvr>
+                                    </p:animEffect>
+                                  </p:childTnLst>
+                                </p:cTn>
+                              </p:par>
+                              <p:par>
+                                <p:cTn id="86" presetID="10" presetClass="entr" presetSubtype="0" fill="hold" grpId="0" nodeType="withEffect">
+                                  <p:stCondLst>
+                                    <p:cond delay="0"/>
+                                  </p:stCondLst>
+                                  <p:childTnLst>
+                                    <p:set>
+                                      <p:cBhvr>
+                                        <p:cTn id="87" dur="1" fill="hold">
+                                          <p:stCondLst>
+                                            <p:cond delay="0"/>
+                                          </p:stCondLst>
+                                        </p:cTn>
+                                        <p:tgtEl>
+                                          <p:spTgt spid="37"/>
+                                        </p:tgtEl>
+                                        <p:attrNameLst>
+                                          <p:attrName>style.visibility</p:attrName>
+                                        </p:attrNameLst>
+                                      </p:cBhvr>
+                                      <p:to>
+                                        <p:strVal val="visible"/>
+                                      </p:to>
+                                    </p:set>
+                                    <p:animEffect transition="in" filter="fade">
+                                      <p:cBhvr>
+                                        <p:cTn id="88" dur="500"/>
+                                        <p:tgtEl>
+                                          <p:spTgt spid="37"/>
+                                        </p:tgtEl>
+                                      </p:cBhvr>
+                                    </p:animEffect>
+                                  </p:childTnLst>
+                                </p:cTn>
+                              </p:par>
+                              <p:par>
+                                <p:cTn id="89" presetID="10" presetClass="entr" presetSubtype="0" fill="hold" nodeType="withEffect">
+                                  <p:stCondLst>
+                                    <p:cond delay="0"/>
+                                  </p:stCondLst>
+                                  <p:childTnLst>
+                                    <p:set>
+                                      <p:cBhvr>
+                                        <p:cTn id="90" dur="1" fill="hold">
+                                          <p:stCondLst>
+                                            <p:cond delay="0"/>
+                                          </p:stCondLst>
+                                        </p:cTn>
+                                        <p:tgtEl>
+                                          <p:spTgt spid="39"/>
+                                        </p:tgtEl>
+                                        <p:attrNameLst>
+                                          <p:attrName>style.visibility</p:attrName>
+                                        </p:attrNameLst>
+                                      </p:cBhvr>
+                                      <p:to>
+                                        <p:strVal val="visible"/>
+                                      </p:to>
+                                    </p:set>
+                                    <p:animEffect transition="in" filter="fade">
+                                      <p:cBhvr>
+                                        <p:cTn id="91" dur="500"/>
+                                        <p:tgtEl>
+                                          <p:spTgt spid="39"/>
+                                        </p:tgtEl>
+                                      </p:cBhvr>
+                                    </p:animEffect>
+                                  </p:childTnLst>
+                                </p:cTn>
+                              </p:par>
+                              <p:par>
+                                <p:cTn id="92" presetID="10" presetClass="entr" presetSubtype="0" fill="hold" nodeType="withEffect">
+                                  <p:stCondLst>
+                                    <p:cond delay="0"/>
+                                  </p:stCondLst>
+                                  <p:childTnLst>
+                                    <p:set>
+                                      <p:cBhvr>
+                                        <p:cTn id="93" dur="1" fill="hold">
+                                          <p:stCondLst>
+                                            <p:cond delay="0"/>
+                                          </p:stCondLst>
+                                        </p:cTn>
+                                        <p:tgtEl>
+                                          <p:spTgt spid="1040"/>
+                                        </p:tgtEl>
+                                        <p:attrNameLst>
+                                          <p:attrName>style.visibility</p:attrName>
+                                        </p:attrNameLst>
+                                      </p:cBhvr>
+                                      <p:to>
+                                        <p:strVal val="visible"/>
+                                      </p:to>
+                                    </p:set>
+                                    <p:animEffect transition="in" filter="fade">
+                                      <p:cBhvr>
+                                        <p:cTn id="94" dur="500"/>
+                                        <p:tgtEl>
+                                          <p:spTgt spid="1040"/>
+                                        </p:tgtEl>
+                                      </p:cBhvr>
+                                    </p:animEffect>
+                                  </p:childTnLst>
+                                </p:cTn>
+                              </p:par>
+                            </p:childTnLst>
+                          </p:cTn>
+                        </p:par>
+                      </p:childTnLst>
+                    </p:cTn>
+                  </p:par>
+                </p:childTnLst>
+              </p:cTn>
+              <p:prevCondLst>
+                <p:cond evt="onPrev" delay="0">
+                  <p:tgtEl>
+                    <p:sldTgt/>
+                  </p:tgtEl>
+                </p:cond>
+              </p:prevCondLst>
+              <p:nextCondLst>
+                <p:cond evt="onNext" delay="0">
+                  <p:tgtEl>
+                    <p:sldTgt/>
+                  </p:tgtEl>
+                </p:cond>
+              </p:nextCondLst>
+            </p:seq>
+          </p:childTnLst>
+        </p:cTn>
+      </p:par>
+    </p:tnLst>
+    <p:bldLst>
+      <p:bldP spid="9" grpId="0"/>
+      <p:bldP spid="11" grpId="0"/>
+      <p:bldP spid="15" grpId="0"/>
+      <p:bldP spid="17" grpId="0"/>
+      <p:bldP spid="18" grpId="0"/>
+      <p:bldP spid="22" grpId="0"/>
+      <p:bldP spid="28" grpId="0"/>
+      <p:bldP spid="31" grpId="0"/>
+      <p:bldP spid="33" grpId="0"/>
+      <p:bldP spid="34" grpId="0" animBg="1"/>
+      <p:bldP spid="36" grpId="0"/>
+      <p:bldP spid="37" grpId="0"/>
+    </p:bldLst>
+  </p:timing>
+</p:sld>
+</file>
+
+<file path=ppt/slides/slide9.xml><?xml version="1.0" encoding="utf-8"?>
+<p:sld xmlns:a="http://schemas.openxmlformats.org/drawingml/2006/main" xmlns:r="http://schemas.openxmlformats.org/officeDocument/2006/relationships" xmlns:p="http://schemas.openxmlformats.org/presentationml/2006/main">
+  <p:cSld>
+    <p:bg>
+      <p:bgPr>
+        <a:blipFill dpi="0" rotWithShape="1">
+          <a:blip r:embed="rId2">
+            <a:lum/>
+          </a:blip>
+          <a:srcRect/>
+          <a:stretch>
+            <a:fillRect/>
+          </a:stretch>
+        </a:blipFill>
+        <a:effectLst/>
+      </p:bgPr>
+    </p:bg>
+    <p:spTree>
+      <p:nvGrpSpPr>
+        <p:cNvPr id="1" name=""/>
+        <p:cNvGrpSpPr/>
+        <p:nvPr/>
+      </p:nvGrpSpPr>
+      <p:grpSpPr>
+        <a:xfrm>
+          <a:off x="0" y="0"/>
+          <a:ext cx="0" cy="0"/>
+          <a:chOff x="0" y="0"/>
+          <a:chExt cx="0" cy="0"/>
+        </a:xfrm>
+      </p:grpSpPr>
+      <p:sp>
+        <p:nvSpPr>
+          <p:cNvPr id="2" name="Title 1">
+            <a:extLst>
+              <a:ext uri="{FF2B5EF4-FFF2-40B4-BE49-F238E27FC236}">
+                <a16:creationId xmlns:a16="http://schemas.microsoft.com/office/drawing/2014/main" id="{55E11F08-6CA0-48F1-AD67-97430DDA07F0}"/>
+              </a:ext>
+            </a:extLst>
+          </p:cNvPr>
+          <p:cNvSpPr>
+            <a:spLocks noGrp="1"/>
+          </p:cNvSpPr>
+          <p:nvPr>
+            <p:ph type="title"/>
+          </p:nvPr>
+        </p:nvSpPr>
+        <p:spPr/>
+        <p:txBody>
+          <a:bodyPr/>
+          <a:lstStyle/>
+          <a:p>
+            <a:r>
+              <a:rPr lang="tr-TR" b="1" dirty="0">
+                <a:solidFill>
+                  <a:srgbClr val="292D33"/>
+                </a:solidFill>
+                <a:latin typeface="Euclid Circular B" panose="020B0504000000000000" pitchFamily="34" charset="0"/>
+                <a:ea typeface="Euclid Circular B" panose="020B0504000000000000" pitchFamily="34" charset="0"/>
+              </a:rPr>
+              <a:t>ABP Studio Main Solution Components</a:t>
+            </a:r>
+            <a:endParaRPr lang="en-US" b="1" dirty="0">
+              <a:solidFill>
+                <a:srgbClr val="292D33"/>
+              </a:solidFill>
+              <a:latin typeface="Euclid Circular B" panose="020B0504000000000000" pitchFamily="34" charset="0"/>
+              <a:ea typeface="Euclid Circular B" panose="020B0504000000000000" pitchFamily="34" charset="0"/>
+            </a:endParaRPr>
+          </a:p>
+        </p:txBody>
+      </p:sp>
+      <p:pic>
+        <p:nvPicPr>
+          <p:cNvPr id="7" name="Picture 6">
+            <a:extLst>
+              <a:ext uri="{FF2B5EF4-FFF2-40B4-BE49-F238E27FC236}">
+                <a16:creationId xmlns:a16="http://schemas.microsoft.com/office/drawing/2014/main" id="{8B2F2103-0ECE-0682-3ACA-A00CC3AB6D9C}"/>
+              </a:ext>
+            </a:extLst>
+          </p:cNvPr>
+          <p:cNvPicPr>
+            <a:picLocks noChangeAspect="1"/>
+          </p:cNvPicPr>
+          <p:nvPr/>
+        </p:nvPicPr>
+        <p:blipFill>
+          <a:blip r:embed="rId3"/>
+          <a:stretch>
+            <a:fillRect/>
+          </a:stretch>
+        </p:blipFill>
+        <p:spPr>
+          <a:xfrm>
+            <a:off x="2833701" y="2084030"/>
+            <a:ext cx="6762750" cy="3400425"/>
+          </a:xfrm>
+          <a:prstGeom prst="rect">
+            <a:avLst/>
+          </a:prstGeom>
+        </p:spPr>
+      </p:pic>
+    </p:spTree>
+    <p:extLst>
+      <p:ext uri="{BB962C8B-B14F-4D97-AF65-F5344CB8AC3E}">
+        <p14:creationId xmlns:p14="http://schemas.microsoft.com/office/powerpoint/2010/main" val="1080255052"/>
+      </p:ext>
+    </p:extLst>
+  </p:cSld>
+  <p:clrMapOvr>
+    <a:masterClrMapping/>
+  </p:clrMapOvr>
 </p:sld>
 </file>
 

--- a/2024-08-15 ABP Community Talks 2024.4/ABP Studio - The Missing Tool for Dotnet Developers.pptx
+++ b/2024-08-15 ABP Community Talks 2024.4/ABP Studio - The Missing Tool for Dotnet Developers.pptx
@@ -273,7 +273,7 @@
           <a:p>
             <a:fld id="{2A14C9FE-EBC3-45D3-899C-58AAF4F8AF71}" type="datetimeFigureOut">
               <a:rPr lang="en-US" smtClean="0"/>
-              <a:t>8/11/2024</a:t>
+              <a:t>8/12/2024</a:t>
             </a:fld>
             <a:endParaRPr lang="en-US"/>
           </a:p>
@@ -471,7 +471,7 @@
           <a:p>
             <a:fld id="{2A14C9FE-EBC3-45D3-899C-58AAF4F8AF71}" type="datetimeFigureOut">
               <a:rPr lang="en-US" smtClean="0"/>
-              <a:t>8/11/2024</a:t>
+              <a:t>8/12/2024</a:t>
             </a:fld>
             <a:endParaRPr lang="en-US"/>
           </a:p>
@@ -679,7 +679,7 @@
           <a:p>
             <a:fld id="{2A14C9FE-EBC3-45D3-899C-58AAF4F8AF71}" type="datetimeFigureOut">
               <a:rPr lang="en-US" smtClean="0"/>
-              <a:t>8/11/2024</a:t>
+              <a:t>8/12/2024</a:t>
             </a:fld>
             <a:endParaRPr lang="en-US"/>
           </a:p>
@@ -877,7 +877,7 @@
           <a:p>
             <a:fld id="{2A14C9FE-EBC3-45D3-899C-58AAF4F8AF71}" type="datetimeFigureOut">
               <a:rPr lang="en-US" smtClean="0"/>
-              <a:t>8/11/2024</a:t>
+              <a:t>8/12/2024</a:t>
             </a:fld>
             <a:endParaRPr lang="en-US"/>
           </a:p>
@@ -1152,7 +1152,7 @@
           <a:p>
             <a:fld id="{2A14C9FE-EBC3-45D3-899C-58AAF4F8AF71}" type="datetimeFigureOut">
               <a:rPr lang="en-US" smtClean="0"/>
-              <a:t>8/11/2024</a:t>
+              <a:t>8/12/2024</a:t>
             </a:fld>
             <a:endParaRPr lang="en-US"/>
           </a:p>
@@ -1417,7 +1417,7 @@
           <a:p>
             <a:fld id="{2A14C9FE-EBC3-45D3-899C-58AAF4F8AF71}" type="datetimeFigureOut">
               <a:rPr lang="en-US" smtClean="0"/>
-              <a:t>8/11/2024</a:t>
+              <a:t>8/12/2024</a:t>
             </a:fld>
             <a:endParaRPr lang="en-US"/>
           </a:p>
@@ -1829,7 +1829,7 @@
           <a:p>
             <a:fld id="{2A14C9FE-EBC3-45D3-899C-58AAF4F8AF71}" type="datetimeFigureOut">
               <a:rPr lang="en-US" smtClean="0"/>
-              <a:t>8/11/2024</a:t>
+              <a:t>8/12/2024</a:t>
             </a:fld>
             <a:endParaRPr lang="en-US"/>
           </a:p>
@@ -1970,7 +1970,7 @@
           <a:p>
             <a:fld id="{2A14C9FE-EBC3-45D3-899C-58AAF4F8AF71}" type="datetimeFigureOut">
               <a:rPr lang="en-US" smtClean="0"/>
-              <a:t>8/11/2024</a:t>
+              <a:t>8/12/2024</a:t>
             </a:fld>
             <a:endParaRPr lang="en-US"/>
           </a:p>
@@ -2083,7 +2083,7 @@
           <a:p>
             <a:fld id="{2A14C9FE-EBC3-45D3-899C-58AAF4F8AF71}" type="datetimeFigureOut">
               <a:rPr lang="en-US" smtClean="0"/>
-              <a:t>8/11/2024</a:t>
+              <a:t>8/12/2024</a:t>
             </a:fld>
             <a:endParaRPr lang="en-US"/>
           </a:p>
@@ -2394,7 +2394,7 @@
           <a:p>
             <a:fld id="{2A14C9FE-EBC3-45D3-899C-58AAF4F8AF71}" type="datetimeFigureOut">
               <a:rPr lang="en-US" smtClean="0"/>
-              <a:t>8/11/2024</a:t>
+              <a:t>8/12/2024</a:t>
             </a:fld>
             <a:endParaRPr lang="en-US"/>
           </a:p>
@@ -2682,7 +2682,7 @@
           <a:p>
             <a:fld id="{2A14C9FE-EBC3-45D3-899C-58AAF4F8AF71}" type="datetimeFigureOut">
               <a:rPr lang="en-US" smtClean="0"/>
-              <a:t>8/11/2024</a:t>
+              <a:t>8/12/2024</a:t>
             </a:fld>
             <a:endParaRPr lang="en-US"/>
           </a:p>
@@ -2923,7 +2923,7 @@
           <a:p>
             <a:fld id="{2A14C9FE-EBC3-45D3-899C-58AAF4F8AF71}" type="datetimeFigureOut">
               <a:rPr lang="en-US" smtClean="0"/>
-              <a:t>8/11/2024</a:t>
+              <a:t>8/12/2024</a:t>
             </a:fld>
             <a:endParaRPr lang="en-US"/>
           </a:p>
@@ -3535,7 +3535,7 @@
             <p:ph idx="1"/>
             <p:extLst>
               <p:ext uri="{D42A27DB-BD31-4B8C-83A1-F6EECF244321}">
-                <p14:modId xmlns:p14="http://schemas.microsoft.com/office/powerpoint/2010/main" val="1180341193"/>
+                <p14:modId xmlns:p14="http://schemas.microsoft.com/office/powerpoint/2010/main" val="2521896416"/>
               </p:ext>
             </p:extLst>
           </p:nvPr>
@@ -3701,7 +3701,19 @@
                     <a:p>
                       <a:r>
                         <a:rPr lang="tr-TR" dirty="0"/>
-                        <a:t>YES (avdanced architecture &amp; options)</a:t>
+                        <a:t>YES (ad</a:t>
+                      </a:r>
+                      <a:r>
+                        <a:rPr lang="en-US" dirty="0" err="1"/>
+                        <a:t>va</a:t>
+                      </a:r>
+                      <a:r>
+                        <a:rPr lang="tr-TR" dirty="0" err="1"/>
+                        <a:t>nced</a:t>
+                      </a:r>
+                      <a:r>
+                        <a:rPr lang="tr-TR" dirty="0"/>
+                        <a:t> architecture &amp; options)</a:t>
                       </a:r>
                       <a:endParaRPr lang="en-US" dirty="0"/>
                     </a:p>
@@ -5356,12 +5368,37 @@
               <a:t>Developing, running and monitoring </a:t>
             </a:r>
             <a:r>
+              <a:rPr lang="tr-TR" b="1" dirty="0" err="1">
+                <a:latin typeface="Euclid Circular B" panose="020B0504000000000000" pitchFamily="34" charset="0"/>
+                <a:ea typeface="Euclid Circular B" panose="020B0504000000000000" pitchFamily="34" charset="0"/>
+              </a:rPr>
+              <a:t>distributed</a:t>
+            </a:r>
+            <a:r>
               <a:rPr lang="tr-TR" b="1" dirty="0">
                 <a:latin typeface="Euclid Circular B" panose="020B0504000000000000" pitchFamily="34" charset="0"/>
                 <a:ea typeface="Euclid Circular B" panose="020B0504000000000000" pitchFamily="34" charset="0"/>
               </a:rPr>
-              <a:t>distributed dystems</a:t>
-            </a:r>
+              <a:t> </a:t>
+            </a:r>
+            <a:r>
+              <a:rPr lang="en-US" b="1" dirty="0">
+                <a:latin typeface="Euclid Circular B" panose="020B0504000000000000" pitchFamily="34" charset="0"/>
+                <a:ea typeface="Euclid Circular B" panose="020B0504000000000000" pitchFamily="34" charset="0"/>
+              </a:rPr>
+              <a:t>s</a:t>
+            </a:r>
+            <a:r>
+              <a:rPr lang="tr-TR" b="1" dirty="0" err="1">
+                <a:latin typeface="Euclid Circular B" panose="020B0504000000000000" pitchFamily="34" charset="0"/>
+                <a:ea typeface="Euclid Circular B" panose="020B0504000000000000" pitchFamily="34" charset="0"/>
+              </a:rPr>
+              <a:t>ystems</a:t>
+            </a:r>
+            <a:endParaRPr lang="tr-TR" b="1" dirty="0">
+              <a:latin typeface="Euclid Circular B" panose="020B0504000000000000" pitchFamily="34" charset="0"/>
+              <a:ea typeface="Euclid Circular B" panose="020B0504000000000000" pitchFamily="34" charset="0"/>
+            </a:endParaRPr>
           </a:p>
           <a:p>
             <a:pPr lvl="1"/>
@@ -6768,7 +6805,35 @@
                 <a:latin typeface="Euclid Circular B" panose="020B0504000000000000" pitchFamily="34" charset="0"/>
                 <a:ea typeface="Euclid Circular B" panose="020B0504000000000000" pitchFamily="34" charset="0"/>
               </a:rPr>
-              <a:t>A single wiew of a system consists of multiple .NET solutions</a:t>
+              <a:t>A </a:t>
+            </a:r>
+            <a:r>
+              <a:rPr lang="tr-TR" dirty="0" err="1">
+                <a:latin typeface="Euclid Circular B" panose="020B0504000000000000" pitchFamily="34" charset="0"/>
+                <a:ea typeface="Euclid Circular B" panose="020B0504000000000000" pitchFamily="34" charset="0"/>
+              </a:rPr>
+              <a:t>single</a:t>
+            </a:r>
+            <a:r>
+              <a:rPr lang="tr-TR" dirty="0">
+                <a:latin typeface="Euclid Circular B" panose="020B0504000000000000" pitchFamily="34" charset="0"/>
+                <a:ea typeface="Euclid Circular B" panose="020B0504000000000000" pitchFamily="34" charset="0"/>
+              </a:rPr>
+              <a:t> </a:t>
+            </a:r>
+            <a:r>
+              <a:rPr lang="en-US" dirty="0">
+                <a:latin typeface="Euclid Circular B" panose="020B0504000000000000" pitchFamily="34" charset="0"/>
+                <a:ea typeface="Euclid Circular B" panose="020B0504000000000000" pitchFamily="34" charset="0"/>
+              </a:rPr>
+              <a:t>view</a:t>
+            </a:r>
+            <a:r>
+              <a:rPr lang="tr-TR" dirty="0">
+                <a:latin typeface="Euclid Circular B" panose="020B0504000000000000" pitchFamily="34" charset="0"/>
+                <a:ea typeface="Euclid Circular B" panose="020B0504000000000000" pitchFamily="34" charset="0"/>
+              </a:rPr>
+              <a:t> of a system consists of multiple .NET solutions</a:t>
             </a:r>
           </a:p>
           <a:p>

--- a/2024-08-15 ABP Community Talks 2024.4/ABP Studio - The Missing Tool for Dotnet Developers.pptx
+++ b/2024-08-15 ABP Community Talks 2024.4/ABP Studio - The Missing Tool for Dotnet Developers.pptx
@@ -12,14 +12,18 @@
     <p:sldId id="259" r:id="rId6"/>
     <p:sldId id="274" r:id="rId7"/>
     <p:sldId id="264" r:id="rId8"/>
-    <p:sldId id="272" r:id="rId9"/>
-    <p:sldId id="276" r:id="rId10"/>
-    <p:sldId id="260" r:id="rId11"/>
-    <p:sldId id="261" r:id="rId12"/>
-    <p:sldId id="262" r:id="rId13"/>
-    <p:sldId id="263" r:id="rId14"/>
-    <p:sldId id="275" r:id="rId15"/>
-    <p:sldId id="277" r:id="rId16"/>
+    <p:sldId id="277" r:id="rId9"/>
+    <p:sldId id="278" r:id="rId10"/>
+    <p:sldId id="279" r:id="rId11"/>
+    <p:sldId id="280" r:id="rId12"/>
+    <p:sldId id="272" r:id="rId13"/>
+    <p:sldId id="276" r:id="rId14"/>
+    <p:sldId id="260" r:id="rId15"/>
+    <p:sldId id="261" r:id="rId16"/>
+    <p:sldId id="262" r:id="rId17"/>
+    <p:sldId id="263" r:id="rId18"/>
+    <p:sldId id="275" r:id="rId19"/>
+    <p:sldId id="281" r:id="rId20"/>
   </p:sldIdLst>
   <p:sldSz cx="12192000" cy="6858000"/>
   <p:notesSz cx="6858000" cy="9144000"/>
@@ -273,7 +277,7 @@
           <a:p>
             <a:fld id="{2A14C9FE-EBC3-45D3-899C-58AAF4F8AF71}" type="datetimeFigureOut">
               <a:rPr lang="en-US" smtClean="0"/>
-              <a:t>8/12/2024</a:t>
+              <a:t>8/13/2024</a:t>
             </a:fld>
             <a:endParaRPr lang="en-US"/>
           </a:p>
@@ -471,7 +475,7 @@
           <a:p>
             <a:fld id="{2A14C9FE-EBC3-45D3-899C-58AAF4F8AF71}" type="datetimeFigureOut">
               <a:rPr lang="en-US" smtClean="0"/>
-              <a:t>8/12/2024</a:t>
+              <a:t>8/13/2024</a:t>
             </a:fld>
             <a:endParaRPr lang="en-US"/>
           </a:p>
@@ -679,7 +683,7 @@
           <a:p>
             <a:fld id="{2A14C9FE-EBC3-45D3-899C-58AAF4F8AF71}" type="datetimeFigureOut">
               <a:rPr lang="en-US" smtClean="0"/>
-              <a:t>8/12/2024</a:t>
+              <a:t>8/13/2024</a:t>
             </a:fld>
             <a:endParaRPr lang="en-US"/>
           </a:p>
@@ -877,7 +881,7 @@
           <a:p>
             <a:fld id="{2A14C9FE-EBC3-45D3-899C-58AAF4F8AF71}" type="datetimeFigureOut">
               <a:rPr lang="en-US" smtClean="0"/>
-              <a:t>8/12/2024</a:t>
+              <a:t>8/13/2024</a:t>
             </a:fld>
             <a:endParaRPr lang="en-US"/>
           </a:p>
@@ -1152,7 +1156,7 @@
           <a:p>
             <a:fld id="{2A14C9FE-EBC3-45D3-899C-58AAF4F8AF71}" type="datetimeFigureOut">
               <a:rPr lang="en-US" smtClean="0"/>
-              <a:t>8/12/2024</a:t>
+              <a:t>8/13/2024</a:t>
             </a:fld>
             <a:endParaRPr lang="en-US"/>
           </a:p>
@@ -1417,7 +1421,7 @@
           <a:p>
             <a:fld id="{2A14C9FE-EBC3-45D3-899C-58AAF4F8AF71}" type="datetimeFigureOut">
               <a:rPr lang="en-US" smtClean="0"/>
-              <a:t>8/12/2024</a:t>
+              <a:t>8/13/2024</a:t>
             </a:fld>
             <a:endParaRPr lang="en-US"/>
           </a:p>
@@ -1829,7 +1833,7 @@
           <a:p>
             <a:fld id="{2A14C9FE-EBC3-45D3-899C-58AAF4F8AF71}" type="datetimeFigureOut">
               <a:rPr lang="en-US" smtClean="0"/>
-              <a:t>8/12/2024</a:t>
+              <a:t>8/13/2024</a:t>
             </a:fld>
             <a:endParaRPr lang="en-US"/>
           </a:p>
@@ -1970,7 +1974,7 @@
           <a:p>
             <a:fld id="{2A14C9FE-EBC3-45D3-899C-58AAF4F8AF71}" type="datetimeFigureOut">
               <a:rPr lang="en-US" smtClean="0"/>
-              <a:t>8/12/2024</a:t>
+              <a:t>8/13/2024</a:t>
             </a:fld>
             <a:endParaRPr lang="en-US"/>
           </a:p>
@@ -2083,7 +2087,7 @@
           <a:p>
             <a:fld id="{2A14C9FE-EBC3-45D3-899C-58AAF4F8AF71}" type="datetimeFigureOut">
               <a:rPr lang="en-US" smtClean="0"/>
-              <a:t>8/12/2024</a:t>
+              <a:t>8/13/2024</a:t>
             </a:fld>
             <a:endParaRPr lang="en-US"/>
           </a:p>
@@ -2394,7 +2398,7 @@
           <a:p>
             <a:fld id="{2A14C9FE-EBC3-45D3-899C-58AAF4F8AF71}" type="datetimeFigureOut">
               <a:rPr lang="en-US" smtClean="0"/>
-              <a:t>8/12/2024</a:t>
+              <a:t>8/13/2024</a:t>
             </a:fld>
             <a:endParaRPr lang="en-US"/>
           </a:p>
@@ -2682,7 +2686,7 @@
           <a:p>
             <a:fld id="{2A14C9FE-EBC3-45D3-899C-58AAF4F8AF71}" type="datetimeFigureOut">
               <a:rPr lang="en-US" smtClean="0"/>
-              <a:t>8/12/2024</a:t>
+              <a:t>8/13/2024</a:t>
             </a:fld>
             <a:endParaRPr lang="en-US"/>
           </a:p>
@@ -2923,7 +2927,7 @@
           <a:p>
             <a:fld id="{2A14C9FE-EBC3-45D3-899C-58AAF4F8AF71}" type="datetimeFigureOut">
               <a:rPr lang="en-US" smtClean="0"/>
-              <a:t>8/12/2024</a:t>
+              <a:t>8/13/2024</a:t>
             </a:fld>
             <a:endParaRPr lang="en-US"/>
           </a:p>
@@ -3354,6 +3358,42 @@
           <a:chExt cx="0" cy="0"/>
         </a:xfrm>
       </p:grpSpPr>
+      <p:pic>
+        <p:nvPicPr>
+          <p:cNvPr id="7" name="Picture 6" descr="A qr code with a white background&#10;&#10;Description automatically generated">
+            <a:extLst>
+              <a:ext uri="{FF2B5EF4-FFF2-40B4-BE49-F238E27FC236}">
+                <a16:creationId xmlns:a16="http://schemas.microsoft.com/office/drawing/2014/main" id="{9C29ABD8-89EB-5168-B35C-F5236B6A1917}"/>
+              </a:ext>
+            </a:extLst>
+          </p:cNvPr>
+          <p:cNvPicPr>
+            <a:picLocks noChangeAspect="1"/>
+          </p:cNvPicPr>
+          <p:nvPr/>
+        </p:nvPicPr>
+        <p:blipFill>
+          <a:blip r:embed="rId3">
+            <a:extLst>
+              <a:ext uri="{28A0092B-C50C-407E-A947-70E740481C1C}">
+                <a14:useLocalDpi xmlns:a14="http://schemas.microsoft.com/office/drawing/2010/main" val="0"/>
+              </a:ext>
+            </a:extLst>
+          </a:blip>
+          <a:stretch>
+            <a:fillRect/>
+          </a:stretch>
+        </p:blipFill>
+        <p:spPr>
+          <a:xfrm>
+            <a:off x="4304787" y="3803848"/>
+            <a:ext cx="2866898" cy="2866898"/>
+          </a:xfrm>
+          <a:prstGeom prst="rect">
+            <a:avLst/>
+          </a:prstGeom>
+        </p:spPr>
+      </p:pic>
       <p:sp>
         <p:nvSpPr>
           <p:cNvPr id="2" name="Title 1">
@@ -3370,7 +3410,12 @@
             <p:ph type="ctrTitle"/>
           </p:nvPr>
         </p:nvSpPr>
-        <p:spPr/>
+        <p:spPr>
+          <a:xfrm>
+            <a:off x="1524000" y="1122363"/>
+            <a:ext cx="9144000" cy="1506024"/>
+          </a:xfrm>
+        </p:spPr>
         <p:txBody>
           <a:bodyPr>
             <a:normAutofit/>
@@ -3413,7 +3458,12 @@
             <p:ph type="subTitle" idx="1"/>
           </p:nvPr>
         </p:nvSpPr>
-        <p:spPr/>
+        <p:spPr>
+          <a:xfrm>
+            <a:off x="1524000" y="2628387"/>
+            <a:ext cx="9144000" cy="949790"/>
+          </a:xfrm>
+        </p:spPr>
         <p:txBody>
           <a:bodyPr>
             <a:normAutofit/>
@@ -3431,6 +3481,42 @@
               <a:latin typeface="Euclid Circular B" panose="020B0504000000000000" pitchFamily="34" charset="0"/>
               <a:ea typeface="Euclid Circular B" panose="020B0504000000000000" pitchFamily="34" charset="0"/>
             </a:endParaRPr>
+          </a:p>
+        </p:txBody>
+      </p:sp>
+      <p:sp>
+        <p:nvSpPr>
+          <p:cNvPr id="5" name="TextBox 4">
+            <a:extLst>
+              <a:ext uri="{FF2B5EF4-FFF2-40B4-BE49-F238E27FC236}">
+                <a16:creationId xmlns:a16="http://schemas.microsoft.com/office/drawing/2014/main" id="{B6CCB837-0241-E92B-CF6D-7CFCF9FA0402}"/>
+              </a:ext>
+            </a:extLst>
+          </p:cNvPr>
+          <p:cNvSpPr txBox="1"/>
+          <p:nvPr/>
+        </p:nvSpPr>
+        <p:spPr>
+          <a:xfrm>
+            <a:off x="4516302" y="3578177"/>
+            <a:ext cx="2443868" cy="369332"/>
+          </a:xfrm>
+          <a:prstGeom prst="rect">
+            <a:avLst/>
+          </a:prstGeom>
+          <a:noFill/>
+        </p:spPr>
+        <p:txBody>
+          <a:bodyPr wrap="square">
+            <a:spAutoFit/>
+          </a:bodyPr>
+          <a:lstStyle/>
+          <a:p>
+            <a:pPr algn="ctr"/>
+            <a:r>
+              <a:rPr lang="en-US" b="1" u="sng" dirty="0"/>
+              <a:t>abp.io/studio</a:t>
+            </a:r>
           </a:p>
         </p:txBody>
       </p:sp>
@@ -3448,6 +3534,4523 @@
 </file>
 
 <file path=ppt/slides/slide10.xml><?xml version="1.0" encoding="utf-8"?>
+<p:sld xmlns:a="http://schemas.openxmlformats.org/drawingml/2006/main" xmlns:r="http://schemas.openxmlformats.org/officeDocument/2006/relationships" xmlns:p="http://schemas.openxmlformats.org/presentationml/2006/main">
+  <p:cSld>
+    <p:bg>
+      <p:bgPr>
+        <a:blipFill dpi="0" rotWithShape="1">
+          <a:blip r:embed="rId2">
+            <a:lum/>
+          </a:blip>
+          <a:srcRect/>
+          <a:stretch>
+            <a:fillRect/>
+          </a:stretch>
+        </a:blipFill>
+        <a:effectLst/>
+      </p:bgPr>
+    </p:bg>
+    <p:spTree>
+      <p:nvGrpSpPr>
+        <p:cNvPr id="1" name=""/>
+        <p:cNvGrpSpPr/>
+        <p:nvPr/>
+      </p:nvGrpSpPr>
+      <p:grpSpPr>
+        <a:xfrm>
+          <a:off x="0" y="0"/>
+          <a:ext cx="0" cy="0"/>
+          <a:chOff x="0" y="0"/>
+          <a:chExt cx="0" cy="0"/>
+        </a:xfrm>
+      </p:grpSpPr>
+      <p:sp>
+        <p:nvSpPr>
+          <p:cNvPr id="2" name="Title 1">
+            <a:extLst>
+              <a:ext uri="{FF2B5EF4-FFF2-40B4-BE49-F238E27FC236}">
+                <a16:creationId xmlns:a16="http://schemas.microsoft.com/office/drawing/2014/main" id="{55E11F08-6CA0-48F1-AD67-97430DDA07F0}"/>
+              </a:ext>
+            </a:extLst>
+          </p:cNvPr>
+          <p:cNvSpPr>
+            <a:spLocks noGrp="1"/>
+          </p:cNvSpPr>
+          <p:nvPr>
+            <p:ph type="title"/>
+          </p:nvPr>
+        </p:nvSpPr>
+        <p:spPr/>
+        <p:txBody>
+          <a:bodyPr/>
+          <a:lstStyle/>
+          <a:p>
+            <a:r>
+              <a:rPr lang="en-US" b="1" dirty="0">
+                <a:solidFill>
+                  <a:srgbClr val="292D33"/>
+                </a:solidFill>
+                <a:latin typeface="Euclid Circular B" panose="020B0504000000000000" pitchFamily="34" charset="0"/>
+                <a:ea typeface="Euclid Circular B" panose="020B0504000000000000" pitchFamily="34" charset="0"/>
+              </a:rPr>
+              <a:t>Developing, Running and Monitoring Distributed Systems</a:t>
+            </a:r>
+          </a:p>
+        </p:txBody>
+      </p:sp>
+      <p:sp>
+        <p:nvSpPr>
+          <p:cNvPr id="3" name="Content Placeholder 2">
+            <a:extLst>
+              <a:ext uri="{FF2B5EF4-FFF2-40B4-BE49-F238E27FC236}">
+                <a16:creationId xmlns:a16="http://schemas.microsoft.com/office/drawing/2014/main" id="{891C7693-D3DF-4635-96F4-97F3B4136FDF}"/>
+              </a:ext>
+            </a:extLst>
+          </p:cNvPr>
+          <p:cNvSpPr>
+            <a:spLocks noGrp="1"/>
+          </p:cNvSpPr>
+          <p:nvPr>
+            <p:ph idx="1"/>
+          </p:nvPr>
+        </p:nvSpPr>
+        <p:spPr/>
+        <p:txBody>
+          <a:bodyPr>
+            <a:normAutofit fontScale="92500" lnSpcReduction="10000"/>
+          </a:bodyPr>
+          <a:lstStyle/>
+          <a:p>
+            <a:r>
+              <a:rPr lang="en-US" dirty="0">
+                <a:latin typeface="Euclid Circular B" panose="020B0504000000000000" pitchFamily="34" charset="0"/>
+                <a:ea typeface="Euclid Circular B" panose="020B0504000000000000" pitchFamily="34" charset="0"/>
+              </a:rPr>
+              <a:t>Creating &amp; exploring a </a:t>
+            </a:r>
+            <a:r>
+              <a:rPr lang="en-US" b="1" dirty="0">
+                <a:latin typeface="Euclid Circular B" panose="020B0504000000000000" pitchFamily="34" charset="0"/>
+                <a:ea typeface="Euclid Circular B" panose="020B0504000000000000" pitchFamily="34" charset="0"/>
+              </a:rPr>
+              <a:t>microservice </a:t>
+            </a:r>
+            <a:r>
+              <a:rPr lang="en-US" dirty="0">
+                <a:latin typeface="Euclid Circular B" panose="020B0504000000000000" pitchFamily="34" charset="0"/>
+                <a:ea typeface="Euclid Circular B" panose="020B0504000000000000" pitchFamily="34" charset="0"/>
+              </a:rPr>
+              <a:t>solution</a:t>
+            </a:r>
+          </a:p>
+          <a:p>
+            <a:r>
+              <a:rPr lang="en-US" b="1" dirty="0">
+                <a:latin typeface="Euclid Circular B" panose="020B0504000000000000" pitchFamily="34" charset="0"/>
+                <a:ea typeface="Euclid Circular B" panose="020B0504000000000000" pitchFamily="34" charset="0"/>
+              </a:rPr>
+              <a:t>Running </a:t>
+            </a:r>
+            <a:r>
+              <a:rPr lang="en-US" dirty="0">
+                <a:latin typeface="Euclid Circular B" panose="020B0504000000000000" pitchFamily="34" charset="0"/>
+                <a:ea typeface="Euclid Circular B" panose="020B0504000000000000" pitchFamily="34" charset="0"/>
+              </a:rPr>
+              <a:t>applications &amp; services</a:t>
+            </a:r>
+          </a:p>
+          <a:p>
+            <a:r>
+              <a:rPr lang="en-US" b="1" dirty="0">
+                <a:latin typeface="Euclid Circular B" panose="020B0504000000000000" pitchFamily="34" charset="0"/>
+                <a:ea typeface="Euclid Circular B" panose="020B0504000000000000" pitchFamily="34" charset="0"/>
+              </a:rPr>
+              <a:t>Browsing</a:t>
+            </a:r>
+            <a:r>
+              <a:rPr lang="en-US" dirty="0">
+                <a:latin typeface="Euclid Circular B" panose="020B0504000000000000" pitchFamily="34" charset="0"/>
+                <a:ea typeface="Euclid Circular B" panose="020B0504000000000000" pitchFamily="34" charset="0"/>
+              </a:rPr>
+              <a:t> the applications</a:t>
+            </a:r>
+          </a:p>
+          <a:p>
+            <a:r>
+              <a:rPr lang="en-US" dirty="0">
+                <a:latin typeface="Euclid Circular B" panose="020B0504000000000000" pitchFamily="34" charset="0"/>
+                <a:ea typeface="Euclid Circular B" panose="020B0504000000000000" pitchFamily="34" charset="0"/>
+              </a:rPr>
+              <a:t>Working with </a:t>
+            </a:r>
+            <a:r>
+              <a:rPr lang="en-US" b="1" dirty="0">
+                <a:latin typeface="Euclid Circular B" panose="020B0504000000000000" pitchFamily="34" charset="0"/>
+                <a:ea typeface="Euclid Circular B" panose="020B0504000000000000" pitchFamily="34" charset="0"/>
+              </a:rPr>
+              <a:t>multiple profiles</a:t>
+            </a:r>
+          </a:p>
+          <a:p>
+            <a:r>
+              <a:rPr lang="en-US" b="1" dirty="0">
+                <a:latin typeface="Euclid Circular B" panose="020B0504000000000000" pitchFamily="34" charset="0"/>
+                <a:ea typeface="Euclid Circular B" panose="020B0504000000000000" pitchFamily="34" charset="0"/>
+              </a:rPr>
+              <a:t>Developing </a:t>
+            </a:r>
+            <a:r>
+              <a:rPr lang="en-US" dirty="0">
+                <a:latin typeface="Euclid Circular B" panose="020B0504000000000000" pitchFamily="34" charset="0"/>
+                <a:ea typeface="Euclid Circular B" panose="020B0504000000000000" pitchFamily="34" charset="0"/>
+              </a:rPr>
+              <a:t>&amp; </a:t>
+            </a:r>
+            <a:r>
+              <a:rPr lang="en-US" b="1" dirty="0">
+                <a:latin typeface="Euclid Circular B" panose="020B0504000000000000" pitchFamily="34" charset="0"/>
+                <a:ea typeface="Euclid Circular B" panose="020B0504000000000000" pitchFamily="34" charset="0"/>
+              </a:rPr>
+              <a:t>debugging </a:t>
+            </a:r>
+            <a:r>
+              <a:rPr lang="en-US" dirty="0">
+                <a:latin typeface="Euclid Circular B" panose="020B0504000000000000" pitchFamily="34" charset="0"/>
+                <a:ea typeface="Euclid Circular B" panose="020B0504000000000000" pitchFamily="34" charset="0"/>
+              </a:rPr>
+              <a:t>with the Solution Runner</a:t>
+            </a:r>
+          </a:p>
+          <a:p>
+            <a:r>
+              <a:rPr lang="en-US" b="1" dirty="0">
+                <a:latin typeface="Euclid Circular B" panose="020B0504000000000000" pitchFamily="34" charset="0"/>
+                <a:ea typeface="Euclid Circular B" panose="020B0504000000000000" pitchFamily="34" charset="0"/>
+              </a:rPr>
+              <a:t>Monitoring </a:t>
+            </a:r>
+            <a:r>
+              <a:rPr lang="en-US" dirty="0">
+                <a:latin typeface="Euclid Circular B" panose="020B0504000000000000" pitchFamily="34" charset="0"/>
+                <a:ea typeface="Euclid Circular B" panose="020B0504000000000000" pitchFamily="34" charset="0"/>
+              </a:rPr>
+              <a:t>the applications and services</a:t>
+            </a:r>
+          </a:p>
+          <a:p>
+            <a:pPr lvl="1"/>
+            <a:r>
+              <a:rPr lang="en-US" dirty="0">
+                <a:latin typeface="Euclid Circular B" panose="020B0504000000000000" pitchFamily="34" charset="0"/>
+                <a:ea typeface="Euclid Circular B" panose="020B0504000000000000" pitchFamily="34" charset="0"/>
+              </a:rPr>
+              <a:t>Overall</a:t>
+            </a:r>
+          </a:p>
+          <a:p>
+            <a:pPr lvl="1"/>
+            <a:r>
+              <a:rPr lang="en-US" dirty="0">
+                <a:latin typeface="Euclid Circular B" panose="020B0504000000000000" pitchFamily="34" charset="0"/>
+                <a:ea typeface="Euclid Circular B" panose="020B0504000000000000" pitchFamily="34" charset="0"/>
+              </a:rPr>
+              <a:t>HTTP Requests</a:t>
+            </a:r>
+          </a:p>
+          <a:p>
+            <a:pPr lvl="1"/>
+            <a:r>
+              <a:rPr lang="en-US" dirty="0">
+                <a:latin typeface="Euclid Circular B" panose="020B0504000000000000" pitchFamily="34" charset="0"/>
+                <a:ea typeface="Euclid Circular B" panose="020B0504000000000000" pitchFamily="34" charset="0"/>
+              </a:rPr>
+              <a:t>Distributed Events</a:t>
+            </a:r>
+          </a:p>
+          <a:p>
+            <a:pPr lvl="1"/>
+            <a:r>
+              <a:rPr lang="en-US" dirty="0">
+                <a:latin typeface="Euclid Circular B" panose="020B0504000000000000" pitchFamily="34" charset="0"/>
+                <a:ea typeface="Euclid Circular B" panose="020B0504000000000000" pitchFamily="34" charset="0"/>
+              </a:rPr>
+              <a:t>Exceptions</a:t>
+            </a:r>
+          </a:p>
+          <a:p>
+            <a:pPr lvl="1"/>
+            <a:r>
+              <a:rPr lang="en-US" dirty="0">
+                <a:latin typeface="Euclid Circular B" panose="020B0504000000000000" pitchFamily="34" charset="0"/>
+                <a:ea typeface="Euclid Circular B" panose="020B0504000000000000" pitchFamily="34" charset="0"/>
+              </a:rPr>
+              <a:t>Logs</a:t>
+            </a:r>
+          </a:p>
+        </p:txBody>
+      </p:sp>
+    </p:spTree>
+    <p:extLst>
+      <p:ext uri="{BB962C8B-B14F-4D97-AF65-F5344CB8AC3E}">
+        <p14:creationId xmlns:p14="http://schemas.microsoft.com/office/powerpoint/2010/main" val="4094511437"/>
+      </p:ext>
+    </p:extLst>
+  </p:cSld>
+  <p:clrMapOvr>
+    <a:masterClrMapping/>
+  </p:clrMapOvr>
+  <p:timing>
+    <p:tnLst>
+      <p:par>
+        <p:cTn id="1" dur="indefinite" restart="never" nodeType="tmRoot">
+          <p:childTnLst>
+            <p:seq concurrent="1" nextAc="seek">
+              <p:cTn id="2" dur="indefinite" nodeType="mainSeq">
+                <p:childTnLst>
+                  <p:par>
+                    <p:cTn id="3" fill="hold">
+                      <p:stCondLst>
+                        <p:cond delay="indefinite"/>
+                      </p:stCondLst>
+                      <p:childTnLst>
+                        <p:par>
+                          <p:cTn id="4" fill="hold">
+                            <p:stCondLst>
+                              <p:cond delay="0"/>
+                            </p:stCondLst>
+                            <p:childTnLst>
+                              <p:par>
+                                <p:cTn id="5" presetID="10" presetClass="entr" presetSubtype="0" fill="hold" nodeType="clickEffect">
+                                  <p:stCondLst>
+                                    <p:cond delay="0"/>
+                                  </p:stCondLst>
+                                  <p:childTnLst>
+                                    <p:set>
+                                      <p:cBhvr>
+                                        <p:cTn id="6" dur="1" fill="hold">
+                                          <p:stCondLst>
+                                            <p:cond delay="0"/>
+                                          </p:stCondLst>
+                                        </p:cTn>
+                                        <p:tgtEl>
+                                          <p:spTgt spid="3">
+                                            <p:txEl>
+                                              <p:pRg st="0" end="0"/>
+                                            </p:txEl>
+                                          </p:spTgt>
+                                        </p:tgtEl>
+                                        <p:attrNameLst>
+                                          <p:attrName>style.visibility</p:attrName>
+                                        </p:attrNameLst>
+                                      </p:cBhvr>
+                                      <p:to>
+                                        <p:strVal val="visible"/>
+                                      </p:to>
+                                    </p:set>
+                                    <p:animEffect transition="in" filter="fade">
+                                      <p:cBhvr>
+                                        <p:cTn id="7" dur="500"/>
+                                        <p:tgtEl>
+                                          <p:spTgt spid="3">
+                                            <p:txEl>
+                                              <p:pRg st="0" end="0"/>
+                                            </p:txEl>
+                                          </p:spTgt>
+                                        </p:tgtEl>
+                                      </p:cBhvr>
+                                    </p:animEffect>
+                                  </p:childTnLst>
+                                </p:cTn>
+                              </p:par>
+                            </p:childTnLst>
+                          </p:cTn>
+                        </p:par>
+                      </p:childTnLst>
+                    </p:cTn>
+                  </p:par>
+                  <p:par>
+                    <p:cTn id="8" fill="hold">
+                      <p:stCondLst>
+                        <p:cond delay="indefinite"/>
+                      </p:stCondLst>
+                      <p:childTnLst>
+                        <p:par>
+                          <p:cTn id="9" fill="hold">
+                            <p:stCondLst>
+                              <p:cond delay="0"/>
+                            </p:stCondLst>
+                            <p:childTnLst>
+                              <p:par>
+                                <p:cTn id="10" presetID="10" presetClass="entr" presetSubtype="0" fill="hold" nodeType="clickEffect">
+                                  <p:stCondLst>
+                                    <p:cond delay="0"/>
+                                  </p:stCondLst>
+                                  <p:childTnLst>
+                                    <p:set>
+                                      <p:cBhvr>
+                                        <p:cTn id="11" dur="1" fill="hold">
+                                          <p:stCondLst>
+                                            <p:cond delay="0"/>
+                                          </p:stCondLst>
+                                        </p:cTn>
+                                        <p:tgtEl>
+                                          <p:spTgt spid="3">
+                                            <p:txEl>
+                                              <p:pRg st="1" end="1"/>
+                                            </p:txEl>
+                                          </p:spTgt>
+                                        </p:tgtEl>
+                                        <p:attrNameLst>
+                                          <p:attrName>style.visibility</p:attrName>
+                                        </p:attrNameLst>
+                                      </p:cBhvr>
+                                      <p:to>
+                                        <p:strVal val="visible"/>
+                                      </p:to>
+                                    </p:set>
+                                    <p:animEffect transition="in" filter="fade">
+                                      <p:cBhvr>
+                                        <p:cTn id="12" dur="500"/>
+                                        <p:tgtEl>
+                                          <p:spTgt spid="3">
+                                            <p:txEl>
+                                              <p:pRg st="1" end="1"/>
+                                            </p:txEl>
+                                          </p:spTgt>
+                                        </p:tgtEl>
+                                      </p:cBhvr>
+                                    </p:animEffect>
+                                  </p:childTnLst>
+                                </p:cTn>
+                              </p:par>
+                            </p:childTnLst>
+                          </p:cTn>
+                        </p:par>
+                      </p:childTnLst>
+                    </p:cTn>
+                  </p:par>
+                  <p:par>
+                    <p:cTn id="13" fill="hold">
+                      <p:stCondLst>
+                        <p:cond delay="indefinite"/>
+                      </p:stCondLst>
+                      <p:childTnLst>
+                        <p:par>
+                          <p:cTn id="14" fill="hold">
+                            <p:stCondLst>
+                              <p:cond delay="0"/>
+                            </p:stCondLst>
+                            <p:childTnLst>
+                              <p:par>
+                                <p:cTn id="15" presetID="10" presetClass="entr" presetSubtype="0" fill="hold" nodeType="clickEffect">
+                                  <p:stCondLst>
+                                    <p:cond delay="0"/>
+                                  </p:stCondLst>
+                                  <p:childTnLst>
+                                    <p:set>
+                                      <p:cBhvr>
+                                        <p:cTn id="16" dur="1" fill="hold">
+                                          <p:stCondLst>
+                                            <p:cond delay="0"/>
+                                          </p:stCondLst>
+                                        </p:cTn>
+                                        <p:tgtEl>
+                                          <p:spTgt spid="3">
+                                            <p:txEl>
+                                              <p:pRg st="2" end="2"/>
+                                            </p:txEl>
+                                          </p:spTgt>
+                                        </p:tgtEl>
+                                        <p:attrNameLst>
+                                          <p:attrName>style.visibility</p:attrName>
+                                        </p:attrNameLst>
+                                      </p:cBhvr>
+                                      <p:to>
+                                        <p:strVal val="visible"/>
+                                      </p:to>
+                                    </p:set>
+                                    <p:animEffect transition="in" filter="fade">
+                                      <p:cBhvr>
+                                        <p:cTn id="17" dur="500"/>
+                                        <p:tgtEl>
+                                          <p:spTgt spid="3">
+                                            <p:txEl>
+                                              <p:pRg st="2" end="2"/>
+                                            </p:txEl>
+                                          </p:spTgt>
+                                        </p:tgtEl>
+                                      </p:cBhvr>
+                                    </p:animEffect>
+                                  </p:childTnLst>
+                                </p:cTn>
+                              </p:par>
+                            </p:childTnLst>
+                          </p:cTn>
+                        </p:par>
+                      </p:childTnLst>
+                    </p:cTn>
+                  </p:par>
+                  <p:par>
+                    <p:cTn id="18" fill="hold">
+                      <p:stCondLst>
+                        <p:cond delay="indefinite"/>
+                      </p:stCondLst>
+                      <p:childTnLst>
+                        <p:par>
+                          <p:cTn id="19" fill="hold">
+                            <p:stCondLst>
+                              <p:cond delay="0"/>
+                            </p:stCondLst>
+                            <p:childTnLst>
+                              <p:par>
+                                <p:cTn id="20" presetID="10" presetClass="entr" presetSubtype="0" fill="hold" nodeType="clickEffect">
+                                  <p:stCondLst>
+                                    <p:cond delay="0"/>
+                                  </p:stCondLst>
+                                  <p:childTnLst>
+                                    <p:set>
+                                      <p:cBhvr>
+                                        <p:cTn id="21" dur="1" fill="hold">
+                                          <p:stCondLst>
+                                            <p:cond delay="0"/>
+                                          </p:stCondLst>
+                                        </p:cTn>
+                                        <p:tgtEl>
+                                          <p:spTgt spid="3">
+                                            <p:txEl>
+                                              <p:pRg st="3" end="3"/>
+                                            </p:txEl>
+                                          </p:spTgt>
+                                        </p:tgtEl>
+                                        <p:attrNameLst>
+                                          <p:attrName>style.visibility</p:attrName>
+                                        </p:attrNameLst>
+                                      </p:cBhvr>
+                                      <p:to>
+                                        <p:strVal val="visible"/>
+                                      </p:to>
+                                    </p:set>
+                                    <p:animEffect transition="in" filter="fade">
+                                      <p:cBhvr>
+                                        <p:cTn id="22" dur="500"/>
+                                        <p:tgtEl>
+                                          <p:spTgt spid="3">
+                                            <p:txEl>
+                                              <p:pRg st="3" end="3"/>
+                                            </p:txEl>
+                                          </p:spTgt>
+                                        </p:tgtEl>
+                                      </p:cBhvr>
+                                    </p:animEffect>
+                                  </p:childTnLst>
+                                </p:cTn>
+                              </p:par>
+                            </p:childTnLst>
+                          </p:cTn>
+                        </p:par>
+                      </p:childTnLst>
+                    </p:cTn>
+                  </p:par>
+                  <p:par>
+                    <p:cTn id="23" fill="hold">
+                      <p:stCondLst>
+                        <p:cond delay="indefinite"/>
+                      </p:stCondLst>
+                      <p:childTnLst>
+                        <p:par>
+                          <p:cTn id="24" fill="hold">
+                            <p:stCondLst>
+                              <p:cond delay="0"/>
+                            </p:stCondLst>
+                            <p:childTnLst>
+                              <p:par>
+                                <p:cTn id="25" presetID="10" presetClass="entr" presetSubtype="0" fill="hold" nodeType="clickEffect">
+                                  <p:stCondLst>
+                                    <p:cond delay="0"/>
+                                  </p:stCondLst>
+                                  <p:childTnLst>
+                                    <p:set>
+                                      <p:cBhvr>
+                                        <p:cTn id="26" dur="1" fill="hold">
+                                          <p:stCondLst>
+                                            <p:cond delay="0"/>
+                                          </p:stCondLst>
+                                        </p:cTn>
+                                        <p:tgtEl>
+                                          <p:spTgt spid="3">
+                                            <p:txEl>
+                                              <p:pRg st="4" end="4"/>
+                                            </p:txEl>
+                                          </p:spTgt>
+                                        </p:tgtEl>
+                                        <p:attrNameLst>
+                                          <p:attrName>style.visibility</p:attrName>
+                                        </p:attrNameLst>
+                                      </p:cBhvr>
+                                      <p:to>
+                                        <p:strVal val="visible"/>
+                                      </p:to>
+                                    </p:set>
+                                    <p:animEffect transition="in" filter="fade">
+                                      <p:cBhvr>
+                                        <p:cTn id="27" dur="500"/>
+                                        <p:tgtEl>
+                                          <p:spTgt spid="3">
+                                            <p:txEl>
+                                              <p:pRg st="4" end="4"/>
+                                            </p:txEl>
+                                          </p:spTgt>
+                                        </p:tgtEl>
+                                      </p:cBhvr>
+                                    </p:animEffect>
+                                  </p:childTnLst>
+                                </p:cTn>
+                              </p:par>
+                            </p:childTnLst>
+                          </p:cTn>
+                        </p:par>
+                      </p:childTnLst>
+                    </p:cTn>
+                  </p:par>
+                  <p:par>
+                    <p:cTn id="28" fill="hold">
+                      <p:stCondLst>
+                        <p:cond delay="indefinite"/>
+                      </p:stCondLst>
+                      <p:childTnLst>
+                        <p:par>
+                          <p:cTn id="29" fill="hold">
+                            <p:stCondLst>
+                              <p:cond delay="0"/>
+                            </p:stCondLst>
+                            <p:childTnLst>
+                              <p:par>
+                                <p:cTn id="30" presetID="10" presetClass="entr" presetSubtype="0" fill="hold" nodeType="clickEffect">
+                                  <p:stCondLst>
+                                    <p:cond delay="0"/>
+                                  </p:stCondLst>
+                                  <p:childTnLst>
+                                    <p:set>
+                                      <p:cBhvr>
+                                        <p:cTn id="31" dur="1" fill="hold">
+                                          <p:stCondLst>
+                                            <p:cond delay="0"/>
+                                          </p:stCondLst>
+                                        </p:cTn>
+                                        <p:tgtEl>
+                                          <p:spTgt spid="3">
+                                            <p:txEl>
+                                              <p:pRg st="5" end="5"/>
+                                            </p:txEl>
+                                          </p:spTgt>
+                                        </p:tgtEl>
+                                        <p:attrNameLst>
+                                          <p:attrName>style.visibility</p:attrName>
+                                        </p:attrNameLst>
+                                      </p:cBhvr>
+                                      <p:to>
+                                        <p:strVal val="visible"/>
+                                      </p:to>
+                                    </p:set>
+                                    <p:animEffect transition="in" filter="fade">
+                                      <p:cBhvr>
+                                        <p:cTn id="32" dur="500"/>
+                                        <p:tgtEl>
+                                          <p:spTgt spid="3">
+                                            <p:txEl>
+                                              <p:pRg st="5" end="5"/>
+                                            </p:txEl>
+                                          </p:spTgt>
+                                        </p:tgtEl>
+                                      </p:cBhvr>
+                                    </p:animEffect>
+                                  </p:childTnLst>
+                                </p:cTn>
+                              </p:par>
+                            </p:childTnLst>
+                          </p:cTn>
+                        </p:par>
+                      </p:childTnLst>
+                    </p:cTn>
+                  </p:par>
+                  <p:par>
+                    <p:cTn id="33" fill="hold">
+                      <p:stCondLst>
+                        <p:cond delay="indefinite"/>
+                      </p:stCondLst>
+                      <p:childTnLst>
+                        <p:par>
+                          <p:cTn id="34" fill="hold">
+                            <p:stCondLst>
+                              <p:cond delay="0"/>
+                            </p:stCondLst>
+                            <p:childTnLst>
+                              <p:par>
+                                <p:cTn id="35" presetID="10" presetClass="entr" presetSubtype="0" fill="hold" nodeType="clickEffect">
+                                  <p:stCondLst>
+                                    <p:cond delay="0"/>
+                                  </p:stCondLst>
+                                  <p:childTnLst>
+                                    <p:set>
+                                      <p:cBhvr>
+                                        <p:cTn id="36" dur="1" fill="hold">
+                                          <p:stCondLst>
+                                            <p:cond delay="0"/>
+                                          </p:stCondLst>
+                                        </p:cTn>
+                                        <p:tgtEl>
+                                          <p:spTgt spid="3">
+                                            <p:txEl>
+                                              <p:pRg st="6" end="6"/>
+                                            </p:txEl>
+                                          </p:spTgt>
+                                        </p:tgtEl>
+                                        <p:attrNameLst>
+                                          <p:attrName>style.visibility</p:attrName>
+                                        </p:attrNameLst>
+                                      </p:cBhvr>
+                                      <p:to>
+                                        <p:strVal val="visible"/>
+                                      </p:to>
+                                    </p:set>
+                                    <p:animEffect transition="in" filter="fade">
+                                      <p:cBhvr>
+                                        <p:cTn id="37" dur="500"/>
+                                        <p:tgtEl>
+                                          <p:spTgt spid="3">
+                                            <p:txEl>
+                                              <p:pRg st="6" end="6"/>
+                                            </p:txEl>
+                                          </p:spTgt>
+                                        </p:tgtEl>
+                                      </p:cBhvr>
+                                    </p:animEffect>
+                                  </p:childTnLst>
+                                </p:cTn>
+                              </p:par>
+                            </p:childTnLst>
+                          </p:cTn>
+                        </p:par>
+                      </p:childTnLst>
+                    </p:cTn>
+                  </p:par>
+                  <p:par>
+                    <p:cTn id="38" fill="hold">
+                      <p:stCondLst>
+                        <p:cond delay="indefinite"/>
+                      </p:stCondLst>
+                      <p:childTnLst>
+                        <p:par>
+                          <p:cTn id="39" fill="hold">
+                            <p:stCondLst>
+                              <p:cond delay="0"/>
+                            </p:stCondLst>
+                            <p:childTnLst>
+                              <p:par>
+                                <p:cTn id="40" presetID="10" presetClass="entr" presetSubtype="0" fill="hold" nodeType="clickEffect">
+                                  <p:stCondLst>
+                                    <p:cond delay="0"/>
+                                  </p:stCondLst>
+                                  <p:childTnLst>
+                                    <p:set>
+                                      <p:cBhvr>
+                                        <p:cTn id="41" dur="1" fill="hold">
+                                          <p:stCondLst>
+                                            <p:cond delay="0"/>
+                                          </p:stCondLst>
+                                        </p:cTn>
+                                        <p:tgtEl>
+                                          <p:spTgt spid="3">
+                                            <p:txEl>
+                                              <p:pRg st="7" end="7"/>
+                                            </p:txEl>
+                                          </p:spTgt>
+                                        </p:tgtEl>
+                                        <p:attrNameLst>
+                                          <p:attrName>style.visibility</p:attrName>
+                                        </p:attrNameLst>
+                                      </p:cBhvr>
+                                      <p:to>
+                                        <p:strVal val="visible"/>
+                                      </p:to>
+                                    </p:set>
+                                    <p:animEffect transition="in" filter="fade">
+                                      <p:cBhvr>
+                                        <p:cTn id="42" dur="500"/>
+                                        <p:tgtEl>
+                                          <p:spTgt spid="3">
+                                            <p:txEl>
+                                              <p:pRg st="7" end="7"/>
+                                            </p:txEl>
+                                          </p:spTgt>
+                                        </p:tgtEl>
+                                      </p:cBhvr>
+                                    </p:animEffect>
+                                  </p:childTnLst>
+                                </p:cTn>
+                              </p:par>
+                            </p:childTnLst>
+                          </p:cTn>
+                        </p:par>
+                      </p:childTnLst>
+                    </p:cTn>
+                  </p:par>
+                  <p:par>
+                    <p:cTn id="43" fill="hold">
+                      <p:stCondLst>
+                        <p:cond delay="indefinite"/>
+                      </p:stCondLst>
+                      <p:childTnLst>
+                        <p:par>
+                          <p:cTn id="44" fill="hold">
+                            <p:stCondLst>
+                              <p:cond delay="0"/>
+                            </p:stCondLst>
+                            <p:childTnLst>
+                              <p:par>
+                                <p:cTn id="45" presetID="10" presetClass="entr" presetSubtype="0" fill="hold" nodeType="clickEffect">
+                                  <p:stCondLst>
+                                    <p:cond delay="0"/>
+                                  </p:stCondLst>
+                                  <p:childTnLst>
+                                    <p:set>
+                                      <p:cBhvr>
+                                        <p:cTn id="46" dur="1" fill="hold">
+                                          <p:stCondLst>
+                                            <p:cond delay="0"/>
+                                          </p:stCondLst>
+                                        </p:cTn>
+                                        <p:tgtEl>
+                                          <p:spTgt spid="3">
+                                            <p:txEl>
+                                              <p:pRg st="8" end="8"/>
+                                            </p:txEl>
+                                          </p:spTgt>
+                                        </p:tgtEl>
+                                        <p:attrNameLst>
+                                          <p:attrName>style.visibility</p:attrName>
+                                        </p:attrNameLst>
+                                      </p:cBhvr>
+                                      <p:to>
+                                        <p:strVal val="visible"/>
+                                      </p:to>
+                                    </p:set>
+                                    <p:animEffect transition="in" filter="fade">
+                                      <p:cBhvr>
+                                        <p:cTn id="47" dur="500"/>
+                                        <p:tgtEl>
+                                          <p:spTgt spid="3">
+                                            <p:txEl>
+                                              <p:pRg st="8" end="8"/>
+                                            </p:txEl>
+                                          </p:spTgt>
+                                        </p:tgtEl>
+                                      </p:cBhvr>
+                                    </p:animEffect>
+                                  </p:childTnLst>
+                                </p:cTn>
+                              </p:par>
+                            </p:childTnLst>
+                          </p:cTn>
+                        </p:par>
+                      </p:childTnLst>
+                    </p:cTn>
+                  </p:par>
+                  <p:par>
+                    <p:cTn id="48" fill="hold">
+                      <p:stCondLst>
+                        <p:cond delay="indefinite"/>
+                      </p:stCondLst>
+                      <p:childTnLst>
+                        <p:par>
+                          <p:cTn id="49" fill="hold">
+                            <p:stCondLst>
+                              <p:cond delay="0"/>
+                            </p:stCondLst>
+                            <p:childTnLst>
+                              <p:par>
+                                <p:cTn id="50" presetID="10" presetClass="entr" presetSubtype="0" fill="hold" nodeType="clickEffect">
+                                  <p:stCondLst>
+                                    <p:cond delay="0"/>
+                                  </p:stCondLst>
+                                  <p:childTnLst>
+                                    <p:set>
+                                      <p:cBhvr>
+                                        <p:cTn id="51" dur="1" fill="hold">
+                                          <p:stCondLst>
+                                            <p:cond delay="0"/>
+                                          </p:stCondLst>
+                                        </p:cTn>
+                                        <p:tgtEl>
+                                          <p:spTgt spid="3">
+                                            <p:txEl>
+                                              <p:pRg st="9" end="9"/>
+                                            </p:txEl>
+                                          </p:spTgt>
+                                        </p:tgtEl>
+                                        <p:attrNameLst>
+                                          <p:attrName>style.visibility</p:attrName>
+                                        </p:attrNameLst>
+                                      </p:cBhvr>
+                                      <p:to>
+                                        <p:strVal val="visible"/>
+                                      </p:to>
+                                    </p:set>
+                                    <p:animEffect transition="in" filter="fade">
+                                      <p:cBhvr>
+                                        <p:cTn id="52" dur="500"/>
+                                        <p:tgtEl>
+                                          <p:spTgt spid="3">
+                                            <p:txEl>
+                                              <p:pRg st="9" end="9"/>
+                                            </p:txEl>
+                                          </p:spTgt>
+                                        </p:tgtEl>
+                                      </p:cBhvr>
+                                    </p:animEffect>
+                                  </p:childTnLst>
+                                </p:cTn>
+                              </p:par>
+                            </p:childTnLst>
+                          </p:cTn>
+                        </p:par>
+                      </p:childTnLst>
+                    </p:cTn>
+                  </p:par>
+                  <p:par>
+                    <p:cTn id="53" fill="hold">
+                      <p:stCondLst>
+                        <p:cond delay="indefinite"/>
+                      </p:stCondLst>
+                      <p:childTnLst>
+                        <p:par>
+                          <p:cTn id="54" fill="hold">
+                            <p:stCondLst>
+                              <p:cond delay="0"/>
+                            </p:stCondLst>
+                            <p:childTnLst>
+                              <p:par>
+                                <p:cTn id="55" presetID="10" presetClass="entr" presetSubtype="0" fill="hold" nodeType="clickEffect">
+                                  <p:stCondLst>
+                                    <p:cond delay="0"/>
+                                  </p:stCondLst>
+                                  <p:childTnLst>
+                                    <p:set>
+                                      <p:cBhvr>
+                                        <p:cTn id="56" dur="1" fill="hold">
+                                          <p:stCondLst>
+                                            <p:cond delay="0"/>
+                                          </p:stCondLst>
+                                        </p:cTn>
+                                        <p:tgtEl>
+                                          <p:spTgt spid="3">
+                                            <p:txEl>
+                                              <p:pRg st="10" end="10"/>
+                                            </p:txEl>
+                                          </p:spTgt>
+                                        </p:tgtEl>
+                                        <p:attrNameLst>
+                                          <p:attrName>style.visibility</p:attrName>
+                                        </p:attrNameLst>
+                                      </p:cBhvr>
+                                      <p:to>
+                                        <p:strVal val="visible"/>
+                                      </p:to>
+                                    </p:set>
+                                    <p:animEffect transition="in" filter="fade">
+                                      <p:cBhvr>
+                                        <p:cTn id="57" dur="500"/>
+                                        <p:tgtEl>
+                                          <p:spTgt spid="3">
+                                            <p:txEl>
+                                              <p:pRg st="10" end="10"/>
+                                            </p:txEl>
+                                          </p:spTgt>
+                                        </p:tgtEl>
+                                      </p:cBhvr>
+                                    </p:animEffect>
+                                  </p:childTnLst>
+                                </p:cTn>
+                              </p:par>
+                            </p:childTnLst>
+                          </p:cTn>
+                        </p:par>
+                      </p:childTnLst>
+                    </p:cTn>
+                  </p:par>
+                </p:childTnLst>
+              </p:cTn>
+              <p:prevCondLst>
+                <p:cond evt="onPrev" delay="0">
+                  <p:tgtEl>
+                    <p:sldTgt/>
+                  </p:tgtEl>
+                </p:cond>
+              </p:prevCondLst>
+              <p:nextCondLst>
+                <p:cond evt="onNext" delay="0">
+                  <p:tgtEl>
+                    <p:sldTgt/>
+                  </p:tgtEl>
+                </p:cond>
+              </p:nextCondLst>
+            </p:seq>
+          </p:childTnLst>
+        </p:cTn>
+      </p:par>
+    </p:tnLst>
+  </p:timing>
+</p:sld>
+</file>
+
+<file path=ppt/slides/slide11.xml><?xml version="1.0" encoding="utf-8"?>
+<p:sld xmlns:a="http://schemas.openxmlformats.org/drawingml/2006/main" xmlns:r="http://schemas.openxmlformats.org/officeDocument/2006/relationships" xmlns:p="http://schemas.openxmlformats.org/presentationml/2006/main">
+  <p:cSld>
+    <p:bg>
+      <p:bgPr>
+        <a:blipFill dpi="0" rotWithShape="1">
+          <a:blip r:embed="rId2">
+            <a:lum/>
+          </a:blip>
+          <a:srcRect/>
+          <a:stretch>
+            <a:fillRect/>
+          </a:stretch>
+        </a:blipFill>
+        <a:effectLst/>
+      </p:bgPr>
+    </p:bg>
+    <p:spTree>
+      <p:nvGrpSpPr>
+        <p:cNvPr id="1" name=""/>
+        <p:cNvGrpSpPr/>
+        <p:nvPr/>
+      </p:nvGrpSpPr>
+      <p:grpSpPr>
+        <a:xfrm>
+          <a:off x="0" y="0"/>
+          <a:ext cx="0" cy="0"/>
+          <a:chOff x="0" y="0"/>
+          <a:chExt cx="0" cy="0"/>
+        </a:xfrm>
+      </p:grpSpPr>
+      <p:sp>
+        <p:nvSpPr>
+          <p:cNvPr id="2" name="Title 1">
+            <a:extLst>
+              <a:ext uri="{FF2B5EF4-FFF2-40B4-BE49-F238E27FC236}">
+                <a16:creationId xmlns:a16="http://schemas.microsoft.com/office/drawing/2014/main" id="{55E11F08-6CA0-48F1-AD67-97430DDA07F0}"/>
+              </a:ext>
+            </a:extLst>
+          </p:cNvPr>
+          <p:cNvSpPr>
+            <a:spLocks noGrp="1"/>
+          </p:cNvSpPr>
+          <p:nvPr>
+            <p:ph type="title"/>
+          </p:nvPr>
+        </p:nvSpPr>
+        <p:spPr/>
+        <p:txBody>
+          <a:bodyPr/>
+          <a:lstStyle/>
+          <a:p>
+            <a:r>
+              <a:rPr lang="en-US" b="1" dirty="0">
+                <a:solidFill>
+                  <a:srgbClr val="292D33"/>
+                </a:solidFill>
+                <a:latin typeface="Euclid Circular B" panose="020B0504000000000000" pitchFamily="34" charset="0"/>
+                <a:ea typeface="Euclid Circular B" panose="020B0504000000000000" pitchFamily="34" charset="0"/>
+              </a:rPr>
+              <a:t>Working with Kubernetes</a:t>
+            </a:r>
+          </a:p>
+        </p:txBody>
+      </p:sp>
+      <p:sp>
+        <p:nvSpPr>
+          <p:cNvPr id="3" name="Content Placeholder 2">
+            <a:extLst>
+              <a:ext uri="{FF2B5EF4-FFF2-40B4-BE49-F238E27FC236}">
+                <a16:creationId xmlns:a16="http://schemas.microsoft.com/office/drawing/2014/main" id="{891C7693-D3DF-4635-96F4-97F3B4136FDF}"/>
+              </a:ext>
+            </a:extLst>
+          </p:cNvPr>
+          <p:cNvSpPr>
+            <a:spLocks noGrp="1"/>
+          </p:cNvSpPr>
+          <p:nvPr>
+            <p:ph idx="1"/>
+          </p:nvPr>
+        </p:nvSpPr>
+        <p:spPr>
+          <a:xfrm>
+            <a:off x="838199" y="1825625"/>
+            <a:ext cx="6844645" cy="4351338"/>
+          </a:xfrm>
+        </p:spPr>
+        <p:txBody>
+          <a:bodyPr>
+            <a:normAutofit lnSpcReduction="10000"/>
+          </a:bodyPr>
+          <a:lstStyle/>
+          <a:p>
+            <a:r>
+              <a:rPr lang="en-US" dirty="0">
+                <a:latin typeface="Euclid Circular B" panose="020B0504000000000000" pitchFamily="34" charset="0"/>
+                <a:ea typeface="Euclid Circular B" panose="020B0504000000000000" pitchFamily="34" charset="0"/>
+              </a:rPr>
+              <a:t>View &amp; manage Helm charts</a:t>
+            </a:r>
+          </a:p>
+          <a:p>
+            <a:r>
+              <a:rPr lang="en-US" dirty="0">
+                <a:latin typeface="Euclid Circular B" panose="020B0504000000000000" pitchFamily="34" charset="0"/>
+                <a:ea typeface="Euclid Circular B" panose="020B0504000000000000" pitchFamily="34" charset="0"/>
+              </a:rPr>
+              <a:t>Building docker images</a:t>
+            </a:r>
+          </a:p>
+          <a:p>
+            <a:r>
+              <a:rPr lang="en-US" dirty="0">
+                <a:latin typeface="Euclid Circular B" panose="020B0504000000000000" pitchFamily="34" charset="0"/>
+                <a:ea typeface="Euclid Circular B" panose="020B0504000000000000" pitchFamily="34" charset="0"/>
+              </a:rPr>
+              <a:t>Installing Helm charts</a:t>
+            </a:r>
+          </a:p>
+          <a:p>
+            <a:r>
+              <a:rPr lang="en-US" dirty="0">
+                <a:latin typeface="Euclid Circular B" panose="020B0504000000000000" pitchFamily="34" charset="0"/>
+                <a:ea typeface="Euclid Circular B" panose="020B0504000000000000" pitchFamily="34" charset="0"/>
+              </a:rPr>
+              <a:t>Connecting to a Kubernetes cluster</a:t>
+            </a:r>
+          </a:p>
+          <a:p>
+            <a:r>
+              <a:rPr lang="en-US" dirty="0">
+                <a:latin typeface="Euclid Circular B" panose="020B0504000000000000" pitchFamily="34" charset="0"/>
+                <a:ea typeface="Euclid Circular B" panose="020B0504000000000000" pitchFamily="34" charset="0"/>
+              </a:rPr>
+              <a:t>Accessing to internal services</a:t>
+            </a:r>
+          </a:p>
+          <a:p>
+            <a:r>
+              <a:rPr lang="en-US" dirty="0">
+                <a:latin typeface="Euclid Circular B" panose="020B0504000000000000" pitchFamily="34" charset="0"/>
+                <a:ea typeface="Euclid Circular B" panose="020B0504000000000000" pitchFamily="34" charset="0"/>
+              </a:rPr>
+              <a:t>Browsing the applications</a:t>
+            </a:r>
+          </a:p>
+          <a:p>
+            <a:r>
+              <a:rPr lang="en-US" dirty="0">
+                <a:latin typeface="Euclid Circular B" panose="020B0504000000000000" pitchFamily="34" charset="0"/>
+                <a:ea typeface="Euclid Circular B" panose="020B0504000000000000" pitchFamily="34" charset="0"/>
+              </a:rPr>
+              <a:t>Collecting data from a Kubernetes cluster</a:t>
+            </a:r>
+          </a:p>
+          <a:p>
+            <a:r>
+              <a:rPr lang="en-US" dirty="0">
+                <a:latin typeface="Euclid Circular B" panose="020B0504000000000000" pitchFamily="34" charset="0"/>
+                <a:ea typeface="Euclid Circular B" panose="020B0504000000000000" pitchFamily="34" charset="0"/>
+              </a:rPr>
+              <a:t>Intercepting services</a:t>
+            </a:r>
+          </a:p>
+          <a:p>
+            <a:r>
+              <a:rPr lang="en-US" dirty="0">
+                <a:latin typeface="Euclid Circular B" panose="020B0504000000000000" pitchFamily="34" charset="0"/>
+                <a:ea typeface="Euclid Circular B" panose="020B0504000000000000" pitchFamily="34" charset="0"/>
+              </a:rPr>
+              <a:t>Re-deploying services</a:t>
+            </a:r>
+          </a:p>
+        </p:txBody>
+      </p:sp>
+      <p:pic>
+        <p:nvPicPr>
+          <p:cNvPr id="5" name="Picture 4" descr="A qr code with a few black squares&#10;&#10;Description automatically generated">
+            <a:extLst>
+              <a:ext uri="{FF2B5EF4-FFF2-40B4-BE49-F238E27FC236}">
+                <a16:creationId xmlns:a16="http://schemas.microsoft.com/office/drawing/2014/main" id="{95A04BC2-077E-B162-88C4-4F188CC2B849}"/>
+              </a:ext>
+            </a:extLst>
+          </p:cNvPr>
+          <p:cNvPicPr>
+            <a:picLocks noChangeAspect="1"/>
+          </p:cNvPicPr>
+          <p:nvPr/>
+        </p:nvPicPr>
+        <p:blipFill>
+          <a:blip r:embed="rId3">
+            <a:extLst>
+              <a:ext uri="{28A0092B-C50C-407E-A947-70E740481C1C}">
+                <a14:useLocalDpi xmlns:a14="http://schemas.microsoft.com/office/drawing/2010/main" val="0"/>
+              </a:ext>
+            </a:extLst>
+          </a:blip>
+          <a:stretch>
+            <a:fillRect/>
+          </a:stretch>
+        </p:blipFill>
+        <p:spPr>
+          <a:xfrm>
+            <a:off x="7637071" y="1982154"/>
+            <a:ext cx="4248356" cy="4248356"/>
+          </a:xfrm>
+          <a:prstGeom prst="rect">
+            <a:avLst/>
+          </a:prstGeom>
+        </p:spPr>
+      </p:pic>
+      <p:sp>
+        <p:nvSpPr>
+          <p:cNvPr id="6" name="TextBox 5">
+            <a:extLst>
+              <a:ext uri="{FF2B5EF4-FFF2-40B4-BE49-F238E27FC236}">
+                <a16:creationId xmlns:a16="http://schemas.microsoft.com/office/drawing/2014/main" id="{77F6EAFE-82B7-C018-9D1F-74423B7D2741}"/>
+              </a:ext>
+            </a:extLst>
+          </p:cNvPr>
+          <p:cNvSpPr txBox="1"/>
+          <p:nvPr/>
+        </p:nvSpPr>
+        <p:spPr>
+          <a:xfrm>
+            <a:off x="8291107" y="1384943"/>
+            <a:ext cx="3628898" cy="584775"/>
+          </a:xfrm>
+          <a:prstGeom prst="rect">
+            <a:avLst/>
+          </a:prstGeom>
+          <a:noFill/>
+        </p:spPr>
+        <p:txBody>
+          <a:bodyPr wrap="square" rtlCol="0">
+            <a:spAutoFit/>
+          </a:bodyPr>
+          <a:lstStyle/>
+          <a:p>
+            <a:pPr algn="l"/>
+            <a:r>
+              <a:rPr lang="en-US" sz="1600" b="1" i="0" dirty="0">
+                <a:effectLst/>
+                <a:latin typeface="Roboto" panose="02000000000000000000" pitchFamily="2" charset="0"/>
+              </a:rPr>
+              <a:t>Kubernetes Integrated Microservice Development with ABP Studio</a:t>
+            </a:r>
+          </a:p>
+        </p:txBody>
+      </p:sp>
+      <p:pic>
+        <p:nvPicPr>
+          <p:cNvPr id="1026" name="Picture 2" descr="Youtube - Free social media icons">
+            <a:extLst>
+              <a:ext uri="{FF2B5EF4-FFF2-40B4-BE49-F238E27FC236}">
+                <a16:creationId xmlns:a16="http://schemas.microsoft.com/office/drawing/2014/main" id="{65FDA818-4B11-9BD4-12D8-2660BC609362}"/>
+              </a:ext>
+            </a:extLst>
+          </p:cNvPr>
+          <p:cNvPicPr>
+            <a:picLocks noChangeAspect="1" noChangeArrowheads="1"/>
+          </p:cNvPicPr>
+          <p:nvPr/>
+        </p:nvPicPr>
+        <p:blipFill>
+          <a:blip r:embed="rId4">
+            <a:extLst>
+              <a:ext uri="{28A0092B-C50C-407E-A947-70E740481C1C}">
+                <a14:useLocalDpi xmlns:a14="http://schemas.microsoft.com/office/drawing/2010/main" val="0"/>
+              </a:ext>
+            </a:extLst>
+          </a:blip>
+          <a:srcRect/>
+          <a:stretch>
+            <a:fillRect/>
+          </a:stretch>
+        </p:blipFill>
+        <p:spPr bwMode="auto">
+          <a:xfrm>
+            <a:off x="7637071" y="1356821"/>
+            <a:ext cx="654036" cy="654036"/>
+          </a:xfrm>
+          <a:prstGeom prst="rect">
+            <a:avLst/>
+          </a:prstGeom>
+          <a:noFill/>
+          <a:extLst>
+            <a:ext uri="{909E8E84-426E-40DD-AFC4-6F175D3DCCD1}">
+              <a14:hiddenFill xmlns:a14="http://schemas.microsoft.com/office/drawing/2010/main">
+                <a:solidFill>
+                  <a:srgbClr val="FFFFFF"/>
+                </a:solidFill>
+              </a14:hiddenFill>
+            </a:ext>
+          </a:extLst>
+        </p:spPr>
+      </p:pic>
+    </p:spTree>
+    <p:extLst>
+      <p:ext uri="{BB962C8B-B14F-4D97-AF65-F5344CB8AC3E}">
+        <p14:creationId xmlns:p14="http://schemas.microsoft.com/office/powerpoint/2010/main" val="539700031"/>
+      </p:ext>
+    </p:extLst>
+  </p:cSld>
+  <p:clrMapOvr>
+    <a:masterClrMapping/>
+  </p:clrMapOvr>
+  <p:timing>
+    <p:tnLst>
+      <p:par>
+        <p:cTn id="1" dur="indefinite" restart="never" nodeType="tmRoot">
+          <p:childTnLst>
+            <p:seq concurrent="1" nextAc="seek">
+              <p:cTn id="2" dur="indefinite" nodeType="mainSeq">
+                <p:childTnLst>
+                  <p:par>
+                    <p:cTn id="3" fill="hold">
+                      <p:stCondLst>
+                        <p:cond delay="indefinite"/>
+                      </p:stCondLst>
+                      <p:childTnLst>
+                        <p:par>
+                          <p:cTn id="4" fill="hold">
+                            <p:stCondLst>
+                              <p:cond delay="0"/>
+                            </p:stCondLst>
+                            <p:childTnLst>
+                              <p:par>
+                                <p:cTn id="5" presetID="10" presetClass="entr" presetSubtype="0" fill="hold" nodeType="clickEffect">
+                                  <p:stCondLst>
+                                    <p:cond delay="0"/>
+                                  </p:stCondLst>
+                                  <p:childTnLst>
+                                    <p:set>
+                                      <p:cBhvr>
+                                        <p:cTn id="6" dur="1" fill="hold">
+                                          <p:stCondLst>
+                                            <p:cond delay="0"/>
+                                          </p:stCondLst>
+                                        </p:cTn>
+                                        <p:tgtEl>
+                                          <p:spTgt spid="3">
+                                            <p:txEl>
+                                              <p:pRg st="0" end="0"/>
+                                            </p:txEl>
+                                          </p:spTgt>
+                                        </p:tgtEl>
+                                        <p:attrNameLst>
+                                          <p:attrName>style.visibility</p:attrName>
+                                        </p:attrNameLst>
+                                      </p:cBhvr>
+                                      <p:to>
+                                        <p:strVal val="visible"/>
+                                      </p:to>
+                                    </p:set>
+                                    <p:animEffect transition="in" filter="fade">
+                                      <p:cBhvr>
+                                        <p:cTn id="7" dur="500"/>
+                                        <p:tgtEl>
+                                          <p:spTgt spid="3">
+                                            <p:txEl>
+                                              <p:pRg st="0" end="0"/>
+                                            </p:txEl>
+                                          </p:spTgt>
+                                        </p:tgtEl>
+                                      </p:cBhvr>
+                                    </p:animEffect>
+                                  </p:childTnLst>
+                                </p:cTn>
+                              </p:par>
+                            </p:childTnLst>
+                          </p:cTn>
+                        </p:par>
+                      </p:childTnLst>
+                    </p:cTn>
+                  </p:par>
+                  <p:par>
+                    <p:cTn id="8" fill="hold">
+                      <p:stCondLst>
+                        <p:cond delay="indefinite"/>
+                      </p:stCondLst>
+                      <p:childTnLst>
+                        <p:par>
+                          <p:cTn id="9" fill="hold">
+                            <p:stCondLst>
+                              <p:cond delay="0"/>
+                            </p:stCondLst>
+                            <p:childTnLst>
+                              <p:par>
+                                <p:cTn id="10" presetID="10" presetClass="entr" presetSubtype="0" fill="hold" nodeType="clickEffect">
+                                  <p:stCondLst>
+                                    <p:cond delay="0"/>
+                                  </p:stCondLst>
+                                  <p:childTnLst>
+                                    <p:set>
+                                      <p:cBhvr>
+                                        <p:cTn id="11" dur="1" fill="hold">
+                                          <p:stCondLst>
+                                            <p:cond delay="0"/>
+                                          </p:stCondLst>
+                                        </p:cTn>
+                                        <p:tgtEl>
+                                          <p:spTgt spid="3">
+                                            <p:txEl>
+                                              <p:pRg st="1" end="1"/>
+                                            </p:txEl>
+                                          </p:spTgt>
+                                        </p:tgtEl>
+                                        <p:attrNameLst>
+                                          <p:attrName>style.visibility</p:attrName>
+                                        </p:attrNameLst>
+                                      </p:cBhvr>
+                                      <p:to>
+                                        <p:strVal val="visible"/>
+                                      </p:to>
+                                    </p:set>
+                                    <p:animEffect transition="in" filter="fade">
+                                      <p:cBhvr>
+                                        <p:cTn id="12" dur="500"/>
+                                        <p:tgtEl>
+                                          <p:spTgt spid="3">
+                                            <p:txEl>
+                                              <p:pRg st="1" end="1"/>
+                                            </p:txEl>
+                                          </p:spTgt>
+                                        </p:tgtEl>
+                                      </p:cBhvr>
+                                    </p:animEffect>
+                                  </p:childTnLst>
+                                </p:cTn>
+                              </p:par>
+                            </p:childTnLst>
+                          </p:cTn>
+                        </p:par>
+                      </p:childTnLst>
+                    </p:cTn>
+                  </p:par>
+                  <p:par>
+                    <p:cTn id="13" fill="hold">
+                      <p:stCondLst>
+                        <p:cond delay="indefinite"/>
+                      </p:stCondLst>
+                      <p:childTnLst>
+                        <p:par>
+                          <p:cTn id="14" fill="hold">
+                            <p:stCondLst>
+                              <p:cond delay="0"/>
+                            </p:stCondLst>
+                            <p:childTnLst>
+                              <p:par>
+                                <p:cTn id="15" presetID="10" presetClass="entr" presetSubtype="0" fill="hold" nodeType="clickEffect">
+                                  <p:stCondLst>
+                                    <p:cond delay="0"/>
+                                  </p:stCondLst>
+                                  <p:childTnLst>
+                                    <p:set>
+                                      <p:cBhvr>
+                                        <p:cTn id="16" dur="1" fill="hold">
+                                          <p:stCondLst>
+                                            <p:cond delay="0"/>
+                                          </p:stCondLst>
+                                        </p:cTn>
+                                        <p:tgtEl>
+                                          <p:spTgt spid="3">
+                                            <p:txEl>
+                                              <p:pRg st="2" end="2"/>
+                                            </p:txEl>
+                                          </p:spTgt>
+                                        </p:tgtEl>
+                                        <p:attrNameLst>
+                                          <p:attrName>style.visibility</p:attrName>
+                                        </p:attrNameLst>
+                                      </p:cBhvr>
+                                      <p:to>
+                                        <p:strVal val="visible"/>
+                                      </p:to>
+                                    </p:set>
+                                    <p:animEffect transition="in" filter="fade">
+                                      <p:cBhvr>
+                                        <p:cTn id="17" dur="500"/>
+                                        <p:tgtEl>
+                                          <p:spTgt spid="3">
+                                            <p:txEl>
+                                              <p:pRg st="2" end="2"/>
+                                            </p:txEl>
+                                          </p:spTgt>
+                                        </p:tgtEl>
+                                      </p:cBhvr>
+                                    </p:animEffect>
+                                  </p:childTnLst>
+                                </p:cTn>
+                              </p:par>
+                            </p:childTnLst>
+                          </p:cTn>
+                        </p:par>
+                      </p:childTnLst>
+                    </p:cTn>
+                  </p:par>
+                  <p:par>
+                    <p:cTn id="18" fill="hold">
+                      <p:stCondLst>
+                        <p:cond delay="indefinite"/>
+                      </p:stCondLst>
+                      <p:childTnLst>
+                        <p:par>
+                          <p:cTn id="19" fill="hold">
+                            <p:stCondLst>
+                              <p:cond delay="0"/>
+                            </p:stCondLst>
+                            <p:childTnLst>
+                              <p:par>
+                                <p:cTn id="20" presetID="10" presetClass="entr" presetSubtype="0" fill="hold" nodeType="clickEffect">
+                                  <p:stCondLst>
+                                    <p:cond delay="0"/>
+                                  </p:stCondLst>
+                                  <p:childTnLst>
+                                    <p:set>
+                                      <p:cBhvr>
+                                        <p:cTn id="21" dur="1" fill="hold">
+                                          <p:stCondLst>
+                                            <p:cond delay="0"/>
+                                          </p:stCondLst>
+                                        </p:cTn>
+                                        <p:tgtEl>
+                                          <p:spTgt spid="3">
+                                            <p:txEl>
+                                              <p:pRg st="3" end="3"/>
+                                            </p:txEl>
+                                          </p:spTgt>
+                                        </p:tgtEl>
+                                        <p:attrNameLst>
+                                          <p:attrName>style.visibility</p:attrName>
+                                        </p:attrNameLst>
+                                      </p:cBhvr>
+                                      <p:to>
+                                        <p:strVal val="visible"/>
+                                      </p:to>
+                                    </p:set>
+                                    <p:animEffect transition="in" filter="fade">
+                                      <p:cBhvr>
+                                        <p:cTn id="22" dur="500"/>
+                                        <p:tgtEl>
+                                          <p:spTgt spid="3">
+                                            <p:txEl>
+                                              <p:pRg st="3" end="3"/>
+                                            </p:txEl>
+                                          </p:spTgt>
+                                        </p:tgtEl>
+                                      </p:cBhvr>
+                                    </p:animEffect>
+                                  </p:childTnLst>
+                                </p:cTn>
+                              </p:par>
+                            </p:childTnLst>
+                          </p:cTn>
+                        </p:par>
+                      </p:childTnLst>
+                    </p:cTn>
+                  </p:par>
+                  <p:par>
+                    <p:cTn id="23" fill="hold">
+                      <p:stCondLst>
+                        <p:cond delay="indefinite"/>
+                      </p:stCondLst>
+                      <p:childTnLst>
+                        <p:par>
+                          <p:cTn id="24" fill="hold">
+                            <p:stCondLst>
+                              <p:cond delay="0"/>
+                            </p:stCondLst>
+                            <p:childTnLst>
+                              <p:par>
+                                <p:cTn id="25" presetID="10" presetClass="entr" presetSubtype="0" fill="hold" nodeType="clickEffect">
+                                  <p:stCondLst>
+                                    <p:cond delay="0"/>
+                                  </p:stCondLst>
+                                  <p:childTnLst>
+                                    <p:set>
+                                      <p:cBhvr>
+                                        <p:cTn id="26" dur="1" fill="hold">
+                                          <p:stCondLst>
+                                            <p:cond delay="0"/>
+                                          </p:stCondLst>
+                                        </p:cTn>
+                                        <p:tgtEl>
+                                          <p:spTgt spid="3">
+                                            <p:txEl>
+                                              <p:pRg st="4" end="4"/>
+                                            </p:txEl>
+                                          </p:spTgt>
+                                        </p:tgtEl>
+                                        <p:attrNameLst>
+                                          <p:attrName>style.visibility</p:attrName>
+                                        </p:attrNameLst>
+                                      </p:cBhvr>
+                                      <p:to>
+                                        <p:strVal val="visible"/>
+                                      </p:to>
+                                    </p:set>
+                                    <p:animEffect transition="in" filter="fade">
+                                      <p:cBhvr>
+                                        <p:cTn id="27" dur="500"/>
+                                        <p:tgtEl>
+                                          <p:spTgt spid="3">
+                                            <p:txEl>
+                                              <p:pRg st="4" end="4"/>
+                                            </p:txEl>
+                                          </p:spTgt>
+                                        </p:tgtEl>
+                                      </p:cBhvr>
+                                    </p:animEffect>
+                                  </p:childTnLst>
+                                </p:cTn>
+                              </p:par>
+                            </p:childTnLst>
+                          </p:cTn>
+                        </p:par>
+                      </p:childTnLst>
+                    </p:cTn>
+                  </p:par>
+                  <p:par>
+                    <p:cTn id="28" fill="hold">
+                      <p:stCondLst>
+                        <p:cond delay="indefinite"/>
+                      </p:stCondLst>
+                      <p:childTnLst>
+                        <p:par>
+                          <p:cTn id="29" fill="hold">
+                            <p:stCondLst>
+                              <p:cond delay="0"/>
+                            </p:stCondLst>
+                            <p:childTnLst>
+                              <p:par>
+                                <p:cTn id="30" presetID="10" presetClass="entr" presetSubtype="0" fill="hold" nodeType="clickEffect">
+                                  <p:stCondLst>
+                                    <p:cond delay="0"/>
+                                  </p:stCondLst>
+                                  <p:childTnLst>
+                                    <p:set>
+                                      <p:cBhvr>
+                                        <p:cTn id="31" dur="1" fill="hold">
+                                          <p:stCondLst>
+                                            <p:cond delay="0"/>
+                                          </p:stCondLst>
+                                        </p:cTn>
+                                        <p:tgtEl>
+                                          <p:spTgt spid="3">
+                                            <p:txEl>
+                                              <p:pRg st="5" end="5"/>
+                                            </p:txEl>
+                                          </p:spTgt>
+                                        </p:tgtEl>
+                                        <p:attrNameLst>
+                                          <p:attrName>style.visibility</p:attrName>
+                                        </p:attrNameLst>
+                                      </p:cBhvr>
+                                      <p:to>
+                                        <p:strVal val="visible"/>
+                                      </p:to>
+                                    </p:set>
+                                    <p:animEffect transition="in" filter="fade">
+                                      <p:cBhvr>
+                                        <p:cTn id="32" dur="500"/>
+                                        <p:tgtEl>
+                                          <p:spTgt spid="3">
+                                            <p:txEl>
+                                              <p:pRg st="5" end="5"/>
+                                            </p:txEl>
+                                          </p:spTgt>
+                                        </p:tgtEl>
+                                      </p:cBhvr>
+                                    </p:animEffect>
+                                  </p:childTnLst>
+                                </p:cTn>
+                              </p:par>
+                            </p:childTnLst>
+                          </p:cTn>
+                        </p:par>
+                      </p:childTnLst>
+                    </p:cTn>
+                  </p:par>
+                  <p:par>
+                    <p:cTn id="33" fill="hold">
+                      <p:stCondLst>
+                        <p:cond delay="indefinite"/>
+                      </p:stCondLst>
+                      <p:childTnLst>
+                        <p:par>
+                          <p:cTn id="34" fill="hold">
+                            <p:stCondLst>
+                              <p:cond delay="0"/>
+                            </p:stCondLst>
+                            <p:childTnLst>
+                              <p:par>
+                                <p:cTn id="35" presetID="10" presetClass="entr" presetSubtype="0" fill="hold" nodeType="clickEffect">
+                                  <p:stCondLst>
+                                    <p:cond delay="0"/>
+                                  </p:stCondLst>
+                                  <p:childTnLst>
+                                    <p:set>
+                                      <p:cBhvr>
+                                        <p:cTn id="36" dur="1" fill="hold">
+                                          <p:stCondLst>
+                                            <p:cond delay="0"/>
+                                          </p:stCondLst>
+                                        </p:cTn>
+                                        <p:tgtEl>
+                                          <p:spTgt spid="3">
+                                            <p:txEl>
+                                              <p:pRg st="6" end="6"/>
+                                            </p:txEl>
+                                          </p:spTgt>
+                                        </p:tgtEl>
+                                        <p:attrNameLst>
+                                          <p:attrName>style.visibility</p:attrName>
+                                        </p:attrNameLst>
+                                      </p:cBhvr>
+                                      <p:to>
+                                        <p:strVal val="visible"/>
+                                      </p:to>
+                                    </p:set>
+                                    <p:animEffect transition="in" filter="fade">
+                                      <p:cBhvr>
+                                        <p:cTn id="37" dur="500"/>
+                                        <p:tgtEl>
+                                          <p:spTgt spid="3">
+                                            <p:txEl>
+                                              <p:pRg st="6" end="6"/>
+                                            </p:txEl>
+                                          </p:spTgt>
+                                        </p:tgtEl>
+                                      </p:cBhvr>
+                                    </p:animEffect>
+                                  </p:childTnLst>
+                                </p:cTn>
+                              </p:par>
+                            </p:childTnLst>
+                          </p:cTn>
+                        </p:par>
+                      </p:childTnLst>
+                    </p:cTn>
+                  </p:par>
+                  <p:par>
+                    <p:cTn id="38" fill="hold">
+                      <p:stCondLst>
+                        <p:cond delay="indefinite"/>
+                      </p:stCondLst>
+                      <p:childTnLst>
+                        <p:par>
+                          <p:cTn id="39" fill="hold">
+                            <p:stCondLst>
+                              <p:cond delay="0"/>
+                            </p:stCondLst>
+                            <p:childTnLst>
+                              <p:par>
+                                <p:cTn id="40" presetID="10" presetClass="entr" presetSubtype="0" fill="hold" nodeType="clickEffect">
+                                  <p:stCondLst>
+                                    <p:cond delay="0"/>
+                                  </p:stCondLst>
+                                  <p:childTnLst>
+                                    <p:set>
+                                      <p:cBhvr>
+                                        <p:cTn id="41" dur="1" fill="hold">
+                                          <p:stCondLst>
+                                            <p:cond delay="0"/>
+                                          </p:stCondLst>
+                                        </p:cTn>
+                                        <p:tgtEl>
+                                          <p:spTgt spid="3">
+                                            <p:txEl>
+                                              <p:pRg st="7" end="7"/>
+                                            </p:txEl>
+                                          </p:spTgt>
+                                        </p:tgtEl>
+                                        <p:attrNameLst>
+                                          <p:attrName>style.visibility</p:attrName>
+                                        </p:attrNameLst>
+                                      </p:cBhvr>
+                                      <p:to>
+                                        <p:strVal val="visible"/>
+                                      </p:to>
+                                    </p:set>
+                                    <p:animEffect transition="in" filter="fade">
+                                      <p:cBhvr>
+                                        <p:cTn id="42" dur="500"/>
+                                        <p:tgtEl>
+                                          <p:spTgt spid="3">
+                                            <p:txEl>
+                                              <p:pRg st="7" end="7"/>
+                                            </p:txEl>
+                                          </p:spTgt>
+                                        </p:tgtEl>
+                                      </p:cBhvr>
+                                    </p:animEffect>
+                                  </p:childTnLst>
+                                </p:cTn>
+                              </p:par>
+                            </p:childTnLst>
+                          </p:cTn>
+                        </p:par>
+                      </p:childTnLst>
+                    </p:cTn>
+                  </p:par>
+                  <p:par>
+                    <p:cTn id="43" fill="hold">
+                      <p:stCondLst>
+                        <p:cond delay="indefinite"/>
+                      </p:stCondLst>
+                      <p:childTnLst>
+                        <p:par>
+                          <p:cTn id="44" fill="hold">
+                            <p:stCondLst>
+                              <p:cond delay="0"/>
+                            </p:stCondLst>
+                            <p:childTnLst>
+                              <p:par>
+                                <p:cTn id="45" presetID="10" presetClass="entr" presetSubtype="0" fill="hold" nodeType="clickEffect">
+                                  <p:stCondLst>
+                                    <p:cond delay="0"/>
+                                  </p:stCondLst>
+                                  <p:childTnLst>
+                                    <p:set>
+                                      <p:cBhvr>
+                                        <p:cTn id="46" dur="1" fill="hold">
+                                          <p:stCondLst>
+                                            <p:cond delay="0"/>
+                                          </p:stCondLst>
+                                        </p:cTn>
+                                        <p:tgtEl>
+                                          <p:spTgt spid="3">
+                                            <p:txEl>
+                                              <p:pRg st="8" end="8"/>
+                                            </p:txEl>
+                                          </p:spTgt>
+                                        </p:tgtEl>
+                                        <p:attrNameLst>
+                                          <p:attrName>style.visibility</p:attrName>
+                                        </p:attrNameLst>
+                                      </p:cBhvr>
+                                      <p:to>
+                                        <p:strVal val="visible"/>
+                                      </p:to>
+                                    </p:set>
+                                    <p:animEffect transition="in" filter="fade">
+                                      <p:cBhvr>
+                                        <p:cTn id="47" dur="500"/>
+                                        <p:tgtEl>
+                                          <p:spTgt spid="3">
+                                            <p:txEl>
+                                              <p:pRg st="8" end="8"/>
+                                            </p:txEl>
+                                          </p:spTgt>
+                                        </p:tgtEl>
+                                      </p:cBhvr>
+                                    </p:animEffect>
+                                  </p:childTnLst>
+                                </p:cTn>
+                              </p:par>
+                            </p:childTnLst>
+                          </p:cTn>
+                        </p:par>
+                      </p:childTnLst>
+                    </p:cTn>
+                  </p:par>
+                </p:childTnLst>
+              </p:cTn>
+              <p:prevCondLst>
+                <p:cond evt="onPrev" delay="0">
+                  <p:tgtEl>
+                    <p:sldTgt/>
+                  </p:tgtEl>
+                </p:cond>
+              </p:prevCondLst>
+              <p:nextCondLst>
+                <p:cond evt="onNext" delay="0">
+                  <p:tgtEl>
+                    <p:sldTgt/>
+                  </p:tgtEl>
+                </p:cond>
+              </p:nextCondLst>
+            </p:seq>
+          </p:childTnLst>
+        </p:cTn>
+      </p:par>
+    </p:tnLst>
+  </p:timing>
+</p:sld>
+</file>
+
+<file path=ppt/slides/slide12.xml><?xml version="1.0" encoding="utf-8"?>
+<p:sld xmlns:a="http://schemas.openxmlformats.org/drawingml/2006/main" xmlns:r="http://schemas.openxmlformats.org/officeDocument/2006/relationships" xmlns:p="http://schemas.openxmlformats.org/presentationml/2006/main">
+  <p:cSld>
+    <p:bg>
+      <p:bgPr>
+        <a:blipFill dpi="0" rotWithShape="1">
+          <a:blip r:embed="rId2">
+            <a:lum/>
+          </a:blip>
+          <a:srcRect/>
+          <a:stretch>
+            <a:fillRect/>
+          </a:stretch>
+        </a:blipFill>
+        <a:effectLst/>
+      </p:bgPr>
+    </p:bg>
+    <p:spTree>
+      <p:nvGrpSpPr>
+        <p:cNvPr id="1" name=""/>
+        <p:cNvGrpSpPr/>
+        <p:nvPr/>
+      </p:nvGrpSpPr>
+      <p:grpSpPr>
+        <a:xfrm>
+          <a:off x="0" y="0"/>
+          <a:ext cx="0" cy="0"/>
+          <a:chOff x="0" y="0"/>
+          <a:chExt cx="0" cy="0"/>
+        </a:xfrm>
+      </p:grpSpPr>
+      <p:sp>
+        <p:nvSpPr>
+          <p:cNvPr id="2" name="Title 1">
+            <a:extLst>
+              <a:ext uri="{FF2B5EF4-FFF2-40B4-BE49-F238E27FC236}">
+                <a16:creationId xmlns:a16="http://schemas.microsoft.com/office/drawing/2014/main" id="{55E11F08-6CA0-48F1-AD67-97430DDA07F0}"/>
+              </a:ext>
+            </a:extLst>
+          </p:cNvPr>
+          <p:cNvSpPr>
+            <a:spLocks noGrp="1"/>
+          </p:cNvSpPr>
+          <p:nvPr>
+            <p:ph type="title"/>
+          </p:nvPr>
+        </p:nvSpPr>
+        <p:spPr/>
+        <p:txBody>
+          <a:bodyPr/>
+          <a:lstStyle/>
+          <a:p>
+            <a:r>
+              <a:rPr lang="tr-TR" b="1" dirty="0">
+                <a:solidFill>
+                  <a:srgbClr val="292D33"/>
+                </a:solidFill>
+                <a:latin typeface="Euclid Circular B" panose="020B0504000000000000" pitchFamily="34" charset="0"/>
+                <a:ea typeface="Euclid Circular B" panose="020B0504000000000000" pitchFamily="34" charset="0"/>
+              </a:rPr>
+              <a:t>ABP Studio Main Solution Components</a:t>
+            </a:r>
+            <a:endParaRPr lang="en-US" b="1" dirty="0">
+              <a:solidFill>
+                <a:srgbClr val="292D33"/>
+              </a:solidFill>
+              <a:latin typeface="Euclid Circular B" panose="020B0504000000000000" pitchFamily="34" charset="0"/>
+              <a:ea typeface="Euclid Circular B" panose="020B0504000000000000" pitchFamily="34" charset="0"/>
+            </a:endParaRPr>
+          </a:p>
+        </p:txBody>
+      </p:sp>
+      <p:pic>
+        <p:nvPicPr>
+          <p:cNvPr id="1026" name="Picture 2" descr="Visual Studio logo and symbol, meaning, history, PNG">
+            <a:extLst>
+              <a:ext uri="{FF2B5EF4-FFF2-40B4-BE49-F238E27FC236}">
+                <a16:creationId xmlns:a16="http://schemas.microsoft.com/office/drawing/2014/main" id="{D90B3BE0-840F-2332-23D2-746243596830}"/>
+              </a:ext>
+            </a:extLst>
+          </p:cNvPr>
+          <p:cNvPicPr>
+            <a:picLocks noChangeAspect="1" noChangeArrowheads="1"/>
+          </p:cNvPicPr>
+          <p:nvPr/>
+        </p:nvPicPr>
+        <p:blipFill>
+          <a:blip r:embed="rId3">
+            <a:extLst>
+              <a:ext uri="{28A0092B-C50C-407E-A947-70E740481C1C}">
+                <a14:useLocalDpi xmlns:a14="http://schemas.microsoft.com/office/drawing/2010/main" val="0"/>
+              </a:ext>
+            </a:extLst>
+          </a:blip>
+          <a:srcRect/>
+          <a:stretch>
+            <a:fillRect/>
+          </a:stretch>
+        </p:blipFill>
+        <p:spPr bwMode="auto">
+          <a:xfrm>
+            <a:off x="508262" y="1844165"/>
+            <a:ext cx="1022285" cy="575035"/>
+          </a:xfrm>
+          <a:prstGeom prst="rect">
+            <a:avLst/>
+          </a:prstGeom>
+          <a:noFill/>
+          <a:extLst>
+            <a:ext uri="{909E8E84-426E-40DD-AFC4-6F175D3DCCD1}">
+              <a14:hiddenFill xmlns:a14="http://schemas.microsoft.com/office/drawing/2010/main">
+                <a:solidFill>
+                  <a:srgbClr val="FFFFFF"/>
+                </a:solidFill>
+              </a14:hiddenFill>
+            </a:ext>
+          </a:extLst>
+        </p:spPr>
+      </p:pic>
+      <p:sp>
+        <p:nvSpPr>
+          <p:cNvPr id="9" name="TextBox 8">
+            <a:extLst>
+              <a:ext uri="{FF2B5EF4-FFF2-40B4-BE49-F238E27FC236}">
+                <a16:creationId xmlns:a16="http://schemas.microsoft.com/office/drawing/2014/main" id="{1890FEA5-FD60-174D-96E3-9F9820F4BB09}"/>
+              </a:ext>
+            </a:extLst>
+          </p:cNvPr>
+          <p:cNvSpPr txBox="1"/>
+          <p:nvPr/>
+        </p:nvSpPr>
+        <p:spPr>
+          <a:xfrm>
+            <a:off x="1385739" y="1823905"/>
+            <a:ext cx="2686639" cy="615553"/>
+          </a:xfrm>
+          <a:prstGeom prst="rect">
+            <a:avLst/>
+          </a:prstGeom>
+          <a:noFill/>
+        </p:spPr>
+        <p:txBody>
+          <a:bodyPr wrap="square" rtlCol="0">
+            <a:spAutoFit/>
+          </a:bodyPr>
+          <a:lstStyle/>
+          <a:p>
+            <a:r>
+              <a:rPr lang="tr-TR" dirty="0"/>
+              <a:t>EasyCrm.OrderingService</a:t>
+            </a:r>
+            <a:br>
+              <a:rPr lang="tr-TR" dirty="0"/>
+            </a:br>
+            <a:r>
+              <a:rPr lang="tr-TR" sz="1600" b="1" dirty="0">
+                <a:solidFill>
+                  <a:srgbClr val="7030A0"/>
+                </a:solidFill>
+              </a:rPr>
+              <a:t>.NET Solution</a:t>
+            </a:r>
+            <a:endParaRPr lang="en-US" sz="1600" b="1" dirty="0">
+              <a:solidFill>
+                <a:srgbClr val="7030A0"/>
+              </a:solidFill>
+            </a:endParaRPr>
+          </a:p>
+        </p:txBody>
+      </p:sp>
+      <p:pic>
+        <p:nvPicPr>
+          <p:cNvPr id="10" name="Picture 2" descr="Visual Studio logo and symbol, meaning, history, PNG">
+            <a:extLst>
+              <a:ext uri="{FF2B5EF4-FFF2-40B4-BE49-F238E27FC236}">
+                <a16:creationId xmlns:a16="http://schemas.microsoft.com/office/drawing/2014/main" id="{519583ED-C181-1AB6-D158-7488BE3DC7F2}"/>
+              </a:ext>
+            </a:extLst>
+          </p:cNvPr>
+          <p:cNvPicPr>
+            <a:picLocks noChangeAspect="1" noChangeArrowheads="1"/>
+          </p:cNvPicPr>
+          <p:nvPr/>
+        </p:nvPicPr>
+        <p:blipFill>
+          <a:blip r:embed="rId3">
+            <a:extLst>
+              <a:ext uri="{28A0092B-C50C-407E-A947-70E740481C1C}">
+                <a14:useLocalDpi xmlns:a14="http://schemas.microsoft.com/office/drawing/2010/main" val="0"/>
+              </a:ext>
+            </a:extLst>
+          </a:blip>
+          <a:srcRect/>
+          <a:stretch>
+            <a:fillRect/>
+          </a:stretch>
+        </p:blipFill>
+        <p:spPr bwMode="auto">
+          <a:xfrm>
+            <a:off x="508262" y="2662411"/>
+            <a:ext cx="1022285" cy="575035"/>
+          </a:xfrm>
+          <a:prstGeom prst="rect">
+            <a:avLst/>
+          </a:prstGeom>
+          <a:noFill/>
+          <a:extLst>
+            <a:ext uri="{909E8E84-426E-40DD-AFC4-6F175D3DCCD1}">
+              <a14:hiddenFill xmlns:a14="http://schemas.microsoft.com/office/drawing/2010/main">
+                <a:solidFill>
+                  <a:srgbClr val="FFFFFF"/>
+                </a:solidFill>
+              </a14:hiddenFill>
+            </a:ext>
+          </a:extLst>
+        </p:spPr>
+      </p:pic>
+      <p:sp>
+        <p:nvSpPr>
+          <p:cNvPr id="11" name="TextBox 10">
+            <a:extLst>
+              <a:ext uri="{FF2B5EF4-FFF2-40B4-BE49-F238E27FC236}">
+                <a16:creationId xmlns:a16="http://schemas.microsoft.com/office/drawing/2014/main" id="{928A1AD5-12B0-F156-6D1F-EB2663F7BE49}"/>
+              </a:ext>
+            </a:extLst>
+          </p:cNvPr>
+          <p:cNvSpPr txBox="1"/>
+          <p:nvPr/>
+        </p:nvSpPr>
+        <p:spPr>
+          <a:xfrm>
+            <a:off x="1385739" y="2642151"/>
+            <a:ext cx="2686639" cy="615553"/>
+          </a:xfrm>
+          <a:prstGeom prst="rect">
+            <a:avLst/>
+          </a:prstGeom>
+          <a:noFill/>
+        </p:spPr>
+        <p:txBody>
+          <a:bodyPr wrap="square" rtlCol="0">
+            <a:spAutoFit/>
+          </a:bodyPr>
+          <a:lstStyle/>
+          <a:p>
+            <a:r>
+              <a:rPr lang="tr-TR" dirty="0"/>
+              <a:t>EasyCrm.BasketService</a:t>
+            </a:r>
+            <a:br>
+              <a:rPr lang="tr-TR" dirty="0"/>
+            </a:br>
+            <a:r>
+              <a:rPr lang="tr-TR" sz="1600" b="1" dirty="0">
+                <a:solidFill>
+                  <a:srgbClr val="7030A0"/>
+                </a:solidFill>
+              </a:rPr>
+              <a:t>.NET Solution</a:t>
+            </a:r>
+            <a:endParaRPr lang="en-US" sz="1600" b="1" dirty="0">
+              <a:solidFill>
+                <a:srgbClr val="7030A0"/>
+              </a:solidFill>
+            </a:endParaRPr>
+          </a:p>
+        </p:txBody>
+      </p:sp>
+      <p:pic>
+        <p:nvPicPr>
+          <p:cNvPr id="14" name="Picture 2" descr="Visual Studio logo and symbol, meaning, history, PNG">
+            <a:extLst>
+              <a:ext uri="{FF2B5EF4-FFF2-40B4-BE49-F238E27FC236}">
+                <a16:creationId xmlns:a16="http://schemas.microsoft.com/office/drawing/2014/main" id="{FA2E3F83-F143-1D8E-DAE6-1840958086B4}"/>
+              </a:ext>
+            </a:extLst>
+          </p:cNvPr>
+          <p:cNvPicPr>
+            <a:picLocks noChangeAspect="1" noChangeArrowheads="1"/>
+          </p:cNvPicPr>
+          <p:nvPr/>
+        </p:nvPicPr>
+        <p:blipFill>
+          <a:blip r:embed="rId3">
+            <a:extLst>
+              <a:ext uri="{28A0092B-C50C-407E-A947-70E740481C1C}">
+                <a14:useLocalDpi xmlns:a14="http://schemas.microsoft.com/office/drawing/2010/main" val="0"/>
+              </a:ext>
+            </a:extLst>
+          </a:blip>
+          <a:srcRect/>
+          <a:stretch>
+            <a:fillRect/>
+          </a:stretch>
+        </p:blipFill>
+        <p:spPr bwMode="auto">
+          <a:xfrm>
+            <a:off x="508262" y="3491358"/>
+            <a:ext cx="1022285" cy="575035"/>
+          </a:xfrm>
+          <a:prstGeom prst="rect">
+            <a:avLst/>
+          </a:prstGeom>
+          <a:noFill/>
+          <a:extLst>
+            <a:ext uri="{909E8E84-426E-40DD-AFC4-6F175D3DCCD1}">
+              <a14:hiddenFill xmlns:a14="http://schemas.microsoft.com/office/drawing/2010/main">
+                <a:solidFill>
+                  <a:srgbClr val="FFFFFF"/>
+                </a:solidFill>
+              </a14:hiddenFill>
+            </a:ext>
+          </a:extLst>
+        </p:spPr>
+      </p:pic>
+      <p:sp>
+        <p:nvSpPr>
+          <p:cNvPr id="15" name="TextBox 14">
+            <a:extLst>
+              <a:ext uri="{FF2B5EF4-FFF2-40B4-BE49-F238E27FC236}">
+                <a16:creationId xmlns:a16="http://schemas.microsoft.com/office/drawing/2014/main" id="{8AE20EE5-520E-5A94-0426-09F88CA59D16}"/>
+              </a:ext>
+            </a:extLst>
+          </p:cNvPr>
+          <p:cNvSpPr txBox="1"/>
+          <p:nvPr/>
+        </p:nvSpPr>
+        <p:spPr>
+          <a:xfrm>
+            <a:off x="1385739" y="3471098"/>
+            <a:ext cx="2686639" cy="615553"/>
+          </a:xfrm>
+          <a:prstGeom prst="rect">
+            <a:avLst/>
+          </a:prstGeom>
+          <a:noFill/>
+        </p:spPr>
+        <p:txBody>
+          <a:bodyPr wrap="square" rtlCol="0">
+            <a:spAutoFit/>
+          </a:bodyPr>
+          <a:lstStyle/>
+          <a:p>
+            <a:r>
+              <a:rPr lang="tr-TR" dirty="0"/>
+              <a:t>EasyCrm.CatalogService</a:t>
+            </a:r>
+            <a:br>
+              <a:rPr lang="tr-TR" dirty="0"/>
+            </a:br>
+            <a:r>
+              <a:rPr lang="tr-TR" sz="1600" b="1" dirty="0">
+                <a:solidFill>
+                  <a:srgbClr val="7030A0"/>
+                </a:solidFill>
+              </a:rPr>
+              <a:t>.NET Solution</a:t>
+            </a:r>
+            <a:endParaRPr lang="en-US" sz="1600" b="1" dirty="0">
+              <a:solidFill>
+                <a:srgbClr val="7030A0"/>
+              </a:solidFill>
+            </a:endParaRPr>
+          </a:p>
+        </p:txBody>
+      </p:sp>
+      <p:pic>
+        <p:nvPicPr>
+          <p:cNvPr id="16" name="Picture 2" descr="Visual Studio logo and symbol, meaning, history, PNG">
+            <a:extLst>
+              <a:ext uri="{FF2B5EF4-FFF2-40B4-BE49-F238E27FC236}">
+                <a16:creationId xmlns:a16="http://schemas.microsoft.com/office/drawing/2014/main" id="{A5A15884-D5FC-2F7B-0F5C-26249FC84A6E}"/>
+              </a:ext>
+            </a:extLst>
+          </p:cNvPr>
+          <p:cNvPicPr>
+            <a:picLocks noChangeAspect="1" noChangeArrowheads="1"/>
+          </p:cNvPicPr>
+          <p:nvPr/>
+        </p:nvPicPr>
+        <p:blipFill>
+          <a:blip r:embed="rId3">
+            <a:extLst>
+              <a:ext uri="{28A0092B-C50C-407E-A947-70E740481C1C}">
+                <a14:useLocalDpi xmlns:a14="http://schemas.microsoft.com/office/drawing/2010/main" val="0"/>
+              </a:ext>
+            </a:extLst>
+          </a:blip>
+          <a:srcRect/>
+          <a:stretch>
+            <a:fillRect/>
+          </a:stretch>
+        </p:blipFill>
+        <p:spPr bwMode="auto">
+          <a:xfrm>
+            <a:off x="508262" y="4309604"/>
+            <a:ext cx="1022285" cy="575035"/>
+          </a:xfrm>
+          <a:prstGeom prst="rect">
+            <a:avLst/>
+          </a:prstGeom>
+          <a:noFill/>
+          <a:extLst>
+            <a:ext uri="{909E8E84-426E-40DD-AFC4-6F175D3DCCD1}">
+              <a14:hiddenFill xmlns:a14="http://schemas.microsoft.com/office/drawing/2010/main">
+                <a:solidFill>
+                  <a:srgbClr val="FFFFFF"/>
+                </a:solidFill>
+              </a14:hiddenFill>
+            </a:ext>
+          </a:extLst>
+        </p:spPr>
+      </p:pic>
+      <p:sp>
+        <p:nvSpPr>
+          <p:cNvPr id="17" name="TextBox 16">
+            <a:extLst>
+              <a:ext uri="{FF2B5EF4-FFF2-40B4-BE49-F238E27FC236}">
+                <a16:creationId xmlns:a16="http://schemas.microsoft.com/office/drawing/2014/main" id="{AE930640-1050-1E42-7211-F0BE4B0B86A4}"/>
+              </a:ext>
+            </a:extLst>
+          </p:cNvPr>
+          <p:cNvSpPr txBox="1"/>
+          <p:nvPr/>
+        </p:nvSpPr>
+        <p:spPr>
+          <a:xfrm>
+            <a:off x="1385739" y="4289344"/>
+            <a:ext cx="2686639" cy="615553"/>
+          </a:xfrm>
+          <a:prstGeom prst="rect">
+            <a:avLst/>
+          </a:prstGeom>
+          <a:noFill/>
+        </p:spPr>
+        <p:txBody>
+          <a:bodyPr wrap="square" rtlCol="0">
+            <a:spAutoFit/>
+          </a:bodyPr>
+          <a:lstStyle/>
+          <a:p>
+            <a:r>
+              <a:rPr lang="tr-TR" dirty="0"/>
+              <a:t>EasyCrm.CustomerService</a:t>
+            </a:r>
+            <a:br>
+              <a:rPr lang="tr-TR" dirty="0"/>
+            </a:br>
+            <a:r>
+              <a:rPr lang="tr-TR" sz="1600" b="1" dirty="0">
+                <a:solidFill>
+                  <a:srgbClr val="7030A0"/>
+                </a:solidFill>
+              </a:rPr>
+              <a:t>.NET Solution</a:t>
+            </a:r>
+            <a:endParaRPr lang="en-US" sz="1600" b="1" dirty="0">
+              <a:solidFill>
+                <a:srgbClr val="7030A0"/>
+              </a:solidFill>
+            </a:endParaRPr>
+          </a:p>
+        </p:txBody>
+      </p:sp>
+      <p:pic>
+        <p:nvPicPr>
+          <p:cNvPr id="1028" name="Picture 4" descr="Jigsaw Puzzle Vector PNG Images, Jigsaw Puzzle Icon Web Assemble, Shape,  Concept, Swot PNG Image For Free Download">
+            <a:extLst>
+              <a:ext uri="{FF2B5EF4-FFF2-40B4-BE49-F238E27FC236}">
+                <a16:creationId xmlns:a16="http://schemas.microsoft.com/office/drawing/2014/main" id="{84E21541-B48C-FF65-D7B5-3ADAB07C45A1}"/>
+              </a:ext>
+            </a:extLst>
+          </p:cNvPr>
+          <p:cNvPicPr>
+            <a:picLocks noChangeAspect="1" noChangeArrowheads="1"/>
+          </p:cNvPicPr>
+          <p:nvPr/>
+        </p:nvPicPr>
+        <p:blipFill>
+          <a:blip r:embed="rId4">
+            <a:extLst>
+              <a:ext uri="{28A0092B-C50C-407E-A947-70E740481C1C}">
+                <a14:useLocalDpi xmlns:a14="http://schemas.microsoft.com/office/drawing/2010/main" val="0"/>
+              </a:ext>
+            </a:extLst>
+          </a:blip>
+          <a:srcRect/>
+          <a:stretch>
+            <a:fillRect/>
+          </a:stretch>
+        </p:blipFill>
+        <p:spPr bwMode="auto">
+          <a:xfrm>
+            <a:off x="4878293" y="1674545"/>
+            <a:ext cx="898370" cy="898370"/>
+          </a:xfrm>
+          <a:prstGeom prst="rect">
+            <a:avLst/>
+          </a:prstGeom>
+          <a:noFill/>
+          <a:extLst>
+            <a:ext uri="{909E8E84-426E-40DD-AFC4-6F175D3DCCD1}">
+              <a14:hiddenFill xmlns:a14="http://schemas.microsoft.com/office/drawing/2010/main">
+                <a:solidFill>
+                  <a:srgbClr val="FFFFFF"/>
+                </a:solidFill>
+              </a14:hiddenFill>
+            </a:ext>
+          </a:extLst>
+        </p:spPr>
+      </p:pic>
+      <p:sp>
+        <p:nvSpPr>
+          <p:cNvPr id="18" name="TextBox 17">
+            <a:extLst>
+              <a:ext uri="{FF2B5EF4-FFF2-40B4-BE49-F238E27FC236}">
+                <a16:creationId xmlns:a16="http://schemas.microsoft.com/office/drawing/2014/main" id="{F13371DA-084A-B484-0CCD-70884CCE3464}"/>
+              </a:ext>
+            </a:extLst>
+          </p:cNvPr>
+          <p:cNvSpPr txBox="1"/>
+          <p:nvPr/>
+        </p:nvSpPr>
+        <p:spPr>
+          <a:xfrm>
+            <a:off x="5583182" y="1803647"/>
+            <a:ext cx="2686639" cy="615553"/>
+          </a:xfrm>
+          <a:prstGeom prst="rect">
+            <a:avLst/>
+          </a:prstGeom>
+          <a:noFill/>
+        </p:spPr>
+        <p:txBody>
+          <a:bodyPr wrap="square" rtlCol="0">
+            <a:spAutoFit/>
+          </a:bodyPr>
+          <a:lstStyle/>
+          <a:p>
+            <a:r>
+              <a:rPr lang="tr-TR" dirty="0"/>
+              <a:t>EasyCrm.OrderingService</a:t>
+            </a:r>
+            <a:br>
+              <a:rPr lang="tr-TR" dirty="0"/>
+            </a:br>
+            <a:r>
+              <a:rPr lang="tr-TR" sz="1600" b="1" dirty="0">
+                <a:solidFill>
+                  <a:srgbClr val="00B050"/>
+                </a:solidFill>
+              </a:rPr>
+              <a:t>ABP Studio Module</a:t>
+            </a:r>
+            <a:endParaRPr lang="en-US" sz="1600" b="1" dirty="0">
+              <a:solidFill>
+                <a:srgbClr val="00B050"/>
+              </a:solidFill>
+            </a:endParaRPr>
+          </a:p>
+        </p:txBody>
+      </p:sp>
+      <p:cxnSp>
+        <p:nvCxnSpPr>
+          <p:cNvPr id="20" name="Straight Arrow Connector 19">
+            <a:extLst>
+              <a:ext uri="{FF2B5EF4-FFF2-40B4-BE49-F238E27FC236}">
+                <a16:creationId xmlns:a16="http://schemas.microsoft.com/office/drawing/2014/main" id="{16F8133B-9D6A-8F62-4241-0DBD39541B32}"/>
+              </a:ext>
+            </a:extLst>
+          </p:cNvPr>
+          <p:cNvCxnSpPr>
+            <a:stCxn id="9" idx="3"/>
+            <a:endCxn id="1028" idx="1"/>
+          </p:cNvCxnSpPr>
+          <p:nvPr/>
+        </p:nvCxnSpPr>
+        <p:spPr>
+          <a:xfrm flipV="1">
+            <a:off x="4072378" y="2123730"/>
+            <a:ext cx="805915" cy="7952"/>
+          </a:xfrm>
+          <a:prstGeom prst="straightConnector1">
+            <a:avLst/>
+          </a:prstGeom>
+          <a:ln w="63500" cap="flat" cmpd="sng" algn="ctr">
+            <a:solidFill>
+              <a:schemeClr val="accent2"/>
+            </a:solidFill>
+            <a:prstDash val="solid"/>
+            <a:round/>
+            <a:headEnd type="none" w="med" len="med"/>
+            <a:tailEnd type="arrow" w="med" len="med"/>
+          </a:ln>
+        </p:spPr>
+        <p:style>
+          <a:lnRef idx="0">
+            <a:scrgbClr r="0" g="0" b="0"/>
+          </a:lnRef>
+          <a:fillRef idx="0">
+            <a:scrgbClr r="0" g="0" b="0"/>
+          </a:fillRef>
+          <a:effectRef idx="0">
+            <a:scrgbClr r="0" g="0" b="0"/>
+          </a:effectRef>
+          <a:fontRef idx="minor">
+            <a:schemeClr val="tx1"/>
+          </a:fontRef>
+        </p:style>
+      </p:cxnSp>
+      <p:pic>
+        <p:nvPicPr>
+          <p:cNvPr id="21" name="Picture 4" descr="Jigsaw Puzzle Vector PNG Images, Jigsaw Puzzle Icon Web Assemble, Shape,  Concept, Swot PNG Image For Free Download">
+            <a:extLst>
+              <a:ext uri="{FF2B5EF4-FFF2-40B4-BE49-F238E27FC236}">
+                <a16:creationId xmlns:a16="http://schemas.microsoft.com/office/drawing/2014/main" id="{157E3AAA-DE7E-EDD3-C17D-5E075E0455CB}"/>
+              </a:ext>
+            </a:extLst>
+          </p:cNvPr>
+          <p:cNvPicPr>
+            <a:picLocks noChangeAspect="1" noChangeArrowheads="1"/>
+          </p:cNvPicPr>
+          <p:nvPr/>
+        </p:nvPicPr>
+        <p:blipFill>
+          <a:blip r:embed="rId4">
+            <a:extLst>
+              <a:ext uri="{28A0092B-C50C-407E-A947-70E740481C1C}">
+                <a14:useLocalDpi xmlns:a14="http://schemas.microsoft.com/office/drawing/2010/main" val="0"/>
+              </a:ext>
+            </a:extLst>
+          </a:blip>
+          <a:srcRect/>
+          <a:stretch>
+            <a:fillRect/>
+          </a:stretch>
+        </p:blipFill>
+        <p:spPr bwMode="auto">
+          <a:xfrm>
+            <a:off x="4878293" y="2492791"/>
+            <a:ext cx="898370" cy="898370"/>
+          </a:xfrm>
+          <a:prstGeom prst="rect">
+            <a:avLst/>
+          </a:prstGeom>
+          <a:noFill/>
+          <a:extLst>
+            <a:ext uri="{909E8E84-426E-40DD-AFC4-6F175D3DCCD1}">
+              <a14:hiddenFill xmlns:a14="http://schemas.microsoft.com/office/drawing/2010/main">
+                <a:solidFill>
+                  <a:srgbClr val="FFFFFF"/>
+                </a:solidFill>
+              </a14:hiddenFill>
+            </a:ext>
+          </a:extLst>
+        </p:spPr>
+      </p:pic>
+      <p:sp>
+        <p:nvSpPr>
+          <p:cNvPr id="22" name="TextBox 21">
+            <a:extLst>
+              <a:ext uri="{FF2B5EF4-FFF2-40B4-BE49-F238E27FC236}">
+                <a16:creationId xmlns:a16="http://schemas.microsoft.com/office/drawing/2014/main" id="{42496979-150D-D715-4B7A-6E18619E39D2}"/>
+              </a:ext>
+            </a:extLst>
+          </p:cNvPr>
+          <p:cNvSpPr txBox="1"/>
+          <p:nvPr/>
+        </p:nvSpPr>
+        <p:spPr>
+          <a:xfrm>
+            <a:off x="5583182" y="2621893"/>
+            <a:ext cx="2686639" cy="615553"/>
+          </a:xfrm>
+          <a:prstGeom prst="rect">
+            <a:avLst/>
+          </a:prstGeom>
+          <a:noFill/>
+        </p:spPr>
+        <p:txBody>
+          <a:bodyPr wrap="square" rtlCol="0">
+            <a:spAutoFit/>
+          </a:bodyPr>
+          <a:lstStyle/>
+          <a:p>
+            <a:r>
+              <a:rPr lang="tr-TR" dirty="0"/>
+              <a:t>EasyCrm.BasketService</a:t>
+            </a:r>
+            <a:br>
+              <a:rPr lang="tr-TR" dirty="0"/>
+            </a:br>
+            <a:r>
+              <a:rPr lang="tr-TR" sz="1600" b="1" dirty="0">
+                <a:solidFill>
+                  <a:srgbClr val="00B050"/>
+                </a:solidFill>
+              </a:rPr>
+              <a:t>ABP Studio Module</a:t>
+            </a:r>
+            <a:endParaRPr lang="en-US" sz="1600" b="1" dirty="0">
+              <a:solidFill>
+                <a:srgbClr val="00B050"/>
+              </a:solidFill>
+            </a:endParaRPr>
+          </a:p>
+        </p:txBody>
+      </p:sp>
+      <p:cxnSp>
+        <p:nvCxnSpPr>
+          <p:cNvPr id="23" name="Straight Arrow Connector 22">
+            <a:extLst>
+              <a:ext uri="{FF2B5EF4-FFF2-40B4-BE49-F238E27FC236}">
+                <a16:creationId xmlns:a16="http://schemas.microsoft.com/office/drawing/2014/main" id="{67C3CFD1-A712-1E85-663A-473FB7AB3417}"/>
+              </a:ext>
+            </a:extLst>
+          </p:cNvPr>
+          <p:cNvCxnSpPr>
+            <a:endCxn id="21" idx="1"/>
+          </p:cNvCxnSpPr>
+          <p:nvPr/>
+        </p:nvCxnSpPr>
+        <p:spPr>
+          <a:xfrm flipV="1">
+            <a:off x="4072378" y="2941976"/>
+            <a:ext cx="805915" cy="7952"/>
+          </a:xfrm>
+          <a:prstGeom prst="straightConnector1">
+            <a:avLst/>
+          </a:prstGeom>
+          <a:ln w="63500" cap="flat" cmpd="sng" algn="ctr">
+            <a:solidFill>
+              <a:schemeClr val="accent2"/>
+            </a:solidFill>
+            <a:prstDash val="solid"/>
+            <a:round/>
+            <a:headEnd type="none" w="med" len="med"/>
+            <a:tailEnd type="arrow" w="med" len="med"/>
+          </a:ln>
+        </p:spPr>
+        <p:style>
+          <a:lnRef idx="0">
+            <a:scrgbClr r="0" g="0" b="0"/>
+          </a:lnRef>
+          <a:fillRef idx="0">
+            <a:scrgbClr r="0" g="0" b="0"/>
+          </a:fillRef>
+          <a:effectRef idx="0">
+            <a:scrgbClr r="0" g="0" b="0"/>
+          </a:effectRef>
+          <a:fontRef idx="minor">
+            <a:schemeClr val="tx1"/>
+          </a:fontRef>
+        </p:style>
+      </p:cxnSp>
+      <p:pic>
+        <p:nvPicPr>
+          <p:cNvPr id="27" name="Picture 4" descr="Jigsaw Puzzle Vector PNG Images, Jigsaw Puzzle Icon Web Assemble, Shape,  Concept, Swot PNG Image For Free Download">
+            <a:extLst>
+              <a:ext uri="{FF2B5EF4-FFF2-40B4-BE49-F238E27FC236}">
+                <a16:creationId xmlns:a16="http://schemas.microsoft.com/office/drawing/2014/main" id="{3EBCB2B3-9D70-769D-149C-9A4E0CC76C37}"/>
+              </a:ext>
+            </a:extLst>
+          </p:cNvPr>
+          <p:cNvPicPr>
+            <a:picLocks noChangeAspect="1" noChangeArrowheads="1"/>
+          </p:cNvPicPr>
+          <p:nvPr/>
+        </p:nvPicPr>
+        <p:blipFill>
+          <a:blip r:embed="rId4">
+            <a:extLst>
+              <a:ext uri="{28A0092B-C50C-407E-A947-70E740481C1C}">
+                <a14:useLocalDpi xmlns:a14="http://schemas.microsoft.com/office/drawing/2010/main" val="0"/>
+              </a:ext>
+            </a:extLst>
+          </a:blip>
+          <a:srcRect/>
+          <a:stretch>
+            <a:fillRect/>
+          </a:stretch>
+        </p:blipFill>
+        <p:spPr bwMode="auto">
+          <a:xfrm>
+            <a:off x="4878293" y="3362256"/>
+            <a:ext cx="898370" cy="898370"/>
+          </a:xfrm>
+          <a:prstGeom prst="rect">
+            <a:avLst/>
+          </a:prstGeom>
+          <a:noFill/>
+          <a:extLst>
+            <a:ext uri="{909E8E84-426E-40DD-AFC4-6F175D3DCCD1}">
+              <a14:hiddenFill xmlns:a14="http://schemas.microsoft.com/office/drawing/2010/main">
+                <a:solidFill>
+                  <a:srgbClr val="FFFFFF"/>
+                </a:solidFill>
+              </a14:hiddenFill>
+            </a:ext>
+          </a:extLst>
+        </p:spPr>
+      </p:pic>
+      <p:sp>
+        <p:nvSpPr>
+          <p:cNvPr id="28" name="TextBox 27">
+            <a:extLst>
+              <a:ext uri="{FF2B5EF4-FFF2-40B4-BE49-F238E27FC236}">
+                <a16:creationId xmlns:a16="http://schemas.microsoft.com/office/drawing/2014/main" id="{2CCF2123-2BA0-9696-1D6B-340936C63372}"/>
+              </a:ext>
+            </a:extLst>
+          </p:cNvPr>
+          <p:cNvSpPr txBox="1"/>
+          <p:nvPr/>
+        </p:nvSpPr>
+        <p:spPr>
+          <a:xfrm>
+            <a:off x="5583182" y="3491358"/>
+            <a:ext cx="2686639" cy="615553"/>
+          </a:xfrm>
+          <a:prstGeom prst="rect">
+            <a:avLst/>
+          </a:prstGeom>
+          <a:noFill/>
+        </p:spPr>
+        <p:txBody>
+          <a:bodyPr wrap="square" rtlCol="0">
+            <a:spAutoFit/>
+          </a:bodyPr>
+          <a:lstStyle/>
+          <a:p>
+            <a:r>
+              <a:rPr lang="tr-TR" dirty="0"/>
+              <a:t>EasyCrm.CatalogService</a:t>
+            </a:r>
+            <a:br>
+              <a:rPr lang="tr-TR" dirty="0"/>
+            </a:br>
+            <a:r>
+              <a:rPr lang="tr-TR" sz="1600" b="1" dirty="0">
+                <a:solidFill>
+                  <a:srgbClr val="00B050"/>
+                </a:solidFill>
+              </a:rPr>
+              <a:t>ABP Studio Module</a:t>
+            </a:r>
+            <a:endParaRPr lang="en-US" sz="1600" b="1" dirty="0">
+              <a:solidFill>
+                <a:srgbClr val="00B050"/>
+              </a:solidFill>
+            </a:endParaRPr>
+          </a:p>
+        </p:txBody>
+      </p:sp>
+      <p:cxnSp>
+        <p:nvCxnSpPr>
+          <p:cNvPr id="29" name="Straight Arrow Connector 28">
+            <a:extLst>
+              <a:ext uri="{FF2B5EF4-FFF2-40B4-BE49-F238E27FC236}">
+                <a16:creationId xmlns:a16="http://schemas.microsoft.com/office/drawing/2014/main" id="{006F3A1F-E780-5F40-30AE-31C5BB58F7D0}"/>
+              </a:ext>
+            </a:extLst>
+          </p:cNvPr>
+          <p:cNvCxnSpPr>
+            <a:endCxn id="27" idx="1"/>
+          </p:cNvCxnSpPr>
+          <p:nvPr/>
+        </p:nvCxnSpPr>
+        <p:spPr>
+          <a:xfrm flipV="1">
+            <a:off x="4072378" y="3811441"/>
+            <a:ext cx="805915" cy="7952"/>
+          </a:xfrm>
+          <a:prstGeom prst="straightConnector1">
+            <a:avLst/>
+          </a:prstGeom>
+          <a:ln w="63500" cap="flat" cmpd="sng" algn="ctr">
+            <a:solidFill>
+              <a:schemeClr val="accent2"/>
+            </a:solidFill>
+            <a:prstDash val="solid"/>
+            <a:round/>
+            <a:headEnd type="none" w="med" len="med"/>
+            <a:tailEnd type="arrow" w="med" len="med"/>
+          </a:ln>
+        </p:spPr>
+        <p:style>
+          <a:lnRef idx="0">
+            <a:scrgbClr r="0" g="0" b="0"/>
+          </a:lnRef>
+          <a:fillRef idx="0">
+            <a:scrgbClr r="0" g="0" b="0"/>
+          </a:fillRef>
+          <a:effectRef idx="0">
+            <a:scrgbClr r="0" g="0" b="0"/>
+          </a:effectRef>
+          <a:fontRef idx="minor">
+            <a:schemeClr val="tx1"/>
+          </a:fontRef>
+        </p:style>
+      </p:cxnSp>
+      <p:pic>
+        <p:nvPicPr>
+          <p:cNvPr id="30" name="Picture 4" descr="Jigsaw Puzzle Vector PNG Images, Jigsaw Puzzle Icon Web Assemble, Shape,  Concept, Swot PNG Image For Free Download">
+            <a:extLst>
+              <a:ext uri="{FF2B5EF4-FFF2-40B4-BE49-F238E27FC236}">
+                <a16:creationId xmlns:a16="http://schemas.microsoft.com/office/drawing/2014/main" id="{39027854-1D9B-6777-4902-532A4B3DA328}"/>
+              </a:ext>
+            </a:extLst>
+          </p:cNvPr>
+          <p:cNvPicPr>
+            <a:picLocks noChangeAspect="1" noChangeArrowheads="1"/>
+          </p:cNvPicPr>
+          <p:nvPr/>
+        </p:nvPicPr>
+        <p:blipFill>
+          <a:blip r:embed="rId4">
+            <a:extLst>
+              <a:ext uri="{28A0092B-C50C-407E-A947-70E740481C1C}">
+                <a14:useLocalDpi xmlns:a14="http://schemas.microsoft.com/office/drawing/2010/main" val="0"/>
+              </a:ext>
+            </a:extLst>
+          </a:blip>
+          <a:srcRect/>
+          <a:stretch>
+            <a:fillRect/>
+          </a:stretch>
+        </p:blipFill>
+        <p:spPr bwMode="auto">
+          <a:xfrm>
+            <a:off x="4878293" y="4180502"/>
+            <a:ext cx="898370" cy="898370"/>
+          </a:xfrm>
+          <a:prstGeom prst="rect">
+            <a:avLst/>
+          </a:prstGeom>
+          <a:noFill/>
+          <a:extLst>
+            <a:ext uri="{909E8E84-426E-40DD-AFC4-6F175D3DCCD1}">
+              <a14:hiddenFill xmlns:a14="http://schemas.microsoft.com/office/drawing/2010/main">
+                <a:solidFill>
+                  <a:srgbClr val="FFFFFF"/>
+                </a:solidFill>
+              </a14:hiddenFill>
+            </a:ext>
+          </a:extLst>
+        </p:spPr>
+      </p:pic>
+      <p:sp>
+        <p:nvSpPr>
+          <p:cNvPr id="31" name="TextBox 30">
+            <a:extLst>
+              <a:ext uri="{FF2B5EF4-FFF2-40B4-BE49-F238E27FC236}">
+                <a16:creationId xmlns:a16="http://schemas.microsoft.com/office/drawing/2014/main" id="{8C983F54-89C2-319A-7BC1-AFA7B1DDC124}"/>
+              </a:ext>
+            </a:extLst>
+          </p:cNvPr>
+          <p:cNvSpPr txBox="1"/>
+          <p:nvPr/>
+        </p:nvSpPr>
+        <p:spPr>
+          <a:xfrm>
+            <a:off x="5583182" y="4309604"/>
+            <a:ext cx="2686639" cy="615553"/>
+          </a:xfrm>
+          <a:prstGeom prst="rect">
+            <a:avLst/>
+          </a:prstGeom>
+          <a:noFill/>
+        </p:spPr>
+        <p:txBody>
+          <a:bodyPr wrap="square" rtlCol="0">
+            <a:spAutoFit/>
+          </a:bodyPr>
+          <a:lstStyle/>
+          <a:p>
+            <a:r>
+              <a:rPr lang="tr-TR" dirty="0"/>
+              <a:t>EasyCrm.CustomersService</a:t>
+            </a:r>
+            <a:br>
+              <a:rPr lang="tr-TR" dirty="0"/>
+            </a:br>
+            <a:r>
+              <a:rPr lang="tr-TR" sz="1600" b="1" dirty="0">
+                <a:solidFill>
+                  <a:srgbClr val="00B050"/>
+                </a:solidFill>
+              </a:rPr>
+              <a:t>ABP Studio Module</a:t>
+            </a:r>
+            <a:endParaRPr lang="en-US" sz="1600" b="1" dirty="0">
+              <a:solidFill>
+                <a:srgbClr val="00B050"/>
+              </a:solidFill>
+            </a:endParaRPr>
+          </a:p>
+        </p:txBody>
+      </p:sp>
+      <p:cxnSp>
+        <p:nvCxnSpPr>
+          <p:cNvPr id="32" name="Straight Arrow Connector 31">
+            <a:extLst>
+              <a:ext uri="{FF2B5EF4-FFF2-40B4-BE49-F238E27FC236}">
+                <a16:creationId xmlns:a16="http://schemas.microsoft.com/office/drawing/2014/main" id="{427114CB-A2B1-72F6-7ED5-443A7278538A}"/>
+              </a:ext>
+            </a:extLst>
+          </p:cNvPr>
+          <p:cNvCxnSpPr>
+            <a:endCxn id="30" idx="1"/>
+          </p:cNvCxnSpPr>
+          <p:nvPr/>
+        </p:nvCxnSpPr>
+        <p:spPr>
+          <a:xfrm flipV="1">
+            <a:off x="4072378" y="4629687"/>
+            <a:ext cx="805915" cy="7952"/>
+          </a:xfrm>
+          <a:prstGeom prst="straightConnector1">
+            <a:avLst/>
+          </a:prstGeom>
+          <a:ln w="63500" cap="flat" cmpd="sng" algn="ctr">
+            <a:solidFill>
+              <a:schemeClr val="accent2"/>
+            </a:solidFill>
+            <a:prstDash val="solid"/>
+            <a:round/>
+            <a:headEnd type="none" w="med" len="med"/>
+            <a:tailEnd type="arrow" w="med" len="med"/>
+          </a:ln>
+        </p:spPr>
+        <p:style>
+          <a:lnRef idx="0">
+            <a:scrgbClr r="0" g="0" b="0"/>
+          </a:lnRef>
+          <a:fillRef idx="0">
+            <a:scrgbClr r="0" g="0" b="0"/>
+          </a:fillRef>
+          <a:effectRef idx="0">
+            <a:scrgbClr r="0" g="0" b="0"/>
+          </a:effectRef>
+          <a:fontRef idx="minor">
+            <a:schemeClr val="tx1"/>
+          </a:fontRef>
+        </p:style>
+      </p:cxnSp>
+      <p:pic>
+        <p:nvPicPr>
+          <p:cNvPr id="1032" name="Picture 8" descr="Puzzle - Free education icons">
+            <a:extLst>
+              <a:ext uri="{FF2B5EF4-FFF2-40B4-BE49-F238E27FC236}">
+                <a16:creationId xmlns:a16="http://schemas.microsoft.com/office/drawing/2014/main" id="{B9C15FB3-1805-6D53-E1BF-20D34E25EE4E}"/>
+              </a:ext>
+            </a:extLst>
+          </p:cNvPr>
+          <p:cNvPicPr>
+            <a:picLocks noChangeAspect="1" noChangeArrowheads="1"/>
+          </p:cNvPicPr>
+          <p:nvPr/>
+        </p:nvPicPr>
+        <p:blipFill>
+          <a:blip r:embed="rId5">
+            <a:extLst>
+              <a:ext uri="{28A0092B-C50C-407E-A947-70E740481C1C}">
+                <a14:useLocalDpi xmlns:a14="http://schemas.microsoft.com/office/drawing/2010/main" val="0"/>
+              </a:ext>
+            </a:extLst>
+          </a:blip>
+          <a:srcRect/>
+          <a:stretch>
+            <a:fillRect/>
+          </a:stretch>
+        </p:blipFill>
+        <p:spPr bwMode="auto">
+          <a:xfrm>
+            <a:off x="9466448" y="2567442"/>
+            <a:ext cx="749068" cy="749068"/>
+          </a:xfrm>
+          <a:prstGeom prst="rect">
+            <a:avLst/>
+          </a:prstGeom>
+          <a:noFill/>
+          <a:extLst>
+            <a:ext uri="{909E8E84-426E-40DD-AFC4-6F175D3DCCD1}">
+              <a14:hiddenFill xmlns:a14="http://schemas.microsoft.com/office/drawing/2010/main">
+                <a:solidFill>
+                  <a:srgbClr val="FFFFFF"/>
+                </a:solidFill>
+              </a14:hiddenFill>
+            </a:ext>
+          </a:extLst>
+        </p:spPr>
+      </p:pic>
+      <p:sp>
+        <p:nvSpPr>
+          <p:cNvPr id="33" name="TextBox 32">
+            <a:extLst>
+              <a:ext uri="{FF2B5EF4-FFF2-40B4-BE49-F238E27FC236}">
+                <a16:creationId xmlns:a16="http://schemas.microsoft.com/office/drawing/2014/main" id="{85FA8C14-3028-C7CF-E547-C2F591627D46}"/>
+              </a:ext>
+            </a:extLst>
+          </p:cNvPr>
+          <p:cNvSpPr txBox="1"/>
+          <p:nvPr/>
+        </p:nvSpPr>
+        <p:spPr>
+          <a:xfrm>
+            <a:off x="9385955" y="3339204"/>
+            <a:ext cx="2476107" cy="769441"/>
+          </a:xfrm>
+          <a:prstGeom prst="rect">
+            <a:avLst/>
+          </a:prstGeom>
+          <a:noFill/>
+        </p:spPr>
+        <p:txBody>
+          <a:bodyPr wrap="square" rtlCol="0">
+            <a:spAutoFit/>
+          </a:bodyPr>
+          <a:lstStyle/>
+          <a:p>
+            <a:r>
+              <a:rPr lang="tr-TR" sz="2400" dirty="0"/>
+              <a:t>EasyCrm</a:t>
+            </a:r>
+          </a:p>
+          <a:p>
+            <a:r>
+              <a:rPr lang="tr-TR" sz="2000" b="1" dirty="0">
+                <a:solidFill>
+                  <a:srgbClr val="C00000"/>
+                </a:solidFill>
+              </a:rPr>
+              <a:t>ABP Studio Solution</a:t>
+            </a:r>
+            <a:endParaRPr lang="en-US" sz="2000" b="1" dirty="0">
+              <a:solidFill>
+                <a:srgbClr val="C00000"/>
+              </a:solidFill>
+            </a:endParaRPr>
+          </a:p>
+        </p:txBody>
+      </p:sp>
+      <p:sp>
+        <p:nvSpPr>
+          <p:cNvPr id="34" name="Right Brace 33">
+            <a:extLst>
+              <a:ext uri="{FF2B5EF4-FFF2-40B4-BE49-F238E27FC236}">
+                <a16:creationId xmlns:a16="http://schemas.microsoft.com/office/drawing/2014/main" id="{BA47AD4E-CCF6-C5E1-D3E4-3EB374FC0010}"/>
+              </a:ext>
+            </a:extLst>
+          </p:cNvPr>
+          <p:cNvSpPr/>
+          <p:nvPr/>
+        </p:nvSpPr>
+        <p:spPr>
+          <a:xfrm>
+            <a:off x="8163613" y="1803647"/>
+            <a:ext cx="1055802" cy="3080992"/>
+          </a:xfrm>
+          <a:prstGeom prst="rightBrace">
+            <a:avLst/>
+          </a:prstGeom>
+          <a:ln w="63500">
+            <a:solidFill>
+              <a:schemeClr val="accent2"/>
+            </a:solidFill>
+          </a:ln>
+        </p:spPr>
+        <p:style>
+          <a:lnRef idx="1">
+            <a:schemeClr val="accent1"/>
+          </a:lnRef>
+          <a:fillRef idx="0">
+            <a:schemeClr val="accent1"/>
+          </a:fillRef>
+          <a:effectRef idx="0">
+            <a:schemeClr val="accent1"/>
+          </a:effectRef>
+          <a:fontRef idx="minor">
+            <a:schemeClr val="tx1"/>
+          </a:fontRef>
+        </p:style>
+        <p:txBody>
+          <a:bodyPr rtlCol="0" anchor="ctr"/>
+          <a:lstStyle/>
+          <a:p>
+            <a:pPr algn="ctr"/>
+            <a:endParaRPr lang="en-US"/>
+          </a:p>
+        </p:txBody>
+      </p:sp>
+      <p:sp>
+        <p:nvSpPr>
+          <p:cNvPr id="36" name="TextBox 35">
+            <a:extLst>
+              <a:ext uri="{FF2B5EF4-FFF2-40B4-BE49-F238E27FC236}">
+                <a16:creationId xmlns:a16="http://schemas.microsoft.com/office/drawing/2014/main" id="{B9EB26F7-AC00-B2B8-C527-08C31135BEBD}"/>
+              </a:ext>
+            </a:extLst>
+          </p:cNvPr>
+          <p:cNvSpPr txBox="1"/>
+          <p:nvPr/>
+        </p:nvSpPr>
+        <p:spPr>
+          <a:xfrm>
+            <a:off x="1712510" y="5673980"/>
+            <a:ext cx="3046796" cy="615553"/>
+          </a:xfrm>
+          <a:prstGeom prst="rect">
+            <a:avLst/>
+          </a:prstGeom>
+          <a:noFill/>
+        </p:spPr>
+        <p:txBody>
+          <a:bodyPr wrap="square" rtlCol="0">
+            <a:spAutoFit/>
+          </a:bodyPr>
+          <a:lstStyle/>
+          <a:p>
+            <a:r>
+              <a:rPr lang="tr-TR" dirty="0"/>
+              <a:t>EasyCrm.CustomerService.UI</a:t>
+            </a:r>
+            <a:br>
+              <a:rPr lang="tr-TR" dirty="0"/>
+            </a:br>
+            <a:r>
+              <a:rPr lang="tr-TR" sz="1600" b="1" dirty="0">
+                <a:solidFill>
+                  <a:srgbClr val="7030A0"/>
+                </a:solidFill>
+              </a:rPr>
+              <a:t>.NET Project (.csproj)</a:t>
+            </a:r>
+            <a:endParaRPr lang="en-US" sz="1600" b="1" dirty="0">
+              <a:solidFill>
+                <a:srgbClr val="7030A0"/>
+              </a:solidFill>
+            </a:endParaRPr>
+          </a:p>
+        </p:txBody>
+      </p:sp>
+      <p:pic>
+        <p:nvPicPr>
+          <p:cNvPr id="1034" name="Picture 10" descr="C Sharp (C#) &quot; Icon - Download for free – Iconduck">
+            <a:extLst>
+              <a:ext uri="{FF2B5EF4-FFF2-40B4-BE49-F238E27FC236}">
+                <a16:creationId xmlns:a16="http://schemas.microsoft.com/office/drawing/2014/main" id="{226BB4D5-B33B-D985-0ABF-7DAA371642DD}"/>
+              </a:ext>
+            </a:extLst>
+          </p:cNvPr>
+          <p:cNvPicPr>
+            <a:picLocks noChangeAspect="1" noChangeArrowheads="1"/>
+          </p:cNvPicPr>
+          <p:nvPr/>
+        </p:nvPicPr>
+        <p:blipFill>
+          <a:blip r:embed="rId6">
+            <a:extLst>
+              <a:ext uri="{28A0092B-C50C-407E-A947-70E740481C1C}">
+                <a14:useLocalDpi xmlns:a14="http://schemas.microsoft.com/office/drawing/2010/main" val="0"/>
+              </a:ext>
+            </a:extLst>
+          </a:blip>
+          <a:srcRect/>
+          <a:stretch>
+            <a:fillRect/>
+          </a:stretch>
+        </p:blipFill>
+        <p:spPr bwMode="auto">
+          <a:xfrm>
+            <a:off x="1250598" y="5722133"/>
+            <a:ext cx="461912" cy="519245"/>
+          </a:xfrm>
+          <a:prstGeom prst="rect">
+            <a:avLst/>
+          </a:prstGeom>
+          <a:noFill/>
+          <a:extLst>
+            <a:ext uri="{909E8E84-426E-40DD-AFC4-6F175D3DCCD1}">
+              <a14:hiddenFill xmlns:a14="http://schemas.microsoft.com/office/drawing/2010/main">
+                <a:solidFill>
+                  <a:srgbClr val="FFFFFF"/>
+                </a:solidFill>
+              </a14:hiddenFill>
+            </a:ext>
+          </a:extLst>
+        </p:spPr>
+      </p:pic>
+      <p:sp>
+        <p:nvSpPr>
+          <p:cNvPr id="37" name="TextBox 36">
+            <a:extLst>
+              <a:ext uri="{FF2B5EF4-FFF2-40B4-BE49-F238E27FC236}">
+                <a16:creationId xmlns:a16="http://schemas.microsoft.com/office/drawing/2014/main" id="{3CD393AA-53D9-966C-049C-569226106D85}"/>
+              </a:ext>
+            </a:extLst>
+          </p:cNvPr>
+          <p:cNvSpPr txBox="1"/>
+          <p:nvPr/>
+        </p:nvSpPr>
+        <p:spPr>
+          <a:xfrm>
+            <a:off x="6746423" y="5673980"/>
+            <a:ext cx="3046796" cy="615553"/>
+          </a:xfrm>
+          <a:prstGeom prst="rect">
+            <a:avLst/>
+          </a:prstGeom>
+          <a:noFill/>
+        </p:spPr>
+        <p:txBody>
+          <a:bodyPr wrap="square" rtlCol="0">
+            <a:spAutoFit/>
+          </a:bodyPr>
+          <a:lstStyle/>
+          <a:p>
+            <a:r>
+              <a:rPr lang="tr-TR" dirty="0"/>
+              <a:t>EasyCrm.CustomerService.UI</a:t>
+            </a:r>
+            <a:br>
+              <a:rPr lang="tr-TR" dirty="0"/>
+            </a:br>
+            <a:r>
+              <a:rPr lang="tr-TR" sz="1600" b="1" dirty="0">
+                <a:solidFill>
+                  <a:srgbClr val="7030A0"/>
+                </a:solidFill>
+              </a:rPr>
+              <a:t>ABP Studio Package</a:t>
+            </a:r>
+            <a:endParaRPr lang="en-US" sz="1600" b="1" dirty="0">
+              <a:solidFill>
+                <a:srgbClr val="7030A0"/>
+              </a:solidFill>
+            </a:endParaRPr>
+          </a:p>
+        </p:txBody>
+      </p:sp>
+      <p:cxnSp>
+        <p:nvCxnSpPr>
+          <p:cNvPr id="39" name="Straight Arrow Connector 38">
+            <a:extLst>
+              <a:ext uri="{FF2B5EF4-FFF2-40B4-BE49-F238E27FC236}">
+                <a16:creationId xmlns:a16="http://schemas.microsoft.com/office/drawing/2014/main" id="{E731054F-6689-6DC3-C3F6-AC699C9E0F1B}"/>
+              </a:ext>
+            </a:extLst>
+          </p:cNvPr>
+          <p:cNvCxnSpPr>
+            <a:cxnSpLocks/>
+          </p:cNvCxnSpPr>
+          <p:nvPr/>
+        </p:nvCxnSpPr>
+        <p:spPr>
+          <a:xfrm>
+            <a:off x="4759306" y="5989707"/>
+            <a:ext cx="1259999" cy="0"/>
+          </a:xfrm>
+          <a:prstGeom prst="straightConnector1">
+            <a:avLst/>
+          </a:prstGeom>
+          <a:ln w="63500" cap="flat" cmpd="sng" algn="ctr">
+            <a:solidFill>
+              <a:schemeClr val="accent2"/>
+            </a:solidFill>
+            <a:prstDash val="solid"/>
+            <a:round/>
+            <a:headEnd type="none" w="med" len="med"/>
+            <a:tailEnd type="arrow" w="med" len="med"/>
+          </a:ln>
+        </p:spPr>
+        <p:style>
+          <a:lnRef idx="0">
+            <a:scrgbClr r="0" g="0" b="0"/>
+          </a:lnRef>
+          <a:fillRef idx="0">
+            <a:scrgbClr r="0" g="0" b="0"/>
+          </a:fillRef>
+          <a:effectRef idx="0">
+            <a:scrgbClr r="0" g="0" b="0"/>
+          </a:effectRef>
+          <a:fontRef idx="minor">
+            <a:schemeClr val="tx1"/>
+          </a:fontRef>
+        </p:style>
+      </p:cxnSp>
+      <p:pic>
+        <p:nvPicPr>
+          <p:cNvPr id="1040" name="Picture 16" descr="Package - Free business icons">
+            <a:extLst>
+              <a:ext uri="{FF2B5EF4-FFF2-40B4-BE49-F238E27FC236}">
+                <a16:creationId xmlns:a16="http://schemas.microsoft.com/office/drawing/2014/main" id="{A0B42078-5E3C-50EC-DA28-4BA6FDC33302}"/>
+              </a:ext>
+            </a:extLst>
+          </p:cNvPr>
+          <p:cNvPicPr>
+            <a:picLocks noChangeAspect="1" noChangeArrowheads="1"/>
+          </p:cNvPicPr>
+          <p:nvPr/>
+        </p:nvPicPr>
+        <p:blipFill>
+          <a:blip r:embed="rId7">
+            <a:extLst>
+              <a:ext uri="{28A0092B-C50C-407E-A947-70E740481C1C}">
+                <a14:useLocalDpi xmlns:a14="http://schemas.microsoft.com/office/drawing/2010/main" val="0"/>
+              </a:ext>
+            </a:extLst>
+          </a:blip>
+          <a:srcRect/>
+          <a:stretch>
+            <a:fillRect/>
+          </a:stretch>
+        </p:blipFill>
+        <p:spPr bwMode="auto">
+          <a:xfrm>
+            <a:off x="6172696" y="5722133"/>
+            <a:ext cx="573727" cy="573727"/>
+          </a:xfrm>
+          <a:prstGeom prst="rect">
+            <a:avLst/>
+          </a:prstGeom>
+          <a:noFill/>
+          <a:extLst>
+            <a:ext uri="{909E8E84-426E-40DD-AFC4-6F175D3DCCD1}">
+              <a14:hiddenFill xmlns:a14="http://schemas.microsoft.com/office/drawing/2010/main">
+                <a:solidFill>
+                  <a:srgbClr val="FFFFFF"/>
+                </a:solidFill>
+              </a14:hiddenFill>
+            </a:ext>
+          </a:extLst>
+        </p:spPr>
+      </p:pic>
+    </p:spTree>
+    <p:extLst>
+      <p:ext uri="{BB962C8B-B14F-4D97-AF65-F5344CB8AC3E}">
+        <p14:creationId xmlns:p14="http://schemas.microsoft.com/office/powerpoint/2010/main" val="2354327406"/>
+      </p:ext>
+    </p:extLst>
+  </p:cSld>
+  <p:clrMapOvr>
+    <a:masterClrMapping/>
+  </p:clrMapOvr>
+  <p:timing>
+    <p:tnLst>
+      <p:par>
+        <p:cTn id="1" dur="indefinite" restart="never" nodeType="tmRoot">
+          <p:childTnLst>
+            <p:seq concurrent="1" nextAc="seek">
+              <p:cTn id="2" dur="indefinite" nodeType="mainSeq">
+                <p:childTnLst>
+                  <p:par>
+                    <p:cTn id="3" fill="hold">
+                      <p:stCondLst>
+                        <p:cond delay="indefinite"/>
+                      </p:stCondLst>
+                      <p:childTnLst>
+                        <p:par>
+                          <p:cTn id="4" fill="hold">
+                            <p:stCondLst>
+                              <p:cond delay="0"/>
+                            </p:stCondLst>
+                            <p:childTnLst>
+                              <p:par>
+                                <p:cTn id="5" presetID="10" presetClass="entr" presetSubtype="0" fill="hold" nodeType="clickEffect">
+                                  <p:stCondLst>
+                                    <p:cond delay="0"/>
+                                  </p:stCondLst>
+                                  <p:childTnLst>
+                                    <p:set>
+                                      <p:cBhvr>
+                                        <p:cTn id="6" dur="1" fill="hold">
+                                          <p:stCondLst>
+                                            <p:cond delay="0"/>
+                                          </p:stCondLst>
+                                        </p:cTn>
+                                        <p:tgtEl>
+                                          <p:spTgt spid="1026"/>
+                                        </p:tgtEl>
+                                        <p:attrNameLst>
+                                          <p:attrName>style.visibility</p:attrName>
+                                        </p:attrNameLst>
+                                      </p:cBhvr>
+                                      <p:to>
+                                        <p:strVal val="visible"/>
+                                      </p:to>
+                                    </p:set>
+                                    <p:animEffect transition="in" filter="fade">
+                                      <p:cBhvr>
+                                        <p:cTn id="7" dur="500"/>
+                                        <p:tgtEl>
+                                          <p:spTgt spid="1026"/>
+                                        </p:tgtEl>
+                                      </p:cBhvr>
+                                    </p:animEffect>
+                                  </p:childTnLst>
+                                </p:cTn>
+                              </p:par>
+                              <p:par>
+                                <p:cTn id="8" presetID="10" presetClass="entr" presetSubtype="0" fill="hold" grpId="0" nodeType="withEffect">
+                                  <p:stCondLst>
+                                    <p:cond delay="0"/>
+                                  </p:stCondLst>
+                                  <p:childTnLst>
+                                    <p:set>
+                                      <p:cBhvr>
+                                        <p:cTn id="9" dur="1" fill="hold">
+                                          <p:stCondLst>
+                                            <p:cond delay="0"/>
+                                          </p:stCondLst>
+                                        </p:cTn>
+                                        <p:tgtEl>
+                                          <p:spTgt spid="9"/>
+                                        </p:tgtEl>
+                                        <p:attrNameLst>
+                                          <p:attrName>style.visibility</p:attrName>
+                                        </p:attrNameLst>
+                                      </p:cBhvr>
+                                      <p:to>
+                                        <p:strVal val="visible"/>
+                                      </p:to>
+                                    </p:set>
+                                    <p:animEffect transition="in" filter="fade">
+                                      <p:cBhvr>
+                                        <p:cTn id="10" dur="500"/>
+                                        <p:tgtEl>
+                                          <p:spTgt spid="9"/>
+                                        </p:tgtEl>
+                                      </p:cBhvr>
+                                    </p:animEffect>
+                                  </p:childTnLst>
+                                </p:cTn>
+                              </p:par>
+                              <p:par>
+                                <p:cTn id="11" presetID="10" presetClass="entr" presetSubtype="0" fill="hold" nodeType="withEffect">
+                                  <p:stCondLst>
+                                    <p:cond delay="0"/>
+                                  </p:stCondLst>
+                                  <p:childTnLst>
+                                    <p:set>
+                                      <p:cBhvr>
+                                        <p:cTn id="12" dur="1" fill="hold">
+                                          <p:stCondLst>
+                                            <p:cond delay="0"/>
+                                          </p:stCondLst>
+                                        </p:cTn>
+                                        <p:tgtEl>
+                                          <p:spTgt spid="10"/>
+                                        </p:tgtEl>
+                                        <p:attrNameLst>
+                                          <p:attrName>style.visibility</p:attrName>
+                                        </p:attrNameLst>
+                                      </p:cBhvr>
+                                      <p:to>
+                                        <p:strVal val="visible"/>
+                                      </p:to>
+                                    </p:set>
+                                    <p:animEffect transition="in" filter="fade">
+                                      <p:cBhvr>
+                                        <p:cTn id="13" dur="500"/>
+                                        <p:tgtEl>
+                                          <p:spTgt spid="10"/>
+                                        </p:tgtEl>
+                                      </p:cBhvr>
+                                    </p:animEffect>
+                                  </p:childTnLst>
+                                </p:cTn>
+                              </p:par>
+                              <p:par>
+                                <p:cTn id="14" presetID="10" presetClass="entr" presetSubtype="0" fill="hold" grpId="0" nodeType="withEffect">
+                                  <p:stCondLst>
+                                    <p:cond delay="0"/>
+                                  </p:stCondLst>
+                                  <p:childTnLst>
+                                    <p:set>
+                                      <p:cBhvr>
+                                        <p:cTn id="15" dur="1" fill="hold">
+                                          <p:stCondLst>
+                                            <p:cond delay="0"/>
+                                          </p:stCondLst>
+                                        </p:cTn>
+                                        <p:tgtEl>
+                                          <p:spTgt spid="11"/>
+                                        </p:tgtEl>
+                                        <p:attrNameLst>
+                                          <p:attrName>style.visibility</p:attrName>
+                                        </p:attrNameLst>
+                                      </p:cBhvr>
+                                      <p:to>
+                                        <p:strVal val="visible"/>
+                                      </p:to>
+                                    </p:set>
+                                    <p:animEffect transition="in" filter="fade">
+                                      <p:cBhvr>
+                                        <p:cTn id="16" dur="500"/>
+                                        <p:tgtEl>
+                                          <p:spTgt spid="11"/>
+                                        </p:tgtEl>
+                                      </p:cBhvr>
+                                    </p:animEffect>
+                                  </p:childTnLst>
+                                </p:cTn>
+                              </p:par>
+                              <p:par>
+                                <p:cTn id="17" presetID="10" presetClass="entr" presetSubtype="0" fill="hold" nodeType="withEffect">
+                                  <p:stCondLst>
+                                    <p:cond delay="0"/>
+                                  </p:stCondLst>
+                                  <p:childTnLst>
+                                    <p:set>
+                                      <p:cBhvr>
+                                        <p:cTn id="18" dur="1" fill="hold">
+                                          <p:stCondLst>
+                                            <p:cond delay="0"/>
+                                          </p:stCondLst>
+                                        </p:cTn>
+                                        <p:tgtEl>
+                                          <p:spTgt spid="14"/>
+                                        </p:tgtEl>
+                                        <p:attrNameLst>
+                                          <p:attrName>style.visibility</p:attrName>
+                                        </p:attrNameLst>
+                                      </p:cBhvr>
+                                      <p:to>
+                                        <p:strVal val="visible"/>
+                                      </p:to>
+                                    </p:set>
+                                    <p:animEffect transition="in" filter="fade">
+                                      <p:cBhvr>
+                                        <p:cTn id="19" dur="500"/>
+                                        <p:tgtEl>
+                                          <p:spTgt spid="14"/>
+                                        </p:tgtEl>
+                                      </p:cBhvr>
+                                    </p:animEffect>
+                                  </p:childTnLst>
+                                </p:cTn>
+                              </p:par>
+                              <p:par>
+                                <p:cTn id="20" presetID="10" presetClass="entr" presetSubtype="0" fill="hold" grpId="0" nodeType="withEffect">
+                                  <p:stCondLst>
+                                    <p:cond delay="0"/>
+                                  </p:stCondLst>
+                                  <p:childTnLst>
+                                    <p:set>
+                                      <p:cBhvr>
+                                        <p:cTn id="21" dur="1" fill="hold">
+                                          <p:stCondLst>
+                                            <p:cond delay="0"/>
+                                          </p:stCondLst>
+                                        </p:cTn>
+                                        <p:tgtEl>
+                                          <p:spTgt spid="15"/>
+                                        </p:tgtEl>
+                                        <p:attrNameLst>
+                                          <p:attrName>style.visibility</p:attrName>
+                                        </p:attrNameLst>
+                                      </p:cBhvr>
+                                      <p:to>
+                                        <p:strVal val="visible"/>
+                                      </p:to>
+                                    </p:set>
+                                    <p:animEffect transition="in" filter="fade">
+                                      <p:cBhvr>
+                                        <p:cTn id="22" dur="500"/>
+                                        <p:tgtEl>
+                                          <p:spTgt spid="15"/>
+                                        </p:tgtEl>
+                                      </p:cBhvr>
+                                    </p:animEffect>
+                                  </p:childTnLst>
+                                </p:cTn>
+                              </p:par>
+                              <p:par>
+                                <p:cTn id="23" presetID="10" presetClass="entr" presetSubtype="0" fill="hold" nodeType="withEffect">
+                                  <p:stCondLst>
+                                    <p:cond delay="0"/>
+                                  </p:stCondLst>
+                                  <p:childTnLst>
+                                    <p:set>
+                                      <p:cBhvr>
+                                        <p:cTn id="24" dur="1" fill="hold">
+                                          <p:stCondLst>
+                                            <p:cond delay="0"/>
+                                          </p:stCondLst>
+                                        </p:cTn>
+                                        <p:tgtEl>
+                                          <p:spTgt spid="16"/>
+                                        </p:tgtEl>
+                                        <p:attrNameLst>
+                                          <p:attrName>style.visibility</p:attrName>
+                                        </p:attrNameLst>
+                                      </p:cBhvr>
+                                      <p:to>
+                                        <p:strVal val="visible"/>
+                                      </p:to>
+                                    </p:set>
+                                    <p:animEffect transition="in" filter="fade">
+                                      <p:cBhvr>
+                                        <p:cTn id="25" dur="500"/>
+                                        <p:tgtEl>
+                                          <p:spTgt spid="16"/>
+                                        </p:tgtEl>
+                                      </p:cBhvr>
+                                    </p:animEffect>
+                                  </p:childTnLst>
+                                </p:cTn>
+                              </p:par>
+                              <p:par>
+                                <p:cTn id="26" presetID="10" presetClass="entr" presetSubtype="0" fill="hold" grpId="0" nodeType="withEffect">
+                                  <p:stCondLst>
+                                    <p:cond delay="0"/>
+                                  </p:stCondLst>
+                                  <p:childTnLst>
+                                    <p:set>
+                                      <p:cBhvr>
+                                        <p:cTn id="27" dur="1" fill="hold">
+                                          <p:stCondLst>
+                                            <p:cond delay="0"/>
+                                          </p:stCondLst>
+                                        </p:cTn>
+                                        <p:tgtEl>
+                                          <p:spTgt spid="17"/>
+                                        </p:tgtEl>
+                                        <p:attrNameLst>
+                                          <p:attrName>style.visibility</p:attrName>
+                                        </p:attrNameLst>
+                                      </p:cBhvr>
+                                      <p:to>
+                                        <p:strVal val="visible"/>
+                                      </p:to>
+                                    </p:set>
+                                    <p:animEffect transition="in" filter="fade">
+                                      <p:cBhvr>
+                                        <p:cTn id="28" dur="500"/>
+                                        <p:tgtEl>
+                                          <p:spTgt spid="17"/>
+                                        </p:tgtEl>
+                                      </p:cBhvr>
+                                    </p:animEffect>
+                                  </p:childTnLst>
+                                </p:cTn>
+                              </p:par>
+                            </p:childTnLst>
+                          </p:cTn>
+                        </p:par>
+                      </p:childTnLst>
+                    </p:cTn>
+                  </p:par>
+                  <p:par>
+                    <p:cTn id="29" fill="hold">
+                      <p:stCondLst>
+                        <p:cond delay="indefinite"/>
+                      </p:stCondLst>
+                      <p:childTnLst>
+                        <p:par>
+                          <p:cTn id="30" fill="hold">
+                            <p:stCondLst>
+                              <p:cond delay="0"/>
+                            </p:stCondLst>
+                            <p:childTnLst>
+                              <p:par>
+                                <p:cTn id="31" presetID="10" presetClass="entr" presetSubtype="0" fill="hold" nodeType="clickEffect">
+                                  <p:stCondLst>
+                                    <p:cond delay="0"/>
+                                  </p:stCondLst>
+                                  <p:childTnLst>
+                                    <p:set>
+                                      <p:cBhvr>
+                                        <p:cTn id="32" dur="1" fill="hold">
+                                          <p:stCondLst>
+                                            <p:cond delay="0"/>
+                                          </p:stCondLst>
+                                        </p:cTn>
+                                        <p:tgtEl>
+                                          <p:spTgt spid="1028"/>
+                                        </p:tgtEl>
+                                        <p:attrNameLst>
+                                          <p:attrName>style.visibility</p:attrName>
+                                        </p:attrNameLst>
+                                      </p:cBhvr>
+                                      <p:to>
+                                        <p:strVal val="visible"/>
+                                      </p:to>
+                                    </p:set>
+                                    <p:animEffect transition="in" filter="fade">
+                                      <p:cBhvr>
+                                        <p:cTn id="33" dur="500"/>
+                                        <p:tgtEl>
+                                          <p:spTgt spid="1028"/>
+                                        </p:tgtEl>
+                                      </p:cBhvr>
+                                    </p:animEffect>
+                                  </p:childTnLst>
+                                </p:cTn>
+                              </p:par>
+                              <p:par>
+                                <p:cTn id="34" presetID="10" presetClass="entr" presetSubtype="0" fill="hold" grpId="0" nodeType="withEffect">
+                                  <p:stCondLst>
+                                    <p:cond delay="0"/>
+                                  </p:stCondLst>
+                                  <p:childTnLst>
+                                    <p:set>
+                                      <p:cBhvr>
+                                        <p:cTn id="35" dur="1" fill="hold">
+                                          <p:stCondLst>
+                                            <p:cond delay="0"/>
+                                          </p:stCondLst>
+                                        </p:cTn>
+                                        <p:tgtEl>
+                                          <p:spTgt spid="18"/>
+                                        </p:tgtEl>
+                                        <p:attrNameLst>
+                                          <p:attrName>style.visibility</p:attrName>
+                                        </p:attrNameLst>
+                                      </p:cBhvr>
+                                      <p:to>
+                                        <p:strVal val="visible"/>
+                                      </p:to>
+                                    </p:set>
+                                    <p:animEffect transition="in" filter="fade">
+                                      <p:cBhvr>
+                                        <p:cTn id="36" dur="500"/>
+                                        <p:tgtEl>
+                                          <p:spTgt spid="18"/>
+                                        </p:tgtEl>
+                                      </p:cBhvr>
+                                    </p:animEffect>
+                                  </p:childTnLst>
+                                </p:cTn>
+                              </p:par>
+                              <p:par>
+                                <p:cTn id="37" presetID="10" presetClass="entr" presetSubtype="0" fill="hold" nodeType="withEffect">
+                                  <p:stCondLst>
+                                    <p:cond delay="0"/>
+                                  </p:stCondLst>
+                                  <p:childTnLst>
+                                    <p:set>
+                                      <p:cBhvr>
+                                        <p:cTn id="38" dur="1" fill="hold">
+                                          <p:stCondLst>
+                                            <p:cond delay="0"/>
+                                          </p:stCondLst>
+                                        </p:cTn>
+                                        <p:tgtEl>
+                                          <p:spTgt spid="20"/>
+                                        </p:tgtEl>
+                                        <p:attrNameLst>
+                                          <p:attrName>style.visibility</p:attrName>
+                                        </p:attrNameLst>
+                                      </p:cBhvr>
+                                      <p:to>
+                                        <p:strVal val="visible"/>
+                                      </p:to>
+                                    </p:set>
+                                    <p:animEffect transition="in" filter="fade">
+                                      <p:cBhvr>
+                                        <p:cTn id="39" dur="500"/>
+                                        <p:tgtEl>
+                                          <p:spTgt spid="20"/>
+                                        </p:tgtEl>
+                                      </p:cBhvr>
+                                    </p:animEffect>
+                                  </p:childTnLst>
+                                </p:cTn>
+                              </p:par>
+                              <p:par>
+                                <p:cTn id="40" presetID="10" presetClass="entr" presetSubtype="0" fill="hold" nodeType="withEffect">
+                                  <p:stCondLst>
+                                    <p:cond delay="0"/>
+                                  </p:stCondLst>
+                                  <p:childTnLst>
+                                    <p:set>
+                                      <p:cBhvr>
+                                        <p:cTn id="41" dur="1" fill="hold">
+                                          <p:stCondLst>
+                                            <p:cond delay="0"/>
+                                          </p:stCondLst>
+                                        </p:cTn>
+                                        <p:tgtEl>
+                                          <p:spTgt spid="21"/>
+                                        </p:tgtEl>
+                                        <p:attrNameLst>
+                                          <p:attrName>style.visibility</p:attrName>
+                                        </p:attrNameLst>
+                                      </p:cBhvr>
+                                      <p:to>
+                                        <p:strVal val="visible"/>
+                                      </p:to>
+                                    </p:set>
+                                    <p:animEffect transition="in" filter="fade">
+                                      <p:cBhvr>
+                                        <p:cTn id="42" dur="500"/>
+                                        <p:tgtEl>
+                                          <p:spTgt spid="21"/>
+                                        </p:tgtEl>
+                                      </p:cBhvr>
+                                    </p:animEffect>
+                                  </p:childTnLst>
+                                </p:cTn>
+                              </p:par>
+                              <p:par>
+                                <p:cTn id="43" presetID="10" presetClass="entr" presetSubtype="0" fill="hold" grpId="0" nodeType="withEffect">
+                                  <p:stCondLst>
+                                    <p:cond delay="0"/>
+                                  </p:stCondLst>
+                                  <p:childTnLst>
+                                    <p:set>
+                                      <p:cBhvr>
+                                        <p:cTn id="44" dur="1" fill="hold">
+                                          <p:stCondLst>
+                                            <p:cond delay="0"/>
+                                          </p:stCondLst>
+                                        </p:cTn>
+                                        <p:tgtEl>
+                                          <p:spTgt spid="22"/>
+                                        </p:tgtEl>
+                                        <p:attrNameLst>
+                                          <p:attrName>style.visibility</p:attrName>
+                                        </p:attrNameLst>
+                                      </p:cBhvr>
+                                      <p:to>
+                                        <p:strVal val="visible"/>
+                                      </p:to>
+                                    </p:set>
+                                    <p:animEffect transition="in" filter="fade">
+                                      <p:cBhvr>
+                                        <p:cTn id="45" dur="500"/>
+                                        <p:tgtEl>
+                                          <p:spTgt spid="22"/>
+                                        </p:tgtEl>
+                                      </p:cBhvr>
+                                    </p:animEffect>
+                                  </p:childTnLst>
+                                </p:cTn>
+                              </p:par>
+                              <p:par>
+                                <p:cTn id="46" presetID="10" presetClass="entr" presetSubtype="0" fill="hold" nodeType="withEffect">
+                                  <p:stCondLst>
+                                    <p:cond delay="0"/>
+                                  </p:stCondLst>
+                                  <p:childTnLst>
+                                    <p:set>
+                                      <p:cBhvr>
+                                        <p:cTn id="47" dur="1" fill="hold">
+                                          <p:stCondLst>
+                                            <p:cond delay="0"/>
+                                          </p:stCondLst>
+                                        </p:cTn>
+                                        <p:tgtEl>
+                                          <p:spTgt spid="23"/>
+                                        </p:tgtEl>
+                                        <p:attrNameLst>
+                                          <p:attrName>style.visibility</p:attrName>
+                                        </p:attrNameLst>
+                                      </p:cBhvr>
+                                      <p:to>
+                                        <p:strVal val="visible"/>
+                                      </p:to>
+                                    </p:set>
+                                    <p:animEffect transition="in" filter="fade">
+                                      <p:cBhvr>
+                                        <p:cTn id="48" dur="500"/>
+                                        <p:tgtEl>
+                                          <p:spTgt spid="23"/>
+                                        </p:tgtEl>
+                                      </p:cBhvr>
+                                    </p:animEffect>
+                                  </p:childTnLst>
+                                </p:cTn>
+                              </p:par>
+                              <p:par>
+                                <p:cTn id="49" presetID="10" presetClass="entr" presetSubtype="0" fill="hold" nodeType="withEffect">
+                                  <p:stCondLst>
+                                    <p:cond delay="0"/>
+                                  </p:stCondLst>
+                                  <p:childTnLst>
+                                    <p:set>
+                                      <p:cBhvr>
+                                        <p:cTn id="50" dur="1" fill="hold">
+                                          <p:stCondLst>
+                                            <p:cond delay="0"/>
+                                          </p:stCondLst>
+                                        </p:cTn>
+                                        <p:tgtEl>
+                                          <p:spTgt spid="27"/>
+                                        </p:tgtEl>
+                                        <p:attrNameLst>
+                                          <p:attrName>style.visibility</p:attrName>
+                                        </p:attrNameLst>
+                                      </p:cBhvr>
+                                      <p:to>
+                                        <p:strVal val="visible"/>
+                                      </p:to>
+                                    </p:set>
+                                    <p:animEffect transition="in" filter="fade">
+                                      <p:cBhvr>
+                                        <p:cTn id="51" dur="500"/>
+                                        <p:tgtEl>
+                                          <p:spTgt spid="27"/>
+                                        </p:tgtEl>
+                                      </p:cBhvr>
+                                    </p:animEffect>
+                                  </p:childTnLst>
+                                </p:cTn>
+                              </p:par>
+                              <p:par>
+                                <p:cTn id="52" presetID="10" presetClass="entr" presetSubtype="0" fill="hold" grpId="0" nodeType="withEffect">
+                                  <p:stCondLst>
+                                    <p:cond delay="0"/>
+                                  </p:stCondLst>
+                                  <p:childTnLst>
+                                    <p:set>
+                                      <p:cBhvr>
+                                        <p:cTn id="53" dur="1" fill="hold">
+                                          <p:stCondLst>
+                                            <p:cond delay="0"/>
+                                          </p:stCondLst>
+                                        </p:cTn>
+                                        <p:tgtEl>
+                                          <p:spTgt spid="28"/>
+                                        </p:tgtEl>
+                                        <p:attrNameLst>
+                                          <p:attrName>style.visibility</p:attrName>
+                                        </p:attrNameLst>
+                                      </p:cBhvr>
+                                      <p:to>
+                                        <p:strVal val="visible"/>
+                                      </p:to>
+                                    </p:set>
+                                    <p:animEffect transition="in" filter="fade">
+                                      <p:cBhvr>
+                                        <p:cTn id="54" dur="500"/>
+                                        <p:tgtEl>
+                                          <p:spTgt spid="28"/>
+                                        </p:tgtEl>
+                                      </p:cBhvr>
+                                    </p:animEffect>
+                                  </p:childTnLst>
+                                </p:cTn>
+                              </p:par>
+                              <p:par>
+                                <p:cTn id="55" presetID="10" presetClass="entr" presetSubtype="0" fill="hold" nodeType="withEffect">
+                                  <p:stCondLst>
+                                    <p:cond delay="0"/>
+                                  </p:stCondLst>
+                                  <p:childTnLst>
+                                    <p:set>
+                                      <p:cBhvr>
+                                        <p:cTn id="56" dur="1" fill="hold">
+                                          <p:stCondLst>
+                                            <p:cond delay="0"/>
+                                          </p:stCondLst>
+                                        </p:cTn>
+                                        <p:tgtEl>
+                                          <p:spTgt spid="29"/>
+                                        </p:tgtEl>
+                                        <p:attrNameLst>
+                                          <p:attrName>style.visibility</p:attrName>
+                                        </p:attrNameLst>
+                                      </p:cBhvr>
+                                      <p:to>
+                                        <p:strVal val="visible"/>
+                                      </p:to>
+                                    </p:set>
+                                    <p:animEffect transition="in" filter="fade">
+                                      <p:cBhvr>
+                                        <p:cTn id="57" dur="500"/>
+                                        <p:tgtEl>
+                                          <p:spTgt spid="29"/>
+                                        </p:tgtEl>
+                                      </p:cBhvr>
+                                    </p:animEffect>
+                                  </p:childTnLst>
+                                </p:cTn>
+                              </p:par>
+                              <p:par>
+                                <p:cTn id="58" presetID="10" presetClass="entr" presetSubtype="0" fill="hold" nodeType="withEffect">
+                                  <p:stCondLst>
+                                    <p:cond delay="0"/>
+                                  </p:stCondLst>
+                                  <p:childTnLst>
+                                    <p:set>
+                                      <p:cBhvr>
+                                        <p:cTn id="59" dur="1" fill="hold">
+                                          <p:stCondLst>
+                                            <p:cond delay="0"/>
+                                          </p:stCondLst>
+                                        </p:cTn>
+                                        <p:tgtEl>
+                                          <p:spTgt spid="30"/>
+                                        </p:tgtEl>
+                                        <p:attrNameLst>
+                                          <p:attrName>style.visibility</p:attrName>
+                                        </p:attrNameLst>
+                                      </p:cBhvr>
+                                      <p:to>
+                                        <p:strVal val="visible"/>
+                                      </p:to>
+                                    </p:set>
+                                    <p:animEffect transition="in" filter="fade">
+                                      <p:cBhvr>
+                                        <p:cTn id="60" dur="500"/>
+                                        <p:tgtEl>
+                                          <p:spTgt spid="30"/>
+                                        </p:tgtEl>
+                                      </p:cBhvr>
+                                    </p:animEffect>
+                                  </p:childTnLst>
+                                </p:cTn>
+                              </p:par>
+                              <p:par>
+                                <p:cTn id="61" presetID="10" presetClass="entr" presetSubtype="0" fill="hold" grpId="0" nodeType="withEffect">
+                                  <p:stCondLst>
+                                    <p:cond delay="0"/>
+                                  </p:stCondLst>
+                                  <p:childTnLst>
+                                    <p:set>
+                                      <p:cBhvr>
+                                        <p:cTn id="62" dur="1" fill="hold">
+                                          <p:stCondLst>
+                                            <p:cond delay="0"/>
+                                          </p:stCondLst>
+                                        </p:cTn>
+                                        <p:tgtEl>
+                                          <p:spTgt spid="31"/>
+                                        </p:tgtEl>
+                                        <p:attrNameLst>
+                                          <p:attrName>style.visibility</p:attrName>
+                                        </p:attrNameLst>
+                                      </p:cBhvr>
+                                      <p:to>
+                                        <p:strVal val="visible"/>
+                                      </p:to>
+                                    </p:set>
+                                    <p:animEffect transition="in" filter="fade">
+                                      <p:cBhvr>
+                                        <p:cTn id="63" dur="500"/>
+                                        <p:tgtEl>
+                                          <p:spTgt spid="31"/>
+                                        </p:tgtEl>
+                                      </p:cBhvr>
+                                    </p:animEffect>
+                                  </p:childTnLst>
+                                </p:cTn>
+                              </p:par>
+                              <p:par>
+                                <p:cTn id="64" presetID="10" presetClass="entr" presetSubtype="0" fill="hold" nodeType="withEffect">
+                                  <p:stCondLst>
+                                    <p:cond delay="0"/>
+                                  </p:stCondLst>
+                                  <p:childTnLst>
+                                    <p:set>
+                                      <p:cBhvr>
+                                        <p:cTn id="65" dur="1" fill="hold">
+                                          <p:stCondLst>
+                                            <p:cond delay="0"/>
+                                          </p:stCondLst>
+                                        </p:cTn>
+                                        <p:tgtEl>
+                                          <p:spTgt spid="32"/>
+                                        </p:tgtEl>
+                                        <p:attrNameLst>
+                                          <p:attrName>style.visibility</p:attrName>
+                                        </p:attrNameLst>
+                                      </p:cBhvr>
+                                      <p:to>
+                                        <p:strVal val="visible"/>
+                                      </p:to>
+                                    </p:set>
+                                    <p:animEffect transition="in" filter="fade">
+                                      <p:cBhvr>
+                                        <p:cTn id="66" dur="500"/>
+                                        <p:tgtEl>
+                                          <p:spTgt spid="32"/>
+                                        </p:tgtEl>
+                                      </p:cBhvr>
+                                    </p:animEffect>
+                                  </p:childTnLst>
+                                </p:cTn>
+                              </p:par>
+                            </p:childTnLst>
+                          </p:cTn>
+                        </p:par>
+                      </p:childTnLst>
+                    </p:cTn>
+                  </p:par>
+                  <p:par>
+                    <p:cTn id="67" fill="hold">
+                      <p:stCondLst>
+                        <p:cond delay="indefinite"/>
+                      </p:stCondLst>
+                      <p:childTnLst>
+                        <p:par>
+                          <p:cTn id="68" fill="hold">
+                            <p:stCondLst>
+                              <p:cond delay="0"/>
+                            </p:stCondLst>
+                            <p:childTnLst>
+                              <p:par>
+                                <p:cTn id="69" presetID="10" presetClass="entr" presetSubtype="0" fill="hold" nodeType="clickEffect">
+                                  <p:stCondLst>
+                                    <p:cond delay="0"/>
+                                  </p:stCondLst>
+                                  <p:childTnLst>
+                                    <p:set>
+                                      <p:cBhvr>
+                                        <p:cTn id="70" dur="1" fill="hold">
+                                          <p:stCondLst>
+                                            <p:cond delay="0"/>
+                                          </p:stCondLst>
+                                        </p:cTn>
+                                        <p:tgtEl>
+                                          <p:spTgt spid="1032"/>
+                                        </p:tgtEl>
+                                        <p:attrNameLst>
+                                          <p:attrName>style.visibility</p:attrName>
+                                        </p:attrNameLst>
+                                      </p:cBhvr>
+                                      <p:to>
+                                        <p:strVal val="visible"/>
+                                      </p:to>
+                                    </p:set>
+                                    <p:animEffect transition="in" filter="fade">
+                                      <p:cBhvr>
+                                        <p:cTn id="71" dur="500"/>
+                                        <p:tgtEl>
+                                          <p:spTgt spid="1032"/>
+                                        </p:tgtEl>
+                                      </p:cBhvr>
+                                    </p:animEffect>
+                                  </p:childTnLst>
+                                </p:cTn>
+                              </p:par>
+                              <p:par>
+                                <p:cTn id="72" presetID="10" presetClass="entr" presetSubtype="0" fill="hold" grpId="0" nodeType="withEffect">
+                                  <p:stCondLst>
+                                    <p:cond delay="0"/>
+                                  </p:stCondLst>
+                                  <p:childTnLst>
+                                    <p:set>
+                                      <p:cBhvr>
+                                        <p:cTn id="73" dur="1" fill="hold">
+                                          <p:stCondLst>
+                                            <p:cond delay="0"/>
+                                          </p:stCondLst>
+                                        </p:cTn>
+                                        <p:tgtEl>
+                                          <p:spTgt spid="33"/>
+                                        </p:tgtEl>
+                                        <p:attrNameLst>
+                                          <p:attrName>style.visibility</p:attrName>
+                                        </p:attrNameLst>
+                                      </p:cBhvr>
+                                      <p:to>
+                                        <p:strVal val="visible"/>
+                                      </p:to>
+                                    </p:set>
+                                    <p:animEffect transition="in" filter="fade">
+                                      <p:cBhvr>
+                                        <p:cTn id="74" dur="500"/>
+                                        <p:tgtEl>
+                                          <p:spTgt spid="33"/>
+                                        </p:tgtEl>
+                                      </p:cBhvr>
+                                    </p:animEffect>
+                                  </p:childTnLst>
+                                </p:cTn>
+                              </p:par>
+                              <p:par>
+                                <p:cTn id="75" presetID="10" presetClass="entr" presetSubtype="0" fill="hold" grpId="0" nodeType="withEffect">
+                                  <p:stCondLst>
+                                    <p:cond delay="0"/>
+                                  </p:stCondLst>
+                                  <p:childTnLst>
+                                    <p:set>
+                                      <p:cBhvr>
+                                        <p:cTn id="76" dur="1" fill="hold">
+                                          <p:stCondLst>
+                                            <p:cond delay="0"/>
+                                          </p:stCondLst>
+                                        </p:cTn>
+                                        <p:tgtEl>
+                                          <p:spTgt spid="34"/>
+                                        </p:tgtEl>
+                                        <p:attrNameLst>
+                                          <p:attrName>style.visibility</p:attrName>
+                                        </p:attrNameLst>
+                                      </p:cBhvr>
+                                      <p:to>
+                                        <p:strVal val="visible"/>
+                                      </p:to>
+                                    </p:set>
+                                    <p:animEffect transition="in" filter="fade">
+                                      <p:cBhvr>
+                                        <p:cTn id="77" dur="500"/>
+                                        <p:tgtEl>
+                                          <p:spTgt spid="34"/>
+                                        </p:tgtEl>
+                                      </p:cBhvr>
+                                    </p:animEffect>
+                                  </p:childTnLst>
+                                </p:cTn>
+                              </p:par>
+                            </p:childTnLst>
+                          </p:cTn>
+                        </p:par>
+                      </p:childTnLst>
+                    </p:cTn>
+                  </p:par>
+                  <p:par>
+                    <p:cTn id="78" fill="hold">
+                      <p:stCondLst>
+                        <p:cond delay="indefinite"/>
+                      </p:stCondLst>
+                      <p:childTnLst>
+                        <p:par>
+                          <p:cTn id="79" fill="hold">
+                            <p:stCondLst>
+                              <p:cond delay="0"/>
+                            </p:stCondLst>
+                            <p:childTnLst>
+                              <p:par>
+                                <p:cTn id="80" presetID="10" presetClass="entr" presetSubtype="0" fill="hold" grpId="0" nodeType="clickEffect">
+                                  <p:stCondLst>
+                                    <p:cond delay="0"/>
+                                  </p:stCondLst>
+                                  <p:childTnLst>
+                                    <p:set>
+                                      <p:cBhvr>
+                                        <p:cTn id="81" dur="1" fill="hold">
+                                          <p:stCondLst>
+                                            <p:cond delay="0"/>
+                                          </p:stCondLst>
+                                        </p:cTn>
+                                        <p:tgtEl>
+                                          <p:spTgt spid="36"/>
+                                        </p:tgtEl>
+                                        <p:attrNameLst>
+                                          <p:attrName>style.visibility</p:attrName>
+                                        </p:attrNameLst>
+                                      </p:cBhvr>
+                                      <p:to>
+                                        <p:strVal val="visible"/>
+                                      </p:to>
+                                    </p:set>
+                                    <p:animEffect transition="in" filter="fade">
+                                      <p:cBhvr>
+                                        <p:cTn id="82" dur="500"/>
+                                        <p:tgtEl>
+                                          <p:spTgt spid="36"/>
+                                        </p:tgtEl>
+                                      </p:cBhvr>
+                                    </p:animEffect>
+                                  </p:childTnLst>
+                                </p:cTn>
+                              </p:par>
+                              <p:par>
+                                <p:cTn id="83" presetID="10" presetClass="entr" presetSubtype="0" fill="hold" nodeType="withEffect">
+                                  <p:stCondLst>
+                                    <p:cond delay="0"/>
+                                  </p:stCondLst>
+                                  <p:childTnLst>
+                                    <p:set>
+                                      <p:cBhvr>
+                                        <p:cTn id="84" dur="1" fill="hold">
+                                          <p:stCondLst>
+                                            <p:cond delay="0"/>
+                                          </p:stCondLst>
+                                        </p:cTn>
+                                        <p:tgtEl>
+                                          <p:spTgt spid="1034"/>
+                                        </p:tgtEl>
+                                        <p:attrNameLst>
+                                          <p:attrName>style.visibility</p:attrName>
+                                        </p:attrNameLst>
+                                      </p:cBhvr>
+                                      <p:to>
+                                        <p:strVal val="visible"/>
+                                      </p:to>
+                                    </p:set>
+                                    <p:animEffect transition="in" filter="fade">
+                                      <p:cBhvr>
+                                        <p:cTn id="85" dur="500"/>
+                                        <p:tgtEl>
+                                          <p:spTgt spid="1034"/>
+                                        </p:tgtEl>
+                                      </p:cBhvr>
+                                    </p:animEffect>
+                                  </p:childTnLst>
+                                </p:cTn>
+                              </p:par>
+                              <p:par>
+                                <p:cTn id="86" presetID="10" presetClass="entr" presetSubtype="0" fill="hold" grpId="0" nodeType="withEffect">
+                                  <p:stCondLst>
+                                    <p:cond delay="0"/>
+                                  </p:stCondLst>
+                                  <p:childTnLst>
+                                    <p:set>
+                                      <p:cBhvr>
+                                        <p:cTn id="87" dur="1" fill="hold">
+                                          <p:stCondLst>
+                                            <p:cond delay="0"/>
+                                          </p:stCondLst>
+                                        </p:cTn>
+                                        <p:tgtEl>
+                                          <p:spTgt spid="37"/>
+                                        </p:tgtEl>
+                                        <p:attrNameLst>
+                                          <p:attrName>style.visibility</p:attrName>
+                                        </p:attrNameLst>
+                                      </p:cBhvr>
+                                      <p:to>
+                                        <p:strVal val="visible"/>
+                                      </p:to>
+                                    </p:set>
+                                    <p:animEffect transition="in" filter="fade">
+                                      <p:cBhvr>
+                                        <p:cTn id="88" dur="500"/>
+                                        <p:tgtEl>
+                                          <p:spTgt spid="37"/>
+                                        </p:tgtEl>
+                                      </p:cBhvr>
+                                    </p:animEffect>
+                                  </p:childTnLst>
+                                </p:cTn>
+                              </p:par>
+                              <p:par>
+                                <p:cTn id="89" presetID="10" presetClass="entr" presetSubtype="0" fill="hold" nodeType="withEffect">
+                                  <p:stCondLst>
+                                    <p:cond delay="0"/>
+                                  </p:stCondLst>
+                                  <p:childTnLst>
+                                    <p:set>
+                                      <p:cBhvr>
+                                        <p:cTn id="90" dur="1" fill="hold">
+                                          <p:stCondLst>
+                                            <p:cond delay="0"/>
+                                          </p:stCondLst>
+                                        </p:cTn>
+                                        <p:tgtEl>
+                                          <p:spTgt spid="39"/>
+                                        </p:tgtEl>
+                                        <p:attrNameLst>
+                                          <p:attrName>style.visibility</p:attrName>
+                                        </p:attrNameLst>
+                                      </p:cBhvr>
+                                      <p:to>
+                                        <p:strVal val="visible"/>
+                                      </p:to>
+                                    </p:set>
+                                    <p:animEffect transition="in" filter="fade">
+                                      <p:cBhvr>
+                                        <p:cTn id="91" dur="500"/>
+                                        <p:tgtEl>
+                                          <p:spTgt spid="39"/>
+                                        </p:tgtEl>
+                                      </p:cBhvr>
+                                    </p:animEffect>
+                                  </p:childTnLst>
+                                </p:cTn>
+                              </p:par>
+                              <p:par>
+                                <p:cTn id="92" presetID="10" presetClass="entr" presetSubtype="0" fill="hold" nodeType="withEffect">
+                                  <p:stCondLst>
+                                    <p:cond delay="0"/>
+                                  </p:stCondLst>
+                                  <p:childTnLst>
+                                    <p:set>
+                                      <p:cBhvr>
+                                        <p:cTn id="93" dur="1" fill="hold">
+                                          <p:stCondLst>
+                                            <p:cond delay="0"/>
+                                          </p:stCondLst>
+                                        </p:cTn>
+                                        <p:tgtEl>
+                                          <p:spTgt spid="1040"/>
+                                        </p:tgtEl>
+                                        <p:attrNameLst>
+                                          <p:attrName>style.visibility</p:attrName>
+                                        </p:attrNameLst>
+                                      </p:cBhvr>
+                                      <p:to>
+                                        <p:strVal val="visible"/>
+                                      </p:to>
+                                    </p:set>
+                                    <p:animEffect transition="in" filter="fade">
+                                      <p:cBhvr>
+                                        <p:cTn id="94" dur="500"/>
+                                        <p:tgtEl>
+                                          <p:spTgt spid="1040"/>
+                                        </p:tgtEl>
+                                      </p:cBhvr>
+                                    </p:animEffect>
+                                  </p:childTnLst>
+                                </p:cTn>
+                              </p:par>
+                            </p:childTnLst>
+                          </p:cTn>
+                        </p:par>
+                      </p:childTnLst>
+                    </p:cTn>
+                  </p:par>
+                </p:childTnLst>
+              </p:cTn>
+              <p:prevCondLst>
+                <p:cond evt="onPrev" delay="0">
+                  <p:tgtEl>
+                    <p:sldTgt/>
+                  </p:tgtEl>
+                </p:cond>
+              </p:prevCondLst>
+              <p:nextCondLst>
+                <p:cond evt="onNext" delay="0">
+                  <p:tgtEl>
+                    <p:sldTgt/>
+                  </p:tgtEl>
+                </p:cond>
+              </p:nextCondLst>
+            </p:seq>
+          </p:childTnLst>
+        </p:cTn>
+      </p:par>
+    </p:tnLst>
+    <p:bldLst>
+      <p:bldP spid="9" grpId="0"/>
+      <p:bldP spid="11" grpId="0"/>
+      <p:bldP spid="15" grpId="0"/>
+      <p:bldP spid="17" grpId="0"/>
+      <p:bldP spid="18" grpId="0"/>
+      <p:bldP spid="22" grpId="0"/>
+      <p:bldP spid="28" grpId="0"/>
+      <p:bldP spid="31" grpId="0"/>
+      <p:bldP spid="33" grpId="0"/>
+      <p:bldP spid="34" grpId="0" animBg="1"/>
+      <p:bldP spid="36" grpId="0"/>
+      <p:bldP spid="37" grpId="0"/>
+    </p:bldLst>
+  </p:timing>
+</p:sld>
+</file>
+
+<file path=ppt/slides/slide13.xml><?xml version="1.0" encoding="utf-8"?>
+<p:sld xmlns:a="http://schemas.openxmlformats.org/drawingml/2006/main" xmlns:r="http://schemas.openxmlformats.org/officeDocument/2006/relationships" xmlns:p="http://schemas.openxmlformats.org/presentationml/2006/main">
+  <p:cSld>
+    <p:bg>
+      <p:bgPr>
+        <a:blipFill dpi="0" rotWithShape="1">
+          <a:blip r:embed="rId2">
+            <a:lum/>
+          </a:blip>
+          <a:srcRect/>
+          <a:stretch>
+            <a:fillRect/>
+          </a:stretch>
+        </a:blipFill>
+        <a:effectLst/>
+      </p:bgPr>
+    </p:bg>
+    <p:spTree>
+      <p:nvGrpSpPr>
+        <p:cNvPr id="1" name=""/>
+        <p:cNvGrpSpPr/>
+        <p:nvPr/>
+      </p:nvGrpSpPr>
+      <p:grpSpPr>
+        <a:xfrm>
+          <a:off x="0" y="0"/>
+          <a:ext cx="0" cy="0"/>
+          <a:chOff x="0" y="0"/>
+          <a:chExt cx="0" cy="0"/>
+        </a:xfrm>
+      </p:grpSpPr>
+      <p:sp>
+        <p:nvSpPr>
+          <p:cNvPr id="2" name="Title 1">
+            <a:extLst>
+              <a:ext uri="{FF2B5EF4-FFF2-40B4-BE49-F238E27FC236}">
+                <a16:creationId xmlns:a16="http://schemas.microsoft.com/office/drawing/2014/main" id="{55E11F08-6CA0-48F1-AD67-97430DDA07F0}"/>
+              </a:ext>
+            </a:extLst>
+          </p:cNvPr>
+          <p:cNvSpPr>
+            <a:spLocks noGrp="1"/>
+          </p:cNvSpPr>
+          <p:nvPr>
+            <p:ph type="title"/>
+          </p:nvPr>
+        </p:nvSpPr>
+        <p:spPr/>
+        <p:txBody>
+          <a:bodyPr/>
+          <a:lstStyle/>
+          <a:p>
+            <a:r>
+              <a:rPr lang="tr-TR" b="1" dirty="0">
+                <a:solidFill>
+                  <a:srgbClr val="292D33"/>
+                </a:solidFill>
+                <a:latin typeface="Euclid Circular B" panose="020B0504000000000000" pitchFamily="34" charset="0"/>
+                <a:ea typeface="Euclid Circular B" panose="020B0504000000000000" pitchFamily="34" charset="0"/>
+              </a:rPr>
+              <a:t>ABP Studio Main Solution Components</a:t>
+            </a:r>
+            <a:endParaRPr lang="en-US" b="1" dirty="0">
+              <a:solidFill>
+                <a:srgbClr val="292D33"/>
+              </a:solidFill>
+              <a:latin typeface="Euclid Circular B" panose="020B0504000000000000" pitchFamily="34" charset="0"/>
+              <a:ea typeface="Euclid Circular B" panose="020B0504000000000000" pitchFamily="34" charset="0"/>
+            </a:endParaRPr>
+          </a:p>
+        </p:txBody>
+      </p:sp>
+      <p:pic>
+        <p:nvPicPr>
+          <p:cNvPr id="7" name="Picture 6">
+            <a:extLst>
+              <a:ext uri="{FF2B5EF4-FFF2-40B4-BE49-F238E27FC236}">
+                <a16:creationId xmlns:a16="http://schemas.microsoft.com/office/drawing/2014/main" id="{8B2F2103-0ECE-0682-3ACA-A00CC3AB6D9C}"/>
+              </a:ext>
+            </a:extLst>
+          </p:cNvPr>
+          <p:cNvPicPr>
+            <a:picLocks noChangeAspect="1"/>
+          </p:cNvPicPr>
+          <p:nvPr/>
+        </p:nvPicPr>
+        <p:blipFill>
+          <a:blip r:embed="rId3"/>
+          <a:stretch>
+            <a:fillRect/>
+          </a:stretch>
+        </p:blipFill>
+        <p:spPr>
+          <a:xfrm>
+            <a:off x="2833701" y="2084030"/>
+            <a:ext cx="6762750" cy="3400425"/>
+          </a:xfrm>
+          <a:prstGeom prst="rect">
+            <a:avLst/>
+          </a:prstGeom>
+        </p:spPr>
+      </p:pic>
+    </p:spTree>
+    <p:extLst>
+      <p:ext uri="{BB962C8B-B14F-4D97-AF65-F5344CB8AC3E}">
+        <p14:creationId xmlns:p14="http://schemas.microsoft.com/office/powerpoint/2010/main" val="1080255052"/>
+      </p:ext>
+    </p:extLst>
+  </p:cSld>
+  <p:clrMapOvr>
+    <a:masterClrMapping/>
+  </p:clrMapOvr>
+</p:sld>
+</file>
+
+<file path=ppt/slides/slide14.xml><?xml version="1.0" encoding="utf-8"?>
 <p:sld xmlns:a="http://schemas.openxmlformats.org/drawingml/2006/main" xmlns:r="http://schemas.openxmlformats.org/officeDocument/2006/relationships" xmlns:p="http://schemas.openxmlformats.org/presentationml/2006/main">
   <p:cSld>
     <p:bg>
@@ -4019,7 +8622,7 @@
 </p:sld>
 </file>
 
-<file path=ppt/slides/slide11.xml><?xml version="1.0" encoding="utf-8"?>
+<file path=ppt/slides/slide15.xml><?xml version="1.0" encoding="utf-8"?>
 <p:sld xmlns:a="http://schemas.openxmlformats.org/drawingml/2006/main" xmlns:r="http://schemas.openxmlformats.org/officeDocument/2006/relationships" xmlns:p="http://schemas.openxmlformats.org/presentationml/2006/main">
   <p:cSld>
     <p:bg>
@@ -4724,7 +9327,7 @@
 </p:sld>
 </file>
 
-<file path=ppt/slides/slide12.xml><?xml version="1.0" encoding="utf-8"?>
+<file path=ppt/slides/slide16.xml><?xml version="1.0" encoding="utf-8"?>
 <p:sld xmlns:a="http://schemas.openxmlformats.org/drawingml/2006/main" xmlns:r="http://schemas.openxmlformats.org/officeDocument/2006/relationships" xmlns:p="http://schemas.openxmlformats.org/presentationml/2006/main">
   <p:cSld>
     <p:bg>
@@ -4839,7 +9442,7 @@
 </p:sld>
 </file>
 
-<file path=ppt/slides/slide13.xml><?xml version="1.0" encoding="utf-8"?>
+<file path=ppt/slides/slide17.xml><?xml version="1.0" encoding="utf-8"?>
 <p:sld xmlns:a="http://schemas.openxmlformats.org/drawingml/2006/main" xmlns:r="http://schemas.openxmlformats.org/officeDocument/2006/relationships" xmlns:p="http://schemas.openxmlformats.org/presentationml/2006/main">
   <p:cSld>
     <p:bg>
@@ -4968,7 +9571,7 @@
 </p:sld>
 </file>
 
-<file path=ppt/slides/slide14.xml><?xml version="1.0" encoding="utf-8"?>
+<file path=ppt/slides/slide18.xml><?xml version="1.0" encoding="utf-8"?>
 <p:sld xmlns:a="http://schemas.openxmlformats.org/drawingml/2006/main" xmlns:r="http://schemas.openxmlformats.org/officeDocument/2006/relationships" xmlns:p="http://schemas.openxmlformats.org/presentationml/2006/main">
   <p:cSld>
     <p:bg>
@@ -5018,7 +9621,7 @@
         <p:spPr>
           <a:xfrm>
             <a:off x="838198" y="445273"/>
-            <a:ext cx="10515599" cy="5731690"/>
+            <a:ext cx="4767115" cy="5731690"/>
           </a:xfrm>
         </p:spPr>
         <p:txBody>
@@ -5063,6 +9666,78 @@
               <a:latin typeface="Euclid Circular B" panose="020B0504000000000000" pitchFamily="34" charset="0"/>
               <a:ea typeface="Euclid Circular B" panose="020B0504000000000000" pitchFamily="34" charset="0"/>
             </a:endParaRPr>
+          </a:p>
+        </p:txBody>
+      </p:sp>
+      <p:pic>
+        <p:nvPicPr>
+          <p:cNvPr id="2" name="Picture 1" descr="A qr code with a white background&#10;&#10;Description automatically generated">
+            <a:extLst>
+              <a:ext uri="{FF2B5EF4-FFF2-40B4-BE49-F238E27FC236}">
+                <a16:creationId xmlns:a16="http://schemas.microsoft.com/office/drawing/2014/main" id="{E32EBF59-E335-9C1E-179F-5287A2661DE7}"/>
+              </a:ext>
+            </a:extLst>
+          </p:cNvPr>
+          <p:cNvPicPr>
+            <a:picLocks noChangeAspect="1"/>
+          </p:cNvPicPr>
+          <p:nvPr/>
+        </p:nvPicPr>
+        <p:blipFill>
+          <a:blip r:embed="rId3">
+            <a:extLst>
+              <a:ext uri="{28A0092B-C50C-407E-A947-70E740481C1C}">
+                <a14:useLocalDpi xmlns:a14="http://schemas.microsoft.com/office/drawing/2010/main" val="0"/>
+              </a:ext>
+            </a:extLst>
+          </a:blip>
+          <a:stretch>
+            <a:fillRect/>
+          </a:stretch>
+        </p:blipFill>
+        <p:spPr>
+          <a:xfrm>
+            <a:off x="6586689" y="1183660"/>
+            <a:ext cx="4424385" cy="4424385"/>
+          </a:xfrm>
+          <a:prstGeom prst="rect">
+            <a:avLst/>
+          </a:prstGeom>
+        </p:spPr>
+      </p:pic>
+      <p:sp>
+        <p:nvSpPr>
+          <p:cNvPr id="4" name="TextBox 3">
+            <a:extLst>
+              <a:ext uri="{FF2B5EF4-FFF2-40B4-BE49-F238E27FC236}">
+                <a16:creationId xmlns:a16="http://schemas.microsoft.com/office/drawing/2014/main" id="{B7F96CB6-7A24-53C9-60A6-B18BB75E27D0}"/>
+              </a:ext>
+            </a:extLst>
+          </p:cNvPr>
+          <p:cNvSpPr txBox="1"/>
+          <p:nvPr/>
+        </p:nvSpPr>
+        <p:spPr>
+          <a:xfrm>
+            <a:off x="6586689" y="603624"/>
+            <a:ext cx="4424384" cy="646331"/>
+          </a:xfrm>
+          <a:prstGeom prst="rect">
+            <a:avLst/>
+          </a:prstGeom>
+          <a:noFill/>
+        </p:spPr>
+        <p:txBody>
+          <a:bodyPr wrap="square">
+            <a:spAutoFit/>
+          </a:bodyPr>
+          <a:lstStyle/>
+          <a:p>
+            <a:pPr algn="ctr"/>
+            <a:r>
+              <a:rPr lang="en-US" sz="3600" b="1" u="sng" dirty="0"/>
+              <a:t>abp.io/studio</a:t>
+            </a:r>
           </a:p>
         </p:txBody>
       </p:sp>
@@ -5079,7 +9754,7 @@
 </p:sld>
 </file>
 
-<file path=ppt/slides/slide15.xml><?xml version="1.0" encoding="utf-8"?>
+<file path=ppt/slides/slide19.xml><?xml version="1.0" encoding="utf-8"?>
 <p:sld xmlns:a="http://schemas.openxmlformats.org/drawingml/2006/main" xmlns:r="http://schemas.openxmlformats.org/officeDocument/2006/relationships" xmlns:p="http://schemas.openxmlformats.org/presentationml/2006/main">
   <p:cSld>
     <p:bg>
@@ -5178,7 +9853,7 @@
     </p:spTree>
     <p:extLst>
       <p:ext uri="{BB962C8B-B14F-4D97-AF65-F5344CB8AC3E}">
-        <p14:creationId xmlns:p14="http://schemas.microsoft.com/office/powerpoint/2010/main" val="4292795698"/>
+        <p14:creationId xmlns:p14="http://schemas.microsoft.com/office/powerpoint/2010/main" val="2778608721"/>
       </p:ext>
     </p:extLst>
   </p:cSld>
@@ -8331,1391 +13006,141 @@
           <a:lstStyle/>
           <a:p>
             <a:r>
-              <a:rPr lang="tr-TR" b="1" dirty="0">
+              <a:rPr lang="en-US" b="1" dirty="0">
                 <a:solidFill>
                   <a:srgbClr val="292D33"/>
                 </a:solidFill>
                 <a:latin typeface="Euclid Circular B" panose="020B0504000000000000" pitchFamily="34" charset="0"/>
                 <a:ea typeface="Euclid Circular B" panose="020B0504000000000000" pitchFamily="34" charset="0"/>
               </a:rPr>
-              <a:t>ABP Studio Main Solution Components</a:t>
-            </a:r>
-            <a:endParaRPr lang="en-US" b="1" dirty="0">
-              <a:solidFill>
-                <a:srgbClr val="292D33"/>
-              </a:solidFill>
-              <a:latin typeface="Euclid Circular B" panose="020B0504000000000000" pitchFamily="34" charset="0"/>
-              <a:ea typeface="Euclid Circular B" panose="020B0504000000000000" pitchFamily="34" charset="0"/>
-            </a:endParaRPr>
-          </a:p>
-        </p:txBody>
-      </p:sp>
-      <p:pic>
-        <p:nvPicPr>
-          <p:cNvPr id="1026" name="Picture 2" descr="Visual Studio logo and symbol, meaning, history, PNG">
-            <a:extLst>
-              <a:ext uri="{FF2B5EF4-FFF2-40B4-BE49-F238E27FC236}">
-                <a16:creationId xmlns:a16="http://schemas.microsoft.com/office/drawing/2014/main" id="{D90B3BE0-840F-2332-23D2-746243596830}"/>
-              </a:ext>
-            </a:extLst>
-          </p:cNvPr>
-          <p:cNvPicPr>
-            <a:picLocks noChangeAspect="1" noChangeArrowheads="1"/>
-          </p:cNvPicPr>
-          <p:nvPr/>
-        </p:nvPicPr>
-        <p:blipFill>
-          <a:blip r:embed="rId3">
-            <a:extLst>
-              <a:ext uri="{28A0092B-C50C-407E-A947-70E740481C1C}">
-                <a14:useLocalDpi xmlns:a14="http://schemas.microsoft.com/office/drawing/2010/main" val="0"/>
-              </a:ext>
-            </a:extLst>
-          </a:blip>
-          <a:srcRect/>
-          <a:stretch>
-            <a:fillRect/>
-          </a:stretch>
-        </p:blipFill>
-        <p:spPr bwMode="auto">
-          <a:xfrm>
-            <a:off x="508262" y="1844165"/>
-            <a:ext cx="1022285" cy="575035"/>
-          </a:xfrm>
-          <a:prstGeom prst="rect">
-            <a:avLst/>
-          </a:prstGeom>
-          <a:noFill/>
-          <a:extLst>
-            <a:ext uri="{909E8E84-426E-40DD-AFC4-6F175D3DCCD1}">
-              <a14:hiddenFill xmlns:a14="http://schemas.microsoft.com/office/drawing/2010/main">
-                <a:solidFill>
-                  <a:srgbClr val="FFFFFF"/>
-                </a:solidFill>
-              </a14:hiddenFill>
-            </a:ext>
-          </a:extLst>
-        </p:spPr>
-      </p:pic>
-      <p:sp>
-        <p:nvSpPr>
-          <p:cNvPr id="9" name="TextBox 8">
-            <a:extLst>
-              <a:ext uri="{FF2B5EF4-FFF2-40B4-BE49-F238E27FC236}">
-                <a16:creationId xmlns:a16="http://schemas.microsoft.com/office/drawing/2014/main" id="{1890FEA5-FD60-174D-96E3-9F9820F4BB09}"/>
-              </a:ext>
-            </a:extLst>
-          </p:cNvPr>
-          <p:cNvSpPr txBox="1"/>
-          <p:nvPr/>
-        </p:nvSpPr>
-        <p:spPr>
-          <a:xfrm>
-            <a:off x="1385739" y="1823905"/>
-            <a:ext cx="2686639" cy="615553"/>
-          </a:xfrm>
-          <a:prstGeom prst="rect">
-            <a:avLst/>
-          </a:prstGeom>
-          <a:noFill/>
-        </p:spPr>
-        <p:txBody>
-          <a:bodyPr wrap="square" rtlCol="0">
-            <a:spAutoFit/>
-          </a:bodyPr>
-          <a:lstStyle/>
-          <a:p>
-            <a:r>
-              <a:rPr lang="tr-TR" dirty="0"/>
-              <a:t>EasyCrm.OrderingService</a:t>
-            </a:r>
-            <a:br>
-              <a:rPr lang="tr-TR" dirty="0"/>
-            </a:br>
-            <a:r>
-              <a:rPr lang="tr-TR" sz="1600" b="1" dirty="0">
-                <a:solidFill>
-                  <a:srgbClr val="7030A0"/>
-                </a:solidFill>
-              </a:rPr>
-              <a:t>.NET Solution</a:t>
-            </a:r>
-            <a:endParaRPr lang="en-US" sz="1600" b="1" dirty="0">
-              <a:solidFill>
-                <a:srgbClr val="7030A0"/>
-              </a:solidFill>
-            </a:endParaRPr>
-          </a:p>
-        </p:txBody>
-      </p:sp>
-      <p:pic>
-        <p:nvPicPr>
-          <p:cNvPr id="10" name="Picture 2" descr="Visual Studio logo and symbol, meaning, history, PNG">
-            <a:extLst>
-              <a:ext uri="{FF2B5EF4-FFF2-40B4-BE49-F238E27FC236}">
-                <a16:creationId xmlns:a16="http://schemas.microsoft.com/office/drawing/2014/main" id="{519583ED-C181-1AB6-D158-7488BE3DC7F2}"/>
-              </a:ext>
-            </a:extLst>
-          </p:cNvPr>
-          <p:cNvPicPr>
-            <a:picLocks noChangeAspect="1" noChangeArrowheads="1"/>
-          </p:cNvPicPr>
-          <p:nvPr/>
-        </p:nvPicPr>
-        <p:blipFill>
-          <a:blip r:embed="rId3">
-            <a:extLst>
-              <a:ext uri="{28A0092B-C50C-407E-A947-70E740481C1C}">
-                <a14:useLocalDpi xmlns:a14="http://schemas.microsoft.com/office/drawing/2010/main" val="0"/>
-              </a:ext>
-            </a:extLst>
-          </a:blip>
-          <a:srcRect/>
-          <a:stretch>
-            <a:fillRect/>
-          </a:stretch>
-        </p:blipFill>
-        <p:spPr bwMode="auto">
-          <a:xfrm>
-            <a:off x="508262" y="2662411"/>
-            <a:ext cx="1022285" cy="575035"/>
-          </a:xfrm>
-          <a:prstGeom prst="rect">
-            <a:avLst/>
-          </a:prstGeom>
-          <a:noFill/>
-          <a:extLst>
-            <a:ext uri="{909E8E84-426E-40DD-AFC4-6F175D3DCCD1}">
-              <a14:hiddenFill xmlns:a14="http://schemas.microsoft.com/office/drawing/2010/main">
-                <a:solidFill>
-                  <a:srgbClr val="FFFFFF"/>
-                </a:solidFill>
-              </a14:hiddenFill>
-            </a:ext>
-          </a:extLst>
-        </p:spPr>
-      </p:pic>
-      <p:sp>
-        <p:nvSpPr>
-          <p:cNvPr id="11" name="TextBox 10">
-            <a:extLst>
-              <a:ext uri="{FF2B5EF4-FFF2-40B4-BE49-F238E27FC236}">
-                <a16:creationId xmlns:a16="http://schemas.microsoft.com/office/drawing/2014/main" id="{928A1AD5-12B0-F156-6D1F-EB2663F7BE49}"/>
-              </a:ext>
-            </a:extLst>
-          </p:cNvPr>
-          <p:cNvSpPr txBox="1"/>
-          <p:nvPr/>
-        </p:nvSpPr>
-        <p:spPr>
-          <a:xfrm>
-            <a:off x="1385739" y="2642151"/>
-            <a:ext cx="2686639" cy="615553"/>
-          </a:xfrm>
-          <a:prstGeom prst="rect">
-            <a:avLst/>
-          </a:prstGeom>
-          <a:noFill/>
-        </p:spPr>
-        <p:txBody>
-          <a:bodyPr wrap="square" rtlCol="0">
-            <a:spAutoFit/>
-          </a:bodyPr>
-          <a:lstStyle/>
-          <a:p>
-            <a:r>
-              <a:rPr lang="tr-TR" dirty="0"/>
-              <a:t>EasyCrm.BasketService</a:t>
-            </a:r>
-            <a:br>
-              <a:rPr lang="tr-TR" dirty="0"/>
-            </a:br>
-            <a:r>
-              <a:rPr lang="tr-TR" sz="1600" b="1" dirty="0">
-                <a:solidFill>
-                  <a:srgbClr val="7030A0"/>
-                </a:solidFill>
-              </a:rPr>
-              <a:t>.NET Solution</a:t>
-            </a:r>
-            <a:endParaRPr lang="en-US" sz="1600" b="1" dirty="0">
-              <a:solidFill>
-                <a:srgbClr val="7030A0"/>
-              </a:solidFill>
-            </a:endParaRPr>
-          </a:p>
-        </p:txBody>
-      </p:sp>
-      <p:pic>
-        <p:nvPicPr>
-          <p:cNvPr id="14" name="Picture 2" descr="Visual Studio logo and symbol, meaning, history, PNG">
-            <a:extLst>
-              <a:ext uri="{FF2B5EF4-FFF2-40B4-BE49-F238E27FC236}">
-                <a16:creationId xmlns:a16="http://schemas.microsoft.com/office/drawing/2014/main" id="{FA2E3F83-F143-1D8E-DAE6-1840958086B4}"/>
-              </a:ext>
-            </a:extLst>
-          </p:cNvPr>
-          <p:cNvPicPr>
-            <a:picLocks noChangeAspect="1" noChangeArrowheads="1"/>
-          </p:cNvPicPr>
-          <p:nvPr/>
-        </p:nvPicPr>
-        <p:blipFill>
-          <a:blip r:embed="rId3">
-            <a:extLst>
-              <a:ext uri="{28A0092B-C50C-407E-A947-70E740481C1C}">
-                <a14:useLocalDpi xmlns:a14="http://schemas.microsoft.com/office/drawing/2010/main" val="0"/>
-              </a:ext>
-            </a:extLst>
-          </a:blip>
-          <a:srcRect/>
-          <a:stretch>
-            <a:fillRect/>
-          </a:stretch>
-        </p:blipFill>
-        <p:spPr bwMode="auto">
-          <a:xfrm>
-            <a:off x="508262" y="3491358"/>
-            <a:ext cx="1022285" cy="575035"/>
-          </a:xfrm>
-          <a:prstGeom prst="rect">
-            <a:avLst/>
-          </a:prstGeom>
-          <a:noFill/>
-          <a:extLst>
-            <a:ext uri="{909E8E84-426E-40DD-AFC4-6F175D3DCCD1}">
-              <a14:hiddenFill xmlns:a14="http://schemas.microsoft.com/office/drawing/2010/main">
-                <a:solidFill>
-                  <a:srgbClr val="FFFFFF"/>
-                </a:solidFill>
-              </a14:hiddenFill>
-            </a:ext>
-          </a:extLst>
-        </p:spPr>
-      </p:pic>
-      <p:sp>
-        <p:nvSpPr>
-          <p:cNvPr id="15" name="TextBox 14">
-            <a:extLst>
-              <a:ext uri="{FF2B5EF4-FFF2-40B4-BE49-F238E27FC236}">
-                <a16:creationId xmlns:a16="http://schemas.microsoft.com/office/drawing/2014/main" id="{8AE20EE5-520E-5A94-0426-09F88CA59D16}"/>
-              </a:ext>
-            </a:extLst>
-          </p:cNvPr>
-          <p:cNvSpPr txBox="1"/>
-          <p:nvPr/>
-        </p:nvSpPr>
-        <p:spPr>
-          <a:xfrm>
-            <a:off x="1385739" y="3471098"/>
-            <a:ext cx="2686639" cy="615553"/>
-          </a:xfrm>
-          <a:prstGeom prst="rect">
-            <a:avLst/>
-          </a:prstGeom>
-          <a:noFill/>
-        </p:spPr>
-        <p:txBody>
-          <a:bodyPr wrap="square" rtlCol="0">
-            <a:spAutoFit/>
-          </a:bodyPr>
-          <a:lstStyle/>
-          <a:p>
-            <a:r>
-              <a:rPr lang="tr-TR" dirty="0"/>
-              <a:t>EasyCrm.CatalogService</a:t>
-            </a:r>
-            <a:br>
-              <a:rPr lang="tr-TR" dirty="0"/>
-            </a:br>
-            <a:r>
-              <a:rPr lang="tr-TR" sz="1600" b="1" dirty="0">
-                <a:solidFill>
-                  <a:srgbClr val="7030A0"/>
-                </a:solidFill>
-              </a:rPr>
-              <a:t>.NET Solution</a:t>
-            </a:r>
-            <a:endParaRPr lang="en-US" sz="1600" b="1" dirty="0">
-              <a:solidFill>
-                <a:srgbClr val="7030A0"/>
-              </a:solidFill>
-            </a:endParaRPr>
-          </a:p>
-        </p:txBody>
-      </p:sp>
-      <p:pic>
-        <p:nvPicPr>
-          <p:cNvPr id="16" name="Picture 2" descr="Visual Studio logo and symbol, meaning, history, PNG">
-            <a:extLst>
-              <a:ext uri="{FF2B5EF4-FFF2-40B4-BE49-F238E27FC236}">
-                <a16:creationId xmlns:a16="http://schemas.microsoft.com/office/drawing/2014/main" id="{A5A15884-D5FC-2F7B-0F5C-26249FC84A6E}"/>
-              </a:ext>
-            </a:extLst>
-          </p:cNvPr>
-          <p:cNvPicPr>
-            <a:picLocks noChangeAspect="1" noChangeArrowheads="1"/>
-          </p:cNvPicPr>
-          <p:nvPr/>
-        </p:nvPicPr>
-        <p:blipFill>
-          <a:blip r:embed="rId3">
-            <a:extLst>
-              <a:ext uri="{28A0092B-C50C-407E-A947-70E740481C1C}">
-                <a14:useLocalDpi xmlns:a14="http://schemas.microsoft.com/office/drawing/2010/main" val="0"/>
-              </a:ext>
-            </a:extLst>
-          </a:blip>
-          <a:srcRect/>
-          <a:stretch>
-            <a:fillRect/>
-          </a:stretch>
-        </p:blipFill>
-        <p:spPr bwMode="auto">
-          <a:xfrm>
-            <a:off x="508262" y="4309604"/>
-            <a:ext cx="1022285" cy="575035"/>
-          </a:xfrm>
-          <a:prstGeom prst="rect">
-            <a:avLst/>
-          </a:prstGeom>
-          <a:noFill/>
-          <a:extLst>
-            <a:ext uri="{909E8E84-426E-40DD-AFC4-6F175D3DCCD1}">
-              <a14:hiddenFill xmlns:a14="http://schemas.microsoft.com/office/drawing/2010/main">
-                <a:solidFill>
-                  <a:srgbClr val="FFFFFF"/>
-                </a:solidFill>
-              </a14:hiddenFill>
-            </a:ext>
-          </a:extLst>
-        </p:spPr>
-      </p:pic>
-      <p:sp>
-        <p:nvSpPr>
-          <p:cNvPr id="17" name="TextBox 16">
-            <a:extLst>
-              <a:ext uri="{FF2B5EF4-FFF2-40B4-BE49-F238E27FC236}">
-                <a16:creationId xmlns:a16="http://schemas.microsoft.com/office/drawing/2014/main" id="{AE930640-1050-1E42-7211-F0BE4B0B86A4}"/>
-              </a:ext>
-            </a:extLst>
-          </p:cNvPr>
-          <p:cNvSpPr txBox="1"/>
-          <p:nvPr/>
-        </p:nvSpPr>
-        <p:spPr>
-          <a:xfrm>
-            <a:off x="1385739" y="4289344"/>
-            <a:ext cx="2686639" cy="615553"/>
-          </a:xfrm>
-          <a:prstGeom prst="rect">
-            <a:avLst/>
-          </a:prstGeom>
-          <a:noFill/>
-        </p:spPr>
-        <p:txBody>
-          <a:bodyPr wrap="square" rtlCol="0">
-            <a:spAutoFit/>
-          </a:bodyPr>
-          <a:lstStyle/>
-          <a:p>
-            <a:r>
-              <a:rPr lang="tr-TR" dirty="0"/>
-              <a:t>EasyCrm.CustomerService</a:t>
-            </a:r>
-            <a:br>
-              <a:rPr lang="tr-TR" dirty="0"/>
-            </a:br>
-            <a:r>
-              <a:rPr lang="tr-TR" sz="1600" b="1" dirty="0">
-                <a:solidFill>
-                  <a:srgbClr val="7030A0"/>
-                </a:solidFill>
-              </a:rPr>
-              <a:t>.NET Solution</a:t>
-            </a:r>
-            <a:endParaRPr lang="en-US" sz="1600" b="1" dirty="0">
-              <a:solidFill>
-                <a:srgbClr val="7030A0"/>
-              </a:solidFill>
-            </a:endParaRPr>
-          </a:p>
-        </p:txBody>
-      </p:sp>
-      <p:pic>
-        <p:nvPicPr>
-          <p:cNvPr id="1028" name="Picture 4" descr="Jigsaw Puzzle Vector PNG Images, Jigsaw Puzzle Icon Web Assemble, Shape,  Concept, Swot PNG Image For Free Download">
-            <a:extLst>
-              <a:ext uri="{FF2B5EF4-FFF2-40B4-BE49-F238E27FC236}">
-                <a16:creationId xmlns:a16="http://schemas.microsoft.com/office/drawing/2014/main" id="{84E21541-B48C-FF65-D7B5-3ADAB07C45A1}"/>
-              </a:ext>
-            </a:extLst>
-          </p:cNvPr>
-          <p:cNvPicPr>
-            <a:picLocks noChangeAspect="1" noChangeArrowheads="1"/>
-          </p:cNvPicPr>
-          <p:nvPr/>
-        </p:nvPicPr>
-        <p:blipFill>
-          <a:blip r:embed="rId4">
-            <a:extLst>
-              <a:ext uri="{28A0092B-C50C-407E-A947-70E740481C1C}">
-                <a14:useLocalDpi xmlns:a14="http://schemas.microsoft.com/office/drawing/2010/main" val="0"/>
-              </a:ext>
-            </a:extLst>
-          </a:blip>
-          <a:srcRect/>
-          <a:stretch>
-            <a:fillRect/>
-          </a:stretch>
-        </p:blipFill>
-        <p:spPr bwMode="auto">
-          <a:xfrm>
-            <a:off x="4878293" y="1674545"/>
-            <a:ext cx="898370" cy="898370"/>
-          </a:xfrm>
-          <a:prstGeom prst="rect">
-            <a:avLst/>
-          </a:prstGeom>
-          <a:noFill/>
-          <a:extLst>
-            <a:ext uri="{909E8E84-426E-40DD-AFC4-6F175D3DCCD1}">
-              <a14:hiddenFill xmlns:a14="http://schemas.microsoft.com/office/drawing/2010/main">
-                <a:solidFill>
-                  <a:srgbClr val="FFFFFF"/>
-                </a:solidFill>
-              </a14:hiddenFill>
-            </a:ext>
-          </a:extLst>
-        </p:spPr>
-      </p:pic>
-      <p:sp>
-        <p:nvSpPr>
-          <p:cNvPr id="18" name="TextBox 17">
-            <a:extLst>
-              <a:ext uri="{FF2B5EF4-FFF2-40B4-BE49-F238E27FC236}">
-                <a16:creationId xmlns:a16="http://schemas.microsoft.com/office/drawing/2014/main" id="{F13371DA-084A-B484-0CCD-70884CCE3464}"/>
-              </a:ext>
-            </a:extLst>
-          </p:cNvPr>
-          <p:cNvSpPr txBox="1"/>
-          <p:nvPr/>
-        </p:nvSpPr>
-        <p:spPr>
-          <a:xfrm>
-            <a:off x="5583182" y="1803647"/>
-            <a:ext cx="2686639" cy="615553"/>
-          </a:xfrm>
-          <a:prstGeom prst="rect">
-            <a:avLst/>
-          </a:prstGeom>
-          <a:noFill/>
-        </p:spPr>
-        <p:txBody>
-          <a:bodyPr wrap="square" rtlCol="0">
-            <a:spAutoFit/>
-          </a:bodyPr>
-          <a:lstStyle/>
-          <a:p>
-            <a:r>
-              <a:rPr lang="tr-TR" dirty="0"/>
-              <a:t>EasyCrm.OrderingService</a:t>
-            </a:r>
-            <a:br>
-              <a:rPr lang="tr-TR" dirty="0"/>
-            </a:br>
-            <a:r>
-              <a:rPr lang="tr-TR" sz="1600" b="1" dirty="0">
-                <a:solidFill>
-                  <a:srgbClr val="00B050"/>
-                </a:solidFill>
-              </a:rPr>
-              <a:t>ABP Studio Module</a:t>
-            </a:r>
-            <a:endParaRPr lang="en-US" sz="1600" b="1" dirty="0">
-              <a:solidFill>
-                <a:srgbClr val="00B050"/>
-              </a:solidFill>
-            </a:endParaRPr>
-          </a:p>
-        </p:txBody>
-      </p:sp>
-      <p:cxnSp>
-        <p:nvCxnSpPr>
-          <p:cNvPr id="20" name="Straight Arrow Connector 19">
-            <a:extLst>
-              <a:ext uri="{FF2B5EF4-FFF2-40B4-BE49-F238E27FC236}">
-                <a16:creationId xmlns:a16="http://schemas.microsoft.com/office/drawing/2014/main" id="{16F8133B-9D6A-8F62-4241-0DBD39541B32}"/>
-              </a:ext>
-            </a:extLst>
-          </p:cNvPr>
-          <p:cNvCxnSpPr>
-            <a:stCxn id="9" idx="3"/>
-            <a:endCxn id="1028" idx="1"/>
-          </p:cNvCxnSpPr>
-          <p:nvPr/>
-        </p:nvCxnSpPr>
-        <p:spPr>
-          <a:xfrm flipV="1">
-            <a:off x="4072378" y="2123730"/>
-            <a:ext cx="805915" cy="7952"/>
-          </a:xfrm>
-          <a:prstGeom prst="straightConnector1">
-            <a:avLst/>
-          </a:prstGeom>
-          <a:ln w="63500" cap="flat" cmpd="sng" algn="ctr">
-            <a:solidFill>
-              <a:schemeClr val="accent2"/>
-            </a:solidFill>
-            <a:prstDash val="solid"/>
-            <a:round/>
-            <a:headEnd type="none" w="med" len="med"/>
-            <a:tailEnd type="arrow" w="med" len="med"/>
-          </a:ln>
-        </p:spPr>
-        <p:style>
-          <a:lnRef idx="0">
-            <a:scrgbClr r="0" g="0" b="0"/>
-          </a:lnRef>
-          <a:fillRef idx="0">
-            <a:scrgbClr r="0" g="0" b="0"/>
-          </a:fillRef>
-          <a:effectRef idx="0">
-            <a:scrgbClr r="0" g="0" b="0"/>
-          </a:effectRef>
-          <a:fontRef idx="minor">
-            <a:schemeClr val="tx1"/>
-          </a:fontRef>
-        </p:style>
-      </p:cxnSp>
-      <p:pic>
-        <p:nvPicPr>
-          <p:cNvPr id="21" name="Picture 4" descr="Jigsaw Puzzle Vector PNG Images, Jigsaw Puzzle Icon Web Assemble, Shape,  Concept, Swot PNG Image For Free Download">
-            <a:extLst>
-              <a:ext uri="{FF2B5EF4-FFF2-40B4-BE49-F238E27FC236}">
-                <a16:creationId xmlns:a16="http://schemas.microsoft.com/office/drawing/2014/main" id="{157E3AAA-DE7E-EDD3-C17D-5E075E0455CB}"/>
-              </a:ext>
-            </a:extLst>
-          </p:cNvPr>
-          <p:cNvPicPr>
-            <a:picLocks noChangeAspect="1" noChangeArrowheads="1"/>
-          </p:cNvPicPr>
-          <p:nvPr/>
-        </p:nvPicPr>
-        <p:blipFill>
-          <a:blip r:embed="rId4">
-            <a:extLst>
-              <a:ext uri="{28A0092B-C50C-407E-A947-70E740481C1C}">
-                <a14:useLocalDpi xmlns:a14="http://schemas.microsoft.com/office/drawing/2010/main" val="0"/>
-              </a:ext>
-            </a:extLst>
-          </a:blip>
-          <a:srcRect/>
-          <a:stretch>
-            <a:fillRect/>
-          </a:stretch>
-        </p:blipFill>
-        <p:spPr bwMode="auto">
-          <a:xfrm>
-            <a:off x="4878293" y="2492791"/>
-            <a:ext cx="898370" cy="898370"/>
-          </a:xfrm>
-          <a:prstGeom prst="rect">
-            <a:avLst/>
-          </a:prstGeom>
-          <a:noFill/>
-          <a:extLst>
-            <a:ext uri="{909E8E84-426E-40DD-AFC4-6F175D3DCCD1}">
-              <a14:hiddenFill xmlns:a14="http://schemas.microsoft.com/office/drawing/2010/main">
-                <a:solidFill>
-                  <a:srgbClr val="FFFFFF"/>
-                </a:solidFill>
-              </a14:hiddenFill>
-            </a:ext>
-          </a:extLst>
-        </p:spPr>
-      </p:pic>
-      <p:sp>
-        <p:nvSpPr>
-          <p:cNvPr id="22" name="TextBox 21">
-            <a:extLst>
-              <a:ext uri="{FF2B5EF4-FFF2-40B4-BE49-F238E27FC236}">
-                <a16:creationId xmlns:a16="http://schemas.microsoft.com/office/drawing/2014/main" id="{42496979-150D-D715-4B7A-6E18619E39D2}"/>
-              </a:ext>
-            </a:extLst>
-          </p:cNvPr>
-          <p:cNvSpPr txBox="1"/>
-          <p:nvPr/>
-        </p:nvSpPr>
-        <p:spPr>
-          <a:xfrm>
-            <a:off x="5583182" y="2621893"/>
-            <a:ext cx="2686639" cy="615553"/>
-          </a:xfrm>
-          <a:prstGeom prst="rect">
-            <a:avLst/>
-          </a:prstGeom>
-          <a:noFill/>
-        </p:spPr>
-        <p:txBody>
-          <a:bodyPr wrap="square" rtlCol="0">
-            <a:spAutoFit/>
-          </a:bodyPr>
-          <a:lstStyle/>
-          <a:p>
-            <a:r>
-              <a:rPr lang="tr-TR" dirty="0"/>
-              <a:t>EasyCrm.BasketService</a:t>
-            </a:r>
-            <a:br>
-              <a:rPr lang="tr-TR" dirty="0"/>
-            </a:br>
-            <a:r>
-              <a:rPr lang="tr-TR" sz="1600" b="1" dirty="0">
-                <a:solidFill>
-                  <a:srgbClr val="00B050"/>
-                </a:solidFill>
-              </a:rPr>
-              <a:t>ABP Studio Module</a:t>
-            </a:r>
-            <a:endParaRPr lang="en-US" sz="1600" b="1" dirty="0">
-              <a:solidFill>
-                <a:srgbClr val="00B050"/>
-              </a:solidFill>
-            </a:endParaRPr>
-          </a:p>
-        </p:txBody>
-      </p:sp>
-      <p:cxnSp>
-        <p:nvCxnSpPr>
-          <p:cNvPr id="23" name="Straight Arrow Connector 22">
-            <a:extLst>
-              <a:ext uri="{FF2B5EF4-FFF2-40B4-BE49-F238E27FC236}">
-                <a16:creationId xmlns:a16="http://schemas.microsoft.com/office/drawing/2014/main" id="{67C3CFD1-A712-1E85-663A-473FB7AB3417}"/>
-              </a:ext>
-            </a:extLst>
-          </p:cNvPr>
-          <p:cNvCxnSpPr>
-            <a:endCxn id="21" idx="1"/>
-          </p:cNvCxnSpPr>
-          <p:nvPr/>
-        </p:nvCxnSpPr>
-        <p:spPr>
-          <a:xfrm flipV="1">
-            <a:off x="4072378" y="2941976"/>
-            <a:ext cx="805915" cy="7952"/>
-          </a:xfrm>
-          <a:prstGeom prst="straightConnector1">
-            <a:avLst/>
-          </a:prstGeom>
-          <a:ln w="63500" cap="flat" cmpd="sng" algn="ctr">
-            <a:solidFill>
-              <a:schemeClr val="accent2"/>
-            </a:solidFill>
-            <a:prstDash val="solid"/>
-            <a:round/>
-            <a:headEnd type="none" w="med" len="med"/>
-            <a:tailEnd type="arrow" w="med" len="med"/>
-          </a:ln>
-        </p:spPr>
-        <p:style>
-          <a:lnRef idx="0">
-            <a:scrgbClr r="0" g="0" b="0"/>
-          </a:lnRef>
-          <a:fillRef idx="0">
-            <a:scrgbClr r="0" g="0" b="0"/>
-          </a:fillRef>
-          <a:effectRef idx="0">
-            <a:scrgbClr r="0" g="0" b="0"/>
-          </a:effectRef>
-          <a:fontRef idx="minor">
-            <a:schemeClr val="tx1"/>
-          </a:fontRef>
-        </p:style>
-      </p:cxnSp>
-      <p:pic>
-        <p:nvPicPr>
-          <p:cNvPr id="27" name="Picture 4" descr="Jigsaw Puzzle Vector PNG Images, Jigsaw Puzzle Icon Web Assemble, Shape,  Concept, Swot PNG Image For Free Download">
-            <a:extLst>
-              <a:ext uri="{FF2B5EF4-FFF2-40B4-BE49-F238E27FC236}">
-                <a16:creationId xmlns:a16="http://schemas.microsoft.com/office/drawing/2014/main" id="{3EBCB2B3-9D70-769D-149C-9A4E0CC76C37}"/>
-              </a:ext>
-            </a:extLst>
-          </p:cNvPr>
-          <p:cNvPicPr>
-            <a:picLocks noChangeAspect="1" noChangeArrowheads="1"/>
-          </p:cNvPicPr>
-          <p:nvPr/>
-        </p:nvPicPr>
-        <p:blipFill>
-          <a:blip r:embed="rId4">
-            <a:extLst>
-              <a:ext uri="{28A0092B-C50C-407E-A947-70E740481C1C}">
-                <a14:useLocalDpi xmlns:a14="http://schemas.microsoft.com/office/drawing/2010/main" val="0"/>
-              </a:ext>
-            </a:extLst>
-          </a:blip>
-          <a:srcRect/>
-          <a:stretch>
-            <a:fillRect/>
-          </a:stretch>
-        </p:blipFill>
-        <p:spPr bwMode="auto">
-          <a:xfrm>
-            <a:off x="4878293" y="3362256"/>
-            <a:ext cx="898370" cy="898370"/>
-          </a:xfrm>
-          <a:prstGeom prst="rect">
-            <a:avLst/>
-          </a:prstGeom>
-          <a:noFill/>
-          <a:extLst>
-            <a:ext uri="{909E8E84-426E-40DD-AFC4-6F175D3DCCD1}">
-              <a14:hiddenFill xmlns:a14="http://schemas.microsoft.com/office/drawing/2010/main">
-                <a:solidFill>
-                  <a:srgbClr val="FFFFFF"/>
-                </a:solidFill>
-              </a14:hiddenFill>
-            </a:ext>
-          </a:extLst>
-        </p:spPr>
-      </p:pic>
-      <p:sp>
-        <p:nvSpPr>
-          <p:cNvPr id="28" name="TextBox 27">
-            <a:extLst>
-              <a:ext uri="{FF2B5EF4-FFF2-40B4-BE49-F238E27FC236}">
-                <a16:creationId xmlns:a16="http://schemas.microsoft.com/office/drawing/2014/main" id="{2CCF2123-2BA0-9696-1D6B-340936C63372}"/>
-              </a:ext>
-            </a:extLst>
-          </p:cNvPr>
-          <p:cNvSpPr txBox="1"/>
-          <p:nvPr/>
-        </p:nvSpPr>
-        <p:spPr>
-          <a:xfrm>
-            <a:off x="5583182" y="3491358"/>
-            <a:ext cx="2686639" cy="615553"/>
-          </a:xfrm>
-          <a:prstGeom prst="rect">
-            <a:avLst/>
-          </a:prstGeom>
-          <a:noFill/>
-        </p:spPr>
-        <p:txBody>
-          <a:bodyPr wrap="square" rtlCol="0">
-            <a:spAutoFit/>
-          </a:bodyPr>
-          <a:lstStyle/>
-          <a:p>
-            <a:r>
-              <a:rPr lang="tr-TR" dirty="0"/>
-              <a:t>EasyCrm.CatalogService</a:t>
-            </a:r>
-            <a:br>
-              <a:rPr lang="tr-TR" dirty="0"/>
-            </a:br>
-            <a:r>
-              <a:rPr lang="tr-TR" sz="1600" b="1" dirty="0">
-                <a:solidFill>
-                  <a:srgbClr val="00B050"/>
-                </a:solidFill>
-              </a:rPr>
-              <a:t>ABP Studio Module</a:t>
-            </a:r>
-            <a:endParaRPr lang="en-US" sz="1600" b="1" dirty="0">
-              <a:solidFill>
-                <a:srgbClr val="00B050"/>
-              </a:solidFill>
-            </a:endParaRPr>
-          </a:p>
-        </p:txBody>
-      </p:sp>
-      <p:cxnSp>
-        <p:nvCxnSpPr>
-          <p:cNvPr id="29" name="Straight Arrow Connector 28">
-            <a:extLst>
-              <a:ext uri="{FF2B5EF4-FFF2-40B4-BE49-F238E27FC236}">
-                <a16:creationId xmlns:a16="http://schemas.microsoft.com/office/drawing/2014/main" id="{006F3A1F-E780-5F40-30AE-31C5BB58F7D0}"/>
-              </a:ext>
-            </a:extLst>
-          </p:cNvPr>
-          <p:cNvCxnSpPr>
-            <a:endCxn id="27" idx="1"/>
-          </p:cNvCxnSpPr>
-          <p:nvPr/>
-        </p:nvCxnSpPr>
-        <p:spPr>
-          <a:xfrm flipV="1">
-            <a:off x="4072378" y="3811441"/>
-            <a:ext cx="805915" cy="7952"/>
-          </a:xfrm>
-          <a:prstGeom prst="straightConnector1">
-            <a:avLst/>
-          </a:prstGeom>
-          <a:ln w="63500" cap="flat" cmpd="sng" algn="ctr">
-            <a:solidFill>
-              <a:schemeClr val="accent2"/>
-            </a:solidFill>
-            <a:prstDash val="solid"/>
-            <a:round/>
-            <a:headEnd type="none" w="med" len="med"/>
-            <a:tailEnd type="arrow" w="med" len="med"/>
-          </a:ln>
-        </p:spPr>
-        <p:style>
-          <a:lnRef idx="0">
-            <a:scrgbClr r="0" g="0" b="0"/>
-          </a:lnRef>
-          <a:fillRef idx="0">
-            <a:scrgbClr r="0" g="0" b="0"/>
-          </a:fillRef>
-          <a:effectRef idx="0">
-            <a:scrgbClr r="0" g="0" b="0"/>
-          </a:effectRef>
-          <a:fontRef idx="minor">
-            <a:schemeClr val="tx1"/>
-          </a:fontRef>
-        </p:style>
-      </p:cxnSp>
-      <p:pic>
-        <p:nvPicPr>
-          <p:cNvPr id="30" name="Picture 4" descr="Jigsaw Puzzle Vector PNG Images, Jigsaw Puzzle Icon Web Assemble, Shape,  Concept, Swot PNG Image For Free Download">
-            <a:extLst>
-              <a:ext uri="{FF2B5EF4-FFF2-40B4-BE49-F238E27FC236}">
-                <a16:creationId xmlns:a16="http://schemas.microsoft.com/office/drawing/2014/main" id="{39027854-1D9B-6777-4902-532A4B3DA328}"/>
-              </a:ext>
-            </a:extLst>
-          </p:cNvPr>
-          <p:cNvPicPr>
-            <a:picLocks noChangeAspect="1" noChangeArrowheads="1"/>
-          </p:cNvPicPr>
-          <p:nvPr/>
-        </p:nvPicPr>
-        <p:blipFill>
-          <a:blip r:embed="rId4">
-            <a:extLst>
-              <a:ext uri="{28A0092B-C50C-407E-A947-70E740481C1C}">
-                <a14:useLocalDpi xmlns:a14="http://schemas.microsoft.com/office/drawing/2010/main" val="0"/>
-              </a:ext>
-            </a:extLst>
-          </a:blip>
-          <a:srcRect/>
-          <a:stretch>
-            <a:fillRect/>
-          </a:stretch>
-        </p:blipFill>
-        <p:spPr bwMode="auto">
-          <a:xfrm>
-            <a:off x="4878293" y="4180502"/>
-            <a:ext cx="898370" cy="898370"/>
-          </a:xfrm>
-          <a:prstGeom prst="rect">
-            <a:avLst/>
-          </a:prstGeom>
-          <a:noFill/>
-          <a:extLst>
-            <a:ext uri="{909E8E84-426E-40DD-AFC4-6F175D3DCCD1}">
-              <a14:hiddenFill xmlns:a14="http://schemas.microsoft.com/office/drawing/2010/main">
-                <a:solidFill>
-                  <a:srgbClr val="FFFFFF"/>
-                </a:solidFill>
-              </a14:hiddenFill>
-            </a:ext>
-          </a:extLst>
-        </p:spPr>
-      </p:pic>
-      <p:sp>
-        <p:nvSpPr>
-          <p:cNvPr id="31" name="TextBox 30">
-            <a:extLst>
-              <a:ext uri="{FF2B5EF4-FFF2-40B4-BE49-F238E27FC236}">
-                <a16:creationId xmlns:a16="http://schemas.microsoft.com/office/drawing/2014/main" id="{8C983F54-89C2-319A-7BC1-AFA7B1DDC124}"/>
-              </a:ext>
-            </a:extLst>
-          </p:cNvPr>
-          <p:cNvSpPr txBox="1"/>
-          <p:nvPr/>
-        </p:nvSpPr>
-        <p:spPr>
-          <a:xfrm>
-            <a:off x="5583182" y="4309604"/>
-            <a:ext cx="2686639" cy="615553"/>
-          </a:xfrm>
-          <a:prstGeom prst="rect">
-            <a:avLst/>
-          </a:prstGeom>
-          <a:noFill/>
-        </p:spPr>
-        <p:txBody>
-          <a:bodyPr wrap="square" rtlCol="0">
-            <a:spAutoFit/>
-          </a:bodyPr>
-          <a:lstStyle/>
-          <a:p>
-            <a:r>
-              <a:rPr lang="tr-TR" dirty="0"/>
-              <a:t>EasyCrm.CustomersService</a:t>
-            </a:r>
-            <a:br>
-              <a:rPr lang="tr-TR" dirty="0"/>
-            </a:br>
-            <a:r>
-              <a:rPr lang="tr-TR" sz="1600" b="1" dirty="0">
-                <a:solidFill>
-                  <a:srgbClr val="00B050"/>
-                </a:solidFill>
-              </a:rPr>
-              <a:t>ABP Studio Module</a:t>
-            </a:r>
-            <a:endParaRPr lang="en-US" sz="1600" b="1" dirty="0">
-              <a:solidFill>
-                <a:srgbClr val="00B050"/>
-              </a:solidFill>
-            </a:endParaRPr>
-          </a:p>
-        </p:txBody>
-      </p:sp>
-      <p:cxnSp>
-        <p:nvCxnSpPr>
-          <p:cNvPr id="32" name="Straight Arrow Connector 31">
-            <a:extLst>
-              <a:ext uri="{FF2B5EF4-FFF2-40B4-BE49-F238E27FC236}">
-                <a16:creationId xmlns:a16="http://schemas.microsoft.com/office/drawing/2014/main" id="{427114CB-A2B1-72F6-7ED5-443A7278538A}"/>
-              </a:ext>
-            </a:extLst>
-          </p:cNvPr>
-          <p:cNvCxnSpPr>
-            <a:endCxn id="30" idx="1"/>
-          </p:cNvCxnSpPr>
-          <p:nvPr/>
-        </p:nvCxnSpPr>
-        <p:spPr>
-          <a:xfrm flipV="1">
-            <a:off x="4072378" y="4629687"/>
-            <a:ext cx="805915" cy="7952"/>
-          </a:xfrm>
-          <a:prstGeom prst="straightConnector1">
-            <a:avLst/>
-          </a:prstGeom>
-          <a:ln w="63500" cap="flat" cmpd="sng" algn="ctr">
-            <a:solidFill>
-              <a:schemeClr val="accent2"/>
-            </a:solidFill>
-            <a:prstDash val="solid"/>
-            <a:round/>
-            <a:headEnd type="none" w="med" len="med"/>
-            <a:tailEnd type="arrow" w="med" len="med"/>
-          </a:ln>
-        </p:spPr>
-        <p:style>
-          <a:lnRef idx="0">
-            <a:scrgbClr r="0" g="0" b="0"/>
-          </a:lnRef>
-          <a:fillRef idx="0">
-            <a:scrgbClr r="0" g="0" b="0"/>
-          </a:fillRef>
-          <a:effectRef idx="0">
-            <a:scrgbClr r="0" g="0" b="0"/>
-          </a:effectRef>
-          <a:fontRef idx="minor">
-            <a:schemeClr val="tx1"/>
-          </a:fontRef>
-        </p:style>
-      </p:cxnSp>
-      <p:pic>
-        <p:nvPicPr>
-          <p:cNvPr id="1032" name="Picture 8" descr="Puzzle - Free education icons">
-            <a:extLst>
-              <a:ext uri="{FF2B5EF4-FFF2-40B4-BE49-F238E27FC236}">
-                <a16:creationId xmlns:a16="http://schemas.microsoft.com/office/drawing/2014/main" id="{B9C15FB3-1805-6D53-E1BF-20D34E25EE4E}"/>
-              </a:ext>
-            </a:extLst>
-          </p:cNvPr>
-          <p:cNvPicPr>
-            <a:picLocks noChangeAspect="1" noChangeArrowheads="1"/>
-          </p:cNvPicPr>
-          <p:nvPr/>
-        </p:nvPicPr>
-        <p:blipFill>
-          <a:blip r:embed="rId5">
-            <a:extLst>
-              <a:ext uri="{28A0092B-C50C-407E-A947-70E740481C1C}">
-                <a14:useLocalDpi xmlns:a14="http://schemas.microsoft.com/office/drawing/2010/main" val="0"/>
-              </a:ext>
-            </a:extLst>
-          </a:blip>
-          <a:srcRect/>
-          <a:stretch>
-            <a:fillRect/>
-          </a:stretch>
-        </p:blipFill>
-        <p:spPr bwMode="auto">
-          <a:xfrm>
-            <a:off x="9466448" y="2567442"/>
-            <a:ext cx="749068" cy="749068"/>
-          </a:xfrm>
-          <a:prstGeom prst="rect">
-            <a:avLst/>
-          </a:prstGeom>
-          <a:noFill/>
-          <a:extLst>
-            <a:ext uri="{909E8E84-426E-40DD-AFC4-6F175D3DCCD1}">
-              <a14:hiddenFill xmlns:a14="http://schemas.microsoft.com/office/drawing/2010/main">
-                <a:solidFill>
-                  <a:srgbClr val="FFFFFF"/>
-                </a:solidFill>
-              </a14:hiddenFill>
-            </a:ext>
-          </a:extLst>
-        </p:spPr>
-      </p:pic>
-      <p:sp>
-        <p:nvSpPr>
-          <p:cNvPr id="33" name="TextBox 32">
-            <a:extLst>
-              <a:ext uri="{FF2B5EF4-FFF2-40B4-BE49-F238E27FC236}">
-                <a16:creationId xmlns:a16="http://schemas.microsoft.com/office/drawing/2014/main" id="{85FA8C14-3028-C7CF-E547-C2F591627D46}"/>
-              </a:ext>
-            </a:extLst>
-          </p:cNvPr>
-          <p:cNvSpPr txBox="1"/>
-          <p:nvPr/>
-        </p:nvSpPr>
-        <p:spPr>
-          <a:xfrm>
-            <a:off x="9385955" y="3339204"/>
-            <a:ext cx="2476107" cy="769441"/>
-          </a:xfrm>
-          <a:prstGeom prst="rect">
-            <a:avLst/>
-          </a:prstGeom>
-          <a:noFill/>
-        </p:spPr>
-        <p:txBody>
-          <a:bodyPr wrap="square" rtlCol="0">
-            <a:spAutoFit/>
-          </a:bodyPr>
-          <a:lstStyle/>
-          <a:p>
-            <a:r>
-              <a:rPr lang="tr-TR" sz="2400" dirty="0"/>
-              <a:t>EasyCrm</a:t>
-            </a:r>
-          </a:p>
-          <a:p>
-            <a:r>
-              <a:rPr lang="tr-TR" sz="2000" b="1" dirty="0">
-                <a:solidFill>
-                  <a:srgbClr val="C00000"/>
-                </a:solidFill>
-              </a:rPr>
-              <a:t>ABP Studio Solution</a:t>
-            </a:r>
-            <a:endParaRPr lang="en-US" sz="2000" b="1" dirty="0">
-              <a:solidFill>
-                <a:srgbClr val="C00000"/>
-              </a:solidFill>
-            </a:endParaRPr>
+              <a:t>Creating New Solutions</a:t>
+            </a:r>
           </a:p>
         </p:txBody>
       </p:sp>
       <p:sp>
         <p:nvSpPr>
-          <p:cNvPr id="34" name="Right Brace 33">
+          <p:cNvPr id="3" name="Content Placeholder 2">
             <a:extLst>
               <a:ext uri="{FF2B5EF4-FFF2-40B4-BE49-F238E27FC236}">
-                <a16:creationId xmlns:a16="http://schemas.microsoft.com/office/drawing/2014/main" id="{BA47AD4E-CCF6-C5E1-D3E4-3EB374FC0010}"/>
+                <a16:creationId xmlns:a16="http://schemas.microsoft.com/office/drawing/2014/main" id="{891C7693-D3DF-4635-96F4-97F3B4136FDF}"/>
               </a:ext>
             </a:extLst>
           </p:cNvPr>
-          <p:cNvSpPr/>
-          <p:nvPr/>
+          <p:cNvSpPr>
+            <a:spLocks noGrp="1"/>
+          </p:cNvSpPr>
+          <p:nvPr>
+            <p:ph idx="1"/>
+          </p:nvPr>
         </p:nvSpPr>
-        <p:spPr>
-          <a:xfrm>
-            <a:off x="8163613" y="1803647"/>
-            <a:ext cx="1055802" cy="3080992"/>
-          </a:xfrm>
-          <a:prstGeom prst="rightBrace">
-            <a:avLst/>
-          </a:prstGeom>
-          <a:ln w="63500">
-            <a:solidFill>
-              <a:schemeClr val="accent2"/>
-            </a:solidFill>
-          </a:ln>
-        </p:spPr>
-        <p:style>
-          <a:lnRef idx="1">
-            <a:schemeClr val="accent1"/>
-          </a:lnRef>
-          <a:fillRef idx="0">
-            <a:schemeClr val="accent1"/>
-          </a:fillRef>
-          <a:effectRef idx="0">
-            <a:schemeClr val="accent1"/>
-          </a:effectRef>
-          <a:fontRef idx="minor">
-            <a:schemeClr val="tx1"/>
-          </a:fontRef>
-        </p:style>
+        <p:spPr/>
         <p:txBody>
-          <a:bodyPr rtlCol="0" anchor="ctr"/>
+          <a:bodyPr>
+            <a:normAutofit lnSpcReduction="10000"/>
+          </a:bodyPr>
           <a:lstStyle/>
           <a:p>
-            <a:pPr algn="ctr"/>
-            <a:endParaRPr lang="en-US"/>
+            <a:r>
+              <a:rPr lang="en-US" dirty="0">
+                <a:latin typeface="Euclid Circular B" panose="020B0504000000000000" pitchFamily="34" charset="0"/>
+                <a:ea typeface="Euclid Circular B" panose="020B0504000000000000" pitchFamily="34" charset="0"/>
+              </a:rPr>
+              <a:t>The Startup Templates</a:t>
+            </a:r>
+          </a:p>
+          <a:p>
+            <a:pPr lvl="1"/>
+            <a:r>
+              <a:rPr lang="en-US" dirty="0">
+                <a:latin typeface="Euclid Circular B" panose="020B0504000000000000" pitchFamily="34" charset="0"/>
+                <a:ea typeface="Euclid Circular B" panose="020B0504000000000000" pitchFamily="34" charset="0"/>
+              </a:rPr>
+              <a:t>Empty</a:t>
+            </a:r>
+          </a:p>
+          <a:p>
+            <a:pPr lvl="1"/>
+            <a:r>
+              <a:rPr lang="en-US" dirty="0">
+                <a:latin typeface="Euclid Circular B" panose="020B0504000000000000" pitchFamily="34" charset="0"/>
+                <a:ea typeface="Euclid Circular B" panose="020B0504000000000000" pitchFamily="34" charset="0"/>
+              </a:rPr>
+              <a:t>Application (Single Layer)</a:t>
+            </a:r>
+          </a:p>
+          <a:p>
+            <a:pPr lvl="1"/>
+            <a:r>
+              <a:rPr lang="en-US" dirty="0">
+                <a:latin typeface="Euclid Circular B" panose="020B0504000000000000" pitchFamily="34" charset="0"/>
+                <a:ea typeface="Euclid Circular B" panose="020B0504000000000000" pitchFamily="34" charset="0"/>
+              </a:rPr>
+              <a:t>Application (Layered)</a:t>
+            </a:r>
+          </a:p>
+          <a:p>
+            <a:pPr lvl="1"/>
+            <a:r>
+              <a:rPr lang="en-US" dirty="0">
+                <a:latin typeface="Euclid Circular B" panose="020B0504000000000000" pitchFamily="34" charset="0"/>
+                <a:ea typeface="Euclid Circular B" panose="020B0504000000000000" pitchFamily="34" charset="0"/>
+              </a:rPr>
+              <a:t>Microservice</a:t>
+            </a:r>
+          </a:p>
+          <a:p>
+            <a:r>
+              <a:rPr lang="en-US" dirty="0">
+                <a:latin typeface="Euclid Circular B" panose="020B0504000000000000" pitchFamily="34" charset="0"/>
+                <a:ea typeface="Euclid Circular B" panose="020B0504000000000000" pitchFamily="34" charset="0"/>
+              </a:rPr>
+              <a:t>Options for the startup templates</a:t>
+            </a:r>
+          </a:p>
+          <a:p>
+            <a:pPr lvl="1"/>
+            <a:r>
+              <a:rPr lang="en-US" dirty="0">
+                <a:latin typeface="Euclid Circular B" panose="020B0504000000000000" pitchFamily="34" charset="0"/>
+                <a:ea typeface="Euclid Circular B" panose="020B0504000000000000" pitchFamily="34" charset="0"/>
+              </a:rPr>
+              <a:t>Database, UI Framework, UI Theme, Optional Modules, …</a:t>
+            </a:r>
+          </a:p>
+          <a:p>
+            <a:r>
+              <a:rPr lang="en-US" dirty="0">
+                <a:latin typeface="Euclid Circular B" panose="020B0504000000000000" pitchFamily="34" charset="0"/>
+                <a:ea typeface="Euclid Circular B" panose="020B0504000000000000" pitchFamily="34" charset="0"/>
+              </a:rPr>
+              <a:t>Imported Modules &amp; Dependencies</a:t>
+            </a:r>
+          </a:p>
+          <a:p>
+            <a:r>
+              <a:rPr lang="en-US" dirty="0">
+                <a:latin typeface="Euclid Circular B" panose="020B0504000000000000" pitchFamily="34" charset="0"/>
+                <a:ea typeface="Euclid Circular B" panose="020B0504000000000000" pitchFamily="34" charset="0"/>
+              </a:rPr>
+              <a:t>ABP &amp; .NET CLI Commands</a:t>
+            </a:r>
+          </a:p>
+          <a:p>
+            <a:r>
+              <a:rPr lang="en-US" dirty="0">
+                <a:latin typeface="Euclid Circular B" panose="020B0504000000000000" pitchFamily="34" charset="0"/>
+                <a:ea typeface="Euclid Circular B" panose="020B0504000000000000" pitchFamily="34" charset="0"/>
+              </a:rPr>
+              <a:t>Running the Application</a:t>
+            </a:r>
           </a:p>
         </p:txBody>
       </p:sp>
-      <p:sp>
-        <p:nvSpPr>
-          <p:cNvPr id="36" name="TextBox 35">
-            <a:extLst>
-              <a:ext uri="{FF2B5EF4-FFF2-40B4-BE49-F238E27FC236}">
-                <a16:creationId xmlns:a16="http://schemas.microsoft.com/office/drawing/2014/main" id="{B9EB26F7-AC00-B2B8-C527-08C31135BEBD}"/>
-              </a:ext>
-            </a:extLst>
-          </p:cNvPr>
-          <p:cNvSpPr txBox="1"/>
-          <p:nvPr/>
-        </p:nvSpPr>
-        <p:spPr>
-          <a:xfrm>
-            <a:off x="1712510" y="5673980"/>
-            <a:ext cx="3046796" cy="615553"/>
-          </a:xfrm>
-          <a:prstGeom prst="rect">
-            <a:avLst/>
-          </a:prstGeom>
-          <a:noFill/>
-        </p:spPr>
-        <p:txBody>
-          <a:bodyPr wrap="square" rtlCol="0">
-            <a:spAutoFit/>
-          </a:bodyPr>
-          <a:lstStyle/>
-          <a:p>
-            <a:r>
-              <a:rPr lang="tr-TR" dirty="0"/>
-              <a:t>EasyCrm.CustomerService.UI</a:t>
-            </a:r>
-            <a:br>
-              <a:rPr lang="tr-TR" dirty="0"/>
-            </a:br>
-            <a:r>
-              <a:rPr lang="tr-TR" sz="1600" b="1" dirty="0">
-                <a:solidFill>
-                  <a:srgbClr val="7030A0"/>
-                </a:solidFill>
-              </a:rPr>
-              <a:t>.NET Project (.csproj)</a:t>
-            </a:r>
-            <a:endParaRPr lang="en-US" sz="1600" b="1" dirty="0">
-              <a:solidFill>
-                <a:srgbClr val="7030A0"/>
-              </a:solidFill>
-            </a:endParaRPr>
-          </a:p>
-        </p:txBody>
-      </p:sp>
-      <p:pic>
-        <p:nvPicPr>
-          <p:cNvPr id="1034" name="Picture 10" descr="C Sharp (C#) &quot; Icon - Download for free – Iconduck">
-            <a:extLst>
-              <a:ext uri="{FF2B5EF4-FFF2-40B4-BE49-F238E27FC236}">
-                <a16:creationId xmlns:a16="http://schemas.microsoft.com/office/drawing/2014/main" id="{226BB4D5-B33B-D985-0ABF-7DAA371642DD}"/>
-              </a:ext>
-            </a:extLst>
-          </p:cNvPr>
-          <p:cNvPicPr>
-            <a:picLocks noChangeAspect="1" noChangeArrowheads="1"/>
-          </p:cNvPicPr>
-          <p:nvPr/>
-        </p:nvPicPr>
-        <p:blipFill>
-          <a:blip r:embed="rId6">
-            <a:extLst>
-              <a:ext uri="{28A0092B-C50C-407E-A947-70E740481C1C}">
-                <a14:useLocalDpi xmlns:a14="http://schemas.microsoft.com/office/drawing/2010/main" val="0"/>
-              </a:ext>
-            </a:extLst>
-          </a:blip>
-          <a:srcRect/>
-          <a:stretch>
-            <a:fillRect/>
-          </a:stretch>
-        </p:blipFill>
-        <p:spPr bwMode="auto">
-          <a:xfrm>
-            <a:off x="1250598" y="5722133"/>
-            <a:ext cx="461912" cy="519245"/>
-          </a:xfrm>
-          <a:prstGeom prst="rect">
-            <a:avLst/>
-          </a:prstGeom>
-          <a:noFill/>
-          <a:extLst>
-            <a:ext uri="{909E8E84-426E-40DD-AFC4-6F175D3DCCD1}">
-              <a14:hiddenFill xmlns:a14="http://schemas.microsoft.com/office/drawing/2010/main">
-                <a:solidFill>
-                  <a:srgbClr val="FFFFFF"/>
-                </a:solidFill>
-              </a14:hiddenFill>
-            </a:ext>
-          </a:extLst>
-        </p:spPr>
-      </p:pic>
-      <p:sp>
-        <p:nvSpPr>
-          <p:cNvPr id="37" name="TextBox 36">
-            <a:extLst>
-              <a:ext uri="{FF2B5EF4-FFF2-40B4-BE49-F238E27FC236}">
-                <a16:creationId xmlns:a16="http://schemas.microsoft.com/office/drawing/2014/main" id="{3CD393AA-53D9-966C-049C-569226106D85}"/>
-              </a:ext>
-            </a:extLst>
-          </p:cNvPr>
-          <p:cNvSpPr txBox="1"/>
-          <p:nvPr/>
-        </p:nvSpPr>
-        <p:spPr>
-          <a:xfrm>
-            <a:off x="6746423" y="5673980"/>
-            <a:ext cx="3046796" cy="615553"/>
-          </a:xfrm>
-          <a:prstGeom prst="rect">
-            <a:avLst/>
-          </a:prstGeom>
-          <a:noFill/>
-        </p:spPr>
-        <p:txBody>
-          <a:bodyPr wrap="square" rtlCol="0">
-            <a:spAutoFit/>
-          </a:bodyPr>
-          <a:lstStyle/>
-          <a:p>
-            <a:r>
-              <a:rPr lang="tr-TR" dirty="0"/>
-              <a:t>EasyCrm.CustomerService.UI</a:t>
-            </a:r>
-            <a:br>
-              <a:rPr lang="tr-TR" dirty="0"/>
-            </a:br>
-            <a:r>
-              <a:rPr lang="tr-TR" sz="1600" b="1" dirty="0">
-                <a:solidFill>
-                  <a:srgbClr val="7030A0"/>
-                </a:solidFill>
-              </a:rPr>
-              <a:t>ABP Studio Package</a:t>
-            </a:r>
-            <a:endParaRPr lang="en-US" sz="1600" b="1" dirty="0">
-              <a:solidFill>
-                <a:srgbClr val="7030A0"/>
-              </a:solidFill>
-            </a:endParaRPr>
-          </a:p>
-        </p:txBody>
-      </p:sp>
-      <p:cxnSp>
-        <p:nvCxnSpPr>
-          <p:cNvPr id="39" name="Straight Arrow Connector 38">
-            <a:extLst>
-              <a:ext uri="{FF2B5EF4-FFF2-40B4-BE49-F238E27FC236}">
-                <a16:creationId xmlns:a16="http://schemas.microsoft.com/office/drawing/2014/main" id="{E731054F-6689-6DC3-C3F6-AC699C9E0F1B}"/>
-              </a:ext>
-            </a:extLst>
-          </p:cNvPr>
-          <p:cNvCxnSpPr>
-            <a:cxnSpLocks/>
-          </p:cNvCxnSpPr>
-          <p:nvPr/>
-        </p:nvCxnSpPr>
-        <p:spPr>
-          <a:xfrm>
-            <a:off x="4759306" y="5989707"/>
-            <a:ext cx="1259999" cy="0"/>
-          </a:xfrm>
-          <a:prstGeom prst="straightConnector1">
-            <a:avLst/>
-          </a:prstGeom>
-          <a:ln w="63500" cap="flat" cmpd="sng" algn="ctr">
-            <a:solidFill>
-              <a:schemeClr val="accent2"/>
-            </a:solidFill>
-            <a:prstDash val="solid"/>
-            <a:round/>
-            <a:headEnd type="none" w="med" len="med"/>
-            <a:tailEnd type="arrow" w="med" len="med"/>
-          </a:ln>
-        </p:spPr>
-        <p:style>
-          <a:lnRef idx="0">
-            <a:scrgbClr r="0" g="0" b="0"/>
-          </a:lnRef>
-          <a:fillRef idx="0">
-            <a:scrgbClr r="0" g="0" b="0"/>
-          </a:fillRef>
-          <a:effectRef idx="0">
-            <a:scrgbClr r="0" g="0" b="0"/>
-          </a:effectRef>
-          <a:fontRef idx="minor">
-            <a:schemeClr val="tx1"/>
-          </a:fontRef>
-        </p:style>
-      </p:cxnSp>
-      <p:pic>
-        <p:nvPicPr>
-          <p:cNvPr id="1040" name="Picture 16" descr="Package - Free business icons">
-            <a:extLst>
-              <a:ext uri="{FF2B5EF4-FFF2-40B4-BE49-F238E27FC236}">
-                <a16:creationId xmlns:a16="http://schemas.microsoft.com/office/drawing/2014/main" id="{A0B42078-5E3C-50EC-DA28-4BA6FDC33302}"/>
-              </a:ext>
-            </a:extLst>
-          </p:cNvPr>
-          <p:cNvPicPr>
-            <a:picLocks noChangeAspect="1" noChangeArrowheads="1"/>
-          </p:cNvPicPr>
-          <p:nvPr/>
-        </p:nvPicPr>
-        <p:blipFill>
-          <a:blip r:embed="rId7">
-            <a:extLst>
-              <a:ext uri="{28A0092B-C50C-407E-A947-70E740481C1C}">
-                <a14:useLocalDpi xmlns:a14="http://schemas.microsoft.com/office/drawing/2010/main" val="0"/>
-              </a:ext>
-            </a:extLst>
-          </a:blip>
-          <a:srcRect/>
-          <a:stretch>
-            <a:fillRect/>
-          </a:stretch>
-        </p:blipFill>
-        <p:spPr bwMode="auto">
-          <a:xfrm>
-            <a:off x="6172696" y="5722133"/>
-            <a:ext cx="573727" cy="573727"/>
-          </a:xfrm>
-          <a:prstGeom prst="rect">
-            <a:avLst/>
-          </a:prstGeom>
-          <a:noFill/>
-          <a:extLst>
-            <a:ext uri="{909E8E84-426E-40DD-AFC4-6F175D3DCCD1}">
-              <a14:hiddenFill xmlns:a14="http://schemas.microsoft.com/office/drawing/2010/main">
-                <a:solidFill>
-                  <a:srgbClr val="FFFFFF"/>
-                </a:solidFill>
-              </a14:hiddenFill>
-            </a:ext>
-          </a:extLst>
-        </p:spPr>
-      </p:pic>
     </p:spTree>
     <p:extLst>
       <p:ext uri="{BB962C8B-B14F-4D97-AF65-F5344CB8AC3E}">
-        <p14:creationId xmlns:p14="http://schemas.microsoft.com/office/powerpoint/2010/main" val="2354327406"/>
+        <p14:creationId xmlns:p14="http://schemas.microsoft.com/office/powerpoint/2010/main" val="4292795698"/>
       </p:ext>
     </p:extLst>
   </p:cSld>
@@ -9756,7 +13181,11 @@
                                           </p:stCondLst>
                                         </p:cTn>
                                         <p:tgtEl>
-                                          <p:spTgt spid="1026"/>
+                                          <p:spTgt spid="3">
+                                            <p:txEl>
+                                              <p:pRg st="0" end="0"/>
+                                            </p:txEl>
+                                          </p:spTgt>
                                         </p:tgtEl>
                                         <p:attrNameLst>
                                           <p:attrName>style.visibility</p:attrName>
@@ -9770,7 +13199,11 @@
                                       <p:cBhvr>
                                         <p:cTn id="7" dur="500"/>
                                         <p:tgtEl>
-                                          <p:spTgt spid="1026"/>
+                                          <p:spTgt spid="3">
+                                            <p:txEl>
+                                              <p:pRg st="0" end="0"/>
+                                            </p:txEl>
+                                          </p:spTgt>
                                         </p:tgtEl>
                                       </p:cBhvr>
                                     </p:animEffect>
@@ -9778,7 +13211,7 @@
                                 </p:cTn>
                               </p:par>
                               <p:par>
-                                <p:cTn id="8" presetID="10" presetClass="entr" presetSubtype="0" fill="hold" grpId="0" nodeType="withEffect">
+                                <p:cTn id="8" presetID="10" presetClass="entr" presetSubtype="0" fill="hold" nodeType="withEffect">
                                   <p:stCondLst>
                                     <p:cond delay="0"/>
                                   </p:stCondLst>
@@ -9791,7 +13224,11 @@
                                           </p:stCondLst>
                                         </p:cTn>
                                         <p:tgtEl>
-                                          <p:spTgt spid="9"/>
+                                          <p:spTgt spid="3">
+                                            <p:txEl>
+                                              <p:pRg st="1" end="1"/>
+                                            </p:txEl>
+                                          </p:spTgt>
                                         </p:tgtEl>
                                         <p:attrNameLst>
                                           <p:attrName>style.visibility</p:attrName>
@@ -9805,7 +13242,11 @@
                                       <p:cBhvr>
                                         <p:cTn id="10" dur="500"/>
                                         <p:tgtEl>
-                                          <p:spTgt spid="9"/>
+                                          <p:spTgt spid="3">
+                                            <p:txEl>
+                                              <p:pRg st="1" end="1"/>
+                                            </p:txEl>
+                                          </p:spTgt>
                                         </p:tgtEl>
                                       </p:cBhvr>
                                     </p:animEffect>
@@ -9826,7 +13267,11 @@
                                           </p:stCondLst>
                                         </p:cTn>
                                         <p:tgtEl>
-                                          <p:spTgt spid="10"/>
+                                          <p:spTgt spid="3">
+                                            <p:txEl>
+                                              <p:pRg st="2" end="2"/>
+                                            </p:txEl>
+                                          </p:spTgt>
                                         </p:tgtEl>
                                         <p:attrNameLst>
                                           <p:attrName>style.visibility</p:attrName>
@@ -9840,7 +13285,11 @@
                                       <p:cBhvr>
                                         <p:cTn id="13" dur="500"/>
                                         <p:tgtEl>
-                                          <p:spTgt spid="10"/>
+                                          <p:spTgt spid="3">
+                                            <p:txEl>
+                                              <p:pRg st="2" end="2"/>
+                                            </p:txEl>
+                                          </p:spTgt>
                                         </p:tgtEl>
                                       </p:cBhvr>
                                     </p:animEffect>
@@ -9848,7 +13297,7 @@
                                 </p:cTn>
                               </p:par>
                               <p:par>
-                                <p:cTn id="14" presetID="10" presetClass="entr" presetSubtype="0" fill="hold" grpId="0" nodeType="withEffect">
+                                <p:cTn id="14" presetID="10" presetClass="entr" presetSubtype="0" fill="hold" nodeType="withEffect">
                                   <p:stCondLst>
                                     <p:cond delay="0"/>
                                   </p:stCondLst>
@@ -9861,7 +13310,11 @@
                                           </p:stCondLst>
                                         </p:cTn>
                                         <p:tgtEl>
-                                          <p:spTgt spid="11"/>
+                                          <p:spTgt spid="3">
+                                            <p:txEl>
+                                              <p:pRg st="3" end="3"/>
+                                            </p:txEl>
+                                          </p:spTgt>
                                         </p:tgtEl>
                                         <p:attrNameLst>
                                           <p:attrName>style.visibility</p:attrName>
@@ -9875,7 +13328,11 @@
                                       <p:cBhvr>
                                         <p:cTn id="16" dur="500"/>
                                         <p:tgtEl>
-                                          <p:spTgt spid="11"/>
+                                          <p:spTgt spid="3">
+                                            <p:txEl>
+                                              <p:pRg st="3" end="3"/>
+                                            </p:txEl>
+                                          </p:spTgt>
                                         </p:tgtEl>
                                       </p:cBhvr>
                                     </p:animEffect>
@@ -9896,7 +13353,11 @@
                                           </p:stCondLst>
                                         </p:cTn>
                                         <p:tgtEl>
-                                          <p:spTgt spid="14"/>
+                                          <p:spTgt spid="3">
+                                            <p:txEl>
+                                              <p:pRg st="4" end="4"/>
+                                            </p:txEl>
+                                          </p:spTgt>
                                         </p:tgtEl>
                                         <p:attrNameLst>
                                           <p:attrName>style.visibility</p:attrName>
@@ -9910,112 +13371,11 @@
                                       <p:cBhvr>
                                         <p:cTn id="19" dur="500"/>
                                         <p:tgtEl>
-                                          <p:spTgt spid="14"/>
-                                        </p:tgtEl>
-                                      </p:cBhvr>
-                                    </p:animEffect>
-                                  </p:childTnLst>
-                                </p:cTn>
-                              </p:par>
-                              <p:par>
-                                <p:cTn id="20" presetID="10" presetClass="entr" presetSubtype="0" fill="hold" grpId="0" nodeType="withEffect">
-                                  <p:stCondLst>
-                                    <p:cond delay="0"/>
-                                  </p:stCondLst>
-                                  <p:childTnLst>
-                                    <p:set>
-                                      <p:cBhvr>
-                                        <p:cTn id="21" dur="1" fill="hold">
-                                          <p:stCondLst>
-                                            <p:cond delay="0"/>
-                                          </p:stCondLst>
-                                        </p:cTn>
-                                        <p:tgtEl>
-                                          <p:spTgt spid="15"/>
-                                        </p:tgtEl>
-                                        <p:attrNameLst>
-                                          <p:attrName>style.visibility</p:attrName>
-                                        </p:attrNameLst>
-                                      </p:cBhvr>
-                                      <p:to>
-                                        <p:strVal val="visible"/>
-                                      </p:to>
-                                    </p:set>
-                                    <p:animEffect transition="in" filter="fade">
-                                      <p:cBhvr>
-                                        <p:cTn id="22" dur="500"/>
-                                        <p:tgtEl>
-                                          <p:spTgt spid="15"/>
-                                        </p:tgtEl>
-                                      </p:cBhvr>
-                                    </p:animEffect>
-                                  </p:childTnLst>
-                                </p:cTn>
-                              </p:par>
-                              <p:par>
-                                <p:cTn id="23" presetID="10" presetClass="entr" presetSubtype="0" fill="hold" nodeType="withEffect">
-                                  <p:stCondLst>
-                                    <p:cond delay="0"/>
-                                  </p:stCondLst>
-                                  <p:childTnLst>
-                                    <p:set>
-                                      <p:cBhvr>
-                                        <p:cTn id="24" dur="1" fill="hold">
-                                          <p:stCondLst>
-                                            <p:cond delay="0"/>
-                                          </p:stCondLst>
-                                        </p:cTn>
-                                        <p:tgtEl>
-                                          <p:spTgt spid="16"/>
-                                        </p:tgtEl>
-                                        <p:attrNameLst>
-                                          <p:attrName>style.visibility</p:attrName>
-                                        </p:attrNameLst>
-                                      </p:cBhvr>
-                                      <p:to>
-                                        <p:strVal val="visible"/>
-                                      </p:to>
-                                    </p:set>
-                                    <p:animEffect transition="in" filter="fade">
-                                      <p:cBhvr>
-                                        <p:cTn id="25" dur="500"/>
-                                        <p:tgtEl>
-                                          <p:spTgt spid="16"/>
-                                        </p:tgtEl>
-                                      </p:cBhvr>
-                                    </p:animEffect>
-                                  </p:childTnLst>
-                                </p:cTn>
-                              </p:par>
-                              <p:par>
-                                <p:cTn id="26" presetID="10" presetClass="entr" presetSubtype="0" fill="hold" grpId="0" nodeType="withEffect">
-                                  <p:stCondLst>
-                                    <p:cond delay="0"/>
-                                  </p:stCondLst>
-                                  <p:childTnLst>
-                                    <p:set>
-                                      <p:cBhvr>
-                                        <p:cTn id="27" dur="1" fill="hold">
-                                          <p:stCondLst>
-                                            <p:cond delay="0"/>
-                                          </p:stCondLst>
-                                        </p:cTn>
-                                        <p:tgtEl>
-                                          <p:spTgt spid="17"/>
-                                        </p:tgtEl>
-                                        <p:attrNameLst>
-                                          <p:attrName>style.visibility</p:attrName>
-                                        </p:attrNameLst>
-                                      </p:cBhvr>
-                                      <p:to>
-                                        <p:strVal val="visible"/>
-                                      </p:to>
-                                    </p:set>
-                                    <p:animEffect transition="in" filter="fade">
-                                      <p:cBhvr>
-                                        <p:cTn id="28" dur="500"/>
-                                        <p:tgtEl>
-                                          <p:spTgt spid="17"/>
+                                          <p:spTgt spid="3">
+                                            <p:txEl>
+                                              <p:pRg st="4" end="4"/>
+                                            </p:txEl>
+                                          </p:spTgt>
                                         </p:tgtEl>
                                       </p:cBhvr>
                                     </p:animEffect>
@@ -10029,32 +13389,36 @@
                     </p:cTn>
                   </p:par>
                   <p:par>
-                    <p:cTn id="29" fill="hold">
+                    <p:cTn id="20" fill="hold">
                       <p:stCondLst>
                         <p:cond delay="indefinite"/>
                       </p:stCondLst>
                       <p:childTnLst>
                         <p:par>
-                          <p:cTn id="30" fill="hold">
+                          <p:cTn id="21" fill="hold">
                             <p:stCondLst>
                               <p:cond delay="0"/>
                             </p:stCondLst>
                             <p:childTnLst>
                               <p:par>
-                                <p:cTn id="31" presetID="10" presetClass="entr" presetSubtype="0" fill="hold" nodeType="clickEffect">
+                                <p:cTn id="22" presetID="10" presetClass="entr" presetSubtype="0" fill="hold" nodeType="clickEffect">
                                   <p:stCondLst>
                                     <p:cond delay="0"/>
                                   </p:stCondLst>
                                   <p:childTnLst>
                                     <p:set>
                                       <p:cBhvr>
-                                        <p:cTn id="32" dur="1" fill="hold">
+                                        <p:cTn id="23" dur="1" fill="hold">
                                           <p:stCondLst>
                                             <p:cond delay="0"/>
                                           </p:stCondLst>
                                         </p:cTn>
                                         <p:tgtEl>
-                                          <p:spTgt spid="1028"/>
+                                          <p:spTgt spid="3">
+                                            <p:txEl>
+                                              <p:pRg st="5" end="5"/>
+                                            </p:txEl>
+                                          </p:spTgt>
                                         </p:tgtEl>
                                         <p:attrNameLst>
                                           <p:attrName>style.visibility</p:attrName>
@@ -10066,9 +13430,13 @@
                                     </p:set>
                                     <p:animEffect transition="in" filter="fade">
                                       <p:cBhvr>
-                                        <p:cTn id="33" dur="500"/>
-                                        <p:tgtEl>
-                                          <p:spTgt spid="1028"/>
+                                        <p:cTn id="24" dur="500"/>
+                                        <p:tgtEl>
+                                          <p:spTgt spid="3">
+                                            <p:txEl>
+                                              <p:pRg st="5" end="5"/>
+                                            </p:txEl>
+                                          </p:spTgt>
                                         </p:tgtEl>
                                       </p:cBhvr>
                                     </p:animEffect>
@@ -10076,20 +13444,24 @@
                                 </p:cTn>
                               </p:par>
                               <p:par>
-                                <p:cTn id="34" presetID="10" presetClass="entr" presetSubtype="0" fill="hold" grpId="0" nodeType="withEffect">
+                                <p:cTn id="25" presetID="10" presetClass="entr" presetSubtype="0" fill="hold" nodeType="withEffect">
                                   <p:stCondLst>
                                     <p:cond delay="0"/>
                                   </p:stCondLst>
                                   <p:childTnLst>
                                     <p:set>
                                       <p:cBhvr>
-                                        <p:cTn id="35" dur="1" fill="hold">
+                                        <p:cTn id="26" dur="1" fill="hold">
                                           <p:stCondLst>
                                             <p:cond delay="0"/>
                                           </p:stCondLst>
                                         </p:cTn>
                                         <p:tgtEl>
-                                          <p:spTgt spid="18"/>
+                                          <p:spTgt spid="3">
+                                            <p:txEl>
+                                              <p:pRg st="6" end="6"/>
+                                            </p:txEl>
+                                          </p:spTgt>
                                         </p:tgtEl>
                                         <p:attrNameLst>
                                           <p:attrName>style.visibility</p:attrName>
@@ -10101,359 +13473,13 @@
                                     </p:set>
                                     <p:animEffect transition="in" filter="fade">
                                       <p:cBhvr>
-                                        <p:cTn id="36" dur="500"/>
-                                        <p:tgtEl>
-                                          <p:spTgt spid="18"/>
-                                        </p:tgtEl>
-                                      </p:cBhvr>
-                                    </p:animEffect>
-                                  </p:childTnLst>
-                                </p:cTn>
-                              </p:par>
-                              <p:par>
-                                <p:cTn id="37" presetID="10" presetClass="entr" presetSubtype="0" fill="hold" nodeType="withEffect">
-                                  <p:stCondLst>
-                                    <p:cond delay="0"/>
-                                  </p:stCondLst>
-                                  <p:childTnLst>
-                                    <p:set>
-                                      <p:cBhvr>
-                                        <p:cTn id="38" dur="1" fill="hold">
-                                          <p:stCondLst>
-                                            <p:cond delay="0"/>
-                                          </p:stCondLst>
-                                        </p:cTn>
-                                        <p:tgtEl>
-                                          <p:spTgt spid="20"/>
-                                        </p:tgtEl>
-                                        <p:attrNameLst>
-                                          <p:attrName>style.visibility</p:attrName>
-                                        </p:attrNameLst>
-                                      </p:cBhvr>
-                                      <p:to>
-                                        <p:strVal val="visible"/>
-                                      </p:to>
-                                    </p:set>
-                                    <p:animEffect transition="in" filter="fade">
-                                      <p:cBhvr>
-                                        <p:cTn id="39" dur="500"/>
-                                        <p:tgtEl>
-                                          <p:spTgt spid="20"/>
-                                        </p:tgtEl>
-                                      </p:cBhvr>
-                                    </p:animEffect>
-                                  </p:childTnLst>
-                                </p:cTn>
-                              </p:par>
-                              <p:par>
-                                <p:cTn id="40" presetID="10" presetClass="entr" presetSubtype="0" fill="hold" nodeType="withEffect">
-                                  <p:stCondLst>
-                                    <p:cond delay="0"/>
-                                  </p:stCondLst>
-                                  <p:childTnLst>
-                                    <p:set>
-                                      <p:cBhvr>
-                                        <p:cTn id="41" dur="1" fill="hold">
-                                          <p:stCondLst>
-                                            <p:cond delay="0"/>
-                                          </p:stCondLst>
-                                        </p:cTn>
-                                        <p:tgtEl>
-                                          <p:spTgt spid="21"/>
-                                        </p:tgtEl>
-                                        <p:attrNameLst>
-                                          <p:attrName>style.visibility</p:attrName>
-                                        </p:attrNameLst>
-                                      </p:cBhvr>
-                                      <p:to>
-                                        <p:strVal val="visible"/>
-                                      </p:to>
-                                    </p:set>
-                                    <p:animEffect transition="in" filter="fade">
-                                      <p:cBhvr>
-                                        <p:cTn id="42" dur="500"/>
-                                        <p:tgtEl>
-                                          <p:spTgt spid="21"/>
-                                        </p:tgtEl>
-                                      </p:cBhvr>
-                                    </p:animEffect>
-                                  </p:childTnLst>
-                                </p:cTn>
-                              </p:par>
-                              <p:par>
-                                <p:cTn id="43" presetID="10" presetClass="entr" presetSubtype="0" fill="hold" grpId="0" nodeType="withEffect">
-                                  <p:stCondLst>
-                                    <p:cond delay="0"/>
-                                  </p:stCondLst>
-                                  <p:childTnLst>
-                                    <p:set>
-                                      <p:cBhvr>
-                                        <p:cTn id="44" dur="1" fill="hold">
-                                          <p:stCondLst>
-                                            <p:cond delay="0"/>
-                                          </p:stCondLst>
-                                        </p:cTn>
-                                        <p:tgtEl>
-                                          <p:spTgt spid="22"/>
-                                        </p:tgtEl>
-                                        <p:attrNameLst>
-                                          <p:attrName>style.visibility</p:attrName>
-                                        </p:attrNameLst>
-                                      </p:cBhvr>
-                                      <p:to>
-                                        <p:strVal val="visible"/>
-                                      </p:to>
-                                    </p:set>
-                                    <p:animEffect transition="in" filter="fade">
-                                      <p:cBhvr>
-                                        <p:cTn id="45" dur="500"/>
-                                        <p:tgtEl>
-                                          <p:spTgt spid="22"/>
-                                        </p:tgtEl>
-                                      </p:cBhvr>
-                                    </p:animEffect>
-                                  </p:childTnLst>
-                                </p:cTn>
-                              </p:par>
-                              <p:par>
-                                <p:cTn id="46" presetID="10" presetClass="entr" presetSubtype="0" fill="hold" nodeType="withEffect">
-                                  <p:stCondLst>
-                                    <p:cond delay="0"/>
-                                  </p:stCondLst>
-                                  <p:childTnLst>
-                                    <p:set>
-                                      <p:cBhvr>
-                                        <p:cTn id="47" dur="1" fill="hold">
-                                          <p:stCondLst>
-                                            <p:cond delay="0"/>
-                                          </p:stCondLst>
-                                        </p:cTn>
-                                        <p:tgtEl>
-                                          <p:spTgt spid="23"/>
-                                        </p:tgtEl>
-                                        <p:attrNameLst>
-                                          <p:attrName>style.visibility</p:attrName>
-                                        </p:attrNameLst>
-                                      </p:cBhvr>
-                                      <p:to>
-                                        <p:strVal val="visible"/>
-                                      </p:to>
-                                    </p:set>
-                                    <p:animEffect transition="in" filter="fade">
-                                      <p:cBhvr>
-                                        <p:cTn id="48" dur="500"/>
-                                        <p:tgtEl>
-                                          <p:spTgt spid="23"/>
-                                        </p:tgtEl>
-                                      </p:cBhvr>
-                                    </p:animEffect>
-                                  </p:childTnLst>
-                                </p:cTn>
-                              </p:par>
-                              <p:par>
-                                <p:cTn id="49" presetID="10" presetClass="entr" presetSubtype="0" fill="hold" nodeType="withEffect">
-                                  <p:stCondLst>
-                                    <p:cond delay="0"/>
-                                  </p:stCondLst>
-                                  <p:childTnLst>
-                                    <p:set>
-                                      <p:cBhvr>
-                                        <p:cTn id="50" dur="1" fill="hold">
-                                          <p:stCondLst>
-                                            <p:cond delay="0"/>
-                                          </p:stCondLst>
-                                        </p:cTn>
-                                        <p:tgtEl>
-                                          <p:spTgt spid="27"/>
-                                        </p:tgtEl>
-                                        <p:attrNameLst>
-                                          <p:attrName>style.visibility</p:attrName>
-                                        </p:attrNameLst>
-                                      </p:cBhvr>
-                                      <p:to>
-                                        <p:strVal val="visible"/>
-                                      </p:to>
-                                    </p:set>
-                                    <p:animEffect transition="in" filter="fade">
-                                      <p:cBhvr>
-                                        <p:cTn id="51" dur="500"/>
-                                        <p:tgtEl>
-                                          <p:spTgt spid="27"/>
-                                        </p:tgtEl>
-                                      </p:cBhvr>
-                                    </p:animEffect>
-                                  </p:childTnLst>
-                                </p:cTn>
-                              </p:par>
-                              <p:par>
-                                <p:cTn id="52" presetID="10" presetClass="entr" presetSubtype="0" fill="hold" grpId="0" nodeType="withEffect">
-                                  <p:stCondLst>
-                                    <p:cond delay="0"/>
-                                  </p:stCondLst>
-                                  <p:childTnLst>
-                                    <p:set>
-                                      <p:cBhvr>
-                                        <p:cTn id="53" dur="1" fill="hold">
-                                          <p:stCondLst>
-                                            <p:cond delay="0"/>
-                                          </p:stCondLst>
-                                        </p:cTn>
-                                        <p:tgtEl>
-                                          <p:spTgt spid="28"/>
-                                        </p:tgtEl>
-                                        <p:attrNameLst>
-                                          <p:attrName>style.visibility</p:attrName>
-                                        </p:attrNameLst>
-                                      </p:cBhvr>
-                                      <p:to>
-                                        <p:strVal val="visible"/>
-                                      </p:to>
-                                    </p:set>
-                                    <p:animEffect transition="in" filter="fade">
-                                      <p:cBhvr>
-                                        <p:cTn id="54" dur="500"/>
-                                        <p:tgtEl>
-                                          <p:spTgt spid="28"/>
-                                        </p:tgtEl>
-                                      </p:cBhvr>
-                                    </p:animEffect>
-                                  </p:childTnLst>
-                                </p:cTn>
-                              </p:par>
-                              <p:par>
-                                <p:cTn id="55" presetID="10" presetClass="entr" presetSubtype="0" fill="hold" nodeType="withEffect">
-                                  <p:stCondLst>
-                                    <p:cond delay="0"/>
-                                  </p:stCondLst>
-                                  <p:childTnLst>
-                                    <p:set>
-                                      <p:cBhvr>
-                                        <p:cTn id="56" dur="1" fill="hold">
-                                          <p:stCondLst>
-                                            <p:cond delay="0"/>
-                                          </p:stCondLst>
-                                        </p:cTn>
-                                        <p:tgtEl>
-                                          <p:spTgt spid="29"/>
-                                        </p:tgtEl>
-                                        <p:attrNameLst>
-                                          <p:attrName>style.visibility</p:attrName>
-                                        </p:attrNameLst>
-                                      </p:cBhvr>
-                                      <p:to>
-                                        <p:strVal val="visible"/>
-                                      </p:to>
-                                    </p:set>
-                                    <p:animEffect transition="in" filter="fade">
-                                      <p:cBhvr>
-                                        <p:cTn id="57" dur="500"/>
-                                        <p:tgtEl>
-                                          <p:spTgt spid="29"/>
-                                        </p:tgtEl>
-                                      </p:cBhvr>
-                                    </p:animEffect>
-                                  </p:childTnLst>
-                                </p:cTn>
-                              </p:par>
-                              <p:par>
-                                <p:cTn id="58" presetID="10" presetClass="entr" presetSubtype="0" fill="hold" nodeType="withEffect">
-                                  <p:stCondLst>
-                                    <p:cond delay="0"/>
-                                  </p:stCondLst>
-                                  <p:childTnLst>
-                                    <p:set>
-                                      <p:cBhvr>
-                                        <p:cTn id="59" dur="1" fill="hold">
-                                          <p:stCondLst>
-                                            <p:cond delay="0"/>
-                                          </p:stCondLst>
-                                        </p:cTn>
-                                        <p:tgtEl>
-                                          <p:spTgt spid="30"/>
-                                        </p:tgtEl>
-                                        <p:attrNameLst>
-                                          <p:attrName>style.visibility</p:attrName>
-                                        </p:attrNameLst>
-                                      </p:cBhvr>
-                                      <p:to>
-                                        <p:strVal val="visible"/>
-                                      </p:to>
-                                    </p:set>
-                                    <p:animEffect transition="in" filter="fade">
-                                      <p:cBhvr>
-                                        <p:cTn id="60" dur="500"/>
-                                        <p:tgtEl>
-                                          <p:spTgt spid="30"/>
-                                        </p:tgtEl>
-                                      </p:cBhvr>
-                                    </p:animEffect>
-                                  </p:childTnLst>
-                                </p:cTn>
-                              </p:par>
-                              <p:par>
-                                <p:cTn id="61" presetID="10" presetClass="entr" presetSubtype="0" fill="hold" grpId="0" nodeType="withEffect">
-                                  <p:stCondLst>
-                                    <p:cond delay="0"/>
-                                  </p:stCondLst>
-                                  <p:childTnLst>
-                                    <p:set>
-                                      <p:cBhvr>
-                                        <p:cTn id="62" dur="1" fill="hold">
-                                          <p:stCondLst>
-                                            <p:cond delay="0"/>
-                                          </p:stCondLst>
-                                        </p:cTn>
-                                        <p:tgtEl>
-                                          <p:spTgt spid="31"/>
-                                        </p:tgtEl>
-                                        <p:attrNameLst>
-                                          <p:attrName>style.visibility</p:attrName>
-                                        </p:attrNameLst>
-                                      </p:cBhvr>
-                                      <p:to>
-                                        <p:strVal val="visible"/>
-                                      </p:to>
-                                    </p:set>
-                                    <p:animEffect transition="in" filter="fade">
-                                      <p:cBhvr>
-                                        <p:cTn id="63" dur="500"/>
-                                        <p:tgtEl>
-                                          <p:spTgt spid="31"/>
-                                        </p:tgtEl>
-                                      </p:cBhvr>
-                                    </p:animEffect>
-                                  </p:childTnLst>
-                                </p:cTn>
-                              </p:par>
-                              <p:par>
-                                <p:cTn id="64" presetID="10" presetClass="entr" presetSubtype="0" fill="hold" nodeType="withEffect">
-                                  <p:stCondLst>
-                                    <p:cond delay="0"/>
-                                  </p:stCondLst>
-                                  <p:childTnLst>
-                                    <p:set>
-                                      <p:cBhvr>
-                                        <p:cTn id="65" dur="1" fill="hold">
-                                          <p:stCondLst>
-                                            <p:cond delay="0"/>
-                                          </p:stCondLst>
-                                        </p:cTn>
-                                        <p:tgtEl>
-                                          <p:spTgt spid="32"/>
-                                        </p:tgtEl>
-                                        <p:attrNameLst>
-                                          <p:attrName>style.visibility</p:attrName>
-                                        </p:attrNameLst>
-                                      </p:cBhvr>
-                                      <p:to>
-                                        <p:strVal val="visible"/>
-                                      </p:to>
-                                    </p:set>
-                                    <p:animEffect transition="in" filter="fade">
-                                      <p:cBhvr>
-                                        <p:cTn id="66" dur="500"/>
-                                        <p:tgtEl>
-                                          <p:spTgt spid="32"/>
+                                        <p:cTn id="27" dur="500"/>
+                                        <p:tgtEl>
+                                          <p:spTgt spid="3">
+                                            <p:txEl>
+                                              <p:pRg st="6" end="6"/>
+                                            </p:txEl>
+                                          </p:spTgt>
                                         </p:tgtEl>
                                       </p:cBhvr>
                                     </p:animEffect>
@@ -10467,32 +13493,36 @@
                     </p:cTn>
                   </p:par>
                   <p:par>
-                    <p:cTn id="67" fill="hold">
+                    <p:cTn id="28" fill="hold">
                       <p:stCondLst>
                         <p:cond delay="indefinite"/>
                       </p:stCondLst>
                       <p:childTnLst>
                         <p:par>
-                          <p:cTn id="68" fill="hold">
+                          <p:cTn id="29" fill="hold">
                             <p:stCondLst>
                               <p:cond delay="0"/>
                             </p:stCondLst>
                             <p:childTnLst>
                               <p:par>
-                                <p:cTn id="69" presetID="10" presetClass="entr" presetSubtype="0" fill="hold" nodeType="clickEffect">
+                                <p:cTn id="30" presetID="10" presetClass="entr" presetSubtype="0" fill="hold" nodeType="clickEffect">
                                   <p:stCondLst>
                                     <p:cond delay="0"/>
                                   </p:stCondLst>
                                   <p:childTnLst>
                                     <p:set>
                                       <p:cBhvr>
-                                        <p:cTn id="70" dur="1" fill="hold">
+                                        <p:cTn id="31" dur="1" fill="hold">
                                           <p:stCondLst>
                                             <p:cond delay="0"/>
                                           </p:stCondLst>
                                         </p:cTn>
                                         <p:tgtEl>
-                                          <p:spTgt spid="1032"/>
+                                          <p:spTgt spid="3">
+                                            <p:txEl>
+                                              <p:pRg st="7" end="7"/>
+                                            </p:txEl>
+                                          </p:spTgt>
                                         </p:tgtEl>
                                         <p:attrNameLst>
                                           <p:attrName>style.visibility</p:attrName>
@@ -10504,79 +13534,13 @@
                                     </p:set>
                                     <p:animEffect transition="in" filter="fade">
                                       <p:cBhvr>
-                                        <p:cTn id="71" dur="500"/>
-                                        <p:tgtEl>
-                                          <p:spTgt spid="1032"/>
-                                        </p:tgtEl>
-                                      </p:cBhvr>
-                                    </p:animEffect>
-                                  </p:childTnLst>
-                                </p:cTn>
-                              </p:par>
-                              <p:par>
-                                <p:cTn id="72" presetID="10" presetClass="entr" presetSubtype="0" fill="hold" grpId="0" nodeType="withEffect">
-                                  <p:stCondLst>
-                                    <p:cond delay="0"/>
-                                  </p:stCondLst>
-                                  <p:childTnLst>
-                                    <p:set>
-                                      <p:cBhvr>
-                                        <p:cTn id="73" dur="1" fill="hold">
-                                          <p:stCondLst>
-                                            <p:cond delay="0"/>
-                                          </p:stCondLst>
-                                        </p:cTn>
-                                        <p:tgtEl>
-                                          <p:spTgt spid="33"/>
-                                        </p:tgtEl>
-                                        <p:attrNameLst>
-                                          <p:attrName>style.visibility</p:attrName>
-                                        </p:attrNameLst>
-                                      </p:cBhvr>
-                                      <p:to>
-                                        <p:strVal val="visible"/>
-                                      </p:to>
-                                    </p:set>
-                                    <p:animEffect transition="in" filter="fade">
-                                      <p:cBhvr>
-                                        <p:cTn id="74" dur="500"/>
-                                        <p:tgtEl>
-                                          <p:spTgt spid="33"/>
-                                        </p:tgtEl>
-                                      </p:cBhvr>
-                                    </p:animEffect>
-                                  </p:childTnLst>
-                                </p:cTn>
-                              </p:par>
-                              <p:par>
-                                <p:cTn id="75" presetID="10" presetClass="entr" presetSubtype="0" fill="hold" grpId="0" nodeType="withEffect">
-                                  <p:stCondLst>
-                                    <p:cond delay="0"/>
-                                  </p:stCondLst>
-                                  <p:childTnLst>
-                                    <p:set>
-                                      <p:cBhvr>
-                                        <p:cTn id="76" dur="1" fill="hold">
-                                          <p:stCondLst>
-                                            <p:cond delay="0"/>
-                                          </p:stCondLst>
-                                        </p:cTn>
-                                        <p:tgtEl>
-                                          <p:spTgt spid="34"/>
-                                        </p:tgtEl>
-                                        <p:attrNameLst>
-                                          <p:attrName>style.visibility</p:attrName>
-                                        </p:attrNameLst>
-                                      </p:cBhvr>
-                                      <p:to>
-                                        <p:strVal val="visible"/>
-                                      </p:to>
-                                    </p:set>
-                                    <p:animEffect transition="in" filter="fade">
-                                      <p:cBhvr>
-                                        <p:cTn id="77" dur="500"/>
-                                        <p:tgtEl>
-                                          <p:spTgt spid="34"/>
+                                        <p:cTn id="32" dur="500"/>
+                                        <p:tgtEl>
+                                          <p:spTgt spid="3">
+                                            <p:txEl>
+                                              <p:pRg st="7" end="7"/>
+                                            </p:txEl>
+                                          </p:spTgt>
                                         </p:tgtEl>
                                       </p:cBhvr>
                                     </p:animEffect>
@@ -10590,32 +13554,36 @@
                     </p:cTn>
                   </p:par>
                   <p:par>
-                    <p:cTn id="78" fill="hold">
+                    <p:cTn id="33" fill="hold">
                       <p:stCondLst>
                         <p:cond delay="indefinite"/>
                       </p:stCondLst>
                       <p:childTnLst>
                         <p:par>
-                          <p:cTn id="79" fill="hold">
+                          <p:cTn id="34" fill="hold">
                             <p:stCondLst>
                               <p:cond delay="0"/>
                             </p:stCondLst>
                             <p:childTnLst>
                               <p:par>
-                                <p:cTn id="80" presetID="10" presetClass="entr" presetSubtype="0" fill="hold" grpId="0" nodeType="clickEffect">
+                                <p:cTn id="35" presetID="10" presetClass="entr" presetSubtype="0" fill="hold" nodeType="clickEffect">
                                   <p:stCondLst>
                                     <p:cond delay="0"/>
                                   </p:stCondLst>
                                   <p:childTnLst>
                                     <p:set>
                                       <p:cBhvr>
-                                        <p:cTn id="81" dur="1" fill="hold">
+                                        <p:cTn id="36" dur="1" fill="hold">
                                           <p:stCondLst>
                                             <p:cond delay="0"/>
                                           </p:stCondLst>
                                         </p:cTn>
                                         <p:tgtEl>
-                                          <p:spTgt spid="36"/>
+                                          <p:spTgt spid="3">
+                                            <p:txEl>
+                                              <p:pRg st="8" end="8"/>
+                                            </p:txEl>
+                                          </p:spTgt>
                                         </p:tgtEl>
                                         <p:attrNameLst>
                                           <p:attrName>style.visibility</p:attrName>
@@ -10627,30 +13595,56 @@
                                     </p:set>
                                     <p:animEffect transition="in" filter="fade">
                                       <p:cBhvr>
-                                        <p:cTn id="82" dur="500"/>
-                                        <p:tgtEl>
-                                          <p:spTgt spid="36"/>
+                                        <p:cTn id="37" dur="500"/>
+                                        <p:tgtEl>
+                                          <p:spTgt spid="3">
+                                            <p:txEl>
+                                              <p:pRg st="8" end="8"/>
+                                            </p:txEl>
+                                          </p:spTgt>
                                         </p:tgtEl>
                                       </p:cBhvr>
                                     </p:animEffect>
                                   </p:childTnLst>
                                 </p:cTn>
                               </p:par>
+                            </p:childTnLst>
+                          </p:cTn>
+                        </p:par>
+                      </p:childTnLst>
+                    </p:cTn>
+                  </p:par>
+                  <p:par>
+                    <p:cTn id="38" fill="hold">
+                      <p:stCondLst>
+                        <p:cond delay="indefinite"/>
+                      </p:stCondLst>
+                      <p:childTnLst>
+                        <p:par>
+                          <p:cTn id="39" fill="hold">
+                            <p:stCondLst>
+                              <p:cond delay="0"/>
+                            </p:stCondLst>
+                            <p:childTnLst>
                               <p:par>
-                                <p:cTn id="83" presetID="10" presetClass="entr" presetSubtype="0" fill="hold" nodeType="withEffect">
+                                <p:cTn id="40" presetID="10" presetClass="entr" presetSubtype="0" fill="hold" nodeType="clickEffect">
                                   <p:stCondLst>
                                     <p:cond delay="0"/>
                                   </p:stCondLst>
                                   <p:childTnLst>
                                     <p:set>
                                       <p:cBhvr>
-                                        <p:cTn id="84" dur="1" fill="hold">
+                                        <p:cTn id="41" dur="1" fill="hold">
                                           <p:stCondLst>
                                             <p:cond delay="0"/>
                                           </p:stCondLst>
                                         </p:cTn>
                                         <p:tgtEl>
-                                          <p:spTgt spid="1034"/>
+                                          <p:spTgt spid="3">
+                                            <p:txEl>
+                                              <p:pRg st="9" end="9"/>
+                                            </p:txEl>
+                                          </p:spTgt>
                                         </p:tgtEl>
                                         <p:attrNameLst>
                                           <p:attrName>style.visibility</p:attrName>
@@ -10662,114 +13656,13 @@
                                     </p:set>
                                     <p:animEffect transition="in" filter="fade">
                                       <p:cBhvr>
-                                        <p:cTn id="85" dur="500"/>
-                                        <p:tgtEl>
-                                          <p:spTgt spid="1034"/>
-                                        </p:tgtEl>
-                                      </p:cBhvr>
-                                    </p:animEffect>
-                                  </p:childTnLst>
-                                </p:cTn>
-                              </p:par>
-                              <p:par>
-                                <p:cTn id="86" presetID="10" presetClass="entr" presetSubtype="0" fill="hold" grpId="0" nodeType="withEffect">
-                                  <p:stCondLst>
-                                    <p:cond delay="0"/>
-                                  </p:stCondLst>
-                                  <p:childTnLst>
-                                    <p:set>
-                                      <p:cBhvr>
-                                        <p:cTn id="87" dur="1" fill="hold">
-                                          <p:stCondLst>
-                                            <p:cond delay="0"/>
-                                          </p:stCondLst>
-                                        </p:cTn>
-                                        <p:tgtEl>
-                                          <p:spTgt spid="37"/>
-                                        </p:tgtEl>
-                                        <p:attrNameLst>
-                                          <p:attrName>style.visibility</p:attrName>
-                                        </p:attrNameLst>
-                                      </p:cBhvr>
-                                      <p:to>
-                                        <p:strVal val="visible"/>
-                                      </p:to>
-                                    </p:set>
-                                    <p:animEffect transition="in" filter="fade">
-                                      <p:cBhvr>
-                                        <p:cTn id="88" dur="500"/>
-                                        <p:tgtEl>
-                                          <p:spTgt spid="37"/>
-                                        </p:tgtEl>
-                                      </p:cBhvr>
-                                    </p:animEffect>
-                                  </p:childTnLst>
-                                </p:cTn>
-                              </p:par>
-                              <p:par>
-                                <p:cTn id="89" presetID="10" presetClass="entr" presetSubtype="0" fill="hold" nodeType="withEffect">
-                                  <p:stCondLst>
-                                    <p:cond delay="0"/>
-                                  </p:stCondLst>
-                                  <p:childTnLst>
-                                    <p:set>
-                                      <p:cBhvr>
-                                        <p:cTn id="90" dur="1" fill="hold">
-                                          <p:stCondLst>
-                                            <p:cond delay="0"/>
-                                          </p:stCondLst>
-                                        </p:cTn>
-                                        <p:tgtEl>
-                                          <p:spTgt spid="39"/>
-                                        </p:tgtEl>
-                                        <p:attrNameLst>
-                                          <p:attrName>style.visibility</p:attrName>
-                                        </p:attrNameLst>
-                                      </p:cBhvr>
-                                      <p:to>
-                                        <p:strVal val="visible"/>
-                                      </p:to>
-                                    </p:set>
-                                    <p:animEffect transition="in" filter="fade">
-                                      <p:cBhvr>
-                                        <p:cTn id="91" dur="500"/>
-                                        <p:tgtEl>
-                                          <p:spTgt spid="39"/>
-                                        </p:tgtEl>
-                                      </p:cBhvr>
-                                    </p:animEffect>
-                                  </p:childTnLst>
-                                </p:cTn>
-                              </p:par>
-                              <p:par>
-                                <p:cTn id="92" presetID="10" presetClass="entr" presetSubtype="0" fill="hold" nodeType="withEffect">
-                                  <p:stCondLst>
-                                    <p:cond delay="0"/>
-                                  </p:stCondLst>
-                                  <p:childTnLst>
-                                    <p:set>
-                                      <p:cBhvr>
-                                        <p:cTn id="93" dur="1" fill="hold">
-                                          <p:stCondLst>
-                                            <p:cond delay="0"/>
-                                          </p:stCondLst>
-                                        </p:cTn>
-                                        <p:tgtEl>
-                                          <p:spTgt spid="1040"/>
-                                        </p:tgtEl>
-                                        <p:attrNameLst>
-                                          <p:attrName>style.visibility</p:attrName>
-                                        </p:attrNameLst>
-                                      </p:cBhvr>
-                                      <p:to>
-                                        <p:strVal val="visible"/>
-                                      </p:to>
-                                    </p:set>
-                                    <p:animEffect transition="in" filter="fade">
-                                      <p:cBhvr>
-                                        <p:cTn id="94" dur="500"/>
-                                        <p:tgtEl>
-                                          <p:spTgt spid="1040"/>
+                                        <p:cTn id="42" dur="500"/>
+                                        <p:tgtEl>
+                                          <p:spTgt spid="3">
+                                            <p:txEl>
+                                              <p:pRg st="9" end="9"/>
+                                            </p:txEl>
+                                          </p:spTgt>
                                         </p:tgtEl>
                                       </p:cBhvr>
                                     </p:animEffect>
@@ -10803,20 +13696,6 @@
         </p:cTn>
       </p:par>
     </p:tnLst>
-    <p:bldLst>
-      <p:bldP spid="9" grpId="0"/>
-      <p:bldP spid="11" grpId="0"/>
-      <p:bldP spid="15" grpId="0"/>
-      <p:bldP spid="17" grpId="0"/>
-      <p:bldP spid="18" grpId="0"/>
-      <p:bldP spid="22" grpId="0"/>
-      <p:bldP spid="28" grpId="0"/>
-      <p:bldP spid="31" grpId="0"/>
-      <p:bldP spid="33" grpId="0"/>
-      <p:bldP spid="34" grpId="0" animBg="1"/>
-      <p:bldP spid="36" grpId="0"/>
-      <p:bldP spid="37" grpId="0"/>
-    </p:bldLst>
   </p:timing>
 </p:sld>
 </file>
@@ -10874,65 +13753,592 @@
           <a:lstStyle/>
           <a:p>
             <a:r>
-              <a:rPr lang="tr-TR" b="1" dirty="0">
+              <a:rPr lang="en-US" b="1" dirty="0">
                 <a:solidFill>
                   <a:srgbClr val="292D33"/>
                 </a:solidFill>
                 <a:latin typeface="Euclid Circular B" panose="020B0504000000000000" pitchFamily="34" charset="0"/>
                 <a:ea typeface="Euclid Circular B" panose="020B0504000000000000" pitchFamily="34" charset="0"/>
               </a:rPr>
-              <a:t>ABP Studio Main Solution Components</a:t>
-            </a:r>
-            <a:endParaRPr lang="en-US" b="1" dirty="0">
-              <a:solidFill>
-                <a:srgbClr val="292D33"/>
-              </a:solidFill>
-              <a:latin typeface="Euclid Circular B" panose="020B0504000000000000" pitchFamily="34" charset="0"/>
-              <a:ea typeface="Euclid Circular B" panose="020B0504000000000000" pitchFamily="34" charset="0"/>
-            </a:endParaRPr>
+              <a:t>Building Modular Solutions</a:t>
+            </a:r>
           </a:p>
         </p:txBody>
       </p:sp>
-      <p:pic>
-        <p:nvPicPr>
-          <p:cNvPr id="7" name="Picture 6">
+      <p:sp>
+        <p:nvSpPr>
+          <p:cNvPr id="3" name="Content Placeholder 2">
             <a:extLst>
               <a:ext uri="{FF2B5EF4-FFF2-40B4-BE49-F238E27FC236}">
-                <a16:creationId xmlns:a16="http://schemas.microsoft.com/office/drawing/2014/main" id="{8B2F2103-0ECE-0682-3ACA-A00CC3AB6D9C}"/>
+                <a16:creationId xmlns:a16="http://schemas.microsoft.com/office/drawing/2014/main" id="{891C7693-D3DF-4635-96F4-97F3B4136FDF}"/>
               </a:ext>
             </a:extLst>
           </p:cNvPr>
-          <p:cNvPicPr>
-            <a:picLocks noChangeAspect="1"/>
-          </p:cNvPicPr>
-          <p:nvPr/>
-        </p:nvPicPr>
-        <p:blipFill>
-          <a:blip r:embed="rId3"/>
-          <a:stretch>
-            <a:fillRect/>
-          </a:stretch>
-        </p:blipFill>
-        <p:spPr>
-          <a:xfrm>
-            <a:off x="2833701" y="2084030"/>
-            <a:ext cx="6762750" cy="3400425"/>
-          </a:xfrm>
-          <a:prstGeom prst="rect">
-            <a:avLst/>
-          </a:prstGeom>
-        </p:spPr>
-      </p:pic>
+          <p:cNvSpPr>
+            <a:spLocks noGrp="1"/>
+          </p:cNvSpPr>
+          <p:nvPr>
+            <p:ph idx="1"/>
+          </p:nvPr>
+        </p:nvSpPr>
+        <p:spPr/>
+        <p:txBody>
+          <a:bodyPr/>
+          <a:lstStyle/>
+          <a:p>
+            <a:r>
+              <a:rPr lang="en-US" b="1" dirty="0">
+                <a:latin typeface="Euclid Circular B" panose="020B0504000000000000" pitchFamily="34" charset="0"/>
+                <a:ea typeface="Euclid Circular B" panose="020B0504000000000000" pitchFamily="34" charset="0"/>
+              </a:rPr>
+              <a:t>Installing </a:t>
+            </a:r>
+            <a:r>
+              <a:rPr lang="en-US" dirty="0">
+                <a:latin typeface="Euclid Circular B" panose="020B0504000000000000" pitchFamily="34" charset="0"/>
+                <a:ea typeface="Euclid Circular B" panose="020B0504000000000000" pitchFamily="34" charset="0"/>
+              </a:rPr>
+              <a:t>a pre-built application module</a:t>
+            </a:r>
+          </a:p>
+          <a:p>
+            <a:r>
+              <a:rPr lang="en-US" b="1" dirty="0">
+                <a:latin typeface="Euclid Circular B" panose="020B0504000000000000" pitchFamily="34" charset="0"/>
+                <a:ea typeface="Euclid Circular B" panose="020B0504000000000000" pitchFamily="34" charset="0"/>
+              </a:rPr>
+              <a:t>Customizing </a:t>
+            </a:r>
+            <a:r>
+              <a:rPr lang="en-US" dirty="0">
+                <a:latin typeface="Euclid Circular B" panose="020B0504000000000000" pitchFamily="34" charset="0"/>
+                <a:ea typeface="Euclid Circular B" panose="020B0504000000000000" pitchFamily="34" charset="0"/>
+              </a:rPr>
+              <a:t>a used module</a:t>
+            </a:r>
+          </a:p>
+          <a:p>
+            <a:r>
+              <a:rPr lang="en-US" b="1" dirty="0">
+                <a:latin typeface="Euclid Circular B" panose="020B0504000000000000" pitchFamily="34" charset="0"/>
+                <a:ea typeface="Euclid Circular B" panose="020B0504000000000000" pitchFamily="34" charset="0"/>
+              </a:rPr>
+              <a:t>Replacing </a:t>
+            </a:r>
+            <a:r>
+              <a:rPr lang="en-US" dirty="0">
+                <a:latin typeface="Euclid Circular B" panose="020B0504000000000000" pitchFamily="34" charset="0"/>
+                <a:ea typeface="Euclid Circular B" panose="020B0504000000000000" pitchFamily="34" charset="0"/>
+              </a:rPr>
+              <a:t>a module with its </a:t>
+            </a:r>
+            <a:r>
+              <a:rPr lang="en-US" b="1" dirty="0">
+                <a:latin typeface="Euclid Circular B" panose="020B0504000000000000" pitchFamily="34" charset="0"/>
+                <a:ea typeface="Euclid Circular B" panose="020B0504000000000000" pitchFamily="34" charset="0"/>
+              </a:rPr>
+              <a:t>source code</a:t>
+            </a:r>
+          </a:p>
+          <a:p>
+            <a:r>
+              <a:rPr lang="en-US" dirty="0">
+                <a:latin typeface="Euclid Circular B" panose="020B0504000000000000" pitchFamily="34" charset="0"/>
+                <a:ea typeface="Euclid Circular B" panose="020B0504000000000000" pitchFamily="34" charset="0"/>
+              </a:rPr>
+              <a:t>Creating </a:t>
+            </a:r>
+            <a:r>
+              <a:rPr lang="en-US" b="1" dirty="0">
+                <a:latin typeface="Euclid Circular B" panose="020B0504000000000000" pitchFamily="34" charset="0"/>
+                <a:ea typeface="Euclid Circular B" panose="020B0504000000000000" pitchFamily="34" charset="0"/>
+              </a:rPr>
+              <a:t>new modules</a:t>
+            </a:r>
+          </a:p>
+          <a:p>
+            <a:pPr lvl="1"/>
+            <a:r>
+              <a:rPr lang="en-US" b="1" dirty="0">
+                <a:latin typeface="Euclid Circular B" panose="020B0504000000000000" pitchFamily="34" charset="0"/>
+                <a:ea typeface="Euclid Circular B" panose="020B0504000000000000" pitchFamily="34" charset="0"/>
+              </a:rPr>
+              <a:t>DDD </a:t>
+            </a:r>
+            <a:r>
+              <a:rPr lang="en-US" dirty="0">
+                <a:latin typeface="Euclid Circular B" panose="020B0504000000000000" pitchFamily="34" charset="0"/>
+                <a:ea typeface="Euclid Circular B" panose="020B0504000000000000" pitchFamily="34" charset="0"/>
+              </a:rPr>
+              <a:t>Module</a:t>
+            </a:r>
+          </a:p>
+          <a:p>
+            <a:pPr lvl="1"/>
+            <a:r>
+              <a:rPr lang="en-US" b="1" dirty="0">
+                <a:latin typeface="Euclid Circular B" panose="020B0504000000000000" pitchFamily="34" charset="0"/>
+                <a:ea typeface="Euclid Circular B" panose="020B0504000000000000" pitchFamily="34" charset="0"/>
+              </a:rPr>
+              <a:t>Empty </a:t>
+            </a:r>
+            <a:r>
+              <a:rPr lang="en-US" dirty="0">
+                <a:latin typeface="Euclid Circular B" panose="020B0504000000000000" pitchFamily="34" charset="0"/>
+                <a:ea typeface="Euclid Circular B" panose="020B0504000000000000" pitchFamily="34" charset="0"/>
+              </a:rPr>
+              <a:t>Module</a:t>
+            </a:r>
+          </a:p>
+          <a:p>
+            <a:r>
+              <a:rPr lang="en-US" dirty="0">
+                <a:latin typeface="Euclid Circular B" panose="020B0504000000000000" pitchFamily="34" charset="0"/>
+                <a:ea typeface="Euclid Circular B" panose="020B0504000000000000" pitchFamily="34" charset="0"/>
+              </a:rPr>
+              <a:t>Adding </a:t>
+            </a:r>
+            <a:r>
+              <a:rPr lang="en-US" b="1" dirty="0">
+                <a:latin typeface="Euclid Circular B" panose="020B0504000000000000" pitchFamily="34" charset="0"/>
+                <a:ea typeface="Euclid Circular B" panose="020B0504000000000000" pitchFamily="34" charset="0"/>
+              </a:rPr>
+              <a:t>Package References</a:t>
+            </a:r>
+          </a:p>
+        </p:txBody>
+      </p:sp>
     </p:spTree>
     <p:extLst>
       <p:ext uri="{BB962C8B-B14F-4D97-AF65-F5344CB8AC3E}">
-        <p14:creationId xmlns:p14="http://schemas.microsoft.com/office/powerpoint/2010/main" val="1080255052"/>
+        <p14:creationId xmlns:p14="http://schemas.microsoft.com/office/powerpoint/2010/main" val="2087268885"/>
       </p:ext>
     </p:extLst>
   </p:cSld>
   <p:clrMapOvr>
     <a:masterClrMapping/>
   </p:clrMapOvr>
+  <p:timing>
+    <p:tnLst>
+      <p:par>
+        <p:cTn id="1" dur="indefinite" restart="never" nodeType="tmRoot">
+          <p:childTnLst>
+            <p:seq concurrent="1" nextAc="seek">
+              <p:cTn id="2" dur="indefinite" nodeType="mainSeq">
+                <p:childTnLst>
+                  <p:par>
+                    <p:cTn id="3" fill="hold">
+                      <p:stCondLst>
+                        <p:cond delay="indefinite"/>
+                      </p:stCondLst>
+                      <p:childTnLst>
+                        <p:par>
+                          <p:cTn id="4" fill="hold">
+                            <p:stCondLst>
+                              <p:cond delay="0"/>
+                            </p:stCondLst>
+                            <p:childTnLst>
+                              <p:par>
+                                <p:cTn id="5" presetID="10" presetClass="entr" presetSubtype="0" fill="hold" nodeType="clickEffect">
+                                  <p:stCondLst>
+                                    <p:cond delay="0"/>
+                                  </p:stCondLst>
+                                  <p:childTnLst>
+                                    <p:set>
+                                      <p:cBhvr>
+                                        <p:cTn id="6" dur="1" fill="hold">
+                                          <p:stCondLst>
+                                            <p:cond delay="0"/>
+                                          </p:stCondLst>
+                                        </p:cTn>
+                                        <p:tgtEl>
+                                          <p:spTgt spid="3">
+                                            <p:txEl>
+                                              <p:pRg st="0" end="0"/>
+                                            </p:txEl>
+                                          </p:spTgt>
+                                        </p:tgtEl>
+                                        <p:attrNameLst>
+                                          <p:attrName>style.visibility</p:attrName>
+                                        </p:attrNameLst>
+                                      </p:cBhvr>
+                                      <p:to>
+                                        <p:strVal val="visible"/>
+                                      </p:to>
+                                    </p:set>
+                                    <p:animEffect transition="in" filter="fade">
+                                      <p:cBhvr>
+                                        <p:cTn id="7" dur="500"/>
+                                        <p:tgtEl>
+                                          <p:spTgt spid="3">
+                                            <p:txEl>
+                                              <p:pRg st="0" end="0"/>
+                                            </p:txEl>
+                                          </p:spTgt>
+                                        </p:tgtEl>
+                                      </p:cBhvr>
+                                    </p:animEffect>
+                                  </p:childTnLst>
+                                </p:cTn>
+                              </p:par>
+                            </p:childTnLst>
+                          </p:cTn>
+                        </p:par>
+                      </p:childTnLst>
+                    </p:cTn>
+                  </p:par>
+                  <p:par>
+                    <p:cTn id="8" fill="hold">
+                      <p:stCondLst>
+                        <p:cond delay="indefinite"/>
+                      </p:stCondLst>
+                      <p:childTnLst>
+                        <p:par>
+                          <p:cTn id="9" fill="hold">
+                            <p:stCondLst>
+                              <p:cond delay="0"/>
+                            </p:stCondLst>
+                            <p:childTnLst>
+                              <p:par>
+                                <p:cTn id="10" presetID="10" presetClass="entr" presetSubtype="0" fill="hold" nodeType="clickEffect">
+                                  <p:stCondLst>
+                                    <p:cond delay="0"/>
+                                  </p:stCondLst>
+                                  <p:childTnLst>
+                                    <p:set>
+                                      <p:cBhvr>
+                                        <p:cTn id="11" dur="1" fill="hold">
+                                          <p:stCondLst>
+                                            <p:cond delay="0"/>
+                                          </p:stCondLst>
+                                        </p:cTn>
+                                        <p:tgtEl>
+                                          <p:spTgt spid="3">
+                                            <p:txEl>
+                                              <p:pRg st="1" end="1"/>
+                                            </p:txEl>
+                                          </p:spTgt>
+                                        </p:tgtEl>
+                                        <p:attrNameLst>
+                                          <p:attrName>style.visibility</p:attrName>
+                                        </p:attrNameLst>
+                                      </p:cBhvr>
+                                      <p:to>
+                                        <p:strVal val="visible"/>
+                                      </p:to>
+                                    </p:set>
+                                    <p:animEffect transition="in" filter="fade">
+                                      <p:cBhvr>
+                                        <p:cTn id="12" dur="500"/>
+                                        <p:tgtEl>
+                                          <p:spTgt spid="3">
+                                            <p:txEl>
+                                              <p:pRg st="1" end="1"/>
+                                            </p:txEl>
+                                          </p:spTgt>
+                                        </p:tgtEl>
+                                      </p:cBhvr>
+                                    </p:animEffect>
+                                  </p:childTnLst>
+                                </p:cTn>
+                              </p:par>
+                            </p:childTnLst>
+                          </p:cTn>
+                        </p:par>
+                      </p:childTnLst>
+                    </p:cTn>
+                  </p:par>
+                  <p:par>
+                    <p:cTn id="13" fill="hold">
+                      <p:stCondLst>
+                        <p:cond delay="indefinite"/>
+                      </p:stCondLst>
+                      <p:childTnLst>
+                        <p:par>
+                          <p:cTn id="14" fill="hold">
+                            <p:stCondLst>
+                              <p:cond delay="0"/>
+                            </p:stCondLst>
+                            <p:childTnLst>
+                              <p:par>
+                                <p:cTn id="15" presetID="10" presetClass="entr" presetSubtype="0" fill="hold" nodeType="clickEffect">
+                                  <p:stCondLst>
+                                    <p:cond delay="0"/>
+                                  </p:stCondLst>
+                                  <p:childTnLst>
+                                    <p:set>
+                                      <p:cBhvr>
+                                        <p:cTn id="16" dur="1" fill="hold">
+                                          <p:stCondLst>
+                                            <p:cond delay="0"/>
+                                          </p:stCondLst>
+                                        </p:cTn>
+                                        <p:tgtEl>
+                                          <p:spTgt spid="3">
+                                            <p:txEl>
+                                              <p:pRg st="2" end="2"/>
+                                            </p:txEl>
+                                          </p:spTgt>
+                                        </p:tgtEl>
+                                        <p:attrNameLst>
+                                          <p:attrName>style.visibility</p:attrName>
+                                        </p:attrNameLst>
+                                      </p:cBhvr>
+                                      <p:to>
+                                        <p:strVal val="visible"/>
+                                      </p:to>
+                                    </p:set>
+                                    <p:animEffect transition="in" filter="fade">
+                                      <p:cBhvr>
+                                        <p:cTn id="17" dur="500"/>
+                                        <p:tgtEl>
+                                          <p:spTgt spid="3">
+                                            <p:txEl>
+                                              <p:pRg st="2" end="2"/>
+                                            </p:txEl>
+                                          </p:spTgt>
+                                        </p:tgtEl>
+                                      </p:cBhvr>
+                                    </p:animEffect>
+                                  </p:childTnLst>
+                                </p:cTn>
+                              </p:par>
+                            </p:childTnLst>
+                          </p:cTn>
+                        </p:par>
+                      </p:childTnLst>
+                    </p:cTn>
+                  </p:par>
+                  <p:par>
+                    <p:cTn id="18" fill="hold">
+                      <p:stCondLst>
+                        <p:cond delay="indefinite"/>
+                      </p:stCondLst>
+                      <p:childTnLst>
+                        <p:par>
+                          <p:cTn id="19" fill="hold">
+                            <p:stCondLst>
+                              <p:cond delay="0"/>
+                            </p:stCondLst>
+                            <p:childTnLst>
+                              <p:par>
+                                <p:cTn id="20" presetID="10" presetClass="entr" presetSubtype="0" fill="hold" nodeType="clickEffect">
+                                  <p:stCondLst>
+                                    <p:cond delay="0"/>
+                                  </p:stCondLst>
+                                  <p:childTnLst>
+                                    <p:set>
+                                      <p:cBhvr>
+                                        <p:cTn id="21" dur="1" fill="hold">
+                                          <p:stCondLst>
+                                            <p:cond delay="0"/>
+                                          </p:stCondLst>
+                                        </p:cTn>
+                                        <p:tgtEl>
+                                          <p:spTgt spid="3">
+                                            <p:txEl>
+                                              <p:pRg st="3" end="3"/>
+                                            </p:txEl>
+                                          </p:spTgt>
+                                        </p:tgtEl>
+                                        <p:attrNameLst>
+                                          <p:attrName>style.visibility</p:attrName>
+                                        </p:attrNameLst>
+                                      </p:cBhvr>
+                                      <p:to>
+                                        <p:strVal val="visible"/>
+                                      </p:to>
+                                    </p:set>
+                                    <p:animEffect transition="in" filter="fade">
+                                      <p:cBhvr>
+                                        <p:cTn id="22" dur="500"/>
+                                        <p:tgtEl>
+                                          <p:spTgt spid="3">
+                                            <p:txEl>
+                                              <p:pRg st="3" end="3"/>
+                                            </p:txEl>
+                                          </p:spTgt>
+                                        </p:tgtEl>
+                                      </p:cBhvr>
+                                    </p:animEffect>
+                                  </p:childTnLst>
+                                </p:cTn>
+                              </p:par>
+                              <p:par>
+                                <p:cTn id="23" presetID="10" presetClass="entr" presetSubtype="0" fill="hold" nodeType="withEffect">
+                                  <p:stCondLst>
+                                    <p:cond delay="0"/>
+                                  </p:stCondLst>
+                                  <p:childTnLst>
+                                    <p:set>
+                                      <p:cBhvr>
+                                        <p:cTn id="24" dur="1" fill="hold">
+                                          <p:stCondLst>
+                                            <p:cond delay="0"/>
+                                          </p:stCondLst>
+                                        </p:cTn>
+                                        <p:tgtEl>
+                                          <p:spTgt spid="3">
+                                            <p:txEl>
+                                              <p:pRg st="4" end="4"/>
+                                            </p:txEl>
+                                          </p:spTgt>
+                                        </p:tgtEl>
+                                        <p:attrNameLst>
+                                          <p:attrName>style.visibility</p:attrName>
+                                        </p:attrNameLst>
+                                      </p:cBhvr>
+                                      <p:to>
+                                        <p:strVal val="visible"/>
+                                      </p:to>
+                                    </p:set>
+                                    <p:animEffect transition="in" filter="fade">
+                                      <p:cBhvr>
+                                        <p:cTn id="25" dur="500"/>
+                                        <p:tgtEl>
+                                          <p:spTgt spid="3">
+                                            <p:txEl>
+                                              <p:pRg st="4" end="4"/>
+                                            </p:txEl>
+                                          </p:spTgt>
+                                        </p:tgtEl>
+                                      </p:cBhvr>
+                                    </p:animEffect>
+                                  </p:childTnLst>
+                                </p:cTn>
+                              </p:par>
+                              <p:par>
+                                <p:cTn id="26" presetID="10" presetClass="entr" presetSubtype="0" fill="hold" nodeType="withEffect">
+                                  <p:stCondLst>
+                                    <p:cond delay="0"/>
+                                  </p:stCondLst>
+                                  <p:childTnLst>
+                                    <p:set>
+                                      <p:cBhvr>
+                                        <p:cTn id="27" dur="1" fill="hold">
+                                          <p:stCondLst>
+                                            <p:cond delay="0"/>
+                                          </p:stCondLst>
+                                        </p:cTn>
+                                        <p:tgtEl>
+                                          <p:spTgt spid="3">
+                                            <p:txEl>
+                                              <p:pRg st="5" end="5"/>
+                                            </p:txEl>
+                                          </p:spTgt>
+                                        </p:tgtEl>
+                                        <p:attrNameLst>
+                                          <p:attrName>style.visibility</p:attrName>
+                                        </p:attrNameLst>
+                                      </p:cBhvr>
+                                      <p:to>
+                                        <p:strVal val="visible"/>
+                                      </p:to>
+                                    </p:set>
+                                    <p:animEffect transition="in" filter="fade">
+                                      <p:cBhvr>
+                                        <p:cTn id="28" dur="500"/>
+                                        <p:tgtEl>
+                                          <p:spTgt spid="3">
+                                            <p:txEl>
+                                              <p:pRg st="5" end="5"/>
+                                            </p:txEl>
+                                          </p:spTgt>
+                                        </p:tgtEl>
+                                      </p:cBhvr>
+                                    </p:animEffect>
+                                  </p:childTnLst>
+                                </p:cTn>
+                              </p:par>
+                            </p:childTnLst>
+                          </p:cTn>
+                        </p:par>
+                      </p:childTnLst>
+                    </p:cTn>
+                  </p:par>
+                  <p:par>
+                    <p:cTn id="29" fill="hold">
+                      <p:stCondLst>
+                        <p:cond delay="indefinite"/>
+                      </p:stCondLst>
+                      <p:childTnLst>
+                        <p:par>
+                          <p:cTn id="30" fill="hold">
+                            <p:stCondLst>
+                              <p:cond delay="0"/>
+                            </p:stCondLst>
+                            <p:childTnLst>
+                              <p:par>
+                                <p:cTn id="31" presetID="10" presetClass="entr" presetSubtype="0" fill="hold" nodeType="clickEffect">
+                                  <p:stCondLst>
+                                    <p:cond delay="0"/>
+                                  </p:stCondLst>
+                                  <p:childTnLst>
+                                    <p:set>
+                                      <p:cBhvr>
+                                        <p:cTn id="32" dur="1" fill="hold">
+                                          <p:stCondLst>
+                                            <p:cond delay="0"/>
+                                          </p:stCondLst>
+                                        </p:cTn>
+                                        <p:tgtEl>
+                                          <p:spTgt spid="3">
+                                            <p:txEl>
+                                              <p:pRg st="6" end="6"/>
+                                            </p:txEl>
+                                          </p:spTgt>
+                                        </p:tgtEl>
+                                        <p:attrNameLst>
+                                          <p:attrName>style.visibility</p:attrName>
+                                        </p:attrNameLst>
+                                      </p:cBhvr>
+                                      <p:to>
+                                        <p:strVal val="visible"/>
+                                      </p:to>
+                                    </p:set>
+                                    <p:animEffect transition="in" filter="fade">
+                                      <p:cBhvr>
+                                        <p:cTn id="33" dur="500"/>
+                                        <p:tgtEl>
+                                          <p:spTgt spid="3">
+                                            <p:txEl>
+                                              <p:pRg st="6" end="6"/>
+                                            </p:txEl>
+                                          </p:spTgt>
+                                        </p:tgtEl>
+                                      </p:cBhvr>
+                                    </p:animEffect>
+                                  </p:childTnLst>
+                                </p:cTn>
+                              </p:par>
+                            </p:childTnLst>
+                          </p:cTn>
+                        </p:par>
+                      </p:childTnLst>
+                    </p:cTn>
+                  </p:par>
+                </p:childTnLst>
+              </p:cTn>
+              <p:prevCondLst>
+                <p:cond evt="onPrev" delay="0">
+                  <p:tgtEl>
+                    <p:sldTgt/>
+                  </p:tgtEl>
+                </p:cond>
+              </p:prevCondLst>
+              <p:nextCondLst>
+                <p:cond evt="onNext" delay="0">
+                  <p:tgtEl>
+                    <p:sldTgt/>
+                  </p:tgtEl>
+                </p:cond>
+              </p:nextCondLst>
+            </p:seq>
+          </p:childTnLst>
+        </p:cTn>
+      </p:par>
+    </p:tnLst>
+  </p:timing>
 </p:sld>
 </file>
 

--- a/2024-08-15 ABP Community Talks 2024.4/ABP Studio - The Missing Tool for Dotnet Developers.pptx
+++ b/2024-08-15 ABP Community Talks 2024.4/ABP Studio - The Missing Tool for Dotnet Developers.pptx
@@ -13,11 +13,11 @@
     <p:sldId id="274" r:id="rId7"/>
     <p:sldId id="264" r:id="rId8"/>
     <p:sldId id="277" r:id="rId9"/>
-    <p:sldId id="278" r:id="rId10"/>
-    <p:sldId id="279" r:id="rId11"/>
-    <p:sldId id="280" r:id="rId12"/>
-    <p:sldId id="272" r:id="rId13"/>
-    <p:sldId id="276" r:id="rId14"/>
+    <p:sldId id="272" r:id="rId10"/>
+    <p:sldId id="276" r:id="rId11"/>
+    <p:sldId id="278" r:id="rId12"/>
+    <p:sldId id="279" r:id="rId13"/>
+    <p:sldId id="280" r:id="rId14"/>
     <p:sldId id="260" r:id="rId15"/>
     <p:sldId id="261" r:id="rId16"/>
     <p:sldId id="262" r:id="rId17"/>
@@ -3586,920 +3586,65 @@
           <a:lstStyle/>
           <a:p>
             <a:r>
-              <a:rPr lang="en-US" b="1" dirty="0">
+              <a:rPr lang="tr-TR" b="1" dirty="0">
                 <a:solidFill>
                   <a:srgbClr val="292D33"/>
                 </a:solidFill>
                 <a:latin typeface="Euclid Circular B" panose="020B0504000000000000" pitchFamily="34" charset="0"/>
                 <a:ea typeface="Euclid Circular B" panose="020B0504000000000000" pitchFamily="34" charset="0"/>
               </a:rPr>
-              <a:t>Developing, Running and Monitoring Distributed Systems</a:t>
-            </a:r>
+              <a:t>ABP Studio Main Solution Components</a:t>
+            </a:r>
+            <a:endParaRPr lang="en-US" b="1" dirty="0">
+              <a:solidFill>
+                <a:srgbClr val="292D33"/>
+              </a:solidFill>
+              <a:latin typeface="Euclid Circular B" panose="020B0504000000000000" pitchFamily="34" charset="0"/>
+              <a:ea typeface="Euclid Circular B" panose="020B0504000000000000" pitchFamily="34" charset="0"/>
+            </a:endParaRPr>
           </a:p>
         </p:txBody>
       </p:sp>
-      <p:sp>
-        <p:nvSpPr>
-          <p:cNvPr id="3" name="Content Placeholder 2">
+      <p:pic>
+        <p:nvPicPr>
+          <p:cNvPr id="7" name="Picture 6">
             <a:extLst>
               <a:ext uri="{FF2B5EF4-FFF2-40B4-BE49-F238E27FC236}">
-                <a16:creationId xmlns:a16="http://schemas.microsoft.com/office/drawing/2014/main" id="{891C7693-D3DF-4635-96F4-97F3B4136FDF}"/>
+                <a16:creationId xmlns:a16="http://schemas.microsoft.com/office/drawing/2014/main" id="{8B2F2103-0ECE-0682-3ACA-A00CC3AB6D9C}"/>
               </a:ext>
             </a:extLst>
           </p:cNvPr>
-          <p:cNvSpPr>
-            <a:spLocks noGrp="1"/>
-          </p:cNvSpPr>
-          <p:nvPr>
-            <p:ph idx="1"/>
-          </p:nvPr>
-        </p:nvSpPr>
-        <p:spPr/>
-        <p:txBody>
-          <a:bodyPr>
-            <a:normAutofit fontScale="92500" lnSpcReduction="10000"/>
-          </a:bodyPr>
-          <a:lstStyle/>
-          <a:p>
-            <a:r>
-              <a:rPr lang="en-US" dirty="0">
-                <a:latin typeface="Euclid Circular B" panose="020B0504000000000000" pitchFamily="34" charset="0"/>
-                <a:ea typeface="Euclid Circular B" panose="020B0504000000000000" pitchFamily="34" charset="0"/>
-              </a:rPr>
-              <a:t>Creating &amp; exploring a </a:t>
-            </a:r>
-            <a:r>
-              <a:rPr lang="en-US" b="1" dirty="0">
-                <a:latin typeface="Euclid Circular B" panose="020B0504000000000000" pitchFamily="34" charset="0"/>
-                <a:ea typeface="Euclid Circular B" panose="020B0504000000000000" pitchFamily="34" charset="0"/>
-              </a:rPr>
-              <a:t>microservice </a:t>
-            </a:r>
-            <a:r>
-              <a:rPr lang="en-US" dirty="0">
-                <a:latin typeface="Euclid Circular B" panose="020B0504000000000000" pitchFamily="34" charset="0"/>
-                <a:ea typeface="Euclid Circular B" panose="020B0504000000000000" pitchFamily="34" charset="0"/>
-              </a:rPr>
-              <a:t>solution</a:t>
-            </a:r>
-          </a:p>
-          <a:p>
-            <a:r>
-              <a:rPr lang="en-US" b="1" dirty="0">
-                <a:latin typeface="Euclid Circular B" panose="020B0504000000000000" pitchFamily="34" charset="0"/>
-                <a:ea typeface="Euclid Circular B" panose="020B0504000000000000" pitchFamily="34" charset="0"/>
-              </a:rPr>
-              <a:t>Running </a:t>
-            </a:r>
-            <a:r>
-              <a:rPr lang="en-US" dirty="0">
-                <a:latin typeface="Euclid Circular B" panose="020B0504000000000000" pitchFamily="34" charset="0"/>
-                <a:ea typeface="Euclid Circular B" panose="020B0504000000000000" pitchFamily="34" charset="0"/>
-              </a:rPr>
-              <a:t>applications &amp; services</a:t>
-            </a:r>
-          </a:p>
-          <a:p>
-            <a:r>
-              <a:rPr lang="en-US" b="1" dirty="0">
-                <a:latin typeface="Euclid Circular B" panose="020B0504000000000000" pitchFamily="34" charset="0"/>
-                <a:ea typeface="Euclid Circular B" panose="020B0504000000000000" pitchFamily="34" charset="0"/>
-              </a:rPr>
-              <a:t>Browsing</a:t>
-            </a:r>
-            <a:r>
-              <a:rPr lang="en-US" dirty="0">
-                <a:latin typeface="Euclid Circular B" panose="020B0504000000000000" pitchFamily="34" charset="0"/>
-                <a:ea typeface="Euclid Circular B" panose="020B0504000000000000" pitchFamily="34" charset="0"/>
-              </a:rPr>
-              <a:t> the applications</a:t>
-            </a:r>
-          </a:p>
-          <a:p>
-            <a:r>
-              <a:rPr lang="en-US" dirty="0">
-                <a:latin typeface="Euclid Circular B" panose="020B0504000000000000" pitchFamily="34" charset="0"/>
-                <a:ea typeface="Euclid Circular B" panose="020B0504000000000000" pitchFamily="34" charset="0"/>
-              </a:rPr>
-              <a:t>Working with </a:t>
-            </a:r>
-            <a:r>
-              <a:rPr lang="en-US" b="1" dirty="0">
-                <a:latin typeface="Euclid Circular B" panose="020B0504000000000000" pitchFamily="34" charset="0"/>
-                <a:ea typeface="Euclid Circular B" panose="020B0504000000000000" pitchFamily="34" charset="0"/>
-              </a:rPr>
-              <a:t>multiple profiles</a:t>
-            </a:r>
-          </a:p>
-          <a:p>
-            <a:r>
-              <a:rPr lang="en-US" b="1" dirty="0">
-                <a:latin typeface="Euclid Circular B" panose="020B0504000000000000" pitchFamily="34" charset="0"/>
-                <a:ea typeface="Euclid Circular B" panose="020B0504000000000000" pitchFamily="34" charset="0"/>
-              </a:rPr>
-              <a:t>Developing </a:t>
-            </a:r>
-            <a:r>
-              <a:rPr lang="en-US" dirty="0">
-                <a:latin typeface="Euclid Circular B" panose="020B0504000000000000" pitchFamily="34" charset="0"/>
-                <a:ea typeface="Euclid Circular B" panose="020B0504000000000000" pitchFamily="34" charset="0"/>
-              </a:rPr>
-              <a:t>&amp; </a:t>
-            </a:r>
-            <a:r>
-              <a:rPr lang="en-US" b="1" dirty="0">
-                <a:latin typeface="Euclid Circular B" panose="020B0504000000000000" pitchFamily="34" charset="0"/>
-                <a:ea typeface="Euclid Circular B" panose="020B0504000000000000" pitchFamily="34" charset="0"/>
-              </a:rPr>
-              <a:t>debugging </a:t>
-            </a:r>
-            <a:r>
-              <a:rPr lang="en-US" dirty="0">
-                <a:latin typeface="Euclid Circular B" panose="020B0504000000000000" pitchFamily="34" charset="0"/>
-                <a:ea typeface="Euclid Circular B" panose="020B0504000000000000" pitchFamily="34" charset="0"/>
-              </a:rPr>
-              <a:t>with the Solution Runner</a:t>
-            </a:r>
-          </a:p>
-          <a:p>
-            <a:r>
-              <a:rPr lang="en-US" b="1" dirty="0">
-                <a:latin typeface="Euclid Circular B" panose="020B0504000000000000" pitchFamily="34" charset="0"/>
-                <a:ea typeface="Euclid Circular B" panose="020B0504000000000000" pitchFamily="34" charset="0"/>
-              </a:rPr>
-              <a:t>Monitoring </a:t>
-            </a:r>
-            <a:r>
-              <a:rPr lang="en-US" dirty="0">
-                <a:latin typeface="Euclid Circular B" panose="020B0504000000000000" pitchFamily="34" charset="0"/>
-                <a:ea typeface="Euclid Circular B" panose="020B0504000000000000" pitchFamily="34" charset="0"/>
-              </a:rPr>
-              <a:t>the applications and services</a:t>
-            </a:r>
-          </a:p>
-          <a:p>
-            <a:pPr lvl="1"/>
-            <a:r>
-              <a:rPr lang="en-US" dirty="0">
-                <a:latin typeface="Euclid Circular B" panose="020B0504000000000000" pitchFamily="34" charset="0"/>
-                <a:ea typeface="Euclid Circular B" panose="020B0504000000000000" pitchFamily="34" charset="0"/>
-              </a:rPr>
-              <a:t>Overall</a:t>
-            </a:r>
-          </a:p>
-          <a:p>
-            <a:pPr lvl="1"/>
-            <a:r>
-              <a:rPr lang="en-US" dirty="0">
-                <a:latin typeface="Euclid Circular B" panose="020B0504000000000000" pitchFamily="34" charset="0"/>
-                <a:ea typeface="Euclid Circular B" panose="020B0504000000000000" pitchFamily="34" charset="0"/>
-              </a:rPr>
-              <a:t>HTTP Requests</a:t>
-            </a:r>
-          </a:p>
-          <a:p>
-            <a:pPr lvl="1"/>
-            <a:r>
-              <a:rPr lang="en-US" dirty="0">
-                <a:latin typeface="Euclid Circular B" panose="020B0504000000000000" pitchFamily="34" charset="0"/>
-                <a:ea typeface="Euclid Circular B" panose="020B0504000000000000" pitchFamily="34" charset="0"/>
-              </a:rPr>
-              <a:t>Distributed Events</a:t>
-            </a:r>
-          </a:p>
-          <a:p>
-            <a:pPr lvl="1"/>
-            <a:r>
-              <a:rPr lang="en-US" dirty="0">
-                <a:latin typeface="Euclid Circular B" panose="020B0504000000000000" pitchFamily="34" charset="0"/>
-                <a:ea typeface="Euclid Circular B" panose="020B0504000000000000" pitchFamily="34" charset="0"/>
-              </a:rPr>
-              <a:t>Exceptions</a:t>
-            </a:r>
-          </a:p>
-          <a:p>
-            <a:pPr lvl="1"/>
-            <a:r>
-              <a:rPr lang="en-US" dirty="0">
-                <a:latin typeface="Euclid Circular B" panose="020B0504000000000000" pitchFamily="34" charset="0"/>
-                <a:ea typeface="Euclid Circular B" panose="020B0504000000000000" pitchFamily="34" charset="0"/>
-              </a:rPr>
-              <a:t>Logs</a:t>
-            </a:r>
-          </a:p>
-        </p:txBody>
-      </p:sp>
+          <p:cNvPicPr>
+            <a:picLocks noChangeAspect="1"/>
+          </p:cNvPicPr>
+          <p:nvPr/>
+        </p:nvPicPr>
+        <p:blipFill>
+          <a:blip r:embed="rId3"/>
+          <a:stretch>
+            <a:fillRect/>
+          </a:stretch>
+        </p:blipFill>
+        <p:spPr>
+          <a:xfrm>
+            <a:off x="2833701" y="2084030"/>
+            <a:ext cx="6762750" cy="3400425"/>
+          </a:xfrm>
+          <a:prstGeom prst="rect">
+            <a:avLst/>
+          </a:prstGeom>
+        </p:spPr>
+      </p:pic>
     </p:spTree>
     <p:extLst>
       <p:ext uri="{BB962C8B-B14F-4D97-AF65-F5344CB8AC3E}">
-        <p14:creationId xmlns:p14="http://schemas.microsoft.com/office/powerpoint/2010/main" val="4094511437"/>
+        <p14:creationId xmlns:p14="http://schemas.microsoft.com/office/powerpoint/2010/main" val="1080255052"/>
       </p:ext>
     </p:extLst>
   </p:cSld>
   <p:clrMapOvr>
     <a:masterClrMapping/>
   </p:clrMapOvr>
-  <p:timing>
-    <p:tnLst>
-      <p:par>
-        <p:cTn id="1" dur="indefinite" restart="never" nodeType="tmRoot">
-          <p:childTnLst>
-            <p:seq concurrent="1" nextAc="seek">
-              <p:cTn id="2" dur="indefinite" nodeType="mainSeq">
-                <p:childTnLst>
-                  <p:par>
-                    <p:cTn id="3" fill="hold">
-                      <p:stCondLst>
-                        <p:cond delay="indefinite"/>
-                      </p:stCondLst>
-                      <p:childTnLst>
-                        <p:par>
-                          <p:cTn id="4" fill="hold">
-                            <p:stCondLst>
-                              <p:cond delay="0"/>
-                            </p:stCondLst>
-                            <p:childTnLst>
-                              <p:par>
-                                <p:cTn id="5" presetID="10" presetClass="entr" presetSubtype="0" fill="hold" nodeType="clickEffect">
-                                  <p:stCondLst>
-                                    <p:cond delay="0"/>
-                                  </p:stCondLst>
-                                  <p:childTnLst>
-                                    <p:set>
-                                      <p:cBhvr>
-                                        <p:cTn id="6" dur="1" fill="hold">
-                                          <p:stCondLst>
-                                            <p:cond delay="0"/>
-                                          </p:stCondLst>
-                                        </p:cTn>
-                                        <p:tgtEl>
-                                          <p:spTgt spid="3">
-                                            <p:txEl>
-                                              <p:pRg st="0" end="0"/>
-                                            </p:txEl>
-                                          </p:spTgt>
-                                        </p:tgtEl>
-                                        <p:attrNameLst>
-                                          <p:attrName>style.visibility</p:attrName>
-                                        </p:attrNameLst>
-                                      </p:cBhvr>
-                                      <p:to>
-                                        <p:strVal val="visible"/>
-                                      </p:to>
-                                    </p:set>
-                                    <p:animEffect transition="in" filter="fade">
-                                      <p:cBhvr>
-                                        <p:cTn id="7" dur="500"/>
-                                        <p:tgtEl>
-                                          <p:spTgt spid="3">
-                                            <p:txEl>
-                                              <p:pRg st="0" end="0"/>
-                                            </p:txEl>
-                                          </p:spTgt>
-                                        </p:tgtEl>
-                                      </p:cBhvr>
-                                    </p:animEffect>
-                                  </p:childTnLst>
-                                </p:cTn>
-                              </p:par>
-                            </p:childTnLst>
-                          </p:cTn>
-                        </p:par>
-                      </p:childTnLst>
-                    </p:cTn>
-                  </p:par>
-                  <p:par>
-                    <p:cTn id="8" fill="hold">
-                      <p:stCondLst>
-                        <p:cond delay="indefinite"/>
-                      </p:stCondLst>
-                      <p:childTnLst>
-                        <p:par>
-                          <p:cTn id="9" fill="hold">
-                            <p:stCondLst>
-                              <p:cond delay="0"/>
-                            </p:stCondLst>
-                            <p:childTnLst>
-                              <p:par>
-                                <p:cTn id="10" presetID="10" presetClass="entr" presetSubtype="0" fill="hold" nodeType="clickEffect">
-                                  <p:stCondLst>
-                                    <p:cond delay="0"/>
-                                  </p:stCondLst>
-                                  <p:childTnLst>
-                                    <p:set>
-                                      <p:cBhvr>
-                                        <p:cTn id="11" dur="1" fill="hold">
-                                          <p:stCondLst>
-                                            <p:cond delay="0"/>
-                                          </p:stCondLst>
-                                        </p:cTn>
-                                        <p:tgtEl>
-                                          <p:spTgt spid="3">
-                                            <p:txEl>
-                                              <p:pRg st="1" end="1"/>
-                                            </p:txEl>
-                                          </p:spTgt>
-                                        </p:tgtEl>
-                                        <p:attrNameLst>
-                                          <p:attrName>style.visibility</p:attrName>
-                                        </p:attrNameLst>
-                                      </p:cBhvr>
-                                      <p:to>
-                                        <p:strVal val="visible"/>
-                                      </p:to>
-                                    </p:set>
-                                    <p:animEffect transition="in" filter="fade">
-                                      <p:cBhvr>
-                                        <p:cTn id="12" dur="500"/>
-                                        <p:tgtEl>
-                                          <p:spTgt spid="3">
-                                            <p:txEl>
-                                              <p:pRg st="1" end="1"/>
-                                            </p:txEl>
-                                          </p:spTgt>
-                                        </p:tgtEl>
-                                      </p:cBhvr>
-                                    </p:animEffect>
-                                  </p:childTnLst>
-                                </p:cTn>
-                              </p:par>
-                            </p:childTnLst>
-                          </p:cTn>
-                        </p:par>
-                      </p:childTnLst>
-                    </p:cTn>
-                  </p:par>
-                  <p:par>
-                    <p:cTn id="13" fill="hold">
-                      <p:stCondLst>
-                        <p:cond delay="indefinite"/>
-                      </p:stCondLst>
-                      <p:childTnLst>
-                        <p:par>
-                          <p:cTn id="14" fill="hold">
-                            <p:stCondLst>
-                              <p:cond delay="0"/>
-                            </p:stCondLst>
-                            <p:childTnLst>
-                              <p:par>
-                                <p:cTn id="15" presetID="10" presetClass="entr" presetSubtype="0" fill="hold" nodeType="clickEffect">
-                                  <p:stCondLst>
-                                    <p:cond delay="0"/>
-                                  </p:stCondLst>
-                                  <p:childTnLst>
-                                    <p:set>
-                                      <p:cBhvr>
-                                        <p:cTn id="16" dur="1" fill="hold">
-                                          <p:stCondLst>
-                                            <p:cond delay="0"/>
-                                          </p:stCondLst>
-                                        </p:cTn>
-                                        <p:tgtEl>
-                                          <p:spTgt spid="3">
-                                            <p:txEl>
-                                              <p:pRg st="2" end="2"/>
-                                            </p:txEl>
-                                          </p:spTgt>
-                                        </p:tgtEl>
-                                        <p:attrNameLst>
-                                          <p:attrName>style.visibility</p:attrName>
-                                        </p:attrNameLst>
-                                      </p:cBhvr>
-                                      <p:to>
-                                        <p:strVal val="visible"/>
-                                      </p:to>
-                                    </p:set>
-                                    <p:animEffect transition="in" filter="fade">
-                                      <p:cBhvr>
-                                        <p:cTn id="17" dur="500"/>
-                                        <p:tgtEl>
-                                          <p:spTgt spid="3">
-                                            <p:txEl>
-                                              <p:pRg st="2" end="2"/>
-                                            </p:txEl>
-                                          </p:spTgt>
-                                        </p:tgtEl>
-                                      </p:cBhvr>
-                                    </p:animEffect>
-                                  </p:childTnLst>
-                                </p:cTn>
-                              </p:par>
-                            </p:childTnLst>
-                          </p:cTn>
-                        </p:par>
-                      </p:childTnLst>
-                    </p:cTn>
-                  </p:par>
-                  <p:par>
-                    <p:cTn id="18" fill="hold">
-                      <p:stCondLst>
-                        <p:cond delay="indefinite"/>
-                      </p:stCondLst>
-                      <p:childTnLst>
-                        <p:par>
-                          <p:cTn id="19" fill="hold">
-                            <p:stCondLst>
-                              <p:cond delay="0"/>
-                            </p:stCondLst>
-                            <p:childTnLst>
-                              <p:par>
-                                <p:cTn id="20" presetID="10" presetClass="entr" presetSubtype="0" fill="hold" nodeType="clickEffect">
-                                  <p:stCondLst>
-                                    <p:cond delay="0"/>
-                                  </p:stCondLst>
-                                  <p:childTnLst>
-                                    <p:set>
-                                      <p:cBhvr>
-                                        <p:cTn id="21" dur="1" fill="hold">
-                                          <p:stCondLst>
-                                            <p:cond delay="0"/>
-                                          </p:stCondLst>
-                                        </p:cTn>
-                                        <p:tgtEl>
-                                          <p:spTgt spid="3">
-                                            <p:txEl>
-                                              <p:pRg st="3" end="3"/>
-                                            </p:txEl>
-                                          </p:spTgt>
-                                        </p:tgtEl>
-                                        <p:attrNameLst>
-                                          <p:attrName>style.visibility</p:attrName>
-                                        </p:attrNameLst>
-                                      </p:cBhvr>
-                                      <p:to>
-                                        <p:strVal val="visible"/>
-                                      </p:to>
-                                    </p:set>
-                                    <p:animEffect transition="in" filter="fade">
-                                      <p:cBhvr>
-                                        <p:cTn id="22" dur="500"/>
-                                        <p:tgtEl>
-                                          <p:spTgt spid="3">
-                                            <p:txEl>
-                                              <p:pRg st="3" end="3"/>
-                                            </p:txEl>
-                                          </p:spTgt>
-                                        </p:tgtEl>
-                                      </p:cBhvr>
-                                    </p:animEffect>
-                                  </p:childTnLst>
-                                </p:cTn>
-                              </p:par>
-                            </p:childTnLst>
-                          </p:cTn>
-                        </p:par>
-                      </p:childTnLst>
-                    </p:cTn>
-                  </p:par>
-                  <p:par>
-                    <p:cTn id="23" fill="hold">
-                      <p:stCondLst>
-                        <p:cond delay="indefinite"/>
-                      </p:stCondLst>
-                      <p:childTnLst>
-                        <p:par>
-                          <p:cTn id="24" fill="hold">
-                            <p:stCondLst>
-                              <p:cond delay="0"/>
-                            </p:stCondLst>
-                            <p:childTnLst>
-                              <p:par>
-                                <p:cTn id="25" presetID="10" presetClass="entr" presetSubtype="0" fill="hold" nodeType="clickEffect">
-                                  <p:stCondLst>
-                                    <p:cond delay="0"/>
-                                  </p:stCondLst>
-                                  <p:childTnLst>
-                                    <p:set>
-                                      <p:cBhvr>
-                                        <p:cTn id="26" dur="1" fill="hold">
-                                          <p:stCondLst>
-                                            <p:cond delay="0"/>
-                                          </p:stCondLst>
-                                        </p:cTn>
-                                        <p:tgtEl>
-                                          <p:spTgt spid="3">
-                                            <p:txEl>
-                                              <p:pRg st="4" end="4"/>
-                                            </p:txEl>
-                                          </p:spTgt>
-                                        </p:tgtEl>
-                                        <p:attrNameLst>
-                                          <p:attrName>style.visibility</p:attrName>
-                                        </p:attrNameLst>
-                                      </p:cBhvr>
-                                      <p:to>
-                                        <p:strVal val="visible"/>
-                                      </p:to>
-                                    </p:set>
-                                    <p:animEffect transition="in" filter="fade">
-                                      <p:cBhvr>
-                                        <p:cTn id="27" dur="500"/>
-                                        <p:tgtEl>
-                                          <p:spTgt spid="3">
-                                            <p:txEl>
-                                              <p:pRg st="4" end="4"/>
-                                            </p:txEl>
-                                          </p:spTgt>
-                                        </p:tgtEl>
-                                      </p:cBhvr>
-                                    </p:animEffect>
-                                  </p:childTnLst>
-                                </p:cTn>
-                              </p:par>
-                            </p:childTnLst>
-                          </p:cTn>
-                        </p:par>
-                      </p:childTnLst>
-                    </p:cTn>
-                  </p:par>
-                  <p:par>
-                    <p:cTn id="28" fill="hold">
-                      <p:stCondLst>
-                        <p:cond delay="indefinite"/>
-                      </p:stCondLst>
-                      <p:childTnLst>
-                        <p:par>
-                          <p:cTn id="29" fill="hold">
-                            <p:stCondLst>
-                              <p:cond delay="0"/>
-                            </p:stCondLst>
-                            <p:childTnLst>
-                              <p:par>
-                                <p:cTn id="30" presetID="10" presetClass="entr" presetSubtype="0" fill="hold" nodeType="clickEffect">
-                                  <p:stCondLst>
-                                    <p:cond delay="0"/>
-                                  </p:stCondLst>
-                                  <p:childTnLst>
-                                    <p:set>
-                                      <p:cBhvr>
-                                        <p:cTn id="31" dur="1" fill="hold">
-                                          <p:stCondLst>
-                                            <p:cond delay="0"/>
-                                          </p:stCondLst>
-                                        </p:cTn>
-                                        <p:tgtEl>
-                                          <p:spTgt spid="3">
-                                            <p:txEl>
-                                              <p:pRg st="5" end="5"/>
-                                            </p:txEl>
-                                          </p:spTgt>
-                                        </p:tgtEl>
-                                        <p:attrNameLst>
-                                          <p:attrName>style.visibility</p:attrName>
-                                        </p:attrNameLst>
-                                      </p:cBhvr>
-                                      <p:to>
-                                        <p:strVal val="visible"/>
-                                      </p:to>
-                                    </p:set>
-                                    <p:animEffect transition="in" filter="fade">
-                                      <p:cBhvr>
-                                        <p:cTn id="32" dur="500"/>
-                                        <p:tgtEl>
-                                          <p:spTgt spid="3">
-                                            <p:txEl>
-                                              <p:pRg st="5" end="5"/>
-                                            </p:txEl>
-                                          </p:spTgt>
-                                        </p:tgtEl>
-                                      </p:cBhvr>
-                                    </p:animEffect>
-                                  </p:childTnLst>
-                                </p:cTn>
-                              </p:par>
-                            </p:childTnLst>
-                          </p:cTn>
-                        </p:par>
-                      </p:childTnLst>
-                    </p:cTn>
-                  </p:par>
-                  <p:par>
-                    <p:cTn id="33" fill="hold">
-                      <p:stCondLst>
-                        <p:cond delay="indefinite"/>
-                      </p:stCondLst>
-                      <p:childTnLst>
-                        <p:par>
-                          <p:cTn id="34" fill="hold">
-                            <p:stCondLst>
-                              <p:cond delay="0"/>
-                            </p:stCondLst>
-                            <p:childTnLst>
-                              <p:par>
-                                <p:cTn id="35" presetID="10" presetClass="entr" presetSubtype="0" fill="hold" nodeType="clickEffect">
-                                  <p:stCondLst>
-                                    <p:cond delay="0"/>
-                                  </p:stCondLst>
-                                  <p:childTnLst>
-                                    <p:set>
-                                      <p:cBhvr>
-                                        <p:cTn id="36" dur="1" fill="hold">
-                                          <p:stCondLst>
-                                            <p:cond delay="0"/>
-                                          </p:stCondLst>
-                                        </p:cTn>
-                                        <p:tgtEl>
-                                          <p:spTgt spid="3">
-                                            <p:txEl>
-                                              <p:pRg st="6" end="6"/>
-                                            </p:txEl>
-                                          </p:spTgt>
-                                        </p:tgtEl>
-                                        <p:attrNameLst>
-                                          <p:attrName>style.visibility</p:attrName>
-                                        </p:attrNameLst>
-                                      </p:cBhvr>
-                                      <p:to>
-                                        <p:strVal val="visible"/>
-                                      </p:to>
-                                    </p:set>
-                                    <p:animEffect transition="in" filter="fade">
-                                      <p:cBhvr>
-                                        <p:cTn id="37" dur="500"/>
-                                        <p:tgtEl>
-                                          <p:spTgt spid="3">
-                                            <p:txEl>
-                                              <p:pRg st="6" end="6"/>
-                                            </p:txEl>
-                                          </p:spTgt>
-                                        </p:tgtEl>
-                                      </p:cBhvr>
-                                    </p:animEffect>
-                                  </p:childTnLst>
-                                </p:cTn>
-                              </p:par>
-                            </p:childTnLst>
-                          </p:cTn>
-                        </p:par>
-                      </p:childTnLst>
-                    </p:cTn>
-                  </p:par>
-                  <p:par>
-                    <p:cTn id="38" fill="hold">
-                      <p:stCondLst>
-                        <p:cond delay="indefinite"/>
-                      </p:stCondLst>
-                      <p:childTnLst>
-                        <p:par>
-                          <p:cTn id="39" fill="hold">
-                            <p:stCondLst>
-                              <p:cond delay="0"/>
-                            </p:stCondLst>
-                            <p:childTnLst>
-                              <p:par>
-                                <p:cTn id="40" presetID="10" presetClass="entr" presetSubtype="0" fill="hold" nodeType="clickEffect">
-                                  <p:stCondLst>
-                                    <p:cond delay="0"/>
-                                  </p:stCondLst>
-                                  <p:childTnLst>
-                                    <p:set>
-                                      <p:cBhvr>
-                                        <p:cTn id="41" dur="1" fill="hold">
-                                          <p:stCondLst>
-                                            <p:cond delay="0"/>
-                                          </p:stCondLst>
-                                        </p:cTn>
-                                        <p:tgtEl>
-                                          <p:spTgt spid="3">
-                                            <p:txEl>
-                                              <p:pRg st="7" end="7"/>
-                                            </p:txEl>
-                                          </p:spTgt>
-                                        </p:tgtEl>
-                                        <p:attrNameLst>
-                                          <p:attrName>style.visibility</p:attrName>
-                                        </p:attrNameLst>
-                                      </p:cBhvr>
-                                      <p:to>
-                                        <p:strVal val="visible"/>
-                                      </p:to>
-                                    </p:set>
-                                    <p:animEffect transition="in" filter="fade">
-                                      <p:cBhvr>
-                                        <p:cTn id="42" dur="500"/>
-                                        <p:tgtEl>
-                                          <p:spTgt spid="3">
-                                            <p:txEl>
-                                              <p:pRg st="7" end="7"/>
-                                            </p:txEl>
-                                          </p:spTgt>
-                                        </p:tgtEl>
-                                      </p:cBhvr>
-                                    </p:animEffect>
-                                  </p:childTnLst>
-                                </p:cTn>
-                              </p:par>
-                            </p:childTnLst>
-                          </p:cTn>
-                        </p:par>
-                      </p:childTnLst>
-                    </p:cTn>
-                  </p:par>
-                  <p:par>
-                    <p:cTn id="43" fill="hold">
-                      <p:stCondLst>
-                        <p:cond delay="indefinite"/>
-                      </p:stCondLst>
-                      <p:childTnLst>
-                        <p:par>
-                          <p:cTn id="44" fill="hold">
-                            <p:stCondLst>
-                              <p:cond delay="0"/>
-                            </p:stCondLst>
-                            <p:childTnLst>
-                              <p:par>
-                                <p:cTn id="45" presetID="10" presetClass="entr" presetSubtype="0" fill="hold" nodeType="clickEffect">
-                                  <p:stCondLst>
-                                    <p:cond delay="0"/>
-                                  </p:stCondLst>
-                                  <p:childTnLst>
-                                    <p:set>
-                                      <p:cBhvr>
-                                        <p:cTn id="46" dur="1" fill="hold">
-                                          <p:stCondLst>
-                                            <p:cond delay="0"/>
-                                          </p:stCondLst>
-                                        </p:cTn>
-                                        <p:tgtEl>
-                                          <p:spTgt spid="3">
-                                            <p:txEl>
-                                              <p:pRg st="8" end="8"/>
-                                            </p:txEl>
-                                          </p:spTgt>
-                                        </p:tgtEl>
-                                        <p:attrNameLst>
-                                          <p:attrName>style.visibility</p:attrName>
-                                        </p:attrNameLst>
-                                      </p:cBhvr>
-                                      <p:to>
-                                        <p:strVal val="visible"/>
-                                      </p:to>
-                                    </p:set>
-                                    <p:animEffect transition="in" filter="fade">
-                                      <p:cBhvr>
-                                        <p:cTn id="47" dur="500"/>
-                                        <p:tgtEl>
-                                          <p:spTgt spid="3">
-                                            <p:txEl>
-                                              <p:pRg st="8" end="8"/>
-                                            </p:txEl>
-                                          </p:spTgt>
-                                        </p:tgtEl>
-                                      </p:cBhvr>
-                                    </p:animEffect>
-                                  </p:childTnLst>
-                                </p:cTn>
-                              </p:par>
-                            </p:childTnLst>
-                          </p:cTn>
-                        </p:par>
-                      </p:childTnLst>
-                    </p:cTn>
-                  </p:par>
-                  <p:par>
-                    <p:cTn id="48" fill="hold">
-                      <p:stCondLst>
-                        <p:cond delay="indefinite"/>
-                      </p:stCondLst>
-                      <p:childTnLst>
-                        <p:par>
-                          <p:cTn id="49" fill="hold">
-                            <p:stCondLst>
-                              <p:cond delay="0"/>
-                            </p:stCondLst>
-                            <p:childTnLst>
-                              <p:par>
-                                <p:cTn id="50" presetID="10" presetClass="entr" presetSubtype="0" fill="hold" nodeType="clickEffect">
-                                  <p:stCondLst>
-                                    <p:cond delay="0"/>
-                                  </p:stCondLst>
-                                  <p:childTnLst>
-                                    <p:set>
-                                      <p:cBhvr>
-                                        <p:cTn id="51" dur="1" fill="hold">
-                                          <p:stCondLst>
-                                            <p:cond delay="0"/>
-                                          </p:stCondLst>
-                                        </p:cTn>
-                                        <p:tgtEl>
-                                          <p:spTgt spid="3">
-                                            <p:txEl>
-                                              <p:pRg st="9" end="9"/>
-                                            </p:txEl>
-                                          </p:spTgt>
-                                        </p:tgtEl>
-                                        <p:attrNameLst>
-                                          <p:attrName>style.visibility</p:attrName>
-                                        </p:attrNameLst>
-                                      </p:cBhvr>
-                                      <p:to>
-                                        <p:strVal val="visible"/>
-                                      </p:to>
-                                    </p:set>
-                                    <p:animEffect transition="in" filter="fade">
-                                      <p:cBhvr>
-                                        <p:cTn id="52" dur="500"/>
-                                        <p:tgtEl>
-                                          <p:spTgt spid="3">
-                                            <p:txEl>
-                                              <p:pRg st="9" end="9"/>
-                                            </p:txEl>
-                                          </p:spTgt>
-                                        </p:tgtEl>
-                                      </p:cBhvr>
-                                    </p:animEffect>
-                                  </p:childTnLst>
-                                </p:cTn>
-                              </p:par>
-                            </p:childTnLst>
-                          </p:cTn>
-                        </p:par>
-                      </p:childTnLst>
-                    </p:cTn>
-                  </p:par>
-                  <p:par>
-                    <p:cTn id="53" fill="hold">
-                      <p:stCondLst>
-                        <p:cond delay="indefinite"/>
-                      </p:stCondLst>
-                      <p:childTnLst>
-                        <p:par>
-                          <p:cTn id="54" fill="hold">
-                            <p:stCondLst>
-                              <p:cond delay="0"/>
-                            </p:stCondLst>
-                            <p:childTnLst>
-                              <p:par>
-                                <p:cTn id="55" presetID="10" presetClass="entr" presetSubtype="0" fill="hold" nodeType="clickEffect">
-                                  <p:stCondLst>
-                                    <p:cond delay="0"/>
-                                  </p:stCondLst>
-                                  <p:childTnLst>
-                                    <p:set>
-                                      <p:cBhvr>
-                                        <p:cTn id="56" dur="1" fill="hold">
-                                          <p:stCondLst>
-                                            <p:cond delay="0"/>
-                                          </p:stCondLst>
-                                        </p:cTn>
-                                        <p:tgtEl>
-                                          <p:spTgt spid="3">
-                                            <p:txEl>
-                                              <p:pRg st="10" end="10"/>
-                                            </p:txEl>
-                                          </p:spTgt>
-                                        </p:tgtEl>
-                                        <p:attrNameLst>
-                                          <p:attrName>style.visibility</p:attrName>
-                                        </p:attrNameLst>
-                                      </p:cBhvr>
-                                      <p:to>
-                                        <p:strVal val="visible"/>
-                                      </p:to>
-                                    </p:set>
-                                    <p:animEffect transition="in" filter="fade">
-                                      <p:cBhvr>
-                                        <p:cTn id="57" dur="500"/>
-                                        <p:tgtEl>
-                                          <p:spTgt spid="3">
-                                            <p:txEl>
-                                              <p:pRg st="10" end="10"/>
-                                            </p:txEl>
-                                          </p:spTgt>
-                                        </p:tgtEl>
-                                      </p:cBhvr>
-                                    </p:animEffect>
-                                  </p:childTnLst>
-                                </p:cTn>
-                              </p:par>
-                            </p:childTnLst>
-                          </p:cTn>
-                        </p:par>
-                      </p:childTnLst>
-                    </p:cTn>
-                  </p:par>
-                </p:childTnLst>
-              </p:cTn>
-              <p:prevCondLst>
-                <p:cond evt="onPrev" delay="0">
-                  <p:tgtEl>
-                    <p:sldTgt/>
-                  </p:tgtEl>
-                </p:cond>
-              </p:prevCondLst>
-              <p:nextCondLst>
-                <p:cond evt="onNext" delay="0">
-                  <p:tgtEl>
-                    <p:sldTgt/>
-                  </p:tgtEl>
-                </p:cond>
-              </p:nextCondLst>
-            </p:seq>
-          </p:childTnLst>
-        </p:cTn>
-      </p:par>
-    </p:tnLst>
-  </p:timing>
 </p:sld>
 </file>
 
@@ -4563,7 +3708,7 @@
                 <a:latin typeface="Euclid Circular B" panose="020B0504000000000000" pitchFamily="34" charset="0"/>
                 <a:ea typeface="Euclid Circular B" panose="020B0504000000000000" pitchFamily="34" charset="0"/>
               </a:rPr>
-              <a:t>Working with Kubernetes</a:t>
+              <a:t>Building Modular Solutions</a:t>
             </a:r>
           </a:p>
         </p:txBody>
@@ -4584,42 +3729,63 @@
             <p:ph idx="1"/>
           </p:nvPr>
         </p:nvSpPr>
-        <p:spPr>
-          <a:xfrm>
-            <a:off x="838199" y="1825625"/>
-            <a:ext cx="6844645" cy="4351338"/>
-          </a:xfrm>
-        </p:spPr>
+        <p:spPr/>
         <p:txBody>
-          <a:bodyPr>
-            <a:normAutofit lnSpcReduction="10000"/>
-          </a:bodyPr>
+          <a:bodyPr/>
           <a:lstStyle/>
           <a:p>
+            <a:r>
+              <a:rPr lang="en-US" b="1" dirty="0">
+                <a:latin typeface="Euclid Circular B" panose="020B0504000000000000" pitchFamily="34" charset="0"/>
+                <a:ea typeface="Euclid Circular B" panose="020B0504000000000000" pitchFamily="34" charset="0"/>
+              </a:rPr>
+              <a:t>Installing </a:t>
+            </a:r>
             <a:r>
               <a:rPr lang="en-US" dirty="0">
                 <a:latin typeface="Euclid Circular B" panose="020B0504000000000000" pitchFamily="34" charset="0"/>
                 <a:ea typeface="Euclid Circular B" panose="020B0504000000000000" pitchFamily="34" charset="0"/>
               </a:rPr>
-              <a:t>View &amp; manage Helm charts</a:t>
-            </a:r>
-          </a:p>
-          <a:p>
+              <a:t>a pre-built application module</a:t>
+            </a:r>
+          </a:p>
+          <a:p>
+            <a:r>
+              <a:rPr lang="en-US" b="1" dirty="0">
+                <a:latin typeface="Euclid Circular B" panose="020B0504000000000000" pitchFamily="34" charset="0"/>
+                <a:ea typeface="Euclid Circular B" panose="020B0504000000000000" pitchFamily="34" charset="0"/>
+              </a:rPr>
+              <a:t>Customizing </a:t>
+            </a:r>
             <a:r>
               <a:rPr lang="en-US" dirty="0">
                 <a:latin typeface="Euclid Circular B" panose="020B0504000000000000" pitchFamily="34" charset="0"/>
                 <a:ea typeface="Euclid Circular B" panose="020B0504000000000000" pitchFamily="34" charset="0"/>
               </a:rPr>
-              <a:t>Building docker images</a:t>
-            </a:r>
-          </a:p>
-          <a:p>
+              <a:t>a used module</a:t>
+            </a:r>
+          </a:p>
+          <a:p>
+            <a:r>
+              <a:rPr lang="en-US" b="1" dirty="0">
+                <a:latin typeface="Euclid Circular B" panose="020B0504000000000000" pitchFamily="34" charset="0"/>
+                <a:ea typeface="Euclid Circular B" panose="020B0504000000000000" pitchFamily="34" charset="0"/>
+              </a:rPr>
+              <a:t>Replacing </a:t>
+            </a:r>
             <a:r>
               <a:rPr lang="en-US" dirty="0">
                 <a:latin typeface="Euclid Circular B" panose="020B0504000000000000" pitchFamily="34" charset="0"/>
                 <a:ea typeface="Euclid Circular B" panose="020B0504000000000000" pitchFamily="34" charset="0"/>
               </a:rPr>
-              <a:t>Installing Helm charts</a:t>
+              <a:t>a module with its </a:t>
+            </a:r>
+            <a:r>
+              <a:rPr lang="en-US" b="1" dirty="0">
+                <a:latin typeface="Euclid Circular B" panose="020B0504000000000000" pitchFamily="34" charset="0"/>
+                <a:ea typeface="Euclid Circular B" panose="020B0504000000000000" pitchFamily="34" charset="0"/>
+              </a:rPr>
+              <a:t>source code</a:t>
             </a:r>
           </a:p>
           <a:p>
@@ -4628,25 +3794,48 @@
                 <a:latin typeface="Euclid Circular B" panose="020B0504000000000000" pitchFamily="34" charset="0"/>
                 <a:ea typeface="Euclid Circular B" panose="020B0504000000000000" pitchFamily="34" charset="0"/>
               </a:rPr>
-              <a:t>Connecting to a Kubernetes cluster</a:t>
-            </a:r>
-          </a:p>
-          <a:p>
+              <a:t>Creating </a:t>
+            </a:r>
+            <a:r>
+              <a:rPr lang="en-US" b="1" dirty="0">
+                <a:latin typeface="Euclid Circular B" panose="020B0504000000000000" pitchFamily="34" charset="0"/>
+                <a:ea typeface="Euclid Circular B" panose="020B0504000000000000" pitchFamily="34" charset="0"/>
+              </a:rPr>
+              <a:t>new modules</a:t>
+            </a:r>
+          </a:p>
+          <a:p>
+            <a:pPr lvl="1"/>
+            <a:r>
+              <a:rPr lang="en-US" b="1" dirty="0">
+                <a:latin typeface="Euclid Circular B" panose="020B0504000000000000" pitchFamily="34" charset="0"/>
+                <a:ea typeface="Euclid Circular B" panose="020B0504000000000000" pitchFamily="34" charset="0"/>
+              </a:rPr>
+              <a:t>DDD </a:t>
+            </a:r>
             <a:r>
               <a:rPr lang="en-US" dirty="0">
                 <a:latin typeface="Euclid Circular B" panose="020B0504000000000000" pitchFamily="34" charset="0"/>
                 <a:ea typeface="Euclid Circular B" panose="020B0504000000000000" pitchFamily="34" charset="0"/>
               </a:rPr>
-              <a:t>Accessing to internal services</a:t>
-            </a:r>
-          </a:p>
-          <a:p>
+              <a:t>Module</a:t>
+            </a:r>
+          </a:p>
+          <a:p>
+            <a:pPr lvl="1"/>
+            <a:r>
+              <a:rPr lang="en-US" b="1" dirty="0">
+                <a:latin typeface="Euclid Circular B" panose="020B0504000000000000" pitchFamily="34" charset="0"/>
+                <a:ea typeface="Euclid Circular B" panose="020B0504000000000000" pitchFamily="34" charset="0"/>
+              </a:rPr>
+              <a:t>Empty </a:t>
+            </a:r>
             <a:r>
               <a:rPr lang="en-US" dirty="0">
                 <a:latin typeface="Euclid Circular B" panose="020B0504000000000000" pitchFamily="34" charset="0"/>
                 <a:ea typeface="Euclid Circular B" panose="020B0504000000000000" pitchFamily="34" charset="0"/>
               </a:rPr>
-              <a:t>Browsing the applications</a:t>
+              <a:t>Module</a:t>
             </a:r>
           </a:p>
           <a:p>
@@ -4655,155 +3844,22 @@
                 <a:latin typeface="Euclid Circular B" panose="020B0504000000000000" pitchFamily="34" charset="0"/>
                 <a:ea typeface="Euclid Circular B" panose="020B0504000000000000" pitchFamily="34" charset="0"/>
               </a:rPr>
-              <a:t>Collecting data from a Kubernetes cluster</a:t>
-            </a:r>
-          </a:p>
-          <a:p>
-            <a:r>
-              <a:rPr lang="en-US" dirty="0">
+              <a:t>Adding </a:t>
+            </a:r>
+            <a:r>
+              <a:rPr lang="en-US" b="1" dirty="0">
                 <a:latin typeface="Euclid Circular B" panose="020B0504000000000000" pitchFamily="34" charset="0"/>
                 <a:ea typeface="Euclid Circular B" panose="020B0504000000000000" pitchFamily="34" charset="0"/>
               </a:rPr>
-              <a:t>Intercepting services</a:t>
-            </a:r>
-          </a:p>
-          <a:p>
-            <a:r>
-              <a:rPr lang="en-US" dirty="0">
-                <a:latin typeface="Euclid Circular B" panose="020B0504000000000000" pitchFamily="34" charset="0"/>
-                <a:ea typeface="Euclid Circular B" panose="020B0504000000000000" pitchFamily="34" charset="0"/>
-              </a:rPr>
-              <a:t>Re-deploying services</a:t>
+              <a:t>Package References</a:t>
             </a:r>
           </a:p>
         </p:txBody>
       </p:sp>
-      <p:pic>
-        <p:nvPicPr>
-          <p:cNvPr id="5" name="Picture 4" descr="A qr code with a few black squares&#10;&#10;Description automatically generated">
-            <a:extLst>
-              <a:ext uri="{FF2B5EF4-FFF2-40B4-BE49-F238E27FC236}">
-                <a16:creationId xmlns:a16="http://schemas.microsoft.com/office/drawing/2014/main" id="{95A04BC2-077E-B162-88C4-4F188CC2B849}"/>
-              </a:ext>
-            </a:extLst>
-          </p:cNvPr>
-          <p:cNvPicPr>
-            <a:picLocks noChangeAspect="1"/>
-          </p:cNvPicPr>
-          <p:nvPr/>
-        </p:nvPicPr>
-        <p:blipFill>
-          <a:blip r:embed="rId3">
-            <a:extLst>
-              <a:ext uri="{28A0092B-C50C-407E-A947-70E740481C1C}">
-                <a14:useLocalDpi xmlns:a14="http://schemas.microsoft.com/office/drawing/2010/main" val="0"/>
-              </a:ext>
-            </a:extLst>
-          </a:blip>
-          <a:stretch>
-            <a:fillRect/>
-          </a:stretch>
-        </p:blipFill>
-        <p:spPr>
-          <a:xfrm>
-            <a:off x="7637071" y="1982154"/>
-            <a:ext cx="4248356" cy="4248356"/>
-          </a:xfrm>
-          <a:prstGeom prst="rect">
-            <a:avLst/>
-          </a:prstGeom>
-        </p:spPr>
-      </p:pic>
-      <p:sp>
-        <p:nvSpPr>
-          <p:cNvPr id="6" name="TextBox 5">
-            <a:extLst>
-              <a:ext uri="{FF2B5EF4-FFF2-40B4-BE49-F238E27FC236}">
-                <a16:creationId xmlns:a16="http://schemas.microsoft.com/office/drawing/2014/main" id="{77F6EAFE-82B7-C018-9D1F-74423B7D2741}"/>
-              </a:ext>
-            </a:extLst>
-          </p:cNvPr>
-          <p:cNvSpPr txBox="1"/>
-          <p:nvPr/>
-        </p:nvSpPr>
-        <p:spPr>
-          <a:xfrm>
-            <a:off x="8291107" y="1384943"/>
-            <a:ext cx="3628898" cy="584775"/>
-          </a:xfrm>
-          <a:prstGeom prst="rect">
-            <a:avLst/>
-          </a:prstGeom>
-          <a:noFill/>
-        </p:spPr>
-        <p:txBody>
-          <a:bodyPr wrap="square" rtlCol="0">
-            <a:spAutoFit/>
-          </a:bodyPr>
-          <a:lstStyle/>
-          <a:p>
-            <a:pPr algn="l"/>
-            <a:r>
-              <a:rPr lang="en-US" sz="1600" b="1" i="0" dirty="0">
-                <a:effectLst/>
-                <a:latin typeface="Roboto" panose="02000000000000000000" pitchFamily="2" charset="0"/>
-              </a:rPr>
-              <a:t>Kubernetes Integrated Microservice Development with ABP Studio</a:t>
-            </a:r>
-          </a:p>
-        </p:txBody>
-      </p:sp>
-      <p:pic>
-        <p:nvPicPr>
-          <p:cNvPr id="1026" name="Picture 2" descr="Youtube - Free social media icons">
-            <a:extLst>
-              <a:ext uri="{FF2B5EF4-FFF2-40B4-BE49-F238E27FC236}">
-                <a16:creationId xmlns:a16="http://schemas.microsoft.com/office/drawing/2014/main" id="{65FDA818-4B11-9BD4-12D8-2660BC609362}"/>
-              </a:ext>
-            </a:extLst>
-          </p:cNvPr>
-          <p:cNvPicPr>
-            <a:picLocks noChangeAspect="1" noChangeArrowheads="1"/>
-          </p:cNvPicPr>
-          <p:nvPr/>
-        </p:nvPicPr>
-        <p:blipFill>
-          <a:blip r:embed="rId4">
-            <a:extLst>
-              <a:ext uri="{28A0092B-C50C-407E-A947-70E740481C1C}">
-                <a14:useLocalDpi xmlns:a14="http://schemas.microsoft.com/office/drawing/2010/main" val="0"/>
-              </a:ext>
-            </a:extLst>
-          </a:blip>
-          <a:srcRect/>
-          <a:stretch>
-            <a:fillRect/>
-          </a:stretch>
-        </p:blipFill>
-        <p:spPr bwMode="auto">
-          <a:xfrm>
-            <a:off x="7637071" y="1356821"/>
-            <a:ext cx="654036" cy="654036"/>
-          </a:xfrm>
-          <a:prstGeom prst="rect">
-            <a:avLst/>
-          </a:prstGeom>
-          <a:noFill/>
-          <a:extLst>
-            <a:ext uri="{909E8E84-426E-40DD-AFC4-6F175D3DCCD1}">
-              <a14:hiddenFill xmlns:a14="http://schemas.microsoft.com/office/drawing/2010/main">
-                <a:solidFill>
-                  <a:srgbClr val="FFFFFF"/>
-                </a:solidFill>
-              </a14:hiddenFill>
-            </a:ext>
-          </a:extLst>
-        </p:spPr>
-      </p:pic>
     </p:spTree>
     <p:extLst>
       <p:ext uri="{BB962C8B-B14F-4D97-AF65-F5344CB8AC3E}">
-        <p14:creationId xmlns:p14="http://schemas.microsoft.com/office/powerpoint/2010/main" val="539700031"/>
+        <p14:creationId xmlns:p14="http://schemas.microsoft.com/office/powerpoint/2010/main" val="2087268885"/>
       </p:ext>
     </p:extLst>
   </p:cSld>
@@ -5056,33 +4112,15 @@
                                   </p:childTnLst>
                                 </p:cTn>
                               </p:par>
-                            </p:childTnLst>
-                          </p:cTn>
-                        </p:par>
-                      </p:childTnLst>
-                    </p:cTn>
-                  </p:par>
-                  <p:par>
-                    <p:cTn id="23" fill="hold">
-                      <p:stCondLst>
-                        <p:cond delay="indefinite"/>
-                      </p:stCondLst>
-                      <p:childTnLst>
-                        <p:par>
-                          <p:cTn id="24" fill="hold">
-                            <p:stCondLst>
-                              <p:cond delay="0"/>
-                            </p:stCondLst>
-                            <p:childTnLst>
                               <p:par>
-                                <p:cTn id="25" presetID="10" presetClass="entr" presetSubtype="0" fill="hold" nodeType="clickEffect">
+                                <p:cTn id="23" presetID="10" presetClass="entr" presetSubtype="0" fill="hold" nodeType="withEffect">
                                   <p:stCondLst>
                                     <p:cond delay="0"/>
                                   </p:stCondLst>
                                   <p:childTnLst>
                                     <p:set>
                                       <p:cBhvr>
-                                        <p:cTn id="26" dur="1" fill="hold">
+                                        <p:cTn id="24" dur="1" fill="hold">
                                           <p:stCondLst>
                                             <p:cond delay="0"/>
                                           </p:stCondLst>
@@ -5104,11 +4142,54 @@
                                     </p:set>
                                     <p:animEffect transition="in" filter="fade">
                                       <p:cBhvr>
-                                        <p:cTn id="27" dur="500"/>
+                                        <p:cTn id="25" dur="500"/>
                                         <p:tgtEl>
                                           <p:spTgt spid="3">
                                             <p:txEl>
                                               <p:pRg st="4" end="4"/>
+                                            </p:txEl>
+                                          </p:spTgt>
+                                        </p:tgtEl>
+                                      </p:cBhvr>
+                                    </p:animEffect>
+                                  </p:childTnLst>
+                                </p:cTn>
+                              </p:par>
+                              <p:par>
+                                <p:cTn id="26" presetID="10" presetClass="entr" presetSubtype="0" fill="hold" nodeType="withEffect">
+                                  <p:stCondLst>
+                                    <p:cond delay="0"/>
+                                  </p:stCondLst>
+                                  <p:childTnLst>
+                                    <p:set>
+                                      <p:cBhvr>
+                                        <p:cTn id="27" dur="1" fill="hold">
+                                          <p:stCondLst>
+                                            <p:cond delay="0"/>
+                                          </p:stCondLst>
+                                        </p:cTn>
+                                        <p:tgtEl>
+                                          <p:spTgt spid="3">
+                                            <p:txEl>
+                                              <p:pRg st="5" end="5"/>
+                                            </p:txEl>
+                                          </p:spTgt>
+                                        </p:tgtEl>
+                                        <p:attrNameLst>
+                                          <p:attrName>style.visibility</p:attrName>
+                                        </p:attrNameLst>
+                                      </p:cBhvr>
+                                      <p:to>
+                                        <p:strVal val="visible"/>
+                                      </p:to>
+                                    </p:set>
+                                    <p:animEffect transition="in" filter="fade">
+                                      <p:cBhvr>
+                                        <p:cTn id="28" dur="500"/>
+                                        <p:tgtEl>
+                                          <p:spTgt spid="3">
+                                            <p:txEl>
+                                              <p:pRg st="5" end="5"/>
                                             </p:txEl>
                                           </p:spTgt>
                                         </p:tgtEl>
@@ -5124,26 +4205,26 @@
                     </p:cTn>
                   </p:par>
                   <p:par>
-                    <p:cTn id="28" fill="hold">
+                    <p:cTn id="29" fill="hold">
                       <p:stCondLst>
                         <p:cond delay="indefinite"/>
                       </p:stCondLst>
                       <p:childTnLst>
                         <p:par>
-                          <p:cTn id="29" fill="hold">
+                          <p:cTn id="30" fill="hold">
                             <p:stCondLst>
                               <p:cond delay="0"/>
                             </p:stCondLst>
                             <p:childTnLst>
                               <p:par>
-                                <p:cTn id="30" presetID="10" presetClass="entr" presetSubtype="0" fill="hold" nodeType="clickEffect">
+                                <p:cTn id="31" presetID="10" presetClass="entr" presetSubtype="0" fill="hold" nodeType="clickEffect">
                                   <p:stCondLst>
                                     <p:cond delay="0"/>
                                   </p:stCondLst>
                                   <p:childTnLst>
                                     <p:set>
                                       <p:cBhvr>
-                                        <p:cTn id="31" dur="1" fill="hold">
+                                        <p:cTn id="32" dur="1" fill="hold">
                                           <p:stCondLst>
                                             <p:cond delay="0"/>
                                           </p:stCondLst>
@@ -5151,7 +4232,7 @@
                                         <p:tgtEl>
                                           <p:spTgt spid="3">
                                             <p:txEl>
-                                              <p:pRg st="5" end="5"/>
+                                              <p:pRg st="6" end="6"/>
                                             </p:txEl>
                                           </p:spTgt>
                                         </p:tgtEl>
@@ -5165,194 +4246,11 @@
                                     </p:set>
                                     <p:animEffect transition="in" filter="fade">
                                       <p:cBhvr>
-                                        <p:cTn id="32" dur="500"/>
-                                        <p:tgtEl>
-                                          <p:spTgt spid="3">
-                                            <p:txEl>
-                                              <p:pRg st="5" end="5"/>
-                                            </p:txEl>
-                                          </p:spTgt>
-                                        </p:tgtEl>
-                                      </p:cBhvr>
-                                    </p:animEffect>
-                                  </p:childTnLst>
-                                </p:cTn>
-                              </p:par>
-                            </p:childTnLst>
-                          </p:cTn>
-                        </p:par>
-                      </p:childTnLst>
-                    </p:cTn>
-                  </p:par>
-                  <p:par>
-                    <p:cTn id="33" fill="hold">
-                      <p:stCondLst>
-                        <p:cond delay="indefinite"/>
-                      </p:stCondLst>
-                      <p:childTnLst>
-                        <p:par>
-                          <p:cTn id="34" fill="hold">
-                            <p:stCondLst>
-                              <p:cond delay="0"/>
-                            </p:stCondLst>
-                            <p:childTnLst>
-                              <p:par>
-                                <p:cTn id="35" presetID="10" presetClass="entr" presetSubtype="0" fill="hold" nodeType="clickEffect">
-                                  <p:stCondLst>
-                                    <p:cond delay="0"/>
-                                  </p:stCondLst>
-                                  <p:childTnLst>
-                                    <p:set>
-                                      <p:cBhvr>
-                                        <p:cTn id="36" dur="1" fill="hold">
-                                          <p:stCondLst>
-                                            <p:cond delay="0"/>
-                                          </p:stCondLst>
-                                        </p:cTn>
+                                        <p:cTn id="33" dur="500"/>
                                         <p:tgtEl>
                                           <p:spTgt spid="3">
                                             <p:txEl>
                                               <p:pRg st="6" end="6"/>
-                                            </p:txEl>
-                                          </p:spTgt>
-                                        </p:tgtEl>
-                                        <p:attrNameLst>
-                                          <p:attrName>style.visibility</p:attrName>
-                                        </p:attrNameLst>
-                                      </p:cBhvr>
-                                      <p:to>
-                                        <p:strVal val="visible"/>
-                                      </p:to>
-                                    </p:set>
-                                    <p:animEffect transition="in" filter="fade">
-                                      <p:cBhvr>
-                                        <p:cTn id="37" dur="500"/>
-                                        <p:tgtEl>
-                                          <p:spTgt spid="3">
-                                            <p:txEl>
-                                              <p:pRg st="6" end="6"/>
-                                            </p:txEl>
-                                          </p:spTgt>
-                                        </p:tgtEl>
-                                      </p:cBhvr>
-                                    </p:animEffect>
-                                  </p:childTnLst>
-                                </p:cTn>
-                              </p:par>
-                            </p:childTnLst>
-                          </p:cTn>
-                        </p:par>
-                      </p:childTnLst>
-                    </p:cTn>
-                  </p:par>
-                  <p:par>
-                    <p:cTn id="38" fill="hold">
-                      <p:stCondLst>
-                        <p:cond delay="indefinite"/>
-                      </p:stCondLst>
-                      <p:childTnLst>
-                        <p:par>
-                          <p:cTn id="39" fill="hold">
-                            <p:stCondLst>
-                              <p:cond delay="0"/>
-                            </p:stCondLst>
-                            <p:childTnLst>
-                              <p:par>
-                                <p:cTn id="40" presetID="10" presetClass="entr" presetSubtype="0" fill="hold" nodeType="clickEffect">
-                                  <p:stCondLst>
-                                    <p:cond delay="0"/>
-                                  </p:stCondLst>
-                                  <p:childTnLst>
-                                    <p:set>
-                                      <p:cBhvr>
-                                        <p:cTn id="41" dur="1" fill="hold">
-                                          <p:stCondLst>
-                                            <p:cond delay="0"/>
-                                          </p:stCondLst>
-                                        </p:cTn>
-                                        <p:tgtEl>
-                                          <p:spTgt spid="3">
-                                            <p:txEl>
-                                              <p:pRg st="7" end="7"/>
-                                            </p:txEl>
-                                          </p:spTgt>
-                                        </p:tgtEl>
-                                        <p:attrNameLst>
-                                          <p:attrName>style.visibility</p:attrName>
-                                        </p:attrNameLst>
-                                      </p:cBhvr>
-                                      <p:to>
-                                        <p:strVal val="visible"/>
-                                      </p:to>
-                                    </p:set>
-                                    <p:animEffect transition="in" filter="fade">
-                                      <p:cBhvr>
-                                        <p:cTn id="42" dur="500"/>
-                                        <p:tgtEl>
-                                          <p:spTgt spid="3">
-                                            <p:txEl>
-                                              <p:pRg st="7" end="7"/>
-                                            </p:txEl>
-                                          </p:spTgt>
-                                        </p:tgtEl>
-                                      </p:cBhvr>
-                                    </p:animEffect>
-                                  </p:childTnLst>
-                                </p:cTn>
-                              </p:par>
-                            </p:childTnLst>
-                          </p:cTn>
-                        </p:par>
-                      </p:childTnLst>
-                    </p:cTn>
-                  </p:par>
-                  <p:par>
-                    <p:cTn id="43" fill="hold">
-                      <p:stCondLst>
-                        <p:cond delay="indefinite"/>
-                      </p:stCondLst>
-                      <p:childTnLst>
-                        <p:par>
-                          <p:cTn id="44" fill="hold">
-                            <p:stCondLst>
-                              <p:cond delay="0"/>
-                            </p:stCondLst>
-                            <p:childTnLst>
-                              <p:par>
-                                <p:cTn id="45" presetID="10" presetClass="entr" presetSubtype="0" fill="hold" nodeType="clickEffect">
-                                  <p:stCondLst>
-                                    <p:cond delay="0"/>
-                                  </p:stCondLst>
-                                  <p:childTnLst>
-                                    <p:set>
-                                      <p:cBhvr>
-                                        <p:cTn id="46" dur="1" fill="hold">
-                                          <p:stCondLst>
-                                            <p:cond delay="0"/>
-                                          </p:stCondLst>
-                                        </p:cTn>
-                                        <p:tgtEl>
-                                          <p:spTgt spid="3">
-                                            <p:txEl>
-                                              <p:pRg st="8" end="8"/>
-                                            </p:txEl>
-                                          </p:spTgt>
-                                        </p:tgtEl>
-                                        <p:attrNameLst>
-                                          <p:attrName>style.visibility</p:attrName>
-                                        </p:attrNameLst>
-                                      </p:cBhvr>
-                                      <p:to>
-                                        <p:strVal val="visible"/>
-                                      </p:to>
-                                    </p:set>
-                                    <p:animEffect transition="in" filter="fade">
-                                      <p:cBhvr>
-                                        <p:cTn id="47" dur="500"/>
-                                        <p:tgtEl>
-                                          <p:spTgt spid="3">
-                                            <p:txEl>
-                                              <p:pRg st="8" end="8"/>
                                             </p:txEl>
                                           </p:spTgt>
                                         </p:tgtEl>
@@ -5445,1391 +4343,213 @@
           <a:lstStyle/>
           <a:p>
             <a:r>
-              <a:rPr lang="tr-TR" b="1" dirty="0">
+              <a:rPr lang="en-US" b="1" dirty="0">
                 <a:solidFill>
                   <a:srgbClr val="292D33"/>
                 </a:solidFill>
                 <a:latin typeface="Euclid Circular B" panose="020B0504000000000000" pitchFamily="34" charset="0"/>
                 <a:ea typeface="Euclid Circular B" panose="020B0504000000000000" pitchFamily="34" charset="0"/>
               </a:rPr>
-              <a:t>ABP Studio Main Solution Components</a:t>
-            </a:r>
-            <a:endParaRPr lang="en-US" b="1" dirty="0">
-              <a:solidFill>
-                <a:srgbClr val="292D33"/>
-              </a:solidFill>
-              <a:latin typeface="Euclid Circular B" panose="020B0504000000000000" pitchFamily="34" charset="0"/>
-              <a:ea typeface="Euclid Circular B" panose="020B0504000000000000" pitchFamily="34" charset="0"/>
-            </a:endParaRPr>
-          </a:p>
-        </p:txBody>
-      </p:sp>
-      <p:pic>
-        <p:nvPicPr>
-          <p:cNvPr id="1026" name="Picture 2" descr="Visual Studio logo and symbol, meaning, history, PNG">
-            <a:extLst>
-              <a:ext uri="{FF2B5EF4-FFF2-40B4-BE49-F238E27FC236}">
-                <a16:creationId xmlns:a16="http://schemas.microsoft.com/office/drawing/2014/main" id="{D90B3BE0-840F-2332-23D2-746243596830}"/>
-              </a:ext>
-            </a:extLst>
-          </p:cNvPr>
-          <p:cNvPicPr>
-            <a:picLocks noChangeAspect="1" noChangeArrowheads="1"/>
-          </p:cNvPicPr>
-          <p:nvPr/>
-        </p:nvPicPr>
-        <p:blipFill>
-          <a:blip r:embed="rId3">
-            <a:extLst>
-              <a:ext uri="{28A0092B-C50C-407E-A947-70E740481C1C}">
-                <a14:useLocalDpi xmlns:a14="http://schemas.microsoft.com/office/drawing/2010/main" val="0"/>
-              </a:ext>
-            </a:extLst>
-          </a:blip>
-          <a:srcRect/>
-          <a:stretch>
-            <a:fillRect/>
-          </a:stretch>
-        </p:blipFill>
-        <p:spPr bwMode="auto">
-          <a:xfrm>
-            <a:off x="508262" y="1844165"/>
-            <a:ext cx="1022285" cy="575035"/>
-          </a:xfrm>
-          <a:prstGeom prst="rect">
-            <a:avLst/>
-          </a:prstGeom>
-          <a:noFill/>
-          <a:extLst>
-            <a:ext uri="{909E8E84-426E-40DD-AFC4-6F175D3DCCD1}">
-              <a14:hiddenFill xmlns:a14="http://schemas.microsoft.com/office/drawing/2010/main">
-                <a:solidFill>
-                  <a:srgbClr val="FFFFFF"/>
-                </a:solidFill>
-              </a14:hiddenFill>
-            </a:ext>
-          </a:extLst>
-        </p:spPr>
-      </p:pic>
-      <p:sp>
-        <p:nvSpPr>
-          <p:cNvPr id="9" name="TextBox 8">
-            <a:extLst>
-              <a:ext uri="{FF2B5EF4-FFF2-40B4-BE49-F238E27FC236}">
-                <a16:creationId xmlns:a16="http://schemas.microsoft.com/office/drawing/2014/main" id="{1890FEA5-FD60-174D-96E3-9F9820F4BB09}"/>
-              </a:ext>
-            </a:extLst>
-          </p:cNvPr>
-          <p:cNvSpPr txBox="1"/>
-          <p:nvPr/>
-        </p:nvSpPr>
-        <p:spPr>
-          <a:xfrm>
-            <a:off x="1385739" y="1823905"/>
-            <a:ext cx="2686639" cy="615553"/>
-          </a:xfrm>
-          <a:prstGeom prst="rect">
-            <a:avLst/>
-          </a:prstGeom>
-          <a:noFill/>
-        </p:spPr>
-        <p:txBody>
-          <a:bodyPr wrap="square" rtlCol="0">
-            <a:spAutoFit/>
-          </a:bodyPr>
-          <a:lstStyle/>
-          <a:p>
-            <a:r>
-              <a:rPr lang="tr-TR" dirty="0"/>
-              <a:t>EasyCrm.OrderingService</a:t>
-            </a:r>
-            <a:br>
-              <a:rPr lang="tr-TR" dirty="0"/>
-            </a:br>
-            <a:r>
-              <a:rPr lang="tr-TR" sz="1600" b="1" dirty="0">
-                <a:solidFill>
-                  <a:srgbClr val="7030A0"/>
-                </a:solidFill>
-              </a:rPr>
-              <a:t>.NET Solution</a:t>
-            </a:r>
-            <a:endParaRPr lang="en-US" sz="1600" b="1" dirty="0">
-              <a:solidFill>
-                <a:srgbClr val="7030A0"/>
-              </a:solidFill>
-            </a:endParaRPr>
-          </a:p>
-        </p:txBody>
-      </p:sp>
-      <p:pic>
-        <p:nvPicPr>
-          <p:cNvPr id="10" name="Picture 2" descr="Visual Studio logo and symbol, meaning, history, PNG">
-            <a:extLst>
-              <a:ext uri="{FF2B5EF4-FFF2-40B4-BE49-F238E27FC236}">
-                <a16:creationId xmlns:a16="http://schemas.microsoft.com/office/drawing/2014/main" id="{519583ED-C181-1AB6-D158-7488BE3DC7F2}"/>
-              </a:ext>
-            </a:extLst>
-          </p:cNvPr>
-          <p:cNvPicPr>
-            <a:picLocks noChangeAspect="1" noChangeArrowheads="1"/>
-          </p:cNvPicPr>
-          <p:nvPr/>
-        </p:nvPicPr>
-        <p:blipFill>
-          <a:blip r:embed="rId3">
-            <a:extLst>
-              <a:ext uri="{28A0092B-C50C-407E-A947-70E740481C1C}">
-                <a14:useLocalDpi xmlns:a14="http://schemas.microsoft.com/office/drawing/2010/main" val="0"/>
-              </a:ext>
-            </a:extLst>
-          </a:blip>
-          <a:srcRect/>
-          <a:stretch>
-            <a:fillRect/>
-          </a:stretch>
-        </p:blipFill>
-        <p:spPr bwMode="auto">
-          <a:xfrm>
-            <a:off x="508262" y="2662411"/>
-            <a:ext cx="1022285" cy="575035"/>
-          </a:xfrm>
-          <a:prstGeom prst="rect">
-            <a:avLst/>
-          </a:prstGeom>
-          <a:noFill/>
-          <a:extLst>
-            <a:ext uri="{909E8E84-426E-40DD-AFC4-6F175D3DCCD1}">
-              <a14:hiddenFill xmlns:a14="http://schemas.microsoft.com/office/drawing/2010/main">
-                <a:solidFill>
-                  <a:srgbClr val="FFFFFF"/>
-                </a:solidFill>
-              </a14:hiddenFill>
-            </a:ext>
-          </a:extLst>
-        </p:spPr>
-      </p:pic>
-      <p:sp>
-        <p:nvSpPr>
-          <p:cNvPr id="11" name="TextBox 10">
-            <a:extLst>
-              <a:ext uri="{FF2B5EF4-FFF2-40B4-BE49-F238E27FC236}">
-                <a16:creationId xmlns:a16="http://schemas.microsoft.com/office/drawing/2014/main" id="{928A1AD5-12B0-F156-6D1F-EB2663F7BE49}"/>
-              </a:ext>
-            </a:extLst>
-          </p:cNvPr>
-          <p:cNvSpPr txBox="1"/>
-          <p:nvPr/>
-        </p:nvSpPr>
-        <p:spPr>
-          <a:xfrm>
-            <a:off x="1385739" y="2642151"/>
-            <a:ext cx="2686639" cy="615553"/>
-          </a:xfrm>
-          <a:prstGeom prst="rect">
-            <a:avLst/>
-          </a:prstGeom>
-          <a:noFill/>
-        </p:spPr>
-        <p:txBody>
-          <a:bodyPr wrap="square" rtlCol="0">
-            <a:spAutoFit/>
-          </a:bodyPr>
-          <a:lstStyle/>
-          <a:p>
-            <a:r>
-              <a:rPr lang="tr-TR" dirty="0"/>
-              <a:t>EasyCrm.BasketService</a:t>
-            </a:r>
-            <a:br>
-              <a:rPr lang="tr-TR" dirty="0"/>
-            </a:br>
-            <a:r>
-              <a:rPr lang="tr-TR" sz="1600" b="1" dirty="0">
-                <a:solidFill>
-                  <a:srgbClr val="7030A0"/>
-                </a:solidFill>
-              </a:rPr>
-              <a:t>.NET Solution</a:t>
-            </a:r>
-            <a:endParaRPr lang="en-US" sz="1600" b="1" dirty="0">
-              <a:solidFill>
-                <a:srgbClr val="7030A0"/>
-              </a:solidFill>
-            </a:endParaRPr>
-          </a:p>
-        </p:txBody>
-      </p:sp>
-      <p:pic>
-        <p:nvPicPr>
-          <p:cNvPr id="14" name="Picture 2" descr="Visual Studio logo and symbol, meaning, history, PNG">
-            <a:extLst>
-              <a:ext uri="{FF2B5EF4-FFF2-40B4-BE49-F238E27FC236}">
-                <a16:creationId xmlns:a16="http://schemas.microsoft.com/office/drawing/2014/main" id="{FA2E3F83-F143-1D8E-DAE6-1840958086B4}"/>
-              </a:ext>
-            </a:extLst>
-          </p:cNvPr>
-          <p:cNvPicPr>
-            <a:picLocks noChangeAspect="1" noChangeArrowheads="1"/>
-          </p:cNvPicPr>
-          <p:nvPr/>
-        </p:nvPicPr>
-        <p:blipFill>
-          <a:blip r:embed="rId3">
-            <a:extLst>
-              <a:ext uri="{28A0092B-C50C-407E-A947-70E740481C1C}">
-                <a14:useLocalDpi xmlns:a14="http://schemas.microsoft.com/office/drawing/2010/main" val="0"/>
-              </a:ext>
-            </a:extLst>
-          </a:blip>
-          <a:srcRect/>
-          <a:stretch>
-            <a:fillRect/>
-          </a:stretch>
-        </p:blipFill>
-        <p:spPr bwMode="auto">
-          <a:xfrm>
-            <a:off x="508262" y="3491358"/>
-            <a:ext cx="1022285" cy="575035"/>
-          </a:xfrm>
-          <a:prstGeom prst="rect">
-            <a:avLst/>
-          </a:prstGeom>
-          <a:noFill/>
-          <a:extLst>
-            <a:ext uri="{909E8E84-426E-40DD-AFC4-6F175D3DCCD1}">
-              <a14:hiddenFill xmlns:a14="http://schemas.microsoft.com/office/drawing/2010/main">
-                <a:solidFill>
-                  <a:srgbClr val="FFFFFF"/>
-                </a:solidFill>
-              </a14:hiddenFill>
-            </a:ext>
-          </a:extLst>
-        </p:spPr>
-      </p:pic>
-      <p:sp>
-        <p:nvSpPr>
-          <p:cNvPr id="15" name="TextBox 14">
-            <a:extLst>
-              <a:ext uri="{FF2B5EF4-FFF2-40B4-BE49-F238E27FC236}">
-                <a16:creationId xmlns:a16="http://schemas.microsoft.com/office/drawing/2014/main" id="{8AE20EE5-520E-5A94-0426-09F88CA59D16}"/>
-              </a:ext>
-            </a:extLst>
-          </p:cNvPr>
-          <p:cNvSpPr txBox="1"/>
-          <p:nvPr/>
-        </p:nvSpPr>
-        <p:spPr>
-          <a:xfrm>
-            <a:off x="1385739" y="3471098"/>
-            <a:ext cx="2686639" cy="615553"/>
-          </a:xfrm>
-          <a:prstGeom prst="rect">
-            <a:avLst/>
-          </a:prstGeom>
-          <a:noFill/>
-        </p:spPr>
-        <p:txBody>
-          <a:bodyPr wrap="square" rtlCol="0">
-            <a:spAutoFit/>
-          </a:bodyPr>
-          <a:lstStyle/>
-          <a:p>
-            <a:r>
-              <a:rPr lang="tr-TR" dirty="0"/>
-              <a:t>EasyCrm.CatalogService</a:t>
-            </a:r>
-            <a:br>
-              <a:rPr lang="tr-TR" dirty="0"/>
-            </a:br>
-            <a:r>
-              <a:rPr lang="tr-TR" sz="1600" b="1" dirty="0">
-                <a:solidFill>
-                  <a:srgbClr val="7030A0"/>
-                </a:solidFill>
-              </a:rPr>
-              <a:t>.NET Solution</a:t>
-            </a:r>
-            <a:endParaRPr lang="en-US" sz="1600" b="1" dirty="0">
-              <a:solidFill>
-                <a:srgbClr val="7030A0"/>
-              </a:solidFill>
-            </a:endParaRPr>
-          </a:p>
-        </p:txBody>
-      </p:sp>
-      <p:pic>
-        <p:nvPicPr>
-          <p:cNvPr id="16" name="Picture 2" descr="Visual Studio logo and symbol, meaning, history, PNG">
-            <a:extLst>
-              <a:ext uri="{FF2B5EF4-FFF2-40B4-BE49-F238E27FC236}">
-                <a16:creationId xmlns:a16="http://schemas.microsoft.com/office/drawing/2014/main" id="{A5A15884-D5FC-2F7B-0F5C-26249FC84A6E}"/>
-              </a:ext>
-            </a:extLst>
-          </p:cNvPr>
-          <p:cNvPicPr>
-            <a:picLocks noChangeAspect="1" noChangeArrowheads="1"/>
-          </p:cNvPicPr>
-          <p:nvPr/>
-        </p:nvPicPr>
-        <p:blipFill>
-          <a:blip r:embed="rId3">
-            <a:extLst>
-              <a:ext uri="{28A0092B-C50C-407E-A947-70E740481C1C}">
-                <a14:useLocalDpi xmlns:a14="http://schemas.microsoft.com/office/drawing/2010/main" val="0"/>
-              </a:ext>
-            </a:extLst>
-          </a:blip>
-          <a:srcRect/>
-          <a:stretch>
-            <a:fillRect/>
-          </a:stretch>
-        </p:blipFill>
-        <p:spPr bwMode="auto">
-          <a:xfrm>
-            <a:off x="508262" y="4309604"/>
-            <a:ext cx="1022285" cy="575035"/>
-          </a:xfrm>
-          <a:prstGeom prst="rect">
-            <a:avLst/>
-          </a:prstGeom>
-          <a:noFill/>
-          <a:extLst>
-            <a:ext uri="{909E8E84-426E-40DD-AFC4-6F175D3DCCD1}">
-              <a14:hiddenFill xmlns:a14="http://schemas.microsoft.com/office/drawing/2010/main">
-                <a:solidFill>
-                  <a:srgbClr val="FFFFFF"/>
-                </a:solidFill>
-              </a14:hiddenFill>
-            </a:ext>
-          </a:extLst>
-        </p:spPr>
-      </p:pic>
-      <p:sp>
-        <p:nvSpPr>
-          <p:cNvPr id="17" name="TextBox 16">
-            <a:extLst>
-              <a:ext uri="{FF2B5EF4-FFF2-40B4-BE49-F238E27FC236}">
-                <a16:creationId xmlns:a16="http://schemas.microsoft.com/office/drawing/2014/main" id="{AE930640-1050-1E42-7211-F0BE4B0B86A4}"/>
-              </a:ext>
-            </a:extLst>
-          </p:cNvPr>
-          <p:cNvSpPr txBox="1"/>
-          <p:nvPr/>
-        </p:nvSpPr>
-        <p:spPr>
-          <a:xfrm>
-            <a:off x="1385739" y="4289344"/>
-            <a:ext cx="2686639" cy="615553"/>
-          </a:xfrm>
-          <a:prstGeom prst="rect">
-            <a:avLst/>
-          </a:prstGeom>
-          <a:noFill/>
-        </p:spPr>
-        <p:txBody>
-          <a:bodyPr wrap="square" rtlCol="0">
-            <a:spAutoFit/>
-          </a:bodyPr>
-          <a:lstStyle/>
-          <a:p>
-            <a:r>
-              <a:rPr lang="tr-TR" dirty="0"/>
-              <a:t>EasyCrm.CustomerService</a:t>
-            </a:r>
-            <a:br>
-              <a:rPr lang="tr-TR" dirty="0"/>
-            </a:br>
-            <a:r>
-              <a:rPr lang="tr-TR" sz="1600" b="1" dirty="0">
-                <a:solidFill>
-                  <a:srgbClr val="7030A0"/>
-                </a:solidFill>
-              </a:rPr>
-              <a:t>.NET Solution</a:t>
-            </a:r>
-            <a:endParaRPr lang="en-US" sz="1600" b="1" dirty="0">
-              <a:solidFill>
-                <a:srgbClr val="7030A0"/>
-              </a:solidFill>
-            </a:endParaRPr>
-          </a:p>
-        </p:txBody>
-      </p:sp>
-      <p:pic>
-        <p:nvPicPr>
-          <p:cNvPr id="1028" name="Picture 4" descr="Jigsaw Puzzle Vector PNG Images, Jigsaw Puzzle Icon Web Assemble, Shape,  Concept, Swot PNG Image For Free Download">
-            <a:extLst>
-              <a:ext uri="{FF2B5EF4-FFF2-40B4-BE49-F238E27FC236}">
-                <a16:creationId xmlns:a16="http://schemas.microsoft.com/office/drawing/2014/main" id="{84E21541-B48C-FF65-D7B5-3ADAB07C45A1}"/>
-              </a:ext>
-            </a:extLst>
-          </p:cNvPr>
-          <p:cNvPicPr>
-            <a:picLocks noChangeAspect="1" noChangeArrowheads="1"/>
-          </p:cNvPicPr>
-          <p:nvPr/>
-        </p:nvPicPr>
-        <p:blipFill>
-          <a:blip r:embed="rId4">
-            <a:extLst>
-              <a:ext uri="{28A0092B-C50C-407E-A947-70E740481C1C}">
-                <a14:useLocalDpi xmlns:a14="http://schemas.microsoft.com/office/drawing/2010/main" val="0"/>
-              </a:ext>
-            </a:extLst>
-          </a:blip>
-          <a:srcRect/>
-          <a:stretch>
-            <a:fillRect/>
-          </a:stretch>
-        </p:blipFill>
-        <p:spPr bwMode="auto">
-          <a:xfrm>
-            <a:off x="4878293" y="1674545"/>
-            <a:ext cx="898370" cy="898370"/>
-          </a:xfrm>
-          <a:prstGeom prst="rect">
-            <a:avLst/>
-          </a:prstGeom>
-          <a:noFill/>
-          <a:extLst>
-            <a:ext uri="{909E8E84-426E-40DD-AFC4-6F175D3DCCD1}">
-              <a14:hiddenFill xmlns:a14="http://schemas.microsoft.com/office/drawing/2010/main">
-                <a:solidFill>
-                  <a:srgbClr val="FFFFFF"/>
-                </a:solidFill>
-              </a14:hiddenFill>
-            </a:ext>
-          </a:extLst>
-        </p:spPr>
-      </p:pic>
-      <p:sp>
-        <p:nvSpPr>
-          <p:cNvPr id="18" name="TextBox 17">
-            <a:extLst>
-              <a:ext uri="{FF2B5EF4-FFF2-40B4-BE49-F238E27FC236}">
-                <a16:creationId xmlns:a16="http://schemas.microsoft.com/office/drawing/2014/main" id="{F13371DA-084A-B484-0CCD-70884CCE3464}"/>
-              </a:ext>
-            </a:extLst>
-          </p:cNvPr>
-          <p:cNvSpPr txBox="1"/>
-          <p:nvPr/>
-        </p:nvSpPr>
-        <p:spPr>
-          <a:xfrm>
-            <a:off x="5583182" y="1803647"/>
-            <a:ext cx="2686639" cy="615553"/>
-          </a:xfrm>
-          <a:prstGeom prst="rect">
-            <a:avLst/>
-          </a:prstGeom>
-          <a:noFill/>
-        </p:spPr>
-        <p:txBody>
-          <a:bodyPr wrap="square" rtlCol="0">
-            <a:spAutoFit/>
-          </a:bodyPr>
-          <a:lstStyle/>
-          <a:p>
-            <a:r>
-              <a:rPr lang="tr-TR" dirty="0"/>
-              <a:t>EasyCrm.OrderingService</a:t>
-            </a:r>
-            <a:br>
-              <a:rPr lang="tr-TR" dirty="0"/>
-            </a:br>
-            <a:r>
-              <a:rPr lang="tr-TR" sz="1600" b="1" dirty="0">
-                <a:solidFill>
-                  <a:srgbClr val="00B050"/>
-                </a:solidFill>
-              </a:rPr>
-              <a:t>ABP Studio Module</a:t>
-            </a:r>
-            <a:endParaRPr lang="en-US" sz="1600" b="1" dirty="0">
-              <a:solidFill>
-                <a:srgbClr val="00B050"/>
-              </a:solidFill>
-            </a:endParaRPr>
-          </a:p>
-        </p:txBody>
-      </p:sp>
-      <p:cxnSp>
-        <p:nvCxnSpPr>
-          <p:cNvPr id="20" name="Straight Arrow Connector 19">
-            <a:extLst>
-              <a:ext uri="{FF2B5EF4-FFF2-40B4-BE49-F238E27FC236}">
-                <a16:creationId xmlns:a16="http://schemas.microsoft.com/office/drawing/2014/main" id="{16F8133B-9D6A-8F62-4241-0DBD39541B32}"/>
-              </a:ext>
-            </a:extLst>
-          </p:cNvPr>
-          <p:cNvCxnSpPr>
-            <a:stCxn id="9" idx="3"/>
-            <a:endCxn id="1028" idx="1"/>
-          </p:cNvCxnSpPr>
-          <p:nvPr/>
-        </p:nvCxnSpPr>
-        <p:spPr>
-          <a:xfrm flipV="1">
-            <a:off x="4072378" y="2123730"/>
-            <a:ext cx="805915" cy="7952"/>
-          </a:xfrm>
-          <a:prstGeom prst="straightConnector1">
-            <a:avLst/>
-          </a:prstGeom>
-          <a:ln w="63500" cap="flat" cmpd="sng" algn="ctr">
-            <a:solidFill>
-              <a:schemeClr val="accent2"/>
-            </a:solidFill>
-            <a:prstDash val="solid"/>
-            <a:round/>
-            <a:headEnd type="none" w="med" len="med"/>
-            <a:tailEnd type="arrow" w="med" len="med"/>
-          </a:ln>
-        </p:spPr>
-        <p:style>
-          <a:lnRef idx="0">
-            <a:scrgbClr r="0" g="0" b="0"/>
-          </a:lnRef>
-          <a:fillRef idx="0">
-            <a:scrgbClr r="0" g="0" b="0"/>
-          </a:fillRef>
-          <a:effectRef idx="0">
-            <a:scrgbClr r="0" g="0" b="0"/>
-          </a:effectRef>
-          <a:fontRef idx="minor">
-            <a:schemeClr val="tx1"/>
-          </a:fontRef>
-        </p:style>
-      </p:cxnSp>
-      <p:pic>
-        <p:nvPicPr>
-          <p:cNvPr id="21" name="Picture 4" descr="Jigsaw Puzzle Vector PNG Images, Jigsaw Puzzle Icon Web Assemble, Shape,  Concept, Swot PNG Image For Free Download">
-            <a:extLst>
-              <a:ext uri="{FF2B5EF4-FFF2-40B4-BE49-F238E27FC236}">
-                <a16:creationId xmlns:a16="http://schemas.microsoft.com/office/drawing/2014/main" id="{157E3AAA-DE7E-EDD3-C17D-5E075E0455CB}"/>
-              </a:ext>
-            </a:extLst>
-          </p:cNvPr>
-          <p:cNvPicPr>
-            <a:picLocks noChangeAspect="1" noChangeArrowheads="1"/>
-          </p:cNvPicPr>
-          <p:nvPr/>
-        </p:nvPicPr>
-        <p:blipFill>
-          <a:blip r:embed="rId4">
-            <a:extLst>
-              <a:ext uri="{28A0092B-C50C-407E-A947-70E740481C1C}">
-                <a14:useLocalDpi xmlns:a14="http://schemas.microsoft.com/office/drawing/2010/main" val="0"/>
-              </a:ext>
-            </a:extLst>
-          </a:blip>
-          <a:srcRect/>
-          <a:stretch>
-            <a:fillRect/>
-          </a:stretch>
-        </p:blipFill>
-        <p:spPr bwMode="auto">
-          <a:xfrm>
-            <a:off x="4878293" y="2492791"/>
-            <a:ext cx="898370" cy="898370"/>
-          </a:xfrm>
-          <a:prstGeom prst="rect">
-            <a:avLst/>
-          </a:prstGeom>
-          <a:noFill/>
-          <a:extLst>
-            <a:ext uri="{909E8E84-426E-40DD-AFC4-6F175D3DCCD1}">
-              <a14:hiddenFill xmlns:a14="http://schemas.microsoft.com/office/drawing/2010/main">
-                <a:solidFill>
-                  <a:srgbClr val="FFFFFF"/>
-                </a:solidFill>
-              </a14:hiddenFill>
-            </a:ext>
-          </a:extLst>
-        </p:spPr>
-      </p:pic>
-      <p:sp>
-        <p:nvSpPr>
-          <p:cNvPr id="22" name="TextBox 21">
-            <a:extLst>
-              <a:ext uri="{FF2B5EF4-FFF2-40B4-BE49-F238E27FC236}">
-                <a16:creationId xmlns:a16="http://schemas.microsoft.com/office/drawing/2014/main" id="{42496979-150D-D715-4B7A-6E18619E39D2}"/>
-              </a:ext>
-            </a:extLst>
-          </p:cNvPr>
-          <p:cNvSpPr txBox="1"/>
-          <p:nvPr/>
-        </p:nvSpPr>
-        <p:spPr>
-          <a:xfrm>
-            <a:off x="5583182" y="2621893"/>
-            <a:ext cx="2686639" cy="615553"/>
-          </a:xfrm>
-          <a:prstGeom prst="rect">
-            <a:avLst/>
-          </a:prstGeom>
-          <a:noFill/>
-        </p:spPr>
-        <p:txBody>
-          <a:bodyPr wrap="square" rtlCol="0">
-            <a:spAutoFit/>
-          </a:bodyPr>
-          <a:lstStyle/>
-          <a:p>
-            <a:r>
-              <a:rPr lang="tr-TR" dirty="0"/>
-              <a:t>EasyCrm.BasketService</a:t>
-            </a:r>
-            <a:br>
-              <a:rPr lang="tr-TR" dirty="0"/>
-            </a:br>
-            <a:r>
-              <a:rPr lang="tr-TR" sz="1600" b="1" dirty="0">
-                <a:solidFill>
-                  <a:srgbClr val="00B050"/>
-                </a:solidFill>
-              </a:rPr>
-              <a:t>ABP Studio Module</a:t>
-            </a:r>
-            <a:endParaRPr lang="en-US" sz="1600" b="1" dirty="0">
-              <a:solidFill>
-                <a:srgbClr val="00B050"/>
-              </a:solidFill>
-            </a:endParaRPr>
-          </a:p>
-        </p:txBody>
-      </p:sp>
-      <p:cxnSp>
-        <p:nvCxnSpPr>
-          <p:cNvPr id="23" name="Straight Arrow Connector 22">
-            <a:extLst>
-              <a:ext uri="{FF2B5EF4-FFF2-40B4-BE49-F238E27FC236}">
-                <a16:creationId xmlns:a16="http://schemas.microsoft.com/office/drawing/2014/main" id="{67C3CFD1-A712-1E85-663A-473FB7AB3417}"/>
-              </a:ext>
-            </a:extLst>
-          </p:cNvPr>
-          <p:cNvCxnSpPr>
-            <a:endCxn id="21" idx="1"/>
-          </p:cNvCxnSpPr>
-          <p:nvPr/>
-        </p:nvCxnSpPr>
-        <p:spPr>
-          <a:xfrm flipV="1">
-            <a:off x="4072378" y="2941976"/>
-            <a:ext cx="805915" cy="7952"/>
-          </a:xfrm>
-          <a:prstGeom prst="straightConnector1">
-            <a:avLst/>
-          </a:prstGeom>
-          <a:ln w="63500" cap="flat" cmpd="sng" algn="ctr">
-            <a:solidFill>
-              <a:schemeClr val="accent2"/>
-            </a:solidFill>
-            <a:prstDash val="solid"/>
-            <a:round/>
-            <a:headEnd type="none" w="med" len="med"/>
-            <a:tailEnd type="arrow" w="med" len="med"/>
-          </a:ln>
-        </p:spPr>
-        <p:style>
-          <a:lnRef idx="0">
-            <a:scrgbClr r="0" g="0" b="0"/>
-          </a:lnRef>
-          <a:fillRef idx="0">
-            <a:scrgbClr r="0" g="0" b="0"/>
-          </a:fillRef>
-          <a:effectRef idx="0">
-            <a:scrgbClr r="0" g="0" b="0"/>
-          </a:effectRef>
-          <a:fontRef idx="minor">
-            <a:schemeClr val="tx1"/>
-          </a:fontRef>
-        </p:style>
-      </p:cxnSp>
-      <p:pic>
-        <p:nvPicPr>
-          <p:cNvPr id="27" name="Picture 4" descr="Jigsaw Puzzle Vector PNG Images, Jigsaw Puzzle Icon Web Assemble, Shape,  Concept, Swot PNG Image For Free Download">
-            <a:extLst>
-              <a:ext uri="{FF2B5EF4-FFF2-40B4-BE49-F238E27FC236}">
-                <a16:creationId xmlns:a16="http://schemas.microsoft.com/office/drawing/2014/main" id="{3EBCB2B3-9D70-769D-149C-9A4E0CC76C37}"/>
-              </a:ext>
-            </a:extLst>
-          </p:cNvPr>
-          <p:cNvPicPr>
-            <a:picLocks noChangeAspect="1" noChangeArrowheads="1"/>
-          </p:cNvPicPr>
-          <p:nvPr/>
-        </p:nvPicPr>
-        <p:blipFill>
-          <a:blip r:embed="rId4">
-            <a:extLst>
-              <a:ext uri="{28A0092B-C50C-407E-A947-70E740481C1C}">
-                <a14:useLocalDpi xmlns:a14="http://schemas.microsoft.com/office/drawing/2010/main" val="0"/>
-              </a:ext>
-            </a:extLst>
-          </a:blip>
-          <a:srcRect/>
-          <a:stretch>
-            <a:fillRect/>
-          </a:stretch>
-        </p:blipFill>
-        <p:spPr bwMode="auto">
-          <a:xfrm>
-            <a:off x="4878293" y="3362256"/>
-            <a:ext cx="898370" cy="898370"/>
-          </a:xfrm>
-          <a:prstGeom prst="rect">
-            <a:avLst/>
-          </a:prstGeom>
-          <a:noFill/>
-          <a:extLst>
-            <a:ext uri="{909E8E84-426E-40DD-AFC4-6F175D3DCCD1}">
-              <a14:hiddenFill xmlns:a14="http://schemas.microsoft.com/office/drawing/2010/main">
-                <a:solidFill>
-                  <a:srgbClr val="FFFFFF"/>
-                </a:solidFill>
-              </a14:hiddenFill>
-            </a:ext>
-          </a:extLst>
-        </p:spPr>
-      </p:pic>
-      <p:sp>
-        <p:nvSpPr>
-          <p:cNvPr id="28" name="TextBox 27">
-            <a:extLst>
-              <a:ext uri="{FF2B5EF4-FFF2-40B4-BE49-F238E27FC236}">
-                <a16:creationId xmlns:a16="http://schemas.microsoft.com/office/drawing/2014/main" id="{2CCF2123-2BA0-9696-1D6B-340936C63372}"/>
-              </a:ext>
-            </a:extLst>
-          </p:cNvPr>
-          <p:cNvSpPr txBox="1"/>
-          <p:nvPr/>
-        </p:nvSpPr>
-        <p:spPr>
-          <a:xfrm>
-            <a:off x="5583182" y="3491358"/>
-            <a:ext cx="2686639" cy="615553"/>
-          </a:xfrm>
-          <a:prstGeom prst="rect">
-            <a:avLst/>
-          </a:prstGeom>
-          <a:noFill/>
-        </p:spPr>
-        <p:txBody>
-          <a:bodyPr wrap="square" rtlCol="0">
-            <a:spAutoFit/>
-          </a:bodyPr>
-          <a:lstStyle/>
-          <a:p>
-            <a:r>
-              <a:rPr lang="tr-TR" dirty="0"/>
-              <a:t>EasyCrm.CatalogService</a:t>
-            </a:r>
-            <a:br>
-              <a:rPr lang="tr-TR" dirty="0"/>
-            </a:br>
-            <a:r>
-              <a:rPr lang="tr-TR" sz="1600" b="1" dirty="0">
-                <a:solidFill>
-                  <a:srgbClr val="00B050"/>
-                </a:solidFill>
-              </a:rPr>
-              <a:t>ABP Studio Module</a:t>
-            </a:r>
-            <a:endParaRPr lang="en-US" sz="1600" b="1" dirty="0">
-              <a:solidFill>
-                <a:srgbClr val="00B050"/>
-              </a:solidFill>
-            </a:endParaRPr>
-          </a:p>
-        </p:txBody>
-      </p:sp>
-      <p:cxnSp>
-        <p:nvCxnSpPr>
-          <p:cNvPr id="29" name="Straight Arrow Connector 28">
-            <a:extLst>
-              <a:ext uri="{FF2B5EF4-FFF2-40B4-BE49-F238E27FC236}">
-                <a16:creationId xmlns:a16="http://schemas.microsoft.com/office/drawing/2014/main" id="{006F3A1F-E780-5F40-30AE-31C5BB58F7D0}"/>
-              </a:ext>
-            </a:extLst>
-          </p:cNvPr>
-          <p:cNvCxnSpPr>
-            <a:endCxn id="27" idx="1"/>
-          </p:cNvCxnSpPr>
-          <p:nvPr/>
-        </p:nvCxnSpPr>
-        <p:spPr>
-          <a:xfrm flipV="1">
-            <a:off x="4072378" y="3811441"/>
-            <a:ext cx="805915" cy="7952"/>
-          </a:xfrm>
-          <a:prstGeom prst="straightConnector1">
-            <a:avLst/>
-          </a:prstGeom>
-          <a:ln w="63500" cap="flat" cmpd="sng" algn="ctr">
-            <a:solidFill>
-              <a:schemeClr val="accent2"/>
-            </a:solidFill>
-            <a:prstDash val="solid"/>
-            <a:round/>
-            <a:headEnd type="none" w="med" len="med"/>
-            <a:tailEnd type="arrow" w="med" len="med"/>
-          </a:ln>
-        </p:spPr>
-        <p:style>
-          <a:lnRef idx="0">
-            <a:scrgbClr r="0" g="0" b="0"/>
-          </a:lnRef>
-          <a:fillRef idx="0">
-            <a:scrgbClr r="0" g="0" b="0"/>
-          </a:fillRef>
-          <a:effectRef idx="0">
-            <a:scrgbClr r="0" g="0" b="0"/>
-          </a:effectRef>
-          <a:fontRef idx="minor">
-            <a:schemeClr val="tx1"/>
-          </a:fontRef>
-        </p:style>
-      </p:cxnSp>
-      <p:pic>
-        <p:nvPicPr>
-          <p:cNvPr id="30" name="Picture 4" descr="Jigsaw Puzzle Vector PNG Images, Jigsaw Puzzle Icon Web Assemble, Shape,  Concept, Swot PNG Image For Free Download">
-            <a:extLst>
-              <a:ext uri="{FF2B5EF4-FFF2-40B4-BE49-F238E27FC236}">
-                <a16:creationId xmlns:a16="http://schemas.microsoft.com/office/drawing/2014/main" id="{39027854-1D9B-6777-4902-532A4B3DA328}"/>
-              </a:ext>
-            </a:extLst>
-          </p:cNvPr>
-          <p:cNvPicPr>
-            <a:picLocks noChangeAspect="1" noChangeArrowheads="1"/>
-          </p:cNvPicPr>
-          <p:nvPr/>
-        </p:nvPicPr>
-        <p:blipFill>
-          <a:blip r:embed="rId4">
-            <a:extLst>
-              <a:ext uri="{28A0092B-C50C-407E-A947-70E740481C1C}">
-                <a14:useLocalDpi xmlns:a14="http://schemas.microsoft.com/office/drawing/2010/main" val="0"/>
-              </a:ext>
-            </a:extLst>
-          </a:blip>
-          <a:srcRect/>
-          <a:stretch>
-            <a:fillRect/>
-          </a:stretch>
-        </p:blipFill>
-        <p:spPr bwMode="auto">
-          <a:xfrm>
-            <a:off x="4878293" y="4180502"/>
-            <a:ext cx="898370" cy="898370"/>
-          </a:xfrm>
-          <a:prstGeom prst="rect">
-            <a:avLst/>
-          </a:prstGeom>
-          <a:noFill/>
-          <a:extLst>
-            <a:ext uri="{909E8E84-426E-40DD-AFC4-6F175D3DCCD1}">
-              <a14:hiddenFill xmlns:a14="http://schemas.microsoft.com/office/drawing/2010/main">
-                <a:solidFill>
-                  <a:srgbClr val="FFFFFF"/>
-                </a:solidFill>
-              </a14:hiddenFill>
-            </a:ext>
-          </a:extLst>
-        </p:spPr>
-      </p:pic>
-      <p:sp>
-        <p:nvSpPr>
-          <p:cNvPr id="31" name="TextBox 30">
-            <a:extLst>
-              <a:ext uri="{FF2B5EF4-FFF2-40B4-BE49-F238E27FC236}">
-                <a16:creationId xmlns:a16="http://schemas.microsoft.com/office/drawing/2014/main" id="{8C983F54-89C2-319A-7BC1-AFA7B1DDC124}"/>
-              </a:ext>
-            </a:extLst>
-          </p:cNvPr>
-          <p:cNvSpPr txBox="1"/>
-          <p:nvPr/>
-        </p:nvSpPr>
-        <p:spPr>
-          <a:xfrm>
-            <a:off x="5583182" y="4309604"/>
-            <a:ext cx="2686639" cy="615553"/>
-          </a:xfrm>
-          <a:prstGeom prst="rect">
-            <a:avLst/>
-          </a:prstGeom>
-          <a:noFill/>
-        </p:spPr>
-        <p:txBody>
-          <a:bodyPr wrap="square" rtlCol="0">
-            <a:spAutoFit/>
-          </a:bodyPr>
-          <a:lstStyle/>
-          <a:p>
-            <a:r>
-              <a:rPr lang="tr-TR" dirty="0"/>
-              <a:t>EasyCrm.CustomersService</a:t>
-            </a:r>
-            <a:br>
-              <a:rPr lang="tr-TR" dirty="0"/>
-            </a:br>
-            <a:r>
-              <a:rPr lang="tr-TR" sz="1600" b="1" dirty="0">
-                <a:solidFill>
-                  <a:srgbClr val="00B050"/>
-                </a:solidFill>
-              </a:rPr>
-              <a:t>ABP Studio Module</a:t>
-            </a:r>
-            <a:endParaRPr lang="en-US" sz="1600" b="1" dirty="0">
-              <a:solidFill>
-                <a:srgbClr val="00B050"/>
-              </a:solidFill>
-            </a:endParaRPr>
-          </a:p>
-        </p:txBody>
-      </p:sp>
-      <p:cxnSp>
-        <p:nvCxnSpPr>
-          <p:cNvPr id="32" name="Straight Arrow Connector 31">
-            <a:extLst>
-              <a:ext uri="{FF2B5EF4-FFF2-40B4-BE49-F238E27FC236}">
-                <a16:creationId xmlns:a16="http://schemas.microsoft.com/office/drawing/2014/main" id="{427114CB-A2B1-72F6-7ED5-443A7278538A}"/>
-              </a:ext>
-            </a:extLst>
-          </p:cNvPr>
-          <p:cNvCxnSpPr>
-            <a:endCxn id="30" idx="1"/>
-          </p:cNvCxnSpPr>
-          <p:nvPr/>
-        </p:nvCxnSpPr>
-        <p:spPr>
-          <a:xfrm flipV="1">
-            <a:off x="4072378" y="4629687"/>
-            <a:ext cx="805915" cy="7952"/>
-          </a:xfrm>
-          <a:prstGeom prst="straightConnector1">
-            <a:avLst/>
-          </a:prstGeom>
-          <a:ln w="63500" cap="flat" cmpd="sng" algn="ctr">
-            <a:solidFill>
-              <a:schemeClr val="accent2"/>
-            </a:solidFill>
-            <a:prstDash val="solid"/>
-            <a:round/>
-            <a:headEnd type="none" w="med" len="med"/>
-            <a:tailEnd type="arrow" w="med" len="med"/>
-          </a:ln>
-        </p:spPr>
-        <p:style>
-          <a:lnRef idx="0">
-            <a:scrgbClr r="0" g="0" b="0"/>
-          </a:lnRef>
-          <a:fillRef idx="0">
-            <a:scrgbClr r="0" g="0" b="0"/>
-          </a:fillRef>
-          <a:effectRef idx="0">
-            <a:scrgbClr r="0" g="0" b="0"/>
-          </a:effectRef>
-          <a:fontRef idx="minor">
-            <a:schemeClr val="tx1"/>
-          </a:fontRef>
-        </p:style>
-      </p:cxnSp>
-      <p:pic>
-        <p:nvPicPr>
-          <p:cNvPr id="1032" name="Picture 8" descr="Puzzle - Free education icons">
-            <a:extLst>
-              <a:ext uri="{FF2B5EF4-FFF2-40B4-BE49-F238E27FC236}">
-                <a16:creationId xmlns:a16="http://schemas.microsoft.com/office/drawing/2014/main" id="{B9C15FB3-1805-6D53-E1BF-20D34E25EE4E}"/>
-              </a:ext>
-            </a:extLst>
-          </p:cNvPr>
-          <p:cNvPicPr>
-            <a:picLocks noChangeAspect="1" noChangeArrowheads="1"/>
-          </p:cNvPicPr>
-          <p:nvPr/>
-        </p:nvPicPr>
-        <p:blipFill>
-          <a:blip r:embed="rId5">
-            <a:extLst>
-              <a:ext uri="{28A0092B-C50C-407E-A947-70E740481C1C}">
-                <a14:useLocalDpi xmlns:a14="http://schemas.microsoft.com/office/drawing/2010/main" val="0"/>
-              </a:ext>
-            </a:extLst>
-          </a:blip>
-          <a:srcRect/>
-          <a:stretch>
-            <a:fillRect/>
-          </a:stretch>
-        </p:blipFill>
-        <p:spPr bwMode="auto">
-          <a:xfrm>
-            <a:off x="9466448" y="2567442"/>
-            <a:ext cx="749068" cy="749068"/>
-          </a:xfrm>
-          <a:prstGeom prst="rect">
-            <a:avLst/>
-          </a:prstGeom>
-          <a:noFill/>
-          <a:extLst>
-            <a:ext uri="{909E8E84-426E-40DD-AFC4-6F175D3DCCD1}">
-              <a14:hiddenFill xmlns:a14="http://schemas.microsoft.com/office/drawing/2010/main">
-                <a:solidFill>
-                  <a:srgbClr val="FFFFFF"/>
-                </a:solidFill>
-              </a14:hiddenFill>
-            </a:ext>
-          </a:extLst>
-        </p:spPr>
-      </p:pic>
-      <p:sp>
-        <p:nvSpPr>
-          <p:cNvPr id="33" name="TextBox 32">
-            <a:extLst>
-              <a:ext uri="{FF2B5EF4-FFF2-40B4-BE49-F238E27FC236}">
-                <a16:creationId xmlns:a16="http://schemas.microsoft.com/office/drawing/2014/main" id="{85FA8C14-3028-C7CF-E547-C2F591627D46}"/>
-              </a:ext>
-            </a:extLst>
-          </p:cNvPr>
-          <p:cNvSpPr txBox="1"/>
-          <p:nvPr/>
-        </p:nvSpPr>
-        <p:spPr>
-          <a:xfrm>
-            <a:off x="9385955" y="3339204"/>
-            <a:ext cx="2476107" cy="769441"/>
-          </a:xfrm>
-          <a:prstGeom prst="rect">
-            <a:avLst/>
-          </a:prstGeom>
-          <a:noFill/>
-        </p:spPr>
-        <p:txBody>
-          <a:bodyPr wrap="square" rtlCol="0">
-            <a:spAutoFit/>
-          </a:bodyPr>
-          <a:lstStyle/>
-          <a:p>
-            <a:r>
-              <a:rPr lang="tr-TR" sz="2400" dirty="0"/>
-              <a:t>EasyCrm</a:t>
-            </a:r>
-          </a:p>
-          <a:p>
-            <a:r>
-              <a:rPr lang="tr-TR" sz="2000" b="1" dirty="0">
-                <a:solidFill>
-                  <a:srgbClr val="C00000"/>
-                </a:solidFill>
-              </a:rPr>
-              <a:t>ABP Studio Solution</a:t>
-            </a:r>
-            <a:endParaRPr lang="en-US" sz="2000" b="1" dirty="0">
-              <a:solidFill>
-                <a:srgbClr val="C00000"/>
-              </a:solidFill>
-            </a:endParaRPr>
+              <a:t>Developing, Running and Monitoring Distributed Systems</a:t>
+            </a:r>
           </a:p>
         </p:txBody>
       </p:sp>
       <p:sp>
         <p:nvSpPr>
-          <p:cNvPr id="34" name="Right Brace 33">
+          <p:cNvPr id="3" name="Content Placeholder 2">
             <a:extLst>
               <a:ext uri="{FF2B5EF4-FFF2-40B4-BE49-F238E27FC236}">
-                <a16:creationId xmlns:a16="http://schemas.microsoft.com/office/drawing/2014/main" id="{BA47AD4E-CCF6-C5E1-D3E4-3EB374FC0010}"/>
+                <a16:creationId xmlns:a16="http://schemas.microsoft.com/office/drawing/2014/main" id="{891C7693-D3DF-4635-96F4-97F3B4136FDF}"/>
               </a:ext>
             </a:extLst>
           </p:cNvPr>
-          <p:cNvSpPr/>
-          <p:nvPr/>
+          <p:cNvSpPr>
+            <a:spLocks noGrp="1"/>
+          </p:cNvSpPr>
+          <p:nvPr>
+            <p:ph idx="1"/>
+          </p:nvPr>
         </p:nvSpPr>
-        <p:spPr>
-          <a:xfrm>
-            <a:off x="8163613" y="1803647"/>
-            <a:ext cx="1055802" cy="3080992"/>
-          </a:xfrm>
-          <a:prstGeom prst="rightBrace">
-            <a:avLst/>
-          </a:prstGeom>
-          <a:ln w="63500">
-            <a:solidFill>
-              <a:schemeClr val="accent2"/>
-            </a:solidFill>
-          </a:ln>
-        </p:spPr>
-        <p:style>
-          <a:lnRef idx="1">
-            <a:schemeClr val="accent1"/>
-          </a:lnRef>
-          <a:fillRef idx="0">
-            <a:schemeClr val="accent1"/>
-          </a:fillRef>
-          <a:effectRef idx="0">
-            <a:schemeClr val="accent1"/>
-          </a:effectRef>
-          <a:fontRef idx="minor">
-            <a:schemeClr val="tx1"/>
-          </a:fontRef>
-        </p:style>
+        <p:spPr/>
         <p:txBody>
-          <a:bodyPr rtlCol="0" anchor="ctr"/>
+          <a:bodyPr>
+            <a:normAutofit fontScale="92500" lnSpcReduction="10000"/>
+          </a:bodyPr>
           <a:lstStyle/>
           <a:p>
-            <a:pPr algn="ctr"/>
-            <a:endParaRPr lang="en-US"/>
+            <a:r>
+              <a:rPr lang="en-US" dirty="0">
+                <a:latin typeface="Euclid Circular B" panose="020B0504000000000000" pitchFamily="34" charset="0"/>
+                <a:ea typeface="Euclid Circular B" panose="020B0504000000000000" pitchFamily="34" charset="0"/>
+              </a:rPr>
+              <a:t>Creating &amp; exploring a </a:t>
+            </a:r>
+            <a:r>
+              <a:rPr lang="en-US" b="1" dirty="0">
+                <a:latin typeface="Euclid Circular B" panose="020B0504000000000000" pitchFamily="34" charset="0"/>
+                <a:ea typeface="Euclid Circular B" panose="020B0504000000000000" pitchFamily="34" charset="0"/>
+              </a:rPr>
+              <a:t>microservice </a:t>
+            </a:r>
+            <a:r>
+              <a:rPr lang="en-US" dirty="0">
+                <a:latin typeface="Euclid Circular B" panose="020B0504000000000000" pitchFamily="34" charset="0"/>
+                <a:ea typeface="Euclid Circular B" panose="020B0504000000000000" pitchFamily="34" charset="0"/>
+              </a:rPr>
+              <a:t>solution</a:t>
+            </a:r>
+          </a:p>
+          <a:p>
+            <a:r>
+              <a:rPr lang="en-US" b="1" dirty="0">
+                <a:latin typeface="Euclid Circular B" panose="020B0504000000000000" pitchFamily="34" charset="0"/>
+                <a:ea typeface="Euclid Circular B" panose="020B0504000000000000" pitchFamily="34" charset="0"/>
+              </a:rPr>
+              <a:t>Running </a:t>
+            </a:r>
+            <a:r>
+              <a:rPr lang="en-US" dirty="0">
+                <a:latin typeface="Euclid Circular B" panose="020B0504000000000000" pitchFamily="34" charset="0"/>
+                <a:ea typeface="Euclid Circular B" panose="020B0504000000000000" pitchFamily="34" charset="0"/>
+              </a:rPr>
+              <a:t>applications &amp; services</a:t>
+            </a:r>
+          </a:p>
+          <a:p>
+            <a:r>
+              <a:rPr lang="en-US" b="1" dirty="0">
+                <a:latin typeface="Euclid Circular B" panose="020B0504000000000000" pitchFamily="34" charset="0"/>
+                <a:ea typeface="Euclid Circular B" panose="020B0504000000000000" pitchFamily="34" charset="0"/>
+              </a:rPr>
+              <a:t>Browsing</a:t>
+            </a:r>
+            <a:r>
+              <a:rPr lang="en-US" dirty="0">
+                <a:latin typeface="Euclid Circular B" panose="020B0504000000000000" pitchFamily="34" charset="0"/>
+                <a:ea typeface="Euclid Circular B" panose="020B0504000000000000" pitchFamily="34" charset="0"/>
+              </a:rPr>
+              <a:t> the applications</a:t>
+            </a:r>
+          </a:p>
+          <a:p>
+            <a:r>
+              <a:rPr lang="en-US" dirty="0">
+                <a:latin typeface="Euclid Circular B" panose="020B0504000000000000" pitchFamily="34" charset="0"/>
+                <a:ea typeface="Euclid Circular B" panose="020B0504000000000000" pitchFamily="34" charset="0"/>
+              </a:rPr>
+              <a:t>Working with </a:t>
+            </a:r>
+            <a:r>
+              <a:rPr lang="en-US" b="1" dirty="0">
+                <a:latin typeface="Euclid Circular B" panose="020B0504000000000000" pitchFamily="34" charset="0"/>
+                <a:ea typeface="Euclid Circular B" panose="020B0504000000000000" pitchFamily="34" charset="0"/>
+              </a:rPr>
+              <a:t>multiple profiles</a:t>
+            </a:r>
+          </a:p>
+          <a:p>
+            <a:r>
+              <a:rPr lang="en-US" b="1" dirty="0">
+                <a:latin typeface="Euclid Circular B" panose="020B0504000000000000" pitchFamily="34" charset="0"/>
+                <a:ea typeface="Euclid Circular B" panose="020B0504000000000000" pitchFamily="34" charset="0"/>
+              </a:rPr>
+              <a:t>Developing </a:t>
+            </a:r>
+            <a:r>
+              <a:rPr lang="en-US" dirty="0">
+                <a:latin typeface="Euclid Circular B" panose="020B0504000000000000" pitchFamily="34" charset="0"/>
+                <a:ea typeface="Euclid Circular B" panose="020B0504000000000000" pitchFamily="34" charset="0"/>
+              </a:rPr>
+              <a:t>&amp; </a:t>
+            </a:r>
+            <a:r>
+              <a:rPr lang="en-US" b="1" dirty="0">
+                <a:latin typeface="Euclid Circular B" panose="020B0504000000000000" pitchFamily="34" charset="0"/>
+                <a:ea typeface="Euclid Circular B" panose="020B0504000000000000" pitchFamily="34" charset="0"/>
+              </a:rPr>
+              <a:t>debugging </a:t>
+            </a:r>
+            <a:r>
+              <a:rPr lang="en-US" dirty="0">
+                <a:latin typeface="Euclid Circular B" panose="020B0504000000000000" pitchFamily="34" charset="0"/>
+                <a:ea typeface="Euclid Circular B" panose="020B0504000000000000" pitchFamily="34" charset="0"/>
+              </a:rPr>
+              <a:t>with the Solution Runner</a:t>
+            </a:r>
+          </a:p>
+          <a:p>
+            <a:r>
+              <a:rPr lang="en-US" b="1" dirty="0">
+                <a:latin typeface="Euclid Circular B" panose="020B0504000000000000" pitchFamily="34" charset="0"/>
+                <a:ea typeface="Euclid Circular B" panose="020B0504000000000000" pitchFamily="34" charset="0"/>
+              </a:rPr>
+              <a:t>Monitoring </a:t>
+            </a:r>
+            <a:r>
+              <a:rPr lang="en-US" dirty="0">
+                <a:latin typeface="Euclid Circular B" panose="020B0504000000000000" pitchFamily="34" charset="0"/>
+                <a:ea typeface="Euclid Circular B" panose="020B0504000000000000" pitchFamily="34" charset="0"/>
+              </a:rPr>
+              <a:t>the applications and services</a:t>
+            </a:r>
+          </a:p>
+          <a:p>
+            <a:pPr lvl="1"/>
+            <a:r>
+              <a:rPr lang="en-US" dirty="0">
+                <a:latin typeface="Euclid Circular B" panose="020B0504000000000000" pitchFamily="34" charset="0"/>
+                <a:ea typeface="Euclid Circular B" panose="020B0504000000000000" pitchFamily="34" charset="0"/>
+              </a:rPr>
+              <a:t>Overall</a:t>
+            </a:r>
+          </a:p>
+          <a:p>
+            <a:pPr lvl="1"/>
+            <a:r>
+              <a:rPr lang="en-US" dirty="0">
+                <a:latin typeface="Euclid Circular B" panose="020B0504000000000000" pitchFamily="34" charset="0"/>
+                <a:ea typeface="Euclid Circular B" panose="020B0504000000000000" pitchFamily="34" charset="0"/>
+              </a:rPr>
+              <a:t>HTTP Requests</a:t>
+            </a:r>
+          </a:p>
+          <a:p>
+            <a:pPr lvl="1"/>
+            <a:r>
+              <a:rPr lang="en-US" dirty="0">
+                <a:latin typeface="Euclid Circular B" panose="020B0504000000000000" pitchFamily="34" charset="0"/>
+                <a:ea typeface="Euclid Circular B" panose="020B0504000000000000" pitchFamily="34" charset="0"/>
+              </a:rPr>
+              <a:t>Distributed Events</a:t>
+            </a:r>
+          </a:p>
+          <a:p>
+            <a:pPr lvl="1"/>
+            <a:r>
+              <a:rPr lang="en-US" dirty="0">
+                <a:latin typeface="Euclid Circular B" panose="020B0504000000000000" pitchFamily="34" charset="0"/>
+                <a:ea typeface="Euclid Circular B" panose="020B0504000000000000" pitchFamily="34" charset="0"/>
+              </a:rPr>
+              <a:t>Exceptions</a:t>
+            </a:r>
+          </a:p>
+          <a:p>
+            <a:pPr lvl="1"/>
+            <a:r>
+              <a:rPr lang="en-US" dirty="0">
+                <a:latin typeface="Euclid Circular B" panose="020B0504000000000000" pitchFamily="34" charset="0"/>
+                <a:ea typeface="Euclid Circular B" panose="020B0504000000000000" pitchFamily="34" charset="0"/>
+              </a:rPr>
+              <a:t>Logs</a:t>
+            </a:r>
           </a:p>
         </p:txBody>
       </p:sp>
-      <p:sp>
-        <p:nvSpPr>
-          <p:cNvPr id="36" name="TextBox 35">
-            <a:extLst>
-              <a:ext uri="{FF2B5EF4-FFF2-40B4-BE49-F238E27FC236}">
-                <a16:creationId xmlns:a16="http://schemas.microsoft.com/office/drawing/2014/main" id="{B9EB26F7-AC00-B2B8-C527-08C31135BEBD}"/>
-              </a:ext>
-            </a:extLst>
-          </p:cNvPr>
-          <p:cNvSpPr txBox="1"/>
-          <p:nvPr/>
-        </p:nvSpPr>
-        <p:spPr>
-          <a:xfrm>
-            <a:off x="1712510" y="5673980"/>
-            <a:ext cx="3046796" cy="615553"/>
-          </a:xfrm>
-          <a:prstGeom prst="rect">
-            <a:avLst/>
-          </a:prstGeom>
-          <a:noFill/>
-        </p:spPr>
-        <p:txBody>
-          <a:bodyPr wrap="square" rtlCol="0">
-            <a:spAutoFit/>
-          </a:bodyPr>
-          <a:lstStyle/>
-          <a:p>
-            <a:r>
-              <a:rPr lang="tr-TR" dirty="0"/>
-              <a:t>EasyCrm.CustomerService.UI</a:t>
-            </a:r>
-            <a:br>
-              <a:rPr lang="tr-TR" dirty="0"/>
-            </a:br>
-            <a:r>
-              <a:rPr lang="tr-TR" sz="1600" b="1" dirty="0">
-                <a:solidFill>
-                  <a:srgbClr val="7030A0"/>
-                </a:solidFill>
-              </a:rPr>
-              <a:t>.NET Project (.csproj)</a:t>
-            </a:r>
-            <a:endParaRPr lang="en-US" sz="1600" b="1" dirty="0">
-              <a:solidFill>
-                <a:srgbClr val="7030A0"/>
-              </a:solidFill>
-            </a:endParaRPr>
-          </a:p>
-        </p:txBody>
-      </p:sp>
-      <p:pic>
-        <p:nvPicPr>
-          <p:cNvPr id="1034" name="Picture 10" descr="C Sharp (C#) &quot; Icon - Download for free – Iconduck">
-            <a:extLst>
-              <a:ext uri="{FF2B5EF4-FFF2-40B4-BE49-F238E27FC236}">
-                <a16:creationId xmlns:a16="http://schemas.microsoft.com/office/drawing/2014/main" id="{226BB4D5-B33B-D985-0ABF-7DAA371642DD}"/>
-              </a:ext>
-            </a:extLst>
-          </p:cNvPr>
-          <p:cNvPicPr>
-            <a:picLocks noChangeAspect="1" noChangeArrowheads="1"/>
-          </p:cNvPicPr>
-          <p:nvPr/>
-        </p:nvPicPr>
-        <p:blipFill>
-          <a:blip r:embed="rId6">
-            <a:extLst>
-              <a:ext uri="{28A0092B-C50C-407E-A947-70E740481C1C}">
-                <a14:useLocalDpi xmlns:a14="http://schemas.microsoft.com/office/drawing/2010/main" val="0"/>
-              </a:ext>
-            </a:extLst>
-          </a:blip>
-          <a:srcRect/>
-          <a:stretch>
-            <a:fillRect/>
-          </a:stretch>
-        </p:blipFill>
-        <p:spPr bwMode="auto">
-          <a:xfrm>
-            <a:off x="1250598" y="5722133"/>
-            <a:ext cx="461912" cy="519245"/>
-          </a:xfrm>
-          <a:prstGeom prst="rect">
-            <a:avLst/>
-          </a:prstGeom>
-          <a:noFill/>
-          <a:extLst>
-            <a:ext uri="{909E8E84-426E-40DD-AFC4-6F175D3DCCD1}">
-              <a14:hiddenFill xmlns:a14="http://schemas.microsoft.com/office/drawing/2010/main">
-                <a:solidFill>
-                  <a:srgbClr val="FFFFFF"/>
-                </a:solidFill>
-              </a14:hiddenFill>
-            </a:ext>
-          </a:extLst>
-        </p:spPr>
-      </p:pic>
-      <p:sp>
-        <p:nvSpPr>
-          <p:cNvPr id="37" name="TextBox 36">
-            <a:extLst>
-              <a:ext uri="{FF2B5EF4-FFF2-40B4-BE49-F238E27FC236}">
-                <a16:creationId xmlns:a16="http://schemas.microsoft.com/office/drawing/2014/main" id="{3CD393AA-53D9-966C-049C-569226106D85}"/>
-              </a:ext>
-            </a:extLst>
-          </p:cNvPr>
-          <p:cNvSpPr txBox="1"/>
-          <p:nvPr/>
-        </p:nvSpPr>
-        <p:spPr>
-          <a:xfrm>
-            <a:off x="6746423" y="5673980"/>
-            <a:ext cx="3046796" cy="615553"/>
-          </a:xfrm>
-          <a:prstGeom prst="rect">
-            <a:avLst/>
-          </a:prstGeom>
-          <a:noFill/>
-        </p:spPr>
-        <p:txBody>
-          <a:bodyPr wrap="square" rtlCol="0">
-            <a:spAutoFit/>
-          </a:bodyPr>
-          <a:lstStyle/>
-          <a:p>
-            <a:r>
-              <a:rPr lang="tr-TR" dirty="0"/>
-              <a:t>EasyCrm.CustomerService.UI</a:t>
-            </a:r>
-            <a:br>
-              <a:rPr lang="tr-TR" dirty="0"/>
-            </a:br>
-            <a:r>
-              <a:rPr lang="tr-TR" sz="1600" b="1" dirty="0">
-                <a:solidFill>
-                  <a:srgbClr val="7030A0"/>
-                </a:solidFill>
-              </a:rPr>
-              <a:t>ABP Studio Package</a:t>
-            </a:r>
-            <a:endParaRPr lang="en-US" sz="1600" b="1" dirty="0">
-              <a:solidFill>
-                <a:srgbClr val="7030A0"/>
-              </a:solidFill>
-            </a:endParaRPr>
-          </a:p>
-        </p:txBody>
-      </p:sp>
-      <p:cxnSp>
-        <p:nvCxnSpPr>
-          <p:cNvPr id="39" name="Straight Arrow Connector 38">
-            <a:extLst>
-              <a:ext uri="{FF2B5EF4-FFF2-40B4-BE49-F238E27FC236}">
-                <a16:creationId xmlns:a16="http://schemas.microsoft.com/office/drawing/2014/main" id="{E731054F-6689-6DC3-C3F6-AC699C9E0F1B}"/>
-              </a:ext>
-            </a:extLst>
-          </p:cNvPr>
-          <p:cNvCxnSpPr>
-            <a:cxnSpLocks/>
-          </p:cNvCxnSpPr>
-          <p:nvPr/>
-        </p:nvCxnSpPr>
-        <p:spPr>
-          <a:xfrm>
-            <a:off x="4759306" y="5989707"/>
-            <a:ext cx="1259999" cy="0"/>
-          </a:xfrm>
-          <a:prstGeom prst="straightConnector1">
-            <a:avLst/>
-          </a:prstGeom>
-          <a:ln w="63500" cap="flat" cmpd="sng" algn="ctr">
-            <a:solidFill>
-              <a:schemeClr val="accent2"/>
-            </a:solidFill>
-            <a:prstDash val="solid"/>
-            <a:round/>
-            <a:headEnd type="none" w="med" len="med"/>
-            <a:tailEnd type="arrow" w="med" len="med"/>
-          </a:ln>
-        </p:spPr>
-        <p:style>
-          <a:lnRef idx="0">
-            <a:scrgbClr r="0" g="0" b="0"/>
-          </a:lnRef>
-          <a:fillRef idx="0">
-            <a:scrgbClr r="0" g="0" b="0"/>
-          </a:fillRef>
-          <a:effectRef idx="0">
-            <a:scrgbClr r="0" g="0" b="0"/>
-          </a:effectRef>
-          <a:fontRef idx="minor">
-            <a:schemeClr val="tx1"/>
-          </a:fontRef>
-        </p:style>
-      </p:cxnSp>
-      <p:pic>
-        <p:nvPicPr>
-          <p:cNvPr id="1040" name="Picture 16" descr="Package - Free business icons">
-            <a:extLst>
-              <a:ext uri="{FF2B5EF4-FFF2-40B4-BE49-F238E27FC236}">
-                <a16:creationId xmlns:a16="http://schemas.microsoft.com/office/drawing/2014/main" id="{A0B42078-5E3C-50EC-DA28-4BA6FDC33302}"/>
-              </a:ext>
-            </a:extLst>
-          </p:cNvPr>
-          <p:cNvPicPr>
-            <a:picLocks noChangeAspect="1" noChangeArrowheads="1"/>
-          </p:cNvPicPr>
-          <p:nvPr/>
-        </p:nvPicPr>
-        <p:blipFill>
-          <a:blip r:embed="rId7">
-            <a:extLst>
-              <a:ext uri="{28A0092B-C50C-407E-A947-70E740481C1C}">
-                <a14:useLocalDpi xmlns:a14="http://schemas.microsoft.com/office/drawing/2010/main" val="0"/>
-              </a:ext>
-            </a:extLst>
-          </a:blip>
-          <a:srcRect/>
-          <a:stretch>
-            <a:fillRect/>
-          </a:stretch>
-        </p:blipFill>
-        <p:spPr bwMode="auto">
-          <a:xfrm>
-            <a:off x="6172696" y="5722133"/>
-            <a:ext cx="573727" cy="573727"/>
-          </a:xfrm>
-          <a:prstGeom prst="rect">
-            <a:avLst/>
-          </a:prstGeom>
-          <a:noFill/>
-          <a:extLst>
-            <a:ext uri="{909E8E84-426E-40DD-AFC4-6F175D3DCCD1}">
-              <a14:hiddenFill xmlns:a14="http://schemas.microsoft.com/office/drawing/2010/main">
-                <a:solidFill>
-                  <a:srgbClr val="FFFFFF"/>
-                </a:solidFill>
-              </a14:hiddenFill>
-            </a:ext>
-          </a:extLst>
-        </p:spPr>
-      </p:pic>
     </p:spTree>
     <p:extLst>
       <p:ext uri="{BB962C8B-B14F-4D97-AF65-F5344CB8AC3E}">
-        <p14:creationId xmlns:p14="http://schemas.microsoft.com/office/powerpoint/2010/main" val="2354327406"/>
+        <p14:creationId xmlns:p14="http://schemas.microsoft.com/office/powerpoint/2010/main" val="4094511437"/>
       </p:ext>
     </p:extLst>
   </p:cSld>
@@ -6870,7 +4590,11 @@
                                           </p:stCondLst>
                                         </p:cTn>
                                         <p:tgtEl>
-                                          <p:spTgt spid="1026"/>
+                                          <p:spTgt spid="3">
+                                            <p:txEl>
+                                              <p:pRg st="0" end="0"/>
+                                            </p:txEl>
+                                          </p:spTgt>
                                         </p:tgtEl>
                                         <p:attrNameLst>
                                           <p:attrName>style.visibility</p:attrName>
@@ -6884,252 +4608,11 @@
                                       <p:cBhvr>
                                         <p:cTn id="7" dur="500"/>
                                         <p:tgtEl>
-                                          <p:spTgt spid="1026"/>
-                                        </p:tgtEl>
-                                      </p:cBhvr>
-                                    </p:animEffect>
-                                  </p:childTnLst>
-                                </p:cTn>
-                              </p:par>
-                              <p:par>
-                                <p:cTn id="8" presetID="10" presetClass="entr" presetSubtype="0" fill="hold" grpId="0" nodeType="withEffect">
-                                  <p:stCondLst>
-                                    <p:cond delay="0"/>
-                                  </p:stCondLst>
-                                  <p:childTnLst>
-                                    <p:set>
-                                      <p:cBhvr>
-                                        <p:cTn id="9" dur="1" fill="hold">
-                                          <p:stCondLst>
-                                            <p:cond delay="0"/>
-                                          </p:stCondLst>
-                                        </p:cTn>
-                                        <p:tgtEl>
-                                          <p:spTgt spid="9"/>
-                                        </p:tgtEl>
-                                        <p:attrNameLst>
-                                          <p:attrName>style.visibility</p:attrName>
-                                        </p:attrNameLst>
-                                      </p:cBhvr>
-                                      <p:to>
-                                        <p:strVal val="visible"/>
-                                      </p:to>
-                                    </p:set>
-                                    <p:animEffect transition="in" filter="fade">
-                                      <p:cBhvr>
-                                        <p:cTn id="10" dur="500"/>
-                                        <p:tgtEl>
-                                          <p:spTgt spid="9"/>
-                                        </p:tgtEl>
-                                      </p:cBhvr>
-                                    </p:animEffect>
-                                  </p:childTnLst>
-                                </p:cTn>
-                              </p:par>
-                              <p:par>
-                                <p:cTn id="11" presetID="10" presetClass="entr" presetSubtype="0" fill="hold" nodeType="withEffect">
-                                  <p:stCondLst>
-                                    <p:cond delay="0"/>
-                                  </p:stCondLst>
-                                  <p:childTnLst>
-                                    <p:set>
-                                      <p:cBhvr>
-                                        <p:cTn id="12" dur="1" fill="hold">
-                                          <p:stCondLst>
-                                            <p:cond delay="0"/>
-                                          </p:stCondLst>
-                                        </p:cTn>
-                                        <p:tgtEl>
-                                          <p:spTgt spid="10"/>
-                                        </p:tgtEl>
-                                        <p:attrNameLst>
-                                          <p:attrName>style.visibility</p:attrName>
-                                        </p:attrNameLst>
-                                      </p:cBhvr>
-                                      <p:to>
-                                        <p:strVal val="visible"/>
-                                      </p:to>
-                                    </p:set>
-                                    <p:animEffect transition="in" filter="fade">
-                                      <p:cBhvr>
-                                        <p:cTn id="13" dur="500"/>
-                                        <p:tgtEl>
-                                          <p:spTgt spid="10"/>
-                                        </p:tgtEl>
-                                      </p:cBhvr>
-                                    </p:animEffect>
-                                  </p:childTnLst>
-                                </p:cTn>
-                              </p:par>
-                              <p:par>
-                                <p:cTn id="14" presetID="10" presetClass="entr" presetSubtype="0" fill="hold" grpId="0" nodeType="withEffect">
-                                  <p:stCondLst>
-                                    <p:cond delay="0"/>
-                                  </p:stCondLst>
-                                  <p:childTnLst>
-                                    <p:set>
-                                      <p:cBhvr>
-                                        <p:cTn id="15" dur="1" fill="hold">
-                                          <p:stCondLst>
-                                            <p:cond delay="0"/>
-                                          </p:stCondLst>
-                                        </p:cTn>
-                                        <p:tgtEl>
-                                          <p:spTgt spid="11"/>
-                                        </p:tgtEl>
-                                        <p:attrNameLst>
-                                          <p:attrName>style.visibility</p:attrName>
-                                        </p:attrNameLst>
-                                      </p:cBhvr>
-                                      <p:to>
-                                        <p:strVal val="visible"/>
-                                      </p:to>
-                                    </p:set>
-                                    <p:animEffect transition="in" filter="fade">
-                                      <p:cBhvr>
-                                        <p:cTn id="16" dur="500"/>
-                                        <p:tgtEl>
-                                          <p:spTgt spid="11"/>
-                                        </p:tgtEl>
-                                      </p:cBhvr>
-                                    </p:animEffect>
-                                  </p:childTnLst>
-                                </p:cTn>
-                              </p:par>
-                              <p:par>
-                                <p:cTn id="17" presetID="10" presetClass="entr" presetSubtype="0" fill="hold" nodeType="withEffect">
-                                  <p:stCondLst>
-                                    <p:cond delay="0"/>
-                                  </p:stCondLst>
-                                  <p:childTnLst>
-                                    <p:set>
-                                      <p:cBhvr>
-                                        <p:cTn id="18" dur="1" fill="hold">
-                                          <p:stCondLst>
-                                            <p:cond delay="0"/>
-                                          </p:stCondLst>
-                                        </p:cTn>
-                                        <p:tgtEl>
-                                          <p:spTgt spid="14"/>
-                                        </p:tgtEl>
-                                        <p:attrNameLst>
-                                          <p:attrName>style.visibility</p:attrName>
-                                        </p:attrNameLst>
-                                      </p:cBhvr>
-                                      <p:to>
-                                        <p:strVal val="visible"/>
-                                      </p:to>
-                                    </p:set>
-                                    <p:animEffect transition="in" filter="fade">
-                                      <p:cBhvr>
-                                        <p:cTn id="19" dur="500"/>
-                                        <p:tgtEl>
-                                          <p:spTgt spid="14"/>
-                                        </p:tgtEl>
-                                      </p:cBhvr>
-                                    </p:animEffect>
-                                  </p:childTnLst>
-                                </p:cTn>
-                              </p:par>
-                              <p:par>
-                                <p:cTn id="20" presetID="10" presetClass="entr" presetSubtype="0" fill="hold" grpId="0" nodeType="withEffect">
-                                  <p:stCondLst>
-                                    <p:cond delay="0"/>
-                                  </p:stCondLst>
-                                  <p:childTnLst>
-                                    <p:set>
-                                      <p:cBhvr>
-                                        <p:cTn id="21" dur="1" fill="hold">
-                                          <p:stCondLst>
-                                            <p:cond delay="0"/>
-                                          </p:stCondLst>
-                                        </p:cTn>
-                                        <p:tgtEl>
-                                          <p:spTgt spid="15"/>
-                                        </p:tgtEl>
-                                        <p:attrNameLst>
-                                          <p:attrName>style.visibility</p:attrName>
-                                        </p:attrNameLst>
-                                      </p:cBhvr>
-                                      <p:to>
-                                        <p:strVal val="visible"/>
-                                      </p:to>
-                                    </p:set>
-                                    <p:animEffect transition="in" filter="fade">
-                                      <p:cBhvr>
-                                        <p:cTn id="22" dur="500"/>
-                                        <p:tgtEl>
-                                          <p:spTgt spid="15"/>
-                                        </p:tgtEl>
-                                      </p:cBhvr>
-                                    </p:animEffect>
-                                  </p:childTnLst>
-                                </p:cTn>
-                              </p:par>
-                              <p:par>
-                                <p:cTn id="23" presetID="10" presetClass="entr" presetSubtype="0" fill="hold" nodeType="withEffect">
-                                  <p:stCondLst>
-                                    <p:cond delay="0"/>
-                                  </p:stCondLst>
-                                  <p:childTnLst>
-                                    <p:set>
-                                      <p:cBhvr>
-                                        <p:cTn id="24" dur="1" fill="hold">
-                                          <p:stCondLst>
-                                            <p:cond delay="0"/>
-                                          </p:stCondLst>
-                                        </p:cTn>
-                                        <p:tgtEl>
-                                          <p:spTgt spid="16"/>
-                                        </p:tgtEl>
-                                        <p:attrNameLst>
-                                          <p:attrName>style.visibility</p:attrName>
-                                        </p:attrNameLst>
-                                      </p:cBhvr>
-                                      <p:to>
-                                        <p:strVal val="visible"/>
-                                      </p:to>
-                                    </p:set>
-                                    <p:animEffect transition="in" filter="fade">
-                                      <p:cBhvr>
-                                        <p:cTn id="25" dur="500"/>
-                                        <p:tgtEl>
-                                          <p:spTgt spid="16"/>
-                                        </p:tgtEl>
-                                      </p:cBhvr>
-                                    </p:animEffect>
-                                  </p:childTnLst>
-                                </p:cTn>
-                              </p:par>
-                              <p:par>
-                                <p:cTn id="26" presetID="10" presetClass="entr" presetSubtype="0" fill="hold" grpId="0" nodeType="withEffect">
-                                  <p:stCondLst>
-                                    <p:cond delay="0"/>
-                                  </p:stCondLst>
-                                  <p:childTnLst>
-                                    <p:set>
-                                      <p:cBhvr>
-                                        <p:cTn id="27" dur="1" fill="hold">
-                                          <p:stCondLst>
-                                            <p:cond delay="0"/>
-                                          </p:stCondLst>
-                                        </p:cTn>
-                                        <p:tgtEl>
-                                          <p:spTgt spid="17"/>
-                                        </p:tgtEl>
-                                        <p:attrNameLst>
-                                          <p:attrName>style.visibility</p:attrName>
-                                        </p:attrNameLst>
-                                      </p:cBhvr>
-                                      <p:to>
-                                        <p:strVal val="visible"/>
-                                      </p:to>
-                                    </p:set>
-                                    <p:animEffect transition="in" filter="fade">
-                                      <p:cBhvr>
-                                        <p:cTn id="28" dur="500"/>
-                                        <p:tgtEl>
-                                          <p:spTgt spid="17"/>
+                                          <p:spTgt spid="3">
+                                            <p:txEl>
+                                              <p:pRg st="0" end="0"/>
+                                            </p:txEl>
+                                          </p:spTgt>
                                         </p:tgtEl>
                                       </p:cBhvr>
                                     </p:animEffect>
@@ -7143,32 +4626,36 @@
                     </p:cTn>
                   </p:par>
                   <p:par>
-                    <p:cTn id="29" fill="hold">
+                    <p:cTn id="8" fill="hold">
                       <p:stCondLst>
                         <p:cond delay="indefinite"/>
                       </p:stCondLst>
                       <p:childTnLst>
                         <p:par>
-                          <p:cTn id="30" fill="hold">
+                          <p:cTn id="9" fill="hold">
                             <p:stCondLst>
                               <p:cond delay="0"/>
                             </p:stCondLst>
                             <p:childTnLst>
                               <p:par>
-                                <p:cTn id="31" presetID="10" presetClass="entr" presetSubtype="0" fill="hold" nodeType="clickEffect">
+                                <p:cTn id="10" presetID="10" presetClass="entr" presetSubtype="0" fill="hold" nodeType="clickEffect">
                                   <p:stCondLst>
                                     <p:cond delay="0"/>
                                   </p:stCondLst>
                                   <p:childTnLst>
                                     <p:set>
                                       <p:cBhvr>
-                                        <p:cTn id="32" dur="1" fill="hold">
+                                        <p:cTn id="11" dur="1" fill="hold">
                                           <p:stCondLst>
                                             <p:cond delay="0"/>
                                           </p:stCondLst>
                                         </p:cTn>
                                         <p:tgtEl>
-                                          <p:spTgt spid="1028"/>
+                                          <p:spTgt spid="3">
+                                            <p:txEl>
+                                              <p:pRg st="1" end="1"/>
+                                            </p:txEl>
+                                          </p:spTgt>
                                         </p:tgtEl>
                                         <p:attrNameLst>
                                           <p:attrName>style.visibility</p:attrName>
@@ -7180,394 +4667,13 @@
                                     </p:set>
                                     <p:animEffect transition="in" filter="fade">
                                       <p:cBhvr>
-                                        <p:cTn id="33" dur="500"/>
-                                        <p:tgtEl>
-                                          <p:spTgt spid="1028"/>
-                                        </p:tgtEl>
-                                      </p:cBhvr>
-                                    </p:animEffect>
-                                  </p:childTnLst>
-                                </p:cTn>
-                              </p:par>
-                              <p:par>
-                                <p:cTn id="34" presetID="10" presetClass="entr" presetSubtype="0" fill="hold" grpId="0" nodeType="withEffect">
-                                  <p:stCondLst>
-                                    <p:cond delay="0"/>
-                                  </p:stCondLst>
-                                  <p:childTnLst>
-                                    <p:set>
-                                      <p:cBhvr>
-                                        <p:cTn id="35" dur="1" fill="hold">
-                                          <p:stCondLst>
-                                            <p:cond delay="0"/>
-                                          </p:stCondLst>
-                                        </p:cTn>
-                                        <p:tgtEl>
-                                          <p:spTgt spid="18"/>
-                                        </p:tgtEl>
-                                        <p:attrNameLst>
-                                          <p:attrName>style.visibility</p:attrName>
-                                        </p:attrNameLst>
-                                      </p:cBhvr>
-                                      <p:to>
-                                        <p:strVal val="visible"/>
-                                      </p:to>
-                                    </p:set>
-                                    <p:animEffect transition="in" filter="fade">
-                                      <p:cBhvr>
-                                        <p:cTn id="36" dur="500"/>
-                                        <p:tgtEl>
-                                          <p:spTgt spid="18"/>
-                                        </p:tgtEl>
-                                      </p:cBhvr>
-                                    </p:animEffect>
-                                  </p:childTnLst>
-                                </p:cTn>
-                              </p:par>
-                              <p:par>
-                                <p:cTn id="37" presetID="10" presetClass="entr" presetSubtype="0" fill="hold" nodeType="withEffect">
-                                  <p:stCondLst>
-                                    <p:cond delay="0"/>
-                                  </p:stCondLst>
-                                  <p:childTnLst>
-                                    <p:set>
-                                      <p:cBhvr>
-                                        <p:cTn id="38" dur="1" fill="hold">
-                                          <p:stCondLst>
-                                            <p:cond delay="0"/>
-                                          </p:stCondLst>
-                                        </p:cTn>
-                                        <p:tgtEl>
-                                          <p:spTgt spid="20"/>
-                                        </p:tgtEl>
-                                        <p:attrNameLst>
-                                          <p:attrName>style.visibility</p:attrName>
-                                        </p:attrNameLst>
-                                      </p:cBhvr>
-                                      <p:to>
-                                        <p:strVal val="visible"/>
-                                      </p:to>
-                                    </p:set>
-                                    <p:animEffect transition="in" filter="fade">
-                                      <p:cBhvr>
-                                        <p:cTn id="39" dur="500"/>
-                                        <p:tgtEl>
-                                          <p:spTgt spid="20"/>
-                                        </p:tgtEl>
-                                      </p:cBhvr>
-                                    </p:animEffect>
-                                  </p:childTnLst>
-                                </p:cTn>
-                              </p:par>
-                              <p:par>
-                                <p:cTn id="40" presetID="10" presetClass="entr" presetSubtype="0" fill="hold" nodeType="withEffect">
-                                  <p:stCondLst>
-                                    <p:cond delay="0"/>
-                                  </p:stCondLst>
-                                  <p:childTnLst>
-                                    <p:set>
-                                      <p:cBhvr>
-                                        <p:cTn id="41" dur="1" fill="hold">
-                                          <p:stCondLst>
-                                            <p:cond delay="0"/>
-                                          </p:stCondLst>
-                                        </p:cTn>
-                                        <p:tgtEl>
-                                          <p:spTgt spid="21"/>
-                                        </p:tgtEl>
-                                        <p:attrNameLst>
-                                          <p:attrName>style.visibility</p:attrName>
-                                        </p:attrNameLst>
-                                      </p:cBhvr>
-                                      <p:to>
-                                        <p:strVal val="visible"/>
-                                      </p:to>
-                                    </p:set>
-                                    <p:animEffect transition="in" filter="fade">
-                                      <p:cBhvr>
-                                        <p:cTn id="42" dur="500"/>
-                                        <p:tgtEl>
-                                          <p:spTgt spid="21"/>
-                                        </p:tgtEl>
-                                      </p:cBhvr>
-                                    </p:animEffect>
-                                  </p:childTnLst>
-                                </p:cTn>
-                              </p:par>
-                              <p:par>
-                                <p:cTn id="43" presetID="10" presetClass="entr" presetSubtype="0" fill="hold" grpId="0" nodeType="withEffect">
-                                  <p:stCondLst>
-                                    <p:cond delay="0"/>
-                                  </p:stCondLst>
-                                  <p:childTnLst>
-                                    <p:set>
-                                      <p:cBhvr>
-                                        <p:cTn id="44" dur="1" fill="hold">
-                                          <p:stCondLst>
-                                            <p:cond delay="0"/>
-                                          </p:stCondLst>
-                                        </p:cTn>
-                                        <p:tgtEl>
-                                          <p:spTgt spid="22"/>
-                                        </p:tgtEl>
-                                        <p:attrNameLst>
-                                          <p:attrName>style.visibility</p:attrName>
-                                        </p:attrNameLst>
-                                      </p:cBhvr>
-                                      <p:to>
-                                        <p:strVal val="visible"/>
-                                      </p:to>
-                                    </p:set>
-                                    <p:animEffect transition="in" filter="fade">
-                                      <p:cBhvr>
-                                        <p:cTn id="45" dur="500"/>
-                                        <p:tgtEl>
-                                          <p:spTgt spid="22"/>
-                                        </p:tgtEl>
-                                      </p:cBhvr>
-                                    </p:animEffect>
-                                  </p:childTnLst>
-                                </p:cTn>
-                              </p:par>
-                              <p:par>
-                                <p:cTn id="46" presetID="10" presetClass="entr" presetSubtype="0" fill="hold" nodeType="withEffect">
-                                  <p:stCondLst>
-                                    <p:cond delay="0"/>
-                                  </p:stCondLst>
-                                  <p:childTnLst>
-                                    <p:set>
-                                      <p:cBhvr>
-                                        <p:cTn id="47" dur="1" fill="hold">
-                                          <p:stCondLst>
-                                            <p:cond delay="0"/>
-                                          </p:stCondLst>
-                                        </p:cTn>
-                                        <p:tgtEl>
-                                          <p:spTgt spid="23"/>
-                                        </p:tgtEl>
-                                        <p:attrNameLst>
-                                          <p:attrName>style.visibility</p:attrName>
-                                        </p:attrNameLst>
-                                      </p:cBhvr>
-                                      <p:to>
-                                        <p:strVal val="visible"/>
-                                      </p:to>
-                                    </p:set>
-                                    <p:animEffect transition="in" filter="fade">
-                                      <p:cBhvr>
-                                        <p:cTn id="48" dur="500"/>
-                                        <p:tgtEl>
-                                          <p:spTgt spid="23"/>
-                                        </p:tgtEl>
-                                      </p:cBhvr>
-                                    </p:animEffect>
-                                  </p:childTnLst>
-                                </p:cTn>
-                              </p:par>
-                              <p:par>
-                                <p:cTn id="49" presetID="10" presetClass="entr" presetSubtype="0" fill="hold" nodeType="withEffect">
-                                  <p:stCondLst>
-                                    <p:cond delay="0"/>
-                                  </p:stCondLst>
-                                  <p:childTnLst>
-                                    <p:set>
-                                      <p:cBhvr>
-                                        <p:cTn id="50" dur="1" fill="hold">
-                                          <p:stCondLst>
-                                            <p:cond delay="0"/>
-                                          </p:stCondLst>
-                                        </p:cTn>
-                                        <p:tgtEl>
-                                          <p:spTgt spid="27"/>
-                                        </p:tgtEl>
-                                        <p:attrNameLst>
-                                          <p:attrName>style.visibility</p:attrName>
-                                        </p:attrNameLst>
-                                      </p:cBhvr>
-                                      <p:to>
-                                        <p:strVal val="visible"/>
-                                      </p:to>
-                                    </p:set>
-                                    <p:animEffect transition="in" filter="fade">
-                                      <p:cBhvr>
-                                        <p:cTn id="51" dur="500"/>
-                                        <p:tgtEl>
-                                          <p:spTgt spid="27"/>
-                                        </p:tgtEl>
-                                      </p:cBhvr>
-                                    </p:animEffect>
-                                  </p:childTnLst>
-                                </p:cTn>
-                              </p:par>
-                              <p:par>
-                                <p:cTn id="52" presetID="10" presetClass="entr" presetSubtype="0" fill="hold" grpId="0" nodeType="withEffect">
-                                  <p:stCondLst>
-                                    <p:cond delay="0"/>
-                                  </p:stCondLst>
-                                  <p:childTnLst>
-                                    <p:set>
-                                      <p:cBhvr>
-                                        <p:cTn id="53" dur="1" fill="hold">
-                                          <p:stCondLst>
-                                            <p:cond delay="0"/>
-                                          </p:stCondLst>
-                                        </p:cTn>
-                                        <p:tgtEl>
-                                          <p:spTgt spid="28"/>
-                                        </p:tgtEl>
-                                        <p:attrNameLst>
-                                          <p:attrName>style.visibility</p:attrName>
-                                        </p:attrNameLst>
-                                      </p:cBhvr>
-                                      <p:to>
-                                        <p:strVal val="visible"/>
-                                      </p:to>
-                                    </p:set>
-                                    <p:animEffect transition="in" filter="fade">
-                                      <p:cBhvr>
-                                        <p:cTn id="54" dur="500"/>
-                                        <p:tgtEl>
-                                          <p:spTgt spid="28"/>
-                                        </p:tgtEl>
-                                      </p:cBhvr>
-                                    </p:animEffect>
-                                  </p:childTnLst>
-                                </p:cTn>
-                              </p:par>
-                              <p:par>
-                                <p:cTn id="55" presetID="10" presetClass="entr" presetSubtype="0" fill="hold" nodeType="withEffect">
-                                  <p:stCondLst>
-                                    <p:cond delay="0"/>
-                                  </p:stCondLst>
-                                  <p:childTnLst>
-                                    <p:set>
-                                      <p:cBhvr>
-                                        <p:cTn id="56" dur="1" fill="hold">
-                                          <p:stCondLst>
-                                            <p:cond delay="0"/>
-                                          </p:stCondLst>
-                                        </p:cTn>
-                                        <p:tgtEl>
-                                          <p:spTgt spid="29"/>
-                                        </p:tgtEl>
-                                        <p:attrNameLst>
-                                          <p:attrName>style.visibility</p:attrName>
-                                        </p:attrNameLst>
-                                      </p:cBhvr>
-                                      <p:to>
-                                        <p:strVal val="visible"/>
-                                      </p:to>
-                                    </p:set>
-                                    <p:animEffect transition="in" filter="fade">
-                                      <p:cBhvr>
-                                        <p:cTn id="57" dur="500"/>
-                                        <p:tgtEl>
-                                          <p:spTgt spid="29"/>
-                                        </p:tgtEl>
-                                      </p:cBhvr>
-                                    </p:animEffect>
-                                  </p:childTnLst>
-                                </p:cTn>
-                              </p:par>
-                              <p:par>
-                                <p:cTn id="58" presetID="10" presetClass="entr" presetSubtype="0" fill="hold" nodeType="withEffect">
-                                  <p:stCondLst>
-                                    <p:cond delay="0"/>
-                                  </p:stCondLst>
-                                  <p:childTnLst>
-                                    <p:set>
-                                      <p:cBhvr>
-                                        <p:cTn id="59" dur="1" fill="hold">
-                                          <p:stCondLst>
-                                            <p:cond delay="0"/>
-                                          </p:stCondLst>
-                                        </p:cTn>
-                                        <p:tgtEl>
-                                          <p:spTgt spid="30"/>
-                                        </p:tgtEl>
-                                        <p:attrNameLst>
-                                          <p:attrName>style.visibility</p:attrName>
-                                        </p:attrNameLst>
-                                      </p:cBhvr>
-                                      <p:to>
-                                        <p:strVal val="visible"/>
-                                      </p:to>
-                                    </p:set>
-                                    <p:animEffect transition="in" filter="fade">
-                                      <p:cBhvr>
-                                        <p:cTn id="60" dur="500"/>
-                                        <p:tgtEl>
-                                          <p:spTgt spid="30"/>
-                                        </p:tgtEl>
-                                      </p:cBhvr>
-                                    </p:animEffect>
-                                  </p:childTnLst>
-                                </p:cTn>
-                              </p:par>
-                              <p:par>
-                                <p:cTn id="61" presetID="10" presetClass="entr" presetSubtype="0" fill="hold" grpId="0" nodeType="withEffect">
-                                  <p:stCondLst>
-                                    <p:cond delay="0"/>
-                                  </p:stCondLst>
-                                  <p:childTnLst>
-                                    <p:set>
-                                      <p:cBhvr>
-                                        <p:cTn id="62" dur="1" fill="hold">
-                                          <p:stCondLst>
-                                            <p:cond delay="0"/>
-                                          </p:stCondLst>
-                                        </p:cTn>
-                                        <p:tgtEl>
-                                          <p:spTgt spid="31"/>
-                                        </p:tgtEl>
-                                        <p:attrNameLst>
-                                          <p:attrName>style.visibility</p:attrName>
-                                        </p:attrNameLst>
-                                      </p:cBhvr>
-                                      <p:to>
-                                        <p:strVal val="visible"/>
-                                      </p:to>
-                                    </p:set>
-                                    <p:animEffect transition="in" filter="fade">
-                                      <p:cBhvr>
-                                        <p:cTn id="63" dur="500"/>
-                                        <p:tgtEl>
-                                          <p:spTgt spid="31"/>
-                                        </p:tgtEl>
-                                      </p:cBhvr>
-                                    </p:animEffect>
-                                  </p:childTnLst>
-                                </p:cTn>
-                              </p:par>
-                              <p:par>
-                                <p:cTn id="64" presetID="10" presetClass="entr" presetSubtype="0" fill="hold" nodeType="withEffect">
-                                  <p:stCondLst>
-                                    <p:cond delay="0"/>
-                                  </p:stCondLst>
-                                  <p:childTnLst>
-                                    <p:set>
-                                      <p:cBhvr>
-                                        <p:cTn id="65" dur="1" fill="hold">
-                                          <p:stCondLst>
-                                            <p:cond delay="0"/>
-                                          </p:stCondLst>
-                                        </p:cTn>
-                                        <p:tgtEl>
-                                          <p:spTgt spid="32"/>
-                                        </p:tgtEl>
-                                        <p:attrNameLst>
-                                          <p:attrName>style.visibility</p:attrName>
-                                        </p:attrNameLst>
-                                      </p:cBhvr>
-                                      <p:to>
-                                        <p:strVal val="visible"/>
-                                      </p:to>
-                                    </p:set>
-                                    <p:animEffect transition="in" filter="fade">
-                                      <p:cBhvr>
-                                        <p:cTn id="66" dur="500"/>
-                                        <p:tgtEl>
-                                          <p:spTgt spid="32"/>
+                                        <p:cTn id="12" dur="500"/>
+                                        <p:tgtEl>
+                                          <p:spTgt spid="3">
+                                            <p:txEl>
+                                              <p:pRg st="1" end="1"/>
+                                            </p:txEl>
+                                          </p:spTgt>
                                         </p:tgtEl>
                                       </p:cBhvr>
                                     </p:animEffect>
@@ -7581,32 +4687,36 @@
                     </p:cTn>
                   </p:par>
                   <p:par>
-                    <p:cTn id="67" fill="hold">
+                    <p:cTn id="13" fill="hold">
                       <p:stCondLst>
                         <p:cond delay="indefinite"/>
                       </p:stCondLst>
                       <p:childTnLst>
                         <p:par>
-                          <p:cTn id="68" fill="hold">
+                          <p:cTn id="14" fill="hold">
                             <p:stCondLst>
                               <p:cond delay="0"/>
                             </p:stCondLst>
                             <p:childTnLst>
                               <p:par>
-                                <p:cTn id="69" presetID="10" presetClass="entr" presetSubtype="0" fill="hold" nodeType="clickEffect">
+                                <p:cTn id="15" presetID="10" presetClass="entr" presetSubtype="0" fill="hold" nodeType="clickEffect">
                                   <p:stCondLst>
                                     <p:cond delay="0"/>
                                   </p:stCondLst>
                                   <p:childTnLst>
                                     <p:set>
                                       <p:cBhvr>
-                                        <p:cTn id="70" dur="1" fill="hold">
+                                        <p:cTn id="16" dur="1" fill="hold">
                                           <p:stCondLst>
                                             <p:cond delay="0"/>
                                           </p:stCondLst>
                                         </p:cTn>
                                         <p:tgtEl>
-                                          <p:spTgt spid="1032"/>
+                                          <p:spTgt spid="3">
+                                            <p:txEl>
+                                              <p:pRg st="2" end="2"/>
+                                            </p:txEl>
+                                          </p:spTgt>
                                         </p:tgtEl>
                                         <p:attrNameLst>
                                           <p:attrName>style.visibility</p:attrName>
@@ -7618,79 +4728,13 @@
                                     </p:set>
                                     <p:animEffect transition="in" filter="fade">
                                       <p:cBhvr>
-                                        <p:cTn id="71" dur="500"/>
-                                        <p:tgtEl>
-                                          <p:spTgt spid="1032"/>
-                                        </p:tgtEl>
-                                      </p:cBhvr>
-                                    </p:animEffect>
-                                  </p:childTnLst>
-                                </p:cTn>
-                              </p:par>
-                              <p:par>
-                                <p:cTn id="72" presetID="10" presetClass="entr" presetSubtype="0" fill="hold" grpId="0" nodeType="withEffect">
-                                  <p:stCondLst>
-                                    <p:cond delay="0"/>
-                                  </p:stCondLst>
-                                  <p:childTnLst>
-                                    <p:set>
-                                      <p:cBhvr>
-                                        <p:cTn id="73" dur="1" fill="hold">
-                                          <p:stCondLst>
-                                            <p:cond delay="0"/>
-                                          </p:stCondLst>
-                                        </p:cTn>
-                                        <p:tgtEl>
-                                          <p:spTgt spid="33"/>
-                                        </p:tgtEl>
-                                        <p:attrNameLst>
-                                          <p:attrName>style.visibility</p:attrName>
-                                        </p:attrNameLst>
-                                      </p:cBhvr>
-                                      <p:to>
-                                        <p:strVal val="visible"/>
-                                      </p:to>
-                                    </p:set>
-                                    <p:animEffect transition="in" filter="fade">
-                                      <p:cBhvr>
-                                        <p:cTn id="74" dur="500"/>
-                                        <p:tgtEl>
-                                          <p:spTgt spid="33"/>
-                                        </p:tgtEl>
-                                      </p:cBhvr>
-                                    </p:animEffect>
-                                  </p:childTnLst>
-                                </p:cTn>
-                              </p:par>
-                              <p:par>
-                                <p:cTn id="75" presetID="10" presetClass="entr" presetSubtype="0" fill="hold" grpId="0" nodeType="withEffect">
-                                  <p:stCondLst>
-                                    <p:cond delay="0"/>
-                                  </p:stCondLst>
-                                  <p:childTnLst>
-                                    <p:set>
-                                      <p:cBhvr>
-                                        <p:cTn id="76" dur="1" fill="hold">
-                                          <p:stCondLst>
-                                            <p:cond delay="0"/>
-                                          </p:stCondLst>
-                                        </p:cTn>
-                                        <p:tgtEl>
-                                          <p:spTgt spid="34"/>
-                                        </p:tgtEl>
-                                        <p:attrNameLst>
-                                          <p:attrName>style.visibility</p:attrName>
-                                        </p:attrNameLst>
-                                      </p:cBhvr>
-                                      <p:to>
-                                        <p:strVal val="visible"/>
-                                      </p:to>
-                                    </p:set>
-                                    <p:animEffect transition="in" filter="fade">
-                                      <p:cBhvr>
-                                        <p:cTn id="77" dur="500"/>
-                                        <p:tgtEl>
-                                          <p:spTgt spid="34"/>
+                                        <p:cTn id="17" dur="500"/>
+                                        <p:tgtEl>
+                                          <p:spTgt spid="3">
+                                            <p:txEl>
+                                              <p:pRg st="2" end="2"/>
+                                            </p:txEl>
+                                          </p:spTgt>
                                         </p:tgtEl>
                                       </p:cBhvr>
                                     </p:animEffect>
@@ -7704,32 +4748,36 @@
                     </p:cTn>
                   </p:par>
                   <p:par>
-                    <p:cTn id="78" fill="hold">
+                    <p:cTn id="18" fill="hold">
                       <p:stCondLst>
                         <p:cond delay="indefinite"/>
                       </p:stCondLst>
                       <p:childTnLst>
                         <p:par>
-                          <p:cTn id="79" fill="hold">
+                          <p:cTn id="19" fill="hold">
                             <p:stCondLst>
                               <p:cond delay="0"/>
                             </p:stCondLst>
                             <p:childTnLst>
                               <p:par>
-                                <p:cTn id="80" presetID="10" presetClass="entr" presetSubtype="0" fill="hold" grpId="0" nodeType="clickEffect">
+                                <p:cTn id="20" presetID="10" presetClass="entr" presetSubtype="0" fill="hold" nodeType="clickEffect">
                                   <p:stCondLst>
                                     <p:cond delay="0"/>
                                   </p:stCondLst>
                                   <p:childTnLst>
                                     <p:set>
                                       <p:cBhvr>
-                                        <p:cTn id="81" dur="1" fill="hold">
+                                        <p:cTn id="21" dur="1" fill="hold">
                                           <p:stCondLst>
                                             <p:cond delay="0"/>
                                           </p:stCondLst>
                                         </p:cTn>
                                         <p:tgtEl>
-                                          <p:spTgt spid="36"/>
+                                          <p:spTgt spid="3">
+                                            <p:txEl>
+                                              <p:pRg st="3" end="3"/>
+                                            </p:txEl>
+                                          </p:spTgt>
                                         </p:tgtEl>
                                         <p:attrNameLst>
                                           <p:attrName>style.visibility</p:attrName>
@@ -7741,30 +4789,56 @@
                                     </p:set>
                                     <p:animEffect transition="in" filter="fade">
                                       <p:cBhvr>
-                                        <p:cTn id="82" dur="500"/>
-                                        <p:tgtEl>
-                                          <p:spTgt spid="36"/>
+                                        <p:cTn id="22" dur="500"/>
+                                        <p:tgtEl>
+                                          <p:spTgt spid="3">
+                                            <p:txEl>
+                                              <p:pRg st="3" end="3"/>
+                                            </p:txEl>
+                                          </p:spTgt>
                                         </p:tgtEl>
                                       </p:cBhvr>
                                     </p:animEffect>
                                   </p:childTnLst>
                                 </p:cTn>
                               </p:par>
+                            </p:childTnLst>
+                          </p:cTn>
+                        </p:par>
+                      </p:childTnLst>
+                    </p:cTn>
+                  </p:par>
+                  <p:par>
+                    <p:cTn id="23" fill="hold">
+                      <p:stCondLst>
+                        <p:cond delay="indefinite"/>
+                      </p:stCondLst>
+                      <p:childTnLst>
+                        <p:par>
+                          <p:cTn id="24" fill="hold">
+                            <p:stCondLst>
+                              <p:cond delay="0"/>
+                            </p:stCondLst>
+                            <p:childTnLst>
                               <p:par>
-                                <p:cTn id="83" presetID="10" presetClass="entr" presetSubtype="0" fill="hold" nodeType="withEffect">
+                                <p:cTn id="25" presetID="10" presetClass="entr" presetSubtype="0" fill="hold" nodeType="clickEffect">
                                   <p:stCondLst>
                                     <p:cond delay="0"/>
                                   </p:stCondLst>
                                   <p:childTnLst>
                                     <p:set>
                                       <p:cBhvr>
-                                        <p:cTn id="84" dur="1" fill="hold">
+                                        <p:cTn id="26" dur="1" fill="hold">
                                           <p:stCondLst>
                                             <p:cond delay="0"/>
                                           </p:stCondLst>
                                         </p:cTn>
                                         <p:tgtEl>
-                                          <p:spTgt spid="1034"/>
+                                          <p:spTgt spid="3">
+                                            <p:txEl>
+                                              <p:pRg st="4" end="4"/>
+                                            </p:txEl>
+                                          </p:spTgt>
                                         </p:tgtEl>
                                         <p:attrNameLst>
                                           <p:attrName>style.visibility</p:attrName>
@@ -7776,30 +4850,56 @@
                                     </p:set>
                                     <p:animEffect transition="in" filter="fade">
                                       <p:cBhvr>
-                                        <p:cTn id="85" dur="500"/>
-                                        <p:tgtEl>
-                                          <p:spTgt spid="1034"/>
+                                        <p:cTn id="27" dur="500"/>
+                                        <p:tgtEl>
+                                          <p:spTgt spid="3">
+                                            <p:txEl>
+                                              <p:pRg st="4" end="4"/>
+                                            </p:txEl>
+                                          </p:spTgt>
                                         </p:tgtEl>
                                       </p:cBhvr>
                                     </p:animEffect>
                                   </p:childTnLst>
                                 </p:cTn>
                               </p:par>
+                            </p:childTnLst>
+                          </p:cTn>
+                        </p:par>
+                      </p:childTnLst>
+                    </p:cTn>
+                  </p:par>
+                  <p:par>
+                    <p:cTn id="28" fill="hold">
+                      <p:stCondLst>
+                        <p:cond delay="indefinite"/>
+                      </p:stCondLst>
+                      <p:childTnLst>
+                        <p:par>
+                          <p:cTn id="29" fill="hold">
+                            <p:stCondLst>
+                              <p:cond delay="0"/>
+                            </p:stCondLst>
+                            <p:childTnLst>
                               <p:par>
-                                <p:cTn id="86" presetID="10" presetClass="entr" presetSubtype="0" fill="hold" grpId="0" nodeType="withEffect">
+                                <p:cTn id="30" presetID="10" presetClass="entr" presetSubtype="0" fill="hold" nodeType="clickEffect">
                                   <p:stCondLst>
                                     <p:cond delay="0"/>
                                   </p:stCondLst>
                                   <p:childTnLst>
                                     <p:set>
                                       <p:cBhvr>
-                                        <p:cTn id="87" dur="1" fill="hold">
+                                        <p:cTn id="31" dur="1" fill="hold">
                                           <p:stCondLst>
                                             <p:cond delay="0"/>
                                           </p:stCondLst>
                                         </p:cTn>
                                         <p:tgtEl>
-                                          <p:spTgt spid="37"/>
+                                          <p:spTgt spid="3">
+                                            <p:txEl>
+                                              <p:pRg st="5" end="5"/>
+                                            </p:txEl>
+                                          </p:spTgt>
                                         </p:tgtEl>
                                         <p:attrNameLst>
                                           <p:attrName>style.visibility</p:attrName>
@@ -7811,30 +4911,56 @@
                                     </p:set>
                                     <p:animEffect transition="in" filter="fade">
                                       <p:cBhvr>
-                                        <p:cTn id="88" dur="500"/>
-                                        <p:tgtEl>
-                                          <p:spTgt spid="37"/>
+                                        <p:cTn id="32" dur="500"/>
+                                        <p:tgtEl>
+                                          <p:spTgt spid="3">
+                                            <p:txEl>
+                                              <p:pRg st="5" end="5"/>
+                                            </p:txEl>
+                                          </p:spTgt>
                                         </p:tgtEl>
                                       </p:cBhvr>
                                     </p:animEffect>
                                   </p:childTnLst>
                                 </p:cTn>
                               </p:par>
+                            </p:childTnLst>
+                          </p:cTn>
+                        </p:par>
+                      </p:childTnLst>
+                    </p:cTn>
+                  </p:par>
+                  <p:par>
+                    <p:cTn id="33" fill="hold">
+                      <p:stCondLst>
+                        <p:cond delay="indefinite"/>
+                      </p:stCondLst>
+                      <p:childTnLst>
+                        <p:par>
+                          <p:cTn id="34" fill="hold">
+                            <p:stCondLst>
+                              <p:cond delay="0"/>
+                            </p:stCondLst>
+                            <p:childTnLst>
                               <p:par>
-                                <p:cTn id="89" presetID="10" presetClass="entr" presetSubtype="0" fill="hold" nodeType="withEffect">
+                                <p:cTn id="35" presetID="10" presetClass="entr" presetSubtype="0" fill="hold" nodeType="clickEffect">
                                   <p:stCondLst>
                                     <p:cond delay="0"/>
                                   </p:stCondLst>
                                   <p:childTnLst>
                                     <p:set>
                                       <p:cBhvr>
-                                        <p:cTn id="90" dur="1" fill="hold">
+                                        <p:cTn id="36" dur="1" fill="hold">
                                           <p:stCondLst>
                                             <p:cond delay="0"/>
                                           </p:stCondLst>
                                         </p:cTn>
                                         <p:tgtEl>
-                                          <p:spTgt spid="39"/>
+                                          <p:spTgt spid="3">
+                                            <p:txEl>
+                                              <p:pRg st="6" end="6"/>
+                                            </p:txEl>
+                                          </p:spTgt>
                                         </p:tgtEl>
                                         <p:attrNameLst>
                                           <p:attrName>style.visibility</p:attrName>
@@ -7846,30 +4972,56 @@
                                     </p:set>
                                     <p:animEffect transition="in" filter="fade">
                                       <p:cBhvr>
-                                        <p:cTn id="91" dur="500"/>
-                                        <p:tgtEl>
-                                          <p:spTgt spid="39"/>
+                                        <p:cTn id="37" dur="500"/>
+                                        <p:tgtEl>
+                                          <p:spTgt spid="3">
+                                            <p:txEl>
+                                              <p:pRg st="6" end="6"/>
+                                            </p:txEl>
+                                          </p:spTgt>
                                         </p:tgtEl>
                                       </p:cBhvr>
                                     </p:animEffect>
                                   </p:childTnLst>
                                 </p:cTn>
                               </p:par>
+                            </p:childTnLst>
+                          </p:cTn>
+                        </p:par>
+                      </p:childTnLst>
+                    </p:cTn>
+                  </p:par>
+                  <p:par>
+                    <p:cTn id="38" fill="hold">
+                      <p:stCondLst>
+                        <p:cond delay="indefinite"/>
+                      </p:stCondLst>
+                      <p:childTnLst>
+                        <p:par>
+                          <p:cTn id="39" fill="hold">
+                            <p:stCondLst>
+                              <p:cond delay="0"/>
+                            </p:stCondLst>
+                            <p:childTnLst>
                               <p:par>
-                                <p:cTn id="92" presetID="10" presetClass="entr" presetSubtype="0" fill="hold" nodeType="withEffect">
+                                <p:cTn id="40" presetID="10" presetClass="entr" presetSubtype="0" fill="hold" nodeType="clickEffect">
                                   <p:stCondLst>
                                     <p:cond delay="0"/>
                                   </p:stCondLst>
                                   <p:childTnLst>
                                     <p:set>
                                       <p:cBhvr>
-                                        <p:cTn id="93" dur="1" fill="hold">
+                                        <p:cTn id="41" dur="1" fill="hold">
                                           <p:stCondLst>
                                             <p:cond delay="0"/>
                                           </p:stCondLst>
                                         </p:cTn>
                                         <p:tgtEl>
-                                          <p:spTgt spid="1040"/>
+                                          <p:spTgt spid="3">
+                                            <p:txEl>
+                                              <p:pRg st="7" end="7"/>
+                                            </p:txEl>
+                                          </p:spTgt>
                                         </p:tgtEl>
                                         <p:attrNameLst>
                                           <p:attrName>style.visibility</p:attrName>
@@ -7881,9 +5033,196 @@
                                     </p:set>
                                     <p:animEffect transition="in" filter="fade">
                                       <p:cBhvr>
-                                        <p:cTn id="94" dur="500"/>
-                                        <p:tgtEl>
-                                          <p:spTgt spid="1040"/>
+                                        <p:cTn id="42" dur="500"/>
+                                        <p:tgtEl>
+                                          <p:spTgt spid="3">
+                                            <p:txEl>
+                                              <p:pRg st="7" end="7"/>
+                                            </p:txEl>
+                                          </p:spTgt>
+                                        </p:tgtEl>
+                                      </p:cBhvr>
+                                    </p:animEffect>
+                                  </p:childTnLst>
+                                </p:cTn>
+                              </p:par>
+                            </p:childTnLst>
+                          </p:cTn>
+                        </p:par>
+                      </p:childTnLst>
+                    </p:cTn>
+                  </p:par>
+                  <p:par>
+                    <p:cTn id="43" fill="hold">
+                      <p:stCondLst>
+                        <p:cond delay="indefinite"/>
+                      </p:stCondLst>
+                      <p:childTnLst>
+                        <p:par>
+                          <p:cTn id="44" fill="hold">
+                            <p:stCondLst>
+                              <p:cond delay="0"/>
+                            </p:stCondLst>
+                            <p:childTnLst>
+                              <p:par>
+                                <p:cTn id="45" presetID="10" presetClass="entr" presetSubtype="0" fill="hold" nodeType="clickEffect">
+                                  <p:stCondLst>
+                                    <p:cond delay="0"/>
+                                  </p:stCondLst>
+                                  <p:childTnLst>
+                                    <p:set>
+                                      <p:cBhvr>
+                                        <p:cTn id="46" dur="1" fill="hold">
+                                          <p:stCondLst>
+                                            <p:cond delay="0"/>
+                                          </p:stCondLst>
+                                        </p:cTn>
+                                        <p:tgtEl>
+                                          <p:spTgt spid="3">
+                                            <p:txEl>
+                                              <p:pRg st="8" end="8"/>
+                                            </p:txEl>
+                                          </p:spTgt>
+                                        </p:tgtEl>
+                                        <p:attrNameLst>
+                                          <p:attrName>style.visibility</p:attrName>
+                                        </p:attrNameLst>
+                                      </p:cBhvr>
+                                      <p:to>
+                                        <p:strVal val="visible"/>
+                                      </p:to>
+                                    </p:set>
+                                    <p:animEffect transition="in" filter="fade">
+                                      <p:cBhvr>
+                                        <p:cTn id="47" dur="500"/>
+                                        <p:tgtEl>
+                                          <p:spTgt spid="3">
+                                            <p:txEl>
+                                              <p:pRg st="8" end="8"/>
+                                            </p:txEl>
+                                          </p:spTgt>
+                                        </p:tgtEl>
+                                      </p:cBhvr>
+                                    </p:animEffect>
+                                  </p:childTnLst>
+                                </p:cTn>
+                              </p:par>
+                            </p:childTnLst>
+                          </p:cTn>
+                        </p:par>
+                      </p:childTnLst>
+                    </p:cTn>
+                  </p:par>
+                  <p:par>
+                    <p:cTn id="48" fill="hold">
+                      <p:stCondLst>
+                        <p:cond delay="indefinite"/>
+                      </p:stCondLst>
+                      <p:childTnLst>
+                        <p:par>
+                          <p:cTn id="49" fill="hold">
+                            <p:stCondLst>
+                              <p:cond delay="0"/>
+                            </p:stCondLst>
+                            <p:childTnLst>
+                              <p:par>
+                                <p:cTn id="50" presetID="10" presetClass="entr" presetSubtype="0" fill="hold" nodeType="clickEffect">
+                                  <p:stCondLst>
+                                    <p:cond delay="0"/>
+                                  </p:stCondLst>
+                                  <p:childTnLst>
+                                    <p:set>
+                                      <p:cBhvr>
+                                        <p:cTn id="51" dur="1" fill="hold">
+                                          <p:stCondLst>
+                                            <p:cond delay="0"/>
+                                          </p:stCondLst>
+                                        </p:cTn>
+                                        <p:tgtEl>
+                                          <p:spTgt spid="3">
+                                            <p:txEl>
+                                              <p:pRg st="9" end="9"/>
+                                            </p:txEl>
+                                          </p:spTgt>
+                                        </p:tgtEl>
+                                        <p:attrNameLst>
+                                          <p:attrName>style.visibility</p:attrName>
+                                        </p:attrNameLst>
+                                      </p:cBhvr>
+                                      <p:to>
+                                        <p:strVal val="visible"/>
+                                      </p:to>
+                                    </p:set>
+                                    <p:animEffect transition="in" filter="fade">
+                                      <p:cBhvr>
+                                        <p:cTn id="52" dur="500"/>
+                                        <p:tgtEl>
+                                          <p:spTgt spid="3">
+                                            <p:txEl>
+                                              <p:pRg st="9" end="9"/>
+                                            </p:txEl>
+                                          </p:spTgt>
+                                        </p:tgtEl>
+                                      </p:cBhvr>
+                                    </p:animEffect>
+                                  </p:childTnLst>
+                                </p:cTn>
+                              </p:par>
+                            </p:childTnLst>
+                          </p:cTn>
+                        </p:par>
+                      </p:childTnLst>
+                    </p:cTn>
+                  </p:par>
+                  <p:par>
+                    <p:cTn id="53" fill="hold">
+                      <p:stCondLst>
+                        <p:cond delay="indefinite"/>
+                      </p:stCondLst>
+                      <p:childTnLst>
+                        <p:par>
+                          <p:cTn id="54" fill="hold">
+                            <p:stCondLst>
+                              <p:cond delay="0"/>
+                            </p:stCondLst>
+                            <p:childTnLst>
+                              <p:par>
+                                <p:cTn id="55" presetID="10" presetClass="entr" presetSubtype="0" fill="hold" nodeType="clickEffect">
+                                  <p:stCondLst>
+                                    <p:cond delay="0"/>
+                                  </p:stCondLst>
+                                  <p:childTnLst>
+                                    <p:set>
+                                      <p:cBhvr>
+                                        <p:cTn id="56" dur="1" fill="hold">
+                                          <p:stCondLst>
+                                            <p:cond delay="0"/>
+                                          </p:stCondLst>
+                                        </p:cTn>
+                                        <p:tgtEl>
+                                          <p:spTgt spid="3">
+                                            <p:txEl>
+                                              <p:pRg st="10" end="10"/>
+                                            </p:txEl>
+                                          </p:spTgt>
+                                        </p:tgtEl>
+                                        <p:attrNameLst>
+                                          <p:attrName>style.visibility</p:attrName>
+                                        </p:attrNameLst>
+                                      </p:cBhvr>
+                                      <p:to>
+                                        <p:strVal val="visible"/>
+                                      </p:to>
+                                    </p:set>
+                                    <p:animEffect transition="in" filter="fade">
+                                      <p:cBhvr>
+                                        <p:cTn id="57" dur="500"/>
+                                        <p:tgtEl>
+                                          <p:spTgt spid="3">
+                                            <p:txEl>
+                                              <p:pRg st="10" end="10"/>
+                                            </p:txEl>
+                                          </p:spTgt>
                                         </p:tgtEl>
                                       </p:cBhvr>
                                     </p:animEffect>
@@ -7917,20 +5256,6 @@
         </p:cTn>
       </p:par>
     </p:tnLst>
-    <p:bldLst>
-      <p:bldP spid="9" grpId="0"/>
-      <p:bldP spid="11" grpId="0"/>
-      <p:bldP spid="15" grpId="0"/>
-      <p:bldP spid="17" grpId="0"/>
-      <p:bldP spid="18" grpId="0"/>
-      <p:bldP spid="22" grpId="0"/>
-      <p:bldP spid="28" grpId="0"/>
-      <p:bldP spid="31" grpId="0"/>
-      <p:bldP spid="33" grpId="0"/>
-      <p:bldP spid="34" grpId="0" animBg="1"/>
-      <p:bldP spid="36" grpId="0"/>
-      <p:bldP spid="37" grpId="0"/>
-    </p:bldLst>
   </p:timing>
 </p:sld>
 </file>
@@ -7988,31 +5313,134 @@
           <a:lstStyle/>
           <a:p>
             <a:r>
-              <a:rPr lang="tr-TR" b="1" dirty="0">
+              <a:rPr lang="en-US" b="1" dirty="0">
                 <a:solidFill>
                   <a:srgbClr val="292D33"/>
                 </a:solidFill>
                 <a:latin typeface="Euclid Circular B" panose="020B0504000000000000" pitchFamily="34" charset="0"/>
                 <a:ea typeface="Euclid Circular B" panose="020B0504000000000000" pitchFamily="34" charset="0"/>
               </a:rPr>
-              <a:t>ABP Studio Main Solution Components</a:t>
-            </a:r>
-            <a:endParaRPr lang="en-US" b="1" dirty="0">
-              <a:solidFill>
-                <a:srgbClr val="292D33"/>
-              </a:solidFill>
-              <a:latin typeface="Euclid Circular B" panose="020B0504000000000000" pitchFamily="34" charset="0"/>
-              <a:ea typeface="Euclid Circular B" panose="020B0504000000000000" pitchFamily="34" charset="0"/>
-            </a:endParaRPr>
+              <a:t>Working with Kubernetes</a:t>
+            </a:r>
+          </a:p>
+        </p:txBody>
+      </p:sp>
+      <p:sp>
+        <p:nvSpPr>
+          <p:cNvPr id="3" name="Content Placeholder 2">
+            <a:extLst>
+              <a:ext uri="{FF2B5EF4-FFF2-40B4-BE49-F238E27FC236}">
+                <a16:creationId xmlns:a16="http://schemas.microsoft.com/office/drawing/2014/main" id="{891C7693-D3DF-4635-96F4-97F3B4136FDF}"/>
+              </a:ext>
+            </a:extLst>
+          </p:cNvPr>
+          <p:cNvSpPr>
+            <a:spLocks noGrp="1"/>
+          </p:cNvSpPr>
+          <p:nvPr>
+            <p:ph idx="1"/>
+          </p:nvPr>
+        </p:nvSpPr>
+        <p:spPr>
+          <a:xfrm>
+            <a:off x="838199" y="1825625"/>
+            <a:ext cx="6844645" cy="4351338"/>
+          </a:xfrm>
+        </p:spPr>
+        <p:txBody>
+          <a:bodyPr>
+            <a:normAutofit lnSpcReduction="10000"/>
+          </a:bodyPr>
+          <a:lstStyle/>
+          <a:p>
+            <a:r>
+              <a:rPr lang="en-US" dirty="0">
+                <a:latin typeface="Euclid Circular B" panose="020B0504000000000000" pitchFamily="34" charset="0"/>
+                <a:ea typeface="Euclid Circular B" panose="020B0504000000000000" pitchFamily="34" charset="0"/>
+              </a:rPr>
+              <a:t>View &amp; manage Helm charts</a:t>
+            </a:r>
+          </a:p>
+          <a:p>
+            <a:r>
+              <a:rPr lang="en-US" dirty="0">
+                <a:latin typeface="Euclid Circular B" panose="020B0504000000000000" pitchFamily="34" charset="0"/>
+                <a:ea typeface="Euclid Circular B" panose="020B0504000000000000" pitchFamily="34" charset="0"/>
+              </a:rPr>
+              <a:t>Building docker images</a:t>
+            </a:r>
+          </a:p>
+          <a:p>
+            <a:r>
+              <a:rPr lang="en-US" dirty="0">
+                <a:latin typeface="Euclid Circular B" panose="020B0504000000000000" pitchFamily="34" charset="0"/>
+                <a:ea typeface="Euclid Circular B" panose="020B0504000000000000" pitchFamily="34" charset="0"/>
+              </a:rPr>
+              <a:t>Installing Helm charts</a:t>
+            </a:r>
+          </a:p>
+          <a:p>
+            <a:r>
+              <a:rPr lang="en-US" dirty="0">
+                <a:latin typeface="Euclid Circular B" panose="020B0504000000000000" pitchFamily="34" charset="0"/>
+                <a:ea typeface="Euclid Circular B" panose="020B0504000000000000" pitchFamily="34" charset="0"/>
+              </a:rPr>
+              <a:t>Connecting to a Kubernetes cluster</a:t>
+            </a:r>
+          </a:p>
+          <a:p>
+            <a:r>
+              <a:rPr lang="en-US" dirty="0">
+                <a:latin typeface="Euclid Circular B" panose="020B0504000000000000" pitchFamily="34" charset="0"/>
+                <a:ea typeface="Euclid Circular B" panose="020B0504000000000000" pitchFamily="34" charset="0"/>
+              </a:rPr>
+              <a:t>Accessing to internal services</a:t>
+            </a:r>
+          </a:p>
+          <a:p>
+            <a:r>
+              <a:rPr lang="en-US" dirty="0">
+                <a:latin typeface="Euclid Circular B" panose="020B0504000000000000" pitchFamily="34" charset="0"/>
+                <a:ea typeface="Euclid Circular B" panose="020B0504000000000000" pitchFamily="34" charset="0"/>
+              </a:rPr>
+              <a:t>Browsing the applications</a:t>
+            </a:r>
+          </a:p>
+          <a:p>
+            <a:r>
+              <a:rPr lang="en-US" dirty="0">
+                <a:latin typeface="Euclid Circular B" panose="020B0504000000000000" pitchFamily="34" charset="0"/>
+                <a:ea typeface="Euclid Circular B" panose="020B0504000000000000" pitchFamily="34" charset="0"/>
+              </a:rPr>
+              <a:t>Collecting data from a Kubernetes cluster</a:t>
+            </a:r>
+          </a:p>
+          <a:p>
+            <a:r>
+              <a:rPr lang="en-US" dirty="0">
+                <a:latin typeface="Euclid Circular B" panose="020B0504000000000000" pitchFamily="34" charset="0"/>
+                <a:ea typeface="Euclid Circular B" panose="020B0504000000000000" pitchFamily="34" charset="0"/>
+              </a:rPr>
+              <a:t>Intercepting services</a:t>
+            </a:r>
+          </a:p>
+          <a:p>
+            <a:r>
+              <a:rPr lang="en-US" dirty="0">
+                <a:latin typeface="Euclid Circular B" panose="020B0504000000000000" pitchFamily="34" charset="0"/>
+                <a:ea typeface="Euclid Circular B" panose="020B0504000000000000" pitchFamily="34" charset="0"/>
+              </a:rPr>
+              <a:t>Re-deploying services</a:t>
+            </a:r>
           </a:p>
         </p:txBody>
       </p:sp>
       <p:pic>
         <p:nvPicPr>
-          <p:cNvPr id="7" name="Picture 6">
+          <p:cNvPr id="5" name="Picture 4" descr="A qr code with a few black squares&#10;&#10;Description automatically generated">
             <a:extLst>
               <a:ext uri="{FF2B5EF4-FFF2-40B4-BE49-F238E27FC236}">
-                <a16:creationId xmlns:a16="http://schemas.microsoft.com/office/drawing/2014/main" id="{8B2F2103-0ECE-0682-3ACA-A00CC3AB6D9C}"/>
+                <a16:creationId xmlns:a16="http://schemas.microsoft.com/office/drawing/2014/main" id="{95A04BC2-077E-B162-88C4-4F188CC2B849}"/>
               </a:ext>
             </a:extLst>
           </p:cNvPr>
@@ -8022,31 +5450,702 @@
           <p:nvPr/>
         </p:nvPicPr>
         <p:blipFill>
-          <a:blip r:embed="rId3"/>
+          <a:blip r:embed="rId3">
+            <a:extLst>
+              <a:ext uri="{28A0092B-C50C-407E-A947-70E740481C1C}">
+                <a14:useLocalDpi xmlns:a14="http://schemas.microsoft.com/office/drawing/2010/main" val="0"/>
+              </a:ext>
+            </a:extLst>
+          </a:blip>
           <a:stretch>
             <a:fillRect/>
           </a:stretch>
         </p:blipFill>
         <p:spPr>
           <a:xfrm>
-            <a:off x="2833701" y="2084030"/>
-            <a:ext cx="6762750" cy="3400425"/>
+            <a:off x="7637071" y="1982154"/>
+            <a:ext cx="4248356" cy="4248356"/>
           </a:xfrm>
           <a:prstGeom prst="rect">
             <a:avLst/>
           </a:prstGeom>
         </p:spPr>
       </p:pic>
+      <p:sp>
+        <p:nvSpPr>
+          <p:cNvPr id="6" name="TextBox 5">
+            <a:extLst>
+              <a:ext uri="{FF2B5EF4-FFF2-40B4-BE49-F238E27FC236}">
+                <a16:creationId xmlns:a16="http://schemas.microsoft.com/office/drawing/2014/main" id="{77F6EAFE-82B7-C018-9D1F-74423B7D2741}"/>
+              </a:ext>
+            </a:extLst>
+          </p:cNvPr>
+          <p:cNvSpPr txBox="1"/>
+          <p:nvPr/>
+        </p:nvSpPr>
+        <p:spPr>
+          <a:xfrm>
+            <a:off x="8291107" y="1384943"/>
+            <a:ext cx="3628898" cy="584775"/>
+          </a:xfrm>
+          <a:prstGeom prst="rect">
+            <a:avLst/>
+          </a:prstGeom>
+          <a:noFill/>
+        </p:spPr>
+        <p:txBody>
+          <a:bodyPr wrap="square" rtlCol="0">
+            <a:spAutoFit/>
+          </a:bodyPr>
+          <a:lstStyle/>
+          <a:p>
+            <a:pPr algn="l"/>
+            <a:r>
+              <a:rPr lang="en-US" sz="1600" b="1" i="0" dirty="0">
+                <a:effectLst/>
+                <a:latin typeface="Roboto" panose="02000000000000000000" pitchFamily="2" charset="0"/>
+              </a:rPr>
+              <a:t>Kubernetes Integrated Microservice Development with ABP Studio</a:t>
+            </a:r>
+          </a:p>
+        </p:txBody>
+      </p:sp>
+      <p:pic>
+        <p:nvPicPr>
+          <p:cNvPr id="1026" name="Picture 2" descr="Youtube - Free social media icons">
+            <a:extLst>
+              <a:ext uri="{FF2B5EF4-FFF2-40B4-BE49-F238E27FC236}">
+                <a16:creationId xmlns:a16="http://schemas.microsoft.com/office/drawing/2014/main" id="{65FDA818-4B11-9BD4-12D8-2660BC609362}"/>
+              </a:ext>
+            </a:extLst>
+          </p:cNvPr>
+          <p:cNvPicPr>
+            <a:picLocks noChangeAspect="1" noChangeArrowheads="1"/>
+          </p:cNvPicPr>
+          <p:nvPr/>
+        </p:nvPicPr>
+        <p:blipFill>
+          <a:blip r:embed="rId4">
+            <a:extLst>
+              <a:ext uri="{28A0092B-C50C-407E-A947-70E740481C1C}">
+                <a14:useLocalDpi xmlns:a14="http://schemas.microsoft.com/office/drawing/2010/main" val="0"/>
+              </a:ext>
+            </a:extLst>
+          </a:blip>
+          <a:srcRect/>
+          <a:stretch>
+            <a:fillRect/>
+          </a:stretch>
+        </p:blipFill>
+        <p:spPr bwMode="auto">
+          <a:xfrm>
+            <a:off x="7637071" y="1356821"/>
+            <a:ext cx="654036" cy="654036"/>
+          </a:xfrm>
+          <a:prstGeom prst="rect">
+            <a:avLst/>
+          </a:prstGeom>
+          <a:noFill/>
+          <a:extLst>
+            <a:ext uri="{909E8E84-426E-40DD-AFC4-6F175D3DCCD1}">
+              <a14:hiddenFill xmlns:a14="http://schemas.microsoft.com/office/drawing/2010/main">
+                <a:solidFill>
+                  <a:srgbClr val="FFFFFF"/>
+                </a:solidFill>
+              </a14:hiddenFill>
+            </a:ext>
+          </a:extLst>
+        </p:spPr>
+      </p:pic>
     </p:spTree>
     <p:extLst>
       <p:ext uri="{BB962C8B-B14F-4D97-AF65-F5344CB8AC3E}">
-        <p14:creationId xmlns:p14="http://schemas.microsoft.com/office/powerpoint/2010/main" val="1080255052"/>
+        <p14:creationId xmlns:p14="http://schemas.microsoft.com/office/powerpoint/2010/main" val="539700031"/>
       </p:ext>
     </p:extLst>
   </p:cSld>
   <p:clrMapOvr>
     <a:masterClrMapping/>
   </p:clrMapOvr>
+  <p:timing>
+    <p:tnLst>
+      <p:par>
+        <p:cTn id="1" dur="indefinite" restart="never" nodeType="tmRoot">
+          <p:childTnLst>
+            <p:seq concurrent="1" nextAc="seek">
+              <p:cTn id="2" dur="indefinite" nodeType="mainSeq">
+                <p:childTnLst>
+                  <p:par>
+                    <p:cTn id="3" fill="hold">
+                      <p:stCondLst>
+                        <p:cond delay="indefinite"/>
+                      </p:stCondLst>
+                      <p:childTnLst>
+                        <p:par>
+                          <p:cTn id="4" fill="hold">
+                            <p:stCondLst>
+                              <p:cond delay="0"/>
+                            </p:stCondLst>
+                            <p:childTnLst>
+                              <p:par>
+                                <p:cTn id="5" presetID="10" presetClass="entr" presetSubtype="0" fill="hold" nodeType="clickEffect">
+                                  <p:stCondLst>
+                                    <p:cond delay="0"/>
+                                  </p:stCondLst>
+                                  <p:childTnLst>
+                                    <p:set>
+                                      <p:cBhvr>
+                                        <p:cTn id="6" dur="1" fill="hold">
+                                          <p:stCondLst>
+                                            <p:cond delay="0"/>
+                                          </p:stCondLst>
+                                        </p:cTn>
+                                        <p:tgtEl>
+                                          <p:spTgt spid="3">
+                                            <p:txEl>
+                                              <p:pRg st="0" end="0"/>
+                                            </p:txEl>
+                                          </p:spTgt>
+                                        </p:tgtEl>
+                                        <p:attrNameLst>
+                                          <p:attrName>style.visibility</p:attrName>
+                                        </p:attrNameLst>
+                                      </p:cBhvr>
+                                      <p:to>
+                                        <p:strVal val="visible"/>
+                                      </p:to>
+                                    </p:set>
+                                    <p:animEffect transition="in" filter="fade">
+                                      <p:cBhvr>
+                                        <p:cTn id="7" dur="500"/>
+                                        <p:tgtEl>
+                                          <p:spTgt spid="3">
+                                            <p:txEl>
+                                              <p:pRg st="0" end="0"/>
+                                            </p:txEl>
+                                          </p:spTgt>
+                                        </p:tgtEl>
+                                      </p:cBhvr>
+                                    </p:animEffect>
+                                  </p:childTnLst>
+                                </p:cTn>
+                              </p:par>
+                            </p:childTnLst>
+                          </p:cTn>
+                        </p:par>
+                      </p:childTnLst>
+                    </p:cTn>
+                  </p:par>
+                  <p:par>
+                    <p:cTn id="8" fill="hold">
+                      <p:stCondLst>
+                        <p:cond delay="indefinite"/>
+                      </p:stCondLst>
+                      <p:childTnLst>
+                        <p:par>
+                          <p:cTn id="9" fill="hold">
+                            <p:stCondLst>
+                              <p:cond delay="0"/>
+                            </p:stCondLst>
+                            <p:childTnLst>
+                              <p:par>
+                                <p:cTn id="10" presetID="10" presetClass="entr" presetSubtype="0" fill="hold" nodeType="clickEffect">
+                                  <p:stCondLst>
+                                    <p:cond delay="0"/>
+                                  </p:stCondLst>
+                                  <p:childTnLst>
+                                    <p:set>
+                                      <p:cBhvr>
+                                        <p:cTn id="11" dur="1" fill="hold">
+                                          <p:stCondLst>
+                                            <p:cond delay="0"/>
+                                          </p:stCondLst>
+                                        </p:cTn>
+                                        <p:tgtEl>
+                                          <p:spTgt spid="3">
+                                            <p:txEl>
+                                              <p:pRg st="1" end="1"/>
+                                            </p:txEl>
+                                          </p:spTgt>
+                                        </p:tgtEl>
+                                        <p:attrNameLst>
+                                          <p:attrName>style.visibility</p:attrName>
+                                        </p:attrNameLst>
+                                      </p:cBhvr>
+                                      <p:to>
+                                        <p:strVal val="visible"/>
+                                      </p:to>
+                                    </p:set>
+                                    <p:animEffect transition="in" filter="fade">
+                                      <p:cBhvr>
+                                        <p:cTn id="12" dur="500"/>
+                                        <p:tgtEl>
+                                          <p:spTgt spid="3">
+                                            <p:txEl>
+                                              <p:pRg st="1" end="1"/>
+                                            </p:txEl>
+                                          </p:spTgt>
+                                        </p:tgtEl>
+                                      </p:cBhvr>
+                                    </p:animEffect>
+                                  </p:childTnLst>
+                                </p:cTn>
+                              </p:par>
+                            </p:childTnLst>
+                          </p:cTn>
+                        </p:par>
+                      </p:childTnLst>
+                    </p:cTn>
+                  </p:par>
+                  <p:par>
+                    <p:cTn id="13" fill="hold">
+                      <p:stCondLst>
+                        <p:cond delay="indefinite"/>
+                      </p:stCondLst>
+                      <p:childTnLst>
+                        <p:par>
+                          <p:cTn id="14" fill="hold">
+                            <p:stCondLst>
+                              <p:cond delay="0"/>
+                            </p:stCondLst>
+                            <p:childTnLst>
+                              <p:par>
+                                <p:cTn id="15" presetID="10" presetClass="entr" presetSubtype="0" fill="hold" nodeType="clickEffect">
+                                  <p:stCondLst>
+                                    <p:cond delay="0"/>
+                                  </p:stCondLst>
+                                  <p:childTnLst>
+                                    <p:set>
+                                      <p:cBhvr>
+                                        <p:cTn id="16" dur="1" fill="hold">
+                                          <p:stCondLst>
+                                            <p:cond delay="0"/>
+                                          </p:stCondLst>
+                                        </p:cTn>
+                                        <p:tgtEl>
+                                          <p:spTgt spid="3">
+                                            <p:txEl>
+                                              <p:pRg st="2" end="2"/>
+                                            </p:txEl>
+                                          </p:spTgt>
+                                        </p:tgtEl>
+                                        <p:attrNameLst>
+                                          <p:attrName>style.visibility</p:attrName>
+                                        </p:attrNameLst>
+                                      </p:cBhvr>
+                                      <p:to>
+                                        <p:strVal val="visible"/>
+                                      </p:to>
+                                    </p:set>
+                                    <p:animEffect transition="in" filter="fade">
+                                      <p:cBhvr>
+                                        <p:cTn id="17" dur="500"/>
+                                        <p:tgtEl>
+                                          <p:spTgt spid="3">
+                                            <p:txEl>
+                                              <p:pRg st="2" end="2"/>
+                                            </p:txEl>
+                                          </p:spTgt>
+                                        </p:tgtEl>
+                                      </p:cBhvr>
+                                    </p:animEffect>
+                                  </p:childTnLst>
+                                </p:cTn>
+                              </p:par>
+                            </p:childTnLst>
+                          </p:cTn>
+                        </p:par>
+                      </p:childTnLst>
+                    </p:cTn>
+                  </p:par>
+                  <p:par>
+                    <p:cTn id="18" fill="hold">
+                      <p:stCondLst>
+                        <p:cond delay="indefinite"/>
+                      </p:stCondLst>
+                      <p:childTnLst>
+                        <p:par>
+                          <p:cTn id="19" fill="hold">
+                            <p:stCondLst>
+                              <p:cond delay="0"/>
+                            </p:stCondLst>
+                            <p:childTnLst>
+                              <p:par>
+                                <p:cTn id="20" presetID="10" presetClass="entr" presetSubtype="0" fill="hold" nodeType="clickEffect">
+                                  <p:stCondLst>
+                                    <p:cond delay="0"/>
+                                  </p:stCondLst>
+                                  <p:childTnLst>
+                                    <p:set>
+                                      <p:cBhvr>
+                                        <p:cTn id="21" dur="1" fill="hold">
+                                          <p:stCondLst>
+                                            <p:cond delay="0"/>
+                                          </p:stCondLst>
+                                        </p:cTn>
+                                        <p:tgtEl>
+                                          <p:spTgt spid="3">
+                                            <p:txEl>
+                                              <p:pRg st="3" end="3"/>
+                                            </p:txEl>
+                                          </p:spTgt>
+                                        </p:tgtEl>
+                                        <p:attrNameLst>
+                                          <p:attrName>style.visibility</p:attrName>
+                                        </p:attrNameLst>
+                                      </p:cBhvr>
+                                      <p:to>
+                                        <p:strVal val="visible"/>
+                                      </p:to>
+                                    </p:set>
+                                    <p:animEffect transition="in" filter="fade">
+                                      <p:cBhvr>
+                                        <p:cTn id="22" dur="500"/>
+                                        <p:tgtEl>
+                                          <p:spTgt spid="3">
+                                            <p:txEl>
+                                              <p:pRg st="3" end="3"/>
+                                            </p:txEl>
+                                          </p:spTgt>
+                                        </p:tgtEl>
+                                      </p:cBhvr>
+                                    </p:animEffect>
+                                  </p:childTnLst>
+                                </p:cTn>
+                              </p:par>
+                            </p:childTnLst>
+                          </p:cTn>
+                        </p:par>
+                      </p:childTnLst>
+                    </p:cTn>
+                  </p:par>
+                  <p:par>
+                    <p:cTn id="23" fill="hold">
+                      <p:stCondLst>
+                        <p:cond delay="indefinite"/>
+                      </p:stCondLst>
+                      <p:childTnLst>
+                        <p:par>
+                          <p:cTn id="24" fill="hold">
+                            <p:stCondLst>
+                              <p:cond delay="0"/>
+                            </p:stCondLst>
+                            <p:childTnLst>
+                              <p:par>
+                                <p:cTn id="25" presetID="10" presetClass="entr" presetSubtype="0" fill="hold" nodeType="clickEffect">
+                                  <p:stCondLst>
+                                    <p:cond delay="0"/>
+                                  </p:stCondLst>
+                                  <p:childTnLst>
+                                    <p:set>
+                                      <p:cBhvr>
+                                        <p:cTn id="26" dur="1" fill="hold">
+                                          <p:stCondLst>
+                                            <p:cond delay="0"/>
+                                          </p:stCondLst>
+                                        </p:cTn>
+                                        <p:tgtEl>
+                                          <p:spTgt spid="3">
+                                            <p:txEl>
+                                              <p:pRg st="4" end="4"/>
+                                            </p:txEl>
+                                          </p:spTgt>
+                                        </p:tgtEl>
+                                        <p:attrNameLst>
+                                          <p:attrName>style.visibility</p:attrName>
+                                        </p:attrNameLst>
+                                      </p:cBhvr>
+                                      <p:to>
+                                        <p:strVal val="visible"/>
+                                      </p:to>
+                                    </p:set>
+                                    <p:animEffect transition="in" filter="fade">
+                                      <p:cBhvr>
+                                        <p:cTn id="27" dur="500"/>
+                                        <p:tgtEl>
+                                          <p:spTgt spid="3">
+                                            <p:txEl>
+                                              <p:pRg st="4" end="4"/>
+                                            </p:txEl>
+                                          </p:spTgt>
+                                        </p:tgtEl>
+                                      </p:cBhvr>
+                                    </p:animEffect>
+                                  </p:childTnLst>
+                                </p:cTn>
+                              </p:par>
+                            </p:childTnLst>
+                          </p:cTn>
+                        </p:par>
+                      </p:childTnLst>
+                    </p:cTn>
+                  </p:par>
+                  <p:par>
+                    <p:cTn id="28" fill="hold">
+                      <p:stCondLst>
+                        <p:cond delay="indefinite"/>
+                      </p:stCondLst>
+                      <p:childTnLst>
+                        <p:par>
+                          <p:cTn id="29" fill="hold">
+                            <p:stCondLst>
+                              <p:cond delay="0"/>
+                            </p:stCondLst>
+                            <p:childTnLst>
+                              <p:par>
+                                <p:cTn id="30" presetID="10" presetClass="entr" presetSubtype="0" fill="hold" nodeType="clickEffect">
+                                  <p:stCondLst>
+                                    <p:cond delay="0"/>
+                                  </p:stCondLst>
+                                  <p:childTnLst>
+                                    <p:set>
+                                      <p:cBhvr>
+                                        <p:cTn id="31" dur="1" fill="hold">
+                                          <p:stCondLst>
+                                            <p:cond delay="0"/>
+                                          </p:stCondLst>
+                                        </p:cTn>
+                                        <p:tgtEl>
+                                          <p:spTgt spid="3">
+                                            <p:txEl>
+                                              <p:pRg st="5" end="5"/>
+                                            </p:txEl>
+                                          </p:spTgt>
+                                        </p:tgtEl>
+                                        <p:attrNameLst>
+                                          <p:attrName>style.visibility</p:attrName>
+                                        </p:attrNameLst>
+                                      </p:cBhvr>
+                                      <p:to>
+                                        <p:strVal val="visible"/>
+                                      </p:to>
+                                    </p:set>
+                                    <p:animEffect transition="in" filter="fade">
+                                      <p:cBhvr>
+                                        <p:cTn id="32" dur="500"/>
+                                        <p:tgtEl>
+                                          <p:spTgt spid="3">
+                                            <p:txEl>
+                                              <p:pRg st="5" end="5"/>
+                                            </p:txEl>
+                                          </p:spTgt>
+                                        </p:tgtEl>
+                                      </p:cBhvr>
+                                    </p:animEffect>
+                                  </p:childTnLst>
+                                </p:cTn>
+                              </p:par>
+                            </p:childTnLst>
+                          </p:cTn>
+                        </p:par>
+                      </p:childTnLst>
+                    </p:cTn>
+                  </p:par>
+                  <p:par>
+                    <p:cTn id="33" fill="hold">
+                      <p:stCondLst>
+                        <p:cond delay="indefinite"/>
+                      </p:stCondLst>
+                      <p:childTnLst>
+                        <p:par>
+                          <p:cTn id="34" fill="hold">
+                            <p:stCondLst>
+                              <p:cond delay="0"/>
+                            </p:stCondLst>
+                            <p:childTnLst>
+                              <p:par>
+                                <p:cTn id="35" presetID="10" presetClass="entr" presetSubtype="0" fill="hold" nodeType="clickEffect">
+                                  <p:stCondLst>
+                                    <p:cond delay="0"/>
+                                  </p:stCondLst>
+                                  <p:childTnLst>
+                                    <p:set>
+                                      <p:cBhvr>
+                                        <p:cTn id="36" dur="1" fill="hold">
+                                          <p:stCondLst>
+                                            <p:cond delay="0"/>
+                                          </p:stCondLst>
+                                        </p:cTn>
+                                        <p:tgtEl>
+                                          <p:spTgt spid="3">
+                                            <p:txEl>
+                                              <p:pRg st="6" end="6"/>
+                                            </p:txEl>
+                                          </p:spTgt>
+                                        </p:tgtEl>
+                                        <p:attrNameLst>
+                                          <p:attrName>style.visibility</p:attrName>
+                                        </p:attrNameLst>
+                                      </p:cBhvr>
+                                      <p:to>
+                                        <p:strVal val="visible"/>
+                                      </p:to>
+                                    </p:set>
+                                    <p:animEffect transition="in" filter="fade">
+                                      <p:cBhvr>
+                                        <p:cTn id="37" dur="500"/>
+                                        <p:tgtEl>
+                                          <p:spTgt spid="3">
+                                            <p:txEl>
+                                              <p:pRg st="6" end="6"/>
+                                            </p:txEl>
+                                          </p:spTgt>
+                                        </p:tgtEl>
+                                      </p:cBhvr>
+                                    </p:animEffect>
+                                  </p:childTnLst>
+                                </p:cTn>
+                              </p:par>
+                            </p:childTnLst>
+                          </p:cTn>
+                        </p:par>
+                      </p:childTnLst>
+                    </p:cTn>
+                  </p:par>
+                  <p:par>
+                    <p:cTn id="38" fill="hold">
+                      <p:stCondLst>
+                        <p:cond delay="indefinite"/>
+                      </p:stCondLst>
+                      <p:childTnLst>
+                        <p:par>
+                          <p:cTn id="39" fill="hold">
+                            <p:stCondLst>
+                              <p:cond delay="0"/>
+                            </p:stCondLst>
+                            <p:childTnLst>
+                              <p:par>
+                                <p:cTn id="40" presetID="10" presetClass="entr" presetSubtype="0" fill="hold" nodeType="clickEffect">
+                                  <p:stCondLst>
+                                    <p:cond delay="0"/>
+                                  </p:stCondLst>
+                                  <p:childTnLst>
+                                    <p:set>
+                                      <p:cBhvr>
+                                        <p:cTn id="41" dur="1" fill="hold">
+                                          <p:stCondLst>
+                                            <p:cond delay="0"/>
+                                          </p:stCondLst>
+                                        </p:cTn>
+                                        <p:tgtEl>
+                                          <p:spTgt spid="3">
+                                            <p:txEl>
+                                              <p:pRg st="7" end="7"/>
+                                            </p:txEl>
+                                          </p:spTgt>
+                                        </p:tgtEl>
+                                        <p:attrNameLst>
+                                          <p:attrName>style.visibility</p:attrName>
+                                        </p:attrNameLst>
+                                      </p:cBhvr>
+                                      <p:to>
+                                        <p:strVal val="visible"/>
+                                      </p:to>
+                                    </p:set>
+                                    <p:animEffect transition="in" filter="fade">
+                                      <p:cBhvr>
+                                        <p:cTn id="42" dur="500"/>
+                                        <p:tgtEl>
+                                          <p:spTgt spid="3">
+                                            <p:txEl>
+                                              <p:pRg st="7" end="7"/>
+                                            </p:txEl>
+                                          </p:spTgt>
+                                        </p:tgtEl>
+                                      </p:cBhvr>
+                                    </p:animEffect>
+                                  </p:childTnLst>
+                                </p:cTn>
+                              </p:par>
+                            </p:childTnLst>
+                          </p:cTn>
+                        </p:par>
+                      </p:childTnLst>
+                    </p:cTn>
+                  </p:par>
+                  <p:par>
+                    <p:cTn id="43" fill="hold">
+                      <p:stCondLst>
+                        <p:cond delay="indefinite"/>
+                      </p:stCondLst>
+                      <p:childTnLst>
+                        <p:par>
+                          <p:cTn id="44" fill="hold">
+                            <p:stCondLst>
+                              <p:cond delay="0"/>
+                            </p:stCondLst>
+                            <p:childTnLst>
+                              <p:par>
+                                <p:cTn id="45" presetID="10" presetClass="entr" presetSubtype="0" fill="hold" nodeType="clickEffect">
+                                  <p:stCondLst>
+                                    <p:cond delay="0"/>
+                                  </p:stCondLst>
+                                  <p:childTnLst>
+                                    <p:set>
+                                      <p:cBhvr>
+                                        <p:cTn id="46" dur="1" fill="hold">
+                                          <p:stCondLst>
+                                            <p:cond delay="0"/>
+                                          </p:stCondLst>
+                                        </p:cTn>
+                                        <p:tgtEl>
+                                          <p:spTgt spid="3">
+                                            <p:txEl>
+                                              <p:pRg st="8" end="8"/>
+                                            </p:txEl>
+                                          </p:spTgt>
+                                        </p:tgtEl>
+                                        <p:attrNameLst>
+                                          <p:attrName>style.visibility</p:attrName>
+                                        </p:attrNameLst>
+                                      </p:cBhvr>
+                                      <p:to>
+                                        <p:strVal val="visible"/>
+                                      </p:to>
+                                    </p:set>
+                                    <p:animEffect transition="in" filter="fade">
+                                      <p:cBhvr>
+                                        <p:cTn id="47" dur="500"/>
+                                        <p:tgtEl>
+                                          <p:spTgt spid="3">
+                                            <p:txEl>
+                                              <p:pRg st="8" end="8"/>
+                                            </p:txEl>
+                                          </p:spTgt>
+                                        </p:tgtEl>
+                                      </p:cBhvr>
+                                    </p:animEffect>
+                                  </p:childTnLst>
+                                </p:cTn>
+                              </p:par>
+                            </p:childTnLst>
+                          </p:cTn>
+                        </p:par>
+                      </p:childTnLst>
+                    </p:cTn>
+                  </p:par>
+                </p:childTnLst>
+              </p:cTn>
+              <p:prevCondLst>
+                <p:cond evt="onPrev" delay="0">
+                  <p:tgtEl>
+                    <p:sldTgt/>
+                  </p:tgtEl>
+                </p:cond>
+              </p:prevCondLst>
+              <p:nextCondLst>
+                <p:cond evt="onNext" delay="0">
+                  <p:tgtEl>
+                    <p:sldTgt/>
+                  </p:tgtEl>
+                </p:cond>
+              </p:nextCondLst>
+            </p:seq>
+          </p:childTnLst>
+        </p:cTn>
+      </p:par>
+    </p:tnLst>
+  </p:timing>
 </p:sld>
 </file>
 
@@ -13753,165 +11852,1391 @@
           <a:lstStyle/>
           <a:p>
             <a:r>
-              <a:rPr lang="en-US" b="1" dirty="0">
+              <a:rPr lang="tr-TR" b="1" dirty="0">
                 <a:solidFill>
                   <a:srgbClr val="292D33"/>
                 </a:solidFill>
                 <a:latin typeface="Euclid Circular B" panose="020B0504000000000000" pitchFamily="34" charset="0"/>
                 <a:ea typeface="Euclid Circular B" panose="020B0504000000000000" pitchFamily="34" charset="0"/>
               </a:rPr>
-              <a:t>Building Modular Solutions</a:t>
-            </a:r>
+              <a:t>ABP Studio Main Solution Components</a:t>
+            </a:r>
+            <a:endParaRPr lang="en-US" b="1" dirty="0">
+              <a:solidFill>
+                <a:srgbClr val="292D33"/>
+              </a:solidFill>
+              <a:latin typeface="Euclid Circular B" panose="020B0504000000000000" pitchFamily="34" charset="0"/>
+              <a:ea typeface="Euclid Circular B" panose="020B0504000000000000" pitchFamily="34" charset="0"/>
+            </a:endParaRPr>
+          </a:p>
+        </p:txBody>
+      </p:sp>
+      <p:pic>
+        <p:nvPicPr>
+          <p:cNvPr id="1026" name="Picture 2" descr="Visual Studio logo and symbol, meaning, history, PNG">
+            <a:extLst>
+              <a:ext uri="{FF2B5EF4-FFF2-40B4-BE49-F238E27FC236}">
+                <a16:creationId xmlns:a16="http://schemas.microsoft.com/office/drawing/2014/main" id="{D90B3BE0-840F-2332-23D2-746243596830}"/>
+              </a:ext>
+            </a:extLst>
+          </p:cNvPr>
+          <p:cNvPicPr>
+            <a:picLocks noChangeAspect="1" noChangeArrowheads="1"/>
+          </p:cNvPicPr>
+          <p:nvPr/>
+        </p:nvPicPr>
+        <p:blipFill>
+          <a:blip r:embed="rId3">
+            <a:extLst>
+              <a:ext uri="{28A0092B-C50C-407E-A947-70E740481C1C}">
+                <a14:useLocalDpi xmlns:a14="http://schemas.microsoft.com/office/drawing/2010/main" val="0"/>
+              </a:ext>
+            </a:extLst>
+          </a:blip>
+          <a:srcRect/>
+          <a:stretch>
+            <a:fillRect/>
+          </a:stretch>
+        </p:blipFill>
+        <p:spPr bwMode="auto">
+          <a:xfrm>
+            <a:off x="508262" y="1844165"/>
+            <a:ext cx="1022285" cy="575035"/>
+          </a:xfrm>
+          <a:prstGeom prst="rect">
+            <a:avLst/>
+          </a:prstGeom>
+          <a:noFill/>
+          <a:extLst>
+            <a:ext uri="{909E8E84-426E-40DD-AFC4-6F175D3DCCD1}">
+              <a14:hiddenFill xmlns:a14="http://schemas.microsoft.com/office/drawing/2010/main">
+                <a:solidFill>
+                  <a:srgbClr val="FFFFFF"/>
+                </a:solidFill>
+              </a14:hiddenFill>
+            </a:ext>
+          </a:extLst>
+        </p:spPr>
+      </p:pic>
+      <p:sp>
+        <p:nvSpPr>
+          <p:cNvPr id="9" name="TextBox 8">
+            <a:extLst>
+              <a:ext uri="{FF2B5EF4-FFF2-40B4-BE49-F238E27FC236}">
+                <a16:creationId xmlns:a16="http://schemas.microsoft.com/office/drawing/2014/main" id="{1890FEA5-FD60-174D-96E3-9F9820F4BB09}"/>
+              </a:ext>
+            </a:extLst>
+          </p:cNvPr>
+          <p:cNvSpPr txBox="1"/>
+          <p:nvPr/>
+        </p:nvSpPr>
+        <p:spPr>
+          <a:xfrm>
+            <a:off x="1385739" y="1823905"/>
+            <a:ext cx="2686639" cy="615553"/>
+          </a:xfrm>
+          <a:prstGeom prst="rect">
+            <a:avLst/>
+          </a:prstGeom>
+          <a:noFill/>
+        </p:spPr>
+        <p:txBody>
+          <a:bodyPr wrap="square" rtlCol="0">
+            <a:spAutoFit/>
+          </a:bodyPr>
+          <a:lstStyle/>
+          <a:p>
+            <a:r>
+              <a:rPr lang="tr-TR" dirty="0"/>
+              <a:t>EasyCrm.OrderingService</a:t>
+            </a:r>
+            <a:br>
+              <a:rPr lang="tr-TR" dirty="0"/>
+            </a:br>
+            <a:r>
+              <a:rPr lang="tr-TR" sz="1600" b="1" dirty="0">
+                <a:solidFill>
+                  <a:srgbClr val="7030A0"/>
+                </a:solidFill>
+              </a:rPr>
+              <a:t>.NET Solution</a:t>
+            </a:r>
+            <a:endParaRPr lang="en-US" sz="1600" b="1" dirty="0">
+              <a:solidFill>
+                <a:srgbClr val="7030A0"/>
+              </a:solidFill>
+            </a:endParaRPr>
+          </a:p>
+        </p:txBody>
+      </p:sp>
+      <p:pic>
+        <p:nvPicPr>
+          <p:cNvPr id="10" name="Picture 2" descr="Visual Studio logo and symbol, meaning, history, PNG">
+            <a:extLst>
+              <a:ext uri="{FF2B5EF4-FFF2-40B4-BE49-F238E27FC236}">
+                <a16:creationId xmlns:a16="http://schemas.microsoft.com/office/drawing/2014/main" id="{519583ED-C181-1AB6-D158-7488BE3DC7F2}"/>
+              </a:ext>
+            </a:extLst>
+          </p:cNvPr>
+          <p:cNvPicPr>
+            <a:picLocks noChangeAspect="1" noChangeArrowheads="1"/>
+          </p:cNvPicPr>
+          <p:nvPr/>
+        </p:nvPicPr>
+        <p:blipFill>
+          <a:blip r:embed="rId3">
+            <a:extLst>
+              <a:ext uri="{28A0092B-C50C-407E-A947-70E740481C1C}">
+                <a14:useLocalDpi xmlns:a14="http://schemas.microsoft.com/office/drawing/2010/main" val="0"/>
+              </a:ext>
+            </a:extLst>
+          </a:blip>
+          <a:srcRect/>
+          <a:stretch>
+            <a:fillRect/>
+          </a:stretch>
+        </p:blipFill>
+        <p:spPr bwMode="auto">
+          <a:xfrm>
+            <a:off x="508262" y="2662411"/>
+            <a:ext cx="1022285" cy="575035"/>
+          </a:xfrm>
+          <a:prstGeom prst="rect">
+            <a:avLst/>
+          </a:prstGeom>
+          <a:noFill/>
+          <a:extLst>
+            <a:ext uri="{909E8E84-426E-40DD-AFC4-6F175D3DCCD1}">
+              <a14:hiddenFill xmlns:a14="http://schemas.microsoft.com/office/drawing/2010/main">
+                <a:solidFill>
+                  <a:srgbClr val="FFFFFF"/>
+                </a:solidFill>
+              </a14:hiddenFill>
+            </a:ext>
+          </a:extLst>
+        </p:spPr>
+      </p:pic>
+      <p:sp>
+        <p:nvSpPr>
+          <p:cNvPr id="11" name="TextBox 10">
+            <a:extLst>
+              <a:ext uri="{FF2B5EF4-FFF2-40B4-BE49-F238E27FC236}">
+                <a16:creationId xmlns:a16="http://schemas.microsoft.com/office/drawing/2014/main" id="{928A1AD5-12B0-F156-6D1F-EB2663F7BE49}"/>
+              </a:ext>
+            </a:extLst>
+          </p:cNvPr>
+          <p:cNvSpPr txBox="1"/>
+          <p:nvPr/>
+        </p:nvSpPr>
+        <p:spPr>
+          <a:xfrm>
+            <a:off x="1385739" y="2642151"/>
+            <a:ext cx="2686639" cy="615553"/>
+          </a:xfrm>
+          <a:prstGeom prst="rect">
+            <a:avLst/>
+          </a:prstGeom>
+          <a:noFill/>
+        </p:spPr>
+        <p:txBody>
+          <a:bodyPr wrap="square" rtlCol="0">
+            <a:spAutoFit/>
+          </a:bodyPr>
+          <a:lstStyle/>
+          <a:p>
+            <a:r>
+              <a:rPr lang="tr-TR" dirty="0"/>
+              <a:t>EasyCrm.BasketService</a:t>
+            </a:r>
+            <a:br>
+              <a:rPr lang="tr-TR" dirty="0"/>
+            </a:br>
+            <a:r>
+              <a:rPr lang="tr-TR" sz="1600" b="1" dirty="0">
+                <a:solidFill>
+                  <a:srgbClr val="7030A0"/>
+                </a:solidFill>
+              </a:rPr>
+              <a:t>.NET Solution</a:t>
+            </a:r>
+            <a:endParaRPr lang="en-US" sz="1600" b="1" dirty="0">
+              <a:solidFill>
+                <a:srgbClr val="7030A0"/>
+              </a:solidFill>
+            </a:endParaRPr>
+          </a:p>
+        </p:txBody>
+      </p:sp>
+      <p:pic>
+        <p:nvPicPr>
+          <p:cNvPr id="14" name="Picture 2" descr="Visual Studio logo and symbol, meaning, history, PNG">
+            <a:extLst>
+              <a:ext uri="{FF2B5EF4-FFF2-40B4-BE49-F238E27FC236}">
+                <a16:creationId xmlns:a16="http://schemas.microsoft.com/office/drawing/2014/main" id="{FA2E3F83-F143-1D8E-DAE6-1840958086B4}"/>
+              </a:ext>
+            </a:extLst>
+          </p:cNvPr>
+          <p:cNvPicPr>
+            <a:picLocks noChangeAspect="1" noChangeArrowheads="1"/>
+          </p:cNvPicPr>
+          <p:nvPr/>
+        </p:nvPicPr>
+        <p:blipFill>
+          <a:blip r:embed="rId3">
+            <a:extLst>
+              <a:ext uri="{28A0092B-C50C-407E-A947-70E740481C1C}">
+                <a14:useLocalDpi xmlns:a14="http://schemas.microsoft.com/office/drawing/2010/main" val="0"/>
+              </a:ext>
+            </a:extLst>
+          </a:blip>
+          <a:srcRect/>
+          <a:stretch>
+            <a:fillRect/>
+          </a:stretch>
+        </p:blipFill>
+        <p:spPr bwMode="auto">
+          <a:xfrm>
+            <a:off x="508262" y="3491358"/>
+            <a:ext cx="1022285" cy="575035"/>
+          </a:xfrm>
+          <a:prstGeom prst="rect">
+            <a:avLst/>
+          </a:prstGeom>
+          <a:noFill/>
+          <a:extLst>
+            <a:ext uri="{909E8E84-426E-40DD-AFC4-6F175D3DCCD1}">
+              <a14:hiddenFill xmlns:a14="http://schemas.microsoft.com/office/drawing/2010/main">
+                <a:solidFill>
+                  <a:srgbClr val="FFFFFF"/>
+                </a:solidFill>
+              </a14:hiddenFill>
+            </a:ext>
+          </a:extLst>
+        </p:spPr>
+      </p:pic>
+      <p:sp>
+        <p:nvSpPr>
+          <p:cNvPr id="15" name="TextBox 14">
+            <a:extLst>
+              <a:ext uri="{FF2B5EF4-FFF2-40B4-BE49-F238E27FC236}">
+                <a16:creationId xmlns:a16="http://schemas.microsoft.com/office/drawing/2014/main" id="{8AE20EE5-520E-5A94-0426-09F88CA59D16}"/>
+              </a:ext>
+            </a:extLst>
+          </p:cNvPr>
+          <p:cNvSpPr txBox="1"/>
+          <p:nvPr/>
+        </p:nvSpPr>
+        <p:spPr>
+          <a:xfrm>
+            <a:off x="1385739" y="3471098"/>
+            <a:ext cx="2686639" cy="615553"/>
+          </a:xfrm>
+          <a:prstGeom prst="rect">
+            <a:avLst/>
+          </a:prstGeom>
+          <a:noFill/>
+        </p:spPr>
+        <p:txBody>
+          <a:bodyPr wrap="square" rtlCol="0">
+            <a:spAutoFit/>
+          </a:bodyPr>
+          <a:lstStyle/>
+          <a:p>
+            <a:r>
+              <a:rPr lang="tr-TR" dirty="0"/>
+              <a:t>EasyCrm.CatalogService</a:t>
+            </a:r>
+            <a:br>
+              <a:rPr lang="tr-TR" dirty="0"/>
+            </a:br>
+            <a:r>
+              <a:rPr lang="tr-TR" sz="1600" b="1" dirty="0">
+                <a:solidFill>
+                  <a:srgbClr val="7030A0"/>
+                </a:solidFill>
+              </a:rPr>
+              <a:t>.NET Solution</a:t>
+            </a:r>
+            <a:endParaRPr lang="en-US" sz="1600" b="1" dirty="0">
+              <a:solidFill>
+                <a:srgbClr val="7030A0"/>
+              </a:solidFill>
+            </a:endParaRPr>
+          </a:p>
+        </p:txBody>
+      </p:sp>
+      <p:pic>
+        <p:nvPicPr>
+          <p:cNvPr id="16" name="Picture 2" descr="Visual Studio logo and symbol, meaning, history, PNG">
+            <a:extLst>
+              <a:ext uri="{FF2B5EF4-FFF2-40B4-BE49-F238E27FC236}">
+                <a16:creationId xmlns:a16="http://schemas.microsoft.com/office/drawing/2014/main" id="{A5A15884-D5FC-2F7B-0F5C-26249FC84A6E}"/>
+              </a:ext>
+            </a:extLst>
+          </p:cNvPr>
+          <p:cNvPicPr>
+            <a:picLocks noChangeAspect="1" noChangeArrowheads="1"/>
+          </p:cNvPicPr>
+          <p:nvPr/>
+        </p:nvPicPr>
+        <p:blipFill>
+          <a:blip r:embed="rId3">
+            <a:extLst>
+              <a:ext uri="{28A0092B-C50C-407E-A947-70E740481C1C}">
+                <a14:useLocalDpi xmlns:a14="http://schemas.microsoft.com/office/drawing/2010/main" val="0"/>
+              </a:ext>
+            </a:extLst>
+          </a:blip>
+          <a:srcRect/>
+          <a:stretch>
+            <a:fillRect/>
+          </a:stretch>
+        </p:blipFill>
+        <p:spPr bwMode="auto">
+          <a:xfrm>
+            <a:off x="508262" y="4309604"/>
+            <a:ext cx="1022285" cy="575035"/>
+          </a:xfrm>
+          <a:prstGeom prst="rect">
+            <a:avLst/>
+          </a:prstGeom>
+          <a:noFill/>
+          <a:extLst>
+            <a:ext uri="{909E8E84-426E-40DD-AFC4-6F175D3DCCD1}">
+              <a14:hiddenFill xmlns:a14="http://schemas.microsoft.com/office/drawing/2010/main">
+                <a:solidFill>
+                  <a:srgbClr val="FFFFFF"/>
+                </a:solidFill>
+              </a14:hiddenFill>
+            </a:ext>
+          </a:extLst>
+        </p:spPr>
+      </p:pic>
+      <p:sp>
+        <p:nvSpPr>
+          <p:cNvPr id="17" name="TextBox 16">
+            <a:extLst>
+              <a:ext uri="{FF2B5EF4-FFF2-40B4-BE49-F238E27FC236}">
+                <a16:creationId xmlns:a16="http://schemas.microsoft.com/office/drawing/2014/main" id="{AE930640-1050-1E42-7211-F0BE4B0B86A4}"/>
+              </a:ext>
+            </a:extLst>
+          </p:cNvPr>
+          <p:cNvSpPr txBox="1"/>
+          <p:nvPr/>
+        </p:nvSpPr>
+        <p:spPr>
+          <a:xfrm>
+            <a:off x="1385739" y="4289344"/>
+            <a:ext cx="2686639" cy="615553"/>
+          </a:xfrm>
+          <a:prstGeom prst="rect">
+            <a:avLst/>
+          </a:prstGeom>
+          <a:noFill/>
+        </p:spPr>
+        <p:txBody>
+          <a:bodyPr wrap="square" rtlCol="0">
+            <a:spAutoFit/>
+          </a:bodyPr>
+          <a:lstStyle/>
+          <a:p>
+            <a:r>
+              <a:rPr lang="tr-TR" dirty="0"/>
+              <a:t>EasyCrm.CustomerService</a:t>
+            </a:r>
+            <a:br>
+              <a:rPr lang="tr-TR" dirty="0"/>
+            </a:br>
+            <a:r>
+              <a:rPr lang="tr-TR" sz="1600" b="1" dirty="0">
+                <a:solidFill>
+                  <a:srgbClr val="7030A0"/>
+                </a:solidFill>
+              </a:rPr>
+              <a:t>.NET Solution</a:t>
+            </a:r>
+            <a:endParaRPr lang="en-US" sz="1600" b="1" dirty="0">
+              <a:solidFill>
+                <a:srgbClr val="7030A0"/>
+              </a:solidFill>
+            </a:endParaRPr>
+          </a:p>
+        </p:txBody>
+      </p:sp>
+      <p:pic>
+        <p:nvPicPr>
+          <p:cNvPr id="1028" name="Picture 4" descr="Jigsaw Puzzle Vector PNG Images, Jigsaw Puzzle Icon Web Assemble, Shape,  Concept, Swot PNG Image For Free Download">
+            <a:extLst>
+              <a:ext uri="{FF2B5EF4-FFF2-40B4-BE49-F238E27FC236}">
+                <a16:creationId xmlns:a16="http://schemas.microsoft.com/office/drawing/2014/main" id="{84E21541-B48C-FF65-D7B5-3ADAB07C45A1}"/>
+              </a:ext>
+            </a:extLst>
+          </p:cNvPr>
+          <p:cNvPicPr>
+            <a:picLocks noChangeAspect="1" noChangeArrowheads="1"/>
+          </p:cNvPicPr>
+          <p:nvPr/>
+        </p:nvPicPr>
+        <p:blipFill>
+          <a:blip r:embed="rId4">
+            <a:extLst>
+              <a:ext uri="{28A0092B-C50C-407E-A947-70E740481C1C}">
+                <a14:useLocalDpi xmlns:a14="http://schemas.microsoft.com/office/drawing/2010/main" val="0"/>
+              </a:ext>
+            </a:extLst>
+          </a:blip>
+          <a:srcRect/>
+          <a:stretch>
+            <a:fillRect/>
+          </a:stretch>
+        </p:blipFill>
+        <p:spPr bwMode="auto">
+          <a:xfrm>
+            <a:off x="4878293" y="1674545"/>
+            <a:ext cx="898370" cy="898370"/>
+          </a:xfrm>
+          <a:prstGeom prst="rect">
+            <a:avLst/>
+          </a:prstGeom>
+          <a:noFill/>
+          <a:extLst>
+            <a:ext uri="{909E8E84-426E-40DD-AFC4-6F175D3DCCD1}">
+              <a14:hiddenFill xmlns:a14="http://schemas.microsoft.com/office/drawing/2010/main">
+                <a:solidFill>
+                  <a:srgbClr val="FFFFFF"/>
+                </a:solidFill>
+              </a14:hiddenFill>
+            </a:ext>
+          </a:extLst>
+        </p:spPr>
+      </p:pic>
+      <p:sp>
+        <p:nvSpPr>
+          <p:cNvPr id="18" name="TextBox 17">
+            <a:extLst>
+              <a:ext uri="{FF2B5EF4-FFF2-40B4-BE49-F238E27FC236}">
+                <a16:creationId xmlns:a16="http://schemas.microsoft.com/office/drawing/2014/main" id="{F13371DA-084A-B484-0CCD-70884CCE3464}"/>
+              </a:ext>
+            </a:extLst>
+          </p:cNvPr>
+          <p:cNvSpPr txBox="1"/>
+          <p:nvPr/>
+        </p:nvSpPr>
+        <p:spPr>
+          <a:xfrm>
+            <a:off x="5583182" y="1803647"/>
+            <a:ext cx="2686639" cy="615553"/>
+          </a:xfrm>
+          <a:prstGeom prst="rect">
+            <a:avLst/>
+          </a:prstGeom>
+          <a:noFill/>
+        </p:spPr>
+        <p:txBody>
+          <a:bodyPr wrap="square" rtlCol="0">
+            <a:spAutoFit/>
+          </a:bodyPr>
+          <a:lstStyle/>
+          <a:p>
+            <a:r>
+              <a:rPr lang="tr-TR" dirty="0"/>
+              <a:t>EasyCrm.OrderingService</a:t>
+            </a:r>
+            <a:br>
+              <a:rPr lang="tr-TR" dirty="0"/>
+            </a:br>
+            <a:r>
+              <a:rPr lang="tr-TR" sz="1600" b="1" dirty="0">
+                <a:solidFill>
+                  <a:srgbClr val="00B050"/>
+                </a:solidFill>
+              </a:rPr>
+              <a:t>ABP Studio Module</a:t>
+            </a:r>
+            <a:endParaRPr lang="en-US" sz="1600" b="1" dirty="0">
+              <a:solidFill>
+                <a:srgbClr val="00B050"/>
+              </a:solidFill>
+            </a:endParaRPr>
+          </a:p>
+        </p:txBody>
+      </p:sp>
+      <p:cxnSp>
+        <p:nvCxnSpPr>
+          <p:cNvPr id="20" name="Straight Arrow Connector 19">
+            <a:extLst>
+              <a:ext uri="{FF2B5EF4-FFF2-40B4-BE49-F238E27FC236}">
+                <a16:creationId xmlns:a16="http://schemas.microsoft.com/office/drawing/2014/main" id="{16F8133B-9D6A-8F62-4241-0DBD39541B32}"/>
+              </a:ext>
+            </a:extLst>
+          </p:cNvPr>
+          <p:cNvCxnSpPr>
+            <a:stCxn id="9" idx="3"/>
+            <a:endCxn id="1028" idx="1"/>
+          </p:cNvCxnSpPr>
+          <p:nvPr/>
+        </p:nvCxnSpPr>
+        <p:spPr>
+          <a:xfrm flipV="1">
+            <a:off x="4072378" y="2123730"/>
+            <a:ext cx="805915" cy="7952"/>
+          </a:xfrm>
+          <a:prstGeom prst="straightConnector1">
+            <a:avLst/>
+          </a:prstGeom>
+          <a:ln w="63500" cap="flat" cmpd="sng" algn="ctr">
+            <a:solidFill>
+              <a:schemeClr val="accent2"/>
+            </a:solidFill>
+            <a:prstDash val="solid"/>
+            <a:round/>
+            <a:headEnd type="none" w="med" len="med"/>
+            <a:tailEnd type="arrow" w="med" len="med"/>
+          </a:ln>
+        </p:spPr>
+        <p:style>
+          <a:lnRef idx="0">
+            <a:scrgbClr r="0" g="0" b="0"/>
+          </a:lnRef>
+          <a:fillRef idx="0">
+            <a:scrgbClr r="0" g="0" b="0"/>
+          </a:fillRef>
+          <a:effectRef idx="0">
+            <a:scrgbClr r="0" g="0" b="0"/>
+          </a:effectRef>
+          <a:fontRef idx="minor">
+            <a:schemeClr val="tx1"/>
+          </a:fontRef>
+        </p:style>
+      </p:cxnSp>
+      <p:pic>
+        <p:nvPicPr>
+          <p:cNvPr id="21" name="Picture 4" descr="Jigsaw Puzzle Vector PNG Images, Jigsaw Puzzle Icon Web Assemble, Shape,  Concept, Swot PNG Image For Free Download">
+            <a:extLst>
+              <a:ext uri="{FF2B5EF4-FFF2-40B4-BE49-F238E27FC236}">
+                <a16:creationId xmlns:a16="http://schemas.microsoft.com/office/drawing/2014/main" id="{157E3AAA-DE7E-EDD3-C17D-5E075E0455CB}"/>
+              </a:ext>
+            </a:extLst>
+          </p:cNvPr>
+          <p:cNvPicPr>
+            <a:picLocks noChangeAspect="1" noChangeArrowheads="1"/>
+          </p:cNvPicPr>
+          <p:nvPr/>
+        </p:nvPicPr>
+        <p:blipFill>
+          <a:blip r:embed="rId4">
+            <a:extLst>
+              <a:ext uri="{28A0092B-C50C-407E-A947-70E740481C1C}">
+                <a14:useLocalDpi xmlns:a14="http://schemas.microsoft.com/office/drawing/2010/main" val="0"/>
+              </a:ext>
+            </a:extLst>
+          </a:blip>
+          <a:srcRect/>
+          <a:stretch>
+            <a:fillRect/>
+          </a:stretch>
+        </p:blipFill>
+        <p:spPr bwMode="auto">
+          <a:xfrm>
+            <a:off x="4878293" y="2492791"/>
+            <a:ext cx="898370" cy="898370"/>
+          </a:xfrm>
+          <a:prstGeom prst="rect">
+            <a:avLst/>
+          </a:prstGeom>
+          <a:noFill/>
+          <a:extLst>
+            <a:ext uri="{909E8E84-426E-40DD-AFC4-6F175D3DCCD1}">
+              <a14:hiddenFill xmlns:a14="http://schemas.microsoft.com/office/drawing/2010/main">
+                <a:solidFill>
+                  <a:srgbClr val="FFFFFF"/>
+                </a:solidFill>
+              </a14:hiddenFill>
+            </a:ext>
+          </a:extLst>
+        </p:spPr>
+      </p:pic>
+      <p:sp>
+        <p:nvSpPr>
+          <p:cNvPr id="22" name="TextBox 21">
+            <a:extLst>
+              <a:ext uri="{FF2B5EF4-FFF2-40B4-BE49-F238E27FC236}">
+                <a16:creationId xmlns:a16="http://schemas.microsoft.com/office/drawing/2014/main" id="{42496979-150D-D715-4B7A-6E18619E39D2}"/>
+              </a:ext>
+            </a:extLst>
+          </p:cNvPr>
+          <p:cNvSpPr txBox="1"/>
+          <p:nvPr/>
+        </p:nvSpPr>
+        <p:spPr>
+          <a:xfrm>
+            <a:off x="5583182" y="2621893"/>
+            <a:ext cx="2686639" cy="615553"/>
+          </a:xfrm>
+          <a:prstGeom prst="rect">
+            <a:avLst/>
+          </a:prstGeom>
+          <a:noFill/>
+        </p:spPr>
+        <p:txBody>
+          <a:bodyPr wrap="square" rtlCol="0">
+            <a:spAutoFit/>
+          </a:bodyPr>
+          <a:lstStyle/>
+          <a:p>
+            <a:r>
+              <a:rPr lang="tr-TR" dirty="0"/>
+              <a:t>EasyCrm.BasketService</a:t>
+            </a:r>
+            <a:br>
+              <a:rPr lang="tr-TR" dirty="0"/>
+            </a:br>
+            <a:r>
+              <a:rPr lang="tr-TR" sz="1600" b="1" dirty="0">
+                <a:solidFill>
+                  <a:srgbClr val="00B050"/>
+                </a:solidFill>
+              </a:rPr>
+              <a:t>ABP Studio Module</a:t>
+            </a:r>
+            <a:endParaRPr lang="en-US" sz="1600" b="1" dirty="0">
+              <a:solidFill>
+                <a:srgbClr val="00B050"/>
+              </a:solidFill>
+            </a:endParaRPr>
+          </a:p>
+        </p:txBody>
+      </p:sp>
+      <p:cxnSp>
+        <p:nvCxnSpPr>
+          <p:cNvPr id="23" name="Straight Arrow Connector 22">
+            <a:extLst>
+              <a:ext uri="{FF2B5EF4-FFF2-40B4-BE49-F238E27FC236}">
+                <a16:creationId xmlns:a16="http://schemas.microsoft.com/office/drawing/2014/main" id="{67C3CFD1-A712-1E85-663A-473FB7AB3417}"/>
+              </a:ext>
+            </a:extLst>
+          </p:cNvPr>
+          <p:cNvCxnSpPr>
+            <a:endCxn id="21" idx="1"/>
+          </p:cNvCxnSpPr>
+          <p:nvPr/>
+        </p:nvCxnSpPr>
+        <p:spPr>
+          <a:xfrm flipV="1">
+            <a:off x="4072378" y="2941976"/>
+            <a:ext cx="805915" cy="7952"/>
+          </a:xfrm>
+          <a:prstGeom prst="straightConnector1">
+            <a:avLst/>
+          </a:prstGeom>
+          <a:ln w="63500" cap="flat" cmpd="sng" algn="ctr">
+            <a:solidFill>
+              <a:schemeClr val="accent2"/>
+            </a:solidFill>
+            <a:prstDash val="solid"/>
+            <a:round/>
+            <a:headEnd type="none" w="med" len="med"/>
+            <a:tailEnd type="arrow" w="med" len="med"/>
+          </a:ln>
+        </p:spPr>
+        <p:style>
+          <a:lnRef idx="0">
+            <a:scrgbClr r="0" g="0" b="0"/>
+          </a:lnRef>
+          <a:fillRef idx="0">
+            <a:scrgbClr r="0" g="0" b="0"/>
+          </a:fillRef>
+          <a:effectRef idx="0">
+            <a:scrgbClr r="0" g="0" b="0"/>
+          </a:effectRef>
+          <a:fontRef idx="minor">
+            <a:schemeClr val="tx1"/>
+          </a:fontRef>
+        </p:style>
+      </p:cxnSp>
+      <p:pic>
+        <p:nvPicPr>
+          <p:cNvPr id="27" name="Picture 4" descr="Jigsaw Puzzle Vector PNG Images, Jigsaw Puzzle Icon Web Assemble, Shape,  Concept, Swot PNG Image For Free Download">
+            <a:extLst>
+              <a:ext uri="{FF2B5EF4-FFF2-40B4-BE49-F238E27FC236}">
+                <a16:creationId xmlns:a16="http://schemas.microsoft.com/office/drawing/2014/main" id="{3EBCB2B3-9D70-769D-149C-9A4E0CC76C37}"/>
+              </a:ext>
+            </a:extLst>
+          </p:cNvPr>
+          <p:cNvPicPr>
+            <a:picLocks noChangeAspect="1" noChangeArrowheads="1"/>
+          </p:cNvPicPr>
+          <p:nvPr/>
+        </p:nvPicPr>
+        <p:blipFill>
+          <a:blip r:embed="rId4">
+            <a:extLst>
+              <a:ext uri="{28A0092B-C50C-407E-A947-70E740481C1C}">
+                <a14:useLocalDpi xmlns:a14="http://schemas.microsoft.com/office/drawing/2010/main" val="0"/>
+              </a:ext>
+            </a:extLst>
+          </a:blip>
+          <a:srcRect/>
+          <a:stretch>
+            <a:fillRect/>
+          </a:stretch>
+        </p:blipFill>
+        <p:spPr bwMode="auto">
+          <a:xfrm>
+            <a:off x="4878293" y="3362256"/>
+            <a:ext cx="898370" cy="898370"/>
+          </a:xfrm>
+          <a:prstGeom prst="rect">
+            <a:avLst/>
+          </a:prstGeom>
+          <a:noFill/>
+          <a:extLst>
+            <a:ext uri="{909E8E84-426E-40DD-AFC4-6F175D3DCCD1}">
+              <a14:hiddenFill xmlns:a14="http://schemas.microsoft.com/office/drawing/2010/main">
+                <a:solidFill>
+                  <a:srgbClr val="FFFFFF"/>
+                </a:solidFill>
+              </a14:hiddenFill>
+            </a:ext>
+          </a:extLst>
+        </p:spPr>
+      </p:pic>
+      <p:sp>
+        <p:nvSpPr>
+          <p:cNvPr id="28" name="TextBox 27">
+            <a:extLst>
+              <a:ext uri="{FF2B5EF4-FFF2-40B4-BE49-F238E27FC236}">
+                <a16:creationId xmlns:a16="http://schemas.microsoft.com/office/drawing/2014/main" id="{2CCF2123-2BA0-9696-1D6B-340936C63372}"/>
+              </a:ext>
+            </a:extLst>
+          </p:cNvPr>
+          <p:cNvSpPr txBox="1"/>
+          <p:nvPr/>
+        </p:nvSpPr>
+        <p:spPr>
+          <a:xfrm>
+            <a:off x="5583182" y="3491358"/>
+            <a:ext cx="2686639" cy="615553"/>
+          </a:xfrm>
+          <a:prstGeom prst="rect">
+            <a:avLst/>
+          </a:prstGeom>
+          <a:noFill/>
+        </p:spPr>
+        <p:txBody>
+          <a:bodyPr wrap="square" rtlCol="0">
+            <a:spAutoFit/>
+          </a:bodyPr>
+          <a:lstStyle/>
+          <a:p>
+            <a:r>
+              <a:rPr lang="tr-TR" dirty="0"/>
+              <a:t>EasyCrm.CatalogService</a:t>
+            </a:r>
+            <a:br>
+              <a:rPr lang="tr-TR" dirty="0"/>
+            </a:br>
+            <a:r>
+              <a:rPr lang="tr-TR" sz="1600" b="1" dirty="0">
+                <a:solidFill>
+                  <a:srgbClr val="00B050"/>
+                </a:solidFill>
+              </a:rPr>
+              <a:t>ABP Studio Module</a:t>
+            </a:r>
+            <a:endParaRPr lang="en-US" sz="1600" b="1" dirty="0">
+              <a:solidFill>
+                <a:srgbClr val="00B050"/>
+              </a:solidFill>
+            </a:endParaRPr>
+          </a:p>
+        </p:txBody>
+      </p:sp>
+      <p:cxnSp>
+        <p:nvCxnSpPr>
+          <p:cNvPr id="29" name="Straight Arrow Connector 28">
+            <a:extLst>
+              <a:ext uri="{FF2B5EF4-FFF2-40B4-BE49-F238E27FC236}">
+                <a16:creationId xmlns:a16="http://schemas.microsoft.com/office/drawing/2014/main" id="{006F3A1F-E780-5F40-30AE-31C5BB58F7D0}"/>
+              </a:ext>
+            </a:extLst>
+          </p:cNvPr>
+          <p:cNvCxnSpPr>
+            <a:endCxn id="27" idx="1"/>
+          </p:cNvCxnSpPr>
+          <p:nvPr/>
+        </p:nvCxnSpPr>
+        <p:spPr>
+          <a:xfrm flipV="1">
+            <a:off x="4072378" y="3811441"/>
+            <a:ext cx="805915" cy="7952"/>
+          </a:xfrm>
+          <a:prstGeom prst="straightConnector1">
+            <a:avLst/>
+          </a:prstGeom>
+          <a:ln w="63500" cap="flat" cmpd="sng" algn="ctr">
+            <a:solidFill>
+              <a:schemeClr val="accent2"/>
+            </a:solidFill>
+            <a:prstDash val="solid"/>
+            <a:round/>
+            <a:headEnd type="none" w="med" len="med"/>
+            <a:tailEnd type="arrow" w="med" len="med"/>
+          </a:ln>
+        </p:spPr>
+        <p:style>
+          <a:lnRef idx="0">
+            <a:scrgbClr r="0" g="0" b="0"/>
+          </a:lnRef>
+          <a:fillRef idx="0">
+            <a:scrgbClr r="0" g="0" b="0"/>
+          </a:fillRef>
+          <a:effectRef idx="0">
+            <a:scrgbClr r="0" g="0" b="0"/>
+          </a:effectRef>
+          <a:fontRef idx="minor">
+            <a:schemeClr val="tx1"/>
+          </a:fontRef>
+        </p:style>
+      </p:cxnSp>
+      <p:pic>
+        <p:nvPicPr>
+          <p:cNvPr id="30" name="Picture 4" descr="Jigsaw Puzzle Vector PNG Images, Jigsaw Puzzle Icon Web Assemble, Shape,  Concept, Swot PNG Image For Free Download">
+            <a:extLst>
+              <a:ext uri="{FF2B5EF4-FFF2-40B4-BE49-F238E27FC236}">
+                <a16:creationId xmlns:a16="http://schemas.microsoft.com/office/drawing/2014/main" id="{39027854-1D9B-6777-4902-532A4B3DA328}"/>
+              </a:ext>
+            </a:extLst>
+          </p:cNvPr>
+          <p:cNvPicPr>
+            <a:picLocks noChangeAspect="1" noChangeArrowheads="1"/>
+          </p:cNvPicPr>
+          <p:nvPr/>
+        </p:nvPicPr>
+        <p:blipFill>
+          <a:blip r:embed="rId4">
+            <a:extLst>
+              <a:ext uri="{28A0092B-C50C-407E-A947-70E740481C1C}">
+                <a14:useLocalDpi xmlns:a14="http://schemas.microsoft.com/office/drawing/2010/main" val="0"/>
+              </a:ext>
+            </a:extLst>
+          </a:blip>
+          <a:srcRect/>
+          <a:stretch>
+            <a:fillRect/>
+          </a:stretch>
+        </p:blipFill>
+        <p:spPr bwMode="auto">
+          <a:xfrm>
+            <a:off x="4878293" y="4180502"/>
+            <a:ext cx="898370" cy="898370"/>
+          </a:xfrm>
+          <a:prstGeom prst="rect">
+            <a:avLst/>
+          </a:prstGeom>
+          <a:noFill/>
+          <a:extLst>
+            <a:ext uri="{909E8E84-426E-40DD-AFC4-6F175D3DCCD1}">
+              <a14:hiddenFill xmlns:a14="http://schemas.microsoft.com/office/drawing/2010/main">
+                <a:solidFill>
+                  <a:srgbClr val="FFFFFF"/>
+                </a:solidFill>
+              </a14:hiddenFill>
+            </a:ext>
+          </a:extLst>
+        </p:spPr>
+      </p:pic>
+      <p:sp>
+        <p:nvSpPr>
+          <p:cNvPr id="31" name="TextBox 30">
+            <a:extLst>
+              <a:ext uri="{FF2B5EF4-FFF2-40B4-BE49-F238E27FC236}">
+                <a16:creationId xmlns:a16="http://schemas.microsoft.com/office/drawing/2014/main" id="{8C983F54-89C2-319A-7BC1-AFA7B1DDC124}"/>
+              </a:ext>
+            </a:extLst>
+          </p:cNvPr>
+          <p:cNvSpPr txBox="1"/>
+          <p:nvPr/>
+        </p:nvSpPr>
+        <p:spPr>
+          <a:xfrm>
+            <a:off x="5583182" y="4309604"/>
+            <a:ext cx="2686639" cy="615553"/>
+          </a:xfrm>
+          <a:prstGeom prst="rect">
+            <a:avLst/>
+          </a:prstGeom>
+          <a:noFill/>
+        </p:spPr>
+        <p:txBody>
+          <a:bodyPr wrap="square" rtlCol="0">
+            <a:spAutoFit/>
+          </a:bodyPr>
+          <a:lstStyle/>
+          <a:p>
+            <a:r>
+              <a:rPr lang="tr-TR" dirty="0"/>
+              <a:t>EasyCrm.CustomersService</a:t>
+            </a:r>
+            <a:br>
+              <a:rPr lang="tr-TR" dirty="0"/>
+            </a:br>
+            <a:r>
+              <a:rPr lang="tr-TR" sz="1600" b="1" dirty="0">
+                <a:solidFill>
+                  <a:srgbClr val="00B050"/>
+                </a:solidFill>
+              </a:rPr>
+              <a:t>ABP Studio Module</a:t>
+            </a:r>
+            <a:endParaRPr lang="en-US" sz="1600" b="1" dirty="0">
+              <a:solidFill>
+                <a:srgbClr val="00B050"/>
+              </a:solidFill>
+            </a:endParaRPr>
+          </a:p>
+        </p:txBody>
+      </p:sp>
+      <p:cxnSp>
+        <p:nvCxnSpPr>
+          <p:cNvPr id="32" name="Straight Arrow Connector 31">
+            <a:extLst>
+              <a:ext uri="{FF2B5EF4-FFF2-40B4-BE49-F238E27FC236}">
+                <a16:creationId xmlns:a16="http://schemas.microsoft.com/office/drawing/2014/main" id="{427114CB-A2B1-72F6-7ED5-443A7278538A}"/>
+              </a:ext>
+            </a:extLst>
+          </p:cNvPr>
+          <p:cNvCxnSpPr>
+            <a:endCxn id="30" idx="1"/>
+          </p:cNvCxnSpPr>
+          <p:nvPr/>
+        </p:nvCxnSpPr>
+        <p:spPr>
+          <a:xfrm flipV="1">
+            <a:off x="4072378" y="4629687"/>
+            <a:ext cx="805915" cy="7952"/>
+          </a:xfrm>
+          <a:prstGeom prst="straightConnector1">
+            <a:avLst/>
+          </a:prstGeom>
+          <a:ln w="63500" cap="flat" cmpd="sng" algn="ctr">
+            <a:solidFill>
+              <a:schemeClr val="accent2"/>
+            </a:solidFill>
+            <a:prstDash val="solid"/>
+            <a:round/>
+            <a:headEnd type="none" w="med" len="med"/>
+            <a:tailEnd type="arrow" w="med" len="med"/>
+          </a:ln>
+        </p:spPr>
+        <p:style>
+          <a:lnRef idx="0">
+            <a:scrgbClr r="0" g="0" b="0"/>
+          </a:lnRef>
+          <a:fillRef idx="0">
+            <a:scrgbClr r="0" g="0" b="0"/>
+          </a:fillRef>
+          <a:effectRef idx="0">
+            <a:scrgbClr r="0" g="0" b="0"/>
+          </a:effectRef>
+          <a:fontRef idx="minor">
+            <a:schemeClr val="tx1"/>
+          </a:fontRef>
+        </p:style>
+      </p:cxnSp>
+      <p:pic>
+        <p:nvPicPr>
+          <p:cNvPr id="1032" name="Picture 8" descr="Puzzle - Free education icons">
+            <a:extLst>
+              <a:ext uri="{FF2B5EF4-FFF2-40B4-BE49-F238E27FC236}">
+                <a16:creationId xmlns:a16="http://schemas.microsoft.com/office/drawing/2014/main" id="{B9C15FB3-1805-6D53-E1BF-20D34E25EE4E}"/>
+              </a:ext>
+            </a:extLst>
+          </p:cNvPr>
+          <p:cNvPicPr>
+            <a:picLocks noChangeAspect="1" noChangeArrowheads="1"/>
+          </p:cNvPicPr>
+          <p:nvPr/>
+        </p:nvPicPr>
+        <p:blipFill>
+          <a:blip r:embed="rId5">
+            <a:extLst>
+              <a:ext uri="{28A0092B-C50C-407E-A947-70E740481C1C}">
+                <a14:useLocalDpi xmlns:a14="http://schemas.microsoft.com/office/drawing/2010/main" val="0"/>
+              </a:ext>
+            </a:extLst>
+          </a:blip>
+          <a:srcRect/>
+          <a:stretch>
+            <a:fillRect/>
+          </a:stretch>
+        </p:blipFill>
+        <p:spPr bwMode="auto">
+          <a:xfrm>
+            <a:off x="9466448" y="2567442"/>
+            <a:ext cx="749068" cy="749068"/>
+          </a:xfrm>
+          <a:prstGeom prst="rect">
+            <a:avLst/>
+          </a:prstGeom>
+          <a:noFill/>
+          <a:extLst>
+            <a:ext uri="{909E8E84-426E-40DD-AFC4-6F175D3DCCD1}">
+              <a14:hiddenFill xmlns:a14="http://schemas.microsoft.com/office/drawing/2010/main">
+                <a:solidFill>
+                  <a:srgbClr val="FFFFFF"/>
+                </a:solidFill>
+              </a14:hiddenFill>
+            </a:ext>
+          </a:extLst>
+        </p:spPr>
+      </p:pic>
+      <p:sp>
+        <p:nvSpPr>
+          <p:cNvPr id="33" name="TextBox 32">
+            <a:extLst>
+              <a:ext uri="{FF2B5EF4-FFF2-40B4-BE49-F238E27FC236}">
+                <a16:creationId xmlns:a16="http://schemas.microsoft.com/office/drawing/2014/main" id="{85FA8C14-3028-C7CF-E547-C2F591627D46}"/>
+              </a:ext>
+            </a:extLst>
+          </p:cNvPr>
+          <p:cNvSpPr txBox="1"/>
+          <p:nvPr/>
+        </p:nvSpPr>
+        <p:spPr>
+          <a:xfrm>
+            <a:off x="9385955" y="3339204"/>
+            <a:ext cx="2476107" cy="769441"/>
+          </a:xfrm>
+          <a:prstGeom prst="rect">
+            <a:avLst/>
+          </a:prstGeom>
+          <a:noFill/>
+        </p:spPr>
+        <p:txBody>
+          <a:bodyPr wrap="square" rtlCol="0">
+            <a:spAutoFit/>
+          </a:bodyPr>
+          <a:lstStyle/>
+          <a:p>
+            <a:r>
+              <a:rPr lang="tr-TR" sz="2400" dirty="0"/>
+              <a:t>EasyCrm</a:t>
+            </a:r>
+          </a:p>
+          <a:p>
+            <a:r>
+              <a:rPr lang="tr-TR" sz="2000" b="1" dirty="0">
+                <a:solidFill>
+                  <a:srgbClr val="C00000"/>
+                </a:solidFill>
+              </a:rPr>
+              <a:t>ABP Studio Solution</a:t>
+            </a:r>
+            <a:endParaRPr lang="en-US" sz="2000" b="1" dirty="0">
+              <a:solidFill>
+                <a:srgbClr val="C00000"/>
+              </a:solidFill>
+            </a:endParaRPr>
           </a:p>
         </p:txBody>
       </p:sp>
       <p:sp>
         <p:nvSpPr>
-          <p:cNvPr id="3" name="Content Placeholder 2">
+          <p:cNvPr id="34" name="Right Brace 33">
             <a:extLst>
               <a:ext uri="{FF2B5EF4-FFF2-40B4-BE49-F238E27FC236}">
-                <a16:creationId xmlns:a16="http://schemas.microsoft.com/office/drawing/2014/main" id="{891C7693-D3DF-4635-96F4-97F3B4136FDF}"/>
+                <a16:creationId xmlns:a16="http://schemas.microsoft.com/office/drawing/2014/main" id="{BA47AD4E-CCF6-C5E1-D3E4-3EB374FC0010}"/>
               </a:ext>
             </a:extLst>
           </p:cNvPr>
-          <p:cNvSpPr>
-            <a:spLocks noGrp="1"/>
-          </p:cNvSpPr>
-          <p:nvPr>
-            <p:ph idx="1"/>
-          </p:nvPr>
+          <p:cNvSpPr/>
+          <p:nvPr/>
         </p:nvSpPr>
-        <p:spPr/>
+        <p:spPr>
+          <a:xfrm>
+            <a:off x="8163613" y="1803647"/>
+            <a:ext cx="1055802" cy="3080992"/>
+          </a:xfrm>
+          <a:prstGeom prst="rightBrace">
+            <a:avLst/>
+          </a:prstGeom>
+          <a:ln w="63500">
+            <a:solidFill>
+              <a:schemeClr val="accent2"/>
+            </a:solidFill>
+          </a:ln>
+        </p:spPr>
+        <p:style>
+          <a:lnRef idx="1">
+            <a:schemeClr val="accent1"/>
+          </a:lnRef>
+          <a:fillRef idx="0">
+            <a:schemeClr val="accent1"/>
+          </a:fillRef>
+          <a:effectRef idx="0">
+            <a:schemeClr val="accent1"/>
+          </a:effectRef>
+          <a:fontRef idx="minor">
+            <a:schemeClr val="tx1"/>
+          </a:fontRef>
+        </p:style>
         <p:txBody>
-          <a:bodyPr/>
+          <a:bodyPr rtlCol="0" anchor="ctr"/>
           <a:lstStyle/>
           <a:p>
-            <a:r>
-              <a:rPr lang="en-US" b="1" dirty="0">
-                <a:latin typeface="Euclid Circular B" panose="020B0504000000000000" pitchFamily="34" charset="0"/>
-                <a:ea typeface="Euclid Circular B" panose="020B0504000000000000" pitchFamily="34" charset="0"/>
-              </a:rPr>
-              <a:t>Installing </a:t>
-            </a:r>
-            <a:r>
-              <a:rPr lang="en-US" dirty="0">
-                <a:latin typeface="Euclid Circular B" panose="020B0504000000000000" pitchFamily="34" charset="0"/>
-                <a:ea typeface="Euclid Circular B" panose="020B0504000000000000" pitchFamily="34" charset="0"/>
-              </a:rPr>
-              <a:t>a pre-built application module</a:t>
-            </a:r>
-          </a:p>
-          <a:p>
-            <a:r>
-              <a:rPr lang="en-US" b="1" dirty="0">
-                <a:latin typeface="Euclid Circular B" panose="020B0504000000000000" pitchFamily="34" charset="0"/>
-                <a:ea typeface="Euclid Circular B" panose="020B0504000000000000" pitchFamily="34" charset="0"/>
-              </a:rPr>
-              <a:t>Customizing </a:t>
-            </a:r>
-            <a:r>
-              <a:rPr lang="en-US" dirty="0">
-                <a:latin typeface="Euclid Circular B" panose="020B0504000000000000" pitchFamily="34" charset="0"/>
-                <a:ea typeface="Euclid Circular B" panose="020B0504000000000000" pitchFamily="34" charset="0"/>
-              </a:rPr>
-              <a:t>a used module</a:t>
-            </a:r>
-          </a:p>
-          <a:p>
-            <a:r>
-              <a:rPr lang="en-US" b="1" dirty="0">
-                <a:latin typeface="Euclid Circular B" panose="020B0504000000000000" pitchFamily="34" charset="0"/>
-                <a:ea typeface="Euclid Circular B" panose="020B0504000000000000" pitchFamily="34" charset="0"/>
-              </a:rPr>
-              <a:t>Replacing </a:t>
-            </a:r>
-            <a:r>
-              <a:rPr lang="en-US" dirty="0">
-                <a:latin typeface="Euclid Circular B" panose="020B0504000000000000" pitchFamily="34" charset="0"/>
-                <a:ea typeface="Euclid Circular B" panose="020B0504000000000000" pitchFamily="34" charset="0"/>
-              </a:rPr>
-              <a:t>a module with its </a:t>
-            </a:r>
-            <a:r>
-              <a:rPr lang="en-US" b="1" dirty="0">
-                <a:latin typeface="Euclid Circular B" panose="020B0504000000000000" pitchFamily="34" charset="0"/>
-                <a:ea typeface="Euclid Circular B" panose="020B0504000000000000" pitchFamily="34" charset="0"/>
-              </a:rPr>
-              <a:t>source code</a:t>
-            </a:r>
-          </a:p>
-          <a:p>
-            <a:r>
-              <a:rPr lang="en-US" dirty="0">
-                <a:latin typeface="Euclid Circular B" panose="020B0504000000000000" pitchFamily="34" charset="0"/>
-                <a:ea typeface="Euclid Circular B" panose="020B0504000000000000" pitchFamily="34" charset="0"/>
-              </a:rPr>
-              <a:t>Creating </a:t>
-            </a:r>
-            <a:r>
-              <a:rPr lang="en-US" b="1" dirty="0">
-                <a:latin typeface="Euclid Circular B" panose="020B0504000000000000" pitchFamily="34" charset="0"/>
-                <a:ea typeface="Euclid Circular B" panose="020B0504000000000000" pitchFamily="34" charset="0"/>
-              </a:rPr>
-              <a:t>new modules</a:t>
-            </a:r>
-          </a:p>
-          <a:p>
-            <a:pPr lvl="1"/>
-            <a:r>
-              <a:rPr lang="en-US" b="1" dirty="0">
-                <a:latin typeface="Euclid Circular B" panose="020B0504000000000000" pitchFamily="34" charset="0"/>
-                <a:ea typeface="Euclid Circular B" panose="020B0504000000000000" pitchFamily="34" charset="0"/>
-              </a:rPr>
-              <a:t>DDD </a:t>
-            </a:r>
-            <a:r>
-              <a:rPr lang="en-US" dirty="0">
-                <a:latin typeface="Euclid Circular B" panose="020B0504000000000000" pitchFamily="34" charset="0"/>
-                <a:ea typeface="Euclid Circular B" panose="020B0504000000000000" pitchFamily="34" charset="0"/>
-              </a:rPr>
-              <a:t>Module</a:t>
-            </a:r>
-          </a:p>
-          <a:p>
-            <a:pPr lvl="1"/>
-            <a:r>
-              <a:rPr lang="en-US" b="1" dirty="0">
-                <a:latin typeface="Euclid Circular B" panose="020B0504000000000000" pitchFamily="34" charset="0"/>
-                <a:ea typeface="Euclid Circular B" panose="020B0504000000000000" pitchFamily="34" charset="0"/>
-              </a:rPr>
-              <a:t>Empty </a:t>
-            </a:r>
-            <a:r>
-              <a:rPr lang="en-US" dirty="0">
-                <a:latin typeface="Euclid Circular B" panose="020B0504000000000000" pitchFamily="34" charset="0"/>
-                <a:ea typeface="Euclid Circular B" panose="020B0504000000000000" pitchFamily="34" charset="0"/>
-              </a:rPr>
-              <a:t>Module</a:t>
-            </a:r>
-          </a:p>
-          <a:p>
-            <a:r>
-              <a:rPr lang="en-US" dirty="0">
-                <a:latin typeface="Euclid Circular B" panose="020B0504000000000000" pitchFamily="34" charset="0"/>
-                <a:ea typeface="Euclid Circular B" panose="020B0504000000000000" pitchFamily="34" charset="0"/>
-              </a:rPr>
-              <a:t>Adding </a:t>
-            </a:r>
-            <a:r>
-              <a:rPr lang="en-US" b="1" dirty="0">
-                <a:latin typeface="Euclid Circular B" panose="020B0504000000000000" pitchFamily="34" charset="0"/>
-                <a:ea typeface="Euclid Circular B" panose="020B0504000000000000" pitchFamily="34" charset="0"/>
-              </a:rPr>
-              <a:t>Package References</a:t>
-            </a:r>
+            <a:pPr algn="ctr"/>
+            <a:endParaRPr lang="en-US"/>
           </a:p>
         </p:txBody>
       </p:sp>
+      <p:sp>
+        <p:nvSpPr>
+          <p:cNvPr id="36" name="TextBox 35">
+            <a:extLst>
+              <a:ext uri="{FF2B5EF4-FFF2-40B4-BE49-F238E27FC236}">
+                <a16:creationId xmlns:a16="http://schemas.microsoft.com/office/drawing/2014/main" id="{B9EB26F7-AC00-B2B8-C527-08C31135BEBD}"/>
+              </a:ext>
+            </a:extLst>
+          </p:cNvPr>
+          <p:cNvSpPr txBox="1"/>
+          <p:nvPr/>
+        </p:nvSpPr>
+        <p:spPr>
+          <a:xfrm>
+            <a:off x="1712510" y="5673980"/>
+            <a:ext cx="3046796" cy="615553"/>
+          </a:xfrm>
+          <a:prstGeom prst="rect">
+            <a:avLst/>
+          </a:prstGeom>
+          <a:noFill/>
+        </p:spPr>
+        <p:txBody>
+          <a:bodyPr wrap="square" rtlCol="0">
+            <a:spAutoFit/>
+          </a:bodyPr>
+          <a:lstStyle/>
+          <a:p>
+            <a:r>
+              <a:rPr lang="tr-TR" dirty="0"/>
+              <a:t>EasyCrm.CustomerService.UI</a:t>
+            </a:r>
+            <a:br>
+              <a:rPr lang="tr-TR" dirty="0"/>
+            </a:br>
+            <a:r>
+              <a:rPr lang="tr-TR" sz="1600" b="1" dirty="0">
+                <a:solidFill>
+                  <a:srgbClr val="7030A0"/>
+                </a:solidFill>
+              </a:rPr>
+              <a:t>.NET Project (.csproj)</a:t>
+            </a:r>
+            <a:endParaRPr lang="en-US" sz="1600" b="1" dirty="0">
+              <a:solidFill>
+                <a:srgbClr val="7030A0"/>
+              </a:solidFill>
+            </a:endParaRPr>
+          </a:p>
+        </p:txBody>
+      </p:sp>
+      <p:pic>
+        <p:nvPicPr>
+          <p:cNvPr id="1034" name="Picture 10" descr="C Sharp (C#) &quot; Icon - Download for free – Iconduck">
+            <a:extLst>
+              <a:ext uri="{FF2B5EF4-FFF2-40B4-BE49-F238E27FC236}">
+                <a16:creationId xmlns:a16="http://schemas.microsoft.com/office/drawing/2014/main" id="{226BB4D5-B33B-D985-0ABF-7DAA371642DD}"/>
+              </a:ext>
+            </a:extLst>
+          </p:cNvPr>
+          <p:cNvPicPr>
+            <a:picLocks noChangeAspect="1" noChangeArrowheads="1"/>
+          </p:cNvPicPr>
+          <p:nvPr/>
+        </p:nvPicPr>
+        <p:blipFill>
+          <a:blip r:embed="rId6">
+            <a:extLst>
+              <a:ext uri="{28A0092B-C50C-407E-A947-70E740481C1C}">
+                <a14:useLocalDpi xmlns:a14="http://schemas.microsoft.com/office/drawing/2010/main" val="0"/>
+              </a:ext>
+            </a:extLst>
+          </a:blip>
+          <a:srcRect/>
+          <a:stretch>
+            <a:fillRect/>
+          </a:stretch>
+        </p:blipFill>
+        <p:spPr bwMode="auto">
+          <a:xfrm>
+            <a:off x="1250598" y="5722133"/>
+            <a:ext cx="461912" cy="519245"/>
+          </a:xfrm>
+          <a:prstGeom prst="rect">
+            <a:avLst/>
+          </a:prstGeom>
+          <a:noFill/>
+          <a:extLst>
+            <a:ext uri="{909E8E84-426E-40DD-AFC4-6F175D3DCCD1}">
+              <a14:hiddenFill xmlns:a14="http://schemas.microsoft.com/office/drawing/2010/main">
+                <a:solidFill>
+                  <a:srgbClr val="FFFFFF"/>
+                </a:solidFill>
+              </a14:hiddenFill>
+            </a:ext>
+          </a:extLst>
+        </p:spPr>
+      </p:pic>
+      <p:sp>
+        <p:nvSpPr>
+          <p:cNvPr id="37" name="TextBox 36">
+            <a:extLst>
+              <a:ext uri="{FF2B5EF4-FFF2-40B4-BE49-F238E27FC236}">
+                <a16:creationId xmlns:a16="http://schemas.microsoft.com/office/drawing/2014/main" id="{3CD393AA-53D9-966C-049C-569226106D85}"/>
+              </a:ext>
+            </a:extLst>
+          </p:cNvPr>
+          <p:cNvSpPr txBox="1"/>
+          <p:nvPr/>
+        </p:nvSpPr>
+        <p:spPr>
+          <a:xfrm>
+            <a:off x="6746423" y="5673980"/>
+            <a:ext cx="3046796" cy="615553"/>
+          </a:xfrm>
+          <a:prstGeom prst="rect">
+            <a:avLst/>
+          </a:prstGeom>
+          <a:noFill/>
+        </p:spPr>
+        <p:txBody>
+          <a:bodyPr wrap="square" rtlCol="0">
+            <a:spAutoFit/>
+          </a:bodyPr>
+          <a:lstStyle/>
+          <a:p>
+            <a:r>
+              <a:rPr lang="tr-TR" dirty="0"/>
+              <a:t>EasyCrm.CustomerService.UI</a:t>
+            </a:r>
+            <a:br>
+              <a:rPr lang="tr-TR" dirty="0"/>
+            </a:br>
+            <a:r>
+              <a:rPr lang="tr-TR" sz="1600" b="1" dirty="0">
+                <a:solidFill>
+                  <a:srgbClr val="7030A0"/>
+                </a:solidFill>
+              </a:rPr>
+              <a:t>ABP Studio Package</a:t>
+            </a:r>
+            <a:endParaRPr lang="en-US" sz="1600" b="1" dirty="0">
+              <a:solidFill>
+                <a:srgbClr val="7030A0"/>
+              </a:solidFill>
+            </a:endParaRPr>
+          </a:p>
+        </p:txBody>
+      </p:sp>
+      <p:cxnSp>
+        <p:nvCxnSpPr>
+          <p:cNvPr id="39" name="Straight Arrow Connector 38">
+            <a:extLst>
+              <a:ext uri="{FF2B5EF4-FFF2-40B4-BE49-F238E27FC236}">
+                <a16:creationId xmlns:a16="http://schemas.microsoft.com/office/drawing/2014/main" id="{E731054F-6689-6DC3-C3F6-AC699C9E0F1B}"/>
+              </a:ext>
+            </a:extLst>
+          </p:cNvPr>
+          <p:cNvCxnSpPr>
+            <a:cxnSpLocks/>
+          </p:cNvCxnSpPr>
+          <p:nvPr/>
+        </p:nvCxnSpPr>
+        <p:spPr>
+          <a:xfrm>
+            <a:off x="4759306" y="5989707"/>
+            <a:ext cx="1259999" cy="0"/>
+          </a:xfrm>
+          <a:prstGeom prst="straightConnector1">
+            <a:avLst/>
+          </a:prstGeom>
+          <a:ln w="63500" cap="flat" cmpd="sng" algn="ctr">
+            <a:solidFill>
+              <a:schemeClr val="accent2"/>
+            </a:solidFill>
+            <a:prstDash val="solid"/>
+            <a:round/>
+            <a:headEnd type="none" w="med" len="med"/>
+            <a:tailEnd type="arrow" w="med" len="med"/>
+          </a:ln>
+        </p:spPr>
+        <p:style>
+          <a:lnRef idx="0">
+            <a:scrgbClr r="0" g="0" b="0"/>
+          </a:lnRef>
+          <a:fillRef idx="0">
+            <a:scrgbClr r="0" g="0" b="0"/>
+          </a:fillRef>
+          <a:effectRef idx="0">
+            <a:scrgbClr r="0" g="0" b="0"/>
+          </a:effectRef>
+          <a:fontRef idx="minor">
+            <a:schemeClr val="tx1"/>
+          </a:fontRef>
+        </p:style>
+      </p:cxnSp>
+      <p:pic>
+        <p:nvPicPr>
+          <p:cNvPr id="1040" name="Picture 16" descr="Package - Free business icons">
+            <a:extLst>
+              <a:ext uri="{FF2B5EF4-FFF2-40B4-BE49-F238E27FC236}">
+                <a16:creationId xmlns:a16="http://schemas.microsoft.com/office/drawing/2014/main" id="{A0B42078-5E3C-50EC-DA28-4BA6FDC33302}"/>
+              </a:ext>
+            </a:extLst>
+          </p:cNvPr>
+          <p:cNvPicPr>
+            <a:picLocks noChangeAspect="1" noChangeArrowheads="1"/>
+          </p:cNvPicPr>
+          <p:nvPr/>
+        </p:nvPicPr>
+        <p:blipFill>
+          <a:blip r:embed="rId7">
+            <a:extLst>
+              <a:ext uri="{28A0092B-C50C-407E-A947-70E740481C1C}">
+                <a14:useLocalDpi xmlns:a14="http://schemas.microsoft.com/office/drawing/2010/main" val="0"/>
+              </a:ext>
+            </a:extLst>
+          </a:blip>
+          <a:srcRect/>
+          <a:stretch>
+            <a:fillRect/>
+          </a:stretch>
+        </p:blipFill>
+        <p:spPr bwMode="auto">
+          <a:xfrm>
+            <a:off x="6172696" y="5722133"/>
+            <a:ext cx="573727" cy="573727"/>
+          </a:xfrm>
+          <a:prstGeom prst="rect">
+            <a:avLst/>
+          </a:prstGeom>
+          <a:noFill/>
+          <a:extLst>
+            <a:ext uri="{909E8E84-426E-40DD-AFC4-6F175D3DCCD1}">
+              <a14:hiddenFill xmlns:a14="http://schemas.microsoft.com/office/drawing/2010/main">
+                <a:solidFill>
+                  <a:srgbClr val="FFFFFF"/>
+                </a:solidFill>
+              </a14:hiddenFill>
+            </a:ext>
+          </a:extLst>
+        </p:spPr>
+      </p:pic>
     </p:spTree>
     <p:extLst>
       <p:ext uri="{BB962C8B-B14F-4D97-AF65-F5344CB8AC3E}">
-        <p14:creationId xmlns:p14="http://schemas.microsoft.com/office/powerpoint/2010/main" val="2087268885"/>
+        <p14:creationId xmlns:p14="http://schemas.microsoft.com/office/powerpoint/2010/main" val="2354327406"/>
       </p:ext>
     </p:extLst>
   </p:cSld>
@@ -13952,11 +13277,7 @@
                                           </p:stCondLst>
                                         </p:cTn>
                                         <p:tgtEl>
-                                          <p:spTgt spid="3">
-                                            <p:txEl>
-                                              <p:pRg st="0" end="0"/>
-                                            </p:txEl>
-                                          </p:spTgt>
+                                          <p:spTgt spid="1026"/>
                                         </p:tgtEl>
                                         <p:attrNameLst>
                                           <p:attrName>style.visibility</p:attrName>
@@ -13970,54 +13291,28 @@
                                       <p:cBhvr>
                                         <p:cTn id="7" dur="500"/>
                                         <p:tgtEl>
-                                          <p:spTgt spid="3">
-                                            <p:txEl>
-                                              <p:pRg st="0" end="0"/>
-                                            </p:txEl>
-                                          </p:spTgt>
+                                          <p:spTgt spid="1026"/>
                                         </p:tgtEl>
                                       </p:cBhvr>
                                     </p:animEffect>
                                   </p:childTnLst>
                                 </p:cTn>
                               </p:par>
-                            </p:childTnLst>
-                          </p:cTn>
-                        </p:par>
-                      </p:childTnLst>
-                    </p:cTn>
-                  </p:par>
-                  <p:par>
-                    <p:cTn id="8" fill="hold">
-                      <p:stCondLst>
-                        <p:cond delay="indefinite"/>
-                      </p:stCondLst>
-                      <p:childTnLst>
-                        <p:par>
-                          <p:cTn id="9" fill="hold">
-                            <p:stCondLst>
-                              <p:cond delay="0"/>
-                            </p:stCondLst>
-                            <p:childTnLst>
                               <p:par>
-                                <p:cTn id="10" presetID="10" presetClass="entr" presetSubtype="0" fill="hold" nodeType="clickEffect">
+                                <p:cTn id="8" presetID="10" presetClass="entr" presetSubtype="0" fill="hold" grpId="0" nodeType="withEffect">
                                   <p:stCondLst>
                                     <p:cond delay="0"/>
                                   </p:stCondLst>
                                   <p:childTnLst>
                                     <p:set>
                                       <p:cBhvr>
-                                        <p:cTn id="11" dur="1" fill="hold">
+                                        <p:cTn id="9" dur="1" fill="hold">
                                           <p:stCondLst>
                                             <p:cond delay="0"/>
                                           </p:stCondLst>
                                         </p:cTn>
                                         <p:tgtEl>
-                                          <p:spTgt spid="3">
-                                            <p:txEl>
-                                              <p:pRg st="1" end="1"/>
-                                            </p:txEl>
-                                          </p:spTgt>
+                                          <p:spTgt spid="9"/>
                                         </p:tgtEl>
                                         <p:attrNameLst>
                                           <p:attrName>style.visibility</p:attrName>
@@ -14029,56 +13324,30 @@
                                     </p:set>
                                     <p:animEffect transition="in" filter="fade">
                                       <p:cBhvr>
-                                        <p:cTn id="12" dur="500"/>
-                                        <p:tgtEl>
-                                          <p:spTgt spid="3">
-                                            <p:txEl>
-                                              <p:pRg st="1" end="1"/>
-                                            </p:txEl>
-                                          </p:spTgt>
+                                        <p:cTn id="10" dur="500"/>
+                                        <p:tgtEl>
+                                          <p:spTgt spid="9"/>
                                         </p:tgtEl>
                                       </p:cBhvr>
                                     </p:animEffect>
                                   </p:childTnLst>
                                 </p:cTn>
                               </p:par>
-                            </p:childTnLst>
-                          </p:cTn>
-                        </p:par>
-                      </p:childTnLst>
-                    </p:cTn>
-                  </p:par>
-                  <p:par>
-                    <p:cTn id="13" fill="hold">
-                      <p:stCondLst>
-                        <p:cond delay="indefinite"/>
-                      </p:stCondLst>
-                      <p:childTnLst>
-                        <p:par>
-                          <p:cTn id="14" fill="hold">
-                            <p:stCondLst>
-                              <p:cond delay="0"/>
-                            </p:stCondLst>
-                            <p:childTnLst>
                               <p:par>
-                                <p:cTn id="15" presetID="10" presetClass="entr" presetSubtype="0" fill="hold" nodeType="clickEffect">
+                                <p:cTn id="11" presetID="10" presetClass="entr" presetSubtype="0" fill="hold" nodeType="withEffect">
                                   <p:stCondLst>
                                     <p:cond delay="0"/>
                                   </p:stCondLst>
                                   <p:childTnLst>
                                     <p:set>
                                       <p:cBhvr>
-                                        <p:cTn id="16" dur="1" fill="hold">
+                                        <p:cTn id="12" dur="1" fill="hold">
                                           <p:stCondLst>
                                             <p:cond delay="0"/>
                                           </p:stCondLst>
                                         </p:cTn>
                                         <p:tgtEl>
-                                          <p:spTgt spid="3">
-                                            <p:txEl>
-                                              <p:pRg st="2" end="2"/>
-                                            </p:txEl>
-                                          </p:spTgt>
+                                          <p:spTgt spid="10"/>
                                         </p:tgtEl>
                                         <p:attrNameLst>
                                           <p:attrName>style.visibility</p:attrName>
@@ -14090,56 +13359,100 @@
                                     </p:set>
                                     <p:animEffect transition="in" filter="fade">
                                       <p:cBhvr>
-                                        <p:cTn id="17" dur="500"/>
-                                        <p:tgtEl>
-                                          <p:spTgt spid="3">
-                                            <p:txEl>
-                                              <p:pRg st="2" end="2"/>
-                                            </p:txEl>
-                                          </p:spTgt>
+                                        <p:cTn id="13" dur="500"/>
+                                        <p:tgtEl>
+                                          <p:spTgt spid="10"/>
                                         </p:tgtEl>
                                       </p:cBhvr>
                                     </p:animEffect>
                                   </p:childTnLst>
                                 </p:cTn>
                               </p:par>
-                            </p:childTnLst>
-                          </p:cTn>
-                        </p:par>
-                      </p:childTnLst>
-                    </p:cTn>
-                  </p:par>
-                  <p:par>
-                    <p:cTn id="18" fill="hold">
-                      <p:stCondLst>
-                        <p:cond delay="indefinite"/>
-                      </p:stCondLst>
-                      <p:childTnLst>
-                        <p:par>
-                          <p:cTn id="19" fill="hold">
-                            <p:stCondLst>
-                              <p:cond delay="0"/>
-                            </p:stCondLst>
-                            <p:childTnLst>
                               <p:par>
-                                <p:cTn id="20" presetID="10" presetClass="entr" presetSubtype="0" fill="hold" nodeType="clickEffect">
+                                <p:cTn id="14" presetID="10" presetClass="entr" presetSubtype="0" fill="hold" grpId="0" nodeType="withEffect">
                                   <p:stCondLst>
                                     <p:cond delay="0"/>
                                   </p:stCondLst>
                                   <p:childTnLst>
                                     <p:set>
                                       <p:cBhvr>
+                                        <p:cTn id="15" dur="1" fill="hold">
+                                          <p:stCondLst>
+                                            <p:cond delay="0"/>
+                                          </p:stCondLst>
+                                        </p:cTn>
+                                        <p:tgtEl>
+                                          <p:spTgt spid="11"/>
+                                        </p:tgtEl>
+                                        <p:attrNameLst>
+                                          <p:attrName>style.visibility</p:attrName>
+                                        </p:attrNameLst>
+                                      </p:cBhvr>
+                                      <p:to>
+                                        <p:strVal val="visible"/>
+                                      </p:to>
+                                    </p:set>
+                                    <p:animEffect transition="in" filter="fade">
+                                      <p:cBhvr>
+                                        <p:cTn id="16" dur="500"/>
+                                        <p:tgtEl>
+                                          <p:spTgt spid="11"/>
+                                        </p:tgtEl>
+                                      </p:cBhvr>
+                                    </p:animEffect>
+                                  </p:childTnLst>
+                                </p:cTn>
+                              </p:par>
+                              <p:par>
+                                <p:cTn id="17" presetID="10" presetClass="entr" presetSubtype="0" fill="hold" nodeType="withEffect">
+                                  <p:stCondLst>
+                                    <p:cond delay="0"/>
+                                  </p:stCondLst>
+                                  <p:childTnLst>
+                                    <p:set>
+                                      <p:cBhvr>
+                                        <p:cTn id="18" dur="1" fill="hold">
+                                          <p:stCondLst>
+                                            <p:cond delay="0"/>
+                                          </p:stCondLst>
+                                        </p:cTn>
+                                        <p:tgtEl>
+                                          <p:spTgt spid="14"/>
+                                        </p:tgtEl>
+                                        <p:attrNameLst>
+                                          <p:attrName>style.visibility</p:attrName>
+                                        </p:attrNameLst>
+                                      </p:cBhvr>
+                                      <p:to>
+                                        <p:strVal val="visible"/>
+                                      </p:to>
+                                    </p:set>
+                                    <p:animEffect transition="in" filter="fade">
+                                      <p:cBhvr>
+                                        <p:cTn id="19" dur="500"/>
+                                        <p:tgtEl>
+                                          <p:spTgt spid="14"/>
+                                        </p:tgtEl>
+                                      </p:cBhvr>
+                                    </p:animEffect>
+                                  </p:childTnLst>
+                                </p:cTn>
+                              </p:par>
+                              <p:par>
+                                <p:cTn id="20" presetID="10" presetClass="entr" presetSubtype="0" fill="hold" grpId="0" nodeType="withEffect">
+                                  <p:stCondLst>
+                                    <p:cond delay="0"/>
+                                  </p:stCondLst>
+                                  <p:childTnLst>
+                                    <p:set>
+                                      <p:cBhvr>
                                         <p:cTn id="21" dur="1" fill="hold">
                                           <p:stCondLst>
                                             <p:cond delay="0"/>
                                           </p:stCondLst>
                                         </p:cTn>
                                         <p:tgtEl>
-                                          <p:spTgt spid="3">
-                                            <p:txEl>
-                                              <p:pRg st="3" end="3"/>
-                                            </p:txEl>
-                                          </p:spTgt>
+                                          <p:spTgt spid="15"/>
                                         </p:tgtEl>
                                         <p:attrNameLst>
                                           <p:attrName>style.visibility</p:attrName>
@@ -14153,11 +13466,7 @@
                                       <p:cBhvr>
                                         <p:cTn id="22" dur="500"/>
                                         <p:tgtEl>
-                                          <p:spTgt spid="3">
-                                            <p:txEl>
-                                              <p:pRg st="3" end="3"/>
-                                            </p:txEl>
-                                          </p:spTgt>
+                                          <p:spTgt spid="15"/>
                                         </p:tgtEl>
                                       </p:cBhvr>
                                     </p:animEffect>
@@ -14178,11 +13487,7 @@
                                           </p:stCondLst>
                                         </p:cTn>
                                         <p:tgtEl>
-                                          <p:spTgt spid="3">
-                                            <p:txEl>
-                                              <p:pRg st="4" end="4"/>
-                                            </p:txEl>
-                                          </p:spTgt>
+                                          <p:spTgt spid="16"/>
                                         </p:tgtEl>
                                         <p:attrNameLst>
                                           <p:attrName>style.visibility</p:attrName>
@@ -14196,11 +13501,7 @@
                                       <p:cBhvr>
                                         <p:cTn id="25" dur="500"/>
                                         <p:tgtEl>
-                                          <p:spTgt spid="3">
-                                            <p:txEl>
-                                              <p:pRg st="4" end="4"/>
-                                            </p:txEl>
-                                          </p:spTgt>
+                                          <p:spTgt spid="16"/>
                                         </p:tgtEl>
                                       </p:cBhvr>
                                     </p:animEffect>
@@ -14208,7 +13509,7 @@
                                 </p:cTn>
                               </p:par>
                               <p:par>
-                                <p:cTn id="26" presetID="10" presetClass="entr" presetSubtype="0" fill="hold" nodeType="withEffect">
+                                <p:cTn id="26" presetID="10" presetClass="entr" presetSubtype="0" fill="hold" grpId="0" nodeType="withEffect">
                                   <p:stCondLst>
                                     <p:cond delay="0"/>
                                   </p:stCondLst>
@@ -14221,11 +13522,7 @@
                                           </p:stCondLst>
                                         </p:cTn>
                                         <p:tgtEl>
-                                          <p:spTgt spid="3">
-                                            <p:txEl>
-                                              <p:pRg st="5" end="5"/>
-                                            </p:txEl>
-                                          </p:spTgt>
+                                          <p:spTgt spid="17"/>
                                         </p:tgtEl>
                                         <p:attrNameLst>
                                           <p:attrName>style.visibility</p:attrName>
@@ -14239,11 +13536,7 @@
                                       <p:cBhvr>
                                         <p:cTn id="28" dur="500"/>
                                         <p:tgtEl>
-                                          <p:spTgt spid="3">
-                                            <p:txEl>
-                                              <p:pRg st="5" end="5"/>
-                                            </p:txEl>
-                                          </p:spTgt>
+                                          <p:spTgt spid="17"/>
                                         </p:tgtEl>
                                       </p:cBhvr>
                                     </p:animEffect>
@@ -14282,11 +13575,7 @@
                                           </p:stCondLst>
                                         </p:cTn>
                                         <p:tgtEl>
-                                          <p:spTgt spid="3">
-                                            <p:txEl>
-                                              <p:pRg st="6" end="6"/>
-                                            </p:txEl>
-                                          </p:spTgt>
+                                          <p:spTgt spid="1028"/>
                                         </p:tgtEl>
                                         <p:attrNameLst>
                                           <p:attrName>style.visibility</p:attrName>
@@ -14300,11 +13589,708 @@
                                       <p:cBhvr>
                                         <p:cTn id="33" dur="500"/>
                                         <p:tgtEl>
-                                          <p:spTgt spid="3">
-                                            <p:txEl>
-                                              <p:pRg st="6" end="6"/>
-                                            </p:txEl>
-                                          </p:spTgt>
+                                          <p:spTgt spid="1028"/>
+                                        </p:tgtEl>
+                                      </p:cBhvr>
+                                    </p:animEffect>
+                                  </p:childTnLst>
+                                </p:cTn>
+                              </p:par>
+                              <p:par>
+                                <p:cTn id="34" presetID="10" presetClass="entr" presetSubtype="0" fill="hold" grpId="0" nodeType="withEffect">
+                                  <p:stCondLst>
+                                    <p:cond delay="0"/>
+                                  </p:stCondLst>
+                                  <p:childTnLst>
+                                    <p:set>
+                                      <p:cBhvr>
+                                        <p:cTn id="35" dur="1" fill="hold">
+                                          <p:stCondLst>
+                                            <p:cond delay="0"/>
+                                          </p:stCondLst>
+                                        </p:cTn>
+                                        <p:tgtEl>
+                                          <p:spTgt spid="18"/>
+                                        </p:tgtEl>
+                                        <p:attrNameLst>
+                                          <p:attrName>style.visibility</p:attrName>
+                                        </p:attrNameLst>
+                                      </p:cBhvr>
+                                      <p:to>
+                                        <p:strVal val="visible"/>
+                                      </p:to>
+                                    </p:set>
+                                    <p:animEffect transition="in" filter="fade">
+                                      <p:cBhvr>
+                                        <p:cTn id="36" dur="500"/>
+                                        <p:tgtEl>
+                                          <p:spTgt spid="18"/>
+                                        </p:tgtEl>
+                                      </p:cBhvr>
+                                    </p:animEffect>
+                                  </p:childTnLst>
+                                </p:cTn>
+                              </p:par>
+                              <p:par>
+                                <p:cTn id="37" presetID="10" presetClass="entr" presetSubtype="0" fill="hold" nodeType="withEffect">
+                                  <p:stCondLst>
+                                    <p:cond delay="0"/>
+                                  </p:stCondLst>
+                                  <p:childTnLst>
+                                    <p:set>
+                                      <p:cBhvr>
+                                        <p:cTn id="38" dur="1" fill="hold">
+                                          <p:stCondLst>
+                                            <p:cond delay="0"/>
+                                          </p:stCondLst>
+                                        </p:cTn>
+                                        <p:tgtEl>
+                                          <p:spTgt spid="20"/>
+                                        </p:tgtEl>
+                                        <p:attrNameLst>
+                                          <p:attrName>style.visibility</p:attrName>
+                                        </p:attrNameLst>
+                                      </p:cBhvr>
+                                      <p:to>
+                                        <p:strVal val="visible"/>
+                                      </p:to>
+                                    </p:set>
+                                    <p:animEffect transition="in" filter="fade">
+                                      <p:cBhvr>
+                                        <p:cTn id="39" dur="500"/>
+                                        <p:tgtEl>
+                                          <p:spTgt spid="20"/>
+                                        </p:tgtEl>
+                                      </p:cBhvr>
+                                    </p:animEffect>
+                                  </p:childTnLst>
+                                </p:cTn>
+                              </p:par>
+                              <p:par>
+                                <p:cTn id="40" presetID="10" presetClass="entr" presetSubtype="0" fill="hold" nodeType="withEffect">
+                                  <p:stCondLst>
+                                    <p:cond delay="0"/>
+                                  </p:stCondLst>
+                                  <p:childTnLst>
+                                    <p:set>
+                                      <p:cBhvr>
+                                        <p:cTn id="41" dur="1" fill="hold">
+                                          <p:stCondLst>
+                                            <p:cond delay="0"/>
+                                          </p:stCondLst>
+                                        </p:cTn>
+                                        <p:tgtEl>
+                                          <p:spTgt spid="21"/>
+                                        </p:tgtEl>
+                                        <p:attrNameLst>
+                                          <p:attrName>style.visibility</p:attrName>
+                                        </p:attrNameLst>
+                                      </p:cBhvr>
+                                      <p:to>
+                                        <p:strVal val="visible"/>
+                                      </p:to>
+                                    </p:set>
+                                    <p:animEffect transition="in" filter="fade">
+                                      <p:cBhvr>
+                                        <p:cTn id="42" dur="500"/>
+                                        <p:tgtEl>
+                                          <p:spTgt spid="21"/>
+                                        </p:tgtEl>
+                                      </p:cBhvr>
+                                    </p:animEffect>
+                                  </p:childTnLst>
+                                </p:cTn>
+                              </p:par>
+                              <p:par>
+                                <p:cTn id="43" presetID="10" presetClass="entr" presetSubtype="0" fill="hold" grpId="0" nodeType="withEffect">
+                                  <p:stCondLst>
+                                    <p:cond delay="0"/>
+                                  </p:stCondLst>
+                                  <p:childTnLst>
+                                    <p:set>
+                                      <p:cBhvr>
+                                        <p:cTn id="44" dur="1" fill="hold">
+                                          <p:stCondLst>
+                                            <p:cond delay="0"/>
+                                          </p:stCondLst>
+                                        </p:cTn>
+                                        <p:tgtEl>
+                                          <p:spTgt spid="22"/>
+                                        </p:tgtEl>
+                                        <p:attrNameLst>
+                                          <p:attrName>style.visibility</p:attrName>
+                                        </p:attrNameLst>
+                                      </p:cBhvr>
+                                      <p:to>
+                                        <p:strVal val="visible"/>
+                                      </p:to>
+                                    </p:set>
+                                    <p:animEffect transition="in" filter="fade">
+                                      <p:cBhvr>
+                                        <p:cTn id="45" dur="500"/>
+                                        <p:tgtEl>
+                                          <p:spTgt spid="22"/>
+                                        </p:tgtEl>
+                                      </p:cBhvr>
+                                    </p:animEffect>
+                                  </p:childTnLst>
+                                </p:cTn>
+                              </p:par>
+                              <p:par>
+                                <p:cTn id="46" presetID="10" presetClass="entr" presetSubtype="0" fill="hold" nodeType="withEffect">
+                                  <p:stCondLst>
+                                    <p:cond delay="0"/>
+                                  </p:stCondLst>
+                                  <p:childTnLst>
+                                    <p:set>
+                                      <p:cBhvr>
+                                        <p:cTn id="47" dur="1" fill="hold">
+                                          <p:stCondLst>
+                                            <p:cond delay="0"/>
+                                          </p:stCondLst>
+                                        </p:cTn>
+                                        <p:tgtEl>
+                                          <p:spTgt spid="23"/>
+                                        </p:tgtEl>
+                                        <p:attrNameLst>
+                                          <p:attrName>style.visibility</p:attrName>
+                                        </p:attrNameLst>
+                                      </p:cBhvr>
+                                      <p:to>
+                                        <p:strVal val="visible"/>
+                                      </p:to>
+                                    </p:set>
+                                    <p:animEffect transition="in" filter="fade">
+                                      <p:cBhvr>
+                                        <p:cTn id="48" dur="500"/>
+                                        <p:tgtEl>
+                                          <p:spTgt spid="23"/>
+                                        </p:tgtEl>
+                                      </p:cBhvr>
+                                    </p:animEffect>
+                                  </p:childTnLst>
+                                </p:cTn>
+                              </p:par>
+                              <p:par>
+                                <p:cTn id="49" presetID="10" presetClass="entr" presetSubtype="0" fill="hold" nodeType="withEffect">
+                                  <p:stCondLst>
+                                    <p:cond delay="0"/>
+                                  </p:stCondLst>
+                                  <p:childTnLst>
+                                    <p:set>
+                                      <p:cBhvr>
+                                        <p:cTn id="50" dur="1" fill="hold">
+                                          <p:stCondLst>
+                                            <p:cond delay="0"/>
+                                          </p:stCondLst>
+                                        </p:cTn>
+                                        <p:tgtEl>
+                                          <p:spTgt spid="27"/>
+                                        </p:tgtEl>
+                                        <p:attrNameLst>
+                                          <p:attrName>style.visibility</p:attrName>
+                                        </p:attrNameLst>
+                                      </p:cBhvr>
+                                      <p:to>
+                                        <p:strVal val="visible"/>
+                                      </p:to>
+                                    </p:set>
+                                    <p:animEffect transition="in" filter="fade">
+                                      <p:cBhvr>
+                                        <p:cTn id="51" dur="500"/>
+                                        <p:tgtEl>
+                                          <p:spTgt spid="27"/>
+                                        </p:tgtEl>
+                                      </p:cBhvr>
+                                    </p:animEffect>
+                                  </p:childTnLst>
+                                </p:cTn>
+                              </p:par>
+                              <p:par>
+                                <p:cTn id="52" presetID="10" presetClass="entr" presetSubtype="0" fill="hold" grpId="0" nodeType="withEffect">
+                                  <p:stCondLst>
+                                    <p:cond delay="0"/>
+                                  </p:stCondLst>
+                                  <p:childTnLst>
+                                    <p:set>
+                                      <p:cBhvr>
+                                        <p:cTn id="53" dur="1" fill="hold">
+                                          <p:stCondLst>
+                                            <p:cond delay="0"/>
+                                          </p:stCondLst>
+                                        </p:cTn>
+                                        <p:tgtEl>
+                                          <p:spTgt spid="28"/>
+                                        </p:tgtEl>
+                                        <p:attrNameLst>
+                                          <p:attrName>style.visibility</p:attrName>
+                                        </p:attrNameLst>
+                                      </p:cBhvr>
+                                      <p:to>
+                                        <p:strVal val="visible"/>
+                                      </p:to>
+                                    </p:set>
+                                    <p:animEffect transition="in" filter="fade">
+                                      <p:cBhvr>
+                                        <p:cTn id="54" dur="500"/>
+                                        <p:tgtEl>
+                                          <p:spTgt spid="28"/>
+                                        </p:tgtEl>
+                                      </p:cBhvr>
+                                    </p:animEffect>
+                                  </p:childTnLst>
+                                </p:cTn>
+                              </p:par>
+                              <p:par>
+                                <p:cTn id="55" presetID="10" presetClass="entr" presetSubtype="0" fill="hold" nodeType="withEffect">
+                                  <p:stCondLst>
+                                    <p:cond delay="0"/>
+                                  </p:stCondLst>
+                                  <p:childTnLst>
+                                    <p:set>
+                                      <p:cBhvr>
+                                        <p:cTn id="56" dur="1" fill="hold">
+                                          <p:stCondLst>
+                                            <p:cond delay="0"/>
+                                          </p:stCondLst>
+                                        </p:cTn>
+                                        <p:tgtEl>
+                                          <p:spTgt spid="29"/>
+                                        </p:tgtEl>
+                                        <p:attrNameLst>
+                                          <p:attrName>style.visibility</p:attrName>
+                                        </p:attrNameLst>
+                                      </p:cBhvr>
+                                      <p:to>
+                                        <p:strVal val="visible"/>
+                                      </p:to>
+                                    </p:set>
+                                    <p:animEffect transition="in" filter="fade">
+                                      <p:cBhvr>
+                                        <p:cTn id="57" dur="500"/>
+                                        <p:tgtEl>
+                                          <p:spTgt spid="29"/>
+                                        </p:tgtEl>
+                                      </p:cBhvr>
+                                    </p:animEffect>
+                                  </p:childTnLst>
+                                </p:cTn>
+                              </p:par>
+                              <p:par>
+                                <p:cTn id="58" presetID="10" presetClass="entr" presetSubtype="0" fill="hold" nodeType="withEffect">
+                                  <p:stCondLst>
+                                    <p:cond delay="0"/>
+                                  </p:stCondLst>
+                                  <p:childTnLst>
+                                    <p:set>
+                                      <p:cBhvr>
+                                        <p:cTn id="59" dur="1" fill="hold">
+                                          <p:stCondLst>
+                                            <p:cond delay="0"/>
+                                          </p:stCondLst>
+                                        </p:cTn>
+                                        <p:tgtEl>
+                                          <p:spTgt spid="30"/>
+                                        </p:tgtEl>
+                                        <p:attrNameLst>
+                                          <p:attrName>style.visibility</p:attrName>
+                                        </p:attrNameLst>
+                                      </p:cBhvr>
+                                      <p:to>
+                                        <p:strVal val="visible"/>
+                                      </p:to>
+                                    </p:set>
+                                    <p:animEffect transition="in" filter="fade">
+                                      <p:cBhvr>
+                                        <p:cTn id="60" dur="500"/>
+                                        <p:tgtEl>
+                                          <p:spTgt spid="30"/>
+                                        </p:tgtEl>
+                                      </p:cBhvr>
+                                    </p:animEffect>
+                                  </p:childTnLst>
+                                </p:cTn>
+                              </p:par>
+                              <p:par>
+                                <p:cTn id="61" presetID="10" presetClass="entr" presetSubtype="0" fill="hold" grpId="0" nodeType="withEffect">
+                                  <p:stCondLst>
+                                    <p:cond delay="0"/>
+                                  </p:stCondLst>
+                                  <p:childTnLst>
+                                    <p:set>
+                                      <p:cBhvr>
+                                        <p:cTn id="62" dur="1" fill="hold">
+                                          <p:stCondLst>
+                                            <p:cond delay="0"/>
+                                          </p:stCondLst>
+                                        </p:cTn>
+                                        <p:tgtEl>
+                                          <p:spTgt spid="31"/>
+                                        </p:tgtEl>
+                                        <p:attrNameLst>
+                                          <p:attrName>style.visibility</p:attrName>
+                                        </p:attrNameLst>
+                                      </p:cBhvr>
+                                      <p:to>
+                                        <p:strVal val="visible"/>
+                                      </p:to>
+                                    </p:set>
+                                    <p:animEffect transition="in" filter="fade">
+                                      <p:cBhvr>
+                                        <p:cTn id="63" dur="500"/>
+                                        <p:tgtEl>
+                                          <p:spTgt spid="31"/>
+                                        </p:tgtEl>
+                                      </p:cBhvr>
+                                    </p:animEffect>
+                                  </p:childTnLst>
+                                </p:cTn>
+                              </p:par>
+                              <p:par>
+                                <p:cTn id="64" presetID="10" presetClass="entr" presetSubtype="0" fill="hold" nodeType="withEffect">
+                                  <p:stCondLst>
+                                    <p:cond delay="0"/>
+                                  </p:stCondLst>
+                                  <p:childTnLst>
+                                    <p:set>
+                                      <p:cBhvr>
+                                        <p:cTn id="65" dur="1" fill="hold">
+                                          <p:stCondLst>
+                                            <p:cond delay="0"/>
+                                          </p:stCondLst>
+                                        </p:cTn>
+                                        <p:tgtEl>
+                                          <p:spTgt spid="32"/>
+                                        </p:tgtEl>
+                                        <p:attrNameLst>
+                                          <p:attrName>style.visibility</p:attrName>
+                                        </p:attrNameLst>
+                                      </p:cBhvr>
+                                      <p:to>
+                                        <p:strVal val="visible"/>
+                                      </p:to>
+                                    </p:set>
+                                    <p:animEffect transition="in" filter="fade">
+                                      <p:cBhvr>
+                                        <p:cTn id="66" dur="500"/>
+                                        <p:tgtEl>
+                                          <p:spTgt spid="32"/>
+                                        </p:tgtEl>
+                                      </p:cBhvr>
+                                    </p:animEffect>
+                                  </p:childTnLst>
+                                </p:cTn>
+                              </p:par>
+                            </p:childTnLst>
+                          </p:cTn>
+                        </p:par>
+                      </p:childTnLst>
+                    </p:cTn>
+                  </p:par>
+                  <p:par>
+                    <p:cTn id="67" fill="hold">
+                      <p:stCondLst>
+                        <p:cond delay="indefinite"/>
+                      </p:stCondLst>
+                      <p:childTnLst>
+                        <p:par>
+                          <p:cTn id="68" fill="hold">
+                            <p:stCondLst>
+                              <p:cond delay="0"/>
+                            </p:stCondLst>
+                            <p:childTnLst>
+                              <p:par>
+                                <p:cTn id="69" presetID="10" presetClass="entr" presetSubtype="0" fill="hold" nodeType="clickEffect">
+                                  <p:stCondLst>
+                                    <p:cond delay="0"/>
+                                  </p:stCondLst>
+                                  <p:childTnLst>
+                                    <p:set>
+                                      <p:cBhvr>
+                                        <p:cTn id="70" dur="1" fill="hold">
+                                          <p:stCondLst>
+                                            <p:cond delay="0"/>
+                                          </p:stCondLst>
+                                        </p:cTn>
+                                        <p:tgtEl>
+                                          <p:spTgt spid="1032"/>
+                                        </p:tgtEl>
+                                        <p:attrNameLst>
+                                          <p:attrName>style.visibility</p:attrName>
+                                        </p:attrNameLst>
+                                      </p:cBhvr>
+                                      <p:to>
+                                        <p:strVal val="visible"/>
+                                      </p:to>
+                                    </p:set>
+                                    <p:animEffect transition="in" filter="fade">
+                                      <p:cBhvr>
+                                        <p:cTn id="71" dur="500"/>
+                                        <p:tgtEl>
+                                          <p:spTgt spid="1032"/>
+                                        </p:tgtEl>
+                                      </p:cBhvr>
+                                    </p:animEffect>
+                                  </p:childTnLst>
+                                </p:cTn>
+                              </p:par>
+                              <p:par>
+                                <p:cTn id="72" presetID="10" presetClass="entr" presetSubtype="0" fill="hold" grpId="0" nodeType="withEffect">
+                                  <p:stCondLst>
+                                    <p:cond delay="0"/>
+                                  </p:stCondLst>
+                                  <p:childTnLst>
+                                    <p:set>
+                                      <p:cBhvr>
+                                        <p:cTn id="73" dur="1" fill="hold">
+                                          <p:stCondLst>
+                                            <p:cond delay="0"/>
+                                          </p:stCondLst>
+                                        </p:cTn>
+                                        <p:tgtEl>
+                                          <p:spTgt spid="33"/>
+                                        </p:tgtEl>
+                                        <p:attrNameLst>
+                                          <p:attrName>style.visibility</p:attrName>
+                                        </p:attrNameLst>
+                                      </p:cBhvr>
+                                      <p:to>
+                                        <p:strVal val="visible"/>
+                                      </p:to>
+                                    </p:set>
+                                    <p:animEffect transition="in" filter="fade">
+                                      <p:cBhvr>
+                                        <p:cTn id="74" dur="500"/>
+                                        <p:tgtEl>
+                                          <p:spTgt spid="33"/>
+                                        </p:tgtEl>
+                                      </p:cBhvr>
+                                    </p:animEffect>
+                                  </p:childTnLst>
+                                </p:cTn>
+                              </p:par>
+                              <p:par>
+                                <p:cTn id="75" presetID="10" presetClass="entr" presetSubtype="0" fill="hold" grpId="0" nodeType="withEffect">
+                                  <p:stCondLst>
+                                    <p:cond delay="0"/>
+                                  </p:stCondLst>
+                                  <p:childTnLst>
+                                    <p:set>
+                                      <p:cBhvr>
+                                        <p:cTn id="76" dur="1" fill="hold">
+                                          <p:stCondLst>
+                                            <p:cond delay="0"/>
+                                          </p:stCondLst>
+                                        </p:cTn>
+                                        <p:tgtEl>
+                                          <p:spTgt spid="34"/>
+                                        </p:tgtEl>
+                                        <p:attrNameLst>
+                                          <p:attrName>style.visibility</p:attrName>
+                                        </p:attrNameLst>
+                                      </p:cBhvr>
+                                      <p:to>
+                                        <p:strVal val="visible"/>
+                                      </p:to>
+                                    </p:set>
+                                    <p:animEffect transition="in" filter="fade">
+                                      <p:cBhvr>
+                                        <p:cTn id="77" dur="500"/>
+                                        <p:tgtEl>
+                                          <p:spTgt spid="34"/>
+                                        </p:tgtEl>
+                                      </p:cBhvr>
+                                    </p:animEffect>
+                                  </p:childTnLst>
+                                </p:cTn>
+                              </p:par>
+                            </p:childTnLst>
+                          </p:cTn>
+                        </p:par>
+                      </p:childTnLst>
+                    </p:cTn>
+                  </p:par>
+                  <p:par>
+                    <p:cTn id="78" fill="hold">
+                      <p:stCondLst>
+                        <p:cond delay="indefinite"/>
+                      </p:stCondLst>
+                      <p:childTnLst>
+                        <p:par>
+                          <p:cTn id="79" fill="hold">
+                            <p:stCondLst>
+                              <p:cond delay="0"/>
+                            </p:stCondLst>
+                            <p:childTnLst>
+                              <p:par>
+                                <p:cTn id="80" presetID="10" presetClass="entr" presetSubtype="0" fill="hold" grpId="0" nodeType="clickEffect">
+                                  <p:stCondLst>
+                                    <p:cond delay="0"/>
+                                  </p:stCondLst>
+                                  <p:childTnLst>
+                                    <p:set>
+                                      <p:cBhvr>
+                                        <p:cTn id="81" dur="1" fill="hold">
+                                          <p:stCondLst>
+                                            <p:cond delay="0"/>
+                                          </p:stCondLst>
+                                        </p:cTn>
+                                        <p:tgtEl>
+                                          <p:spTgt spid="36"/>
+                                        </p:tgtEl>
+                                        <p:attrNameLst>
+                                          <p:attrName>style.visibility</p:attrName>
+                                        </p:attrNameLst>
+                                      </p:cBhvr>
+                                      <p:to>
+                                        <p:strVal val="visible"/>
+                                      </p:to>
+                                    </p:set>
+                                    <p:animEffect transition="in" filter="fade">
+                                      <p:cBhvr>
+                                        <p:cTn id="82" dur="500"/>
+                                        <p:tgtEl>
+                                          <p:spTgt spid="36"/>
+                                        </p:tgtEl>
+                                      </p:cBhvr>
+                                    </p:animEffect>
+                                  </p:childTnLst>
+                                </p:cTn>
+                              </p:par>
+                              <p:par>
+                                <p:cTn id="83" presetID="10" presetClass="entr" presetSubtype="0" fill="hold" nodeType="withEffect">
+                                  <p:stCondLst>
+                                    <p:cond delay="0"/>
+                                  </p:stCondLst>
+                                  <p:childTnLst>
+                                    <p:set>
+                                      <p:cBhvr>
+                                        <p:cTn id="84" dur="1" fill="hold">
+                                          <p:stCondLst>
+                                            <p:cond delay="0"/>
+                                          </p:stCondLst>
+                                        </p:cTn>
+                                        <p:tgtEl>
+                                          <p:spTgt spid="1034"/>
+                                        </p:tgtEl>
+                                        <p:attrNameLst>
+                                          <p:attrName>style.visibility</p:attrName>
+                                        </p:attrNameLst>
+                                      </p:cBhvr>
+                                      <p:to>
+                                        <p:strVal val="visible"/>
+                                      </p:to>
+                                    </p:set>
+                                    <p:animEffect transition="in" filter="fade">
+                                      <p:cBhvr>
+                                        <p:cTn id="85" dur="500"/>
+                                        <p:tgtEl>
+                                          <p:spTgt spid="1034"/>
+                                        </p:tgtEl>
+                                      </p:cBhvr>
+                                    </p:animEffect>
+                                  </p:childTnLst>
+                                </p:cTn>
+                              </p:par>
+                              <p:par>
+                                <p:cTn id="86" presetID="10" presetClass="entr" presetSubtype="0" fill="hold" grpId="0" nodeType="withEffect">
+                                  <p:stCondLst>
+                                    <p:cond delay="0"/>
+                                  </p:stCondLst>
+                                  <p:childTnLst>
+                                    <p:set>
+                                      <p:cBhvr>
+                                        <p:cTn id="87" dur="1" fill="hold">
+                                          <p:stCondLst>
+                                            <p:cond delay="0"/>
+                                          </p:stCondLst>
+                                        </p:cTn>
+                                        <p:tgtEl>
+                                          <p:spTgt spid="37"/>
+                                        </p:tgtEl>
+                                        <p:attrNameLst>
+                                          <p:attrName>style.visibility</p:attrName>
+                                        </p:attrNameLst>
+                                      </p:cBhvr>
+                                      <p:to>
+                                        <p:strVal val="visible"/>
+                                      </p:to>
+                                    </p:set>
+                                    <p:animEffect transition="in" filter="fade">
+                                      <p:cBhvr>
+                                        <p:cTn id="88" dur="500"/>
+                                        <p:tgtEl>
+                                          <p:spTgt spid="37"/>
+                                        </p:tgtEl>
+                                      </p:cBhvr>
+                                    </p:animEffect>
+                                  </p:childTnLst>
+                                </p:cTn>
+                              </p:par>
+                              <p:par>
+                                <p:cTn id="89" presetID="10" presetClass="entr" presetSubtype="0" fill="hold" nodeType="withEffect">
+                                  <p:stCondLst>
+                                    <p:cond delay="0"/>
+                                  </p:stCondLst>
+                                  <p:childTnLst>
+                                    <p:set>
+                                      <p:cBhvr>
+                                        <p:cTn id="90" dur="1" fill="hold">
+                                          <p:stCondLst>
+                                            <p:cond delay="0"/>
+                                          </p:stCondLst>
+                                        </p:cTn>
+                                        <p:tgtEl>
+                                          <p:spTgt spid="39"/>
+                                        </p:tgtEl>
+                                        <p:attrNameLst>
+                                          <p:attrName>style.visibility</p:attrName>
+                                        </p:attrNameLst>
+                                      </p:cBhvr>
+                                      <p:to>
+                                        <p:strVal val="visible"/>
+                                      </p:to>
+                                    </p:set>
+                                    <p:animEffect transition="in" filter="fade">
+                                      <p:cBhvr>
+                                        <p:cTn id="91" dur="500"/>
+                                        <p:tgtEl>
+                                          <p:spTgt spid="39"/>
+                                        </p:tgtEl>
+                                      </p:cBhvr>
+                                    </p:animEffect>
+                                  </p:childTnLst>
+                                </p:cTn>
+                              </p:par>
+                              <p:par>
+                                <p:cTn id="92" presetID="10" presetClass="entr" presetSubtype="0" fill="hold" nodeType="withEffect">
+                                  <p:stCondLst>
+                                    <p:cond delay="0"/>
+                                  </p:stCondLst>
+                                  <p:childTnLst>
+                                    <p:set>
+                                      <p:cBhvr>
+                                        <p:cTn id="93" dur="1" fill="hold">
+                                          <p:stCondLst>
+                                            <p:cond delay="0"/>
+                                          </p:stCondLst>
+                                        </p:cTn>
+                                        <p:tgtEl>
+                                          <p:spTgt spid="1040"/>
+                                        </p:tgtEl>
+                                        <p:attrNameLst>
+                                          <p:attrName>style.visibility</p:attrName>
+                                        </p:attrNameLst>
+                                      </p:cBhvr>
+                                      <p:to>
+                                        <p:strVal val="visible"/>
+                                      </p:to>
+                                    </p:set>
+                                    <p:animEffect transition="in" filter="fade">
+                                      <p:cBhvr>
+                                        <p:cTn id="94" dur="500"/>
+                                        <p:tgtEl>
+                                          <p:spTgt spid="1040"/>
                                         </p:tgtEl>
                                       </p:cBhvr>
                                     </p:animEffect>
@@ -14338,6 +14324,20 @@
         </p:cTn>
       </p:par>
     </p:tnLst>
+    <p:bldLst>
+      <p:bldP spid="9" grpId="0"/>
+      <p:bldP spid="11" grpId="0"/>
+      <p:bldP spid="15" grpId="0"/>
+      <p:bldP spid="17" grpId="0"/>
+      <p:bldP spid="18" grpId="0"/>
+      <p:bldP spid="22" grpId="0"/>
+      <p:bldP spid="28" grpId="0"/>
+      <p:bldP spid="31" grpId="0"/>
+      <p:bldP spid="33" grpId="0"/>
+      <p:bldP spid="34" grpId="0" animBg="1"/>
+      <p:bldP spid="36" grpId="0"/>
+      <p:bldP spid="37" grpId="0"/>
+    </p:bldLst>
   </p:timing>
 </p:sld>
 </file>

--- a/2024-08-15 ABP Community Talks 2024.4/ABP Studio - The Missing Tool for Dotnet Developers.pptx
+++ b/2024-08-15 ABP Community Talks 2024.4/ABP Studio - The Missing Tool for Dotnet Developers.pptx
@@ -7520,14 +7520,151 @@
         </p:blipFill>
         <p:spPr>
           <a:xfrm>
-            <a:off x="838200" y="2116201"/>
-            <a:ext cx="10813330" cy="3023267"/>
+            <a:off x="689334" y="1630720"/>
+            <a:ext cx="10132343" cy="2832872"/>
           </a:xfrm>
           <a:prstGeom prst="rect">
             <a:avLst/>
           </a:prstGeom>
+          <a:ln>
+            <a:solidFill>
+              <a:schemeClr val="bg1">
+                <a:lumMod val="50000"/>
+              </a:schemeClr>
+            </a:solidFill>
+          </a:ln>
         </p:spPr>
       </p:pic>
+      <p:pic>
+        <p:nvPicPr>
+          <p:cNvPr id="4" name="Picture 3">
+            <a:extLst>
+              <a:ext uri="{FF2B5EF4-FFF2-40B4-BE49-F238E27FC236}">
+                <a16:creationId xmlns:a16="http://schemas.microsoft.com/office/drawing/2014/main" id="{6917E97E-C046-8A3F-CBA2-627DF8FDA744}"/>
+              </a:ext>
+            </a:extLst>
+          </p:cNvPr>
+          <p:cNvPicPr>
+            <a:picLocks noChangeAspect="1"/>
+          </p:cNvPicPr>
+          <p:nvPr/>
+        </p:nvPicPr>
+        <p:blipFill>
+          <a:blip r:embed="rId4"/>
+          <a:stretch>
+            <a:fillRect/>
+          </a:stretch>
+        </p:blipFill>
+        <p:spPr>
+          <a:xfrm>
+            <a:off x="3143839" y="4707332"/>
+            <a:ext cx="7414910" cy="995613"/>
+          </a:xfrm>
+          <a:prstGeom prst="rect">
+            <a:avLst/>
+          </a:prstGeom>
+          <a:ln w="38100">
+            <a:solidFill>
+              <a:srgbClr val="00B050"/>
+            </a:solidFill>
+          </a:ln>
+        </p:spPr>
+      </p:pic>
+      <p:sp>
+        <p:nvSpPr>
+          <p:cNvPr id="8" name="TextBox 7">
+            <a:extLst>
+              <a:ext uri="{FF2B5EF4-FFF2-40B4-BE49-F238E27FC236}">
+                <a16:creationId xmlns:a16="http://schemas.microsoft.com/office/drawing/2014/main" id="{DD42FBF7-6816-B029-6CD7-29C46BE4FCF3}"/>
+              </a:ext>
+            </a:extLst>
+          </p:cNvPr>
+          <p:cNvSpPr txBox="1"/>
+          <p:nvPr/>
+        </p:nvSpPr>
+        <p:spPr>
+          <a:xfrm>
+            <a:off x="1749615" y="4604973"/>
+            <a:ext cx="1339633" cy="1200329"/>
+          </a:xfrm>
+          <a:prstGeom prst="rect">
+            <a:avLst/>
+          </a:prstGeom>
+          <a:noFill/>
+        </p:spPr>
+        <p:txBody>
+          <a:bodyPr wrap="square" rtlCol="0">
+            <a:spAutoFit/>
+          </a:bodyPr>
+          <a:lstStyle/>
+          <a:p>
+            <a:r>
+              <a:rPr lang="en-US" sz="4800" b="1" dirty="0">
+                <a:solidFill>
+                  <a:srgbClr val="00B050"/>
+                </a:solidFill>
+              </a:rPr>
+              <a:t>20% </a:t>
+            </a:r>
+          </a:p>
+          <a:p>
+            <a:r>
+              <a:rPr lang="en-US" sz="2400" b="1" dirty="0">
+                <a:solidFill>
+                  <a:srgbClr val="00B050"/>
+                </a:solidFill>
+              </a:rPr>
+              <a:t>Discount</a:t>
+            </a:r>
+          </a:p>
+        </p:txBody>
+      </p:sp>
+      <p:sp>
+        <p:nvSpPr>
+          <p:cNvPr id="10" name="TextBox 9">
+            <a:extLst>
+              <a:ext uri="{FF2B5EF4-FFF2-40B4-BE49-F238E27FC236}">
+                <a16:creationId xmlns:a16="http://schemas.microsoft.com/office/drawing/2014/main" id="{91AA96FC-7396-4B8B-6BC1-030B14C5A852}"/>
+              </a:ext>
+            </a:extLst>
+          </p:cNvPr>
+          <p:cNvSpPr txBox="1"/>
+          <p:nvPr/>
+        </p:nvSpPr>
+        <p:spPr>
+          <a:xfrm>
+            <a:off x="3089248" y="5805302"/>
+            <a:ext cx="6096000" cy="369332"/>
+          </a:xfrm>
+          <a:prstGeom prst="rect">
+            <a:avLst/>
+          </a:prstGeom>
+          <a:noFill/>
+        </p:spPr>
+        <p:txBody>
+          <a:bodyPr wrap="square">
+            <a:spAutoFit/>
+          </a:bodyPr>
+          <a:lstStyle/>
+          <a:p>
+            <a:r>
+              <a:rPr lang="en-US" dirty="0">
+                <a:solidFill>
+                  <a:schemeClr val="tx1">
+                    <a:lumMod val="50000"/>
+                    <a:lumOff val="50000"/>
+                  </a:schemeClr>
+                </a:solidFill>
+              </a:rPr>
+              <a:t>https://</a:t>
+            </a:r>
+            <a:r>
+              <a:rPr lang="en-US" b="1" dirty="0"/>
+              <a:t>abp.io/pricing</a:t>
+            </a:r>
+          </a:p>
+        </p:txBody>
+      </p:sp>
     </p:spTree>
     <p:extLst>
       <p:ext uri="{BB962C8B-B14F-4D97-AF65-F5344CB8AC3E}">
@@ -7538,6 +7675,127 @@
   <p:clrMapOvr>
     <a:masterClrMapping/>
   </p:clrMapOvr>
+  <p:timing>
+    <p:tnLst>
+      <p:par>
+        <p:cTn id="1" dur="indefinite" restart="never" nodeType="tmRoot">
+          <p:childTnLst>
+            <p:seq concurrent="1" nextAc="seek">
+              <p:cTn id="2" dur="indefinite" nodeType="mainSeq">
+                <p:childTnLst>
+                  <p:par>
+                    <p:cTn id="3" fill="hold">
+                      <p:stCondLst>
+                        <p:cond delay="indefinite"/>
+                      </p:stCondLst>
+                      <p:childTnLst>
+                        <p:par>
+                          <p:cTn id="4" fill="hold">
+                            <p:stCondLst>
+                              <p:cond delay="0"/>
+                            </p:stCondLst>
+                            <p:childTnLst>
+                              <p:par>
+                                <p:cTn id="5" presetID="10" presetClass="entr" presetSubtype="0" fill="hold" nodeType="clickEffect">
+                                  <p:stCondLst>
+                                    <p:cond delay="0"/>
+                                  </p:stCondLst>
+                                  <p:childTnLst>
+                                    <p:set>
+                                      <p:cBhvr>
+                                        <p:cTn id="6" dur="1" fill="hold">
+                                          <p:stCondLst>
+                                            <p:cond delay="0"/>
+                                          </p:stCondLst>
+                                        </p:cTn>
+                                        <p:tgtEl>
+                                          <p:spTgt spid="4"/>
+                                        </p:tgtEl>
+                                        <p:attrNameLst>
+                                          <p:attrName>style.visibility</p:attrName>
+                                        </p:attrNameLst>
+                                      </p:cBhvr>
+                                      <p:to>
+                                        <p:strVal val="visible"/>
+                                      </p:to>
+                                    </p:set>
+                                    <p:animEffect transition="in" filter="fade">
+                                      <p:cBhvr>
+                                        <p:cTn id="7" dur="500"/>
+                                        <p:tgtEl>
+                                          <p:spTgt spid="4"/>
+                                        </p:tgtEl>
+                                      </p:cBhvr>
+                                    </p:animEffect>
+                                  </p:childTnLst>
+                                </p:cTn>
+                              </p:par>
+                              <p:par>
+                                <p:cTn id="8" presetID="10" presetClass="entr" presetSubtype="0" fill="hold" grpId="0" nodeType="withEffect">
+                                  <p:stCondLst>
+                                    <p:cond delay="0"/>
+                                  </p:stCondLst>
+                                  <p:childTnLst>
+                                    <p:set>
+                                      <p:cBhvr>
+                                        <p:cTn id="9" dur="1" fill="hold">
+                                          <p:stCondLst>
+                                            <p:cond delay="0"/>
+                                          </p:stCondLst>
+                                        </p:cTn>
+                                        <p:tgtEl>
+                                          <p:spTgt spid="8"/>
+                                        </p:tgtEl>
+                                        <p:attrNameLst>
+                                          <p:attrName>style.visibility</p:attrName>
+                                        </p:attrNameLst>
+                                      </p:cBhvr>
+                                      <p:to>
+                                        <p:strVal val="visible"/>
+                                      </p:to>
+                                    </p:set>
+                                    <p:animEffect transition="in" filter="fade">
+                                      <p:cBhvr>
+                                        <p:cTn id="10" dur="500"/>
+                                        <p:tgtEl>
+                                          <p:spTgt spid="8"/>
+                                        </p:tgtEl>
+                                      </p:cBhvr>
+                                    </p:animEffect>
+                                  </p:childTnLst>
+                                </p:cTn>
+                              </p:par>
+                            </p:childTnLst>
+                          </p:cTn>
+                        </p:par>
+                      </p:childTnLst>
+                    </p:cTn>
+                  </p:par>
+                </p:childTnLst>
+              </p:cTn>
+              <p:prevCondLst>
+                <p:cond evt="onPrev" delay="0">
+                  <p:tgtEl>
+                    <p:sldTgt/>
+                  </p:tgtEl>
+                </p:cond>
+              </p:prevCondLst>
+              <p:nextCondLst>
+                <p:cond evt="onNext" delay="0">
+                  <p:tgtEl>
+                    <p:sldTgt/>
+                  </p:tgtEl>
+                </p:cond>
+              </p:nextCondLst>
+            </p:seq>
+          </p:childTnLst>
+        </p:cTn>
+      </p:par>
+    </p:tnLst>
+    <p:bldLst>
+      <p:bldP spid="8" grpId="0"/>
+    </p:bldLst>
+  </p:timing>
 </p:sld>
 </file>
 
@@ -9575,35 +9833,35 @@
           <a:lstStyle/>
           <a:p>
             <a:r>
-              <a:rPr lang="tr-TR" dirty="0">
+              <a:rPr lang="tr-TR" sz="3600" dirty="0">
                 <a:latin typeface="Euclid Circular B" panose="020B0504000000000000" pitchFamily="34" charset="0"/>
                 <a:ea typeface="Euclid Circular B" panose="020B0504000000000000" pitchFamily="34" charset="0"/>
               </a:rPr>
               <a:t>A </a:t>
             </a:r>
             <a:r>
-              <a:rPr lang="tr-TR" dirty="0" err="1">
+              <a:rPr lang="tr-TR" sz="3600" dirty="0" err="1">
                 <a:latin typeface="Euclid Circular B" panose="020B0504000000000000" pitchFamily="34" charset="0"/>
                 <a:ea typeface="Euclid Circular B" panose="020B0504000000000000" pitchFamily="34" charset="0"/>
               </a:rPr>
               <a:t>single</a:t>
             </a:r>
             <a:r>
-              <a:rPr lang="tr-TR" dirty="0">
+              <a:rPr lang="tr-TR" sz="3600" dirty="0">
                 <a:latin typeface="Euclid Circular B" panose="020B0504000000000000" pitchFamily="34" charset="0"/>
                 <a:ea typeface="Euclid Circular B" panose="020B0504000000000000" pitchFamily="34" charset="0"/>
               </a:rPr>
               <a:t> </a:t>
             </a:r>
             <a:r>
-              <a:rPr lang="en-US" dirty="0">
+              <a:rPr lang="en-US" sz="3600" dirty="0">
                 <a:latin typeface="Euclid Circular B" panose="020B0504000000000000" pitchFamily="34" charset="0"/>
                 <a:ea typeface="Euclid Circular B" panose="020B0504000000000000" pitchFamily="34" charset="0"/>
               </a:rPr>
               <a:t>view</a:t>
             </a:r>
             <a:r>
-              <a:rPr lang="tr-TR" dirty="0">
+              <a:rPr lang="tr-TR" sz="3600" dirty="0">
                 <a:latin typeface="Euclid Circular B" panose="020B0504000000000000" pitchFamily="34" charset="0"/>
                 <a:ea typeface="Euclid Circular B" panose="020B0504000000000000" pitchFamily="34" charset="0"/>
               </a:rPr>
@@ -9613,7 +9871,7 @@
           <a:p>
             <a:pPr lvl="1"/>
             <a:r>
-              <a:rPr lang="tr-TR" dirty="0">
+              <a:rPr lang="tr-TR" sz="3200" dirty="0">
                 <a:latin typeface="Euclid Circular B" panose="020B0504000000000000" pitchFamily="34" charset="0"/>
                 <a:ea typeface="Euclid Circular B" panose="020B0504000000000000" pitchFamily="34" charset="0"/>
               </a:rPr>
@@ -9623,7 +9881,7 @@
           <a:p>
             <a:pPr lvl="2"/>
             <a:r>
-              <a:rPr lang="tr-TR" dirty="0">
+              <a:rPr lang="tr-TR" sz="2800" dirty="0">
                 <a:latin typeface="Euclid Circular B" panose="020B0504000000000000" pitchFamily="34" charset="0"/>
                 <a:ea typeface="Euclid Circular B" panose="020B0504000000000000" pitchFamily="34" charset="0"/>
               </a:rPr>
@@ -9633,32 +9891,37 @@
           <a:p>
             <a:pPr lvl="2"/>
             <a:r>
-              <a:rPr lang="tr-TR" dirty="0">
+              <a:rPr lang="tr-TR" sz="2800" dirty="0">
                 <a:latin typeface="Euclid Circular B" panose="020B0504000000000000" pitchFamily="34" charset="0"/>
                 <a:ea typeface="Euclid Circular B" panose="020B0504000000000000" pitchFamily="34" charset="0"/>
               </a:rPr>
-              <a:t>Microservice / distributed systems</a:t>
-            </a:r>
-          </a:p>
-          <a:p>
-            <a:pPr lvl="1"/>
-            <a:r>
-              <a:rPr lang="tr-TR" dirty="0">
+              <a:t>Microservice / </a:t>
+            </a:r>
+            <a:r>
+              <a:rPr lang="tr-TR" sz="2800" dirty="0" err="1">
                 <a:latin typeface="Euclid Circular B" panose="020B0504000000000000" pitchFamily="34" charset="0"/>
                 <a:ea typeface="Euclid Circular B" panose="020B0504000000000000" pitchFamily="34" charset="0"/>
               </a:rPr>
-              <a:t>Building &amp; managing multi-package or layered modules</a:t>
-            </a:r>
-          </a:p>
-          <a:p>
-            <a:pPr lvl="1"/>
-            <a:r>
-              <a:rPr lang="tr-TR" dirty="0">
+              <a:t>distributed</a:t>
+            </a:r>
+            <a:r>
+              <a:rPr lang="tr-TR" sz="2800" dirty="0">
                 <a:latin typeface="Euclid Circular B" panose="020B0504000000000000" pitchFamily="34" charset="0"/>
                 <a:ea typeface="Euclid Circular B" panose="020B0504000000000000" pitchFamily="34" charset="0"/>
               </a:rPr>
-              <a:t>Install, uninstall and explore external modules</a:t>
-            </a:r>
+              <a:t> </a:t>
+            </a:r>
+            <a:r>
+              <a:rPr lang="tr-TR" sz="2800" dirty="0" err="1">
+                <a:latin typeface="Euclid Circular B" panose="020B0504000000000000" pitchFamily="34" charset="0"/>
+                <a:ea typeface="Euclid Circular B" panose="020B0504000000000000" pitchFamily="34" charset="0"/>
+              </a:rPr>
+              <a:t>systems</a:t>
+            </a:r>
+            <a:endParaRPr lang="tr-TR" sz="2800" dirty="0">
+              <a:latin typeface="Euclid Circular B" panose="020B0504000000000000" pitchFamily="34" charset="0"/>
+              <a:ea typeface="Euclid Circular B" panose="020B0504000000000000" pitchFamily="34" charset="0"/>
+            </a:endParaRPr>
           </a:p>
         </p:txBody>
       </p:sp>
@@ -9921,128 +10184,6 @@
                                           <p:spTgt spid="3">
                                             <p:txEl>
                                               <p:pRg st="3" end="3"/>
-                                            </p:txEl>
-                                          </p:spTgt>
-                                        </p:tgtEl>
-                                      </p:cBhvr>
-                                    </p:animEffect>
-                                  </p:childTnLst>
-                                </p:cTn>
-                              </p:par>
-                            </p:childTnLst>
-                          </p:cTn>
-                        </p:par>
-                      </p:childTnLst>
-                    </p:cTn>
-                  </p:par>
-                  <p:par>
-                    <p:cTn id="19" fill="hold">
-                      <p:stCondLst>
-                        <p:cond delay="indefinite"/>
-                      </p:stCondLst>
-                      <p:childTnLst>
-                        <p:par>
-                          <p:cTn id="20" fill="hold">
-                            <p:stCondLst>
-                              <p:cond delay="0"/>
-                            </p:stCondLst>
-                            <p:childTnLst>
-                              <p:par>
-                                <p:cTn id="21" presetID="10" presetClass="entr" presetSubtype="0" fill="hold" nodeType="clickEffect">
-                                  <p:stCondLst>
-                                    <p:cond delay="0"/>
-                                  </p:stCondLst>
-                                  <p:childTnLst>
-                                    <p:set>
-                                      <p:cBhvr>
-                                        <p:cTn id="22" dur="1" fill="hold">
-                                          <p:stCondLst>
-                                            <p:cond delay="0"/>
-                                          </p:stCondLst>
-                                        </p:cTn>
-                                        <p:tgtEl>
-                                          <p:spTgt spid="3">
-                                            <p:txEl>
-                                              <p:pRg st="4" end="4"/>
-                                            </p:txEl>
-                                          </p:spTgt>
-                                        </p:tgtEl>
-                                        <p:attrNameLst>
-                                          <p:attrName>style.visibility</p:attrName>
-                                        </p:attrNameLst>
-                                      </p:cBhvr>
-                                      <p:to>
-                                        <p:strVal val="visible"/>
-                                      </p:to>
-                                    </p:set>
-                                    <p:animEffect transition="in" filter="fade">
-                                      <p:cBhvr>
-                                        <p:cTn id="23" dur="500"/>
-                                        <p:tgtEl>
-                                          <p:spTgt spid="3">
-                                            <p:txEl>
-                                              <p:pRg st="4" end="4"/>
-                                            </p:txEl>
-                                          </p:spTgt>
-                                        </p:tgtEl>
-                                      </p:cBhvr>
-                                    </p:animEffect>
-                                  </p:childTnLst>
-                                </p:cTn>
-                              </p:par>
-                            </p:childTnLst>
-                          </p:cTn>
-                        </p:par>
-                      </p:childTnLst>
-                    </p:cTn>
-                  </p:par>
-                  <p:par>
-                    <p:cTn id="24" fill="hold">
-                      <p:stCondLst>
-                        <p:cond delay="indefinite"/>
-                      </p:stCondLst>
-                      <p:childTnLst>
-                        <p:par>
-                          <p:cTn id="25" fill="hold">
-                            <p:stCondLst>
-                              <p:cond delay="0"/>
-                            </p:stCondLst>
-                            <p:childTnLst>
-                              <p:par>
-                                <p:cTn id="26" presetID="10" presetClass="entr" presetSubtype="0" fill="hold" nodeType="clickEffect">
-                                  <p:stCondLst>
-                                    <p:cond delay="0"/>
-                                  </p:stCondLst>
-                                  <p:childTnLst>
-                                    <p:set>
-                                      <p:cBhvr>
-                                        <p:cTn id="27" dur="1" fill="hold">
-                                          <p:stCondLst>
-                                            <p:cond delay="0"/>
-                                          </p:stCondLst>
-                                        </p:cTn>
-                                        <p:tgtEl>
-                                          <p:spTgt spid="3">
-                                            <p:txEl>
-                                              <p:pRg st="5" end="5"/>
-                                            </p:txEl>
-                                          </p:spTgt>
-                                        </p:tgtEl>
-                                        <p:attrNameLst>
-                                          <p:attrName>style.visibility</p:attrName>
-                                        </p:attrNameLst>
-                                      </p:cBhvr>
-                                      <p:to>
-                                        <p:strVal val="visible"/>
-                                      </p:to>
-                                    </p:set>
-                                    <p:animEffect transition="in" filter="fade">
-                                      <p:cBhvr>
-                                        <p:cTn id="28" dur="500"/>
-                                        <p:tgtEl>
-                                          <p:spTgt spid="3">
-                                            <p:txEl>
-                                              <p:pRg st="5" end="5"/>
                                             </p:txEl>
                                           </p:spTgt>
                                         </p:tgtEl>
@@ -10173,7 +10314,7 @@
         <p:spPr>
           <a:xfrm>
             <a:off x="838200" y="1825625"/>
-            <a:ext cx="4361953" cy="4351338"/>
+            <a:ext cx="4843549" cy="4351338"/>
           </a:xfrm>
         </p:spPr>
         <p:txBody>
@@ -10183,7 +10324,7 @@
           <a:lstStyle/>
           <a:p>
             <a:r>
-              <a:rPr lang="tr-TR" dirty="0">
+              <a:rPr lang="tr-TR" sz="3200" dirty="0">
                 <a:latin typeface="Euclid Circular B" panose="020B0504000000000000" pitchFamily="34" charset="0"/>
                 <a:ea typeface="Euclid Circular B" panose="020B0504000000000000" pitchFamily="34" charset="0"/>
               </a:rPr>
@@ -10193,7 +10334,7 @@
           <a:p>
             <a:pPr lvl="1"/>
             <a:r>
-              <a:rPr lang="tr-TR" dirty="0">
+              <a:rPr lang="tr-TR" sz="2800" dirty="0">
                 <a:latin typeface="Euclid Circular B" panose="020B0504000000000000" pitchFamily="34" charset="0"/>
                 <a:ea typeface="Euclid Circular B" panose="020B0504000000000000" pitchFamily="34" charset="0"/>
               </a:rPr>
@@ -10203,7 +10344,7 @@
           <a:p>
             <a:pPr lvl="1"/>
             <a:r>
-              <a:rPr lang="tr-TR" dirty="0">
+              <a:rPr lang="tr-TR" sz="2800" dirty="0">
                 <a:latin typeface="Euclid Circular B" panose="020B0504000000000000" pitchFamily="34" charset="0"/>
                 <a:ea typeface="Euclid Circular B" panose="020B0504000000000000" pitchFamily="34" charset="0"/>
               </a:rPr>
@@ -10586,7 +10727,7 @@
           <a:lstStyle/>
           <a:p>
             <a:r>
-              <a:rPr lang="tr-TR" dirty="0">
+              <a:rPr lang="tr-TR" sz="3200" dirty="0">
                 <a:latin typeface="Euclid Circular B" panose="020B0504000000000000" pitchFamily="34" charset="0"/>
                 <a:ea typeface="Euclid Circular B" panose="020B0504000000000000" pitchFamily="34" charset="0"/>
               </a:rPr>
@@ -10596,7 +10737,7 @@
           <a:p>
             <a:pPr lvl="1"/>
             <a:r>
-              <a:rPr lang="tr-TR" dirty="0">
+              <a:rPr lang="tr-TR" sz="2800" dirty="0">
                 <a:latin typeface="Euclid Circular B" panose="020B0504000000000000" pitchFamily="34" charset="0"/>
                 <a:ea typeface="Euclid Circular B" panose="020B0504000000000000" pitchFamily="34" charset="0"/>
               </a:rPr>
@@ -10606,7 +10747,7 @@
           <a:p>
             <a:pPr lvl="1"/>
             <a:r>
-              <a:rPr lang="tr-TR" dirty="0">
+              <a:rPr lang="tr-TR" sz="2800" dirty="0">
                 <a:latin typeface="Euclid Circular B" panose="020B0504000000000000" pitchFamily="34" charset="0"/>
                 <a:ea typeface="Euclid Circular B" panose="020B0504000000000000" pitchFamily="34" charset="0"/>
               </a:rPr>
@@ -10616,13 +10757,13 @@
           <a:p>
             <a:pPr lvl="1"/>
             <a:r>
-              <a:rPr lang="tr-TR" dirty="0">
+              <a:rPr lang="tr-TR" sz="2800" dirty="0">
                 <a:latin typeface="Euclid Circular B" panose="020B0504000000000000" pitchFamily="34" charset="0"/>
                 <a:ea typeface="Euclid Circular B" panose="020B0504000000000000" pitchFamily="34" charset="0"/>
               </a:rPr>
               <a:t>Intercept traffic to run, debug and develop a service in your local environment</a:t>
             </a:r>
-            <a:endParaRPr lang="en-US" dirty="0">
+            <a:endParaRPr lang="en-US" sz="2800" dirty="0">
               <a:latin typeface="Euclid Circular B" panose="020B0504000000000000" pitchFamily="34" charset="0"/>
               <a:ea typeface="Euclid Circular B" panose="020B0504000000000000" pitchFamily="34" charset="0"/>
             </a:endParaRPr>

--- a/2024-08-15 ABP Community Talks 2024.4/ABP Studio - The Missing Tool for Dotnet Developers.pptx
+++ b/2024-08-15 ABP Community Talks 2024.4/ABP Studio - The Missing Tool for Dotnet Developers.pptx
@@ -7634,7 +7634,7 @@
         <p:spPr>
           <a:xfrm>
             <a:off x="3089248" y="5805302"/>
-            <a:ext cx="6096000" cy="369332"/>
+            <a:ext cx="2352047" cy="369332"/>
           </a:xfrm>
           <a:prstGeom prst="rect">
             <a:avLst/>
@@ -7662,6 +7662,60 @@
               <a:rPr lang="en-US" b="1" dirty="0"/>
               <a:t>abp.io/pricing</a:t>
             </a:r>
+          </a:p>
+        </p:txBody>
+      </p:sp>
+      <p:sp>
+        <p:nvSpPr>
+          <p:cNvPr id="3" name="TextBox 2">
+            <a:extLst>
+              <a:ext uri="{FF2B5EF4-FFF2-40B4-BE49-F238E27FC236}">
+                <a16:creationId xmlns:a16="http://schemas.microsoft.com/office/drawing/2014/main" id="{2A36ECD5-3E0F-20B4-434A-75AEFC99A83A}"/>
+              </a:ext>
+            </a:extLst>
+          </p:cNvPr>
+          <p:cNvSpPr txBox="1"/>
+          <p:nvPr/>
+        </p:nvSpPr>
+        <p:spPr>
+          <a:xfrm>
+            <a:off x="5755505" y="5805302"/>
+            <a:ext cx="4803244" cy="369332"/>
+          </a:xfrm>
+          <a:prstGeom prst="rect">
+            <a:avLst/>
+          </a:prstGeom>
+          <a:noFill/>
+        </p:spPr>
+        <p:txBody>
+          <a:bodyPr wrap="square">
+            <a:spAutoFit/>
+          </a:bodyPr>
+          <a:lstStyle/>
+          <a:p>
+            <a:pPr algn="r"/>
+            <a:r>
+              <a:rPr lang="en-US" b="1" dirty="0">
+                <a:solidFill>
+                  <a:srgbClr val="FF0000"/>
+                </a:solidFill>
+              </a:rPr>
+              <a:t>LAST 2 DAYS..! </a:t>
+            </a:r>
+            <a:r>
+              <a:rPr lang="en-US" b="1" dirty="0">
+                <a:solidFill>
+                  <a:srgbClr val="FF0000"/>
+                </a:solidFill>
+                <a:sym typeface="Wingdings" panose="05000000000000000000" pitchFamily="2" charset="2"/>
+              </a:rPr>
+              <a:t></a:t>
+            </a:r>
+            <a:endParaRPr lang="en-US" b="1" dirty="0">
+              <a:solidFill>
+                <a:srgbClr val="FF0000"/>
+              </a:solidFill>
+            </a:endParaRPr>
           </a:p>
         </p:txBody>
       </p:sp>
@@ -7771,6 +7825,94 @@
                       </p:childTnLst>
                     </p:cTn>
                   </p:par>
+                  <p:par>
+                    <p:cTn id="11" fill="hold">
+                      <p:stCondLst>
+                        <p:cond delay="indefinite"/>
+                      </p:stCondLst>
+                      <p:childTnLst>
+                        <p:par>
+                          <p:cTn id="12" fill="hold">
+                            <p:stCondLst>
+                              <p:cond delay="0"/>
+                            </p:stCondLst>
+                            <p:childTnLst>
+                              <p:par>
+                                <p:cTn id="13" presetID="10" presetClass="entr" presetSubtype="0" fill="hold" grpId="0" nodeType="clickEffect">
+                                  <p:stCondLst>
+                                    <p:cond delay="0"/>
+                                  </p:stCondLst>
+                                  <p:childTnLst>
+                                    <p:set>
+                                      <p:cBhvr>
+                                        <p:cTn id="14" dur="1" fill="hold">
+                                          <p:stCondLst>
+                                            <p:cond delay="0"/>
+                                          </p:stCondLst>
+                                        </p:cTn>
+                                        <p:tgtEl>
+                                          <p:spTgt spid="10"/>
+                                        </p:tgtEl>
+                                        <p:attrNameLst>
+                                          <p:attrName>style.visibility</p:attrName>
+                                        </p:attrNameLst>
+                                      </p:cBhvr>
+                                      <p:to>
+                                        <p:strVal val="visible"/>
+                                      </p:to>
+                                    </p:set>
+                                    <p:animEffect transition="in" filter="fade">
+                                      <p:cBhvr>
+                                        <p:cTn id="15" dur="500"/>
+                                        <p:tgtEl>
+                                          <p:spTgt spid="10"/>
+                                        </p:tgtEl>
+                                      </p:cBhvr>
+                                    </p:animEffect>
+                                  </p:childTnLst>
+                                </p:cTn>
+                              </p:par>
+                              <p:par>
+                                <p:cTn id="16" presetID="10" presetClass="entr" presetSubtype="0" fill="hold" grpId="0" nodeType="withEffect">
+                                  <p:stCondLst>
+                                    <p:cond delay="0"/>
+                                  </p:stCondLst>
+                                  <p:childTnLst>
+                                    <p:set>
+                                      <p:cBhvr>
+                                        <p:cTn id="17" dur="1" fill="hold">
+                                          <p:stCondLst>
+                                            <p:cond delay="0"/>
+                                          </p:stCondLst>
+                                        </p:cTn>
+                                        <p:tgtEl>
+                                          <p:spTgt spid="3"/>
+                                        </p:tgtEl>
+                                        <p:attrNameLst>
+                                          <p:attrName>style.visibility</p:attrName>
+                                        </p:attrNameLst>
+                                      </p:cBhvr>
+                                      <p:to>
+                                        <p:strVal val="visible"/>
+                                      </p:to>
+                                    </p:set>
+                                    <p:animEffect transition="in" filter="fade">
+                                      <p:cBhvr>
+                                        <p:cTn id="18" dur="500"/>
+                                        <p:tgtEl>
+                                          <p:spTgt spid="3"/>
+                                        </p:tgtEl>
+                                      </p:cBhvr>
+                                    </p:animEffect>
+                                  </p:childTnLst>
+                                </p:cTn>
+                              </p:par>
+                            </p:childTnLst>
+                          </p:cTn>
+                        </p:par>
+                      </p:childTnLst>
+                    </p:cTn>
+                  </p:par>
                 </p:childTnLst>
               </p:cTn>
               <p:prevCondLst>
@@ -7794,6 +7936,8 @@
     </p:tnLst>
     <p:bldLst>
       <p:bldP spid="8" grpId="0"/>
+      <p:bldP spid="10" grpId="0"/>
+      <p:bldP spid="3" grpId="0"/>
     </p:bldLst>
   </p:timing>
 </p:sld>

--- a/2024-08-15 ABP Community Talks 2024.4/ABP Studio - The Missing Tool for Dotnet Developers.pptx
+++ b/2024-08-15 ABP Community Talks 2024.4/ABP Studio - The Missing Tool for Dotnet Developers.pptx
@@ -277,7 +277,7 @@
           <a:p>
             <a:fld id="{2A14C9FE-EBC3-45D3-899C-58AAF4F8AF71}" type="datetimeFigureOut">
               <a:rPr lang="en-US" smtClean="0"/>
-              <a:t>8/13/2024</a:t>
+              <a:t>8/14/2024</a:t>
             </a:fld>
             <a:endParaRPr lang="en-US"/>
           </a:p>
@@ -475,7 +475,7 @@
           <a:p>
             <a:fld id="{2A14C9FE-EBC3-45D3-899C-58AAF4F8AF71}" type="datetimeFigureOut">
               <a:rPr lang="en-US" smtClean="0"/>
-              <a:t>8/13/2024</a:t>
+              <a:t>8/14/2024</a:t>
             </a:fld>
             <a:endParaRPr lang="en-US"/>
           </a:p>
@@ -683,7 +683,7 @@
           <a:p>
             <a:fld id="{2A14C9FE-EBC3-45D3-899C-58AAF4F8AF71}" type="datetimeFigureOut">
               <a:rPr lang="en-US" smtClean="0"/>
-              <a:t>8/13/2024</a:t>
+              <a:t>8/14/2024</a:t>
             </a:fld>
             <a:endParaRPr lang="en-US"/>
           </a:p>
@@ -881,7 +881,7 @@
           <a:p>
             <a:fld id="{2A14C9FE-EBC3-45D3-899C-58AAF4F8AF71}" type="datetimeFigureOut">
               <a:rPr lang="en-US" smtClean="0"/>
-              <a:t>8/13/2024</a:t>
+              <a:t>8/14/2024</a:t>
             </a:fld>
             <a:endParaRPr lang="en-US"/>
           </a:p>
@@ -1156,7 +1156,7 @@
           <a:p>
             <a:fld id="{2A14C9FE-EBC3-45D3-899C-58AAF4F8AF71}" type="datetimeFigureOut">
               <a:rPr lang="en-US" smtClean="0"/>
-              <a:t>8/13/2024</a:t>
+              <a:t>8/14/2024</a:t>
             </a:fld>
             <a:endParaRPr lang="en-US"/>
           </a:p>
@@ -1421,7 +1421,7 @@
           <a:p>
             <a:fld id="{2A14C9FE-EBC3-45D3-899C-58AAF4F8AF71}" type="datetimeFigureOut">
               <a:rPr lang="en-US" smtClean="0"/>
-              <a:t>8/13/2024</a:t>
+              <a:t>8/14/2024</a:t>
             </a:fld>
             <a:endParaRPr lang="en-US"/>
           </a:p>
@@ -1833,7 +1833,7 @@
           <a:p>
             <a:fld id="{2A14C9FE-EBC3-45D3-899C-58AAF4F8AF71}" type="datetimeFigureOut">
               <a:rPr lang="en-US" smtClean="0"/>
-              <a:t>8/13/2024</a:t>
+              <a:t>8/14/2024</a:t>
             </a:fld>
             <a:endParaRPr lang="en-US"/>
           </a:p>
@@ -1974,7 +1974,7 @@
           <a:p>
             <a:fld id="{2A14C9FE-EBC3-45D3-899C-58AAF4F8AF71}" type="datetimeFigureOut">
               <a:rPr lang="en-US" smtClean="0"/>
-              <a:t>8/13/2024</a:t>
+              <a:t>8/14/2024</a:t>
             </a:fld>
             <a:endParaRPr lang="en-US"/>
           </a:p>
@@ -2087,7 +2087,7 @@
           <a:p>
             <a:fld id="{2A14C9FE-EBC3-45D3-899C-58AAF4F8AF71}" type="datetimeFigureOut">
               <a:rPr lang="en-US" smtClean="0"/>
-              <a:t>8/13/2024</a:t>
+              <a:t>8/14/2024</a:t>
             </a:fld>
             <a:endParaRPr lang="en-US"/>
           </a:p>
@@ -2398,7 +2398,7 @@
           <a:p>
             <a:fld id="{2A14C9FE-EBC3-45D3-899C-58AAF4F8AF71}" type="datetimeFigureOut">
               <a:rPr lang="en-US" smtClean="0"/>
-              <a:t>8/13/2024</a:t>
+              <a:t>8/14/2024</a:t>
             </a:fld>
             <a:endParaRPr lang="en-US"/>
           </a:p>
@@ -2686,7 +2686,7 @@
           <a:p>
             <a:fld id="{2A14C9FE-EBC3-45D3-899C-58AAF4F8AF71}" type="datetimeFigureOut">
               <a:rPr lang="en-US" smtClean="0"/>
-              <a:t>8/13/2024</a:t>
+              <a:t>8/14/2024</a:t>
             </a:fld>
             <a:endParaRPr lang="en-US"/>
           </a:p>
@@ -2927,7 +2927,7 @@
           <a:p>
             <a:fld id="{2A14C9FE-EBC3-45D3-899C-58AAF4F8AF71}" type="datetimeFigureOut">
               <a:rPr lang="en-US" smtClean="0"/>
-              <a:t>8/13/2024</a:t>
+              <a:t>8/14/2024</a:t>
             </a:fld>
             <a:endParaRPr lang="en-US"/>
           </a:p>
@@ -5358,7 +5358,14 @@
                 <a:latin typeface="Euclid Circular B" panose="020B0504000000000000" pitchFamily="34" charset="0"/>
                 <a:ea typeface="Euclid Circular B" panose="020B0504000000000000" pitchFamily="34" charset="0"/>
               </a:rPr>
-              <a:t>View &amp; manage Helm charts</a:t>
+              <a:t>View &amp; manage </a:t>
+            </a:r>
+            <a:r>
+              <a:rPr lang="en-US" b="1" dirty="0">
+                <a:latin typeface="Euclid Circular B" panose="020B0504000000000000" pitchFamily="34" charset="0"/>
+                <a:ea typeface="Euclid Circular B" panose="020B0504000000000000" pitchFamily="34" charset="0"/>
+              </a:rPr>
+              <a:t>Helm charts</a:t>
             </a:r>
           </a:p>
           <a:p>
@@ -5367,25 +5374,46 @@
                 <a:latin typeface="Euclid Circular B" panose="020B0504000000000000" pitchFamily="34" charset="0"/>
                 <a:ea typeface="Euclid Circular B" panose="020B0504000000000000" pitchFamily="34" charset="0"/>
               </a:rPr>
-              <a:t>Building docker images</a:t>
-            </a:r>
-          </a:p>
-          <a:p>
+              <a:t>Building </a:t>
+            </a:r>
+            <a:r>
+              <a:rPr lang="en-US" b="1" dirty="0">
+                <a:latin typeface="Euclid Circular B" panose="020B0504000000000000" pitchFamily="34" charset="0"/>
+                <a:ea typeface="Euclid Circular B" panose="020B0504000000000000" pitchFamily="34" charset="0"/>
+              </a:rPr>
+              <a:t>docker images</a:t>
+            </a:r>
+          </a:p>
+          <a:p>
+            <a:r>
+              <a:rPr lang="en-US" b="1" dirty="0">
+                <a:latin typeface="Euclid Circular B" panose="020B0504000000000000" pitchFamily="34" charset="0"/>
+                <a:ea typeface="Euclid Circular B" panose="020B0504000000000000" pitchFamily="34" charset="0"/>
+              </a:rPr>
+              <a:t>Installing</a:t>
+            </a:r>
             <a:r>
               <a:rPr lang="en-US" dirty="0">
                 <a:latin typeface="Euclid Circular B" panose="020B0504000000000000" pitchFamily="34" charset="0"/>
                 <a:ea typeface="Euclid Circular B" panose="020B0504000000000000" pitchFamily="34" charset="0"/>
               </a:rPr>
-              <a:t>Installing Helm charts</a:t>
-            </a:r>
-          </a:p>
-          <a:p>
+              <a:t> Helm charts</a:t>
+            </a:r>
+          </a:p>
+          <a:p>
+            <a:r>
+              <a:rPr lang="en-US" b="1" dirty="0">
+                <a:latin typeface="Euclid Circular B" panose="020B0504000000000000" pitchFamily="34" charset="0"/>
+                <a:ea typeface="Euclid Circular B" panose="020B0504000000000000" pitchFamily="34" charset="0"/>
+              </a:rPr>
+              <a:t>Connecting</a:t>
+            </a:r>
             <a:r>
               <a:rPr lang="en-US" dirty="0">
                 <a:latin typeface="Euclid Circular B" panose="020B0504000000000000" pitchFamily="34" charset="0"/>
                 <a:ea typeface="Euclid Circular B" panose="020B0504000000000000" pitchFamily="34" charset="0"/>
               </a:rPr>
-              <a:t>Connecting to a Kubernetes cluster</a:t>
+              <a:t> to a Kubernetes cluster</a:t>
             </a:r>
           </a:p>
           <a:p>
@@ -5394,43 +5422,78 @@
                 <a:latin typeface="Euclid Circular B" panose="020B0504000000000000" pitchFamily="34" charset="0"/>
                 <a:ea typeface="Euclid Circular B" panose="020B0504000000000000" pitchFamily="34" charset="0"/>
               </a:rPr>
-              <a:t>Accessing to internal services</a:t>
-            </a:r>
-          </a:p>
-          <a:p>
+              <a:t>Accessing to </a:t>
+            </a:r>
+            <a:r>
+              <a:rPr lang="en-US" b="1" dirty="0">
+                <a:latin typeface="Euclid Circular B" panose="020B0504000000000000" pitchFamily="34" charset="0"/>
+                <a:ea typeface="Euclid Circular B" panose="020B0504000000000000" pitchFamily="34" charset="0"/>
+              </a:rPr>
+              <a:t>internal services</a:t>
+            </a:r>
+          </a:p>
+          <a:p>
+            <a:r>
+              <a:rPr lang="en-US" b="1" dirty="0">
+                <a:latin typeface="Euclid Circular B" panose="020B0504000000000000" pitchFamily="34" charset="0"/>
+                <a:ea typeface="Euclid Circular B" panose="020B0504000000000000" pitchFamily="34" charset="0"/>
+              </a:rPr>
+              <a:t>Browsing</a:t>
+            </a:r>
             <a:r>
               <a:rPr lang="en-US" dirty="0">
                 <a:latin typeface="Euclid Circular B" panose="020B0504000000000000" pitchFamily="34" charset="0"/>
                 <a:ea typeface="Euclid Circular B" panose="020B0504000000000000" pitchFamily="34" charset="0"/>
               </a:rPr>
-              <a:t>Browsing the applications</a:t>
-            </a:r>
-          </a:p>
-          <a:p>
+              <a:t> the applications</a:t>
+            </a:r>
+          </a:p>
+          <a:p>
+            <a:r>
+              <a:rPr lang="en-US" b="1" dirty="0">
+                <a:latin typeface="Euclid Circular B" panose="020B0504000000000000" pitchFamily="34" charset="0"/>
+                <a:ea typeface="Euclid Circular B" panose="020B0504000000000000" pitchFamily="34" charset="0"/>
+              </a:rPr>
+              <a:t>Collecting data </a:t>
+            </a:r>
             <a:r>
               <a:rPr lang="en-US" dirty="0">
                 <a:latin typeface="Euclid Circular B" panose="020B0504000000000000" pitchFamily="34" charset="0"/>
                 <a:ea typeface="Euclid Circular B" panose="020B0504000000000000" pitchFamily="34" charset="0"/>
               </a:rPr>
-              <a:t>Collecting data from a Kubernetes cluster</a:t>
-            </a:r>
-          </a:p>
-          <a:p>
+              <a:t>from a Kubernetes cluster</a:t>
+            </a:r>
+          </a:p>
+          <a:p>
+            <a:r>
+              <a:rPr lang="en-US" b="1" dirty="0">
+                <a:latin typeface="Euclid Circular B" panose="020B0504000000000000" pitchFamily="34" charset="0"/>
+                <a:ea typeface="Euclid Circular B" panose="020B0504000000000000" pitchFamily="34" charset="0"/>
+              </a:rPr>
+              <a:t>Intercepting</a:t>
+            </a:r>
             <a:r>
               <a:rPr lang="en-US" dirty="0">
                 <a:latin typeface="Euclid Circular B" panose="020B0504000000000000" pitchFamily="34" charset="0"/>
                 <a:ea typeface="Euclid Circular B" panose="020B0504000000000000" pitchFamily="34" charset="0"/>
               </a:rPr>
-              <a:t>Intercepting services</a:t>
-            </a:r>
-          </a:p>
-          <a:p>
+              <a:t> services</a:t>
+            </a:r>
+          </a:p>
+          <a:p>
+            <a:r>
+              <a:rPr lang="en-US" b="1" dirty="0">
+                <a:latin typeface="Euclid Circular B" panose="020B0504000000000000" pitchFamily="34" charset="0"/>
+                <a:ea typeface="Euclid Circular B" panose="020B0504000000000000" pitchFamily="34" charset="0"/>
+              </a:rPr>
+              <a:t>Re-deploying</a:t>
+            </a:r>
             <a:r>
               <a:rPr lang="en-US" dirty="0">
                 <a:latin typeface="Euclid Circular B" panose="020B0504000000000000" pitchFamily="34" charset="0"/>
                 <a:ea typeface="Euclid Circular B" panose="020B0504000000000000" pitchFamily="34" charset="0"/>
               </a:rPr>
-              <a:t>Re-deploying services</a:t>
+              <a:t> services</a:t>
             </a:r>
           </a:p>
         </p:txBody>
@@ -8041,16 +8104,44 @@
                 <a:latin typeface="Euclid Circular B" panose="020B0504000000000000" pitchFamily="34" charset="0"/>
                 <a:ea typeface="Euclid Circular B" panose="020B0504000000000000" pitchFamily="34" charset="0"/>
               </a:rPr>
-              <a:t>Developing Modular Monolith Applications</a:t>
-            </a:r>
-          </a:p>
-          <a:p>
+              <a:t>Developing </a:t>
+            </a:r>
+            <a:r>
+              <a:rPr lang="tr-TR" b="1" dirty="0">
+                <a:latin typeface="Euclid Circular B" panose="020B0504000000000000" pitchFamily="34" charset="0"/>
+                <a:ea typeface="Euclid Circular B" panose="020B0504000000000000" pitchFamily="34" charset="0"/>
+              </a:rPr>
+              <a:t>Modular Monolith </a:t>
+            </a:r>
             <a:r>
               <a:rPr lang="tr-TR" dirty="0">
                 <a:latin typeface="Euclid Circular B" panose="020B0504000000000000" pitchFamily="34" charset="0"/>
                 <a:ea typeface="Euclid Circular B" panose="020B0504000000000000" pitchFamily="34" charset="0"/>
               </a:rPr>
-              <a:t>Developing Microservice Applications &amp; The Microservice Startup Template</a:t>
+              <a:t>Applications</a:t>
+            </a:r>
+          </a:p>
+          <a:p>
+            <a:r>
+              <a:rPr lang="tr-TR" dirty="0">
+                <a:latin typeface="Euclid Circular B" panose="020B0504000000000000" pitchFamily="34" charset="0"/>
+                <a:ea typeface="Euclid Circular B" panose="020B0504000000000000" pitchFamily="34" charset="0"/>
+              </a:rPr>
+              <a:t>Developing </a:t>
+            </a:r>
+            <a:r>
+              <a:rPr lang="tr-TR" b="1" dirty="0">
+                <a:latin typeface="Euclid Circular B" panose="020B0504000000000000" pitchFamily="34" charset="0"/>
+                <a:ea typeface="Euclid Circular B" panose="020B0504000000000000" pitchFamily="34" charset="0"/>
+              </a:rPr>
+              <a:t>Microservice</a:t>
+            </a:r>
+            <a:r>
+              <a:rPr lang="tr-TR" dirty="0">
+                <a:latin typeface="Euclid Circular B" panose="020B0504000000000000" pitchFamily="34" charset="0"/>
+                <a:ea typeface="Euclid Circular B" panose="020B0504000000000000" pitchFamily="34" charset="0"/>
+              </a:rPr>
+              <a:t> Applications &amp; The Microservice Startup Template</a:t>
             </a:r>
             <a:endParaRPr lang="en-US" dirty="0">
               <a:latin typeface="Euclid Circular B" panose="020B0504000000000000" pitchFamily="34" charset="0"/>
@@ -11430,7 +11521,14 @@
                 <a:latin typeface="Euclid Circular B" panose="020B0504000000000000" pitchFamily="34" charset="0"/>
                 <a:ea typeface="Euclid Circular B" panose="020B0504000000000000" pitchFamily="34" charset="0"/>
               </a:rPr>
-              <a:t>The Startup Templates</a:t>
+              <a:t>The </a:t>
+            </a:r>
+            <a:r>
+              <a:rPr lang="en-US" b="1" dirty="0">
+                <a:latin typeface="Euclid Circular B" panose="020B0504000000000000" pitchFamily="34" charset="0"/>
+                <a:ea typeface="Euclid Circular B" panose="020B0504000000000000" pitchFamily="34" charset="0"/>
+              </a:rPr>
+              <a:t>Startup Templates</a:t>
             </a:r>
           </a:p>
           <a:p>
@@ -11475,11 +11573,18 @@
           </a:p>
           <a:p>
             <a:r>
+              <a:rPr lang="en-US" b="1" dirty="0">
+                <a:latin typeface="Euclid Circular B" panose="020B0504000000000000" pitchFamily="34" charset="0"/>
+                <a:ea typeface="Euclid Circular B" panose="020B0504000000000000" pitchFamily="34" charset="0"/>
+              </a:rPr>
+              <a:t>Options </a:t>
+            </a:r>
+            <a:r>
               <a:rPr lang="en-US" dirty="0">
                 <a:latin typeface="Euclid Circular B" panose="020B0504000000000000" pitchFamily="34" charset="0"/>
                 <a:ea typeface="Euclid Circular B" panose="020B0504000000000000" pitchFamily="34" charset="0"/>
               </a:rPr>
-              <a:t>Options for the startup templates</a:t>
+              <a:t>for the startup templates</a:t>
             </a:r>
           </a:p>
           <a:p>
@@ -11498,7 +11603,14 @@
                 <a:latin typeface="Euclid Circular B" panose="020B0504000000000000" pitchFamily="34" charset="0"/>
                 <a:ea typeface="Euclid Circular B" panose="020B0504000000000000" pitchFamily="34" charset="0"/>
               </a:rPr>
-              <a:t>Imported Modules &amp; Dependencies</a:t>
+              <a:t>Imported </a:t>
+            </a:r>
+            <a:r>
+              <a:rPr lang="en-US" b="1" dirty="0">
+                <a:latin typeface="Euclid Circular B" panose="020B0504000000000000" pitchFamily="34" charset="0"/>
+                <a:ea typeface="Euclid Circular B" panose="020B0504000000000000" pitchFamily="34" charset="0"/>
+              </a:rPr>
+              <a:t>Modules &amp; Dependencies</a:t>
             </a:r>
           </a:p>
           <a:p>
@@ -11507,16 +11619,30 @@
                 <a:latin typeface="Euclid Circular B" panose="020B0504000000000000" pitchFamily="34" charset="0"/>
                 <a:ea typeface="Euclid Circular B" panose="020B0504000000000000" pitchFamily="34" charset="0"/>
               </a:rPr>
-              <a:t>ABP &amp; .NET CLI Commands</a:t>
-            </a:r>
-          </a:p>
-          <a:p>
+              <a:t>ABP &amp; .NET </a:t>
+            </a:r>
+            <a:r>
+              <a:rPr lang="en-US" b="1" dirty="0">
+                <a:latin typeface="Euclid Circular B" panose="020B0504000000000000" pitchFamily="34" charset="0"/>
+                <a:ea typeface="Euclid Circular B" panose="020B0504000000000000" pitchFamily="34" charset="0"/>
+              </a:rPr>
+              <a:t>CLI Commands</a:t>
+            </a:r>
+          </a:p>
+          <a:p>
+            <a:r>
+              <a:rPr lang="en-US" b="1" dirty="0">
+                <a:latin typeface="Euclid Circular B" panose="020B0504000000000000" pitchFamily="34" charset="0"/>
+                <a:ea typeface="Euclid Circular B" panose="020B0504000000000000" pitchFamily="34" charset="0"/>
+              </a:rPr>
+              <a:t>Running </a:t>
+            </a:r>
             <a:r>
               <a:rPr lang="en-US" dirty="0">
                 <a:latin typeface="Euclid Circular B" panose="020B0504000000000000" pitchFamily="34" charset="0"/>
                 <a:ea typeface="Euclid Circular B" panose="020B0504000000000000" pitchFamily="34" charset="0"/>
               </a:rPr>
-              <a:t>Running the Application</a:t>
+              <a:t>the application</a:t>
             </a:r>
           </a:p>
         </p:txBody>

--- a/2024-08-15 ABP Community Talks 2024.4/ABP Studio - The Missing Tool for Dotnet Developers.pptx
+++ b/2024-08-15 ABP Community Talks 2024.4/ABP Studio - The Missing Tool for Dotnet Developers.pptx
@@ -6300,14 +6300,14 @@
             <p:ph idx="1"/>
             <p:extLst>
               <p:ext uri="{D42A27DB-BD31-4B8C-83A1-F6EECF244321}">
-                <p14:modId xmlns:p14="http://schemas.microsoft.com/office/powerpoint/2010/main" val="2521896416"/>
+                <p14:modId xmlns:p14="http://schemas.microsoft.com/office/powerpoint/2010/main" val="880827009"/>
               </p:ext>
             </p:extLst>
           </p:nvPr>
         </p:nvGraphicFramePr>
         <p:xfrm>
-          <a:off x="838200" y="1825625"/>
-          <a:ext cx="10515597" cy="3774440"/>
+          <a:off x="838200" y="1541780"/>
+          <a:ext cx="10515597" cy="4693920"/>
         </p:xfrm>
         <a:graphic>
           <a:graphicData uri="http://schemas.openxmlformats.org/drawingml/2006/table">
@@ -6394,7 +6394,7 @@
                     <a:lstStyle/>
                     <a:p>
                       <a:r>
-                        <a:rPr lang="tr-TR" dirty="0"/>
+                        <a:rPr lang="tr-TR" b="1" dirty="0"/>
                         <a:t>Integration Packages (</a:t>
                       </a:r>
                       <a:r>
@@ -6402,10 +6402,10 @@
                         <a:t>Dapr, Redis, RabbitMQ, MongoDB, etc</a:t>
                       </a:r>
                       <a:r>
-                        <a:rPr lang="tr-TR" dirty="0"/>
+                        <a:rPr lang="tr-TR" b="1" dirty="0"/>
                         <a:t>)</a:t>
                       </a:r>
-                      <a:endParaRPr lang="en-US" dirty="0"/>
+                      <a:endParaRPr lang="en-US" b="1" dirty="0"/>
                     </a:p>
                   </a:txBody>
                   <a:tcPr/>
@@ -6416,10 +6416,22 @@
                     <a:lstStyle/>
                     <a:p>
                       <a:r>
+                        <a:rPr lang="tr-TR" b="1" dirty="0"/>
+                        <a:t>YES</a:t>
+                      </a:r>
+                      <a:r>
                         <a:rPr lang="tr-TR" dirty="0"/>
-                        <a:t>YES (rich and well-integrated abstractions) / ABP Framework</a:t>
+                        <a:t> (rich and well-integrated abstractions) </a:t>
                       </a:r>
-                      <a:endParaRPr lang="en-US" dirty="0"/>
+                      <a:r>
+                        <a:rPr lang="en-US" i="1" dirty="0"/>
+                        <a:t>with</a:t>
+                      </a:r>
+                      <a:r>
+                        <a:rPr lang="tr-TR" i="1" dirty="0"/>
+                        <a:t> ABP Framework</a:t>
+                      </a:r>
+                      <a:endParaRPr lang="en-US" i="1" dirty="0"/>
                     </a:p>
                   </a:txBody>
                   <a:tcPr/>
@@ -6430,8 +6442,32 @@
                     <a:lstStyle/>
                     <a:p>
                       <a:r>
+                        <a:rPr lang="tr-TR" b="1" dirty="0"/>
+                        <a:t>YES</a:t>
+                      </a:r>
+                      <a:r>
                         <a:rPr lang="tr-TR" dirty="0"/>
-                        <a:t>YES (simple abstraction and integrations)</a:t>
+                        <a:t> (simple </a:t>
+                      </a:r>
+                      <a:r>
+                        <a:rPr lang="tr-TR" dirty="0" err="1"/>
+                        <a:t>abstraction</a:t>
+                      </a:r>
+                      <a:r>
+                        <a:rPr lang="tr-TR" dirty="0"/>
+                        <a:t> </a:t>
+                      </a:r>
+                      <a:r>
+                        <a:rPr lang="en-US" dirty="0"/>
+                        <a:t>&amp; </a:t>
+                      </a:r>
+                      <a:r>
+                        <a:rPr lang="tr-TR" dirty="0" err="1"/>
+                        <a:t>integrations</a:t>
+                      </a:r>
+                      <a:r>
+                        <a:rPr lang="tr-TR" dirty="0"/>
+                        <a:t>)</a:t>
                       </a:r>
                       <a:endParaRPr lang="en-US" dirty="0"/>
                     </a:p>
@@ -6451,8 +6487,50 @@
                     <a:lstStyle/>
                     <a:p>
                       <a:r>
+                        <a:rPr lang="tr-TR" b="1" dirty="0"/>
+                        <a:t>Starter Templates</a:t>
+                      </a:r>
+                      <a:endParaRPr lang="en-US" b="1" dirty="0"/>
+                    </a:p>
+                  </a:txBody>
+                  <a:tcPr/>
+                </a:tc>
+                <a:tc>
+                  <a:txBody>
+                    <a:bodyPr/>
+                    <a:lstStyle/>
+                    <a:p>
+                      <a:r>
+                        <a:rPr lang="tr-TR" b="1" dirty="0"/>
+                        <a:t>YES</a:t>
+                      </a:r>
+                      <a:r>
                         <a:rPr lang="tr-TR" dirty="0"/>
-                        <a:t>Starter Templates</a:t>
+                        <a:t> (ad</a:t>
+                      </a:r>
+                      <a:r>
+                        <a:rPr lang="en-US" dirty="0" err="1"/>
+                        <a:t>va</a:t>
+                      </a:r>
+                      <a:r>
+                        <a:rPr lang="tr-TR" dirty="0" err="1"/>
+                        <a:t>nced</a:t>
+                      </a:r>
+                      <a:r>
+                        <a:rPr lang="tr-TR" dirty="0"/>
+                        <a:t> architecture &amp; </a:t>
+                      </a:r>
+                      <a:r>
+                        <a:rPr lang="tr-TR" dirty="0" err="1"/>
+                        <a:t>options</a:t>
+                      </a:r>
+                      <a:r>
+                        <a:rPr lang="en-US" dirty="0"/>
+                        <a:t>, includes K8s config, includes application modules, ready to deploy to production, ...</a:t>
+                      </a:r>
+                      <a:r>
+                        <a:rPr lang="tr-TR" dirty="0"/>
+                        <a:t>)</a:t>
                       </a:r>
                       <a:endParaRPr lang="en-US" dirty="0"/>
                     </a:p>
@@ -6465,34 +6543,24 @@
                     <a:lstStyle/>
                     <a:p>
                       <a:r>
-                        <a:rPr lang="tr-TR" dirty="0"/>
-                        <a:t>YES (ad</a:t>
+                        <a:rPr lang="tr-TR" b="1" dirty="0"/>
+                        <a:t>YES</a:t>
                       </a:r>
                       <a:r>
-                        <a:rPr lang="en-US" dirty="0" err="1"/>
-                        <a:t>va</a:t>
+                        <a:rPr lang="tr-TR" dirty="0"/>
+                        <a:t> (</a:t>
                       </a:r>
                       <a:r>
                         <a:rPr lang="tr-TR" dirty="0" err="1"/>
-                        <a:t>nced</a:t>
+                        <a:t>simple</a:t>
+                      </a:r>
+                      <a:r>
+                        <a:rPr lang="en-US" dirty="0"/>
+                        <a:t>, minimal, configured for local development, far away from a real-world solution</a:t>
                       </a:r>
                       <a:r>
                         <a:rPr lang="tr-TR" dirty="0"/>
-                        <a:t> architecture &amp; options)</a:t>
-                      </a:r>
-                      <a:endParaRPr lang="en-US" dirty="0"/>
-                    </a:p>
-                  </a:txBody>
-                  <a:tcPr/>
-                </a:tc>
-                <a:tc>
-                  <a:txBody>
-                    <a:bodyPr/>
-                    <a:lstStyle/>
-                    <a:p>
-                      <a:r>
-                        <a:rPr lang="tr-TR" dirty="0"/>
-                        <a:t>YES (simple)</a:t>
+                        <a:t>)</a:t>
                       </a:r>
                       <a:endParaRPr lang="en-US" dirty="0"/>
                     </a:p>
@@ -6529,10 +6597,10 @@
                         <a:defRPr/>
                       </a:pPr>
                       <a:r>
-                        <a:rPr lang="tr-TR" dirty="0"/>
+                        <a:rPr lang="tr-TR" b="1" dirty="0"/>
                         <a:t>Monitoring</a:t>
                       </a:r>
-                      <a:endParaRPr lang="en-US" dirty="0"/>
+                      <a:endParaRPr lang="en-US" b="1" dirty="0"/>
                     </a:p>
                   </a:txBody>
                   <a:tcPr/>
@@ -6543,10 +6611,25 @@
                     <a:lstStyle/>
                     <a:p>
                       <a:r>
+                        <a:rPr lang="en-US" b="1" dirty="0"/>
+                        <a:t>YES </a:t>
+                      </a:r>
+                      <a:r>
+                        <a:rPr lang="en-US" dirty="0"/>
+                        <a:t>(</a:t>
+                      </a:r>
+                      <a:r>
                         <a:rPr lang="tr-TR" dirty="0"/>
-                        <a:t>HTTP Requests, Events, Exceptions,  Logs</a:t>
+                        <a:t>HTTP Requests, Events, Exceptions,  </a:t>
                       </a:r>
-                      <a:endParaRPr lang="en-US" dirty="0"/>
+                      <a:r>
+                        <a:rPr lang="tr-TR" dirty="0" err="1"/>
+                        <a:t>Logs</a:t>
+                      </a:r>
+                      <a:r>
+                        <a:rPr lang="en-US" dirty="0"/>
+                        <a:t>)</a:t>
+                      </a:r>
                     </a:p>
                   </a:txBody>
                   <a:tcPr/>
@@ -6557,10 +6640,29 @@
                     <a:lstStyle/>
                     <a:p>
                       <a:r>
+                        <a:rPr lang="en-US" b="1" dirty="0"/>
+                        <a:t>YES</a:t>
+                      </a:r>
+                      <a:r>
+                        <a:rPr lang="en-US" dirty="0"/>
+                        <a:t> (</a:t>
+                      </a:r>
+                      <a:r>
+                        <a:rPr lang="tr-TR" dirty="0" err="1"/>
+                        <a:t>Metrics</a:t>
+                      </a:r>
+                      <a:r>
                         <a:rPr lang="tr-TR" dirty="0"/>
-                        <a:t>Metrics, Traces, Logs</a:t>
+                        <a:t>, Traces, </a:t>
                       </a:r>
-                      <a:endParaRPr lang="en-US" dirty="0"/>
+                      <a:r>
+                        <a:rPr lang="tr-TR" dirty="0" err="1"/>
+                        <a:t>Logs</a:t>
+                      </a:r>
+                      <a:r>
+                        <a:rPr lang="en-US" dirty="0"/>
+                        <a:t>)</a:t>
+                      </a:r>
                     </a:p>
                   </a:txBody>
                   <a:tcPr/>
@@ -6578,10 +6680,17 @@
                     <a:lstStyle/>
                     <a:p>
                       <a:r>
-                        <a:rPr lang="tr-TR" dirty="0"/>
-                        <a:t>Architecting / Building Solutions</a:t>
+                        <a:rPr lang="tr-TR" b="1" dirty="0"/>
+                        <a:t>Application </a:t>
                       </a:r>
-                      <a:endParaRPr lang="en-US" dirty="0"/>
+                      <a:r>
+                        <a:rPr lang="tr-TR" b="1" dirty="0" err="1"/>
+                        <a:t>Runner</a:t>
+                      </a:r>
+                      <a:r>
+                        <a:rPr lang="en-US" b="1" dirty="0"/>
+                        <a:t> (hosting)</a:t>
+                      </a:r>
                     </a:p>
                   </a:txBody>
                   <a:tcPr/>
@@ -6592,10 +6701,65 @@
                     <a:lstStyle/>
                     <a:p>
                       <a:r>
-                        <a:rPr lang="tr-TR" dirty="0"/>
+                        <a:rPr lang="tr-TR" b="1" dirty="0"/>
                         <a:t>YES</a:t>
                       </a:r>
-                      <a:endParaRPr lang="en-US" dirty="0"/>
+                      <a:r>
+                        <a:rPr lang="en-US" dirty="0"/>
+                        <a:t> (advanced)</a:t>
+                      </a:r>
+                    </a:p>
+                  </a:txBody>
+                  <a:tcPr/>
+                </a:tc>
+                <a:tc>
+                  <a:txBody>
+                    <a:bodyPr/>
+                    <a:lstStyle/>
+                    <a:p>
+                      <a:r>
+                        <a:rPr lang="en-US" b="1" dirty="0"/>
+                        <a:t>YES</a:t>
+                      </a:r>
+                      <a:r>
+                        <a:rPr lang="en-US" dirty="0"/>
+                        <a:t> (no individual start/stop, no UI)</a:t>
+                      </a:r>
+                    </a:p>
+                  </a:txBody>
+                  <a:tcPr/>
+                </a:tc>
+                <a:extLst>
+                  <a:ext uri="{0D108BD9-81ED-4DB2-BD59-A6C34878D82A}">
+                    <a16:rowId xmlns:a16="http://schemas.microsoft.com/office/drawing/2014/main" val="837065210"/>
+                  </a:ext>
+                </a:extLst>
+              </a:tr>
+              <a:tr h="370840">
+                <a:tc>
+                  <a:txBody>
+                    <a:bodyPr/>
+                    <a:lstStyle/>
+                    <a:p>
+                      <a:r>
+                        <a:rPr lang="tr-TR" b="1" dirty="0"/>
+                        <a:t>Architecting / Building Solutions</a:t>
+                      </a:r>
+                      <a:endParaRPr lang="en-US" b="1" dirty="0"/>
+                    </a:p>
+                  </a:txBody>
+                  <a:tcPr/>
+                </a:tc>
+                <a:tc>
+                  <a:txBody>
+                    <a:bodyPr/>
+                    <a:lstStyle/>
+                    <a:p>
+                      <a:r>
+                        <a:rPr lang="tr-TR" b="1" dirty="0"/>
+                        <a:t>YES</a:t>
+                      </a:r>
+                      <a:endParaRPr lang="en-US" b="1" dirty="0"/>
                     </a:p>
                   </a:txBody>
                   <a:tcPr/>
@@ -6627,10 +6791,10 @@
                     <a:lstStyle/>
                     <a:p>
                       <a:r>
-                        <a:rPr lang="tr-TR" dirty="0"/>
-                        <a:t>Application Runner</a:t>
+                        <a:rPr lang="tr-TR" b="1" dirty="0"/>
+                        <a:t>Kubernetes Tunneling</a:t>
                       </a:r>
-                      <a:endParaRPr lang="en-US" dirty="0"/>
+                      <a:endParaRPr lang="en-US" b="1" dirty="0"/>
                     </a:p>
                   </a:txBody>
                   <a:tcPr/>
@@ -6641,59 +6805,10 @@
                     <a:lstStyle/>
                     <a:p>
                       <a:r>
-                        <a:rPr lang="tr-TR" dirty="0"/>
+                        <a:rPr lang="tr-TR" b="1" dirty="0"/>
                         <a:t>YES</a:t>
                       </a:r>
-                      <a:endParaRPr lang="en-US" dirty="0"/>
-                    </a:p>
-                  </a:txBody>
-                  <a:tcPr/>
-                </a:tc>
-                <a:tc>
-                  <a:txBody>
-                    <a:bodyPr/>
-                    <a:lstStyle/>
-                    <a:p>
-                      <a:r>
-                        <a:rPr lang="tr-TR" dirty="0"/>
-                        <a:t>-</a:t>
-                      </a:r>
-                      <a:endParaRPr lang="en-US" dirty="0"/>
-                    </a:p>
-                  </a:txBody>
-                  <a:tcPr/>
-                </a:tc>
-                <a:extLst>
-                  <a:ext uri="{0D108BD9-81ED-4DB2-BD59-A6C34878D82A}">
-                    <a16:rowId xmlns:a16="http://schemas.microsoft.com/office/drawing/2014/main" val="1297522705"/>
-                  </a:ext>
-                </a:extLst>
-              </a:tr>
-              <a:tr h="370840">
-                <a:tc>
-                  <a:txBody>
-                    <a:bodyPr/>
-                    <a:lstStyle/>
-                    <a:p>
-                      <a:r>
-                        <a:rPr lang="tr-TR" dirty="0"/>
-                        <a:t>Kubernetes Tunneling</a:t>
-                      </a:r>
-                      <a:endParaRPr lang="en-US" dirty="0"/>
-                    </a:p>
-                  </a:txBody>
-                  <a:tcPr/>
-                </a:tc>
-                <a:tc>
-                  <a:txBody>
-                    <a:bodyPr/>
-                    <a:lstStyle/>
-                    <a:p>
-                      <a:r>
-                        <a:rPr lang="tr-TR" dirty="0"/>
-                        <a:t>YES</a:t>
-                      </a:r>
-                      <a:endParaRPr lang="en-US" dirty="0"/>
+                      <a:endParaRPr lang="en-US" b="1" dirty="0"/>
                     </a:p>
                   </a:txBody>
                   <a:tcPr/>
@@ -6725,10 +6840,10 @@
                     <a:lstStyle/>
                     <a:p>
                       <a:r>
-                        <a:rPr lang="tr-TR" dirty="0"/>
+                        <a:rPr lang="tr-TR" b="1" dirty="0"/>
                         <a:t>Building Modular Solutions</a:t>
                       </a:r>
-                      <a:endParaRPr lang="en-US" dirty="0"/>
+                      <a:endParaRPr lang="en-US" b="1" dirty="0"/>
                     </a:p>
                   </a:txBody>
                   <a:tcPr/>
@@ -6739,10 +6854,10 @@
                     <a:lstStyle/>
                     <a:p>
                       <a:r>
-                        <a:rPr lang="tr-TR" dirty="0"/>
+                        <a:rPr lang="tr-TR" b="1" dirty="0"/>
                         <a:t>YES</a:t>
                       </a:r>
-                      <a:endParaRPr lang="en-US" dirty="0"/>
+                      <a:endParaRPr lang="en-US" b="1" dirty="0"/>
                     </a:p>
                   </a:txBody>
                   <a:tcPr/>
@@ -6764,6 +6879,59 @@
                 <a:extLst>
                   <a:ext uri="{0D108BD9-81ED-4DB2-BD59-A6C34878D82A}">
                     <a16:rowId xmlns:a16="http://schemas.microsoft.com/office/drawing/2014/main" val="2864653043"/>
+                  </a:ext>
+                </a:extLst>
+              </a:tr>
+              <a:tr h="370840">
+                <a:tc>
+                  <a:txBody>
+                    <a:bodyPr/>
+                    <a:lstStyle/>
+                    <a:p>
+                      <a:r>
+                        <a:rPr lang="en-US" b="1" dirty="0"/>
+                        <a:t>Many other useful features…</a:t>
+                      </a:r>
+                    </a:p>
+                  </a:txBody>
+                  <a:tcPr/>
+                </a:tc>
+                <a:tc>
+                  <a:txBody>
+                    <a:bodyPr/>
+                    <a:lstStyle/>
+                    <a:p>
+                      <a:r>
+                        <a:rPr lang="en-US" b="1" dirty="0"/>
+                        <a:t>YES </a:t>
+                      </a:r>
+                      <a:r>
+                        <a:rPr lang="en-US" b="1" dirty="0">
+                          <a:sym typeface="Wingdings" panose="05000000000000000000" pitchFamily="2" charset="2"/>
+                        </a:rPr>
+                        <a:t></a:t>
+                      </a:r>
+                      <a:endParaRPr lang="en-US" b="1" dirty="0"/>
+                    </a:p>
+                  </a:txBody>
+                  <a:tcPr/>
+                </a:tc>
+                <a:tc>
+                  <a:txBody>
+                    <a:bodyPr/>
+                    <a:lstStyle/>
+                    <a:p>
+                      <a:r>
+                        <a:rPr lang="en-US" dirty="0"/>
+                        <a:t>-</a:t>
+                      </a:r>
+                    </a:p>
+                  </a:txBody>
+                  <a:tcPr/>
+                </a:tc>
+                <a:extLst>
+                  <a:ext uri="{0D108BD9-81ED-4DB2-BD59-A6C34878D82A}">
+                    <a16:rowId xmlns:a16="http://schemas.microsoft.com/office/drawing/2014/main" val="3332620247"/>
                   </a:ext>
                 </a:extLst>
               </a:tr>

--- a/2024-08-15 ABP Community Talks 2024.4/ABP Studio - The Missing Tool for Dotnet Developers.pptx
+++ b/2024-08-15 ABP Community Talks 2024.4/ABP Studio - The Missing Tool for Dotnet Developers.pptx
@@ -277,7 +277,7 @@
           <a:p>
             <a:fld id="{2A14C9FE-EBC3-45D3-899C-58AAF4F8AF71}" type="datetimeFigureOut">
               <a:rPr lang="en-US" smtClean="0"/>
-              <a:t>8/14/2024</a:t>
+              <a:t>8/15/2024</a:t>
             </a:fld>
             <a:endParaRPr lang="en-US"/>
           </a:p>
@@ -475,7 +475,7 @@
           <a:p>
             <a:fld id="{2A14C9FE-EBC3-45D3-899C-58AAF4F8AF71}" type="datetimeFigureOut">
               <a:rPr lang="en-US" smtClean="0"/>
-              <a:t>8/14/2024</a:t>
+              <a:t>8/15/2024</a:t>
             </a:fld>
             <a:endParaRPr lang="en-US"/>
           </a:p>
@@ -683,7 +683,7 @@
           <a:p>
             <a:fld id="{2A14C9FE-EBC3-45D3-899C-58AAF4F8AF71}" type="datetimeFigureOut">
               <a:rPr lang="en-US" smtClean="0"/>
-              <a:t>8/14/2024</a:t>
+              <a:t>8/15/2024</a:t>
             </a:fld>
             <a:endParaRPr lang="en-US"/>
           </a:p>
@@ -881,7 +881,7 @@
           <a:p>
             <a:fld id="{2A14C9FE-EBC3-45D3-899C-58AAF4F8AF71}" type="datetimeFigureOut">
               <a:rPr lang="en-US" smtClean="0"/>
-              <a:t>8/14/2024</a:t>
+              <a:t>8/15/2024</a:t>
             </a:fld>
             <a:endParaRPr lang="en-US"/>
           </a:p>
@@ -1156,7 +1156,7 @@
           <a:p>
             <a:fld id="{2A14C9FE-EBC3-45D3-899C-58AAF4F8AF71}" type="datetimeFigureOut">
               <a:rPr lang="en-US" smtClean="0"/>
-              <a:t>8/14/2024</a:t>
+              <a:t>8/15/2024</a:t>
             </a:fld>
             <a:endParaRPr lang="en-US"/>
           </a:p>
@@ -1421,7 +1421,7 @@
           <a:p>
             <a:fld id="{2A14C9FE-EBC3-45D3-899C-58AAF4F8AF71}" type="datetimeFigureOut">
               <a:rPr lang="en-US" smtClean="0"/>
-              <a:t>8/14/2024</a:t>
+              <a:t>8/15/2024</a:t>
             </a:fld>
             <a:endParaRPr lang="en-US"/>
           </a:p>
@@ -1833,7 +1833,7 @@
           <a:p>
             <a:fld id="{2A14C9FE-EBC3-45D3-899C-58AAF4F8AF71}" type="datetimeFigureOut">
               <a:rPr lang="en-US" smtClean="0"/>
-              <a:t>8/14/2024</a:t>
+              <a:t>8/15/2024</a:t>
             </a:fld>
             <a:endParaRPr lang="en-US"/>
           </a:p>
@@ -1974,7 +1974,7 @@
           <a:p>
             <a:fld id="{2A14C9FE-EBC3-45D3-899C-58AAF4F8AF71}" type="datetimeFigureOut">
               <a:rPr lang="en-US" smtClean="0"/>
-              <a:t>8/14/2024</a:t>
+              <a:t>8/15/2024</a:t>
             </a:fld>
             <a:endParaRPr lang="en-US"/>
           </a:p>
@@ -2087,7 +2087,7 @@
           <a:p>
             <a:fld id="{2A14C9FE-EBC3-45D3-899C-58AAF4F8AF71}" type="datetimeFigureOut">
               <a:rPr lang="en-US" smtClean="0"/>
-              <a:t>8/14/2024</a:t>
+              <a:t>8/15/2024</a:t>
             </a:fld>
             <a:endParaRPr lang="en-US"/>
           </a:p>
@@ -2398,7 +2398,7 @@
           <a:p>
             <a:fld id="{2A14C9FE-EBC3-45D3-899C-58AAF4F8AF71}" type="datetimeFigureOut">
               <a:rPr lang="en-US" smtClean="0"/>
-              <a:t>8/14/2024</a:t>
+              <a:t>8/15/2024</a:t>
             </a:fld>
             <a:endParaRPr lang="en-US"/>
           </a:p>
@@ -2686,7 +2686,7 @@
           <a:p>
             <a:fld id="{2A14C9FE-EBC3-45D3-899C-58AAF4F8AF71}" type="datetimeFigureOut">
               <a:rPr lang="en-US" smtClean="0"/>
-              <a:t>8/14/2024</a:t>
+              <a:t>8/15/2024</a:t>
             </a:fld>
             <a:endParaRPr lang="en-US"/>
           </a:p>
@@ -2927,7 +2927,7 @@
           <a:p>
             <a:fld id="{2A14C9FE-EBC3-45D3-899C-58AAF4F8AF71}" type="datetimeFigureOut">
               <a:rPr lang="en-US" smtClean="0"/>
-              <a:t>8/14/2024</a:t>
+              <a:t>8/15/2024</a:t>
             </a:fld>
             <a:endParaRPr lang="en-US"/>
           </a:p>
@@ -6949,6 +6949,89 @@
   <p:clrMapOvr>
     <a:masterClrMapping/>
   </p:clrMapOvr>
+  <p:timing>
+    <p:tnLst>
+      <p:par>
+        <p:cTn id="1" dur="indefinite" restart="never" nodeType="tmRoot">
+          <p:childTnLst>
+            <p:seq concurrent="1" nextAc="seek">
+              <p:cTn id="2" dur="indefinite" nodeType="mainSeq">
+                <p:childTnLst>
+                  <p:par>
+                    <p:cTn id="3" fill="hold">
+                      <p:stCondLst>
+                        <p:cond delay="indefinite"/>
+                      </p:stCondLst>
+                      <p:childTnLst>
+                        <p:par>
+                          <p:cTn id="4" fill="hold">
+                            <p:stCondLst>
+                              <p:cond delay="0"/>
+                            </p:stCondLst>
+                            <p:childTnLst>
+                              <p:par>
+                                <p:cTn id="5" presetID="10" presetClass="entr" presetSubtype="0" fill="hold" nodeType="clickEffect">
+                                  <p:stCondLst>
+                                    <p:cond delay="0"/>
+                                  </p:stCondLst>
+                                  <p:childTnLst>
+                                    <p:set>
+                                      <p:cBhvr>
+                                        <p:cTn id="6" dur="1" fill="hold">
+                                          <p:stCondLst>
+                                            <p:cond delay="0"/>
+                                          </p:stCondLst>
+                                        </p:cTn>
+                                        <p:tgtEl>
+                                          <p:spTgt spid="4"/>
+                                        </p:tgtEl>
+                                        <p:attrNameLst>
+                                          <p:attrName>style.visibility</p:attrName>
+                                        </p:attrNameLst>
+                                      </p:cBhvr>
+                                      <p:to>
+                                        <p:strVal val="visible"/>
+                                      </p:to>
+                                    </p:set>
+                                    <p:animEffect transition="in" filter="fade">
+                                      <p:cBhvr>
+                                        <p:cTn id="7" dur="500"/>
+                                        <p:tgtEl>
+                                          <p:spTgt spid="4"/>
+                                        </p:tgtEl>
+                                      </p:cBhvr>
+                                    </p:animEffect>
+                                  </p:childTnLst>
+                                </p:cTn>
+                              </p:par>
+                            </p:childTnLst>
+                          </p:cTn>
+                        </p:par>
+                      </p:childTnLst>
+                    </p:cTn>
+                  </p:par>
+                </p:childTnLst>
+              </p:cTn>
+              <p:prevCondLst>
+                <p:cond evt="onPrev" delay="0">
+                  <p:tgtEl>
+                    <p:sldTgt/>
+                  </p:tgtEl>
+                </p:cond>
+              </p:prevCondLst>
+              <p:nextCondLst>
+                <p:cond evt="onNext" delay="0">
+                  <p:tgtEl>
+                    <p:sldTgt/>
+                  </p:tgtEl>
+                </p:cond>
+              </p:nextCondLst>
+            </p:seq>
+          </p:childTnLst>
+        </p:cTn>
+      </p:par>
+    </p:tnLst>
+  </p:timing>
 </p:sld>
 </file>
 
